--- a/present/presentation.pptx
+++ b/present/presentation.pptx
@@ -124,6 +124,11 @@
       </a:defRPr>
     </a:lvl9pPr>
   </p:defaultTextStyle>
+  <p:extLst>
+    <p:ext uri="{EFAFB233-063F-42B5-8137-9DF3F51BA10A}">
+      <p15:sldGuideLst xmlns:p15="http://schemas.microsoft.com/office/powerpoint/2012/main"/>
+    </p:ext>
+  </p:extLst>
 </p:presentation>
 </file>
 
@@ -140,7 +145,7 @@
   <pc:docChgLst>
     <pc:chgData name="Trung Nghia Nguyen" userId="caf0b1f78d203fdc" providerId="LiveId" clId="{FA98E611-7EE5-4D53-A8F6-A8478DA16B0D}"/>
     <pc:docChg chg="undo custSel addSld modSld sldOrd modMainMaster">
-      <pc:chgData name="Trung Nghia Nguyen" userId="caf0b1f78d203fdc" providerId="LiveId" clId="{FA98E611-7EE5-4D53-A8F6-A8478DA16B0D}" dt="2023-03-16T06:21:02.566" v="1885" actId="20577"/>
+      <pc:chgData name="Trung Nghia Nguyen" userId="caf0b1f78d203fdc" providerId="LiveId" clId="{FA98E611-7EE5-4D53-A8F6-A8478DA16B0D}" dt="2023-03-16T06:25:23.606" v="1888" actId="20577"/>
       <pc:docMkLst>
         <pc:docMk/>
       </pc:docMkLst>
@@ -263,7 +268,7 @@
         </pc:graphicFrameChg>
       </pc:sldChg>
       <pc:sldChg chg="modSp add mod">
-        <pc:chgData name="Trung Nghia Nguyen" userId="caf0b1f78d203fdc" providerId="LiveId" clId="{FA98E611-7EE5-4D53-A8F6-A8478DA16B0D}" dt="2023-03-16T06:03:30.995" v="1095" actId="20577"/>
+        <pc:chgData name="Trung Nghia Nguyen" userId="caf0b1f78d203fdc" providerId="LiveId" clId="{FA98E611-7EE5-4D53-A8F6-A8478DA16B0D}" dt="2023-03-16T06:25:23.606" v="1888" actId="20577"/>
         <pc:sldMkLst>
           <pc:docMk/>
           <pc:sldMk cId="3011248427" sldId="258"/>
@@ -277,7 +282,7 @@
           </ac:spMkLst>
         </pc:spChg>
         <pc:graphicFrameChg chg="mod modGraphic">
-          <ac:chgData name="Trung Nghia Nguyen" userId="caf0b1f78d203fdc" providerId="LiveId" clId="{FA98E611-7EE5-4D53-A8F6-A8478DA16B0D}" dt="2023-03-16T06:03:30.995" v="1095" actId="20577"/>
+          <ac:chgData name="Trung Nghia Nguyen" userId="caf0b1f78d203fdc" providerId="LiveId" clId="{FA98E611-7EE5-4D53-A8F6-A8478DA16B0D}" dt="2023-03-16T06:25:23.606" v="1888" actId="20577"/>
           <ac:graphicFrameMkLst>
             <pc:docMk/>
             <pc:sldMk cId="3011248427" sldId="258"/>
@@ -9194,7 +9199,7 @@
           <p:nvPr>
             <p:extLst>
               <p:ext uri="{D42A27DB-BD31-4B8C-83A1-F6EECF244321}">
-                <p14:modId xmlns:p14="http://schemas.microsoft.com/office/powerpoint/2010/main" val="445765320"/>
+                <p14:modId xmlns:p14="http://schemas.microsoft.com/office/powerpoint/2010/main" val="1417422330"/>
               </p:ext>
             </p:extLst>
           </p:nvPr>
@@ -9397,7 +9402,7 @@
                           <a:latin typeface="Times New Roman" panose="02020603050405020304" pitchFamily="18" charset="0"/>
                           <a:cs typeface="Times New Roman" panose="02020603050405020304" pitchFamily="18" charset="0"/>
                         </a:rPr>
-                        <a:t>infinity</a:t>
+                        <a:t>/</a:t>
                       </a:r>
                     </a:p>
                   </a:txBody>

--- a/present/presentation.pptx
+++ b/present/presentation.pptx
@@ -4,28 +4,35 @@
   <p:sldMasterIdLst>
     <p:sldMasterId id="2147483660" r:id="rId1"/>
   </p:sldMasterIdLst>
+  <p:notesMasterIdLst>
+    <p:notesMasterId r:id="rId27"/>
+  </p:notesMasterIdLst>
   <p:sldIdLst>
     <p:sldId id="257" r:id="rId2"/>
     <p:sldId id="256" r:id="rId3"/>
-    <p:sldId id="258" r:id="rId4"/>
-    <p:sldId id="259" r:id="rId5"/>
-    <p:sldId id="263" r:id="rId6"/>
-    <p:sldId id="262" r:id="rId7"/>
-    <p:sldId id="261" r:id="rId8"/>
-    <p:sldId id="260" r:id="rId9"/>
-    <p:sldId id="264" r:id="rId10"/>
-    <p:sldId id="273" r:id="rId11"/>
-    <p:sldId id="265" r:id="rId12"/>
-    <p:sldId id="266" r:id="rId13"/>
-    <p:sldId id="267" r:id="rId14"/>
-    <p:sldId id="268" r:id="rId15"/>
-    <p:sldId id="269" r:id="rId16"/>
-    <p:sldId id="274" r:id="rId17"/>
-    <p:sldId id="270" r:id="rId18"/>
-    <p:sldId id="271" r:id="rId19"/>
-    <p:sldId id="275" r:id="rId20"/>
-    <p:sldId id="276" r:id="rId21"/>
-    <p:sldId id="272" r:id="rId22"/>
+    <p:sldId id="277" r:id="rId4"/>
+    <p:sldId id="258" r:id="rId5"/>
+    <p:sldId id="259" r:id="rId6"/>
+    <p:sldId id="263" r:id="rId7"/>
+    <p:sldId id="278" r:id="rId8"/>
+    <p:sldId id="279" r:id="rId9"/>
+    <p:sldId id="280" r:id="rId10"/>
+    <p:sldId id="281" r:id="rId11"/>
+    <p:sldId id="261" r:id="rId12"/>
+    <p:sldId id="260" r:id="rId13"/>
+    <p:sldId id="264" r:id="rId14"/>
+    <p:sldId id="273" r:id="rId15"/>
+    <p:sldId id="265" r:id="rId16"/>
+    <p:sldId id="266" r:id="rId17"/>
+    <p:sldId id="267" r:id="rId18"/>
+    <p:sldId id="268" r:id="rId19"/>
+    <p:sldId id="269" r:id="rId20"/>
+    <p:sldId id="274" r:id="rId21"/>
+    <p:sldId id="270" r:id="rId22"/>
+    <p:sldId id="271" r:id="rId23"/>
+    <p:sldId id="275" r:id="rId24"/>
+    <p:sldId id="276" r:id="rId25"/>
+    <p:sldId id="272" r:id="rId26"/>
   </p:sldIdLst>
   <p:sldSz cx="9144000" cy="6858000" type="screen4x3"/>
   <p:notesSz cx="6858000" cy="9144000"/>
@@ -135,7 +142,7 @@
 <file path=ppt/revisionInfo.xml><?xml version="1.0" encoding="utf-8"?>
 <p1510:revInfo xmlns:a="http://schemas.openxmlformats.org/drawingml/2006/main" xmlns:r="http://schemas.openxmlformats.org/officeDocument/2006/relationships" xmlns:p1510="http://schemas.microsoft.com/office/powerpoint/2015/10/main">
   <p1510:revLst>
-    <p1510:client id="{FA98E611-7EE5-4D53-A8F6-A8478DA16B0D}" v="38" dt="2023-03-16T06:19:40.904"/>
+    <p1510:client id="{FA98E611-7EE5-4D53-A8F6-A8478DA16B0D}" v="107" dt="2023-03-17T07:03:03.495"/>
   </p1510:revLst>
 </p1510:revInfo>
 </file>
@@ -144,13 +151,13 @@
 <pc:chgInfo xmlns:a="http://schemas.openxmlformats.org/drawingml/2006/main" xmlns:r="http://schemas.openxmlformats.org/officeDocument/2006/relationships" xmlns:ac="http://schemas.microsoft.com/office/drawing/2013/main/command" xmlns:pc="http://schemas.microsoft.com/office/powerpoint/2013/main/command">
   <pc:docChgLst>
     <pc:chgData name="Trung Nghia Nguyen" userId="caf0b1f78d203fdc" providerId="LiveId" clId="{FA98E611-7EE5-4D53-A8F6-A8478DA16B0D}"/>
-    <pc:docChg chg="undo custSel addSld modSld sldOrd modMainMaster">
-      <pc:chgData name="Trung Nghia Nguyen" userId="caf0b1f78d203fdc" providerId="LiveId" clId="{FA98E611-7EE5-4D53-A8F6-A8478DA16B0D}" dt="2023-03-16T06:25:23.606" v="1888" actId="20577"/>
+    <pc:docChg chg="undo custSel addSld delSld modSld sldOrd modMainMaster">
+      <pc:chgData name="Trung Nghia Nguyen" userId="caf0b1f78d203fdc" providerId="LiveId" clId="{FA98E611-7EE5-4D53-A8F6-A8478DA16B0D}" dt="2023-03-17T07:06:13.877" v="3269" actId="20577"/>
       <pc:docMkLst>
         <pc:docMk/>
       </pc:docMkLst>
       <pc:sldChg chg="addSp delSp modSp new mod">
-        <pc:chgData name="Trung Nghia Nguyen" userId="caf0b1f78d203fdc" providerId="LiveId" clId="{FA98E611-7EE5-4D53-A8F6-A8478DA16B0D}" dt="2023-03-16T05:57:55.509" v="967" actId="6549"/>
+        <pc:chgData name="Trung Nghia Nguyen" userId="caf0b1f78d203fdc" providerId="LiveId" clId="{FA98E611-7EE5-4D53-A8F6-A8478DA16B0D}" dt="2023-03-17T04:38:44.756" v="3043" actId="14100"/>
         <pc:sldMkLst>
           <pc:docMk/>
           <pc:sldMk cId="779292092" sldId="256"/>
@@ -169,6 +176,14 @@
             <pc:docMk/>
             <pc:sldMk cId="779292092" sldId="256"/>
             <ac:spMk id="3" creationId="{10CEF238-71AF-8F0B-FAB7-5FB7BE0C6241}"/>
+          </ac:spMkLst>
+        </pc:spChg>
+        <pc:spChg chg="add mod">
+          <ac:chgData name="Trung Nghia Nguyen" userId="caf0b1f78d203fdc" providerId="LiveId" clId="{FA98E611-7EE5-4D53-A8F6-A8478DA16B0D}" dt="2023-03-17T04:38:44.756" v="3043" actId="14100"/>
+          <ac:spMkLst>
+            <pc:docMk/>
+            <pc:sldMk cId="779292092" sldId="256"/>
+            <ac:spMk id="3" creationId="{96D15035-7BD4-17B1-61CC-73A16FAB9E8C}"/>
           </ac:spMkLst>
         </pc:spChg>
         <pc:spChg chg="add del mod">
@@ -228,7 +243,7 @@
           </ac:spMkLst>
         </pc:spChg>
         <pc:graphicFrameChg chg="add mod modGraphic">
-          <ac:chgData name="Trung Nghia Nguyen" userId="caf0b1f78d203fdc" providerId="LiveId" clId="{FA98E611-7EE5-4D53-A8F6-A8478DA16B0D}" dt="2023-03-16T05:57:55.509" v="967" actId="6549"/>
+          <ac:chgData name="Trung Nghia Nguyen" userId="caf0b1f78d203fdc" providerId="LiveId" clId="{FA98E611-7EE5-4D53-A8F6-A8478DA16B0D}" dt="2023-03-17T04:33:02.780" v="2939" actId="20577"/>
           <ac:graphicFrameMkLst>
             <pc:docMk/>
             <pc:sldMk cId="779292092" sldId="256"/>
@@ -244,6 +259,14 @@
           </ac:picMkLst>
         </pc:picChg>
         <pc:cxnChg chg="add mod">
+          <ac:chgData name="Trung Nghia Nguyen" userId="caf0b1f78d203fdc" providerId="LiveId" clId="{FA98E611-7EE5-4D53-A8F6-A8478DA16B0D}" dt="2023-03-17T04:37:52.245" v="3021"/>
+          <ac:cxnSpMkLst>
+            <pc:docMk/>
+            <pc:sldMk cId="779292092" sldId="256"/>
+            <ac:cxnSpMk id="2" creationId="{D5E91735-6F4E-1EBB-5B25-60BB71493CFD}"/>
+          </ac:cxnSpMkLst>
+        </pc:cxnChg>
+        <pc:cxnChg chg="add mod">
           <ac:chgData name="Trung Nghia Nguyen" userId="caf0b1f78d203fdc" providerId="LiveId" clId="{FA98E611-7EE5-4D53-A8F6-A8478DA16B0D}" dt="2023-03-16T04:29:23.337" v="100" actId="14100"/>
           <ac:cxnSpMkLst>
             <pc:docMk/>
@@ -252,12 +275,20 @@
           </ac:cxnSpMkLst>
         </pc:cxnChg>
       </pc:sldChg>
-      <pc:sldChg chg="modSp add mod ord">
-        <pc:chgData name="Trung Nghia Nguyen" userId="caf0b1f78d203fdc" providerId="LiveId" clId="{FA98E611-7EE5-4D53-A8F6-A8478DA16B0D}" dt="2023-03-16T05:56:11.782" v="795"/>
+      <pc:sldChg chg="addSp modSp add mod ord">
+        <pc:chgData name="Trung Nghia Nguyen" userId="caf0b1f78d203fdc" providerId="LiveId" clId="{FA98E611-7EE5-4D53-A8F6-A8478DA16B0D}" dt="2023-03-17T04:37:47.645" v="3020" actId="14100"/>
         <pc:sldMkLst>
           <pc:docMk/>
           <pc:sldMk cId="502051408" sldId="257"/>
         </pc:sldMkLst>
+        <pc:spChg chg="add mod">
+          <ac:chgData name="Trung Nghia Nguyen" userId="caf0b1f78d203fdc" providerId="LiveId" clId="{FA98E611-7EE5-4D53-A8F6-A8478DA16B0D}" dt="2023-03-17T04:37:41.303" v="3019" actId="14100"/>
+          <ac:spMkLst>
+            <pc:docMk/>
+            <pc:sldMk cId="502051408" sldId="257"/>
+            <ac:spMk id="4" creationId="{A7C6B5DE-252A-6692-B1E6-C658AB98BEE6}"/>
+          </ac:spMkLst>
+        </pc:spChg>
         <pc:graphicFrameChg chg="mod modGraphic">
           <ac:chgData name="Trung Nghia Nguyen" userId="caf0b1f78d203fdc" providerId="LiveId" clId="{FA98E611-7EE5-4D53-A8F6-A8478DA16B0D}" dt="2023-03-16T05:55:18.040" v="793" actId="1076"/>
           <ac:graphicFrameMkLst>
@@ -266,13 +297,37 @@
             <ac:graphicFrameMk id="16" creationId="{A794B221-780B-3E0D-DCDE-B4B669AD1AE3}"/>
           </ac:graphicFrameMkLst>
         </pc:graphicFrameChg>
+        <pc:cxnChg chg="add mod">
+          <ac:chgData name="Trung Nghia Nguyen" userId="caf0b1f78d203fdc" providerId="LiveId" clId="{FA98E611-7EE5-4D53-A8F6-A8478DA16B0D}" dt="2023-03-17T04:37:47.645" v="3020" actId="14100"/>
+          <ac:cxnSpMkLst>
+            <pc:docMk/>
+            <pc:sldMk cId="502051408" sldId="257"/>
+            <ac:cxnSpMk id="2" creationId="{0193EF83-1ED7-DCBA-7737-4EE3F208EA17}"/>
+          </ac:cxnSpMkLst>
+        </pc:cxnChg>
       </pc:sldChg>
-      <pc:sldChg chg="modSp add mod">
-        <pc:chgData name="Trung Nghia Nguyen" userId="caf0b1f78d203fdc" providerId="LiveId" clId="{FA98E611-7EE5-4D53-A8F6-A8478DA16B0D}" dt="2023-03-16T06:25:23.606" v="1888" actId="20577"/>
+      <pc:sldChg chg="addSp delSp modSp add mod">
+        <pc:chgData name="Trung Nghia Nguyen" userId="caf0b1f78d203fdc" providerId="LiveId" clId="{FA98E611-7EE5-4D53-A8F6-A8478DA16B0D}" dt="2023-03-17T04:38:56.706" v="3047"/>
         <pc:sldMkLst>
           <pc:docMk/>
           <pc:sldMk cId="3011248427" sldId="258"/>
         </pc:sldMkLst>
+        <pc:spChg chg="add del mod">
+          <ac:chgData name="Trung Nghia Nguyen" userId="caf0b1f78d203fdc" providerId="LiveId" clId="{FA98E611-7EE5-4D53-A8F6-A8478DA16B0D}" dt="2023-03-17T04:38:56.233" v="3046" actId="478"/>
+          <ac:spMkLst>
+            <pc:docMk/>
+            <pc:sldMk cId="3011248427" sldId="258"/>
+            <ac:spMk id="3" creationId="{00103708-BF71-4028-9F2C-BCD6FC6E2BB3}"/>
+          </ac:spMkLst>
+        </pc:spChg>
+        <pc:spChg chg="add mod">
+          <ac:chgData name="Trung Nghia Nguyen" userId="caf0b1f78d203fdc" providerId="LiveId" clId="{FA98E611-7EE5-4D53-A8F6-A8478DA16B0D}" dt="2023-03-17T04:38:56.706" v="3047"/>
+          <ac:spMkLst>
+            <pc:docMk/>
+            <pc:sldMk cId="3011248427" sldId="258"/>
+            <ac:spMk id="4" creationId="{11342279-3B1B-9555-FD5C-CA3839B3D029}"/>
+          </ac:spMkLst>
+        </pc:spChg>
         <pc:spChg chg="mod">
           <ac:chgData name="Trung Nghia Nguyen" userId="caf0b1f78d203fdc" providerId="LiveId" clId="{FA98E611-7EE5-4D53-A8F6-A8478DA16B0D}" dt="2023-03-16T06:01:33.515" v="1032" actId="20577"/>
           <ac:spMkLst>
@@ -282,16 +337,24 @@
           </ac:spMkLst>
         </pc:spChg>
         <pc:graphicFrameChg chg="mod modGraphic">
-          <ac:chgData name="Trung Nghia Nguyen" userId="caf0b1f78d203fdc" providerId="LiveId" clId="{FA98E611-7EE5-4D53-A8F6-A8478DA16B0D}" dt="2023-03-16T06:25:23.606" v="1888" actId="20577"/>
+          <ac:chgData name="Trung Nghia Nguyen" userId="caf0b1f78d203fdc" providerId="LiveId" clId="{FA98E611-7EE5-4D53-A8F6-A8478DA16B0D}" dt="2023-03-17T04:33:36.908" v="2959" actId="20577"/>
           <ac:graphicFrameMkLst>
             <pc:docMk/>
             <pc:sldMk cId="3011248427" sldId="258"/>
             <ac:graphicFrameMk id="16" creationId="{A794B221-780B-3E0D-DCDE-B4B669AD1AE3}"/>
           </ac:graphicFrameMkLst>
         </pc:graphicFrameChg>
+        <pc:cxnChg chg="add mod">
+          <ac:chgData name="Trung Nghia Nguyen" userId="caf0b1f78d203fdc" providerId="LiveId" clId="{FA98E611-7EE5-4D53-A8F6-A8478DA16B0D}" dt="2023-03-17T04:37:55.646" v="3023"/>
+          <ac:cxnSpMkLst>
+            <pc:docMk/>
+            <pc:sldMk cId="3011248427" sldId="258"/>
+            <ac:cxnSpMk id="2" creationId="{AF3ADEA5-03F2-7E56-B6E6-8B6970A896CF}"/>
+          </ac:cxnSpMkLst>
+        </pc:cxnChg>
       </pc:sldChg>
       <pc:sldChg chg="addSp delSp modSp add mod">
-        <pc:chgData name="Trung Nghia Nguyen" userId="caf0b1f78d203fdc" providerId="LiveId" clId="{FA98E611-7EE5-4D53-A8F6-A8478DA16B0D}" dt="2023-03-16T06:06:38.899" v="1143" actId="114"/>
+        <pc:chgData name="Trung Nghia Nguyen" userId="caf0b1f78d203fdc" providerId="LiveId" clId="{FA98E611-7EE5-4D53-A8F6-A8478DA16B0D}" dt="2023-03-17T06:11:13.488" v="3083" actId="1076"/>
         <pc:sldMkLst>
           <pc:docMk/>
           <pc:sldMk cId="4019893558" sldId="259"/>
@@ -302,6 +365,22 @@
             <pc:docMk/>
             <pc:sldMk cId="4019893558" sldId="259"/>
             <ac:spMk id="2" creationId="{30380714-4CD2-9849-80A6-8AC66F97DA6F}"/>
+          </ac:spMkLst>
+        </pc:spChg>
+        <pc:spChg chg="add del mod">
+          <ac:chgData name="Trung Nghia Nguyen" userId="caf0b1f78d203fdc" providerId="LiveId" clId="{FA98E611-7EE5-4D53-A8F6-A8478DA16B0D}" dt="2023-03-17T04:38:59.674" v="3048" actId="478"/>
+          <ac:spMkLst>
+            <pc:docMk/>
+            <pc:sldMk cId="4019893558" sldId="259"/>
+            <ac:spMk id="4" creationId="{E6731AC8-6FBB-04D3-C8AD-D910046055D9}"/>
+          </ac:spMkLst>
+        </pc:spChg>
+        <pc:spChg chg="add mod">
+          <ac:chgData name="Trung Nghia Nguyen" userId="caf0b1f78d203fdc" providerId="LiveId" clId="{FA98E611-7EE5-4D53-A8F6-A8478DA16B0D}" dt="2023-03-17T04:38:59.852" v="3049"/>
+          <ac:spMkLst>
+            <pc:docMk/>
+            <pc:sldMk cId="4019893558" sldId="259"/>
+            <ac:spMk id="5" creationId="{38B62299-A944-8252-B1CB-882A15417931}"/>
           </ac:spMkLst>
         </pc:spChg>
         <pc:spChg chg="mod">
@@ -320,9 +399,25 @@
             <ac:graphicFrameMk id="16" creationId="{A794B221-780B-3E0D-DCDE-B4B669AD1AE3}"/>
           </ac:graphicFrameMkLst>
         </pc:graphicFrameChg>
+        <pc:picChg chg="add mod">
+          <ac:chgData name="Trung Nghia Nguyen" userId="caf0b1f78d203fdc" providerId="LiveId" clId="{FA98E611-7EE5-4D53-A8F6-A8478DA16B0D}" dt="2023-03-17T06:11:13.488" v="3083" actId="1076"/>
+          <ac:picMkLst>
+            <pc:docMk/>
+            <pc:sldMk cId="4019893558" sldId="259"/>
+            <ac:picMk id="7" creationId="{69D8DC54-039D-02F5-CE7D-B44993CE410C}"/>
+          </ac:picMkLst>
+        </pc:picChg>
+        <pc:cxnChg chg="add mod">
+          <ac:chgData name="Trung Nghia Nguyen" userId="caf0b1f78d203fdc" providerId="LiveId" clId="{FA98E611-7EE5-4D53-A8F6-A8478DA16B0D}" dt="2023-03-17T04:37:56.935" v="3024"/>
+          <ac:cxnSpMkLst>
+            <pc:docMk/>
+            <pc:sldMk cId="4019893558" sldId="259"/>
+            <ac:cxnSpMk id="3" creationId="{9B5848A5-3C88-A3DF-9B0B-60160834435A}"/>
+          </ac:cxnSpMkLst>
+        </pc:cxnChg>
       </pc:sldChg>
-      <pc:sldChg chg="modSp add mod">
-        <pc:chgData name="Trung Nghia Nguyen" userId="caf0b1f78d203fdc" providerId="LiveId" clId="{FA98E611-7EE5-4D53-A8F6-A8478DA16B0D}" dt="2023-03-16T06:07:58.268" v="1156" actId="20577"/>
+      <pc:sldChg chg="addSp delSp modSp add mod">
+        <pc:chgData name="Trung Nghia Nguyen" userId="caf0b1f78d203fdc" providerId="LiveId" clId="{FA98E611-7EE5-4D53-A8F6-A8478DA16B0D}" dt="2023-03-17T04:39:15.112" v="3057"/>
         <pc:sldMkLst>
           <pc:docMk/>
           <pc:sldMk cId="3474282668" sldId="260"/>
@@ -335,9 +430,33 @@
             <ac:spMk id="2" creationId="{30380714-4CD2-9849-80A6-8AC66F97DA6F}"/>
           </ac:spMkLst>
         </pc:spChg>
+        <pc:spChg chg="add del mod">
+          <ac:chgData name="Trung Nghia Nguyen" userId="caf0b1f78d203fdc" providerId="LiveId" clId="{FA98E611-7EE5-4D53-A8F6-A8478DA16B0D}" dt="2023-03-17T04:39:14.883" v="3056" actId="478"/>
+          <ac:spMkLst>
+            <pc:docMk/>
+            <pc:sldMk cId="3474282668" sldId="260"/>
+            <ac:spMk id="4" creationId="{F90D0244-90F2-3218-C4A1-606B763A06C7}"/>
+          </ac:spMkLst>
+        </pc:spChg>
+        <pc:spChg chg="add mod">
+          <ac:chgData name="Trung Nghia Nguyen" userId="caf0b1f78d203fdc" providerId="LiveId" clId="{FA98E611-7EE5-4D53-A8F6-A8478DA16B0D}" dt="2023-03-17T04:39:15.112" v="3057"/>
+          <ac:spMkLst>
+            <pc:docMk/>
+            <pc:sldMk cId="3474282668" sldId="260"/>
+            <ac:spMk id="5" creationId="{4560C39D-ACC4-FD53-200A-C206C7FACCF7}"/>
+          </ac:spMkLst>
+        </pc:spChg>
+        <pc:cxnChg chg="add mod">
+          <ac:chgData name="Trung Nghia Nguyen" userId="caf0b1f78d203fdc" providerId="LiveId" clId="{FA98E611-7EE5-4D53-A8F6-A8478DA16B0D}" dt="2023-03-17T04:38:03.135" v="3028"/>
+          <ac:cxnSpMkLst>
+            <pc:docMk/>
+            <pc:sldMk cId="3474282668" sldId="260"/>
+            <ac:cxnSpMk id="3" creationId="{A678CC92-2ECC-6731-44B3-E00C5607B1AE}"/>
+          </ac:cxnSpMkLst>
+        </pc:cxnChg>
       </pc:sldChg>
-      <pc:sldChg chg="modSp add mod">
-        <pc:chgData name="Trung Nghia Nguyen" userId="caf0b1f78d203fdc" providerId="LiveId" clId="{FA98E611-7EE5-4D53-A8F6-A8478DA16B0D}" dt="2023-03-16T06:07:54.573" v="1154" actId="20577"/>
+      <pc:sldChg chg="addSp delSp modSp add mod">
+        <pc:chgData name="Trung Nghia Nguyen" userId="caf0b1f78d203fdc" providerId="LiveId" clId="{FA98E611-7EE5-4D53-A8F6-A8478DA16B0D}" dt="2023-03-17T04:39:11.622" v="3055"/>
         <pc:sldMkLst>
           <pc:docMk/>
           <pc:sldMk cId="2176878142" sldId="261"/>
@@ -350,9 +469,33 @@
             <ac:spMk id="2" creationId="{30380714-4CD2-9849-80A6-8AC66F97DA6F}"/>
           </ac:spMkLst>
         </pc:spChg>
+        <pc:spChg chg="add del mod">
+          <ac:chgData name="Trung Nghia Nguyen" userId="caf0b1f78d203fdc" providerId="LiveId" clId="{FA98E611-7EE5-4D53-A8F6-A8478DA16B0D}" dt="2023-03-17T04:39:11.371" v="3054" actId="478"/>
+          <ac:spMkLst>
+            <pc:docMk/>
+            <pc:sldMk cId="2176878142" sldId="261"/>
+            <ac:spMk id="4" creationId="{79A4E201-0F99-95ED-5D57-A5ADBCE00A7E}"/>
+          </ac:spMkLst>
+        </pc:spChg>
+        <pc:spChg chg="add mod">
+          <ac:chgData name="Trung Nghia Nguyen" userId="caf0b1f78d203fdc" providerId="LiveId" clId="{FA98E611-7EE5-4D53-A8F6-A8478DA16B0D}" dt="2023-03-17T04:39:11.622" v="3055"/>
+          <ac:spMkLst>
+            <pc:docMk/>
+            <pc:sldMk cId="2176878142" sldId="261"/>
+            <ac:spMk id="5" creationId="{773F5182-C15F-B8A2-79A6-98CC56113930}"/>
+          </ac:spMkLst>
+        </pc:spChg>
+        <pc:cxnChg chg="add mod">
+          <ac:chgData name="Trung Nghia Nguyen" userId="caf0b1f78d203fdc" providerId="LiveId" clId="{FA98E611-7EE5-4D53-A8F6-A8478DA16B0D}" dt="2023-03-17T04:38:01.916" v="3027"/>
+          <ac:cxnSpMkLst>
+            <pc:docMk/>
+            <pc:sldMk cId="2176878142" sldId="261"/>
+            <ac:cxnSpMk id="3" creationId="{E9060F41-5A0D-7040-5C8F-79CFAA7E7D72}"/>
+          </ac:cxnSpMkLst>
+        </pc:cxnChg>
       </pc:sldChg>
-      <pc:sldChg chg="modSp add mod">
-        <pc:chgData name="Trung Nghia Nguyen" userId="caf0b1f78d203fdc" providerId="LiveId" clId="{FA98E611-7EE5-4D53-A8F6-A8478DA16B0D}" dt="2023-03-16T06:07:49.749" v="1152" actId="20577"/>
+      <pc:sldChg chg="addSp delSp modSp add del mod">
+        <pc:chgData name="Trung Nghia Nguyen" userId="caf0b1f78d203fdc" providerId="LiveId" clId="{FA98E611-7EE5-4D53-A8F6-A8478DA16B0D}" dt="2023-03-17T07:03:47.972" v="3265" actId="2696"/>
         <pc:sldMkLst>
           <pc:docMk/>
           <pc:sldMk cId="875898025" sldId="262"/>
@@ -365,9 +508,41 @@
             <ac:spMk id="2" creationId="{30380714-4CD2-9849-80A6-8AC66F97DA6F}"/>
           </ac:spMkLst>
         </pc:spChg>
+        <pc:spChg chg="add del mod">
+          <ac:chgData name="Trung Nghia Nguyen" userId="caf0b1f78d203fdc" providerId="LiveId" clId="{FA98E611-7EE5-4D53-A8F6-A8478DA16B0D}" dt="2023-03-17T04:39:07.061" v="3052" actId="478"/>
+          <ac:spMkLst>
+            <pc:docMk/>
+            <pc:sldMk cId="875898025" sldId="262"/>
+            <ac:spMk id="4" creationId="{78B0134D-73F0-E0EE-EAA2-40F53D578455}"/>
+          </ac:spMkLst>
+        </pc:spChg>
+        <pc:spChg chg="add mod">
+          <ac:chgData name="Trung Nghia Nguyen" userId="caf0b1f78d203fdc" providerId="LiveId" clId="{FA98E611-7EE5-4D53-A8F6-A8478DA16B0D}" dt="2023-03-17T04:39:07.317" v="3053"/>
+          <ac:spMkLst>
+            <pc:docMk/>
+            <pc:sldMk cId="875898025" sldId="262"/>
+            <ac:spMk id="5" creationId="{7AF6E6C4-7E4D-6951-DD77-D67FDB08BE33}"/>
+          </ac:spMkLst>
+        </pc:spChg>
+        <pc:spChg chg="add mod">
+          <ac:chgData name="Trung Nghia Nguyen" userId="caf0b1f78d203fdc" providerId="LiveId" clId="{FA98E611-7EE5-4D53-A8F6-A8478DA16B0D}" dt="2023-03-17T06:38:20.448" v="3252" actId="207"/>
+          <ac:spMkLst>
+            <pc:docMk/>
+            <pc:sldMk cId="875898025" sldId="262"/>
+            <ac:spMk id="7" creationId="{C27A575E-AACF-0BC5-FF71-5FCE2C283EAA}"/>
+          </ac:spMkLst>
+        </pc:spChg>
+        <pc:cxnChg chg="add mod">
+          <ac:chgData name="Trung Nghia Nguyen" userId="caf0b1f78d203fdc" providerId="LiveId" clId="{FA98E611-7EE5-4D53-A8F6-A8478DA16B0D}" dt="2023-03-17T04:38:00.559" v="3026"/>
+          <ac:cxnSpMkLst>
+            <pc:docMk/>
+            <pc:sldMk cId="875898025" sldId="262"/>
+            <ac:cxnSpMk id="3" creationId="{C4BB4107-403F-CD25-8D62-E1CD580C39E7}"/>
+          </ac:cxnSpMkLst>
+        </pc:cxnChg>
       </pc:sldChg>
-      <pc:sldChg chg="modSp add mod">
-        <pc:chgData name="Trung Nghia Nguyen" userId="caf0b1f78d203fdc" providerId="LiveId" clId="{FA98E611-7EE5-4D53-A8F6-A8478DA16B0D}" dt="2023-03-16T06:07:46.511" v="1150" actId="20577"/>
+      <pc:sldChg chg="addSp delSp modSp add mod">
+        <pc:chgData name="Trung Nghia Nguyen" userId="caf0b1f78d203fdc" providerId="LiveId" clId="{FA98E611-7EE5-4D53-A8F6-A8478DA16B0D}" dt="2023-03-17T06:23:12.888" v="3165" actId="114"/>
         <pc:sldMkLst>
           <pc:docMk/>
           <pc:sldMk cId="482173432" sldId="263"/>
@@ -380,9 +555,57 @@
             <ac:spMk id="2" creationId="{30380714-4CD2-9849-80A6-8AC66F97DA6F}"/>
           </ac:spMkLst>
         </pc:spChg>
+        <pc:spChg chg="add del mod">
+          <ac:chgData name="Trung Nghia Nguyen" userId="caf0b1f78d203fdc" providerId="LiveId" clId="{FA98E611-7EE5-4D53-A8F6-A8478DA16B0D}" dt="2023-03-17T04:39:03.344" v="3050" actId="478"/>
+          <ac:spMkLst>
+            <pc:docMk/>
+            <pc:sldMk cId="482173432" sldId="263"/>
+            <ac:spMk id="4" creationId="{A2FC1147-7412-C677-5A5A-BF19366C123D}"/>
+          </ac:spMkLst>
+        </pc:spChg>
+        <pc:spChg chg="add mod">
+          <ac:chgData name="Trung Nghia Nguyen" userId="caf0b1f78d203fdc" providerId="LiveId" clId="{FA98E611-7EE5-4D53-A8F6-A8478DA16B0D}" dt="2023-03-17T04:39:03.539" v="3051"/>
+          <ac:spMkLst>
+            <pc:docMk/>
+            <pc:sldMk cId="482173432" sldId="263"/>
+            <ac:spMk id="5" creationId="{5EFED488-422D-714E-BC8D-1EFFE4EB27EF}"/>
+          </ac:spMkLst>
+        </pc:spChg>
+        <pc:spChg chg="add mod">
+          <ac:chgData name="Trung Nghia Nguyen" userId="caf0b1f78d203fdc" providerId="LiveId" clId="{FA98E611-7EE5-4D53-A8F6-A8478DA16B0D}" dt="2023-03-17T06:23:12.888" v="3165" actId="114"/>
+          <ac:spMkLst>
+            <pc:docMk/>
+            <pc:sldMk cId="482173432" sldId="263"/>
+            <ac:spMk id="6" creationId="{E89CDB90-AF28-D274-AC55-ECC8E0120E31}"/>
+          </ac:spMkLst>
+        </pc:spChg>
+        <pc:picChg chg="add mod">
+          <ac:chgData name="Trung Nghia Nguyen" userId="caf0b1f78d203fdc" providerId="LiveId" clId="{FA98E611-7EE5-4D53-A8F6-A8478DA16B0D}" dt="2023-03-17T06:19:17.560" v="3097" actId="14100"/>
+          <ac:picMkLst>
+            <pc:docMk/>
+            <pc:sldMk cId="482173432" sldId="263"/>
+            <ac:picMk id="8" creationId="{64343610-2239-3C37-0292-61E9C46DADC0}"/>
+          </ac:picMkLst>
+        </pc:picChg>
+        <pc:picChg chg="add mod">
+          <ac:chgData name="Trung Nghia Nguyen" userId="caf0b1f78d203fdc" providerId="LiveId" clId="{FA98E611-7EE5-4D53-A8F6-A8478DA16B0D}" dt="2023-03-17T06:19:27.485" v="3100" actId="14100"/>
+          <ac:picMkLst>
+            <pc:docMk/>
+            <pc:sldMk cId="482173432" sldId="263"/>
+            <ac:picMk id="1026" creationId="{8B6FAEF3-00E8-C2B6-6484-BD77EBFDEA2F}"/>
+          </ac:picMkLst>
+        </pc:picChg>
+        <pc:cxnChg chg="add mod">
+          <ac:chgData name="Trung Nghia Nguyen" userId="caf0b1f78d203fdc" providerId="LiveId" clId="{FA98E611-7EE5-4D53-A8F6-A8478DA16B0D}" dt="2023-03-17T04:37:58.915" v="3025"/>
+          <ac:cxnSpMkLst>
+            <pc:docMk/>
+            <pc:sldMk cId="482173432" sldId="263"/>
+            <ac:cxnSpMk id="3" creationId="{0C90852F-CCF4-2CB4-185D-9BD76C10552E}"/>
+          </ac:cxnSpMkLst>
+        </pc:cxnChg>
       </pc:sldChg>
-      <pc:sldChg chg="modSp add mod">
-        <pc:chgData name="Trung Nghia Nguyen" userId="caf0b1f78d203fdc" providerId="LiveId" clId="{FA98E611-7EE5-4D53-A8F6-A8478DA16B0D}" dt="2023-03-16T06:08:02.769" v="1158" actId="20577"/>
+      <pc:sldChg chg="addSp delSp modSp add mod">
+        <pc:chgData name="Trung Nghia Nguyen" userId="caf0b1f78d203fdc" providerId="LiveId" clId="{FA98E611-7EE5-4D53-A8F6-A8478DA16B0D}" dt="2023-03-17T04:39:19.588" v="3059"/>
         <pc:sldMkLst>
           <pc:docMk/>
           <pc:sldMk cId="2895901428" sldId="264"/>
@@ -395,9 +618,33 @@
             <ac:spMk id="2" creationId="{30380714-4CD2-9849-80A6-8AC66F97DA6F}"/>
           </ac:spMkLst>
         </pc:spChg>
+        <pc:spChg chg="add del mod">
+          <ac:chgData name="Trung Nghia Nguyen" userId="caf0b1f78d203fdc" providerId="LiveId" clId="{FA98E611-7EE5-4D53-A8F6-A8478DA16B0D}" dt="2023-03-17T04:39:19.392" v="3058" actId="478"/>
+          <ac:spMkLst>
+            <pc:docMk/>
+            <pc:sldMk cId="2895901428" sldId="264"/>
+            <ac:spMk id="4" creationId="{60A99F50-FB46-F4B1-BC79-AB008BB54B45}"/>
+          </ac:spMkLst>
+        </pc:spChg>
+        <pc:spChg chg="add mod">
+          <ac:chgData name="Trung Nghia Nguyen" userId="caf0b1f78d203fdc" providerId="LiveId" clId="{FA98E611-7EE5-4D53-A8F6-A8478DA16B0D}" dt="2023-03-17T04:39:19.588" v="3059"/>
+          <ac:spMkLst>
+            <pc:docMk/>
+            <pc:sldMk cId="2895901428" sldId="264"/>
+            <ac:spMk id="5" creationId="{F5D7CFDC-9C3E-5EB6-442E-0427CF3FD978}"/>
+          </ac:spMkLst>
+        </pc:spChg>
+        <pc:cxnChg chg="add mod">
+          <ac:chgData name="Trung Nghia Nguyen" userId="caf0b1f78d203fdc" providerId="LiveId" clId="{FA98E611-7EE5-4D53-A8F6-A8478DA16B0D}" dt="2023-03-17T04:38:04.341" v="3029"/>
+          <ac:cxnSpMkLst>
+            <pc:docMk/>
+            <pc:sldMk cId="2895901428" sldId="264"/>
+            <ac:cxnSpMk id="3" creationId="{000902B5-E704-F9CF-DC0B-DDD6C94EF140}"/>
+          </ac:cxnSpMkLst>
+        </pc:cxnChg>
       </pc:sldChg>
-      <pc:sldChg chg="modSp add mod replId">
-        <pc:chgData name="Trung Nghia Nguyen" userId="caf0b1f78d203fdc" providerId="LiveId" clId="{FA98E611-7EE5-4D53-A8F6-A8478DA16B0D}" dt="2023-03-16T06:08:47.041" v="1174" actId="20577"/>
+      <pc:sldChg chg="addSp delSp modSp add mod replId">
+        <pc:chgData name="Trung Nghia Nguyen" userId="caf0b1f78d203fdc" providerId="LiveId" clId="{FA98E611-7EE5-4D53-A8F6-A8478DA16B0D}" dt="2023-03-17T04:39:27.722" v="3063"/>
         <pc:sldMkLst>
           <pc:docMk/>
           <pc:sldMk cId="4283605162" sldId="265"/>
@@ -410,6 +657,22 @@
             <ac:spMk id="2" creationId="{30380714-4CD2-9849-80A6-8AC66F97DA6F}"/>
           </ac:spMkLst>
         </pc:spChg>
+        <pc:spChg chg="add del mod">
+          <ac:chgData name="Trung Nghia Nguyen" userId="caf0b1f78d203fdc" providerId="LiveId" clId="{FA98E611-7EE5-4D53-A8F6-A8478DA16B0D}" dt="2023-03-17T04:39:27.464" v="3062" actId="478"/>
+          <ac:spMkLst>
+            <pc:docMk/>
+            <pc:sldMk cId="4283605162" sldId="265"/>
+            <ac:spMk id="4" creationId="{3384EA73-795D-DBBD-C798-301784B97C0D}"/>
+          </ac:spMkLst>
+        </pc:spChg>
+        <pc:spChg chg="add mod">
+          <ac:chgData name="Trung Nghia Nguyen" userId="caf0b1f78d203fdc" providerId="LiveId" clId="{FA98E611-7EE5-4D53-A8F6-A8478DA16B0D}" dt="2023-03-17T04:39:27.722" v="3063"/>
+          <ac:spMkLst>
+            <pc:docMk/>
+            <pc:sldMk cId="4283605162" sldId="265"/>
+            <ac:spMk id="5" creationId="{C636AC51-235F-27C4-310D-353DA6ACFACB}"/>
+          </ac:spMkLst>
+        </pc:spChg>
         <pc:spChg chg="mod">
           <ac:chgData name="Trung Nghia Nguyen" userId="caf0b1f78d203fdc" providerId="LiveId" clId="{FA98E611-7EE5-4D53-A8F6-A8478DA16B0D}" dt="2023-03-16T06:08:20.795" v="1172" actId="20577"/>
           <ac:spMkLst>
@@ -418,9 +681,17 @@
             <ac:spMk id="14" creationId="{63B4AB36-B54A-EA5C-2A74-F2C80BE0CBC4}"/>
           </ac:spMkLst>
         </pc:spChg>
+        <pc:cxnChg chg="add mod">
+          <ac:chgData name="Trung Nghia Nguyen" userId="caf0b1f78d203fdc" providerId="LiveId" clId="{FA98E611-7EE5-4D53-A8F6-A8478DA16B0D}" dt="2023-03-17T04:38:07.552" v="3031"/>
+          <ac:cxnSpMkLst>
+            <pc:docMk/>
+            <pc:sldMk cId="4283605162" sldId="265"/>
+            <ac:cxnSpMk id="3" creationId="{2CD06583-66AF-701D-3EFB-7B57FC7CBC60}"/>
+          </ac:cxnSpMkLst>
+        </pc:cxnChg>
       </pc:sldChg>
-      <pc:sldChg chg="modSp add mod replId">
-        <pc:chgData name="Trung Nghia Nguyen" userId="caf0b1f78d203fdc" providerId="LiveId" clId="{FA98E611-7EE5-4D53-A8F6-A8478DA16B0D}" dt="2023-03-16T06:16:56.623" v="1489" actId="20577"/>
+      <pc:sldChg chg="addSp delSp modSp add mod replId">
+        <pc:chgData name="Trung Nghia Nguyen" userId="caf0b1f78d203fdc" providerId="LiveId" clId="{FA98E611-7EE5-4D53-A8F6-A8478DA16B0D}" dt="2023-03-17T04:39:31.733" v="3065"/>
         <pc:sldMkLst>
           <pc:docMk/>
           <pc:sldMk cId="1755807355" sldId="266"/>
@@ -433,6 +704,22 @@
             <ac:spMk id="2" creationId="{30380714-4CD2-9849-80A6-8AC66F97DA6F}"/>
           </ac:spMkLst>
         </pc:spChg>
+        <pc:spChg chg="add del mod">
+          <ac:chgData name="Trung Nghia Nguyen" userId="caf0b1f78d203fdc" providerId="LiveId" clId="{FA98E611-7EE5-4D53-A8F6-A8478DA16B0D}" dt="2023-03-17T04:39:31.432" v="3064" actId="478"/>
+          <ac:spMkLst>
+            <pc:docMk/>
+            <pc:sldMk cId="1755807355" sldId="266"/>
+            <ac:spMk id="4" creationId="{9FC5A47E-E156-CE54-D964-B05D97E3E440}"/>
+          </ac:spMkLst>
+        </pc:spChg>
+        <pc:spChg chg="add mod">
+          <ac:chgData name="Trung Nghia Nguyen" userId="caf0b1f78d203fdc" providerId="LiveId" clId="{FA98E611-7EE5-4D53-A8F6-A8478DA16B0D}" dt="2023-03-17T04:39:31.733" v="3065"/>
+          <ac:spMkLst>
+            <pc:docMk/>
+            <pc:sldMk cId="1755807355" sldId="266"/>
+            <ac:spMk id="5" creationId="{5A7DF51B-1976-A0EB-6F7B-B4A2CB037D53}"/>
+          </ac:spMkLst>
+        </pc:spChg>
         <pc:spChg chg="mod">
           <ac:chgData name="Trung Nghia Nguyen" userId="caf0b1f78d203fdc" providerId="LiveId" clId="{FA98E611-7EE5-4D53-A8F6-A8478DA16B0D}" dt="2023-03-16T06:16:56.623" v="1489" actId="20577"/>
           <ac:spMkLst>
@@ -441,9 +728,17 @@
             <ac:spMk id="14" creationId="{63B4AB36-B54A-EA5C-2A74-F2C80BE0CBC4}"/>
           </ac:spMkLst>
         </pc:spChg>
+        <pc:cxnChg chg="add mod">
+          <ac:chgData name="Trung Nghia Nguyen" userId="caf0b1f78d203fdc" providerId="LiveId" clId="{FA98E611-7EE5-4D53-A8F6-A8478DA16B0D}" dt="2023-03-17T04:38:09.225" v="3032"/>
+          <ac:cxnSpMkLst>
+            <pc:docMk/>
+            <pc:sldMk cId="1755807355" sldId="266"/>
+            <ac:cxnSpMk id="3" creationId="{A6209D13-18E2-CE90-A8FC-47240D1DB3DD}"/>
+          </ac:cxnSpMkLst>
+        </pc:cxnChg>
       </pc:sldChg>
-      <pc:sldChg chg="modSp add mod replId">
-        <pc:chgData name="Trung Nghia Nguyen" userId="caf0b1f78d203fdc" providerId="LiveId" clId="{FA98E611-7EE5-4D53-A8F6-A8478DA16B0D}" dt="2023-03-16T06:17:02.365" v="1503" actId="20577"/>
+      <pc:sldChg chg="addSp delSp modSp add mod replId">
+        <pc:chgData name="Trung Nghia Nguyen" userId="caf0b1f78d203fdc" providerId="LiveId" clId="{FA98E611-7EE5-4D53-A8F6-A8478DA16B0D}" dt="2023-03-17T04:39:35.462" v="3067"/>
         <pc:sldMkLst>
           <pc:docMk/>
           <pc:sldMk cId="420754388" sldId="267"/>
@@ -456,6 +751,22 @@
             <ac:spMk id="2" creationId="{30380714-4CD2-9849-80A6-8AC66F97DA6F}"/>
           </ac:spMkLst>
         </pc:spChg>
+        <pc:spChg chg="add del mod">
+          <ac:chgData name="Trung Nghia Nguyen" userId="caf0b1f78d203fdc" providerId="LiveId" clId="{FA98E611-7EE5-4D53-A8F6-A8478DA16B0D}" dt="2023-03-17T04:39:35.292" v="3066" actId="478"/>
+          <ac:spMkLst>
+            <pc:docMk/>
+            <pc:sldMk cId="420754388" sldId="267"/>
+            <ac:spMk id="4" creationId="{5B057441-CC31-82D0-2A61-D4C277283FF0}"/>
+          </ac:spMkLst>
+        </pc:spChg>
+        <pc:spChg chg="add mod">
+          <ac:chgData name="Trung Nghia Nguyen" userId="caf0b1f78d203fdc" providerId="LiveId" clId="{FA98E611-7EE5-4D53-A8F6-A8478DA16B0D}" dt="2023-03-17T04:39:35.462" v="3067"/>
+          <ac:spMkLst>
+            <pc:docMk/>
+            <pc:sldMk cId="420754388" sldId="267"/>
+            <ac:spMk id="5" creationId="{5AE77F4E-29AF-200B-741F-D59D22548F68}"/>
+          </ac:spMkLst>
+        </pc:spChg>
         <pc:spChg chg="mod">
           <ac:chgData name="Trung Nghia Nguyen" userId="caf0b1f78d203fdc" providerId="LiveId" clId="{FA98E611-7EE5-4D53-A8F6-A8478DA16B0D}" dt="2023-03-16T06:17:02.365" v="1503" actId="20577"/>
           <ac:spMkLst>
@@ -464,9 +775,17 @@
             <ac:spMk id="14" creationId="{63B4AB36-B54A-EA5C-2A74-F2C80BE0CBC4}"/>
           </ac:spMkLst>
         </pc:spChg>
+        <pc:cxnChg chg="add mod">
+          <ac:chgData name="Trung Nghia Nguyen" userId="caf0b1f78d203fdc" providerId="LiveId" clId="{FA98E611-7EE5-4D53-A8F6-A8478DA16B0D}" dt="2023-03-17T04:38:10.896" v="3033"/>
+          <ac:cxnSpMkLst>
+            <pc:docMk/>
+            <pc:sldMk cId="420754388" sldId="267"/>
+            <ac:cxnSpMk id="3" creationId="{C2A7E5D0-0732-35D5-18A2-C5CE2320D9B6}"/>
+          </ac:cxnSpMkLst>
+        </pc:cxnChg>
       </pc:sldChg>
-      <pc:sldChg chg="modSp add mod replId">
-        <pc:chgData name="Trung Nghia Nguyen" userId="caf0b1f78d203fdc" providerId="LiveId" clId="{FA98E611-7EE5-4D53-A8F6-A8478DA16B0D}" dt="2023-03-16T06:17:09.861" v="1517" actId="20577"/>
+      <pc:sldChg chg="addSp delSp modSp add mod replId">
+        <pc:chgData name="Trung Nghia Nguyen" userId="caf0b1f78d203fdc" providerId="LiveId" clId="{FA98E611-7EE5-4D53-A8F6-A8478DA16B0D}" dt="2023-03-17T04:39:40.328" v="3069"/>
         <pc:sldMkLst>
           <pc:docMk/>
           <pc:sldMk cId="1800081090" sldId="268"/>
@@ -479,6 +798,22 @@
             <ac:spMk id="2" creationId="{30380714-4CD2-9849-80A6-8AC66F97DA6F}"/>
           </ac:spMkLst>
         </pc:spChg>
+        <pc:spChg chg="add del mod">
+          <ac:chgData name="Trung Nghia Nguyen" userId="caf0b1f78d203fdc" providerId="LiveId" clId="{FA98E611-7EE5-4D53-A8F6-A8478DA16B0D}" dt="2023-03-17T04:39:40.169" v="3068" actId="478"/>
+          <ac:spMkLst>
+            <pc:docMk/>
+            <pc:sldMk cId="1800081090" sldId="268"/>
+            <ac:spMk id="4" creationId="{FC0C686F-2BB6-97A5-A2E3-8228181D7A3F}"/>
+          </ac:spMkLst>
+        </pc:spChg>
+        <pc:spChg chg="add mod">
+          <ac:chgData name="Trung Nghia Nguyen" userId="caf0b1f78d203fdc" providerId="LiveId" clId="{FA98E611-7EE5-4D53-A8F6-A8478DA16B0D}" dt="2023-03-17T04:39:40.328" v="3069"/>
+          <ac:spMkLst>
+            <pc:docMk/>
+            <pc:sldMk cId="1800081090" sldId="268"/>
+            <ac:spMk id="5" creationId="{1D7A3032-17B2-6AEA-AC88-9349A439BD22}"/>
+          </ac:spMkLst>
+        </pc:spChg>
         <pc:spChg chg="mod">
           <ac:chgData name="Trung Nghia Nguyen" userId="caf0b1f78d203fdc" providerId="LiveId" clId="{FA98E611-7EE5-4D53-A8F6-A8478DA16B0D}" dt="2023-03-16T06:17:09.861" v="1517" actId="20577"/>
           <ac:spMkLst>
@@ -487,9 +822,17 @@
             <ac:spMk id="14" creationId="{63B4AB36-B54A-EA5C-2A74-F2C80BE0CBC4}"/>
           </ac:spMkLst>
         </pc:spChg>
+        <pc:cxnChg chg="add mod">
+          <ac:chgData name="Trung Nghia Nguyen" userId="caf0b1f78d203fdc" providerId="LiveId" clId="{FA98E611-7EE5-4D53-A8F6-A8478DA16B0D}" dt="2023-03-17T04:38:12.276" v="3034"/>
+          <ac:cxnSpMkLst>
+            <pc:docMk/>
+            <pc:sldMk cId="1800081090" sldId="268"/>
+            <ac:cxnSpMk id="3" creationId="{BAC105F8-C950-5DDE-6CB7-BB032057CD4E}"/>
+          </ac:cxnSpMkLst>
+        </pc:cxnChg>
       </pc:sldChg>
-      <pc:sldChg chg="modSp add mod">
-        <pc:chgData name="Trung Nghia Nguyen" userId="caf0b1f78d203fdc" providerId="LiveId" clId="{FA98E611-7EE5-4D53-A8F6-A8478DA16B0D}" dt="2023-03-16T06:17:18.839" v="1535" actId="20577"/>
+      <pc:sldChg chg="addSp delSp modSp add mod">
+        <pc:chgData name="Trung Nghia Nguyen" userId="caf0b1f78d203fdc" providerId="LiveId" clId="{FA98E611-7EE5-4D53-A8F6-A8478DA16B0D}" dt="2023-03-17T04:39:44.003" v="3071"/>
         <pc:sldMkLst>
           <pc:docMk/>
           <pc:sldMk cId="4260099494" sldId="269"/>
@@ -502,6 +845,22 @@
             <ac:spMk id="2" creationId="{30380714-4CD2-9849-80A6-8AC66F97DA6F}"/>
           </ac:spMkLst>
         </pc:spChg>
+        <pc:spChg chg="add del mod">
+          <ac:chgData name="Trung Nghia Nguyen" userId="caf0b1f78d203fdc" providerId="LiveId" clId="{FA98E611-7EE5-4D53-A8F6-A8478DA16B0D}" dt="2023-03-17T04:39:43.792" v="3070" actId="478"/>
+          <ac:spMkLst>
+            <pc:docMk/>
+            <pc:sldMk cId="4260099494" sldId="269"/>
+            <ac:spMk id="4" creationId="{4A9B31A6-4583-92AA-E2E8-0E1B56527FAB}"/>
+          </ac:spMkLst>
+        </pc:spChg>
+        <pc:spChg chg="add mod">
+          <ac:chgData name="Trung Nghia Nguyen" userId="caf0b1f78d203fdc" providerId="LiveId" clId="{FA98E611-7EE5-4D53-A8F6-A8478DA16B0D}" dt="2023-03-17T04:39:44.003" v="3071"/>
+          <ac:spMkLst>
+            <pc:docMk/>
+            <pc:sldMk cId="4260099494" sldId="269"/>
+            <ac:spMk id="5" creationId="{44F9D552-E912-19E9-0162-3E4C662F5413}"/>
+          </ac:spMkLst>
+        </pc:spChg>
         <pc:spChg chg="mod">
           <ac:chgData name="Trung Nghia Nguyen" userId="caf0b1f78d203fdc" providerId="LiveId" clId="{FA98E611-7EE5-4D53-A8F6-A8478DA16B0D}" dt="2023-03-16T06:17:18.839" v="1535" actId="20577"/>
           <ac:spMkLst>
@@ -510,9 +869,17 @@
             <ac:spMk id="14" creationId="{63B4AB36-B54A-EA5C-2A74-F2C80BE0CBC4}"/>
           </ac:spMkLst>
         </pc:spChg>
+        <pc:cxnChg chg="add mod">
+          <ac:chgData name="Trung Nghia Nguyen" userId="caf0b1f78d203fdc" providerId="LiveId" clId="{FA98E611-7EE5-4D53-A8F6-A8478DA16B0D}" dt="2023-03-17T04:38:13.996" v="3035"/>
+          <ac:cxnSpMkLst>
+            <pc:docMk/>
+            <pc:sldMk cId="4260099494" sldId="269"/>
+            <ac:cxnSpMk id="3" creationId="{ACBF7746-FE0E-173A-5173-1104D3149676}"/>
+          </ac:cxnSpMkLst>
+        </pc:cxnChg>
       </pc:sldChg>
-      <pc:sldChg chg="modSp add mod">
-        <pc:chgData name="Trung Nghia Nguyen" userId="caf0b1f78d203fdc" providerId="LiveId" clId="{FA98E611-7EE5-4D53-A8F6-A8478DA16B0D}" dt="2023-03-16T06:10:22.239" v="1205" actId="20577"/>
+      <pc:sldChg chg="addSp delSp modSp add mod">
+        <pc:chgData name="Trung Nghia Nguyen" userId="caf0b1f78d203fdc" providerId="LiveId" clId="{FA98E611-7EE5-4D53-A8F6-A8478DA16B0D}" dt="2023-03-17T04:39:50.810" v="3075"/>
         <pc:sldMkLst>
           <pc:docMk/>
           <pc:sldMk cId="2511818953" sldId="270"/>
@@ -525,6 +892,22 @@
             <ac:spMk id="2" creationId="{30380714-4CD2-9849-80A6-8AC66F97DA6F}"/>
           </ac:spMkLst>
         </pc:spChg>
+        <pc:spChg chg="add del mod">
+          <ac:chgData name="Trung Nghia Nguyen" userId="caf0b1f78d203fdc" providerId="LiveId" clId="{FA98E611-7EE5-4D53-A8F6-A8478DA16B0D}" dt="2023-03-17T04:39:50.628" v="3074" actId="478"/>
+          <ac:spMkLst>
+            <pc:docMk/>
+            <pc:sldMk cId="2511818953" sldId="270"/>
+            <ac:spMk id="4" creationId="{AFB91D5C-95A0-4C14-9E44-3E33C99FBE7F}"/>
+          </ac:spMkLst>
+        </pc:spChg>
+        <pc:spChg chg="add mod">
+          <ac:chgData name="Trung Nghia Nguyen" userId="caf0b1f78d203fdc" providerId="LiveId" clId="{FA98E611-7EE5-4D53-A8F6-A8478DA16B0D}" dt="2023-03-17T04:39:50.810" v="3075"/>
+          <ac:spMkLst>
+            <pc:docMk/>
+            <pc:sldMk cId="2511818953" sldId="270"/>
+            <ac:spMk id="5" creationId="{7E679B62-7EFE-6C17-20E7-5EFB751FBD73}"/>
+          </ac:spMkLst>
+        </pc:spChg>
         <pc:spChg chg="mod">
           <ac:chgData name="Trung Nghia Nguyen" userId="caf0b1f78d203fdc" providerId="LiveId" clId="{FA98E611-7EE5-4D53-A8F6-A8478DA16B0D}" dt="2023-03-16T06:10:22.239" v="1205" actId="20577"/>
           <ac:spMkLst>
@@ -533,9 +916,17 @@
             <ac:spMk id="14" creationId="{63B4AB36-B54A-EA5C-2A74-F2C80BE0CBC4}"/>
           </ac:spMkLst>
         </pc:spChg>
+        <pc:cxnChg chg="add mod">
+          <ac:chgData name="Trung Nghia Nguyen" userId="caf0b1f78d203fdc" providerId="LiveId" clId="{FA98E611-7EE5-4D53-A8F6-A8478DA16B0D}" dt="2023-03-17T04:38:17.041" v="3037"/>
+          <ac:cxnSpMkLst>
+            <pc:docMk/>
+            <pc:sldMk cId="2511818953" sldId="270"/>
+            <ac:cxnSpMk id="3" creationId="{01D99BB4-E244-0C9E-63D6-F28CA9060656}"/>
+          </ac:cxnSpMkLst>
+        </pc:cxnChg>
       </pc:sldChg>
-      <pc:sldChg chg="modSp add mod replId">
-        <pc:chgData name="Trung Nghia Nguyen" userId="caf0b1f78d203fdc" providerId="LiveId" clId="{FA98E611-7EE5-4D53-A8F6-A8478DA16B0D}" dt="2023-03-16T06:10:27.110" v="1214" actId="20577"/>
+      <pc:sldChg chg="addSp delSp modSp add mod replId">
+        <pc:chgData name="Trung Nghia Nguyen" userId="caf0b1f78d203fdc" providerId="LiveId" clId="{FA98E611-7EE5-4D53-A8F6-A8478DA16B0D}" dt="2023-03-17T04:39:56.343" v="3077"/>
         <pc:sldMkLst>
           <pc:docMk/>
           <pc:sldMk cId="2278832414" sldId="271"/>
@@ -548,6 +939,22 @@
             <ac:spMk id="2" creationId="{30380714-4CD2-9849-80A6-8AC66F97DA6F}"/>
           </ac:spMkLst>
         </pc:spChg>
+        <pc:spChg chg="add del mod">
+          <ac:chgData name="Trung Nghia Nguyen" userId="caf0b1f78d203fdc" providerId="LiveId" clId="{FA98E611-7EE5-4D53-A8F6-A8478DA16B0D}" dt="2023-03-17T04:39:56.114" v="3076" actId="478"/>
+          <ac:spMkLst>
+            <pc:docMk/>
+            <pc:sldMk cId="2278832414" sldId="271"/>
+            <ac:spMk id="4" creationId="{75AE8E16-8704-F0FC-A727-505C588A8404}"/>
+          </ac:spMkLst>
+        </pc:spChg>
+        <pc:spChg chg="add mod">
+          <ac:chgData name="Trung Nghia Nguyen" userId="caf0b1f78d203fdc" providerId="LiveId" clId="{FA98E611-7EE5-4D53-A8F6-A8478DA16B0D}" dt="2023-03-17T04:39:56.343" v="3077"/>
+          <ac:spMkLst>
+            <pc:docMk/>
+            <pc:sldMk cId="2278832414" sldId="271"/>
+            <ac:spMk id="5" creationId="{C9086857-A576-49DA-0719-5BEB9C24F20C}"/>
+          </ac:spMkLst>
+        </pc:spChg>
         <pc:spChg chg="mod">
           <ac:chgData name="Trung Nghia Nguyen" userId="caf0b1f78d203fdc" providerId="LiveId" clId="{FA98E611-7EE5-4D53-A8F6-A8478DA16B0D}" dt="2023-03-16T06:10:27.110" v="1214" actId="20577"/>
           <ac:spMkLst>
@@ -556,9 +963,17 @@
             <ac:spMk id="14" creationId="{63B4AB36-B54A-EA5C-2A74-F2C80BE0CBC4}"/>
           </ac:spMkLst>
         </pc:spChg>
+        <pc:cxnChg chg="add mod">
+          <ac:chgData name="Trung Nghia Nguyen" userId="caf0b1f78d203fdc" providerId="LiveId" clId="{FA98E611-7EE5-4D53-A8F6-A8478DA16B0D}" dt="2023-03-17T04:38:18.269" v="3038"/>
+          <ac:cxnSpMkLst>
+            <pc:docMk/>
+            <pc:sldMk cId="2278832414" sldId="271"/>
+            <ac:cxnSpMk id="3" creationId="{0793C2BD-0304-6397-AA72-38E3636506AC}"/>
+          </ac:cxnSpMkLst>
+        </pc:cxnChg>
       </pc:sldChg>
-      <pc:sldChg chg="modSp add mod">
-        <pc:chgData name="Trung Nghia Nguyen" userId="caf0b1f78d203fdc" providerId="LiveId" clId="{FA98E611-7EE5-4D53-A8F6-A8478DA16B0D}" dt="2023-03-16T06:11:24.344" v="1251" actId="20577"/>
+      <pc:sldChg chg="addSp modSp add mod">
+        <pc:chgData name="Trung Nghia Nguyen" userId="caf0b1f78d203fdc" providerId="LiveId" clId="{FA98E611-7EE5-4D53-A8F6-A8478DA16B0D}" dt="2023-03-17T04:38:23.115" v="3041"/>
         <pc:sldMkLst>
           <pc:docMk/>
           <pc:sldMk cId="610409002" sldId="272"/>
@@ -571,6 +986,14 @@
             <ac:spMk id="2" creationId="{30380714-4CD2-9849-80A6-8AC66F97DA6F}"/>
           </ac:spMkLst>
         </pc:spChg>
+        <pc:spChg chg="add mod">
+          <ac:chgData name="Trung Nghia Nguyen" userId="caf0b1f78d203fdc" providerId="LiveId" clId="{FA98E611-7EE5-4D53-A8F6-A8478DA16B0D}" dt="2023-03-17T04:38:23.115" v="3041"/>
+          <ac:spMkLst>
+            <pc:docMk/>
+            <pc:sldMk cId="610409002" sldId="272"/>
+            <ac:spMk id="4" creationId="{CE933A1E-D43F-BDBC-88C5-FA719398A112}"/>
+          </ac:spMkLst>
+        </pc:spChg>
         <pc:spChg chg="mod">
           <ac:chgData name="Trung Nghia Nguyen" userId="caf0b1f78d203fdc" providerId="LiveId" clId="{FA98E611-7EE5-4D53-A8F6-A8478DA16B0D}" dt="2023-03-16T06:11:24.344" v="1251" actId="20577"/>
           <ac:spMkLst>
@@ -579,9 +1002,17 @@
             <ac:spMk id="14" creationId="{63B4AB36-B54A-EA5C-2A74-F2C80BE0CBC4}"/>
           </ac:spMkLst>
         </pc:spChg>
+        <pc:cxnChg chg="add mod">
+          <ac:chgData name="Trung Nghia Nguyen" userId="caf0b1f78d203fdc" providerId="LiveId" clId="{FA98E611-7EE5-4D53-A8F6-A8478DA16B0D}" dt="2023-03-17T04:38:23.115" v="3041"/>
+          <ac:cxnSpMkLst>
+            <pc:docMk/>
+            <pc:sldMk cId="610409002" sldId="272"/>
+            <ac:cxnSpMk id="3" creationId="{435823BE-9FB1-635E-7F74-DEA50A87D246}"/>
+          </ac:cxnSpMkLst>
+        </pc:cxnChg>
       </pc:sldChg>
       <pc:sldChg chg="addSp delSp modSp add mod">
-        <pc:chgData name="Trung Nghia Nguyen" userId="caf0b1f78d203fdc" providerId="LiveId" clId="{FA98E611-7EE5-4D53-A8F6-A8478DA16B0D}" dt="2023-03-16T06:16:03.718" v="1468" actId="20577"/>
+        <pc:chgData name="Trung Nghia Nguyen" userId="caf0b1f78d203fdc" providerId="LiveId" clId="{FA98E611-7EE5-4D53-A8F6-A8478DA16B0D}" dt="2023-03-17T04:39:24.232" v="3061"/>
         <pc:sldMkLst>
           <pc:docMk/>
           <pc:sldMk cId="3245475923" sldId="273"/>
@@ -602,6 +1033,22 @@
             <ac:spMk id="4" creationId="{459EF129-6740-B341-7BC7-05D580180742}"/>
           </ac:spMkLst>
         </pc:spChg>
+        <pc:spChg chg="add del mod">
+          <ac:chgData name="Trung Nghia Nguyen" userId="caf0b1f78d203fdc" providerId="LiveId" clId="{FA98E611-7EE5-4D53-A8F6-A8478DA16B0D}" dt="2023-03-17T04:39:23.979" v="3060" actId="478"/>
+          <ac:spMkLst>
+            <pc:docMk/>
+            <pc:sldMk cId="3245475923" sldId="273"/>
+            <ac:spMk id="5" creationId="{E1627484-B3B2-F2C3-F446-F44A1980716C}"/>
+          </ac:spMkLst>
+        </pc:spChg>
+        <pc:spChg chg="add mod">
+          <ac:chgData name="Trung Nghia Nguyen" userId="caf0b1f78d203fdc" providerId="LiveId" clId="{FA98E611-7EE5-4D53-A8F6-A8478DA16B0D}" dt="2023-03-17T04:39:24.232" v="3061"/>
+          <ac:spMkLst>
+            <pc:docMk/>
+            <pc:sldMk cId="3245475923" sldId="273"/>
+            <ac:spMk id="6" creationId="{F6D86575-6F62-E86B-CB8C-67FDEFFD30D6}"/>
+          </ac:spMkLst>
+        </pc:spChg>
         <pc:graphicFrameChg chg="add mod modGraphic">
           <ac:chgData name="Trung Nghia Nguyen" userId="caf0b1f78d203fdc" providerId="LiveId" clId="{FA98E611-7EE5-4D53-A8F6-A8478DA16B0D}" dt="2023-03-16T06:15:54.159" v="1433" actId="1076"/>
           <ac:graphicFrameMkLst>
@@ -610,13 +1057,37 @@
             <ac:graphicFrameMk id="3" creationId="{5E8325E1-BDCF-5783-E97F-C770E7E58F6D}"/>
           </ac:graphicFrameMkLst>
         </pc:graphicFrameChg>
+        <pc:cxnChg chg="add mod">
+          <ac:chgData name="Trung Nghia Nguyen" userId="caf0b1f78d203fdc" providerId="LiveId" clId="{FA98E611-7EE5-4D53-A8F6-A8478DA16B0D}" dt="2023-03-17T04:38:05.752" v="3030"/>
+          <ac:cxnSpMkLst>
+            <pc:docMk/>
+            <pc:sldMk cId="3245475923" sldId="273"/>
+            <ac:cxnSpMk id="2" creationId="{7C8A4417-1481-B1E7-23CC-E5C9CAD25F2C}"/>
+          </ac:cxnSpMkLst>
+        </pc:cxnChg>
       </pc:sldChg>
       <pc:sldChg chg="addSp delSp modSp add mod ord">
-        <pc:chgData name="Trung Nghia Nguyen" userId="caf0b1f78d203fdc" providerId="LiveId" clId="{FA98E611-7EE5-4D53-A8F6-A8478DA16B0D}" dt="2023-03-16T06:18:25.597" v="1579" actId="20577"/>
+        <pc:chgData name="Trung Nghia Nguyen" userId="caf0b1f78d203fdc" providerId="LiveId" clId="{FA98E611-7EE5-4D53-A8F6-A8478DA16B0D}" dt="2023-03-17T04:39:47.562" v="3073"/>
         <pc:sldMkLst>
           <pc:docMk/>
           <pc:sldMk cId="1354583273" sldId="274"/>
         </pc:sldMkLst>
+        <pc:spChg chg="add del mod">
+          <ac:chgData name="Trung Nghia Nguyen" userId="caf0b1f78d203fdc" providerId="LiveId" clId="{FA98E611-7EE5-4D53-A8F6-A8478DA16B0D}" dt="2023-03-17T04:39:47.372" v="3072" actId="478"/>
+          <ac:spMkLst>
+            <pc:docMk/>
+            <pc:sldMk cId="1354583273" sldId="274"/>
+            <ac:spMk id="5" creationId="{5C96A552-627E-CE46-EB0C-BD1DE0A52080}"/>
+          </ac:spMkLst>
+        </pc:spChg>
+        <pc:spChg chg="add mod">
+          <ac:chgData name="Trung Nghia Nguyen" userId="caf0b1f78d203fdc" providerId="LiveId" clId="{FA98E611-7EE5-4D53-A8F6-A8478DA16B0D}" dt="2023-03-17T04:39:47.562" v="3073"/>
+          <ac:spMkLst>
+            <pc:docMk/>
+            <pc:sldMk cId="1354583273" sldId="274"/>
+            <ac:spMk id="6" creationId="{2562B724-D426-FE46-6638-FB3781266C15}"/>
+          </ac:spMkLst>
+        </pc:spChg>
         <pc:spChg chg="mod">
           <ac:chgData name="Trung Nghia Nguyen" userId="caf0b1f78d203fdc" providerId="LiveId" clId="{FA98E611-7EE5-4D53-A8F6-A8478DA16B0D}" dt="2023-03-16T06:17:40.589" v="1559" actId="20577"/>
           <ac:spMkLst>
@@ -633,9 +1104,17 @@
             <ac:graphicFrameMk id="3" creationId="{5E8325E1-BDCF-5783-E97F-C770E7E58F6D}"/>
           </ac:graphicFrameMkLst>
         </pc:graphicFrameChg>
+        <pc:cxnChg chg="add mod">
+          <ac:chgData name="Trung Nghia Nguyen" userId="caf0b1f78d203fdc" providerId="LiveId" clId="{FA98E611-7EE5-4D53-A8F6-A8478DA16B0D}" dt="2023-03-17T04:38:15.696" v="3036"/>
+          <ac:cxnSpMkLst>
+            <pc:docMk/>
+            <pc:sldMk cId="1354583273" sldId="274"/>
+            <ac:cxnSpMk id="2" creationId="{D42DA17F-60A5-AE4F-3CF5-1D8ED68A7208}"/>
+          </ac:cxnSpMkLst>
+        </pc:cxnChg>
       </pc:sldChg>
       <pc:sldChg chg="addSp delSp modSp add mod">
-        <pc:chgData name="Trung Nghia Nguyen" userId="caf0b1f78d203fdc" providerId="LiveId" clId="{FA98E611-7EE5-4D53-A8F6-A8478DA16B0D}" dt="2023-03-16T06:19:33.875" v="1634" actId="478"/>
+        <pc:chgData name="Trung Nghia Nguyen" userId="caf0b1f78d203fdc" providerId="LiveId" clId="{FA98E611-7EE5-4D53-A8F6-A8478DA16B0D}" dt="2023-03-17T04:40:01.094" v="3079"/>
         <pc:sldMkLst>
           <pc:docMk/>
           <pc:sldMk cId="288851990" sldId="275"/>
@@ -646,6 +1125,22 @@
             <pc:docMk/>
             <pc:sldMk cId="288851990" sldId="275"/>
             <ac:spMk id="5" creationId="{1C61A998-27D5-7046-F7BE-75F861F5E290}"/>
+          </ac:spMkLst>
+        </pc:spChg>
+        <pc:spChg chg="add del mod">
+          <ac:chgData name="Trung Nghia Nguyen" userId="caf0b1f78d203fdc" providerId="LiveId" clId="{FA98E611-7EE5-4D53-A8F6-A8478DA16B0D}" dt="2023-03-17T04:40:00.889" v="3078" actId="478"/>
+          <ac:spMkLst>
+            <pc:docMk/>
+            <pc:sldMk cId="288851990" sldId="275"/>
+            <ac:spMk id="5" creationId="{705A7030-1F27-CBA4-A7AA-C6D158A2EFFB}"/>
+          </ac:spMkLst>
+        </pc:spChg>
+        <pc:spChg chg="add mod">
+          <ac:chgData name="Trung Nghia Nguyen" userId="caf0b1f78d203fdc" providerId="LiveId" clId="{FA98E611-7EE5-4D53-A8F6-A8478DA16B0D}" dt="2023-03-17T04:40:01.094" v="3079"/>
+          <ac:spMkLst>
+            <pc:docMk/>
+            <pc:sldMk cId="288851990" sldId="275"/>
+            <ac:spMk id="6" creationId="{FA80F292-9DC6-3B07-3494-F7CEDA19647D}"/>
           </ac:spMkLst>
         </pc:spChg>
         <pc:spChg chg="mod">
@@ -672,9 +1167,17 @@
             <ac:graphicFrameMk id="3" creationId="{5E8325E1-BDCF-5783-E97F-C770E7E58F6D}"/>
           </ac:graphicFrameMkLst>
         </pc:graphicFrameChg>
+        <pc:cxnChg chg="add mod">
+          <ac:chgData name="Trung Nghia Nguyen" userId="caf0b1f78d203fdc" providerId="LiveId" clId="{FA98E611-7EE5-4D53-A8F6-A8478DA16B0D}" dt="2023-03-17T04:38:20.076" v="3039"/>
+          <ac:cxnSpMkLst>
+            <pc:docMk/>
+            <pc:sldMk cId="288851990" sldId="275"/>
+            <ac:cxnSpMk id="2" creationId="{9C1236E6-E36B-726A-5DB7-9CAC65580E73}"/>
+          </ac:cxnSpMkLst>
+        </pc:cxnChg>
       </pc:sldChg>
-      <pc:sldChg chg="modSp add mod">
-        <pc:chgData name="Trung Nghia Nguyen" userId="caf0b1f78d203fdc" providerId="LiveId" clId="{FA98E611-7EE5-4D53-A8F6-A8478DA16B0D}" dt="2023-03-16T06:21:02.566" v="1885" actId="20577"/>
+      <pc:sldChg chg="addSp delSp modSp add mod">
+        <pc:chgData name="Trung Nghia Nguyen" userId="caf0b1f78d203fdc" providerId="LiveId" clId="{FA98E611-7EE5-4D53-A8F6-A8478DA16B0D}" dt="2023-03-17T04:40:05.673" v="3081"/>
         <pc:sldMkLst>
           <pc:docMk/>
           <pc:sldMk cId="2797651471" sldId="276"/>
@@ -685,6 +1188,22 @@
             <pc:docMk/>
             <pc:sldMk cId="2797651471" sldId="276"/>
             <ac:spMk id="4" creationId="{459EF129-6740-B341-7BC7-05D580180742}"/>
+          </ac:spMkLst>
+        </pc:spChg>
+        <pc:spChg chg="add del mod">
+          <ac:chgData name="Trung Nghia Nguyen" userId="caf0b1f78d203fdc" providerId="LiveId" clId="{FA98E611-7EE5-4D53-A8F6-A8478DA16B0D}" dt="2023-03-17T04:40:05.232" v="3080" actId="478"/>
+          <ac:spMkLst>
+            <pc:docMk/>
+            <pc:sldMk cId="2797651471" sldId="276"/>
+            <ac:spMk id="5" creationId="{1A768D09-65B6-BD7C-A142-B559924B5F8D}"/>
+          </ac:spMkLst>
+        </pc:spChg>
+        <pc:spChg chg="add mod">
+          <ac:chgData name="Trung Nghia Nguyen" userId="caf0b1f78d203fdc" providerId="LiveId" clId="{FA98E611-7EE5-4D53-A8F6-A8478DA16B0D}" dt="2023-03-17T04:40:05.673" v="3081"/>
+          <ac:spMkLst>
+            <pc:docMk/>
+            <pc:sldMk cId="2797651471" sldId="276"/>
+            <ac:spMk id="6" creationId="{FD7465EC-84B6-406C-4864-45ADF9FB642F}"/>
           </ac:spMkLst>
         </pc:spChg>
         <pc:spChg chg="mod">
@@ -703,6 +1222,185 @@
             <ac:graphicFrameMk id="3" creationId="{5E8325E1-BDCF-5783-E97F-C770E7E58F6D}"/>
           </ac:graphicFrameMkLst>
         </pc:graphicFrameChg>
+        <pc:cxnChg chg="add mod">
+          <ac:chgData name="Trung Nghia Nguyen" userId="caf0b1f78d203fdc" providerId="LiveId" clId="{FA98E611-7EE5-4D53-A8F6-A8478DA16B0D}" dt="2023-03-17T04:38:21.533" v="3040"/>
+          <ac:cxnSpMkLst>
+            <pc:docMk/>
+            <pc:sldMk cId="2797651471" sldId="276"/>
+            <ac:cxnSpMk id="2" creationId="{E84DC22F-1018-3740-66B4-518AAE2387D5}"/>
+          </ac:cxnSpMkLst>
+        </pc:cxnChg>
+      </pc:sldChg>
+      <pc:sldChg chg="addSp delSp modSp add mod">
+        <pc:chgData name="Trung Nghia Nguyen" userId="caf0b1f78d203fdc" providerId="LiveId" clId="{FA98E611-7EE5-4D53-A8F6-A8478DA16B0D}" dt="2023-03-17T04:38:51.932" v="3045"/>
+        <pc:sldMkLst>
+          <pc:docMk/>
+          <pc:sldMk cId="1442048206" sldId="277"/>
+        </pc:sldMkLst>
+        <pc:spChg chg="add del mod">
+          <ac:chgData name="Trung Nghia Nguyen" userId="caf0b1f78d203fdc" providerId="LiveId" clId="{FA98E611-7EE5-4D53-A8F6-A8478DA16B0D}" dt="2023-03-17T04:38:51.609" v="3044" actId="478"/>
+          <ac:spMkLst>
+            <pc:docMk/>
+            <pc:sldMk cId="1442048206" sldId="277"/>
+            <ac:spMk id="3" creationId="{2A02747A-930E-E80B-D12A-3C88421445D2}"/>
+          </ac:spMkLst>
+        </pc:spChg>
+        <pc:spChg chg="add mod">
+          <ac:chgData name="Trung Nghia Nguyen" userId="caf0b1f78d203fdc" providerId="LiveId" clId="{FA98E611-7EE5-4D53-A8F6-A8478DA16B0D}" dt="2023-03-17T04:38:51.932" v="3045"/>
+          <ac:spMkLst>
+            <pc:docMk/>
+            <pc:sldMk cId="1442048206" sldId="277"/>
+            <ac:spMk id="4" creationId="{8C7A2A31-FB7A-4F1F-44D0-57F56E22618B}"/>
+          </ac:spMkLst>
+        </pc:spChg>
+        <pc:graphicFrameChg chg="modGraphic">
+          <ac:chgData name="Trung Nghia Nguyen" userId="caf0b1f78d203fdc" providerId="LiveId" clId="{FA98E611-7EE5-4D53-A8F6-A8478DA16B0D}" dt="2023-03-17T04:33:12.630" v="2949" actId="20577"/>
+          <ac:graphicFrameMkLst>
+            <pc:docMk/>
+            <pc:sldMk cId="1442048206" sldId="277"/>
+            <ac:graphicFrameMk id="16" creationId="{A794B221-780B-3E0D-DCDE-B4B669AD1AE3}"/>
+          </ac:graphicFrameMkLst>
+        </pc:graphicFrameChg>
+        <pc:cxnChg chg="add mod">
+          <ac:chgData name="Trung Nghia Nguyen" userId="caf0b1f78d203fdc" providerId="LiveId" clId="{FA98E611-7EE5-4D53-A8F6-A8478DA16B0D}" dt="2023-03-17T04:37:53.870" v="3022"/>
+          <ac:cxnSpMkLst>
+            <pc:docMk/>
+            <pc:sldMk cId="1442048206" sldId="277"/>
+            <ac:cxnSpMk id="2" creationId="{0AB1CEC5-2BAD-1C07-6B07-F474F46A98DB}"/>
+          </ac:cxnSpMkLst>
+        </pc:cxnChg>
+      </pc:sldChg>
+      <pc:sldChg chg="addSp delSp modSp add mod">
+        <pc:chgData name="Trung Nghia Nguyen" userId="caf0b1f78d203fdc" providerId="LiveId" clId="{FA98E611-7EE5-4D53-A8F6-A8478DA16B0D}" dt="2023-03-17T06:23:24.904" v="3182" actId="1076"/>
+        <pc:sldMkLst>
+          <pc:docMk/>
+          <pc:sldMk cId="599745211" sldId="278"/>
+        </pc:sldMkLst>
+        <pc:spChg chg="mod">
+          <ac:chgData name="Trung Nghia Nguyen" userId="caf0b1f78d203fdc" providerId="LiveId" clId="{FA98E611-7EE5-4D53-A8F6-A8478DA16B0D}" dt="2023-03-17T06:23:21.018" v="3181" actId="114"/>
+          <ac:spMkLst>
+            <pc:docMk/>
+            <pc:sldMk cId="599745211" sldId="278"/>
+            <ac:spMk id="6" creationId="{E89CDB90-AF28-D274-AC55-ECC8E0120E31}"/>
+          </ac:spMkLst>
+        </pc:spChg>
+        <pc:picChg chg="add mod">
+          <ac:chgData name="Trung Nghia Nguyen" userId="caf0b1f78d203fdc" providerId="LiveId" clId="{FA98E611-7EE5-4D53-A8F6-A8478DA16B0D}" dt="2023-03-17T06:22:56.812" v="3160" actId="1076"/>
+          <ac:picMkLst>
+            <pc:docMk/>
+            <pc:sldMk cId="599745211" sldId="278"/>
+            <ac:picMk id="7" creationId="{A8746AB3-58A2-74F9-9140-30A7E3ED3167}"/>
+          </ac:picMkLst>
+        </pc:picChg>
+        <pc:picChg chg="del">
+          <ac:chgData name="Trung Nghia Nguyen" userId="caf0b1f78d203fdc" providerId="LiveId" clId="{FA98E611-7EE5-4D53-A8F6-A8478DA16B0D}" dt="2023-03-17T06:22:21.850" v="3158" actId="478"/>
+          <ac:picMkLst>
+            <pc:docMk/>
+            <pc:sldMk cId="599745211" sldId="278"/>
+            <ac:picMk id="8" creationId="{64343610-2239-3C37-0292-61E9C46DADC0}"/>
+          </ac:picMkLst>
+        </pc:picChg>
+        <pc:picChg chg="del">
+          <ac:chgData name="Trung Nghia Nguyen" userId="caf0b1f78d203fdc" providerId="LiveId" clId="{FA98E611-7EE5-4D53-A8F6-A8478DA16B0D}" dt="2023-03-17T06:21:56.494" v="3151" actId="478"/>
+          <ac:picMkLst>
+            <pc:docMk/>
+            <pc:sldMk cId="599745211" sldId="278"/>
+            <ac:picMk id="1026" creationId="{8B6FAEF3-00E8-C2B6-6484-BD77EBFDEA2F}"/>
+          </ac:picMkLst>
+        </pc:picChg>
+        <pc:picChg chg="add mod">
+          <ac:chgData name="Trung Nghia Nguyen" userId="caf0b1f78d203fdc" providerId="LiveId" clId="{FA98E611-7EE5-4D53-A8F6-A8478DA16B0D}" dt="2023-03-17T06:23:24.904" v="3182" actId="1076"/>
+          <ac:picMkLst>
+            <pc:docMk/>
+            <pc:sldMk cId="599745211" sldId="278"/>
+            <ac:picMk id="2050" creationId="{10442409-7C1A-0341-44F3-33E0573712DD}"/>
+          </ac:picMkLst>
+        </pc:picChg>
+      </pc:sldChg>
+      <pc:sldChg chg="addSp delSp modSp add mod">
+        <pc:chgData name="Trung Nghia Nguyen" userId="caf0b1f78d203fdc" providerId="LiveId" clId="{FA98E611-7EE5-4D53-A8F6-A8478DA16B0D}" dt="2023-03-17T06:26:42.641" v="3210" actId="1076"/>
+        <pc:sldMkLst>
+          <pc:docMk/>
+          <pc:sldMk cId="2754922991" sldId="279"/>
+        </pc:sldMkLst>
+        <pc:spChg chg="mod">
+          <ac:chgData name="Trung Nghia Nguyen" userId="caf0b1f78d203fdc" providerId="LiveId" clId="{FA98E611-7EE5-4D53-A8F6-A8478DA16B0D}" dt="2023-03-17T06:26:42.641" v="3210" actId="1076"/>
+          <ac:spMkLst>
+            <pc:docMk/>
+            <pc:sldMk cId="2754922991" sldId="279"/>
+            <ac:spMk id="6" creationId="{E89CDB90-AF28-D274-AC55-ECC8E0120E31}"/>
+          </ac:spMkLst>
+        </pc:spChg>
+        <pc:picChg chg="del">
+          <ac:chgData name="Trung Nghia Nguyen" userId="caf0b1f78d203fdc" providerId="LiveId" clId="{FA98E611-7EE5-4D53-A8F6-A8478DA16B0D}" dt="2023-03-17T06:25:39.982" v="3191" actId="478"/>
+          <ac:picMkLst>
+            <pc:docMk/>
+            <pc:sldMk cId="2754922991" sldId="279"/>
+            <ac:picMk id="7" creationId="{A8746AB3-58A2-74F9-9140-30A7E3ED3167}"/>
+          </ac:picMkLst>
+        </pc:picChg>
+        <pc:picChg chg="add mod">
+          <ac:chgData name="Trung Nghia Nguyen" userId="caf0b1f78d203fdc" providerId="LiveId" clId="{FA98E611-7EE5-4D53-A8F6-A8478DA16B0D}" dt="2023-03-17T06:26:17.123" v="3195" actId="14100"/>
+          <ac:picMkLst>
+            <pc:docMk/>
+            <pc:sldMk cId="2754922991" sldId="279"/>
+            <ac:picMk id="8" creationId="{2BCBC959-D18B-486A-A2CE-1317A0097C33}"/>
+          </ac:picMkLst>
+        </pc:picChg>
+        <pc:picChg chg="del">
+          <ac:chgData name="Trung Nghia Nguyen" userId="caf0b1f78d203fdc" providerId="LiveId" clId="{FA98E611-7EE5-4D53-A8F6-A8478DA16B0D}" dt="2023-03-17T06:25:21.497" v="3184" actId="478"/>
+          <ac:picMkLst>
+            <pc:docMk/>
+            <pc:sldMk cId="2754922991" sldId="279"/>
+            <ac:picMk id="2050" creationId="{10442409-7C1A-0341-44F3-33E0573712DD}"/>
+          </ac:picMkLst>
+        </pc:picChg>
+        <pc:picChg chg="add mod">
+          <ac:chgData name="Trung Nghia Nguyen" userId="caf0b1f78d203fdc" providerId="LiveId" clId="{FA98E611-7EE5-4D53-A8F6-A8478DA16B0D}" dt="2023-03-17T06:26:27.754" v="3197" actId="14100"/>
+          <ac:picMkLst>
+            <pc:docMk/>
+            <pc:sldMk cId="2754922991" sldId="279"/>
+            <ac:picMk id="3074" creationId="{0282A2DD-FF67-A086-5C74-2D8174B11DC8}"/>
+          </ac:picMkLst>
+        </pc:picChg>
+      </pc:sldChg>
+      <pc:sldChg chg="addSp modSp add mod modNotesTx">
+        <pc:chgData name="Trung Nghia Nguyen" userId="caf0b1f78d203fdc" providerId="LiveId" clId="{FA98E611-7EE5-4D53-A8F6-A8478DA16B0D}" dt="2023-03-17T07:03:30.383" v="3264" actId="1076"/>
+        <pc:sldMkLst>
+          <pc:docMk/>
+          <pc:sldMk cId="1570060703" sldId="280"/>
+        </pc:sldMkLst>
+        <pc:spChg chg="mod">
+          <ac:chgData name="Trung Nghia Nguyen" userId="caf0b1f78d203fdc" providerId="LiveId" clId="{FA98E611-7EE5-4D53-A8F6-A8478DA16B0D}" dt="2023-03-17T07:03:30.383" v="3264" actId="1076"/>
+          <ac:spMkLst>
+            <pc:docMk/>
+            <pc:sldMk cId="1570060703" sldId="280"/>
+            <ac:spMk id="7" creationId="{C27A575E-AACF-0BC5-FF71-5FCE2C283EAA}"/>
+          </ac:spMkLst>
+        </pc:spChg>
+        <pc:picChg chg="add mod">
+          <ac:chgData name="Trung Nghia Nguyen" userId="caf0b1f78d203fdc" providerId="LiveId" clId="{FA98E611-7EE5-4D53-A8F6-A8478DA16B0D}" dt="2023-03-17T07:03:21.332" v="3263" actId="1076"/>
+          <ac:picMkLst>
+            <pc:docMk/>
+            <pc:sldMk cId="1570060703" sldId="280"/>
+            <ac:picMk id="6" creationId="{2B44FC83-2398-5E3A-C381-62AE739D08A6}"/>
+          </ac:picMkLst>
+        </pc:picChg>
+      </pc:sldChg>
+      <pc:sldChg chg="modSp add mod">
+        <pc:chgData name="Trung Nghia Nguyen" userId="caf0b1f78d203fdc" providerId="LiveId" clId="{FA98E611-7EE5-4D53-A8F6-A8478DA16B0D}" dt="2023-03-17T07:06:13.877" v="3269" actId="20577"/>
+        <pc:sldMkLst>
+          <pc:docMk/>
+          <pc:sldMk cId="3262030844" sldId="281"/>
+        </pc:sldMkLst>
+        <pc:spChg chg="mod">
+          <ac:chgData name="Trung Nghia Nguyen" userId="caf0b1f78d203fdc" providerId="LiveId" clId="{FA98E611-7EE5-4D53-A8F6-A8478DA16B0D}" dt="2023-03-17T07:06:13.877" v="3269" actId="20577"/>
+          <ac:spMkLst>
+            <pc:docMk/>
+            <pc:sldMk cId="3262030844" sldId="281"/>
+            <ac:spMk id="7" creationId="{C27A575E-AACF-0BC5-FF71-5FCE2C283EAA}"/>
+          </ac:spMkLst>
+        </pc:spChg>
       </pc:sldChg>
       <pc:sldMasterChg chg="modSp modSldLayout">
         <pc:chgData name="Trung Nghia Nguyen" userId="caf0b1f78d203fdc" providerId="LiveId" clId="{FA98E611-7EE5-4D53-A8F6-A8478DA16B0D}" dt="2023-03-16T04:24:21.249" v="1"/>
@@ -983,6 +1681,1021 @@
 </pc:chgInfo>
 </file>
 
+<file path=ppt/notesMasters/notesMaster1.xml><?xml version="1.0" encoding="utf-8"?>
+<p:notesMaster xmlns:a="http://schemas.openxmlformats.org/drawingml/2006/main" xmlns:r="http://schemas.openxmlformats.org/officeDocument/2006/relationships" xmlns:p="http://schemas.openxmlformats.org/presentationml/2006/main">
+  <p:cSld>
+    <p:bg>
+      <p:bgRef idx="1001">
+        <a:schemeClr val="bg1"/>
+      </p:bgRef>
+    </p:bg>
+    <p:spTree>
+      <p:nvGrpSpPr>
+        <p:cNvPr id="1" name=""/>
+        <p:cNvGrpSpPr/>
+        <p:nvPr/>
+      </p:nvGrpSpPr>
+      <p:grpSpPr>
+        <a:xfrm>
+          <a:off x="0" y="0"/>
+          <a:ext cx="0" cy="0"/>
+          <a:chOff x="0" y="0"/>
+          <a:chExt cx="0" cy="0"/>
+        </a:xfrm>
+      </p:grpSpPr>
+      <p:sp>
+        <p:nvSpPr>
+          <p:cNvPr id="2" name="Header Placeholder 1"/>
+          <p:cNvSpPr>
+            <a:spLocks noGrp="1"/>
+          </p:cNvSpPr>
+          <p:nvPr>
+            <p:ph type="hdr" sz="quarter"/>
+          </p:nvPr>
+        </p:nvSpPr>
+        <p:spPr>
+          <a:xfrm>
+            <a:off x="0" y="0"/>
+            <a:ext cx="2971800" cy="458788"/>
+          </a:xfrm>
+          <a:prstGeom prst="rect">
+            <a:avLst/>
+          </a:prstGeom>
+        </p:spPr>
+        <p:txBody>
+          <a:bodyPr vert="horz" lIns="91440" tIns="45720" rIns="91440" bIns="45720" rtlCol="0"/>
+          <a:lstStyle>
+            <a:lvl1pPr algn="l">
+              <a:defRPr sz="1200"/>
+            </a:lvl1pPr>
+          </a:lstStyle>
+          <a:p>
+            <a:endParaRPr lang="en-US"/>
+          </a:p>
+        </p:txBody>
+      </p:sp>
+      <p:sp>
+        <p:nvSpPr>
+          <p:cNvPr id="3" name="Date Placeholder 2"/>
+          <p:cNvSpPr>
+            <a:spLocks noGrp="1"/>
+          </p:cNvSpPr>
+          <p:nvPr>
+            <p:ph type="dt" idx="1"/>
+          </p:nvPr>
+        </p:nvSpPr>
+        <p:spPr>
+          <a:xfrm>
+            <a:off x="3884613" y="0"/>
+            <a:ext cx="2971800" cy="458788"/>
+          </a:xfrm>
+          <a:prstGeom prst="rect">
+            <a:avLst/>
+          </a:prstGeom>
+        </p:spPr>
+        <p:txBody>
+          <a:bodyPr vert="horz" lIns="91440" tIns="45720" rIns="91440" bIns="45720" rtlCol="0"/>
+          <a:lstStyle>
+            <a:lvl1pPr algn="r">
+              <a:defRPr sz="1200"/>
+            </a:lvl1pPr>
+          </a:lstStyle>
+          <a:p>
+            <a:fld id="{51F95020-72AA-4787-B4DB-4E5B3A15E30F}" type="datetimeFigureOut">
+              <a:rPr lang="en-US" smtClean="0"/>
+              <a:t>17/03/2023</a:t>
+            </a:fld>
+            <a:endParaRPr lang="en-US"/>
+          </a:p>
+        </p:txBody>
+      </p:sp>
+      <p:sp>
+        <p:nvSpPr>
+          <p:cNvPr id="4" name="Slide Image Placeholder 3"/>
+          <p:cNvSpPr>
+            <a:spLocks noGrp="1" noRot="1" noChangeAspect="1"/>
+          </p:cNvSpPr>
+          <p:nvPr>
+            <p:ph type="sldImg" idx="2"/>
+          </p:nvPr>
+        </p:nvSpPr>
+        <p:spPr>
+          <a:xfrm>
+            <a:off x="1371600" y="1143000"/>
+            <a:ext cx="4114800" cy="3086100"/>
+          </a:xfrm>
+          <a:prstGeom prst="rect">
+            <a:avLst/>
+          </a:prstGeom>
+          <a:noFill/>
+          <a:ln w="12700">
+            <a:solidFill>
+              <a:prstClr val="black"/>
+            </a:solidFill>
+          </a:ln>
+        </p:spPr>
+        <p:txBody>
+          <a:bodyPr vert="horz" lIns="91440" tIns="45720" rIns="91440" bIns="45720" rtlCol="0" anchor="ctr"/>
+          <a:lstStyle/>
+          <a:p>
+            <a:endParaRPr lang="en-US"/>
+          </a:p>
+        </p:txBody>
+      </p:sp>
+      <p:sp>
+        <p:nvSpPr>
+          <p:cNvPr id="5" name="Notes Placeholder 4"/>
+          <p:cNvSpPr>
+            <a:spLocks noGrp="1"/>
+          </p:cNvSpPr>
+          <p:nvPr>
+            <p:ph type="body" sz="quarter" idx="3"/>
+          </p:nvPr>
+        </p:nvSpPr>
+        <p:spPr>
+          <a:xfrm>
+            <a:off x="685800" y="4400550"/>
+            <a:ext cx="5486400" cy="3600450"/>
+          </a:xfrm>
+          <a:prstGeom prst="rect">
+            <a:avLst/>
+          </a:prstGeom>
+        </p:spPr>
+        <p:txBody>
+          <a:bodyPr vert="horz" lIns="91440" tIns="45720" rIns="91440" bIns="45720" rtlCol="0"/>
+          <a:lstStyle/>
+          <a:p>
+            <a:pPr lvl="0"/>
+            <a:r>
+              <a:rPr lang="en-US"/>
+              <a:t>Click to edit Master text styles</a:t>
+            </a:r>
+          </a:p>
+          <a:p>
+            <a:pPr lvl="1"/>
+            <a:r>
+              <a:rPr lang="en-US"/>
+              <a:t>Second level</a:t>
+            </a:r>
+          </a:p>
+          <a:p>
+            <a:pPr lvl="2"/>
+            <a:r>
+              <a:rPr lang="en-US"/>
+              <a:t>Third level</a:t>
+            </a:r>
+          </a:p>
+          <a:p>
+            <a:pPr lvl="3"/>
+            <a:r>
+              <a:rPr lang="en-US"/>
+              <a:t>Fourth level</a:t>
+            </a:r>
+          </a:p>
+          <a:p>
+            <a:pPr lvl="4"/>
+            <a:r>
+              <a:rPr lang="en-US"/>
+              <a:t>Fifth level</a:t>
+            </a:r>
+          </a:p>
+        </p:txBody>
+      </p:sp>
+      <p:sp>
+        <p:nvSpPr>
+          <p:cNvPr id="6" name="Footer Placeholder 5"/>
+          <p:cNvSpPr>
+            <a:spLocks noGrp="1"/>
+          </p:cNvSpPr>
+          <p:nvPr>
+            <p:ph type="ftr" sz="quarter" idx="4"/>
+          </p:nvPr>
+        </p:nvSpPr>
+        <p:spPr>
+          <a:xfrm>
+            <a:off x="0" y="8685213"/>
+            <a:ext cx="2971800" cy="458787"/>
+          </a:xfrm>
+          <a:prstGeom prst="rect">
+            <a:avLst/>
+          </a:prstGeom>
+        </p:spPr>
+        <p:txBody>
+          <a:bodyPr vert="horz" lIns="91440" tIns="45720" rIns="91440" bIns="45720" rtlCol="0" anchor="b"/>
+          <a:lstStyle>
+            <a:lvl1pPr algn="l">
+              <a:defRPr sz="1200"/>
+            </a:lvl1pPr>
+          </a:lstStyle>
+          <a:p>
+            <a:endParaRPr lang="en-US"/>
+          </a:p>
+        </p:txBody>
+      </p:sp>
+      <p:sp>
+        <p:nvSpPr>
+          <p:cNvPr id="7" name="Slide Number Placeholder 6"/>
+          <p:cNvSpPr>
+            <a:spLocks noGrp="1"/>
+          </p:cNvSpPr>
+          <p:nvPr>
+            <p:ph type="sldNum" sz="quarter" idx="5"/>
+          </p:nvPr>
+        </p:nvSpPr>
+        <p:spPr>
+          <a:xfrm>
+            <a:off x="3884613" y="8685213"/>
+            <a:ext cx="2971800" cy="458787"/>
+          </a:xfrm>
+          <a:prstGeom prst="rect">
+            <a:avLst/>
+          </a:prstGeom>
+        </p:spPr>
+        <p:txBody>
+          <a:bodyPr vert="horz" lIns="91440" tIns="45720" rIns="91440" bIns="45720" rtlCol="0" anchor="b"/>
+          <a:lstStyle>
+            <a:lvl1pPr algn="r">
+              <a:defRPr sz="1200"/>
+            </a:lvl1pPr>
+          </a:lstStyle>
+          <a:p>
+            <a:fld id="{24F7533E-8029-40B5-A0CB-56B299BE493E}" type="slidenum">
+              <a:rPr lang="en-US" smtClean="0"/>
+              <a:t>‹#›</a:t>
+            </a:fld>
+            <a:endParaRPr lang="en-US"/>
+          </a:p>
+        </p:txBody>
+      </p:sp>
+    </p:spTree>
+    <p:extLst>
+      <p:ext uri="{BB962C8B-B14F-4D97-AF65-F5344CB8AC3E}">
+        <p14:creationId xmlns:p14="http://schemas.microsoft.com/office/powerpoint/2010/main" val="3274553168"/>
+      </p:ext>
+    </p:extLst>
+  </p:cSld>
+  <p:clrMap bg1="lt1" tx1="dk1" bg2="lt2" tx2="dk2" accent1="accent1" accent2="accent2" accent3="accent3" accent4="accent4" accent5="accent5" accent6="accent6" hlink="hlink" folHlink="folHlink"/>
+  <p:notesStyle>
+    <a:lvl1pPr marL="0" algn="l" defTabSz="914400" rtl="0" eaLnBrk="1" latinLnBrk="0" hangingPunct="1">
+      <a:defRPr sz="1200" kern="1200">
+        <a:solidFill>
+          <a:schemeClr val="tx1"/>
+        </a:solidFill>
+        <a:latin typeface="+mn-lt"/>
+        <a:ea typeface="+mn-ea"/>
+        <a:cs typeface="+mn-cs"/>
+      </a:defRPr>
+    </a:lvl1pPr>
+    <a:lvl2pPr marL="457200" algn="l" defTabSz="914400" rtl="0" eaLnBrk="1" latinLnBrk="0" hangingPunct="1">
+      <a:defRPr sz="1200" kern="1200">
+        <a:solidFill>
+          <a:schemeClr val="tx1"/>
+        </a:solidFill>
+        <a:latin typeface="+mn-lt"/>
+        <a:ea typeface="+mn-ea"/>
+        <a:cs typeface="+mn-cs"/>
+      </a:defRPr>
+    </a:lvl2pPr>
+    <a:lvl3pPr marL="914400" algn="l" defTabSz="914400" rtl="0" eaLnBrk="1" latinLnBrk="0" hangingPunct="1">
+      <a:defRPr sz="1200" kern="1200">
+        <a:solidFill>
+          <a:schemeClr val="tx1"/>
+        </a:solidFill>
+        <a:latin typeface="+mn-lt"/>
+        <a:ea typeface="+mn-ea"/>
+        <a:cs typeface="+mn-cs"/>
+      </a:defRPr>
+    </a:lvl3pPr>
+    <a:lvl4pPr marL="1371600" algn="l" defTabSz="914400" rtl="0" eaLnBrk="1" latinLnBrk="0" hangingPunct="1">
+      <a:defRPr sz="1200" kern="1200">
+        <a:solidFill>
+          <a:schemeClr val="tx1"/>
+        </a:solidFill>
+        <a:latin typeface="+mn-lt"/>
+        <a:ea typeface="+mn-ea"/>
+        <a:cs typeface="+mn-cs"/>
+      </a:defRPr>
+    </a:lvl4pPr>
+    <a:lvl5pPr marL="1828800" algn="l" defTabSz="914400" rtl="0" eaLnBrk="1" latinLnBrk="0" hangingPunct="1">
+      <a:defRPr sz="1200" kern="1200">
+        <a:solidFill>
+          <a:schemeClr val="tx1"/>
+        </a:solidFill>
+        <a:latin typeface="+mn-lt"/>
+        <a:ea typeface="+mn-ea"/>
+        <a:cs typeface="+mn-cs"/>
+      </a:defRPr>
+    </a:lvl5pPr>
+    <a:lvl6pPr marL="2286000" algn="l" defTabSz="914400" rtl="0" eaLnBrk="1" latinLnBrk="0" hangingPunct="1">
+      <a:defRPr sz="1200" kern="1200">
+        <a:solidFill>
+          <a:schemeClr val="tx1"/>
+        </a:solidFill>
+        <a:latin typeface="+mn-lt"/>
+        <a:ea typeface="+mn-ea"/>
+        <a:cs typeface="+mn-cs"/>
+      </a:defRPr>
+    </a:lvl6pPr>
+    <a:lvl7pPr marL="2743200" algn="l" defTabSz="914400" rtl="0" eaLnBrk="1" latinLnBrk="0" hangingPunct="1">
+      <a:defRPr sz="1200" kern="1200">
+        <a:solidFill>
+          <a:schemeClr val="tx1"/>
+        </a:solidFill>
+        <a:latin typeface="+mn-lt"/>
+        <a:ea typeface="+mn-ea"/>
+        <a:cs typeface="+mn-cs"/>
+      </a:defRPr>
+    </a:lvl7pPr>
+    <a:lvl8pPr marL="3200400" algn="l" defTabSz="914400" rtl="0" eaLnBrk="1" latinLnBrk="0" hangingPunct="1">
+      <a:defRPr sz="1200" kern="1200">
+        <a:solidFill>
+          <a:schemeClr val="tx1"/>
+        </a:solidFill>
+        <a:latin typeface="+mn-lt"/>
+        <a:ea typeface="+mn-ea"/>
+        <a:cs typeface="+mn-cs"/>
+      </a:defRPr>
+    </a:lvl8pPr>
+    <a:lvl9pPr marL="3657600" algn="l" defTabSz="914400" rtl="0" eaLnBrk="1" latinLnBrk="0" hangingPunct="1">
+      <a:defRPr sz="1200" kern="1200">
+        <a:solidFill>
+          <a:schemeClr val="tx1"/>
+        </a:solidFill>
+        <a:latin typeface="+mn-lt"/>
+        <a:ea typeface="+mn-ea"/>
+        <a:cs typeface="+mn-cs"/>
+      </a:defRPr>
+    </a:lvl9pPr>
+  </p:notesStyle>
+</p:notesMaster>
+</file>
+
+<file path=ppt/notesSlides/notesSlide1.xml><?xml version="1.0" encoding="utf-8"?>
+<p:notes xmlns:a="http://schemas.openxmlformats.org/drawingml/2006/main" xmlns:r="http://schemas.openxmlformats.org/officeDocument/2006/relationships" xmlns:p="http://schemas.openxmlformats.org/presentationml/2006/main">
+  <p:cSld>
+    <p:spTree>
+      <p:nvGrpSpPr>
+        <p:cNvPr id="1" name=""/>
+        <p:cNvGrpSpPr/>
+        <p:nvPr/>
+      </p:nvGrpSpPr>
+      <p:grpSpPr>
+        <a:xfrm>
+          <a:off x="0" y="0"/>
+          <a:ext cx="0" cy="0"/>
+          <a:chOff x="0" y="0"/>
+          <a:chExt cx="0" cy="0"/>
+        </a:xfrm>
+      </p:grpSpPr>
+      <p:sp>
+        <p:nvSpPr>
+          <p:cNvPr id="2" name="Slide Image Placeholder 1"/>
+          <p:cNvSpPr>
+            <a:spLocks noGrp="1" noRot="1" noChangeAspect="1"/>
+          </p:cNvSpPr>
+          <p:nvPr>
+            <p:ph type="sldImg"/>
+          </p:nvPr>
+        </p:nvSpPr>
+        <p:spPr/>
+      </p:sp>
+      <p:sp>
+        <p:nvSpPr>
+          <p:cNvPr id="3" name="Notes Placeholder 2"/>
+          <p:cNvSpPr>
+            <a:spLocks noGrp="1"/>
+          </p:cNvSpPr>
+          <p:nvPr>
+            <p:ph type="body" idx="1"/>
+          </p:nvPr>
+        </p:nvSpPr>
+        <p:spPr/>
+        <p:txBody>
+          <a:bodyPr/>
+          <a:lstStyle/>
+          <a:p>
+            <a:r>
+              <a:rPr lang="vi-VN" b="0">
+                <a:solidFill>
+                  <a:schemeClr val="tx1">
+                    <a:lumMod val="50000"/>
+                    <a:lumOff val="50000"/>
+                  </a:schemeClr>
+                </a:solidFill>
+                <a:effectLst/>
+                <a:latin typeface="Consolas" panose="020B0609020204030204" pitchFamily="49" charset="0"/>
+              </a:rPr>
+              <a:t>HÀM BFS:</a:t>
+            </a:r>
+          </a:p>
+          <a:p>
+            <a:r>
+              <a:rPr lang="vi-VN" b="0">
+                <a:solidFill>
+                  <a:schemeClr val="tx1">
+                    <a:lumMod val="50000"/>
+                    <a:lumOff val="50000"/>
+                  </a:schemeClr>
+                </a:solidFill>
+                <a:effectLst/>
+                <a:latin typeface="Consolas" panose="020B0609020204030204" pitchFamily="49" charset="0"/>
+              </a:rPr>
+              <a:t>  Khởi tạo </a:t>
+            </a:r>
+            <a:r>
+              <a:rPr lang="en-US">
+                <a:solidFill>
+                  <a:srgbClr val="FFC000"/>
+                </a:solidFill>
+                <a:latin typeface="Consolas" panose="020B0609020204030204" pitchFamily="49" charset="0"/>
+              </a:rPr>
+              <a:t>Q</a:t>
+            </a:r>
+            <a:r>
+              <a:rPr lang="vi-VN" b="0">
+                <a:solidFill>
+                  <a:srgbClr val="FFC000"/>
+                </a:solidFill>
+                <a:effectLst/>
+                <a:latin typeface="Consolas" panose="020B0609020204030204" pitchFamily="49" charset="0"/>
+              </a:rPr>
+              <a:t>ueue </a:t>
+            </a:r>
+            <a:r>
+              <a:rPr lang="vi-VN" b="0">
+                <a:solidFill>
+                  <a:schemeClr val="tx1">
+                    <a:lumMod val="50000"/>
+                    <a:lumOff val="50000"/>
+                  </a:schemeClr>
+                </a:solidFill>
+                <a:effectLst/>
+                <a:latin typeface="Consolas" panose="020B0609020204030204" pitchFamily="49" charset="0"/>
+              </a:rPr>
+              <a:t>và đánh dấu trạng thái ban đầu</a:t>
+            </a:r>
+          </a:p>
+          <a:p>
+            <a:r>
+              <a:rPr lang="vi-VN" b="0">
+                <a:solidFill>
+                  <a:schemeClr val="tx1">
+                    <a:lumMod val="50000"/>
+                    <a:lumOff val="50000"/>
+                  </a:schemeClr>
+                </a:solidFill>
+                <a:effectLst/>
+                <a:latin typeface="Consolas" panose="020B0609020204030204" pitchFamily="49" charset="0"/>
+              </a:rPr>
+              <a:t>  WHILE </a:t>
+            </a:r>
+            <a:r>
+              <a:rPr lang="en-US">
+                <a:solidFill>
+                  <a:srgbClr val="FFC000"/>
+                </a:solidFill>
+                <a:latin typeface="Consolas" panose="020B0609020204030204" pitchFamily="49" charset="0"/>
+              </a:rPr>
+              <a:t>Q</a:t>
+            </a:r>
+            <a:r>
+              <a:rPr lang="vi-VN" b="0">
+                <a:solidFill>
+                  <a:srgbClr val="FFC000"/>
+                </a:solidFill>
+                <a:effectLst/>
+                <a:latin typeface="Consolas" panose="020B0609020204030204" pitchFamily="49" charset="0"/>
+              </a:rPr>
+              <a:t>ueue </a:t>
+            </a:r>
+            <a:r>
+              <a:rPr lang="vi-VN" b="0">
+                <a:solidFill>
+                  <a:schemeClr val="tx1">
+                    <a:lumMod val="50000"/>
+                    <a:lumOff val="50000"/>
+                  </a:schemeClr>
+                </a:solidFill>
+                <a:effectLst/>
+                <a:latin typeface="Consolas" panose="020B0609020204030204" pitchFamily="49" charset="0"/>
+              </a:rPr>
+              <a:t>chưa rỗng:</a:t>
+            </a:r>
+          </a:p>
+          <a:p>
+            <a:r>
+              <a:rPr lang="vi-VN" b="0">
+                <a:solidFill>
+                  <a:schemeClr val="tx1">
+                    <a:lumMod val="50000"/>
+                    <a:lumOff val="50000"/>
+                  </a:schemeClr>
+                </a:solidFill>
+                <a:effectLst/>
+                <a:latin typeface="Consolas" panose="020B0609020204030204" pitchFamily="49" charset="0"/>
+              </a:rPr>
+              <a:t>    Lấy trạng thái đầu tiên trong </a:t>
+            </a:r>
+            <a:r>
+              <a:rPr lang="en-US" b="0">
+                <a:solidFill>
+                  <a:srgbClr val="FFC000"/>
+                </a:solidFill>
+                <a:effectLst/>
+                <a:latin typeface="Consolas" panose="020B0609020204030204" pitchFamily="49" charset="0"/>
+              </a:rPr>
+              <a:t>Q</a:t>
+            </a:r>
+            <a:r>
+              <a:rPr lang="vi-VN" b="0">
+                <a:solidFill>
+                  <a:srgbClr val="FFC000"/>
+                </a:solidFill>
+                <a:effectLst/>
+                <a:latin typeface="Consolas" panose="020B0609020204030204" pitchFamily="49" charset="0"/>
+              </a:rPr>
+              <a:t>ueue</a:t>
+            </a:r>
+          </a:p>
+          <a:p>
+            <a:r>
+              <a:rPr lang="vi-VN" b="0">
+                <a:solidFill>
+                  <a:schemeClr val="tx1">
+                    <a:lumMod val="50000"/>
+                    <a:lumOff val="50000"/>
+                  </a:schemeClr>
+                </a:solidFill>
+                <a:effectLst/>
+                <a:latin typeface="Consolas" panose="020B0609020204030204" pitchFamily="49" charset="0"/>
+              </a:rPr>
+              <a:t>    Nếu đó là trạng thái kết thúc thì trả về lời giải</a:t>
+            </a:r>
+          </a:p>
+          <a:p>
+            <a:r>
+              <a:rPr lang="vi-VN" b="0">
+                <a:solidFill>
+                  <a:schemeClr val="tx1">
+                    <a:lumMod val="50000"/>
+                    <a:lumOff val="50000"/>
+                  </a:schemeClr>
+                </a:solidFill>
+                <a:effectLst/>
+                <a:latin typeface="Consolas" panose="020B0609020204030204" pitchFamily="49" charset="0"/>
+              </a:rPr>
+              <a:t>    Duyệt tất cả các trạng thái kế tiếp của trạng thái hiện tại:</a:t>
+            </a:r>
+          </a:p>
+          <a:p>
+            <a:r>
+              <a:rPr lang="vi-VN" b="0">
+                <a:solidFill>
+                  <a:schemeClr val="tx1">
+                    <a:lumMod val="50000"/>
+                    <a:lumOff val="50000"/>
+                  </a:schemeClr>
+                </a:solidFill>
+                <a:effectLst/>
+                <a:latin typeface="Consolas" panose="020B0609020204030204" pitchFamily="49" charset="0"/>
+              </a:rPr>
+              <a:t>      Nếu trạng thái chưa được đánh dấu:</a:t>
+            </a:r>
+          </a:p>
+          <a:p>
+            <a:r>
+              <a:rPr lang="vi-VN" b="0">
+                <a:solidFill>
+                  <a:schemeClr val="tx1">
+                    <a:lumMod val="50000"/>
+                    <a:lumOff val="50000"/>
+                  </a:schemeClr>
+                </a:solidFill>
+                <a:effectLst/>
+                <a:latin typeface="Consolas" panose="020B0609020204030204" pitchFamily="49" charset="0"/>
+              </a:rPr>
+              <a:t>        Đánh dấu trạng thái và thêm vào </a:t>
+            </a:r>
+            <a:r>
+              <a:rPr lang="en-US" b="0">
+                <a:solidFill>
+                  <a:srgbClr val="FFC000"/>
+                </a:solidFill>
+                <a:effectLst/>
+                <a:latin typeface="Consolas" panose="020B0609020204030204" pitchFamily="49" charset="0"/>
+              </a:rPr>
+              <a:t>Q</a:t>
+            </a:r>
+            <a:r>
+              <a:rPr lang="vi-VN" b="0">
+                <a:solidFill>
+                  <a:srgbClr val="FFC000"/>
+                </a:solidFill>
+                <a:effectLst/>
+                <a:latin typeface="Consolas" panose="020B0609020204030204" pitchFamily="49" charset="0"/>
+              </a:rPr>
+              <a:t>ueue</a:t>
+            </a:r>
+          </a:p>
+          <a:p>
+            <a:r>
+              <a:rPr lang="vi-VN" b="0">
+                <a:solidFill>
+                  <a:schemeClr val="tx1">
+                    <a:lumMod val="50000"/>
+                    <a:lumOff val="50000"/>
+                  </a:schemeClr>
+                </a:solidFill>
+                <a:effectLst/>
+                <a:latin typeface="Consolas" panose="020B0609020204030204" pitchFamily="49" charset="0"/>
+              </a:rPr>
+              <a:t>  Nếu không tìm thấy lời giải thì trả về </a:t>
+            </a:r>
+            <a:r>
+              <a:rPr lang="vi-VN" b="0">
+                <a:solidFill>
+                  <a:srgbClr val="FFC000"/>
+                </a:solidFill>
+                <a:effectLst/>
+                <a:latin typeface="Consolas" panose="020B0609020204030204" pitchFamily="49" charset="0"/>
+              </a:rPr>
+              <a:t>None</a:t>
+            </a:r>
+          </a:p>
+          <a:p>
+            <a:endParaRPr lang="en-US"/>
+          </a:p>
+        </p:txBody>
+      </p:sp>
+      <p:sp>
+        <p:nvSpPr>
+          <p:cNvPr id="4" name="Slide Number Placeholder 3"/>
+          <p:cNvSpPr>
+            <a:spLocks noGrp="1"/>
+          </p:cNvSpPr>
+          <p:nvPr>
+            <p:ph type="sldNum" sz="quarter" idx="5"/>
+          </p:nvPr>
+        </p:nvSpPr>
+        <p:spPr/>
+        <p:txBody>
+          <a:bodyPr/>
+          <a:lstStyle/>
+          <a:p>
+            <a:fld id="{24F7533E-8029-40B5-A0CB-56B299BE493E}" type="slidenum">
+              <a:rPr lang="en-US" smtClean="0"/>
+              <a:t>9</a:t>
+            </a:fld>
+            <a:endParaRPr lang="en-US"/>
+          </a:p>
+        </p:txBody>
+      </p:sp>
+    </p:spTree>
+    <p:extLst>
+      <p:ext uri="{BB962C8B-B14F-4D97-AF65-F5344CB8AC3E}">
+        <p14:creationId xmlns:p14="http://schemas.microsoft.com/office/powerpoint/2010/main" val="319919830"/>
+      </p:ext>
+    </p:extLst>
+  </p:cSld>
+  <p:clrMapOvr>
+    <a:masterClrMapping/>
+  </p:clrMapOvr>
+</p:notes>
+</file>
+
+<file path=ppt/notesSlides/notesSlide2.xml><?xml version="1.0" encoding="utf-8"?>
+<p:notes xmlns:a="http://schemas.openxmlformats.org/drawingml/2006/main" xmlns:r="http://schemas.openxmlformats.org/officeDocument/2006/relationships" xmlns:p="http://schemas.openxmlformats.org/presentationml/2006/main">
+  <p:cSld>
+    <p:spTree>
+      <p:nvGrpSpPr>
+        <p:cNvPr id="1" name=""/>
+        <p:cNvGrpSpPr/>
+        <p:nvPr/>
+      </p:nvGrpSpPr>
+      <p:grpSpPr>
+        <a:xfrm>
+          <a:off x="0" y="0"/>
+          <a:ext cx="0" cy="0"/>
+          <a:chOff x="0" y="0"/>
+          <a:chExt cx="0" cy="0"/>
+        </a:xfrm>
+      </p:grpSpPr>
+      <p:sp>
+        <p:nvSpPr>
+          <p:cNvPr id="2" name="Slide Image Placeholder 1"/>
+          <p:cNvSpPr>
+            <a:spLocks noGrp="1" noRot="1" noChangeAspect="1"/>
+          </p:cNvSpPr>
+          <p:nvPr>
+            <p:ph type="sldImg"/>
+          </p:nvPr>
+        </p:nvSpPr>
+        <p:spPr/>
+      </p:sp>
+      <p:sp>
+        <p:nvSpPr>
+          <p:cNvPr id="3" name="Notes Placeholder 2"/>
+          <p:cNvSpPr>
+            <a:spLocks noGrp="1"/>
+          </p:cNvSpPr>
+          <p:nvPr>
+            <p:ph type="body" idx="1"/>
+          </p:nvPr>
+        </p:nvSpPr>
+        <p:spPr/>
+        <p:txBody>
+          <a:bodyPr/>
+          <a:lstStyle/>
+          <a:p>
+            <a:r>
+              <a:rPr lang="vi-VN" b="0">
+                <a:solidFill>
+                  <a:schemeClr val="tx1">
+                    <a:lumMod val="50000"/>
+                    <a:lumOff val="50000"/>
+                  </a:schemeClr>
+                </a:solidFill>
+                <a:effectLst/>
+                <a:latin typeface="Consolas" panose="020B0609020204030204" pitchFamily="49" charset="0"/>
+              </a:rPr>
+              <a:t>HÀM BFS:</a:t>
+            </a:r>
+          </a:p>
+          <a:p>
+            <a:r>
+              <a:rPr lang="vi-VN" b="0">
+                <a:solidFill>
+                  <a:schemeClr val="tx1">
+                    <a:lumMod val="50000"/>
+                    <a:lumOff val="50000"/>
+                  </a:schemeClr>
+                </a:solidFill>
+                <a:effectLst/>
+                <a:latin typeface="Consolas" panose="020B0609020204030204" pitchFamily="49" charset="0"/>
+              </a:rPr>
+              <a:t>  Khởi tạo </a:t>
+            </a:r>
+            <a:r>
+              <a:rPr lang="en-US">
+                <a:solidFill>
+                  <a:srgbClr val="FFC000"/>
+                </a:solidFill>
+                <a:latin typeface="Consolas" panose="020B0609020204030204" pitchFamily="49" charset="0"/>
+              </a:rPr>
+              <a:t>Q</a:t>
+            </a:r>
+            <a:r>
+              <a:rPr lang="vi-VN" b="0">
+                <a:solidFill>
+                  <a:srgbClr val="FFC000"/>
+                </a:solidFill>
+                <a:effectLst/>
+                <a:latin typeface="Consolas" panose="020B0609020204030204" pitchFamily="49" charset="0"/>
+              </a:rPr>
+              <a:t>ueue </a:t>
+            </a:r>
+            <a:r>
+              <a:rPr lang="vi-VN" b="0">
+                <a:solidFill>
+                  <a:schemeClr val="tx1">
+                    <a:lumMod val="50000"/>
+                    <a:lumOff val="50000"/>
+                  </a:schemeClr>
+                </a:solidFill>
+                <a:effectLst/>
+                <a:latin typeface="Consolas" panose="020B0609020204030204" pitchFamily="49" charset="0"/>
+              </a:rPr>
+              <a:t>và đánh dấu trạng thái ban đầu</a:t>
+            </a:r>
+          </a:p>
+          <a:p>
+            <a:r>
+              <a:rPr lang="vi-VN" b="0">
+                <a:solidFill>
+                  <a:schemeClr val="tx1">
+                    <a:lumMod val="50000"/>
+                    <a:lumOff val="50000"/>
+                  </a:schemeClr>
+                </a:solidFill>
+                <a:effectLst/>
+                <a:latin typeface="Consolas" panose="020B0609020204030204" pitchFamily="49" charset="0"/>
+              </a:rPr>
+              <a:t>  WHILE </a:t>
+            </a:r>
+            <a:r>
+              <a:rPr lang="en-US">
+                <a:solidFill>
+                  <a:srgbClr val="FFC000"/>
+                </a:solidFill>
+                <a:latin typeface="Consolas" panose="020B0609020204030204" pitchFamily="49" charset="0"/>
+              </a:rPr>
+              <a:t>Q</a:t>
+            </a:r>
+            <a:r>
+              <a:rPr lang="vi-VN" b="0">
+                <a:solidFill>
+                  <a:srgbClr val="FFC000"/>
+                </a:solidFill>
+                <a:effectLst/>
+                <a:latin typeface="Consolas" panose="020B0609020204030204" pitchFamily="49" charset="0"/>
+              </a:rPr>
+              <a:t>ueue </a:t>
+            </a:r>
+            <a:r>
+              <a:rPr lang="vi-VN" b="0">
+                <a:solidFill>
+                  <a:schemeClr val="tx1">
+                    <a:lumMod val="50000"/>
+                    <a:lumOff val="50000"/>
+                  </a:schemeClr>
+                </a:solidFill>
+                <a:effectLst/>
+                <a:latin typeface="Consolas" panose="020B0609020204030204" pitchFamily="49" charset="0"/>
+              </a:rPr>
+              <a:t>chưa rỗng:</a:t>
+            </a:r>
+          </a:p>
+          <a:p>
+            <a:r>
+              <a:rPr lang="vi-VN" b="0">
+                <a:solidFill>
+                  <a:schemeClr val="tx1">
+                    <a:lumMod val="50000"/>
+                    <a:lumOff val="50000"/>
+                  </a:schemeClr>
+                </a:solidFill>
+                <a:effectLst/>
+                <a:latin typeface="Consolas" panose="020B0609020204030204" pitchFamily="49" charset="0"/>
+              </a:rPr>
+              <a:t>    Lấy trạng thái đầu tiên trong </a:t>
+            </a:r>
+            <a:r>
+              <a:rPr lang="en-US" b="0">
+                <a:solidFill>
+                  <a:srgbClr val="FFC000"/>
+                </a:solidFill>
+                <a:effectLst/>
+                <a:latin typeface="Consolas" panose="020B0609020204030204" pitchFamily="49" charset="0"/>
+              </a:rPr>
+              <a:t>Q</a:t>
+            </a:r>
+            <a:r>
+              <a:rPr lang="vi-VN" b="0">
+                <a:solidFill>
+                  <a:srgbClr val="FFC000"/>
+                </a:solidFill>
+                <a:effectLst/>
+                <a:latin typeface="Consolas" panose="020B0609020204030204" pitchFamily="49" charset="0"/>
+              </a:rPr>
+              <a:t>ueue</a:t>
+            </a:r>
+          </a:p>
+          <a:p>
+            <a:r>
+              <a:rPr lang="vi-VN" b="0">
+                <a:solidFill>
+                  <a:schemeClr val="tx1">
+                    <a:lumMod val="50000"/>
+                    <a:lumOff val="50000"/>
+                  </a:schemeClr>
+                </a:solidFill>
+                <a:effectLst/>
+                <a:latin typeface="Consolas" panose="020B0609020204030204" pitchFamily="49" charset="0"/>
+              </a:rPr>
+              <a:t>    Nếu đó là trạng thái kết thúc thì trả về lời giải</a:t>
+            </a:r>
+          </a:p>
+          <a:p>
+            <a:r>
+              <a:rPr lang="vi-VN" b="0">
+                <a:solidFill>
+                  <a:schemeClr val="tx1">
+                    <a:lumMod val="50000"/>
+                    <a:lumOff val="50000"/>
+                  </a:schemeClr>
+                </a:solidFill>
+                <a:effectLst/>
+                <a:latin typeface="Consolas" panose="020B0609020204030204" pitchFamily="49" charset="0"/>
+              </a:rPr>
+              <a:t>    Duyệt tất cả các trạng thái kế tiếp của trạng thái hiện tại:</a:t>
+            </a:r>
+          </a:p>
+          <a:p>
+            <a:r>
+              <a:rPr lang="vi-VN" b="0">
+                <a:solidFill>
+                  <a:schemeClr val="tx1">
+                    <a:lumMod val="50000"/>
+                    <a:lumOff val="50000"/>
+                  </a:schemeClr>
+                </a:solidFill>
+                <a:effectLst/>
+                <a:latin typeface="Consolas" panose="020B0609020204030204" pitchFamily="49" charset="0"/>
+              </a:rPr>
+              <a:t>      Nếu trạng thái chưa được đánh dấu:</a:t>
+            </a:r>
+          </a:p>
+          <a:p>
+            <a:r>
+              <a:rPr lang="vi-VN" b="0">
+                <a:solidFill>
+                  <a:schemeClr val="tx1">
+                    <a:lumMod val="50000"/>
+                    <a:lumOff val="50000"/>
+                  </a:schemeClr>
+                </a:solidFill>
+                <a:effectLst/>
+                <a:latin typeface="Consolas" panose="020B0609020204030204" pitchFamily="49" charset="0"/>
+              </a:rPr>
+              <a:t>        Đánh dấu trạng thái và thêm vào </a:t>
+            </a:r>
+            <a:r>
+              <a:rPr lang="en-US" b="0">
+                <a:solidFill>
+                  <a:srgbClr val="FFC000"/>
+                </a:solidFill>
+                <a:effectLst/>
+                <a:latin typeface="Consolas" panose="020B0609020204030204" pitchFamily="49" charset="0"/>
+              </a:rPr>
+              <a:t>Q</a:t>
+            </a:r>
+            <a:r>
+              <a:rPr lang="vi-VN" b="0">
+                <a:solidFill>
+                  <a:srgbClr val="FFC000"/>
+                </a:solidFill>
+                <a:effectLst/>
+                <a:latin typeface="Consolas" panose="020B0609020204030204" pitchFamily="49" charset="0"/>
+              </a:rPr>
+              <a:t>ueue</a:t>
+            </a:r>
+          </a:p>
+          <a:p>
+            <a:r>
+              <a:rPr lang="vi-VN" b="0">
+                <a:solidFill>
+                  <a:schemeClr val="tx1">
+                    <a:lumMod val="50000"/>
+                    <a:lumOff val="50000"/>
+                  </a:schemeClr>
+                </a:solidFill>
+                <a:effectLst/>
+                <a:latin typeface="Consolas" panose="020B0609020204030204" pitchFamily="49" charset="0"/>
+              </a:rPr>
+              <a:t>  Nếu không tìm thấy lời giải thì trả về </a:t>
+            </a:r>
+            <a:r>
+              <a:rPr lang="vi-VN" b="0">
+                <a:solidFill>
+                  <a:srgbClr val="FFC000"/>
+                </a:solidFill>
+                <a:effectLst/>
+                <a:latin typeface="Consolas" panose="020B0609020204030204" pitchFamily="49" charset="0"/>
+              </a:rPr>
+              <a:t>None</a:t>
+            </a:r>
+          </a:p>
+          <a:p>
+            <a:endParaRPr lang="en-US"/>
+          </a:p>
+        </p:txBody>
+      </p:sp>
+      <p:sp>
+        <p:nvSpPr>
+          <p:cNvPr id="4" name="Slide Number Placeholder 3"/>
+          <p:cNvSpPr>
+            <a:spLocks noGrp="1"/>
+          </p:cNvSpPr>
+          <p:nvPr>
+            <p:ph type="sldNum" sz="quarter" idx="5"/>
+          </p:nvPr>
+        </p:nvSpPr>
+        <p:spPr/>
+        <p:txBody>
+          <a:bodyPr/>
+          <a:lstStyle/>
+          <a:p>
+            <a:fld id="{24F7533E-8029-40B5-A0CB-56B299BE493E}" type="slidenum">
+              <a:rPr lang="en-US" smtClean="0"/>
+              <a:t>10</a:t>
+            </a:fld>
+            <a:endParaRPr lang="en-US"/>
+          </a:p>
+        </p:txBody>
+      </p:sp>
+    </p:spTree>
+    <p:extLst>
+      <p:ext uri="{BB962C8B-B14F-4D97-AF65-F5344CB8AC3E}">
+        <p14:creationId xmlns:p14="http://schemas.microsoft.com/office/powerpoint/2010/main" val="1517955573"/>
+      </p:ext>
+    </p:extLst>
+  </p:cSld>
+  <p:clrMapOvr>
+    <a:masterClrMapping/>
+  </p:clrMapOvr>
+</p:notes>
+</file>
+
 <file path=ppt/slideLayouts/slideLayout1.xml><?xml version="1.0" encoding="utf-8"?>
 <p:sldLayout xmlns:a="http://schemas.openxmlformats.org/drawingml/2006/main" xmlns:r="http://schemas.openxmlformats.org/officeDocument/2006/relationships" xmlns:p="http://schemas.openxmlformats.org/presentationml/2006/main" type="title" preserve="1">
   <p:cSld name="Title Slide">
@@ -1114,7 +2827,7 @@
           <a:p>
             <a:fld id="{2AB4A3C8-EB3A-4B87-95B8-3265ADB47806}" type="datetimeFigureOut">
               <a:rPr lang="en-US" smtClean="0"/>
-              <a:t>16/03/2023</a:t>
+              <a:t>17/03/2023</a:t>
             </a:fld>
             <a:endParaRPr lang="en-US"/>
           </a:p>
@@ -1284,7 +2997,7 @@
           <a:p>
             <a:fld id="{2AB4A3C8-EB3A-4B87-95B8-3265ADB47806}" type="datetimeFigureOut">
               <a:rPr lang="en-US" smtClean="0"/>
-              <a:t>16/03/2023</a:t>
+              <a:t>17/03/2023</a:t>
             </a:fld>
             <a:endParaRPr lang="en-US"/>
           </a:p>
@@ -1464,7 +3177,7 @@
           <a:p>
             <a:fld id="{2AB4A3C8-EB3A-4B87-95B8-3265ADB47806}" type="datetimeFigureOut">
               <a:rPr lang="en-US" smtClean="0"/>
-              <a:t>16/03/2023</a:t>
+              <a:t>17/03/2023</a:t>
             </a:fld>
             <a:endParaRPr lang="en-US"/>
           </a:p>
@@ -1634,7 +3347,7 @@
           <a:p>
             <a:fld id="{2AB4A3C8-EB3A-4B87-95B8-3265ADB47806}" type="datetimeFigureOut">
               <a:rPr lang="en-US" smtClean="0"/>
-              <a:t>16/03/2023</a:t>
+              <a:t>17/03/2023</a:t>
             </a:fld>
             <a:endParaRPr lang="en-US"/>
           </a:p>
@@ -1878,7 +3591,7 @@
           <a:p>
             <a:fld id="{2AB4A3C8-EB3A-4B87-95B8-3265ADB47806}" type="datetimeFigureOut">
               <a:rPr lang="en-US" smtClean="0"/>
-              <a:t>16/03/2023</a:t>
+              <a:t>17/03/2023</a:t>
             </a:fld>
             <a:endParaRPr lang="en-US"/>
           </a:p>
@@ -2110,7 +3823,7 @@
           <a:p>
             <a:fld id="{2AB4A3C8-EB3A-4B87-95B8-3265ADB47806}" type="datetimeFigureOut">
               <a:rPr lang="en-US" smtClean="0"/>
-              <a:t>16/03/2023</a:t>
+              <a:t>17/03/2023</a:t>
             </a:fld>
             <a:endParaRPr lang="en-US"/>
           </a:p>
@@ -2477,7 +4190,7 @@
           <a:p>
             <a:fld id="{2AB4A3C8-EB3A-4B87-95B8-3265ADB47806}" type="datetimeFigureOut">
               <a:rPr lang="en-US" smtClean="0"/>
-              <a:t>16/03/2023</a:t>
+              <a:t>17/03/2023</a:t>
             </a:fld>
             <a:endParaRPr lang="en-US"/>
           </a:p>
@@ -2595,7 +4308,7 @@
           <a:p>
             <a:fld id="{2AB4A3C8-EB3A-4B87-95B8-3265ADB47806}" type="datetimeFigureOut">
               <a:rPr lang="en-US" smtClean="0"/>
-              <a:t>16/03/2023</a:t>
+              <a:t>17/03/2023</a:t>
             </a:fld>
             <a:endParaRPr lang="en-US"/>
           </a:p>
@@ -2690,7 +4403,7 @@
           <a:p>
             <a:fld id="{2AB4A3C8-EB3A-4B87-95B8-3265ADB47806}" type="datetimeFigureOut">
               <a:rPr lang="en-US" smtClean="0"/>
-              <a:t>16/03/2023</a:t>
+              <a:t>17/03/2023</a:t>
             </a:fld>
             <a:endParaRPr lang="en-US"/>
           </a:p>
@@ -2967,7 +4680,7 @@
           <a:p>
             <a:fld id="{2AB4A3C8-EB3A-4B87-95B8-3265ADB47806}" type="datetimeFigureOut">
               <a:rPr lang="en-US" smtClean="0"/>
-              <a:t>16/03/2023</a:t>
+              <a:t>17/03/2023</a:t>
             </a:fld>
             <a:endParaRPr lang="en-US"/>
           </a:p>
@@ -3223,7 +4936,7 @@
           <a:p>
             <a:fld id="{2AB4A3C8-EB3A-4B87-95B8-3265ADB47806}" type="datetimeFigureOut">
               <a:rPr lang="en-US" smtClean="0"/>
-              <a:t>16/03/2023</a:t>
+              <a:t>17/03/2023</a:t>
             </a:fld>
             <a:endParaRPr lang="en-US"/>
           </a:p>
@@ -3436,7 +5149,7 @@
           <a:p>
             <a:fld id="{2AB4A3C8-EB3A-4B87-95B8-3265ADB47806}" type="datetimeFigureOut">
               <a:rPr lang="en-US" smtClean="0"/>
-              <a:t>16/03/2023</a:t>
+              <a:t>17/03/2023</a:t>
             </a:fld>
             <a:endParaRPr lang="en-US"/>
           </a:p>
@@ -4788,6 +6501,87 @@
           </a:graphicData>
         </a:graphic>
       </p:graphicFrame>
+      <p:cxnSp>
+        <p:nvCxnSpPr>
+          <p:cNvPr id="2" name="Straight Connector 1">
+            <a:extLst>
+              <a:ext uri="{FF2B5EF4-FFF2-40B4-BE49-F238E27FC236}">
+                <a16:creationId xmlns:a16="http://schemas.microsoft.com/office/drawing/2014/main" id="{0193EF83-1ED7-DCBA-7737-4EE3F208EA17}"/>
+              </a:ext>
+            </a:extLst>
+          </p:cNvPr>
+          <p:cNvCxnSpPr>
+            <a:cxnSpLocks/>
+          </p:cNvCxnSpPr>
+          <p:nvPr/>
+        </p:nvCxnSpPr>
+        <p:spPr>
+          <a:xfrm>
+            <a:off x="4752975" y="6238875"/>
+            <a:ext cx="4286250" cy="0"/>
+          </a:xfrm>
+          <a:prstGeom prst="line">
+            <a:avLst/>
+          </a:prstGeom>
+        </p:spPr>
+        <p:style>
+          <a:lnRef idx="1">
+            <a:schemeClr val="accent1"/>
+          </a:lnRef>
+          <a:fillRef idx="0">
+            <a:schemeClr val="accent1"/>
+          </a:fillRef>
+          <a:effectRef idx="0">
+            <a:schemeClr val="accent1"/>
+          </a:effectRef>
+          <a:fontRef idx="minor">
+            <a:schemeClr val="tx1"/>
+          </a:fontRef>
+        </p:style>
+      </p:cxnSp>
+      <p:sp>
+        <p:nvSpPr>
+          <p:cNvPr id="4" name="TextBox 3">
+            <a:extLst>
+              <a:ext uri="{FF2B5EF4-FFF2-40B4-BE49-F238E27FC236}">
+                <a16:creationId xmlns:a16="http://schemas.microsoft.com/office/drawing/2014/main" id="{A7C6B5DE-252A-6692-B1E6-C658AB98BEE6}"/>
+              </a:ext>
+            </a:extLst>
+          </p:cNvPr>
+          <p:cNvSpPr txBox="1"/>
+          <p:nvPr/>
+        </p:nvSpPr>
+        <p:spPr>
+          <a:xfrm>
+            <a:off x="5524499" y="6336334"/>
+            <a:ext cx="3514725" cy="369332"/>
+          </a:xfrm>
+          <a:prstGeom prst="rect">
+            <a:avLst/>
+          </a:prstGeom>
+          <a:noFill/>
+        </p:spPr>
+        <p:txBody>
+          <a:bodyPr wrap="square" rtlCol="0">
+            <a:spAutoFit/>
+          </a:bodyPr>
+          <a:lstStyle/>
+          <a:p>
+            <a:r>
+              <a:rPr lang="en-US" b="1" i="1"/>
+              <a:t>AI © 2023 PBL </a:t>
+            </a:r>
+            <a:r>
+              <a:rPr lang="en-US" b="1"/>
+              <a:t>		</a:t>
+            </a:r>
+            <a:r>
+              <a:rPr lang="en-US"/>
+              <a:t>Trang 1</a:t>
+            </a:r>
+          </a:p>
+        </p:txBody>
+      </p:sp>
     </p:spTree>
     <p:extLst>
       <p:ext uri="{BB962C8B-B14F-4D97-AF65-F5344CB8AC3E}">
@@ -4802,6 +6596,1165 @@
 </file>
 
 <file path=ppt/slides/slide10.xml><?xml version="1.0" encoding="utf-8"?>
+<p:sld xmlns:a="http://schemas.openxmlformats.org/drawingml/2006/main" xmlns:r="http://schemas.openxmlformats.org/officeDocument/2006/relationships" xmlns:p="http://schemas.openxmlformats.org/presentationml/2006/main">
+  <p:cSld>
+    <p:spTree>
+      <p:nvGrpSpPr>
+        <p:cNvPr id="1" name=""/>
+        <p:cNvGrpSpPr/>
+        <p:nvPr/>
+      </p:nvGrpSpPr>
+      <p:grpSpPr>
+        <a:xfrm>
+          <a:off x="0" y="0"/>
+          <a:ext cx="0" cy="0"/>
+          <a:chOff x="0" y="0"/>
+          <a:chExt cx="0" cy="0"/>
+        </a:xfrm>
+      </p:grpSpPr>
+      <p:pic>
+        <p:nvPicPr>
+          <p:cNvPr id="1034" name="Picture 10">
+            <a:extLst>
+              <a:ext uri="{FF2B5EF4-FFF2-40B4-BE49-F238E27FC236}">
+                <a16:creationId xmlns:a16="http://schemas.microsoft.com/office/drawing/2014/main" id="{6F72484C-A752-76F3-F259-0A997B815A00}"/>
+              </a:ext>
+            </a:extLst>
+          </p:cNvPr>
+          <p:cNvPicPr>
+            <a:picLocks noChangeAspect="1" noChangeArrowheads="1"/>
+          </p:cNvPicPr>
+          <p:nvPr/>
+        </p:nvPicPr>
+        <p:blipFill>
+          <a:blip r:embed="rId3">
+            <a:extLst>
+              <a:ext uri="{28A0092B-C50C-407E-A947-70E740481C1C}">
+                <a14:useLocalDpi xmlns:a14="http://schemas.microsoft.com/office/drawing/2010/main" val="0"/>
+              </a:ext>
+            </a:extLst>
+          </a:blip>
+          <a:srcRect/>
+          <a:stretch>
+            <a:fillRect/>
+          </a:stretch>
+        </p:blipFill>
+        <p:spPr bwMode="auto">
+          <a:xfrm>
+            <a:off x="76200" y="119063"/>
+            <a:ext cx="1114424" cy="614791"/>
+          </a:xfrm>
+          <a:prstGeom prst="rect">
+            <a:avLst/>
+          </a:prstGeom>
+          <a:noFill/>
+          <a:extLst>
+            <a:ext uri="{909E8E84-426E-40DD-AFC4-6F175D3DCCD1}">
+              <a14:hiddenFill xmlns:a14="http://schemas.microsoft.com/office/drawing/2010/main">
+                <a:solidFill>
+                  <a:srgbClr val="FFFFFF"/>
+                </a:solidFill>
+              </a14:hiddenFill>
+            </a:ext>
+          </a:extLst>
+        </p:spPr>
+      </p:pic>
+      <p:cxnSp>
+        <p:nvCxnSpPr>
+          <p:cNvPr id="11" name="Straight Connector 10">
+            <a:extLst>
+              <a:ext uri="{FF2B5EF4-FFF2-40B4-BE49-F238E27FC236}">
+                <a16:creationId xmlns:a16="http://schemas.microsoft.com/office/drawing/2014/main" id="{E5C4A229-E185-5A4B-53B1-81D591292671}"/>
+              </a:ext>
+            </a:extLst>
+          </p:cNvPr>
+          <p:cNvCxnSpPr>
+            <a:cxnSpLocks/>
+          </p:cNvCxnSpPr>
+          <p:nvPr/>
+        </p:nvCxnSpPr>
+        <p:spPr>
+          <a:xfrm>
+            <a:off x="76200" y="847725"/>
+            <a:ext cx="7648575" cy="0"/>
+          </a:xfrm>
+          <a:prstGeom prst="line">
+            <a:avLst/>
+          </a:prstGeom>
+        </p:spPr>
+        <p:style>
+          <a:lnRef idx="1">
+            <a:schemeClr val="accent1"/>
+          </a:lnRef>
+          <a:fillRef idx="0">
+            <a:schemeClr val="accent1"/>
+          </a:fillRef>
+          <a:effectRef idx="0">
+            <a:schemeClr val="accent1"/>
+          </a:effectRef>
+          <a:fontRef idx="minor">
+            <a:schemeClr val="tx1"/>
+          </a:fontRef>
+        </p:style>
+      </p:cxnSp>
+      <p:sp>
+        <p:nvSpPr>
+          <p:cNvPr id="14" name="TextBox 13">
+            <a:extLst>
+              <a:ext uri="{FF2B5EF4-FFF2-40B4-BE49-F238E27FC236}">
+                <a16:creationId xmlns:a16="http://schemas.microsoft.com/office/drawing/2014/main" id="{63B4AB36-B54A-EA5C-2A74-F2C80BE0CBC4}"/>
+              </a:ext>
+            </a:extLst>
+          </p:cNvPr>
+          <p:cNvSpPr txBox="1"/>
+          <p:nvPr/>
+        </p:nvSpPr>
+        <p:spPr>
+          <a:xfrm>
+            <a:off x="1390650" y="236792"/>
+            <a:ext cx="6362700" cy="369332"/>
+          </a:xfrm>
+          <a:prstGeom prst="rect">
+            <a:avLst/>
+          </a:prstGeom>
+          <a:noFill/>
+        </p:spPr>
+        <p:txBody>
+          <a:bodyPr wrap="square" rtlCol="0">
+            <a:spAutoFit/>
+          </a:bodyPr>
+          <a:lstStyle/>
+          <a:p>
+            <a:r>
+              <a:rPr lang="en-US" b="1"/>
+              <a:t>UNINFORMED SEARCH</a:t>
+            </a:r>
+          </a:p>
+        </p:txBody>
+      </p:sp>
+      <p:sp>
+        <p:nvSpPr>
+          <p:cNvPr id="2" name="TextBox 1">
+            <a:extLst>
+              <a:ext uri="{FF2B5EF4-FFF2-40B4-BE49-F238E27FC236}">
+                <a16:creationId xmlns:a16="http://schemas.microsoft.com/office/drawing/2014/main" id="{30380714-4CD2-9849-80A6-8AC66F97DA6F}"/>
+              </a:ext>
+            </a:extLst>
+          </p:cNvPr>
+          <p:cNvSpPr txBox="1"/>
+          <p:nvPr/>
+        </p:nvSpPr>
+        <p:spPr>
+          <a:xfrm>
+            <a:off x="76200" y="1089327"/>
+            <a:ext cx="1252202" cy="369332"/>
+          </a:xfrm>
+          <a:prstGeom prst="rect">
+            <a:avLst/>
+          </a:prstGeom>
+          <a:noFill/>
+        </p:spPr>
+        <p:txBody>
+          <a:bodyPr wrap="none" rtlCol="0">
+            <a:spAutoFit/>
+          </a:bodyPr>
+          <a:lstStyle/>
+          <a:p>
+            <a:r>
+              <a:rPr lang="en-US" i="1"/>
+              <a:t>Yêu cầu 1-3</a:t>
+            </a:r>
+          </a:p>
+        </p:txBody>
+      </p:sp>
+      <p:cxnSp>
+        <p:nvCxnSpPr>
+          <p:cNvPr id="3" name="Straight Connector 2">
+            <a:extLst>
+              <a:ext uri="{FF2B5EF4-FFF2-40B4-BE49-F238E27FC236}">
+                <a16:creationId xmlns:a16="http://schemas.microsoft.com/office/drawing/2014/main" id="{C4BB4107-403F-CD25-8D62-E1CD580C39E7}"/>
+              </a:ext>
+            </a:extLst>
+          </p:cNvPr>
+          <p:cNvCxnSpPr>
+            <a:cxnSpLocks/>
+          </p:cNvCxnSpPr>
+          <p:nvPr/>
+        </p:nvCxnSpPr>
+        <p:spPr>
+          <a:xfrm>
+            <a:off x="4752975" y="6238875"/>
+            <a:ext cx="4286250" cy="0"/>
+          </a:xfrm>
+          <a:prstGeom prst="line">
+            <a:avLst/>
+          </a:prstGeom>
+        </p:spPr>
+        <p:style>
+          <a:lnRef idx="1">
+            <a:schemeClr val="accent1"/>
+          </a:lnRef>
+          <a:fillRef idx="0">
+            <a:schemeClr val="accent1"/>
+          </a:fillRef>
+          <a:effectRef idx="0">
+            <a:schemeClr val="accent1"/>
+          </a:effectRef>
+          <a:fontRef idx="minor">
+            <a:schemeClr val="tx1"/>
+          </a:fontRef>
+        </p:style>
+      </p:cxnSp>
+      <p:sp>
+        <p:nvSpPr>
+          <p:cNvPr id="5" name="TextBox 4">
+            <a:extLst>
+              <a:ext uri="{FF2B5EF4-FFF2-40B4-BE49-F238E27FC236}">
+                <a16:creationId xmlns:a16="http://schemas.microsoft.com/office/drawing/2014/main" id="{7AF6E6C4-7E4D-6951-DD77-D67FDB08BE33}"/>
+              </a:ext>
+            </a:extLst>
+          </p:cNvPr>
+          <p:cNvSpPr txBox="1"/>
+          <p:nvPr/>
+        </p:nvSpPr>
+        <p:spPr>
+          <a:xfrm>
+            <a:off x="7753350" y="6336334"/>
+            <a:ext cx="1285874" cy="369332"/>
+          </a:xfrm>
+          <a:prstGeom prst="rect">
+            <a:avLst/>
+          </a:prstGeom>
+          <a:noFill/>
+        </p:spPr>
+        <p:txBody>
+          <a:bodyPr wrap="square" rtlCol="0">
+            <a:spAutoFit/>
+          </a:bodyPr>
+          <a:lstStyle/>
+          <a:p>
+            <a:r>
+              <a:rPr lang="en-US"/>
+              <a:t>Trang 1</a:t>
+            </a:r>
+          </a:p>
+        </p:txBody>
+      </p:sp>
+      <p:sp>
+        <p:nvSpPr>
+          <p:cNvPr id="7" name="TextBox 6">
+            <a:extLst>
+              <a:ext uri="{FF2B5EF4-FFF2-40B4-BE49-F238E27FC236}">
+                <a16:creationId xmlns:a16="http://schemas.microsoft.com/office/drawing/2014/main" id="{C27A575E-AACF-0BC5-FF71-5FCE2C283EAA}"/>
+              </a:ext>
+            </a:extLst>
+          </p:cNvPr>
+          <p:cNvSpPr txBox="1"/>
+          <p:nvPr/>
+        </p:nvSpPr>
+        <p:spPr>
+          <a:xfrm>
+            <a:off x="752474" y="3429000"/>
+            <a:ext cx="657226" cy="1427570"/>
+          </a:xfrm>
+          <a:prstGeom prst="rect">
+            <a:avLst/>
+          </a:prstGeom>
+          <a:noFill/>
+        </p:spPr>
+        <p:txBody>
+          <a:bodyPr wrap="square">
+            <a:spAutoFit/>
+          </a:bodyPr>
+          <a:lstStyle/>
+          <a:p>
+            <a:pPr algn="l">
+              <a:lnSpc>
+                <a:spcPct val="150000"/>
+              </a:lnSpc>
+            </a:pPr>
+            <a:r>
+              <a:rPr lang="en-US" b="1">
+                <a:latin typeface="Times New Roman" panose="02020603050405020304" pitchFamily="18" charset="0"/>
+                <a:cs typeface="Times New Roman" panose="02020603050405020304" pitchFamily="18" charset="0"/>
+              </a:rPr>
+              <a:t>D</a:t>
+            </a:r>
+            <a:r>
+              <a:rPr lang="en-US" b="1" i="0">
+                <a:effectLst/>
+                <a:latin typeface="Times New Roman" panose="02020603050405020304" pitchFamily="18" charset="0"/>
+                <a:cs typeface="Times New Roman" panose="02020603050405020304" pitchFamily="18" charset="0"/>
+              </a:rPr>
+              <a:t>FS</a:t>
+            </a:r>
+          </a:p>
+          <a:p>
+            <a:br>
+              <a:rPr lang="vi-VN" b="0">
+                <a:solidFill>
+                  <a:srgbClr val="D4D4D4"/>
+                </a:solidFill>
+                <a:effectLst/>
+                <a:latin typeface="Consolas" panose="020B0609020204030204" pitchFamily="49" charset="0"/>
+              </a:rPr>
+            </a:br>
+            <a:r>
+              <a:rPr lang="vi-VN" b="0">
+                <a:solidFill>
+                  <a:srgbClr val="CE9178"/>
+                </a:solidFill>
+                <a:effectLst/>
+                <a:latin typeface="Consolas" panose="020B0609020204030204" pitchFamily="49" charset="0"/>
+              </a:rPr>
+              <a:t>  </a:t>
+            </a:r>
+            <a:endParaRPr lang="vi-VN" b="0">
+              <a:solidFill>
+                <a:srgbClr val="D4D4D4"/>
+              </a:solidFill>
+              <a:effectLst/>
+              <a:latin typeface="Consolas" panose="020B0609020204030204" pitchFamily="49" charset="0"/>
+            </a:endParaRPr>
+          </a:p>
+          <a:p>
+            <a:pPr algn="l">
+              <a:lnSpc>
+                <a:spcPct val="150000"/>
+              </a:lnSpc>
+            </a:pPr>
+            <a:endParaRPr lang="en-US" b="1" i="0">
+              <a:effectLst/>
+              <a:latin typeface="Times New Roman" panose="02020603050405020304" pitchFamily="18" charset="0"/>
+              <a:cs typeface="Times New Roman" panose="02020603050405020304" pitchFamily="18" charset="0"/>
+            </a:endParaRPr>
+          </a:p>
+        </p:txBody>
+      </p:sp>
+      <p:pic>
+        <p:nvPicPr>
+          <p:cNvPr id="6" name="Picture 5" descr="Diagram, schematic&#10;&#10;Description automatically generated">
+            <a:extLst>
+              <a:ext uri="{FF2B5EF4-FFF2-40B4-BE49-F238E27FC236}">
+                <a16:creationId xmlns:a16="http://schemas.microsoft.com/office/drawing/2014/main" id="{2B44FC83-2398-5E3A-C381-62AE739D08A6}"/>
+              </a:ext>
+            </a:extLst>
+          </p:cNvPr>
+          <p:cNvPicPr>
+            <a:picLocks noChangeAspect="1"/>
+          </p:cNvPicPr>
+          <p:nvPr/>
+        </p:nvPicPr>
+        <p:blipFill>
+          <a:blip r:embed="rId4">
+            <a:extLst>
+              <a:ext uri="{28A0092B-C50C-407E-A947-70E740481C1C}">
+                <a14:useLocalDpi xmlns:a14="http://schemas.microsoft.com/office/drawing/2010/main" val="0"/>
+              </a:ext>
+            </a:extLst>
+          </a:blip>
+          <a:stretch>
+            <a:fillRect/>
+          </a:stretch>
+        </p:blipFill>
+        <p:spPr>
+          <a:xfrm>
+            <a:off x="1797146" y="1089326"/>
+            <a:ext cx="5549708" cy="5039246"/>
+          </a:xfrm>
+          <a:prstGeom prst="rect">
+            <a:avLst/>
+          </a:prstGeom>
+        </p:spPr>
+      </p:pic>
+    </p:spTree>
+    <p:extLst>
+      <p:ext uri="{BB962C8B-B14F-4D97-AF65-F5344CB8AC3E}">
+        <p14:creationId xmlns:p14="http://schemas.microsoft.com/office/powerpoint/2010/main" val="3262030844"/>
+      </p:ext>
+    </p:extLst>
+  </p:cSld>
+  <p:clrMapOvr>
+    <a:masterClrMapping/>
+  </p:clrMapOvr>
+</p:sld>
+</file>
+
+<file path=ppt/slides/slide11.xml><?xml version="1.0" encoding="utf-8"?>
+<p:sld xmlns:a="http://schemas.openxmlformats.org/drawingml/2006/main" xmlns:r="http://schemas.openxmlformats.org/officeDocument/2006/relationships" xmlns:p="http://schemas.openxmlformats.org/presentationml/2006/main">
+  <p:cSld>
+    <p:spTree>
+      <p:nvGrpSpPr>
+        <p:cNvPr id="1" name=""/>
+        <p:cNvGrpSpPr/>
+        <p:nvPr/>
+      </p:nvGrpSpPr>
+      <p:grpSpPr>
+        <a:xfrm>
+          <a:off x="0" y="0"/>
+          <a:ext cx="0" cy="0"/>
+          <a:chOff x="0" y="0"/>
+          <a:chExt cx="0" cy="0"/>
+        </a:xfrm>
+      </p:grpSpPr>
+      <p:pic>
+        <p:nvPicPr>
+          <p:cNvPr id="1034" name="Picture 10">
+            <a:extLst>
+              <a:ext uri="{FF2B5EF4-FFF2-40B4-BE49-F238E27FC236}">
+                <a16:creationId xmlns:a16="http://schemas.microsoft.com/office/drawing/2014/main" id="{6F72484C-A752-76F3-F259-0A997B815A00}"/>
+              </a:ext>
+            </a:extLst>
+          </p:cNvPr>
+          <p:cNvPicPr>
+            <a:picLocks noChangeAspect="1" noChangeArrowheads="1"/>
+          </p:cNvPicPr>
+          <p:nvPr/>
+        </p:nvPicPr>
+        <p:blipFill>
+          <a:blip r:embed="rId2">
+            <a:extLst>
+              <a:ext uri="{28A0092B-C50C-407E-A947-70E740481C1C}">
+                <a14:useLocalDpi xmlns:a14="http://schemas.microsoft.com/office/drawing/2010/main" val="0"/>
+              </a:ext>
+            </a:extLst>
+          </a:blip>
+          <a:srcRect/>
+          <a:stretch>
+            <a:fillRect/>
+          </a:stretch>
+        </p:blipFill>
+        <p:spPr bwMode="auto">
+          <a:xfrm>
+            <a:off x="76200" y="119063"/>
+            <a:ext cx="1114424" cy="614791"/>
+          </a:xfrm>
+          <a:prstGeom prst="rect">
+            <a:avLst/>
+          </a:prstGeom>
+          <a:noFill/>
+          <a:extLst>
+            <a:ext uri="{909E8E84-426E-40DD-AFC4-6F175D3DCCD1}">
+              <a14:hiddenFill xmlns:a14="http://schemas.microsoft.com/office/drawing/2010/main">
+                <a:solidFill>
+                  <a:srgbClr val="FFFFFF"/>
+                </a:solidFill>
+              </a14:hiddenFill>
+            </a:ext>
+          </a:extLst>
+        </p:spPr>
+      </p:pic>
+      <p:cxnSp>
+        <p:nvCxnSpPr>
+          <p:cNvPr id="11" name="Straight Connector 10">
+            <a:extLst>
+              <a:ext uri="{FF2B5EF4-FFF2-40B4-BE49-F238E27FC236}">
+                <a16:creationId xmlns:a16="http://schemas.microsoft.com/office/drawing/2014/main" id="{E5C4A229-E185-5A4B-53B1-81D591292671}"/>
+              </a:ext>
+            </a:extLst>
+          </p:cNvPr>
+          <p:cNvCxnSpPr>
+            <a:cxnSpLocks/>
+          </p:cNvCxnSpPr>
+          <p:nvPr/>
+        </p:nvCxnSpPr>
+        <p:spPr>
+          <a:xfrm>
+            <a:off x="76200" y="847725"/>
+            <a:ext cx="7648575" cy="0"/>
+          </a:xfrm>
+          <a:prstGeom prst="line">
+            <a:avLst/>
+          </a:prstGeom>
+        </p:spPr>
+        <p:style>
+          <a:lnRef idx="1">
+            <a:schemeClr val="accent1"/>
+          </a:lnRef>
+          <a:fillRef idx="0">
+            <a:schemeClr val="accent1"/>
+          </a:fillRef>
+          <a:effectRef idx="0">
+            <a:schemeClr val="accent1"/>
+          </a:effectRef>
+          <a:fontRef idx="minor">
+            <a:schemeClr val="tx1"/>
+          </a:fontRef>
+        </p:style>
+      </p:cxnSp>
+      <p:sp>
+        <p:nvSpPr>
+          <p:cNvPr id="14" name="TextBox 13">
+            <a:extLst>
+              <a:ext uri="{FF2B5EF4-FFF2-40B4-BE49-F238E27FC236}">
+                <a16:creationId xmlns:a16="http://schemas.microsoft.com/office/drawing/2014/main" id="{63B4AB36-B54A-EA5C-2A74-F2C80BE0CBC4}"/>
+              </a:ext>
+            </a:extLst>
+          </p:cNvPr>
+          <p:cNvSpPr txBox="1"/>
+          <p:nvPr/>
+        </p:nvSpPr>
+        <p:spPr>
+          <a:xfrm>
+            <a:off x="1390650" y="236792"/>
+            <a:ext cx="6362700" cy="369332"/>
+          </a:xfrm>
+          <a:prstGeom prst="rect">
+            <a:avLst/>
+          </a:prstGeom>
+          <a:noFill/>
+        </p:spPr>
+        <p:txBody>
+          <a:bodyPr wrap="square" rtlCol="0">
+            <a:spAutoFit/>
+          </a:bodyPr>
+          <a:lstStyle/>
+          <a:p>
+            <a:r>
+              <a:rPr lang="en-US" b="1"/>
+              <a:t>UNINFORMED SEARCH</a:t>
+            </a:r>
+          </a:p>
+        </p:txBody>
+      </p:sp>
+      <p:sp>
+        <p:nvSpPr>
+          <p:cNvPr id="2" name="TextBox 1">
+            <a:extLst>
+              <a:ext uri="{FF2B5EF4-FFF2-40B4-BE49-F238E27FC236}">
+                <a16:creationId xmlns:a16="http://schemas.microsoft.com/office/drawing/2014/main" id="{30380714-4CD2-9849-80A6-8AC66F97DA6F}"/>
+              </a:ext>
+            </a:extLst>
+          </p:cNvPr>
+          <p:cNvSpPr txBox="1"/>
+          <p:nvPr/>
+        </p:nvSpPr>
+        <p:spPr>
+          <a:xfrm>
+            <a:off x="76200" y="1089327"/>
+            <a:ext cx="1252202" cy="369332"/>
+          </a:xfrm>
+          <a:prstGeom prst="rect">
+            <a:avLst/>
+          </a:prstGeom>
+          <a:noFill/>
+        </p:spPr>
+        <p:txBody>
+          <a:bodyPr wrap="none" rtlCol="0">
+            <a:spAutoFit/>
+          </a:bodyPr>
+          <a:lstStyle/>
+          <a:p>
+            <a:r>
+              <a:rPr lang="en-US" i="1"/>
+              <a:t>Yêu cầu 1-4</a:t>
+            </a:r>
+          </a:p>
+        </p:txBody>
+      </p:sp>
+      <p:cxnSp>
+        <p:nvCxnSpPr>
+          <p:cNvPr id="3" name="Straight Connector 2">
+            <a:extLst>
+              <a:ext uri="{FF2B5EF4-FFF2-40B4-BE49-F238E27FC236}">
+                <a16:creationId xmlns:a16="http://schemas.microsoft.com/office/drawing/2014/main" id="{E9060F41-5A0D-7040-5C8F-79CFAA7E7D72}"/>
+              </a:ext>
+            </a:extLst>
+          </p:cNvPr>
+          <p:cNvCxnSpPr>
+            <a:cxnSpLocks/>
+          </p:cNvCxnSpPr>
+          <p:nvPr/>
+        </p:nvCxnSpPr>
+        <p:spPr>
+          <a:xfrm>
+            <a:off x="4752975" y="6238875"/>
+            <a:ext cx="4286250" cy="0"/>
+          </a:xfrm>
+          <a:prstGeom prst="line">
+            <a:avLst/>
+          </a:prstGeom>
+        </p:spPr>
+        <p:style>
+          <a:lnRef idx="1">
+            <a:schemeClr val="accent1"/>
+          </a:lnRef>
+          <a:fillRef idx="0">
+            <a:schemeClr val="accent1"/>
+          </a:fillRef>
+          <a:effectRef idx="0">
+            <a:schemeClr val="accent1"/>
+          </a:effectRef>
+          <a:fontRef idx="minor">
+            <a:schemeClr val="tx1"/>
+          </a:fontRef>
+        </p:style>
+      </p:cxnSp>
+      <p:sp>
+        <p:nvSpPr>
+          <p:cNvPr id="5" name="TextBox 4">
+            <a:extLst>
+              <a:ext uri="{FF2B5EF4-FFF2-40B4-BE49-F238E27FC236}">
+                <a16:creationId xmlns:a16="http://schemas.microsoft.com/office/drawing/2014/main" id="{773F5182-C15F-B8A2-79A6-98CC56113930}"/>
+              </a:ext>
+            </a:extLst>
+          </p:cNvPr>
+          <p:cNvSpPr txBox="1"/>
+          <p:nvPr/>
+        </p:nvSpPr>
+        <p:spPr>
+          <a:xfrm>
+            <a:off x="7753350" y="6336334"/>
+            <a:ext cx="1285874" cy="369332"/>
+          </a:xfrm>
+          <a:prstGeom prst="rect">
+            <a:avLst/>
+          </a:prstGeom>
+          <a:noFill/>
+        </p:spPr>
+        <p:txBody>
+          <a:bodyPr wrap="square" rtlCol="0">
+            <a:spAutoFit/>
+          </a:bodyPr>
+          <a:lstStyle/>
+          <a:p>
+            <a:r>
+              <a:rPr lang="en-US"/>
+              <a:t>Trang 1</a:t>
+            </a:r>
+          </a:p>
+        </p:txBody>
+      </p:sp>
+    </p:spTree>
+    <p:extLst>
+      <p:ext uri="{BB962C8B-B14F-4D97-AF65-F5344CB8AC3E}">
+        <p14:creationId xmlns:p14="http://schemas.microsoft.com/office/powerpoint/2010/main" val="2176878142"/>
+      </p:ext>
+    </p:extLst>
+  </p:cSld>
+  <p:clrMapOvr>
+    <a:masterClrMapping/>
+  </p:clrMapOvr>
+</p:sld>
+</file>
+
+<file path=ppt/slides/slide12.xml><?xml version="1.0" encoding="utf-8"?>
+<p:sld xmlns:a="http://schemas.openxmlformats.org/drawingml/2006/main" xmlns:r="http://schemas.openxmlformats.org/officeDocument/2006/relationships" xmlns:p="http://schemas.openxmlformats.org/presentationml/2006/main">
+  <p:cSld>
+    <p:spTree>
+      <p:nvGrpSpPr>
+        <p:cNvPr id="1" name=""/>
+        <p:cNvGrpSpPr/>
+        <p:nvPr/>
+      </p:nvGrpSpPr>
+      <p:grpSpPr>
+        <a:xfrm>
+          <a:off x="0" y="0"/>
+          <a:ext cx="0" cy="0"/>
+          <a:chOff x="0" y="0"/>
+          <a:chExt cx="0" cy="0"/>
+        </a:xfrm>
+      </p:grpSpPr>
+      <p:pic>
+        <p:nvPicPr>
+          <p:cNvPr id="1034" name="Picture 10">
+            <a:extLst>
+              <a:ext uri="{FF2B5EF4-FFF2-40B4-BE49-F238E27FC236}">
+                <a16:creationId xmlns:a16="http://schemas.microsoft.com/office/drawing/2014/main" id="{6F72484C-A752-76F3-F259-0A997B815A00}"/>
+              </a:ext>
+            </a:extLst>
+          </p:cNvPr>
+          <p:cNvPicPr>
+            <a:picLocks noChangeAspect="1" noChangeArrowheads="1"/>
+          </p:cNvPicPr>
+          <p:nvPr/>
+        </p:nvPicPr>
+        <p:blipFill>
+          <a:blip r:embed="rId2">
+            <a:extLst>
+              <a:ext uri="{28A0092B-C50C-407E-A947-70E740481C1C}">
+                <a14:useLocalDpi xmlns:a14="http://schemas.microsoft.com/office/drawing/2010/main" val="0"/>
+              </a:ext>
+            </a:extLst>
+          </a:blip>
+          <a:srcRect/>
+          <a:stretch>
+            <a:fillRect/>
+          </a:stretch>
+        </p:blipFill>
+        <p:spPr bwMode="auto">
+          <a:xfrm>
+            <a:off x="76200" y="119063"/>
+            <a:ext cx="1114424" cy="614791"/>
+          </a:xfrm>
+          <a:prstGeom prst="rect">
+            <a:avLst/>
+          </a:prstGeom>
+          <a:noFill/>
+          <a:extLst>
+            <a:ext uri="{909E8E84-426E-40DD-AFC4-6F175D3DCCD1}">
+              <a14:hiddenFill xmlns:a14="http://schemas.microsoft.com/office/drawing/2010/main">
+                <a:solidFill>
+                  <a:srgbClr val="FFFFFF"/>
+                </a:solidFill>
+              </a14:hiddenFill>
+            </a:ext>
+          </a:extLst>
+        </p:spPr>
+      </p:pic>
+      <p:cxnSp>
+        <p:nvCxnSpPr>
+          <p:cNvPr id="11" name="Straight Connector 10">
+            <a:extLst>
+              <a:ext uri="{FF2B5EF4-FFF2-40B4-BE49-F238E27FC236}">
+                <a16:creationId xmlns:a16="http://schemas.microsoft.com/office/drawing/2014/main" id="{E5C4A229-E185-5A4B-53B1-81D591292671}"/>
+              </a:ext>
+            </a:extLst>
+          </p:cNvPr>
+          <p:cNvCxnSpPr>
+            <a:cxnSpLocks/>
+          </p:cNvCxnSpPr>
+          <p:nvPr/>
+        </p:nvCxnSpPr>
+        <p:spPr>
+          <a:xfrm>
+            <a:off x="76200" y="847725"/>
+            <a:ext cx="7648575" cy="0"/>
+          </a:xfrm>
+          <a:prstGeom prst="line">
+            <a:avLst/>
+          </a:prstGeom>
+        </p:spPr>
+        <p:style>
+          <a:lnRef idx="1">
+            <a:schemeClr val="accent1"/>
+          </a:lnRef>
+          <a:fillRef idx="0">
+            <a:schemeClr val="accent1"/>
+          </a:fillRef>
+          <a:effectRef idx="0">
+            <a:schemeClr val="accent1"/>
+          </a:effectRef>
+          <a:fontRef idx="minor">
+            <a:schemeClr val="tx1"/>
+          </a:fontRef>
+        </p:style>
+      </p:cxnSp>
+      <p:sp>
+        <p:nvSpPr>
+          <p:cNvPr id="14" name="TextBox 13">
+            <a:extLst>
+              <a:ext uri="{FF2B5EF4-FFF2-40B4-BE49-F238E27FC236}">
+                <a16:creationId xmlns:a16="http://schemas.microsoft.com/office/drawing/2014/main" id="{63B4AB36-B54A-EA5C-2A74-F2C80BE0CBC4}"/>
+              </a:ext>
+            </a:extLst>
+          </p:cNvPr>
+          <p:cNvSpPr txBox="1"/>
+          <p:nvPr/>
+        </p:nvSpPr>
+        <p:spPr>
+          <a:xfrm>
+            <a:off x="1390650" y="236792"/>
+            <a:ext cx="6362700" cy="369332"/>
+          </a:xfrm>
+          <a:prstGeom prst="rect">
+            <a:avLst/>
+          </a:prstGeom>
+          <a:noFill/>
+        </p:spPr>
+        <p:txBody>
+          <a:bodyPr wrap="square" rtlCol="0">
+            <a:spAutoFit/>
+          </a:bodyPr>
+          <a:lstStyle/>
+          <a:p>
+            <a:r>
+              <a:rPr lang="en-US" b="1"/>
+              <a:t>UNINFORMED SEARCH</a:t>
+            </a:r>
+          </a:p>
+        </p:txBody>
+      </p:sp>
+      <p:sp>
+        <p:nvSpPr>
+          <p:cNvPr id="2" name="TextBox 1">
+            <a:extLst>
+              <a:ext uri="{FF2B5EF4-FFF2-40B4-BE49-F238E27FC236}">
+                <a16:creationId xmlns:a16="http://schemas.microsoft.com/office/drawing/2014/main" id="{30380714-4CD2-9849-80A6-8AC66F97DA6F}"/>
+              </a:ext>
+            </a:extLst>
+          </p:cNvPr>
+          <p:cNvSpPr txBox="1"/>
+          <p:nvPr/>
+        </p:nvSpPr>
+        <p:spPr>
+          <a:xfrm>
+            <a:off x="76200" y="1089327"/>
+            <a:ext cx="1252202" cy="369332"/>
+          </a:xfrm>
+          <a:prstGeom prst="rect">
+            <a:avLst/>
+          </a:prstGeom>
+          <a:noFill/>
+        </p:spPr>
+        <p:txBody>
+          <a:bodyPr wrap="none" rtlCol="0">
+            <a:spAutoFit/>
+          </a:bodyPr>
+          <a:lstStyle/>
+          <a:p>
+            <a:r>
+              <a:rPr lang="en-US" i="1"/>
+              <a:t>Yêu cầu 1-5</a:t>
+            </a:r>
+          </a:p>
+        </p:txBody>
+      </p:sp>
+      <p:cxnSp>
+        <p:nvCxnSpPr>
+          <p:cNvPr id="3" name="Straight Connector 2">
+            <a:extLst>
+              <a:ext uri="{FF2B5EF4-FFF2-40B4-BE49-F238E27FC236}">
+                <a16:creationId xmlns:a16="http://schemas.microsoft.com/office/drawing/2014/main" id="{A678CC92-2ECC-6731-44B3-E00C5607B1AE}"/>
+              </a:ext>
+            </a:extLst>
+          </p:cNvPr>
+          <p:cNvCxnSpPr>
+            <a:cxnSpLocks/>
+          </p:cNvCxnSpPr>
+          <p:nvPr/>
+        </p:nvCxnSpPr>
+        <p:spPr>
+          <a:xfrm>
+            <a:off x="4752975" y="6238875"/>
+            <a:ext cx="4286250" cy="0"/>
+          </a:xfrm>
+          <a:prstGeom prst="line">
+            <a:avLst/>
+          </a:prstGeom>
+        </p:spPr>
+        <p:style>
+          <a:lnRef idx="1">
+            <a:schemeClr val="accent1"/>
+          </a:lnRef>
+          <a:fillRef idx="0">
+            <a:schemeClr val="accent1"/>
+          </a:fillRef>
+          <a:effectRef idx="0">
+            <a:schemeClr val="accent1"/>
+          </a:effectRef>
+          <a:fontRef idx="minor">
+            <a:schemeClr val="tx1"/>
+          </a:fontRef>
+        </p:style>
+      </p:cxnSp>
+      <p:sp>
+        <p:nvSpPr>
+          <p:cNvPr id="5" name="TextBox 4">
+            <a:extLst>
+              <a:ext uri="{FF2B5EF4-FFF2-40B4-BE49-F238E27FC236}">
+                <a16:creationId xmlns:a16="http://schemas.microsoft.com/office/drawing/2014/main" id="{4560C39D-ACC4-FD53-200A-C206C7FACCF7}"/>
+              </a:ext>
+            </a:extLst>
+          </p:cNvPr>
+          <p:cNvSpPr txBox="1"/>
+          <p:nvPr/>
+        </p:nvSpPr>
+        <p:spPr>
+          <a:xfrm>
+            <a:off x="7753350" y="6336334"/>
+            <a:ext cx="1285874" cy="369332"/>
+          </a:xfrm>
+          <a:prstGeom prst="rect">
+            <a:avLst/>
+          </a:prstGeom>
+          <a:noFill/>
+        </p:spPr>
+        <p:txBody>
+          <a:bodyPr wrap="square" rtlCol="0">
+            <a:spAutoFit/>
+          </a:bodyPr>
+          <a:lstStyle/>
+          <a:p>
+            <a:r>
+              <a:rPr lang="en-US"/>
+              <a:t>Trang 1</a:t>
+            </a:r>
+          </a:p>
+        </p:txBody>
+      </p:sp>
+    </p:spTree>
+    <p:extLst>
+      <p:ext uri="{BB962C8B-B14F-4D97-AF65-F5344CB8AC3E}">
+        <p14:creationId xmlns:p14="http://schemas.microsoft.com/office/powerpoint/2010/main" val="3474282668"/>
+      </p:ext>
+    </p:extLst>
+  </p:cSld>
+  <p:clrMapOvr>
+    <a:masterClrMapping/>
+  </p:clrMapOvr>
+</p:sld>
+</file>
+
+<file path=ppt/slides/slide13.xml><?xml version="1.0" encoding="utf-8"?>
+<p:sld xmlns:a="http://schemas.openxmlformats.org/drawingml/2006/main" xmlns:r="http://schemas.openxmlformats.org/officeDocument/2006/relationships" xmlns:p="http://schemas.openxmlformats.org/presentationml/2006/main">
+  <p:cSld>
+    <p:spTree>
+      <p:nvGrpSpPr>
+        <p:cNvPr id="1" name=""/>
+        <p:cNvGrpSpPr/>
+        <p:nvPr/>
+      </p:nvGrpSpPr>
+      <p:grpSpPr>
+        <a:xfrm>
+          <a:off x="0" y="0"/>
+          <a:ext cx="0" cy="0"/>
+          <a:chOff x="0" y="0"/>
+          <a:chExt cx="0" cy="0"/>
+        </a:xfrm>
+      </p:grpSpPr>
+      <p:pic>
+        <p:nvPicPr>
+          <p:cNvPr id="1034" name="Picture 10">
+            <a:extLst>
+              <a:ext uri="{FF2B5EF4-FFF2-40B4-BE49-F238E27FC236}">
+                <a16:creationId xmlns:a16="http://schemas.microsoft.com/office/drawing/2014/main" id="{6F72484C-A752-76F3-F259-0A997B815A00}"/>
+              </a:ext>
+            </a:extLst>
+          </p:cNvPr>
+          <p:cNvPicPr>
+            <a:picLocks noChangeAspect="1" noChangeArrowheads="1"/>
+          </p:cNvPicPr>
+          <p:nvPr/>
+        </p:nvPicPr>
+        <p:blipFill>
+          <a:blip r:embed="rId2">
+            <a:extLst>
+              <a:ext uri="{28A0092B-C50C-407E-A947-70E740481C1C}">
+                <a14:useLocalDpi xmlns:a14="http://schemas.microsoft.com/office/drawing/2010/main" val="0"/>
+              </a:ext>
+            </a:extLst>
+          </a:blip>
+          <a:srcRect/>
+          <a:stretch>
+            <a:fillRect/>
+          </a:stretch>
+        </p:blipFill>
+        <p:spPr bwMode="auto">
+          <a:xfrm>
+            <a:off x="76200" y="119063"/>
+            <a:ext cx="1114424" cy="614791"/>
+          </a:xfrm>
+          <a:prstGeom prst="rect">
+            <a:avLst/>
+          </a:prstGeom>
+          <a:noFill/>
+          <a:extLst>
+            <a:ext uri="{909E8E84-426E-40DD-AFC4-6F175D3DCCD1}">
+              <a14:hiddenFill xmlns:a14="http://schemas.microsoft.com/office/drawing/2010/main">
+                <a:solidFill>
+                  <a:srgbClr val="FFFFFF"/>
+                </a:solidFill>
+              </a14:hiddenFill>
+            </a:ext>
+          </a:extLst>
+        </p:spPr>
+      </p:pic>
+      <p:cxnSp>
+        <p:nvCxnSpPr>
+          <p:cNvPr id="11" name="Straight Connector 10">
+            <a:extLst>
+              <a:ext uri="{FF2B5EF4-FFF2-40B4-BE49-F238E27FC236}">
+                <a16:creationId xmlns:a16="http://schemas.microsoft.com/office/drawing/2014/main" id="{E5C4A229-E185-5A4B-53B1-81D591292671}"/>
+              </a:ext>
+            </a:extLst>
+          </p:cNvPr>
+          <p:cNvCxnSpPr>
+            <a:cxnSpLocks/>
+          </p:cNvCxnSpPr>
+          <p:nvPr/>
+        </p:nvCxnSpPr>
+        <p:spPr>
+          <a:xfrm>
+            <a:off x="76200" y="847725"/>
+            <a:ext cx="7648575" cy="0"/>
+          </a:xfrm>
+          <a:prstGeom prst="line">
+            <a:avLst/>
+          </a:prstGeom>
+        </p:spPr>
+        <p:style>
+          <a:lnRef idx="1">
+            <a:schemeClr val="accent1"/>
+          </a:lnRef>
+          <a:fillRef idx="0">
+            <a:schemeClr val="accent1"/>
+          </a:fillRef>
+          <a:effectRef idx="0">
+            <a:schemeClr val="accent1"/>
+          </a:effectRef>
+          <a:fontRef idx="minor">
+            <a:schemeClr val="tx1"/>
+          </a:fontRef>
+        </p:style>
+      </p:cxnSp>
+      <p:sp>
+        <p:nvSpPr>
+          <p:cNvPr id="14" name="TextBox 13">
+            <a:extLst>
+              <a:ext uri="{FF2B5EF4-FFF2-40B4-BE49-F238E27FC236}">
+                <a16:creationId xmlns:a16="http://schemas.microsoft.com/office/drawing/2014/main" id="{63B4AB36-B54A-EA5C-2A74-F2C80BE0CBC4}"/>
+              </a:ext>
+            </a:extLst>
+          </p:cNvPr>
+          <p:cNvSpPr txBox="1"/>
+          <p:nvPr/>
+        </p:nvSpPr>
+        <p:spPr>
+          <a:xfrm>
+            <a:off x="1390650" y="236792"/>
+            <a:ext cx="6362700" cy="369332"/>
+          </a:xfrm>
+          <a:prstGeom prst="rect">
+            <a:avLst/>
+          </a:prstGeom>
+          <a:noFill/>
+        </p:spPr>
+        <p:txBody>
+          <a:bodyPr wrap="square" rtlCol="0">
+            <a:spAutoFit/>
+          </a:bodyPr>
+          <a:lstStyle/>
+          <a:p>
+            <a:r>
+              <a:rPr lang="en-US" b="1"/>
+              <a:t>UNINFORMED SEARCH</a:t>
+            </a:r>
+          </a:p>
+        </p:txBody>
+      </p:sp>
+      <p:sp>
+        <p:nvSpPr>
+          <p:cNvPr id="2" name="TextBox 1">
+            <a:extLst>
+              <a:ext uri="{FF2B5EF4-FFF2-40B4-BE49-F238E27FC236}">
+                <a16:creationId xmlns:a16="http://schemas.microsoft.com/office/drawing/2014/main" id="{30380714-4CD2-9849-80A6-8AC66F97DA6F}"/>
+              </a:ext>
+            </a:extLst>
+          </p:cNvPr>
+          <p:cNvSpPr txBox="1"/>
+          <p:nvPr/>
+        </p:nvSpPr>
+        <p:spPr>
+          <a:xfrm>
+            <a:off x="76200" y="1089327"/>
+            <a:ext cx="1252202" cy="369332"/>
+          </a:xfrm>
+          <a:prstGeom prst="rect">
+            <a:avLst/>
+          </a:prstGeom>
+          <a:noFill/>
+        </p:spPr>
+        <p:txBody>
+          <a:bodyPr wrap="none" rtlCol="0">
+            <a:spAutoFit/>
+          </a:bodyPr>
+          <a:lstStyle/>
+          <a:p>
+            <a:r>
+              <a:rPr lang="en-US" i="1"/>
+              <a:t>Yêu cầu 1-6</a:t>
+            </a:r>
+          </a:p>
+        </p:txBody>
+      </p:sp>
+      <p:cxnSp>
+        <p:nvCxnSpPr>
+          <p:cNvPr id="3" name="Straight Connector 2">
+            <a:extLst>
+              <a:ext uri="{FF2B5EF4-FFF2-40B4-BE49-F238E27FC236}">
+                <a16:creationId xmlns:a16="http://schemas.microsoft.com/office/drawing/2014/main" id="{000902B5-E704-F9CF-DC0B-DDD6C94EF140}"/>
+              </a:ext>
+            </a:extLst>
+          </p:cNvPr>
+          <p:cNvCxnSpPr>
+            <a:cxnSpLocks/>
+          </p:cNvCxnSpPr>
+          <p:nvPr/>
+        </p:nvCxnSpPr>
+        <p:spPr>
+          <a:xfrm>
+            <a:off x="4752975" y="6238875"/>
+            <a:ext cx="4286250" cy="0"/>
+          </a:xfrm>
+          <a:prstGeom prst="line">
+            <a:avLst/>
+          </a:prstGeom>
+        </p:spPr>
+        <p:style>
+          <a:lnRef idx="1">
+            <a:schemeClr val="accent1"/>
+          </a:lnRef>
+          <a:fillRef idx="0">
+            <a:schemeClr val="accent1"/>
+          </a:fillRef>
+          <a:effectRef idx="0">
+            <a:schemeClr val="accent1"/>
+          </a:effectRef>
+          <a:fontRef idx="minor">
+            <a:schemeClr val="tx1"/>
+          </a:fontRef>
+        </p:style>
+      </p:cxnSp>
+      <p:sp>
+        <p:nvSpPr>
+          <p:cNvPr id="5" name="TextBox 4">
+            <a:extLst>
+              <a:ext uri="{FF2B5EF4-FFF2-40B4-BE49-F238E27FC236}">
+                <a16:creationId xmlns:a16="http://schemas.microsoft.com/office/drawing/2014/main" id="{F5D7CFDC-9C3E-5EB6-442E-0427CF3FD978}"/>
+              </a:ext>
+            </a:extLst>
+          </p:cNvPr>
+          <p:cNvSpPr txBox="1"/>
+          <p:nvPr/>
+        </p:nvSpPr>
+        <p:spPr>
+          <a:xfrm>
+            <a:off x="7753350" y="6336334"/>
+            <a:ext cx="1285874" cy="369332"/>
+          </a:xfrm>
+          <a:prstGeom prst="rect">
+            <a:avLst/>
+          </a:prstGeom>
+          <a:noFill/>
+        </p:spPr>
+        <p:txBody>
+          <a:bodyPr wrap="square" rtlCol="0">
+            <a:spAutoFit/>
+          </a:bodyPr>
+          <a:lstStyle/>
+          <a:p>
+            <a:r>
+              <a:rPr lang="en-US"/>
+              <a:t>Trang 1</a:t>
+            </a:r>
+          </a:p>
+        </p:txBody>
+      </p:sp>
+    </p:spTree>
+    <p:extLst>
+      <p:ext uri="{BB962C8B-B14F-4D97-AF65-F5344CB8AC3E}">
+        <p14:creationId xmlns:p14="http://schemas.microsoft.com/office/powerpoint/2010/main" val="2895901428"/>
+      </p:ext>
+    </p:extLst>
+  </p:cSld>
+  <p:clrMapOvr>
+    <a:masterClrMapping/>
+  </p:clrMapOvr>
+</p:sld>
+</file>
+
+<file path=ppt/slides/slide14.xml><?xml version="1.0" encoding="utf-8"?>
 <p:sld xmlns:a="http://schemas.openxmlformats.org/drawingml/2006/main" xmlns:r="http://schemas.openxmlformats.org/officeDocument/2006/relationships" xmlns:p="http://schemas.openxmlformats.org/presentationml/2006/main">
   <p:cSld>
     <p:spTree>
@@ -5421,89 +8374,12 @@
           </a:p>
         </p:txBody>
       </p:sp>
-    </p:spTree>
-    <p:extLst>
-      <p:ext uri="{BB962C8B-B14F-4D97-AF65-F5344CB8AC3E}">
-        <p14:creationId xmlns:p14="http://schemas.microsoft.com/office/powerpoint/2010/main" val="3245475923"/>
-      </p:ext>
-    </p:extLst>
-  </p:cSld>
-  <p:clrMapOvr>
-    <a:masterClrMapping/>
-  </p:clrMapOvr>
-</p:sld>
-</file>
-
-<file path=ppt/slides/slide11.xml><?xml version="1.0" encoding="utf-8"?>
-<p:sld xmlns:a="http://schemas.openxmlformats.org/drawingml/2006/main" xmlns:r="http://schemas.openxmlformats.org/officeDocument/2006/relationships" xmlns:p="http://schemas.openxmlformats.org/presentationml/2006/main">
-  <p:cSld>
-    <p:spTree>
-      <p:nvGrpSpPr>
-        <p:cNvPr id="1" name=""/>
-        <p:cNvGrpSpPr/>
-        <p:nvPr/>
-      </p:nvGrpSpPr>
-      <p:grpSpPr>
-        <a:xfrm>
-          <a:off x="0" y="0"/>
-          <a:ext cx="0" cy="0"/>
-          <a:chOff x="0" y="0"/>
-          <a:chExt cx="0" cy="0"/>
-        </a:xfrm>
-      </p:grpSpPr>
-      <p:pic>
-        <p:nvPicPr>
-          <p:cNvPr id="1034" name="Picture 10">
-            <a:extLst>
-              <a:ext uri="{FF2B5EF4-FFF2-40B4-BE49-F238E27FC236}">
-                <a16:creationId xmlns:a16="http://schemas.microsoft.com/office/drawing/2014/main" id="{6F72484C-A752-76F3-F259-0A997B815A00}"/>
-              </a:ext>
-            </a:extLst>
-          </p:cNvPr>
-          <p:cNvPicPr>
-            <a:picLocks noChangeAspect="1" noChangeArrowheads="1"/>
-          </p:cNvPicPr>
-          <p:nvPr/>
-        </p:nvPicPr>
-        <p:blipFill>
-          <a:blip r:embed="rId2">
-            <a:extLst>
-              <a:ext uri="{28A0092B-C50C-407E-A947-70E740481C1C}">
-                <a14:useLocalDpi xmlns:a14="http://schemas.microsoft.com/office/drawing/2010/main" val="0"/>
-              </a:ext>
-            </a:extLst>
-          </a:blip>
-          <a:srcRect/>
-          <a:stretch>
-            <a:fillRect/>
-          </a:stretch>
-        </p:blipFill>
-        <p:spPr bwMode="auto">
-          <a:xfrm>
-            <a:off x="76200" y="119063"/>
-            <a:ext cx="1114424" cy="614791"/>
-          </a:xfrm>
-          <a:prstGeom prst="rect">
-            <a:avLst/>
-          </a:prstGeom>
-          <a:noFill/>
-          <a:extLst>
-            <a:ext uri="{909E8E84-426E-40DD-AFC4-6F175D3DCCD1}">
-              <a14:hiddenFill xmlns:a14="http://schemas.microsoft.com/office/drawing/2010/main">
-                <a:solidFill>
-                  <a:srgbClr val="FFFFFF"/>
-                </a:solidFill>
-              </a14:hiddenFill>
-            </a:ext>
-          </a:extLst>
-        </p:spPr>
-      </p:pic>
       <p:cxnSp>
         <p:nvCxnSpPr>
-          <p:cNvPr id="11" name="Straight Connector 10">
+          <p:cNvPr id="2" name="Straight Connector 1">
             <a:extLst>
               <a:ext uri="{FF2B5EF4-FFF2-40B4-BE49-F238E27FC236}">
-                <a16:creationId xmlns:a16="http://schemas.microsoft.com/office/drawing/2014/main" id="{E5C4A229-E185-5A4B-53B1-81D591292671}"/>
+                <a16:creationId xmlns:a16="http://schemas.microsoft.com/office/drawing/2014/main" id="{7C8A4417-1481-B1E7-23CC-E5C9CAD25F2C}"/>
               </a:ext>
             </a:extLst>
           </p:cNvPr>
@@ -5514,8 +8390,8 @@
         </p:nvCxnSpPr>
         <p:spPr>
           <a:xfrm>
-            <a:off x="76200" y="847725"/>
-            <a:ext cx="7648575" cy="0"/>
+            <a:off x="4752975" y="6238875"/>
+            <a:ext cx="4286250" cy="0"/>
           </a:xfrm>
           <a:prstGeom prst="line">
             <a:avLst/>
@@ -5538,10 +8414,10 @@
       </p:cxnSp>
       <p:sp>
         <p:nvSpPr>
-          <p:cNvPr id="14" name="TextBox 13">
+          <p:cNvPr id="6" name="TextBox 5">
             <a:extLst>
               <a:ext uri="{FF2B5EF4-FFF2-40B4-BE49-F238E27FC236}">
-                <a16:creationId xmlns:a16="http://schemas.microsoft.com/office/drawing/2014/main" id="{63B4AB36-B54A-EA5C-2A74-F2C80BE0CBC4}"/>
+                <a16:creationId xmlns:a16="http://schemas.microsoft.com/office/drawing/2014/main" id="{F6D86575-6F62-E86B-CB8C-67FDEFFD30D6}"/>
               </a:ext>
             </a:extLst>
           </p:cNvPr>
@@ -5550,8 +8426,8 @@
         </p:nvSpPr>
         <p:spPr>
           <a:xfrm>
-            <a:off x="1390650" y="236792"/>
-            <a:ext cx="6362700" cy="369332"/>
+            <a:off x="7753350" y="6336334"/>
+            <a:ext cx="1285874" cy="369332"/>
           </a:xfrm>
           <a:prstGeom prst="rect">
             <a:avLst/>
@@ -5565,43 +8441,8 @@
           <a:lstStyle/>
           <a:p>
             <a:r>
-              <a:rPr lang="en-US" b="1"/>
-              <a:t>BEST FIRST SEARCH</a:t>
-            </a:r>
-          </a:p>
-        </p:txBody>
-      </p:sp>
-      <p:sp>
-        <p:nvSpPr>
-          <p:cNvPr id="2" name="TextBox 1">
-            <a:extLst>
-              <a:ext uri="{FF2B5EF4-FFF2-40B4-BE49-F238E27FC236}">
-                <a16:creationId xmlns:a16="http://schemas.microsoft.com/office/drawing/2014/main" id="{30380714-4CD2-9849-80A6-8AC66F97DA6F}"/>
-              </a:ext>
-            </a:extLst>
-          </p:cNvPr>
-          <p:cNvSpPr txBox="1"/>
-          <p:nvPr/>
-        </p:nvSpPr>
-        <p:spPr>
-          <a:xfrm>
-            <a:off x="76200" y="1089327"/>
-            <a:ext cx="1252202" cy="369332"/>
-          </a:xfrm>
-          <a:prstGeom prst="rect">
-            <a:avLst/>
-          </a:prstGeom>
-          <a:noFill/>
-        </p:spPr>
-        <p:txBody>
-          <a:bodyPr wrap="none" rtlCol="0">
-            <a:spAutoFit/>
-          </a:bodyPr>
-          <a:lstStyle/>
-          <a:p>
-            <a:r>
-              <a:rPr lang="en-US" i="1"/>
-              <a:t>Yêu cầu 2-1</a:t>
+              <a:rPr lang="en-US"/>
+              <a:t>Trang 1</a:t>
             </a:r>
           </a:p>
         </p:txBody>
@@ -5609,562 +8450,7 @@
     </p:spTree>
     <p:extLst>
       <p:ext uri="{BB962C8B-B14F-4D97-AF65-F5344CB8AC3E}">
-        <p14:creationId xmlns:p14="http://schemas.microsoft.com/office/powerpoint/2010/main" val="4283605162"/>
-      </p:ext>
-    </p:extLst>
-  </p:cSld>
-  <p:clrMapOvr>
-    <a:masterClrMapping/>
-  </p:clrMapOvr>
-</p:sld>
-</file>
-
-<file path=ppt/slides/slide12.xml><?xml version="1.0" encoding="utf-8"?>
-<p:sld xmlns:a="http://schemas.openxmlformats.org/drawingml/2006/main" xmlns:r="http://schemas.openxmlformats.org/officeDocument/2006/relationships" xmlns:p="http://schemas.openxmlformats.org/presentationml/2006/main">
-  <p:cSld>
-    <p:spTree>
-      <p:nvGrpSpPr>
-        <p:cNvPr id="1" name=""/>
-        <p:cNvGrpSpPr/>
-        <p:nvPr/>
-      </p:nvGrpSpPr>
-      <p:grpSpPr>
-        <a:xfrm>
-          <a:off x="0" y="0"/>
-          <a:ext cx="0" cy="0"/>
-          <a:chOff x="0" y="0"/>
-          <a:chExt cx="0" cy="0"/>
-        </a:xfrm>
-      </p:grpSpPr>
-      <p:pic>
-        <p:nvPicPr>
-          <p:cNvPr id="1034" name="Picture 10">
-            <a:extLst>
-              <a:ext uri="{FF2B5EF4-FFF2-40B4-BE49-F238E27FC236}">
-                <a16:creationId xmlns:a16="http://schemas.microsoft.com/office/drawing/2014/main" id="{6F72484C-A752-76F3-F259-0A997B815A00}"/>
-              </a:ext>
-            </a:extLst>
-          </p:cNvPr>
-          <p:cNvPicPr>
-            <a:picLocks noChangeAspect="1" noChangeArrowheads="1"/>
-          </p:cNvPicPr>
-          <p:nvPr/>
-        </p:nvPicPr>
-        <p:blipFill>
-          <a:blip r:embed="rId2">
-            <a:extLst>
-              <a:ext uri="{28A0092B-C50C-407E-A947-70E740481C1C}">
-                <a14:useLocalDpi xmlns:a14="http://schemas.microsoft.com/office/drawing/2010/main" val="0"/>
-              </a:ext>
-            </a:extLst>
-          </a:blip>
-          <a:srcRect/>
-          <a:stretch>
-            <a:fillRect/>
-          </a:stretch>
-        </p:blipFill>
-        <p:spPr bwMode="auto">
-          <a:xfrm>
-            <a:off x="76200" y="119063"/>
-            <a:ext cx="1114424" cy="614791"/>
-          </a:xfrm>
-          <a:prstGeom prst="rect">
-            <a:avLst/>
-          </a:prstGeom>
-          <a:noFill/>
-          <a:extLst>
-            <a:ext uri="{909E8E84-426E-40DD-AFC4-6F175D3DCCD1}">
-              <a14:hiddenFill xmlns:a14="http://schemas.microsoft.com/office/drawing/2010/main">
-                <a:solidFill>
-                  <a:srgbClr val="FFFFFF"/>
-                </a:solidFill>
-              </a14:hiddenFill>
-            </a:ext>
-          </a:extLst>
-        </p:spPr>
-      </p:pic>
-      <p:cxnSp>
-        <p:nvCxnSpPr>
-          <p:cNvPr id="11" name="Straight Connector 10">
-            <a:extLst>
-              <a:ext uri="{FF2B5EF4-FFF2-40B4-BE49-F238E27FC236}">
-                <a16:creationId xmlns:a16="http://schemas.microsoft.com/office/drawing/2014/main" id="{E5C4A229-E185-5A4B-53B1-81D591292671}"/>
-              </a:ext>
-            </a:extLst>
-          </p:cNvPr>
-          <p:cNvCxnSpPr>
-            <a:cxnSpLocks/>
-          </p:cNvCxnSpPr>
-          <p:nvPr/>
-        </p:nvCxnSpPr>
-        <p:spPr>
-          <a:xfrm>
-            <a:off x="76200" y="847725"/>
-            <a:ext cx="7648575" cy="0"/>
-          </a:xfrm>
-          <a:prstGeom prst="line">
-            <a:avLst/>
-          </a:prstGeom>
-        </p:spPr>
-        <p:style>
-          <a:lnRef idx="1">
-            <a:schemeClr val="accent1"/>
-          </a:lnRef>
-          <a:fillRef idx="0">
-            <a:schemeClr val="accent1"/>
-          </a:fillRef>
-          <a:effectRef idx="0">
-            <a:schemeClr val="accent1"/>
-          </a:effectRef>
-          <a:fontRef idx="minor">
-            <a:schemeClr val="tx1"/>
-          </a:fontRef>
-        </p:style>
-      </p:cxnSp>
-      <p:sp>
-        <p:nvSpPr>
-          <p:cNvPr id="14" name="TextBox 13">
-            <a:extLst>
-              <a:ext uri="{FF2B5EF4-FFF2-40B4-BE49-F238E27FC236}">
-                <a16:creationId xmlns:a16="http://schemas.microsoft.com/office/drawing/2014/main" id="{63B4AB36-B54A-EA5C-2A74-F2C80BE0CBC4}"/>
-              </a:ext>
-            </a:extLst>
-          </p:cNvPr>
-          <p:cNvSpPr txBox="1"/>
-          <p:nvPr/>
-        </p:nvSpPr>
-        <p:spPr>
-          <a:xfrm>
-            <a:off x="1390650" y="236792"/>
-            <a:ext cx="6362700" cy="369332"/>
-          </a:xfrm>
-          <a:prstGeom prst="rect">
-            <a:avLst/>
-          </a:prstGeom>
-          <a:noFill/>
-        </p:spPr>
-        <p:txBody>
-          <a:bodyPr wrap="square" rtlCol="0">
-            <a:spAutoFit/>
-          </a:bodyPr>
-          <a:lstStyle/>
-          <a:p>
-            <a:r>
-              <a:rPr lang="en-US" b="1"/>
-              <a:t>BEST FIRST SEARCH</a:t>
-            </a:r>
-          </a:p>
-        </p:txBody>
-      </p:sp>
-      <p:sp>
-        <p:nvSpPr>
-          <p:cNvPr id="2" name="TextBox 1">
-            <a:extLst>
-              <a:ext uri="{FF2B5EF4-FFF2-40B4-BE49-F238E27FC236}">
-                <a16:creationId xmlns:a16="http://schemas.microsoft.com/office/drawing/2014/main" id="{30380714-4CD2-9849-80A6-8AC66F97DA6F}"/>
-              </a:ext>
-            </a:extLst>
-          </p:cNvPr>
-          <p:cNvSpPr txBox="1"/>
-          <p:nvPr/>
-        </p:nvSpPr>
-        <p:spPr>
-          <a:xfrm>
-            <a:off x="76200" y="1089327"/>
-            <a:ext cx="1252202" cy="369332"/>
-          </a:xfrm>
-          <a:prstGeom prst="rect">
-            <a:avLst/>
-          </a:prstGeom>
-          <a:noFill/>
-        </p:spPr>
-        <p:txBody>
-          <a:bodyPr wrap="none" rtlCol="0">
-            <a:spAutoFit/>
-          </a:bodyPr>
-          <a:lstStyle/>
-          <a:p>
-            <a:r>
-              <a:rPr lang="en-US" i="1"/>
-              <a:t>Yêu cầu 2-2</a:t>
-            </a:r>
-          </a:p>
-        </p:txBody>
-      </p:sp>
-    </p:spTree>
-    <p:extLst>
-      <p:ext uri="{BB962C8B-B14F-4D97-AF65-F5344CB8AC3E}">
-        <p14:creationId xmlns:p14="http://schemas.microsoft.com/office/powerpoint/2010/main" val="1755807355"/>
-      </p:ext>
-    </p:extLst>
-  </p:cSld>
-  <p:clrMapOvr>
-    <a:masterClrMapping/>
-  </p:clrMapOvr>
-</p:sld>
-</file>
-
-<file path=ppt/slides/slide13.xml><?xml version="1.0" encoding="utf-8"?>
-<p:sld xmlns:a="http://schemas.openxmlformats.org/drawingml/2006/main" xmlns:r="http://schemas.openxmlformats.org/officeDocument/2006/relationships" xmlns:p="http://schemas.openxmlformats.org/presentationml/2006/main">
-  <p:cSld>
-    <p:spTree>
-      <p:nvGrpSpPr>
-        <p:cNvPr id="1" name=""/>
-        <p:cNvGrpSpPr/>
-        <p:nvPr/>
-      </p:nvGrpSpPr>
-      <p:grpSpPr>
-        <a:xfrm>
-          <a:off x="0" y="0"/>
-          <a:ext cx="0" cy="0"/>
-          <a:chOff x="0" y="0"/>
-          <a:chExt cx="0" cy="0"/>
-        </a:xfrm>
-      </p:grpSpPr>
-      <p:pic>
-        <p:nvPicPr>
-          <p:cNvPr id="1034" name="Picture 10">
-            <a:extLst>
-              <a:ext uri="{FF2B5EF4-FFF2-40B4-BE49-F238E27FC236}">
-                <a16:creationId xmlns:a16="http://schemas.microsoft.com/office/drawing/2014/main" id="{6F72484C-A752-76F3-F259-0A997B815A00}"/>
-              </a:ext>
-            </a:extLst>
-          </p:cNvPr>
-          <p:cNvPicPr>
-            <a:picLocks noChangeAspect="1" noChangeArrowheads="1"/>
-          </p:cNvPicPr>
-          <p:nvPr/>
-        </p:nvPicPr>
-        <p:blipFill>
-          <a:blip r:embed="rId2">
-            <a:extLst>
-              <a:ext uri="{28A0092B-C50C-407E-A947-70E740481C1C}">
-                <a14:useLocalDpi xmlns:a14="http://schemas.microsoft.com/office/drawing/2010/main" val="0"/>
-              </a:ext>
-            </a:extLst>
-          </a:blip>
-          <a:srcRect/>
-          <a:stretch>
-            <a:fillRect/>
-          </a:stretch>
-        </p:blipFill>
-        <p:spPr bwMode="auto">
-          <a:xfrm>
-            <a:off x="76200" y="119063"/>
-            <a:ext cx="1114424" cy="614791"/>
-          </a:xfrm>
-          <a:prstGeom prst="rect">
-            <a:avLst/>
-          </a:prstGeom>
-          <a:noFill/>
-          <a:extLst>
-            <a:ext uri="{909E8E84-426E-40DD-AFC4-6F175D3DCCD1}">
-              <a14:hiddenFill xmlns:a14="http://schemas.microsoft.com/office/drawing/2010/main">
-                <a:solidFill>
-                  <a:srgbClr val="FFFFFF"/>
-                </a:solidFill>
-              </a14:hiddenFill>
-            </a:ext>
-          </a:extLst>
-        </p:spPr>
-      </p:pic>
-      <p:cxnSp>
-        <p:nvCxnSpPr>
-          <p:cNvPr id="11" name="Straight Connector 10">
-            <a:extLst>
-              <a:ext uri="{FF2B5EF4-FFF2-40B4-BE49-F238E27FC236}">
-                <a16:creationId xmlns:a16="http://schemas.microsoft.com/office/drawing/2014/main" id="{E5C4A229-E185-5A4B-53B1-81D591292671}"/>
-              </a:ext>
-            </a:extLst>
-          </p:cNvPr>
-          <p:cNvCxnSpPr>
-            <a:cxnSpLocks/>
-          </p:cNvCxnSpPr>
-          <p:nvPr/>
-        </p:nvCxnSpPr>
-        <p:spPr>
-          <a:xfrm>
-            <a:off x="76200" y="847725"/>
-            <a:ext cx="7648575" cy="0"/>
-          </a:xfrm>
-          <a:prstGeom prst="line">
-            <a:avLst/>
-          </a:prstGeom>
-        </p:spPr>
-        <p:style>
-          <a:lnRef idx="1">
-            <a:schemeClr val="accent1"/>
-          </a:lnRef>
-          <a:fillRef idx="0">
-            <a:schemeClr val="accent1"/>
-          </a:fillRef>
-          <a:effectRef idx="0">
-            <a:schemeClr val="accent1"/>
-          </a:effectRef>
-          <a:fontRef idx="minor">
-            <a:schemeClr val="tx1"/>
-          </a:fontRef>
-        </p:style>
-      </p:cxnSp>
-      <p:sp>
-        <p:nvSpPr>
-          <p:cNvPr id="14" name="TextBox 13">
-            <a:extLst>
-              <a:ext uri="{FF2B5EF4-FFF2-40B4-BE49-F238E27FC236}">
-                <a16:creationId xmlns:a16="http://schemas.microsoft.com/office/drawing/2014/main" id="{63B4AB36-B54A-EA5C-2A74-F2C80BE0CBC4}"/>
-              </a:ext>
-            </a:extLst>
-          </p:cNvPr>
-          <p:cNvSpPr txBox="1"/>
-          <p:nvPr/>
-        </p:nvSpPr>
-        <p:spPr>
-          <a:xfrm>
-            <a:off x="1390650" y="236792"/>
-            <a:ext cx="6362700" cy="369332"/>
-          </a:xfrm>
-          <a:prstGeom prst="rect">
-            <a:avLst/>
-          </a:prstGeom>
-          <a:noFill/>
-        </p:spPr>
-        <p:txBody>
-          <a:bodyPr wrap="square" rtlCol="0">
-            <a:spAutoFit/>
-          </a:bodyPr>
-          <a:lstStyle/>
-          <a:p>
-            <a:r>
-              <a:rPr lang="en-US" b="1"/>
-              <a:t>BEST FIRST SEARCH</a:t>
-            </a:r>
-          </a:p>
-        </p:txBody>
-      </p:sp>
-      <p:sp>
-        <p:nvSpPr>
-          <p:cNvPr id="2" name="TextBox 1">
-            <a:extLst>
-              <a:ext uri="{FF2B5EF4-FFF2-40B4-BE49-F238E27FC236}">
-                <a16:creationId xmlns:a16="http://schemas.microsoft.com/office/drawing/2014/main" id="{30380714-4CD2-9849-80A6-8AC66F97DA6F}"/>
-              </a:ext>
-            </a:extLst>
-          </p:cNvPr>
-          <p:cNvSpPr txBox="1"/>
-          <p:nvPr/>
-        </p:nvSpPr>
-        <p:spPr>
-          <a:xfrm>
-            <a:off x="76200" y="1089327"/>
-            <a:ext cx="1252202" cy="369332"/>
-          </a:xfrm>
-          <a:prstGeom prst="rect">
-            <a:avLst/>
-          </a:prstGeom>
-          <a:noFill/>
-        </p:spPr>
-        <p:txBody>
-          <a:bodyPr wrap="none" rtlCol="0">
-            <a:spAutoFit/>
-          </a:bodyPr>
-          <a:lstStyle/>
-          <a:p>
-            <a:r>
-              <a:rPr lang="en-US" i="1"/>
-              <a:t>Yêu cầu 2-3</a:t>
-            </a:r>
-          </a:p>
-        </p:txBody>
-      </p:sp>
-    </p:spTree>
-    <p:extLst>
-      <p:ext uri="{BB962C8B-B14F-4D97-AF65-F5344CB8AC3E}">
-        <p14:creationId xmlns:p14="http://schemas.microsoft.com/office/powerpoint/2010/main" val="420754388"/>
-      </p:ext>
-    </p:extLst>
-  </p:cSld>
-  <p:clrMapOvr>
-    <a:masterClrMapping/>
-  </p:clrMapOvr>
-</p:sld>
-</file>
-
-<file path=ppt/slides/slide14.xml><?xml version="1.0" encoding="utf-8"?>
-<p:sld xmlns:a="http://schemas.openxmlformats.org/drawingml/2006/main" xmlns:r="http://schemas.openxmlformats.org/officeDocument/2006/relationships" xmlns:p="http://schemas.openxmlformats.org/presentationml/2006/main">
-  <p:cSld>
-    <p:spTree>
-      <p:nvGrpSpPr>
-        <p:cNvPr id="1" name=""/>
-        <p:cNvGrpSpPr/>
-        <p:nvPr/>
-      </p:nvGrpSpPr>
-      <p:grpSpPr>
-        <a:xfrm>
-          <a:off x="0" y="0"/>
-          <a:ext cx="0" cy="0"/>
-          <a:chOff x="0" y="0"/>
-          <a:chExt cx="0" cy="0"/>
-        </a:xfrm>
-      </p:grpSpPr>
-      <p:pic>
-        <p:nvPicPr>
-          <p:cNvPr id="1034" name="Picture 10">
-            <a:extLst>
-              <a:ext uri="{FF2B5EF4-FFF2-40B4-BE49-F238E27FC236}">
-                <a16:creationId xmlns:a16="http://schemas.microsoft.com/office/drawing/2014/main" id="{6F72484C-A752-76F3-F259-0A997B815A00}"/>
-              </a:ext>
-            </a:extLst>
-          </p:cNvPr>
-          <p:cNvPicPr>
-            <a:picLocks noChangeAspect="1" noChangeArrowheads="1"/>
-          </p:cNvPicPr>
-          <p:nvPr/>
-        </p:nvPicPr>
-        <p:blipFill>
-          <a:blip r:embed="rId2">
-            <a:extLst>
-              <a:ext uri="{28A0092B-C50C-407E-A947-70E740481C1C}">
-                <a14:useLocalDpi xmlns:a14="http://schemas.microsoft.com/office/drawing/2010/main" val="0"/>
-              </a:ext>
-            </a:extLst>
-          </a:blip>
-          <a:srcRect/>
-          <a:stretch>
-            <a:fillRect/>
-          </a:stretch>
-        </p:blipFill>
-        <p:spPr bwMode="auto">
-          <a:xfrm>
-            <a:off x="76200" y="119063"/>
-            <a:ext cx="1114424" cy="614791"/>
-          </a:xfrm>
-          <a:prstGeom prst="rect">
-            <a:avLst/>
-          </a:prstGeom>
-          <a:noFill/>
-          <a:extLst>
-            <a:ext uri="{909E8E84-426E-40DD-AFC4-6F175D3DCCD1}">
-              <a14:hiddenFill xmlns:a14="http://schemas.microsoft.com/office/drawing/2010/main">
-                <a:solidFill>
-                  <a:srgbClr val="FFFFFF"/>
-                </a:solidFill>
-              </a14:hiddenFill>
-            </a:ext>
-          </a:extLst>
-        </p:spPr>
-      </p:pic>
-      <p:cxnSp>
-        <p:nvCxnSpPr>
-          <p:cNvPr id="11" name="Straight Connector 10">
-            <a:extLst>
-              <a:ext uri="{FF2B5EF4-FFF2-40B4-BE49-F238E27FC236}">
-                <a16:creationId xmlns:a16="http://schemas.microsoft.com/office/drawing/2014/main" id="{E5C4A229-E185-5A4B-53B1-81D591292671}"/>
-              </a:ext>
-            </a:extLst>
-          </p:cNvPr>
-          <p:cNvCxnSpPr>
-            <a:cxnSpLocks/>
-          </p:cNvCxnSpPr>
-          <p:nvPr/>
-        </p:nvCxnSpPr>
-        <p:spPr>
-          <a:xfrm>
-            <a:off x="76200" y="847725"/>
-            <a:ext cx="7648575" cy="0"/>
-          </a:xfrm>
-          <a:prstGeom prst="line">
-            <a:avLst/>
-          </a:prstGeom>
-        </p:spPr>
-        <p:style>
-          <a:lnRef idx="1">
-            <a:schemeClr val="accent1"/>
-          </a:lnRef>
-          <a:fillRef idx="0">
-            <a:schemeClr val="accent1"/>
-          </a:fillRef>
-          <a:effectRef idx="0">
-            <a:schemeClr val="accent1"/>
-          </a:effectRef>
-          <a:fontRef idx="minor">
-            <a:schemeClr val="tx1"/>
-          </a:fontRef>
-        </p:style>
-      </p:cxnSp>
-      <p:sp>
-        <p:nvSpPr>
-          <p:cNvPr id="14" name="TextBox 13">
-            <a:extLst>
-              <a:ext uri="{FF2B5EF4-FFF2-40B4-BE49-F238E27FC236}">
-                <a16:creationId xmlns:a16="http://schemas.microsoft.com/office/drawing/2014/main" id="{63B4AB36-B54A-EA5C-2A74-F2C80BE0CBC4}"/>
-              </a:ext>
-            </a:extLst>
-          </p:cNvPr>
-          <p:cNvSpPr txBox="1"/>
-          <p:nvPr/>
-        </p:nvSpPr>
-        <p:spPr>
-          <a:xfrm>
-            <a:off x="1390650" y="236792"/>
-            <a:ext cx="6362700" cy="369332"/>
-          </a:xfrm>
-          <a:prstGeom prst="rect">
-            <a:avLst/>
-          </a:prstGeom>
-          <a:noFill/>
-        </p:spPr>
-        <p:txBody>
-          <a:bodyPr wrap="square" rtlCol="0">
-            <a:spAutoFit/>
-          </a:bodyPr>
-          <a:lstStyle/>
-          <a:p>
-            <a:r>
-              <a:rPr lang="en-US" b="1"/>
-              <a:t>BEST FIRST SEARCH</a:t>
-            </a:r>
-          </a:p>
-        </p:txBody>
-      </p:sp>
-      <p:sp>
-        <p:nvSpPr>
-          <p:cNvPr id="2" name="TextBox 1">
-            <a:extLst>
-              <a:ext uri="{FF2B5EF4-FFF2-40B4-BE49-F238E27FC236}">
-                <a16:creationId xmlns:a16="http://schemas.microsoft.com/office/drawing/2014/main" id="{30380714-4CD2-9849-80A6-8AC66F97DA6F}"/>
-              </a:ext>
-            </a:extLst>
-          </p:cNvPr>
-          <p:cNvSpPr txBox="1"/>
-          <p:nvPr/>
-        </p:nvSpPr>
-        <p:spPr>
-          <a:xfrm>
-            <a:off x="76200" y="1089327"/>
-            <a:ext cx="1252202" cy="369332"/>
-          </a:xfrm>
-          <a:prstGeom prst="rect">
-            <a:avLst/>
-          </a:prstGeom>
-          <a:noFill/>
-        </p:spPr>
-        <p:txBody>
-          <a:bodyPr wrap="none" rtlCol="0">
-            <a:spAutoFit/>
-          </a:bodyPr>
-          <a:lstStyle/>
-          <a:p>
-            <a:r>
-              <a:rPr lang="en-US" i="1"/>
-              <a:t>Yêu cầu 2-4</a:t>
-            </a:r>
-          </a:p>
-        </p:txBody>
-      </p:sp>
-    </p:spTree>
-    <p:extLst>
-      <p:ext uri="{BB962C8B-B14F-4D97-AF65-F5344CB8AC3E}">
-        <p14:creationId xmlns:p14="http://schemas.microsoft.com/office/powerpoint/2010/main" val="1800081090"/>
+        <p14:creationId xmlns:p14="http://schemas.microsoft.com/office/powerpoint/2010/main" val="3245475923"/>
       </p:ext>
     </p:extLst>
   </p:cSld>
@@ -6341,7 +8627,1112 @@
           <a:p>
             <a:r>
               <a:rPr lang="en-US" i="1"/>
+              <a:t>Yêu cầu 2-1</a:t>
+            </a:r>
+          </a:p>
+        </p:txBody>
+      </p:sp>
+      <p:cxnSp>
+        <p:nvCxnSpPr>
+          <p:cNvPr id="3" name="Straight Connector 2">
+            <a:extLst>
+              <a:ext uri="{FF2B5EF4-FFF2-40B4-BE49-F238E27FC236}">
+                <a16:creationId xmlns:a16="http://schemas.microsoft.com/office/drawing/2014/main" id="{2CD06583-66AF-701D-3EFB-7B57FC7CBC60}"/>
+              </a:ext>
+            </a:extLst>
+          </p:cNvPr>
+          <p:cNvCxnSpPr>
+            <a:cxnSpLocks/>
+          </p:cNvCxnSpPr>
+          <p:nvPr/>
+        </p:nvCxnSpPr>
+        <p:spPr>
+          <a:xfrm>
+            <a:off x="4752975" y="6238875"/>
+            <a:ext cx="4286250" cy="0"/>
+          </a:xfrm>
+          <a:prstGeom prst="line">
+            <a:avLst/>
+          </a:prstGeom>
+        </p:spPr>
+        <p:style>
+          <a:lnRef idx="1">
+            <a:schemeClr val="accent1"/>
+          </a:lnRef>
+          <a:fillRef idx="0">
+            <a:schemeClr val="accent1"/>
+          </a:fillRef>
+          <a:effectRef idx="0">
+            <a:schemeClr val="accent1"/>
+          </a:effectRef>
+          <a:fontRef idx="minor">
+            <a:schemeClr val="tx1"/>
+          </a:fontRef>
+        </p:style>
+      </p:cxnSp>
+      <p:sp>
+        <p:nvSpPr>
+          <p:cNvPr id="5" name="TextBox 4">
+            <a:extLst>
+              <a:ext uri="{FF2B5EF4-FFF2-40B4-BE49-F238E27FC236}">
+                <a16:creationId xmlns:a16="http://schemas.microsoft.com/office/drawing/2014/main" id="{C636AC51-235F-27C4-310D-353DA6ACFACB}"/>
+              </a:ext>
+            </a:extLst>
+          </p:cNvPr>
+          <p:cNvSpPr txBox="1"/>
+          <p:nvPr/>
+        </p:nvSpPr>
+        <p:spPr>
+          <a:xfrm>
+            <a:off x="7753350" y="6336334"/>
+            <a:ext cx="1285874" cy="369332"/>
+          </a:xfrm>
+          <a:prstGeom prst="rect">
+            <a:avLst/>
+          </a:prstGeom>
+          <a:noFill/>
+        </p:spPr>
+        <p:txBody>
+          <a:bodyPr wrap="square" rtlCol="0">
+            <a:spAutoFit/>
+          </a:bodyPr>
+          <a:lstStyle/>
+          <a:p>
+            <a:r>
+              <a:rPr lang="en-US"/>
+              <a:t>Trang 1</a:t>
+            </a:r>
+          </a:p>
+        </p:txBody>
+      </p:sp>
+    </p:spTree>
+    <p:extLst>
+      <p:ext uri="{BB962C8B-B14F-4D97-AF65-F5344CB8AC3E}">
+        <p14:creationId xmlns:p14="http://schemas.microsoft.com/office/powerpoint/2010/main" val="4283605162"/>
+      </p:ext>
+    </p:extLst>
+  </p:cSld>
+  <p:clrMapOvr>
+    <a:masterClrMapping/>
+  </p:clrMapOvr>
+</p:sld>
+</file>
+
+<file path=ppt/slides/slide16.xml><?xml version="1.0" encoding="utf-8"?>
+<p:sld xmlns:a="http://schemas.openxmlformats.org/drawingml/2006/main" xmlns:r="http://schemas.openxmlformats.org/officeDocument/2006/relationships" xmlns:p="http://schemas.openxmlformats.org/presentationml/2006/main">
+  <p:cSld>
+    <p:spTree>
+      <p:nvGrpSpPr>
+        <p:cNvPr id="1" name=""/>
+        <p:cNvGrpSpPr/>
+        <p:nvPr/>
+      </p:nvGrpSpPr>
+      <p:grpSpPr>
+        <a:xfrm>
+          <a:off x="0" y="0"/>
+          <a:ext cx="0" cy="0"/>
+          <a:chOff x="0" y="0"/>
+          <a:chExt cx="0" cy="0"/>
+        </a:xfrm>
+      </p:grpSpPr>
+      <p:pic>
+        <p:nvPicPr>
+          <p:cNvPr id="1034" name="Picture 10">
+            <a:extLst>
+              <a:ext uri="{FF2B5EF4-FFF2-40B4-BE49-F238E27FC236}">
+                <a16:creationId xmlns:a16="http://schemas.microsoft.com/office/drawing/2014/main" id="{6F72484C-A752-76F3-F259-0A997B815A00}"/>
+              </a:ext>
+            </a:extLst>
+          </p:cNvPr>
+          <p:cNvPicPr>
+            <a:picLocks noChangeAspect="1" noChangeArrowheads="1"/>
+          </p:cNvPicPr>
+          <p:nvPr/>
+        </p:nvPicPr>
+        <p:blipFill>
+          <a:blip r:embed="rId2">
+            <a:extLst>
+              <a:ext uri="{28A0092B-C50C-407E-A947-70E740481C1C}">
+                <a14:useLocalDpi xmlns:a14="http://schemas.microsoft.com/office/drawing/2010/main" val="0"/>
+              </a:ext>
+            </a:extLst>
+          </a:blip>
+          <a:srcRect/>
+          <a:stretch>
+            <a:fillRect/>
+          </a:stretch>
+        </p:blipFill>
+        <p:spPr bwMode="auto">
+          <a:xfrm>
+            <a:off x="76200" y="119063"/>
+            <a:ext cx="1114424" cy="614791"/>
+          </a:xfrm>
+          <a:prstGeom prst="rect">
+            <a:avLst/>
+          </a:prstGeom>
+          <a:noFill/>
+          <a:extLst>
+            <a:ext uri="{909E8E84-426E-40DD-AFC4-6F175D3DCCD1}">
+              <a14:hiddenFill xmlns:a14="http://schemas.microsoft.com/office/drawing/2010/main">
+                <a:solidFill>
+                  <a:srgbClr val="FFFFFF"/>
+                </a:solidFill>
+              </a14:hiddenFill>
+            </a:ext>
+          </a:extLst>
+        </p:spPr>
+      </p:pic>
+      <p:cxnSp>
+        <p:nvCxnSpPr>
+          <p:cNvPr id="11" name="Straight Connector 10">
+            <a:extLst>
+              <a:ext uri="{FF2B5EF4-FFF2-40B4-BE49-F238E27FC236}">
+                <a16:creationId xmlns:a16="http://schemas.microsoft.com/office/drawing/2014/main" id="{E5C4A229-E185-5A4B-53B1-81D591292671}"/>
+              </a:ext>
+            </a:extLst>
+          </p:cNvPr>
+          <p:cNvCxnSpPr>
+            <a:cxnSpLocks/>
+          </p:cNvCxnSpPr>
+          <p:nvPr/>
+        </p:nvCxnSpPr>
+        <p:spPr>
+          <a:xfrm>
+            <a:off x="76200" y="847725"/>
+            <a:ext cx="7648575" cy="0"/>
+          </a:xfrm>
+          <a:prstGeom prst="line">
+            <a:avLst/>
+          </a:prstGeom>
+        </p:spPr>
+        <p:style>
+          <a:lnRef idx="1">
+            <a:schemeClr val="accent1"/>
+          </a:lnRef>
+          <a:fillRef idx="0">
+            <a:schemeClr val="accent1"/>
+          </a:fillRef>
+          <a:effectRef idx="0">
+            <a:schemeClr val="accent1"/>
+          </a:effectRef>
+          <a:fontRef idx="minor">
+            <a:schemeClr val="tx1"/>
+          </a:fontRef>
+        </p:style>
+      </p:cxnSp>
+      <p:sp>
+        <p:nvSpPr>
+          <p:cNvPr id="14" name="TextBox 13">
+            <a:extLst>
+              <a:ext uri="{FF2B5EF4-FFF2-40B4-BE49-F238E27FC236}">
+                <a16:creationId xmlns:a16="http://schemas.microsoft.com/office/drawing/2014/main" id="{63B4AB36-B54A-EA5C-2A74-F2C80BE0CBC4}"/>
+              </a:ext>
+            </a:extLst>
+          </p:cNvPr>
+          <p:cNvSpPr txBox="1"/>
+          <p:nvPr/>
+        </p:nvSpPr>
+        <p:spPr>
+          <a:xfrm>
+            <a:off x="1390650" y="236792"/>
+            <a:ext cx="6362700" cy="369332"/>
+          </a:xfrm>
+          <a:prstGeom prst="rect">
+            <a:avLst/>
+          </a:prstGeom>
+          <a:noFill/>
+        </p:spPr>
+        <p:txBody>
+          <a:bodyPr wrap="square" rtlCol="0">
+            <a:spAutoFit/>
+          </a:bodyPr>
+          <a:lstStyle/>
+          <a:p>
+            <a:r>
+              <a:rPr lang="en-US" b="1"/>
+              <a:t>BEST FIRST SEARCH</a:t>
+            </a:r>
+          </a:p>
+        </p:txBody>
+      </p:sp>
+      <p:sp>
+        <p:nvSpPr>
+          <p:cNvPr id="2" name="TextBox 1">
+            <a:extLst>
+              <a:ext uri="{FF2B5EF4-FFF2-40B4-BE49-F238E27FC236}">
+                <a16:creationId xmlns:a16="http://schemas.microsoft.com/office/drawing/2014/main" id="{30380714-4CD2-9849-80A6-8AC66F97DA6F}"/>
+              </a:ext>
+            </a:extLst>
+          </p:cNvPr>
+          <p:cNvSpPr txBox="1"/>
+          <p:nvPr/>
+        </p:nvSpPr>
+        <p:spPr>
+          <a:xfrm>
+            <a:off x="76200" y="1089327"/>
+            <a:ext cx="1252202" cy="369332"/>
+          </a:xfrm>
+          <a:prstGeom prst="rect">
+            <a:avLst/>
+          </a:prstGeom>
+          <a:noFill/>
+        </p:spPr>
+        <p:txBody>
+          <a:bodyPr wrap="none" rtlCol="0">
+            <a:spAutoFit/>
+          </a:bodyPr>
+          <a:lstStyle/>
+          <a:p>
+            <a:r>
+              <a:rPr lang="en-US" i="1"/>
+              <a:t>Yêu cầu 2-2</a:t>
+            </a:r>
+          </a:p>
+        </p:txBody>
+      </p:sp>
+      <p:cxnSp>
+        <p:nvCxnSpPr>
+          <p:cNvPr id="3" name="Straight Connector 2">
+            <a:extLst>
+              <a:ext uri="{FF2B5EF4-FFF2-40B4-BE49-F238E27FC236}">
+                <a16:creationId xmlns:a16="http://schemas.microsoft.com/office/drawing/2014/main" id="{A6209D13-18E2-CE90-A8FC-47240D1DB3DD}"/>
+              </a:ext>
+            </a:extLst>
+          </p:cNvPr>
+          <p:cNvCxnSpPr>
+            <a:cxnSpLocks/>
+          </p:cNvCxnSpPr>
+          <p:nvPr/>
+        </p:nvCxnSpPr>
+        <p:spPr>
+          <a:xfrm>
+            <a:off x="4752975" y="6238875"/>
+            <a:ext cx="4286250" cy="0"/>
+          </a:xfrm>
+          <a:prstGeom prst="line">
+            <a:avLst/>
+          </a:prstGeom>
+        </p:spPr>
+        <p:style>
+          <a:lnRef idx="1">
+            <a:schemeClr val="accent1"/>
+          </a:lnRef>
+          <a:fillRef idx="0">
+            <a:schemeClr val="accent1"/>
+          </a:fillRef>
+          <a:effectRef idx="0">
+            <a:schemeClr val="accent1"/>
+          </a:effectRef>
+          <a:fontRef idx="minor">
+            <a:schemeClr val="tx1"/>
+          </a:fontRef>
+        </p:style>
+      </p:cxnSp>
+      <p:sp>
+        <p:nvSpPr>
+          <p:cNvPr id="5" name="TextBox 4">
+            <a:extLst>
+              <a:ext uri="{FF2B5EF4-FFF2-40B4-BE49-F238E27FC236}">
+                <a16:creationId xmlns:a16="http://schemas.microsoft.com/office/drawing/2014/main" id="{5A7DF51B-1976-A0EB-6F7B-B4A2CB037D53}"/>
+              </a:ext>
+            </a:extLst>
+          </p:cNvPr>
+          <p:cNvSpPr txBox="1"/>
+          <p:nvPr/>
+        </p:nvSpPr>
+        <p:spPr>
+          <a:xfrm>
+            <a:off x="7753350" y="6336334"/>
+            <a:ext cx="1285874" cy="369332"/>
+          </a:xfrm>
+          <a:prstGeom prst="rect">
+            <a:avLst/>
+          </a:prstGeom>
+          <a:noFill/>
+        </p:spPr>
+        <p:txBody>
+          <a:bodyPr wrap="square" rtlCol="0">
+            <a:spAutoFit/>
+          </a:bodyPr>
+          <a:lstStyle/>
+          <a:p>
+            <a:r>
+              <a:rPr lang="en-US"/>
+              <a:t>Trang 1</a:t>
+            </a:r>
+          </a:p>
+        </p:txBody>
+      </p:sp>
+    </p:spTree>
+    <p:extLst>
+      <p:ext uri="{BB962C8B-B14F-4D97-AF65-F5344CB8AC3E}">
+        <p14:creationId xmlns:p14="http://schemas.microsoft.com/office/powerpoint/2010/main" val="1755807355"/>
+      </p:ext>
+    </p:extLst>
+  </p:cSld>
+  <p:clrMapOvr>
+    <a:masterClrMapping/>
+  </p:clrMapOvr>
+</p:sld>
+</file>
+
+<file path=ppt/slides/slide17.xml><?xml version="1.0" encoding="utf-8"?>
+<p:sld xmlns:a="http://schemas.openxmlformats.org/drawingml/2006/main" xmlns:r="http://schemas.openxmlformats.org/officeDocument/2006/relationships" xmlns:p="http://schemas.openxmlformats.org/presentationml/2006/main">
+  <p:cSld>
+    <p:spTree>
+      <p:nvGrpSpPr>
+        <p:cNvPr id="1" name=""/>
+        <p:cNvGrpSpPr/>
+        <p:nvPr/>
+      </p:nvGrpSpPr>
+      <p:grpSpPr>
+        <a:xfrm>
+          <a:off x="0" y="0"/>
+          <a:ext cx="0" cy="0"/>
+          <a:chOff x="0" y="0"/>
+          <a:chExt cx="0" cy="0"/>
+        </a:xfrm>
+      </p:grpSpPr>
+      <p:pic>
+        <p:nvPicPr>
+          <p:cNvPr id="1034" name="Picture 10">
+            <a:extLst>
+              <a:ext uri="{FF2B5EF4-FFF2-40B4-BE49-F238E27FC236}">
+                <a16:creationId xmlns:a16="http://schemas.microsoft.com/office/drawing/2014/main" id="{6F72484C-A752-76F3-F259-0A997B815A00}"/>
+              </a:ext>
+            </a:extLst>
+          </p:cNvPr>
+          <p:cNvPicPr>
+            <a:picLocks noChangeAspect="1" noChangeArrowheads="1"/>
+          </p:cNvPicPr>
+          <p:nvPr/>
+        </p:nvPicPr>
+        <p:blipFill>
+          <a:blip r:embed="rId2">
+            <a:extLst>
+              <a:ext uri="{28A0092B-C50C-407E-A947-70E740481C1C}">
+                <a14:useLocalDpi xmlns:a14="http://schemas.microsoft.com/office/drawing/2010/main" val="0"/>
+              </a:ext>
+            </a:extLst>
+          </a:blip>
+          <a:srcRect/>
+          <a:stretch>
+            <a:fillRect/>
+          </a:stretch>
+        </p:blipFill>
+        <p:spPr bwMode="auto">
+          <a:xfrm>
+            <a:off x="76200" y="119063"/>
+            <a:ext cx="1114424" cy="614791"/>
+          </a:xfrm>
+          <a:prstGeom prst="rect">
+            <a:avLst/>
+          </a:prstGeom>
+          <a:noFill/>
+          <a:extLst>
+            <a:ext uri="{909E8E84-426E-40DD-AFC4-6F175D3DCCD1}">
+              <a14:hiddenFill xmlns:a14="http://schemas.microsoft.com/office/drawing/2010/main">
+                <a:solidFill>
+                  <a:srgbClr val="FFFFFF"/>
+                </a:solidFill>
+              </a14:hiddenFill>
+            </a:ext>
+          </a:extLst>
+        </p:spPr>
+      </p:pic>
+      <p:cxnSp>
+        <p:nvCxnSpPr>
+          <p:cNvPr id="11" name="Straight Connector 10">
+            <a:extLst>
+              <a:ext uri="{FF2B5EF4-FFF2-40B4-BE49-F238E27FC236}">
+                <a16:creationId xmlns:a16="http://schemas.microsoft.com/office/drawing/2014/main" id="{E5C4A229-E185-5A4B-53B1-81D591292671}"/>
+              </a:ext>
+            </a:extLst>
+          </p:cNvPr>
+          <p:cNvCxnSpPr>
+            <a:cxnSpLocks/>
+          </p:cNvCxnSpPr>
+          <p:nvPr/>
+        </p:nvCxnSpPr>
+        <p:spPr>
+          <a:xfrm>
+            <a:off x="76200" y="847725"/>
+            <a:ext cx="7648575" cy="0"/>
+          </a:xfrm>
+          <a:prstGeom prst="line">
+            <a:avLst/>
+          </a:prstGeom>
+        </p:spPr>
+        <p:style>
+          <a:lnRef idx="1">
+            <a:schemeClr val="accent1"/>
+          </a:lnRef>
+          <a:fillRef idx="0">
+            <a:schemeClr val="accent1"/>
+          </a:fillRef>
+          <a:effectRef idx="0">
+            <a:schemeClr val="accent1"/>
+          </a:effectRef>
+          <a:fontRef idx="minor">
+            <a:schemeClr val="tx1"/>
+          </a:fontRef>
+        </p:style>
+      </p:cxnSp>
+      <p:sp>
+        <p:nvSpPr>
+          <p:cNvPr id="14" name="TextBox 13">
+            <a:extLst>
+              <a:ext uri="{FF2B5EF4-FFF2-40B4-BE49-F238E27FC236}">
+                <a16:creationId xmlns:a16="http://schemas.microsoft.com/office/drawing/2014/main" id="{63B4AB36-B54A-EA5C-2A74-F2C80BE0CBC4}"/>
+              </a:ext>
+            </a:extLst>
+          </p:cNvPr>
+          <p:cNvSpPr txBox="1"/>
+          <p:nvPr/>
+        </p:nvSpPr>
+        <p:spPr>
+          <a:xfrm>
+            <a:off x="1390650" y="236792"/>
+            <a:ext cx="6362700" cy="369332"/>
+          </a:xfrm>
+          <a:prstGeom prst="rect">
+            <a:avLst/>
+          </a:prstGeom>
+          <a:noFill/>
+        </p:spPr>
+        <p:txBody>
+          <a:bodyPr wrap="square" rtlCol="0">
+            <a:spAutoFit/>
+          </a:bodyPr>
+          <a:lstStyle/>
+          <a:p>
+            <a:r>
+              <a:rPr lang="en-US" b="1"/>
+              <a:t>BEST FIRST SEARCH</a:t>
+            </a:r>
+          </a:p>
+        </p:txBody>
+      </p:sp>
+      <p:sp>
+        <p:nvSpPr>
+          <p:cNvPr id="2" name="TextBox 1">
+            <a:extLst>
+              <a:ext uri="{FF2B5EF4-FFF2-40B4-BE49-F238E27FC236}">
+                <a16:creationId xmlns:a16="http://schemas.microsoft.com/office/drawing/2014/main" id="{30380714-4CD2-9849-80A6-8AC66F97DA6F}"/>
+              </a:ext>
+            </a:extLst>
+          </p:cNvPr>
+          <p:cNvSpPr txBox="1"/>
+          <p:nvPr/>
+        </p:nvSpPr>
+        <p:spPr>
+          <a:xfrm>
+            <a:off x="76200" y="1089327"/>
+            <a:ext cx="1252202" cy="369332"/>
+          </a:xfrm>
+          <a:prstGeom prst="rect">
+            <a:avLst/>
+          </a:prstGeom>
+          <a:noFill/>
+        </p:spPr>
+        <p:txBody>
+          <a:bodyPr wrap="none" rtlCol="0">
+            <a:spAutoFit/>
+          </a:bodyPr>
+          <a:lstStyle/>
+          <a:p>
+            <a:r>
+              <a:rPr lang="en-US" i="1"/>
+              <a:t>Yêu cầu 2-3</a:t>
+            </a:r>
+          </a:p>
+        </p:txBody>
+      </p:sp>
+      <p:cxnSp>
+        <p:nvCxnSpPr>
+          <p:cNvPr id="3" name="Straight Connector 2">
+            <a:extLst>
+              <a:ext uri="{FF2B5EF4-FFF2-40B4-BE49-F238E27FC236}">
+                <a16:creationId xmlns:a16="http://schemas.microsoft.com/office/drawing/2014/main" id="{C2A7E5D0-0732-35D5-18A2-C5CE2320D9B6}"/>
+              </a:ext>
+            </a:extLst>
+          </p:cNvPr>
+          <p:cNvCxnSpPr>
+            <a:cxnSpLocks/>
+          </p:cNvCxnSpPr>
+          <p:nvPr/>
+        </p:nvCxnSpPr>
+        <p:spPr>
+          <a:xfrm>
+            <a:off x="4752975" y="6238875"/>
+            <a:ext cx="4286250" cy="0"/>
+          </a:xfrm>
+          <a:prstGeom prst="line">
+            <a:avLst/>
+          </a:prstGeom>
+        </p:spPr>
+        <p:style>
+          <a:lnRef idx="1">
+            <a:schemeClr val="accent1"/>
+          </a:lnRef>
+          <a:fillRef idx="0">
+            <a:schemeClr val="accent1"/>
+          </a:fillRef>
+          <a:effectRef idx="0">
+            <a:schemeClr val="accent1"/>
+          </a:effectRef>
+          <a:fontRef idx="minor">
+            <a:schemeClr val="tx1"/>
+          </a:fontRef>
+        </p:style>
+      </p:cxnSp>
+      <p:sp>
+        <p:nvSpPr>
+          <p:cNvPr id="5" name="TextBox 4">
+            <a:extLst>
+              <a:ext uri="{FF2B5EF4-FFF2-40B4-BE49-F238E27FC236}">
+                <a16:creationId xmlns:a16="http://schemas.microsoft.com/office/drawing/2014/main" id="{5AE77F4E-29AF-200B-741F-D59D22548F68}"/>
+              </a:ext>
+            </a:extLst>
+          </p:cNvPr>
+          <p:cNvSpPr txBox="1"/>
+          <p:nvPr/>
+        </p:nvSpPr>
+        <p:spPr>
+          <a:xfrm>
+            <a:off x="7753350" y="6336334"/>
+            <a:ext cx="1285874" cy="369332"/>
+          </a:xfrm>
+          <a:prstGeom prst="rect">
+            <a:avLst/>
+          </a:prstGeom>
+          <a:noFill/>
+        </p:spPr>
+        <p:txBody>
+          <a:bodyPr wrap="square" rtlCol="0">
+            <a:spAutoFit/>
+          </a:bodyPr>
+          <a:lstStyle/>
+          <a:p>
+            <a:r>
+              <a:rPr lang="en-US"/>
+              <a:t>Trang 1</a:t>
+            </a:r>
+          </a:p>
+        </p:txBody>
+      </p:sp>
+    </p:spTree>
+    <p:extLst>
+      <p:ext uri="{BB962C8B-B14F-4D97-AF65-F5344CB8AC3E}">
+        <p14:creationId xmlns:p14="http://schemas.microsoft.com/office/powerpoint/2010/main" val="420754388"/>
+      </p:ext>
+    </p:extLst>
+  </p:cSld>
+  <p:clrMapOvr>
+    <a:masterClrMapping/>
+  </p:clrMapOvr>
+</p:sld>
+</file>
+
+<file path=ppt/slides/slide18.xml><?xml version="1.0" encoding="utf-8"?>
+<p:sld xmlns:a="http://schemas.openxmlformats.org/drawingml/2006/main" xmlns:r="http://schemas.openxmlformats.org/officeDocument/2006/relationships" xmlns:p="http://schemas.openxmlformats.org/presentationml/2006/main">
+  <p:cSld>
+    <p:spTree>
+      <p:nvGrpSpPr>
+        <p:cNvPr id="1" name=""/>
+        <p:cNvGrpSpPr/>
+        <p:nvPr/>
+      </p:nvGrpSpPr>
+      <p:grpSpPr>
+        <a:xfrm>
+          <a:off x="0" y="0"/>
+          <a:ext cx="0" cy="0"/>
+          <a:chOff x="0" y="0"/>
+          <a:chExt cx="0" cy="0"/>
+        </a:xfrm>
+      </p:grpSpPr>
+      <p:pic>
+        <p:nvPicPr>
+          <p:cNvPr id="1034" name="Picture 10">
+            <a:extLst>
+              <a:ext uri="{FF2B5EF4-FFF2-40B4-BE49-F238E27FC236}">
+                <a16:creationId xmlns:a16="http://schemas.microsoft.com/office/drawing/2014/main" id="{6F72484C-A752-76F3-F259-0A997B815A00}"/>
+              </a:ext>
+            </a:extLst>
+          </p:cNvPr>
+          <p:cNvPicPr>
+            <a:picLocks noChangeAspect="1" noChangeArrowheads="1"/>
+          </p:cNvPicPr>
+          <p:nvPr/>
+        </p:nvPicPr>
+        <p:blipFill>
+          <a:blip r:embed="rId2">
+            <a:extLst>
+              <a:ext uri="{28A0092B-C50C-407E-A947-70E740481C1C}">
+                <a14:useLocalDpi xmlns:a14="http://schemas.microsoft.com/office/drawing/2010/main" val="0"/>
+              </a:ext>
+            </a:extLst>
+          </a:blip>
+          <a:srcRect/>
+          <a:stretch>
+            <a:fillRect/>
+          </a:stretch>
+        </p:blipFill>
+        <p:spPr bwMode="auto">
+          <a:xfrm>
+            <a:off x="76200" y="119063"/>
+            <a:ext cx="1114424" cy="614791"/>
+          </a:xfrm>
+          <a:prstGeom prst="rect">
+            <a:avLst/>
+          </a:prstGeom>
+          <a:noFill/>
+          <a:extLst>
+            <a:ext uri="{909E8E84-426E-40DD-AFC4-6F175D3DCCD1}">
+              <a14:hiddenFill xmlns:a14="http://schemas.microsoft.com/office/drawing/2010/main">
+                <a:solidFill>
+                  <a:srgbClr val="FFFFFF"/>
+                </a:solidFill>
+              </a14:hiddenFill>
+            </a:ext>
+          </a:extLst>
+        </p:spPr>
+      </p:pic>
+      <p:cxnSp>
+        <p:nvCxnSpPr>
+          <p:cNvPr id="11" name="Straight Connector 10">
+            <a:extLst>
+              <a:ext uri="{FF2B5EF4-FFF2-40B4-BE49-F238E27FC236}">
+                <a16:creationId xmlns:a16="http://schemas.microsoft.com/office/drawing/2014/main" id="{E5C4A229-E185-5A4B-53B1-81D591292671}"/>
+              </a:ext>
+            </a:extLst>
+          </p:cNvPr>
+          <p:cNvCxnSpPr>
+            <a:cxnSpLocks/>
+          </p:cNvCxnSpPr>
+          <p:nvPr/>
+        </p:nvCxnSpPr>
+        <p:spPr>
+          <a:xfrm>
+            <a:off x="76200" y="847725"/>
+            <a:ext cx="7648575" cy="0"/>
+          </a:xfrm>
+          <a:prstGeom prst="line">
+            <a:avLst/>
+          </a:prstGeom>
+        </p:spPr>
+        <p:style>
+          <a:lnRef idx="1">
+            <a:schemeClr val="accent1"/>
+          </a:lnRef>
+          <a:fillRef idx="0">
+            <a:schemeClr val="accent1"/>
+          </a:fillRef>
+          <a:effectRef idx="0">
+            <a:schemeClr val="accent1"/>
+          </a:effectRef>
+          <a:fontRef idx="minor">
+            <a:schemeClr val="tx1"/>
+          </a:fontRef>
+        </p:style>
+      </p:cxnSp>
+      <p:sp>
+        <p:nvSpPr>
+          <p:cNvPr id="14" name="TextBox 13">
+            <a:extLst>
+              <a:ext uri="{FF2B5EF4-FFF2-40B4-BE49-F238E27FC236}">
+                <a16:creationId xmlns:a16="http://schemas.microsoft.com/office/drawing/2014/main" id="{63B4AB36-B54A-EA5C-2A74-F2C80BE0CBC4}"/>
+              </a:ext>
+            </a:extLst>
+          </p:cNvPr>
+          <p:cNvSpPr txBox="1"/>
+          <p:nvPr/>
+        </p:nvSpPr>
+        <p:spPr>
+          <a:xfrm>
+            <a:off x="1390650" y="236792"/>
+            <a:ext cx="6362700" cy="369332"/>
+          </a:xfrm>
+          <a:prstGeom prst="rect">
+            <a:avLst/>
+          </a:prstGeom>
+          <a:noFill/>
+        </p:spPr>
+        <p:txBody>
+          <a:bodyPr wrap="square" rtlCol="0">
+            <a:spAutoFit/>
+          </a:bodyPr>
+          <a:lstStyle/>
+          <a:p>
+            <a:r>
+              <a:rPr lang="en-US" b="1"/>
+              <a:t>BEST FIRST SEARCH</a:t>
+            </a:r>
+          </a:p>
+        </p:txBody>
+      </p:sp>
+      <p:sp>
+        <p:nvSpPr>
+          <p:cNvPr id="2" name="TextBox 1">
+            <a:extLst>
+              <a:ext uri="{FF2B5EF4-FFF2-40B4-BE49-F238E27FC236}">
+                <a16:creationId xmlns:a16="http://schemas.microsoft.com/office/drawing/2014/main" id="{30380714-4CD2-9849-80A6-8AC66F97DA6F}"/>
+              </a:ext>
+            </a:extLst>
+          </p:cNvPr>
+          <p:cNvSpPr txBox="1"/>
+          <p:nvPr/>
+        </p:nvSpPr>
+        <p:spPr>
+          <a:xfrm>
+            <a:off x="76200" y="1089327"/>
+            <a:ext cx="1252202" cy="369332"/>
+          </a:xfrm>
+          <a:prstGeom prst="rect">
+            <a:avLst/>
+          </a:prstGeom>
+          <a:noFill/>
+        </p:spPr>
+        <p:txBody>
+          <a:bodyPr wrap="none" rtlCol="0">
+            <a:spAutoFit/>
+          </a:bodyPr>
+          <a:lstStyle/>
+          <a:p>
+            <a:r>
+              <a:rPr lang="en-US" i="1"/>
+              <a:t>Yêu cầu 2-4</a:t>
+            </a:r>
+          </a:p>
+        </p:txBody>
+      </p:sp>
+      <p:cxnSp>
+        <p:nvCxnSpPr>
+          <p:cNvPr id="3" name="Straight Connector 2">
+            <a:extLst>
+              <a:ext uri="{FF2B5EF4-FFF2-40B4-BE49-F238E27FC236}">
+                <a16:creationId xmlns:a16="http://schemas.microsoft.com/office/drawing/2014/main" id="{BAC105F8-C950-5DDE-6CB7-BB032057CD4E}"/>
+              </a:ext>
+            </a:extLst>
+          </p:cNvPr>
+          <p:cNvCxnSpPr>
+            <a:cxnSpLocks/>
+          </p:cNvCxnSpPr>
+          <p:nvPr/>
+        </p:nvCxnSpPr>
+        <p:spPr>
+          <a:xfrm>
+            <a:off x="4752975" y="6238875"/>
+            <a:ext cx="4286250" cy="0"/>
+          </a:xfrm>
+          <a:prstGeom prst="line">
+            <a:avLst/>
+          </a:prstGeom>
+        </p:spPr>
+        <p:style>
+          <a:lnRef idx="1">
+            <a:schemeClr val="accent1"/>
+          </a:lnRef>
+          <a:fillRef idx="0">
+            <a:schemeClr val="accent1"/>
+          </a:fillRef>
+          <a:effectRef idx="0">
+            <a:schemeClr val="accent1"/>
+          </a:effectRef>
+          <a:fontRef idx="minor">
+            <a:schemeClr val="tx1"/>
+          </a:fontRef>
+        </p:style>
+      </p:cxnSp>
+      <p:sp>
+        <p:nvSpPr>
+          <p:cNvPr id="5" name="TextBox 4">
+            <a:extLst>
+              <a:ext uri="{FF2B5EF4-FFF2-40B4-BE49-F238E27FC236}">
+                <a16:creationId xmlns:a16="http://schemas.microsoft.com/office/drawing/2014/main" id="{1D7A3032-17B2-6AEA-AC88-9349A439BD22}"/>
+              </a:ext>
+            </a:extLst>
+          </p:cNvPr>
+          <p:cNvSpPr txBox="1"/>
+          <p:nvPr/>
+        </p:nvSpPr>
+        <p:spPr>
+          <a:xfrm>
+            <a:off x="7753350" y="6336334"/>
+            <a:ext cx="1285874" cy="369332"/>
+          </a:xfrm>
+          <a:prstGeom prst="rect">
+            <a:avLst/>
+          </a:prstGeom>
+          <a:noFill/>
+        </p:spPr>
+        <p:txBody>
+          <a:bodyPr wrap="square" rtlCol="0">
+            <a:spAutoFit/>
+          </a:bodyPr>
+          <a:lstStyle/>
+          <a:p>
+            <a:r>
+              <a:rPr lang="en-US"/>
+              <a:t>Trang 1</a:t>
+            </a:r>
+          </a:p>
+        </p:txBody>
+      </p:sp>
+    </p:spTree>
+    <p:extLst>
+      <p:ext uri="{BB962C8B-B14F-4D97-AF65-F5344CB8AC3E}">
+        <p14:creationId xmlns:p14="http://schemas.microsoft.com/office/powerpoint/2010/main" val="1800081090"/>
+      </p:ext>
+    </p:extLst>
+  </p:cSld>
+  <p:clrMapOvr>
+    <a:masterClrMapping/>
+  </p:clrMapOvr>
+</p:sld>
+</file>
+
+<file path=ppt/slides/slide19.xml><?xml version="1.0" encoding="utf-8"?>
+<p:sld xmlns:a="http://schemas.openxmlformats.org/drawingml/2006/main" xmlns:r="http://schemas.openxmlformats.org/officeDocument/2006/relationships" xmlns:p="http://schemas.openxmlformats.org/presentationml/2006/main">
+  <p:cSld>
+    <p:spTree>
+      <p:nvGrpSpPr>
+        <p:cNvPr id="1" name=""/>
+        <p:cNvGrpSpPr/>
+        <p:nvPr/>
+      </p:nvGrpSpPr>
+      <p:grpSpPr>
+        <a:xfrm>
+          <a:off x="0" y="0"/>
+          <a:ext cx="0" cy="0"/>
+          <a:chOff x="0" y="0"/>
+          <a:chExt cx="0" cy="0"/>
+        </a:xfrm>
+      </p:grpSpPr>
+      <p:pic>
+        <p:nvPicPr>
+          <p:cNvPr id="1034" name="Picture 10">
+            <a:extLst>
+              <a:ext uri="{FF2B5EF4-FFF2-40B4-BE49-F238E27FC236}">
+                <a16:creationId xmlns:a16="http://schemas.microsoft.com/office/drawing/2014/main" id="{6F72484C-A752-76F3-F259-0A997B815A00}"/>
+              </a:ext>
+            </a:extLst>
+          </p:cNvPr>
+          <p:cNvPicPr>
+            <a:picLocks noChangeAspect="1" noChangeArrowheads="1"/>
+          </p:cNvPicPr>
+          <p:nvPr/>
+        </p:nvPicPr>
+        <p:blipFill>
+          <a:blip r:embed="rId2">
+            <a:extLst>
+              <a:ext uri="{28A0092B-C50C-407E-A947-70E740481C1C}">
+                <a14:useLocalDpi xmlns:a14="http://schemas.microsoft.com/office/drawing/2010/main" val="0"/>
+              </a:ext>
+            </a:extLst>
+          </a:blip>
+          <a:srcRect/>
+          <a:stretch>
+            <a:fillRect/>
+          </a:stretch>
+        </p:blipFill>
+        <p:spPr bwMode="auto">
+          <a:xfrm>
+            <a:off x="76200" y="119063"/>
+            <a:ext cx="1114424" cy="614791"/>
+          </a:xfrm>
+          <a:prstGeom prst="rect">
+            <a:avLst/>
+          </a:prstGeom>
+          <a:noFill/>
+          <a:extLst>
+            <a:ext uri="{909E8E84-426E-40DD-AFC4-6F175D3DCCD1}">
+              <a14:hiddenFill xmlns:a14="http://schemas.microsoft.com/office/drawing/2010/main">
+                <a:solidFill>
+                  <a:srgbClr val="FFFFFF"/>
+                </a:solidFill>
+              </a14:hiddenFill>
+            </a:ext>
+          </a:extLst>
+        </p:spPr>
+      </p:pic>
+      <p:cxnSp>
+        <p:nvCxnSpPr>
+          <p:cNvPr id="11" name="Straight Connector 10">
+            <a:extLst>
+              <a:ext uri="{FF2B5EF4-FFF2-40B4-BE49-F238E27FC236}">
+                <a16:creationId xmlns:a16="http://schemas.microsoft.com/office/drawing/2014/main" id="{E5C4A229-E185-5A4B-53B1-81D591292671}"/>
+              </a:ext>
+            </a:extLst>
+          </p:cNvPr>
+          <p:cNvCxnSpPr>
+            <a:cxnSpLocks/>
+          </p:cNvCxnSpPr>
+          <p:nvPr/>
+        </p:nvCxnSpPr>
+        <p:spPr>
+          <a:xfrm>
+            <a:off x="76200" y="847725"/>
+            <a:ext cx="7648575" cy="0"/>
+          </a:xfrm>
+          <a:prstGeom prst="line">
+            <a:avLst/>
+          </a:prstGeom>
+        </p:spPr>
+        <p:style>
+          <a:lnRef idx="1">
+            <a:schemeClr val="accent1"/>
+          </a:lnRef>
+          <a:fillRef idx="0">
+            <a:schemeClr val="accent1"/>
+          </a:fillRef>
+          <a:effectRef idx="0">
+            <a:schemeClr val="accent1"/>
+          </a:effectRef>
+          <a:fontRef idx="minor">
+            <a:schemeClr val="tx1"/>
+          </a:fontRef>
+        </p:style>
+      </p:cxnSp>
+      <p:sp>
+        <p:nvSpPr>
+          <p:cNvPr id="14" name="TextBox 13">
+            <a:extLst>
+              <a:ext uri="{FF2B5EF4-FFF2-40B4-BE49-F238E27FC236}">
+                <a16:creationId xmlns:a16="http://schemas.microsoft.com/office/drawing/2014/main" id="{63B4AB36-B54A-EA5C-2A74-F2C80BE0CBC4}"/>
+              </a:ext>
+            </a:extLst>
+          </p:cNvPr>
+          <p:cNvSpPr txBox="1"/>
+          <p:nvPr/>
+        </p:nvSpPr>
+        <p:spPr>
+          <a:xfrm>
+            <a:off x="1390650" y="236792"/>
+            <a:ext cx="6362700" cy="369332"/>
+          </a:xfrm>
+          <a:prstGeom prst="rect">
+            <a:avLst/>
+          </a:prstGeom>
+          <a:noFill/>
+        </p:spPr>
+        <p:txBody>
+          <a:bodyPr wrap="square" rtlCol="0">
+            <a:spAutoFit/>
+          </a:bodyPr>
+          <a:lstStyle/>
+          <a:p>
+            <a:r>
+              <a:rPr lang="en-US" b="1"/>
+              <a:t>BEST FIRST SEARCH</a:t>
+            </a:r>
+          </a:p>
+        </p:txBody>
+      </p:sp>
+      <p:sp>
+        <p:nvSpPr>
+          <p:cNvPr id="2" name="TextBox 1">
+            <a:extLst>
+              <a:ext uri="{FF2B5EF4-FFF2-40B4-BE49-F238E27FC236}">
+                <a16:creationId xmlns:a16="http://schemas.microsoft.com/office/drawing/2014/main" id="{30380714-4CD2-9849-80A6-8AC66F97DA6F}"/>
+              </a:ext>
+            </a:extLst>
+          </p:cNvPr>
+          <p:cNvSpPr txBox="1"/>
+          <p:nvPr/>
+        </p:nvSpPr>
+        <p:spPr>
+          <a:xfrm>
+            <a:off x="76200" y="1089327"/>
+            <a:ext cx="1252202" cy="369332"/>
+          </a:xfrm>
+          <a:prstGeom prst="rect">
+            <a:avLst/>
+          </a:prstGeom>
+          <a:noFill/>
+        </p:spPr>
+        <p:txBody>
+          <a:bodyPr wrap="none" rtlCol="0">
+            <a:spAutoFit/>
+          </a:bodyPr>
+          <a:lstStyle/>
+          <a:p>
+            <a:r>
+              <a:rPr lang="en-US" i="1"/>
               <a:t>Yêu cầu 2-5</a:t>
+            </a:r>
+          </a:p>
+        </p:txBody>
+      </p:sp>
+      <p:cxnSp>
+        <p:nvCxnSpPr>
+          <p:cNvPr id="3" name="Straight Connector 2">
+            <a:extLst>
+              <a:ext uri="{FF2B5EF4-FFF2-40B4-BE49-F238E27FC236}">
+                <a16:creationId xmlns:a16="http://schemas.microsoft.com/office/drawing/2014/main" id="{ACBF7746-FE0E-173A-5173-1104D3149676}"/>
+              </a:ext>
+            </a:extLst>
+          </p:cNvPr>
+          <p:cNvCxnSpPr>
+            <a:cxnSpLocks/>
+          </p:cNvCxnSpPr>
+          <p:nvPr/>
+        </p:nvCxnSpPr>
+        <p:spPr>
+          <a:xfrm>
+            <a:off x="4752975" y="6238875"/>
+            <a:ext cx="4286250" cy="0"/>
+          </a:xfrm>
+          <a:prstGeom prst="line">
+            <a:avLst/>
+          </a:prstGeom>
+        </p:spPr>
+        <p:style>
+          <a:lnRef idx="1">
+            <a:schemeClr val="accent1"/>
+          </a:lnRef>
+          <a:fillRef idx="0">
+            <a:schemeClr val="accent1"/>
+          </a:fillRef>
+          <a:effectRef idx="0">
+            <a:schemeClr val="accent1"/>
+          </a:effectRef>
+          <a:fontRef idx="minor">
+            <a:schemeClr val="tx1"/>
+          </a:fontRef>
+        </p:style>
+      </p:cxnSp>
+      <p:sp>
+        <p:nvSpPr>
+          <p:cNvPr id="5" name="TextBox 4">
+            <a:extLst>
+              <a:ext uri="{FF2B5EF4-FFF2-40B4-BE49-F238E27FC236}">
+                <a16:creationId xmlns:a16="http://schemas.microsoft.com/office/drawing/2014/main" id="{44F9D552-E912-19E9-0162-3E4C662F5413}"/>
+              </a:ext>
+            </a:extLst>
+          </p:cNvPr>
+          <p:cNvSpPr txBox="1"/>
+          <p:nvPr/>
+        </p:nvSpPr>
+        <p:spPr>
+          <a:xfrm>
+            <a:off x="7753350" y="6336334"/>
+            <a:ext cx="1285874" cy="369332"/>
+          </a:xfrm>
+          <a:prstGeom prst="rect">
+            <a:avLst/>
+          </a:prstGeom>
+          <a:noFill/>
+        </p:spPr>
+        <p:txBody>
+          <a:bodyPr wrap="square" rtlCol="0">
+            <a:spAutoFit/>
+          </a:bodyPr>
+          <a:lstStyle/>
+          <a:p>
+            <a:r>
+              <a:rPr lang="en-US"/>
+              <a:t>Trang 1</a:t>
             </a:r>
           </a:p>
         </p:txBody>
@@ -6359,7 +9750,1080 @@
 </p:sld>
 </file>
 
-<file path=ppt/slides/slide16.xml><?xml version="1.0" encoding="utf-8"?>
+<file path=ppt/slides/slide2.xml><?xml version="1.0" encoding="utf-8"?>
+<p:sld xmlns:a="http://schemas.openxmlformats.org/drawingml/2006/main" xmlns:r="http://schemas.openxmlformats.org/officeDocument/2006/relationships" xmlns:p="http://schemas.openxmlformats.org/presentationml/2006/main">
+  <p:cSld>
+    <p:spTree>
+      <p:nvGrpSpPr>
+        <p:cNvPr id="1" name=""/>
+        <p:cNvGrpSpPr/>
+        <p:nvPr/>
+      </p:nvGrpSpPr>
+      <p:grpSpPr>
+        <a:xfrm>
+          <a:off x="0" y="0"/>
+          <a:ext cx="0" cy="0"/>
+          <a:chOff x="0" y="0"/>
+          <a:chExt cx="0" cy="0"/>
+        </a:xfrm>
+      </p:grpSpPr>
+      <p:pic>
+        <p:nvPicPr>
+          <p:cNvPr id="1034" name="Picture 10">
+            <a:extLst>
+              <a:ext uri="{FF2B5EF4-FFF2-40B4-BE49-F238E27FC236}">
+                <a16:creationId xmlns:a16="http://schemas.microsoft.com/office/drawing/2014/main" id="{6F72484C-A752-76F3-F259-0A997B815A00}"/>
+              </a:ext>
+            </a:extLst>
+          </p:cNvPr>
+          <p:cNvPicPr>
+            <a:picLocks noChangeAspect="1" noChangeArrowheads="1"/>
+          </p:cNvPicPr>
+          <p:nvPr/>
+        </p:nvPicPr>
+        <p:blipFill>
+          <a:blip r:embed="rId2">
+            <a:extLst>
+              <a:ext uri="{28A0092B-C50C-407E-A947-70E740481C1C}">
+                <a14:useLocalDpi xmlns:a14="http://schemas.microsoft.com/office/drawing/2010/main" val="0"/>
+              </a:ext>
+            </a:extLst>
+          </a:blip>
+          <a:srcRect/>
+          <a:stretch>
+            <a:fillRect/>
+          </a:stretch>
+        </p:blipFill>
+        <p:spPr bwMode="auto">
+          <a:xfrm>
+            <a:off x="76200" y="119063"/>
+            <a:ext cx="1114424" cy="614791"/>
+          </a:xfrm>
+          <a:prstGeom prst="rect">
+            <a:avLst/>
+          </a:prstGeom>
+          <a:noFill/>
+          <a:extLst>
+            <a:ext uri="{909E8E84-426E-40DD-AFC4-6F175D3DCCD1}">
+              <a14:hiddenFill xmlns:a14="http://schemas.microsoft.com/office/drawing/2010/main">
+                <a:solidFill>
+                  <a:srgbClr val="FFFFFF"/>
+                </a:solidFill>
+              </a14:hiddenFill>
+            </a:ext>
+          </a:extLst>
+        </p:spPr>
+      </p:pic>
+      <p:cxnSp>
+        <p:nvCxnSpPr>
+          <p:cNvPr id="11" name="Straight Connector 10">
+            <a:extLst>
+              <a:ext uri="{FF2B5EF4-FFF2-40B4-BE49-F238E27FC236}">
+                <a16:creationId xmlns:a16="http://schemas.microsoft.com/office/drawing/2014/main" id="{E5C4A229-E185-5A4B-53B1-81D591292671}"/>
+              </a:ext>
+            </a:extLst>
+          </p:cNvPr>
+          <p:cNvCxnSpPr>
+            <a:cxnSpLocks/>
+          </p:cNvCxnSpPr>
+          <p:nvPr/>
+        </p:nvCxnSpPr>
+        <p:spPr>
+          <a:xfrm>
+            <a:off x="76200" y="847725"/>
+            <a:ext cx="7648575" cy="0"/>
+          </a:xfrm>
+          <a:prstGeom prst="line">
+            <a:avLst/>
+          </a:prstGeom>
+        </p:spPr>
+        <p:style>
+          <a:lnRef idx="1">
+            <a:schemeClr val="accent1"/>
+          </a:lnRef>
+          <a:fillRef idx="0">
+            <a:schemeClr val="accent1"/>
+          </a:fillRef>
+          <a:effectRef idx="0">
+            <a:schemeClr val="accent1"/>
+          </a:effectRef>
+          <a:fontRef idx="minor">
+            <a:schemeClr val="tx1"/>
+          </a:fontRef>
+        </p:style>
+      </p:cxnSp>
+      <p:sp>
+        <p:nvSpPr>
+          <p:cNvPr id="14" name="TextBox 13">
+            <a:extLst>
+              <a:ext uri="{FF2B5EF4-FFF2-40B4-BE49-F238E27FC236}">
+                <a16:creationId xmlns:a16="http://schemas.microsoft.com/office/drawing/2014/main" id="{63B4AB36-B54A-EA5C-2A74-F2C80BE0CBC4}"/>
+              </a:ext>
+            </a:extLst>
+          </p:cNvPr>
+          <p:cNvSpPr txBox="1"/>
+          <p:nvPr/>
+        </p:nvSpPr>
+        <p:spPr>
+          <a:xfrm>
+            <a:off x="1390650" y="236792"/>
+            <a:ext cx="6362700" cy="369332"/>
+          </a:xfrm>
+          <a:prstGeom prst="rect">
+            <a:avLst/>
+          </a:prstGeom>
+          <a:noFill/>
+        </p:spPr>
+        <p:txBody>
+          <a:bodyPr wrap="square" rtlCol="0">
+            <a:spAutoFit/>
+          </a:bodyPr>
+          <a:lstStyle/>
+          <a:p>
+            <a:r>
+              <a:rPr lang="en-US" b="1"/>
+              <a:t>BẢNG PHÂN CÔNG CÔNG VIỆC</a:t>
+            </a:r>
+          </a:p>
+        </p:txBody>
+      </p:sp>
+      <p:graphicFrame>
+        <p:nvGraphicFramePr>
+          <p:cNvPr id="16" name="Table 16">
+            <a:extLst>
+              <a:ext uri="{FF2B5EF4-FFF2-40B4-BE49-F238E27FC236}">
+                <a16:creationId xmlns:a16="http://schemas.microsoft.com/office/drawing/2014/main" id="{A794B221-780B-3E0D-DCDE-B4B669AD1AE3}"/>
+              </a:ext>
+            </a:extLst>
+          </p:cNvPr>
+          <p:cNvGraphicFramePr>
+            <a:graphicFrameLocks noGrp="1"/>
+          </p:cNvGraphicFramePr>
+          <p:nvPr>
+            <p:extLst>
+              <p:ext uri="{D42A27DB-BD31-4B8C-83A1-F6EECF244321}">
+                <p14:modId xmlns:p14="http://schemas.microsoft.com/office/powerpoint/2010/main" val="268383518"/>
+              </p:ext>
+            </p:extLst>
+          </p:nvPr>
+        </p:nvGraphicFramePr>
+        <p:xfrm>
+          <a:off x="626268" y="1383568"/>
+          <a:ext cx="7891464" cy="4348480"/>
+        </p:xfrm>
+        <a:graphic>
+          <a:graphicData uri="http://schemas.openxmlformats.org/drawingml/2006/table">
+            <a:tbl>
+              <a:tblPr firstRow="1" bandRow="1">
+                <a:tableStyleId>{F5AB1C69-6EDB-4FF4-983F-18BD219EF322}</a:tableStyleId>
+              </a:tblPr>
+              <a:tblGrid>
+                <a:gridCol w="478789">
+                  <a:extLst>
+                    <a:ext uri="{9D8B030D-6E8A-4147-A177-3AD203B41FA5}">
+                      <a16:colId xmlns:a16="http://schemas.microsoft.com/office/drawing/2014/main" val="2650038939"/>
+                    </a:ext>
+                  </a:extLst>
+                </a:gridCol>
+                <a:gridCol w="4324193">
+                  <a:extLst>
+                    <a:ext uri="{9D8B030D-6E8A-4147-A177-3AD203B41FA5}">
+                      <a16:colId xmlns:a16="http://schemas.microsoft.com/office/drawing/2014/main" val="3939429785"/>
+                    </a:ext>
+                  </a:extLst>
+                </a:gridCol>
+                <a:gridCol w="1885950">
+                  <a:extLst>
+                    <a:ext uri="{9D8B030D-6E8A-4147-A177-3AD203B41FA5}">
+                      <a16:colId xmlns:a16="http://schemas.microsoft.com/office/drawing/2014/main" val="1738762872"/>
+                    </a:ext>
+                  </a:extLst>
+                </a:gridCol>
+                <a:gridCol w="1202532">
+                  <a:extLst>
+                    <a:ext uri="{9D8B030D-6E8A-4147-A177-3AD203B41FA5}">
+                      <a16:colId xmlns:a16="http://schemas.microsoft.com/office/drawing/2014/main" val="3821170340"/>
+                    </a:ext>
+                  </a:extLst>
+                </a:gridCol>
+              </a:tblGrid>
+              <a:tr h="370840">
+                <a:tc>
+                  <a:txBody>
+                    <a:bodyPr/>
+                    <a:lstStyle/>
+                    <a:p>
+                      <a:pPr algn="ctr"/>
+                      <a:r>
+                        <a:rPr lang="en-US"/>
+                        <a:t>#</a:t>
+                      </a:r>
+                      <a:endParaRPr lang="en-US">
+                        <a:latin typeface="Times New Roman" panose="02020603050405020304" pitchFamily="18" charset="0"/>
+                        <a:cs typeface="Times New Roman" panose="02020603050405020304" pitchFamily="18" charset="0"/>
+                      </a:endParaRPr>
+                    </a:p>
+                  </a:txBody>
+                  <a:tcPr/>
+                </a:tc>
+                <a:tc>
+                  <a:txBody>
+                    <a:bodyPr/>
+                    <a:lstStyle/>
+                    <a:p>
+                      <a:pPr algn="ctr"/>
+                      <a:r>
+                        <a:rPr lang="en-US"/>
+                        <a:t>Công việc</a:t>
+                      </a:r>
+                      <a:endParaRPr lang="en-US">
+                        <a:latin typeface="Times New Roman" panose="02020603050405020304" pitchFamily="18" charset="0"/>
+                        <a:cs typeface="Times New Roman" panose="02020603050405020304" pitchFamily="18" charset="0"/>
+                      </a:endParaRPr>
+                    </a:p>
+                  </a:txBody>
+                  <a:tcPr/>
+                </a:tc>
+                <a:tc>
+                  <a:txBody>
+                    <a:bodyPr/>
+                    <a:lstStyle/>
+                    <a:p>
+                      <a:pPr algn="ctr"/>
+                      <a:r>
+                        <a:rPr lang="en-US"/>
+                        <a:t>Người thực hiện</a:t>
+                      </a:r>
+                      <a:endParaRPr lang="en-US">
+                        <a:latin typeface="Times New Roman" panose="02020603050405020304" pitchFamily="18" charset="0"/>
+                        <a:cs typeface="Times New Roman" panose="02020603050405020304" pitchFamily="18" charset="0"/>
+                      </a:endParaRPr>
+                    </a:p>
+                  </a:txBody>
+                  <a:tcPr/>
+                </a:tc>
+                <a:tc>
+                  <a:txBody>
+                    <a:bodyPr/>
+                    <a:lstStyle/>
+                    <a:p>
+                      <a:pPr algn="ctr"/>
+                      <a:r>
+                        <a:rPr lang="en-US">
+                          <a:latin typeface="Times New Roman" panose="02020603050405020304" pitchFamily="18" charset="0"/>
+                          <a:cs typeface="Times New Roman" panose="02020603050405020304" pitchFamily="18" charset="0"/>
+                        </a:rPr>
+                        <a:t>Đánh giá</a:t>
+                      </a:r>
+                    </a:p>
+                  </a:txBody>
+                  <a:tcPr/>
+                </a:tc>
+                <a:extLst>
+                  <a:ext uri="{0D108BD9-81ED-4DB2-BD59-A6C34878D82A}">
+                    <a16:rowId xmlns:a16="http://schemas.microsoft.com/office/drawing/2014/main" val="2071844936"/>
+                  </a:ext>
+                </a:extLst>
+              </a:tr>
+              <a:tr h="370840">
+                <a:tc>
+                  <a:txBody>
+                    <a:bodyPr/>
+                    <a:lstStyle/>
+                    <a:p>
+                      <a:pPr algn="ctr"/>
+                      <a:r>
+                        <a:rPr lang="en-US"/>
+                        <a:t>1</a:t>
+                      </a:r>
+                      <a:endParaRPr lang="en-US">
+                        <a:latin typeface="Times New Roman" panose="02020603050405020304" pitchFamily="18" charset="0"/>
+                        <a:cs typeface="Times New Roman" panose="02020603050405020304" pitchFamily="18" charset="0"/>
+                      </a:endParaRPr>
+                    </a:p>
+                  </a:txBody>
+                  <a:tcPr/>
+                </a:tc>
+                <a:tc>
+                  <a:txBody>
+                    <a:bodyPr/>
+                    <a:lstStyle/>
+                    <a:p>
+                      <a:r>
+                        <a:rPr lang="en-US">
+                          <a:latin typeface="Times New Roman" panose="02020603050405020304" pitchFamily="18" charset="0"/>
+                          <a:cs typeface="Times New Roman" panose="02020603050405020304" pitchFamily="18" charset="0"/>
+                        </a:rPr>
+                        <a:t>Cài đặt lớp SingleFoodSearchProblem</a:t>
+                      </a:r>
+                    </a:p>
+                  </a:txBody>
+                  <a:tcPr/>
+                </a:tc>
+                <a:tc>
+                  <a:txBody>
+                    <a:bodyPr/>
+                    <a:lstStyle/>
+                    <a:p>
+                      <a:pPr algn="ctr"/>
+                      <a:r>
+                        <a:rPr lang="en-US">
+                          <a:latin typeface="Times New Roman" panose="02020603050405020304" pitchFamily="18" charset="0"/>
+                          <a:cs typeface="Times New Roman" panose="02020603050405020304" pitchFamily="18" charset="0"/>
+                        </a:rPr>
+                        <a:t>Phúc</a:t>
+                      </a:r>
+                    </a:p>
+                  </a:txBody>
+                  <a:tcPr/>
+                </a:tc>
+                <a:tc>
+                  <a:txBody>
+                    <a:bodyPr/>
+                    <a:lstStyle/>
+                    <a:p>
+                      <a:pPr algn="ctr"/>
+                      <a:endParaRPr lang="en-US">
+                        <a:latin typeface="Times New Roman" panose="02020603050405020304" pitchFamily="18" charset="0"/>
+                        <a:cs typeface="Times New Roman" panose="02020603050405020304" pitchFamily="18" charset="0"/>
+                      </a:endParaRPr>
+                    </a:p>
+                  </a:txBody>
+                  <a:tcPr/>
+                </a:tc>
+                <a:extLst>
+                  <a:ext uri="{0D108BD9-81ED-4DB2-BD59-A6C34878D82A}">
+                    <a16:rowId xmlns:a16="http://schemas.microsoft.com/office/drawing/2014/main" val="583184748"/>
+                  </a:ext>
+                </a:extLst>
+              </a:tr>
+              <a:tr h="370840">
+                <a:tc>
+                  <a:txBody>
+                    <a:bodyPr/>
+                    <a:lstStyle/>
+                    <a:p>
+                      <a:pPr algn="ctr"/>
+                      <a:r>
+                        <a:rPr lang="en-US"/>
+                        <a:t>2</a:t>
+                      </a:r>
+                      <a:endParaRPr lang="en-US">
+                        <a:latin typeface="Times New Roman" panose="02020603050405020304" pitchFamily="18" charset="0"/>
+                        <a:cs typeface="Times New Roman" panose="02020603050405020304" pitchFamily="18" charset="0"/>
+                      </a:endParaRPr>
+                    </a:p>
+                  </a:txBody>
+                  <a:tcPr/>
+                </a:tc>
+                <a:tc>
+                  <a:txBody>
+                    <a:bodyPr/>
+                    <a:lstStyle/>
+                    <a:p>
+                      <a:r>
+                        <a:rPr lang="en-US">
+                          <a:latin typeface="Times New Roman" panose="02020603050405020304" pitchFamily="18" charset="0"/>
+                          <a:cs typeface="Times New Roman" panose="02020603050405020304" pitchFamily="18" charset="0"/>
+                        </a:rPr>
+                        <a:t>Cài đặt các cấu trúc dữ liệu</a:t>
+                      </a:r>
+                    </a:p>
+                  </a:txBody>
+                  <a:tcPr/>
+                </a:tc>
+                <a:tc>
+                  <a:txBody>
+                    <a:bodyPr/>
+                    <a:lstStyle/>
+                    <a:p>
+                      <a:pPr algn="ctr"/>
+                      <a:r>
+                        <a:rPr lang="en-US">
+                          <a:latin typeface="Times New Roman" panose="02020603050405020304" pitchFamily="18" charset="0"/>
+                          <a:cs typeface="Times New Roman" panose="02020603050405020304" pitchFamily="18" charset="0"/>
+                        </a:rPr>
+                        <a:t>Nghĩa</a:t>
+                      </a:r>
+                    </a:p>
+                  </a:txBody>
+                  <a:tcPr/>
+                </a:tc>
+                <a:tc>
+                  <a:txBody>
+                    <a:bodyPr/>
+                    <a:lstStyle/>
+                    <a:p>
+                      <a:pPr algn="ctr"/>
+                      <a:endParaRPr lang="en-US">
+                        <a:latin typeface="Times New Roman" panose="02020603050405020304" pitchFamily="18" charset="0"/>
+                        <a:cs typeface="Times New Roman" panose="02020603050405020304" pitchFamily="18" charset="0"/>
+                      </a:endParaRPr>
+                    </a:p>
+                  </a:txBody>
+                  <a:tcPr/>
+                </a:tc>
+                <a:extLst>
+                  <a:ext uri="{0D108BD9-81ED-4DB2-BD59-A6C34878D82A}">
+                    <a16:rowId xmlns:a16="http://schemas.microsoft.com/office/drawing/2014/main" val="3755525977"/>
+                  </a:ext>
+                </a:extLst>
+              </a:tr>
+              <a:tr h="370840">
+                <a:tc>
+                  <a:txBody>
+                    <a:bodyPr/>
+                    <a:lstStyle/>
+                    <a:p>
+                      <a:pPr algn="ctr"/>
+                      <a:r>
+                        <a:rPr lang="en-US"/>
+                        <a:t>3</a:t>
+                      </a:r>
+                      <a:endParaRPr lang="en-US">
+                        <a:latin typeface="Times New Roman" panose="02020603050405020304" pitchFamily="18" charset="0"/>
+                        <a:cs typeface="Times New Roman" panose="02020603050405020304" pitchFamily="18" charset="0"/>
+                      </a:endParaRPr>
+                    </a:p>
+                  </a:txBody>
+                  <a:tcPr/>
+                </a:tc>
+                <a:tc>
+                  <a:txBody>
+                    <a:bodyPr/>
+                    <a:lstStyle/>
+                    <a:p>
+                      <a:r>
+                        <a:rPr lang="en-US">
+                          <a:latin typeface="Times New Roman" panose="02020603050405020304" pitchFamily="18" charset="0"/>
+                          <a:cs typeface="Times New Roman" panose="02020603050405020304" pitchFamily="18" charset="0"/>
+                        </a:rPr>
+                        <a:t>Breadth-first search</a:t>
+                      </a:r>
+                    </a:p>
+                  </a:txBody>
+                  <a:tcPr/>
+                </a:tc>
+                <a:tc>
+                  <a:txBody>
+                    <a:bodyPr/>
+                    <a:lstStyle/>
+                    <a:p>
+                      <a:pPr algn="ctr"/>
+                      <a:r>
+                        <a:rPr lang="en-US">
+                          <a:latin typeface="Times New Roman" panose="02020603050405020304" pitchFamily="18" charset="0"/>
+                          <a:cs typeface="Times New Roman" panose="02020603050405020304" pitchFamily="18" charset="0"/>
+                        </a:rPr>
+                        <a:t>Thịnh</a:t>
+                      </a:r>
+                    </a:p>
+                  </a:txBody>
+                  <a:tcPr/>
+                </a:tc>
+                <a:tc>
+                  <a:txBody>
+                    <a:bodyPr/>
+                    <a:lstStyle/>
+                    <a:p>
+                      <a:pPr algn="ctr"/>
+                      <a:endParaRPr lang="en-US">
+                        <a:latin typeface="Times New Roman" panose="02020603050405020304" pitchFamily="18" charset="0"/>
+                        <a:cs typeface="Times New Roman" panose="02020603050405020304" pitchFamily="18" charset="0"/>
+                      </a:endParaRPr>
+                    </a:p>
+                  </a:txBody>
+                  <a:tcPr/>
+                </a:tc>
+                <a:extLst>
+                  <a:ext uri="{0D108BD9-81ED-4DB2-BD59-A6C34878D82A}">
+                    <a16:rowId xmlns:a16="http://schemas.microsoft.com/office/drawing/2014/main" val="3872112437"/>
+                  </a:ext>
+                </a:extLst>
+              </a:tr>
+              <a:tr h="370840">
+                <a:tc>
+                  <a:txBody>
+                    <a:bodyPr/>
+                    <a:lstStyle/>
+                    <a:p>
+                      <a:pPr algn="ctr"/>
+                      <a:r>
+                        <a:rPr lang="en-US">
+                          <a:latin typeface="Times New Roman" panose="02020603050405020304" pitchFamily="18" charset="0"/>
+                          <a:cs typeface="Times New Roman" panose="02020603050405020304" pitchFamily="18" charset="0"/>
+                        </a:rPr>
+                        <a:t>4</a:t>
+                      </a:r>
+                    </a:p>
+                  </a:txBody>
+                  <a:tcPr/>
+                </a:tc>
+                <a:tc>
+                  <a:txBody>
+                    <a:bodyPr/>
+                    <a:lstStyle/>
+                    <a:p>
+                      <a:r>
+                        <a:rPr lang="en-US">
+                          <a:latin typeface="Times New Roman" panose="02020603050405020304" pitchFamily="18" charset="0"/>
+                          <a:cs typeface="Times New Roman" panose="02020603050405020304" pitchFamily="18" charset="0"/>
+                        </a:rPr>
+                        <a:t>Depth-first search</a:t>
+                      </a:r>
+                    </a:p>
+                  </a:txBody>
+                  <a:tcPr/>
+                </a:tc>
+                <a:tc>
+                  <a:txBody>
+                    <a:bodyPr/>
+                    <a:lstStyle/>
+                    <a:p>
+                      <a:pPr algn="ctr"/>
+                      <a:r>
+                        <a:rPr lang="en-US">
+                          <a:latin typeface="Times New Roman" panose="02020603050405020304" pitchFamily="18" charset="0"/>
+                          <a:cs typeface="Times New Roman" panose="02020603050405020304" pitchFamily="18" charset="0"/>
+                        </a:rPr>
+                        <a:t>Nghĩa</a:t>
+                      </a:r>
+                    </a:p>
+                  </a:txBody>
+                  <a:tcPr/>
+                </a:tc>
+                <a:tc>
+                  <a:txBody>
+                    <a:bodyPr/>
+                    <a:lstStyle/>
+                    <a:p>
+                      <a:pPr algn="ctr"/>
+                      <a:endParaRPr lang="en-US">
+                        <a:latin typeface="Times New Roman" panose="02020603050405020304" pitchFamily="18" charset="0"/>
+                        <a:cs typeface="Times New Roman" panose="02020603050405020304" pitchFamily="18" charset="0"/>
+                      </a:endParaRPr>
+                    </a:p>
+                  </a:txBody>
+                  <a:tcPr/>
+                </a:tc>
+                <a:extLst>
+                  <a:ext uri="{0D108BD9-81ED-4DB2-BD59-A6C34878D82A}">
+                    <a16:rowId xmlns:a16="http://schemas.microsoft.com/office/drawing/2014/main" val="3213766400"/>
+                  </a:ext>
+                </a:extLst>
+              </a:tr>
+              <a:tr h="370840">
+                <a:tc>
+                  <a:txBody>
+                    <a:bodyPr/>
+                    <a:lstStyle/>
+                    <a:p>
+                      <a:pPr algn="ctr"/>
+                      <a:r>
+                        <a:rPr lang="en-US">
+                          <a:latin typeface="Times New Roman" panose="02020603050405020304" pitchFamily="18" charset="0"/>
+                          <a:cs typeface="Times New Roman" panose="02020603050405020304" pitchFamily="18" charset="0"/>
+                        </a:rPr>
+                        <a:t>5</a:t>
+                      </a:r>
+                    </a:p>
+                  </a:txBody>
+                  <a:tcPr/>
+                </a:tc>
+                <a:tc>
+                  <a:txBody>
+                    <a:bodyPr/>
+                    <a:lstStyle/>
+                    <a:p>
+                      <a:r>
+                        <a:rPr lang="en-US">
+                          <a:latin typeface="Times New Roman" panose="02020603050405020304" pitchFamily="18" charset="0"/>
+                          <a:cs typeface="Times New Roman" panose="02020603050405020304" pitchFamily="18" charset="0"/>
+                        </a:rPr>
+                        <a:t>Uniform Cost Search</a:t>
+                      </a:r>
+                    </a:p>
+                  </a:txBody>
+                  <a:tcPr/>
+                </a:tc>
+                <a:tc>
+                  <a:txBody>
+                    <a:bodyPr/>
+                    <a:lstStyle/>
+                    <a:p>
+                      <a:pPr algn="ctr"/>
+                      <a:r>
+                        <a:rPr lang="en-US">
+                          <a:latin typeface="Times New Roman" panose="02020603050405020304" pitchFamily="18" charset="0"/>
+                          <a:cs typeface="Times New Roman" panose="02020603050405020304" pitchFamily="18" charset="0"/>
+                        </a:rPr>
+                        <a:t>Phúc</a:t>
+                      </a:r>
+                    </a:p>
+                  </a:txBody>
+                  <a:tcPr/>
+                </a:tc>
+                <a:tc>
+                  <a:txBody>
+                    <a:bodyPr/>
+                    <a:lstStyle/>
+                    <a:p>
+                      <a:pPr algn="ctr"/>
+                      <a:endParaRPr lang="en-US">
+                        <a:latin typeface="Times New Roman" panose="02020603050405020304" pitchFamily="18" charset="0"/>
+                        <a:cs typeface="Times New Roman" panose="02020603050405020304" pitchFamily="18" charset="0"/>
+                      </a:endParaRPr>
+                    </a:p>
+                  </a:txBody>
+                  <a:tcPr/>
+                </a:tc>
+                <a:extLst>
+                  <a:ext uri="{0D108BD9-81ED-4DB2-BD59-A6C34878D82A}">
+                    <a16:rowId xmlns:a16="http://schemas.microsoft.com/office/drawing/2014/main" val="2334336791"/>
+                  </a:ext>
+                </a:extLst>
+              </a:tr>
+              <a:tr h="370840">
+                <a:tc>
+                  <a:txBody>
+                    <a:bodyPr/>
+                    <a:lstStyle/>
+                    <a:p>
+                      <a:pPr algn="ctr"/>
+                      <a:r>
+                        <a:rPr lang="en-US">
+                          <a:latin typeface="Times New Roman" panose="02020603050405020304" pitchFamily="18" charset="0"/>
+                          <a:cs typeface="Times New Roman" panose="02020603050405020304" pitchFamily="18" charset="0"/>
+                        </a:rPr>
+                        <a:t>6</a:t>
+                      </a:r>
+                    </a:p>
+                  </a:txBody>
+                  <a:tcPr/>
+                </a:tc>
+                <a:tc>
+                  <a:txBody>
+                    <a:bodyPr/>
+                    <a:lstStyle/>
+                    <a:p>
+                      <a:r>
+                        <a:rPr lang="en-US">
+                          <a:latin typeface="Times New Roman" panose="02020603050405020304" pitchFamily="18" charset="0"/>
+                          <a:cs typeface="Times New Roman" panose="02020603050405020304" pitchFamily="18" charset="0"/>
+                        </a:rPr>
+                        <a:t>Cài đặt mini animate()</a:t>
+                      </a:r>
+                    </a:p>
+                  </a:txBody>
+                  <a:tcPr/>
+                </a:tc>
+                <a:tc>
+                  <a:txBody>
+                    <a:bodyPr/>
+                    <a:lstStyle/>
+                    <a:p>
+                      <a:pPr algn="ctr"/>
+                      <a:r>
+                        <a:rPr lang="en-US">
+                          <a:latin typeface="Times New Roman" panose="02020603050405020304" pitchFamily="18" charset="0"/>
+                          <a:cs typeface="Times New Roman" panose="02020603050405020304" pitchFamily="18" charset="0"/>
+                        </a:rPr>
+                        <a:t>Phúc</a:t>
+                      </a:r>
+                    </a:p>
+                  </a:txBody>
+                  <a:tcPr/>
+                </a:tc>
+                <a:tc>
+                  <a:txBody>
+                    <a:bodyPr/>
+                    <a:lstStyle/>
+                    <a:p>
+                      <a:pPr algn="ctr"/>
+                      <a:endParaRPr lang="en-US">
+                        <a:latin typeface="Times New Roman" panose="02020603050405020304" pitchFamily="18" charset="0"/>
+                        <a:cs typeface="Times New Roman" panose="02020603050405020304" pitchFamily="18" charset="0"/>
+                      </a:endParaRPr>
+                    </a:p>
+                  </a:txBody>
+                  <a:tcPr/>
+                </a:tc>
+                <a:extLst>
+                  <a:ext uri="{0D108BD9-81ED-4DB2-BD59-A6C34878D82A}">
+                    <a16:rowId xmlns:a16="http://schemas.microsoft.com/office/drawing/2014/main" val="4008920017"/>
+                  </a:ext>
+                </a:extLst>
+              </a:tr>
+              <a:tr h="370840">
+                <a:tc>
+                  <a:txBody>
+                    <a:bodyPr/>
+                    <a:lstStyle/>
+                    <a:p>
+                      <a:pPr algn="ctr"/>
+                      <a:r>
+                        <a:rPr lang="en-US">
+                          <a:latin typeface="Times New Roman" panose="02020603050405020304" pitchFamily="18" charset="0"/>
+                          <a:cs typeface="Times New Roman" panose="02020603050405020304" pitchFamily="18" charset="0"/>
+                        </a:rPr>
+                        <a:t>7</a:t>
+                      </a:r>
+                    </a:p>
+                  </a:txBody>
+                  <a:tcPr/>
+                </a:tc>
+                <a:tc>
+                  <a:txBody>
+                    <a:bodyPr/>
+                    <a:lstStyle/>
+                    <a:p>
+                      <a:r>
+                        <a:rPr lang="en-US">
+                          <a:latin typeface="Times New Roman" panose="02020603050405020304" pitchFamily="18" charset="0"/>
+                          <a:cs typeface="Times New Roman" panose="02020603050405020304" pitchFamily="18" charset="0"/>
+                        </a:rPr>
+                        <a:t>Tổng quát lên MultiFoodSearch</a:t>
+                      </a:r>
+                    </a:p>
+                  </a:txBody>
+                  <a:tcPr/>
+                </a:tc>
+                <a:tc>
+                  <a:txBody>
+                    <a:bodyPr/>
+                    <a:lstStyle/>
+                    <a:p>
+                      <a:pPr algn="ctr"/>
+                      <a:r>
+                        <a:rPr lang="en-US">
+                          <a:latin typeface="Times New Roman" panose="02020603050405020304" pitchFamily="18" charset="0"/>
+                          <a:cs typeface="Times New Roman" panose="02020603050405020304" pitchFamily="18" charset="0"/>
+                        </a:rPr>
+                        <a:t>Phúc</a:t>
+                      </a:r>
+                    </a:p>
+                  </a:txBody>
+                  <a:tcPr/>
+                </a:tc>
+                <a:tc>
+                  <a:txBody>
+                    <a:bodyPr/>
+                    <a:lstStyle/>
+                    <a:p>
+                      <a:pPr algn="ctr"/>
+                      <a:endParaRPr lang="en-US">
+                        <a:latin typeface="Times New Roman" panose="02020603050405020304" pitchFamily="18" charset="0"/>
+                        <a:cs typeface="Times New Roman" panose="02020603050405020304" pitchFamily="18" charset="0"/>
+                      </a:endParaRPr>
+                    </a:p>
+                  </a:txBody>
+                  <a:tcPr/>
+                </a:tc>
+                <a:extLst>
+                  <a:ext uri="{0D108BD9-81ED-4DB2-BD59-A6C34878D82A}">
+                    <a16:rowId xmlns:a16="http://schemas.microsoft.com/office/drawing/2014/main" val="2210842046"/>
+                  </a:ext>
+                </a:extLst>
+              </a:tr>
+              <a:tr h="370840">
+                <a:tc>
+                  <a:txBody>
+                    <a:bodyPr/>
+                    <a:lstStyle/>
+                    <a:p>
+                      <a:pPr algn="ctr"/>
+                      <a:r>
+                        <a:rPr lang="en-US">
+                          <a:latin typeface="Times New Roman" panose="02020603050405020304" pitchFamily="18" charset="0"/>
+                          <a:cs typeface="Times New Roman" panose="02020603050405020304" pitchFamily="18" charset="0"/>
+                        </a:rPr>
+                        <a:t>8</a:t>
+                      </a:r>
+                    </a:p>
+                  </a:txBody>
+                  <a:tcPr/>
+                </a:tc>
+                <a:tc>
+                  <a:txBody>
+                    <a:bodyPr/>
+                    <a:lstStyle/>
+                    <a:p>
+                      <a:r>
+                        <a:rPr lang="en-US">
+                          <a:latin typeface="Times New Roman" panose="02020603050405020304" pitchFamily="18" charset="0"/>
+                          <a:cs typeface="Times New Roman" panose="02020603050405020304" pitchFamily="18" charset="0"/>
+                        </a:rPr>
+                        <a:t>Tạo hàm Heurictic: Euclidean, Manhattan</a:t>
+                      </a:r>
+                    </a:p>
+                  </a:txBody>
+                  <a:tcPr/>
+                </a:tc>
+                <a:tc>
+                  <a:txBody>
+                    <a:bodyPr/>
+                    <a:lstStyle/>
+                    <a:p>
+                      <a:pPr algn="ctr"/>
+                      <a:r>
+                        <a:rPr lang="en-US">
+                          <a:latin typeface="Times New Roman" panose="02020603050405020304" pitchFamily="18" charset="0"/>
+                          <a:cs typeface="Times New Roman" panose="02020603050405020304" pitchFamily="18" charset="0"/>
+                        </a:rPr>
+                        <a:t>Nghĩa</a:t>
+                      </a:r>
+                    </a:p>
+                  </a:txBody>
+                  <a:tcPr/>
+                </a:tc>
+                <a:tc>
+                  <a:txBody>
+                    <a:bodyPr/>
+                    <a:lstStyle/>
+                    <a:p>
+                      <a:pPr algn="ctr"/>
+                      <a:endParaRPr lang="en-US">
+                        <a:latin typeface="Times New Roman" panose="02020603050405020304" pitchFamily="18" charset="0"/>
+                        <a:cs typeface="Times New Roman" panose="02020603050405020304" pitchFamily="18" charset="0"/>
+                      </a:endParaRPr>
+                    </a:p>
+                  </a:txBody>
+                  <a:tcPr/>
+                </a:tc>
+                <a:extLst>
+                  <a:ext uri="{0D108BD9-81ED-4DB2-BD59-A6C34878D82A}">
+                    <a16:rowId xmlns:a16="http://schemas.microsoft.com/office/drawing/2014/main" val="260274793"/>
+                  </a:ext>
+                </a:extLst>
+              </a:tr>
+              <a:tr h="370840">
+                <a:tc>
+                  <a:txBody>
+                    <a:bodyPr/>
+                    <a:lstStyle/>
+                    <a:p>
+                      <a:pPr algn="ctr"/>
+                      <a:r>
+                        <a:rPr lang="en-US">
+                          <a:latin typeface="Times New Roman" panose="02020603050405020304" pitchFamily="18" charset="0"/>
+                          <a:cs typeface="Times New Roman" panose="02020603050405020304" pitchFamily="18" charset="0"/>
+                        </a:rPr>
+                        <a:t>9</a:t>
+                      </a:r>
+                    </a:p>
+                  </a:txBody>
+                  <a:tcPr/>
+                </a:tc>
+                <a:tc>
+                  <a:txBody>
+                    <a:bodyPr/>
+                    <a:lstStyle/>
+                    <a:p>
+                      <a:pPr algn="just"/>
+                      <a:r>
+                        <a:rPr lang="en-US">
+                          <a:latin typeface="Times New Roman" panose="02020603050405020304" pitchFamily="18" charset="0"/>
+                          <a:cs typeface="Times New Roman" panose="02020603050405020304" pitchFamily="18" charset="0"/>
+                        </a:rPr>
+                        <a:t>Tạo hàm Heurictic cho MultiFoodSearchProblem</a:t>
+                      </a:r>
+                    </a:p>
+                  </a:txBody>
+                  <a:tcPr/>
+                </a:tc>
+                <a:tc>
+                  <a:txBody>
+                    <a:bodyPr/>
+                    <a:lstStyle/>
+                    <a:p>
+                      <a:pPr algn="ctr"/>
+                      <a:endParaRPr lang="en-US">
+                        <a:latin typeface="Times New Roman" panose="02020603050405020304" pitchFamily="18" charset="0"/>
+                        <a:cs typeface="Times New Roman" panose="02020603050405020304" pitchFamily="18" charset="0"/>
+                      </a:endParaRPr>
+                    </a:p>
+                  </a:txBody>
+                  <a:tcPr/>
+                </a:tc>
+                <a:tc>
+                  <a:txBody>
+                    <a:bodyPr/>
+                    <a:lstStyle/>
+                    <a:p>
+                      <a:pPr algn="ctr"/>
+                      <a:endParaRPr lang="en-US">
+                        <a:latin typeface="Times New Roman" panose="02020603050405020304" pitchFamily="18" charset="0"/>
+                        <a:cs typeface="Times New Roman" panose="02020603050405020304" pitchFamily="18" charset="0"/>
+                      </a:endParaRPr>
+                    </a:p>
+                  </a:txBody>
+                  <a:tcPr/>
+                </a:tc>
+                <a:extLst>
+                  <a:ext uri="{0D108BD9-81ED-4DB2-BD59-A6C34878D82A}">
+                    <a16:rowId xmlns:a16="http://schemas.microsoft.com/office/drawing/2014/main" val="2893844193"/>
+                  </a:ext>
+                </a:extLst>
+              </a:tr>
+              <a:tr h="370840">
+                <a:tc>
+                  <a:txBody>
+                    <a:bodyPr/>
+                    <a:lstStyle/>
+                    <a:p>
+                      <a:pPr algn="ctr"/>
+                      <a:r>
+                        <a:rPr lang="en-US">
+                          <a:latin typeface="Times New Roman" panose="02020603050405020304" pitchFamily="18" charset="0"/>
+                          <a:cs typeface="Times New Roman" panose="02020603050405020304" pitchFamily="18" charset="0"/>
+                        </a:rPr>
+                        <a:t>10</a:t>
+                      </a:r>
+                    </a:p>
+                  </a:txBody>
+                  <a:tcPr/>
+                </a:tc>
+                <a:tc>
+                  <a:txBody>
+                    <a:bodyPr/>
+                    <a:lstStyle/>
+                    <a:p>
+                      <a:r>
+                        <a:rPr lang="en-US">
+                          <a:latin typeface="Times New Roman" panose="02020603050405020304" pitchFamily="18" charset="0"/>
+                          <a:cs typeface="Times New Roman" panose="02020603050405020304" pitchFamily="18" charset="0"/>
+                        </a:rPr>
+                        <a:t>Định nghĩa A*</a:t>
+                      </a:r>
+                    </a:p>
+                  </a:txBody>
+                  <a:tcPr/>
+                </a:tc>
+                <a:tc>
+                  <a:txBody>
+                    <a:bodyPr/>
+                    <a:lstStyle/>
+                    <a:p>
+                      <a:pPr algn="ctr"/>
+                      <a:endParaRPr lang="en-US">
+                        <a:latin typeface="Times New Roman" panose="02020603050405020304" pitchFamily="18" charset="0"/>
+                        <a:cs typeface="Times New Roman" panose="02020603050405020304" pitchFamily="18" charset="0"/>
+                      </a:endParaRPr>
+                    </a:p>
+                  </a:txBody>
+                  <a:tcPr/>
+                </a:tc>
+                <a:tc>
+                  <a:txBody>
+                    <a:bodyPr/>
+                    <a:lstStyle/>
+                    <a:p>
+                      <a:pPr algn="ctr"/>
+                      <a:endParaRPr lang="en-US">
+                        <a:latin typeface="Times New Roman" panose="02020603050405020304" pitchFamily="18" charset="0"/>
+                        <a:cs typeface="Times New Roman" panose="02020603050405020304" pitchFamily="18" charset="0"/>
+                      </a:endParaRPr>
+                    </a:p>
+                  </a:txBody>
+                  <a:tcPr/>
+                </a:tc>
+                <a:extLst>
+                  <a:ext uri="{0D108BD9-81ED-4DB2-BD59-A6C34878D82A}">
+                    <a16:rowId xmlns:a16="http://schemas.microsoft.com/office/drawing/2014/main" val="1111693439"/>
+                  </a:ext>
+                </a:extLst>
+              </a:tr>
+            </a:tbl>
+          </a:graphicData>
+        </a:graphic>
+      </p:graphicFrame>
+      <p:cxnSp>
+        <p:nvCxnSpPr>
+          <p:cNvPr id="2" name="Straight Connector 1">
+            <a:extLst>
+              <a:ext uri="{FF2B5EF4-FFF2-40B4-BE49-F238E27FC236}">
+                <a16:creationId xmlns:a16="http://schemas.microsoft.com/office/drawing/2014/main" id="{D5E91735-6F4E-1EBB-5B25-60BB71493CFD}"/>
+              </a:ext>
+            </a:extLst>
+          </p:cNvPr>
+          <p:cNvCxnSpPr>
+            <a:cxnSpLocks/>
+          </p:cNvCxnSpPr>
+          <p:nvPr/>
+        </p:nvCxnSpPr>
+        <p:spPr>
+          <a:xfrm>
+            <a:off x="4752975" y="6238875"/>
+            <a:ext cx="4286250" cy="0"/>
+          </a:xfrm>
+          <a:prstGeom prst="line">
+            <a:avLst/>
+          </a:prstGeom>
+        </p:spPr>
+        <p:style>
+          <a:lnRef idx="1">
+            <a:schemeClr val="accent1"/>
+          </a:lnRef>
+          <a:fillRef idx="0">
+            <a:schemeClr val="accent1"/>
+          </a:fillRef>
+          <a:effectRef idx="0">
+            <a:schemeClr val="accent1"/>
+          </a:effectRef>
+          <a:fontRef idx="minor">
+            <a:schemeClr val="tx1"/>
+          </a:fontRef>
+        </p:style>
+      </p:cxnSp>
+      <p:sp>
+        <p:nvSpPr>
+          <p:cNvPr id="3" name="TextBox 2">
+            <a:extLst>
+              <a:ext uri="{FF2B5EF4-FFF2-40B4-BE49-F238E27FC236}">
+                <a16:creationId xmlns:a16="http://schemas.microsoft.com/office/drawing/2014/main" id="{96D15035-7BD4-17B1-61CC-73A16FAB9E8C}"/>
+              </a:ext>
+            </a:extLst>
+          </p:cNvPr>
+          <p:cNvSpPr txBox="1"/>
+          <p:nvPr/>
+        </p:nvSpPr>
+        <p:spPr>
+          <a:xfrm>
+            <a:off x="7753350" y="6336334"/>
+            <a:ext cx="1285874" cy="369332"/>
+          </a:xfrm>
+          <a:prstGeom prst="rect">
+            <a:avLst/>
+          </a:prstGeom>
+          <a:noFill/>
+        </p:spPr>
+        <p:txBody>
+          <a:bodyPr wrap="square" rtlCol="0">
+            <a:spAutoFit/>
+          </a:bodyPr>
+          <a:lstStyle/>
+          <a:p>
+            <a:r>
+              <a:rPr lang="en-US"/>
+              <a:t>Trang 1</a:t>
+            </a:r>
+          </a:p>
+        </p:txBody>
+      </p:sp>
+    </p:spTree>
+    <p:extLst>
+      <p:ext uri="{BB962C8B-B14F-4D97-AF65-F5344CB8AC3E}">
+        <p14:creationId xmlns:p14="http://schemas.microsoft.com/office/powerpoint/2010/main" val="779292092"/>
+      </p:ext>
+    </p:extLst>
+  </p:cSld>
+  <p:clrMapOvr>
+    <a:masterClrMapping/>
+  </p:clrMapOvr>
+</p:sld>
+</file>
+
+<file path=ppt/slides/slide20.xml><?xml version="1.0" encoding="utf-8"?>
 <p:sld xmlns:a="http://schemas.openxmlformats.org/drawingml/2006/main" xmlns:r="http://schemas.openxmlformats.org/officeDocument/2006/relationships" xmlns:p="http://schemas.openxmlformats.org/presentationml/2006/main">
   <p:cSld>
     <p:spTree>
@@ -6924,6 +11388,79 @@
           </a:p>
         </p:txBody>
       </p:sp>
+      <p:cxnSp>
+        <p:nvCxnSpPr>
+          <p:cNvPr id="2" name="Straight Connector 1">
+            <a:extLst>
+              <a:ext uri="{FF2B5EF4-FFF2-40B4-BE49-F238E27FC236}">
+                <a16:creationId xmlns:a16="http://schemas.microsoft.com/office/drawing/2014/main" id="{D42DA17F-60A5-AE4F-3CF5-1D8ED68A7208}"/>
+              </a:ext>
+            </a:extLst>
+          </p:cNvPr>
+          <p:cNvCxnSpPr>
+            <a:cxnSpLocks/>
+          </p:cNvCxnSpPr>
+          <p:nvPr/>
+        </p:nvCxnSpPr>
+        <p:spPr>
+          <a:xfrm>
+            <a:off x="4752975" y="6238875"/>
+            <a:ext cx="4286250" cy="0"/>
+          </a:xfrm>
+          <a:prstGeom prst="line">
+            <a:avLst/>
+          </a:prstGeom>
+        </p:spPr>
+        <p:style>
+          <a:lnRef idx="1">
+            <a:schemeClr val="accent1"/>
+          </a:lnRef>
+          <a:fillRef idx="0">
+            <a:schemeClr val="accent1"/>
+          </a:fillRef>
+          <a:effectRef idx="0">
+            <a:schemeClr val="accent1"/>
+          </a:effectRef>
+          <a:fontRef idx="minor">
+            <a:schemeClr val="tx1"/>
+          </a:fontRef>
+        </p:style>
+      </p:cxnSp>
+      <p:sp>
+        <p:nvSpPr>
+          <p:cNvPr id="6" name="TextBox 5">
+            <a:extLst>
+              <a:ext uri="{FF2B5EF4-FFF2-40B4-BE49-F238E27FC236}">
+                <a16:creationId xmlns:a16="http://schemas.microsoft.com/office/drawing/2014/main" id="{2562B724-D426-FE46-6638-FB3781266C15}"/>
+              </a:ext>
+            </a:extLst>
+          </p:cNvPr>
+          <p:cNvSpPr txBox="1"/>
+          <p:nvPr/>
+        </p:nvSpPr>
+        <p:spPr>
+          <a:xfrm>
+            <a:off x="7753350" y="6336334"/>
+            <a:ext cx="1285874" cy="369332"/>
+          </a:xfrm>
+          <a:prstGeom prst="rect">
+            <a:avLst/>
+          </a:prstGeom>
+          <a:noFill/>
+        </p:spPr>
+        <p:txBody>
+          <a:bodyPr wrap="square" rtlCol="0">
+            <a:spAutoFit/>
+          </a:bodyPr>
+          <a:lstStyle/>
+          <a:p>
+            <a:r>
+              <a:rPr lang="en-US"/>
+              <a:t>Trang 1</a:t>
+            </a:r>
+          </a:p>
+        </p:txBody>
+      </p:sp>
     </p:spTree>
     <p:extLst>
       <p:ext uri="{BB962C8B-B14F-4D97-AF65-F5344CB8AC3E}">
@@ -6937,7 +11474,7 @@
 </p:sld>
 </file>
 
-<file path=ppt/slides/slide17.xml><?xml version="1.0" encoding="utf-8"?>
+<file path=ppt/slides/slide21.xml><?xml version="1.0" encoding="utf-8"?>
 <p:sld xmlns:a="http://schemas.openxmlformats.org/drawingml/2006/main" xmlns:r="http://schemas.openxmlformats.org/officeDocument/2006/relationships" xmlns:p="http://schemas.openxmlformats.org/presentationml/2006/main">
   <p:cSld>
     <p:spTree>
@@ -7109,6 +11646,79 @@
           </a:p>
         </p:txBody>
       </p:sp>
+      <p:cxnSp>
+        <p:nvCxnSpPr>
+          <p:cNvPr id="3" name="Straight Connector 2">
+            <a:extLst>
+              <a:ext uri="{FF2B5EF4-FFF2-40B4-BE49-F238E27FC236}">
+                <a16:creationId xmlns:a16="http://schemas.microsoft.com/office/drawing/2014/main" id="{01D99BB4-E244-0C9E-63D6-F28CA9060656}"/>
+              </a:ext>
+            </a:extLst>
+          </p:cNvPr>
+          <p:cNvCxnSpPr>
+            <a:cxnSpLocks/>
+          </p:cNvCxnSpPr>
+          <p:nvPr/>
+        </p:nvCxnSpPr>
+        <p:spPr>
+          <a:xfrm>
+            <a:off x="4752975" y="6238875"/>
+            <a:ext cx="4286250" cy="0"/>
+          </a:xfrm>
+          <a:prstGeom prst="line">
+            <a:avLst/>
+          </a:prstGeom>
+        </p:spPr>
+        <p:style>
+          <a:lnRef idx="1">
+            <a:schemeClr val="accent1"/>
+          </a:lnRef>
+          <a:fillRef idx="0">
+            <a:schemeClr val="accent1"/>
+          </a:fillRef>
+          <a:effectRef idx="0">
+            <a:schemeClr val="accent1"/>
+          </a:effectRef>
+          <a:fontRef idx="minor">
+            <a:schemeClr val="tx1"/>
+          </a:fontRef>
+        </p:style>
+      </p:cxnSp>
+      <p:sp>
+        <p:nvSpPr>
+          <p:cNvPr id="5" name="TextBox 4">
+            <a:extLst>
+              <a:ext uri="{FF2B5EF4-FFF2-40B4-BE49-F238E27FC236}">
+                <a16:creationId xmlns:a16="http://schemas.microsoft.com/office/drawing/2014/main" id="{7E679B62-7EFE-6C17-20E7-5EFB751FBD73}"/>
+              </a:ext>
+            </a:extLst>
+          </p:cNvPr>
+          <p:cNvSpPr txBox="1"/>
+          <p:nvPr/>
+        </p:nvSpPr>
+        <p:spPr>
+          <a:xfrm>
+            <a:off x="7753350" y="6336334"/>
+            <a:ext cx="1285874" cy="369332"/>
+          </a:xfrm>
+          <a:prstGeom prst="rect">
+            <a:avLst/>
+          </a:prstGeom>
+          <a:noFill/>
+        </p:spPr>
+        <p:txBody>
+          <a:bodyPr wrap="square" rtlCol="0">
+            <a:spAutoFit/>
+          </a:bodyPr>
+          <a:lstStyle/>
+          <a:p>
+            <a:r>
+              <a:rPr lang="en-US"/>
+              <a:t>Trang 1</a:t>
+            </a:r>
+          </a:p>
+        </p:txBody>
+      </p:sp>
     </p:spTree>
     <p:extLst>
       <p:ext uri="{BB962C8B-B14F-4D97-AF65-F5344CB8AC3E}">
@@ -7122,7 +11732,7 @@
 </p:sld>
 </file>
 
-<file path=ppt/slides/slide18.xml><?xml version="1.0" encoding="utf-8"?>
+<file path=ppt/slides/slide22.xml><?xml version="1.0" encoding="utf-8"?>
 <p:sld xmlns:a="http://schemas.openxmlformats.org/drawingml/2006/main" xmlns:r="http://schemas.openxmlformats.org/officeDocument/2006/relationships" xmlns:p="http://schemas.openxmlformats.org/presentationml/2006/main">
   <p:cSld>
     <p:spTree>
@@ -7294,6 +11904,79 @@
           </a:p>
         </p:txBody>
       </p:sp>
+      <p:cxnSp>
+        <p:nvCxnSpPr>
+          <p:cNvPr id="3" name="Straight Connector 2">
+            <a:extLst>
+              <a:ext uri="{FF2B5EF4-FFF2-40B4-BE49-F238E27FC236}">
+                <a16:creationId xmlns:a16="http://schemas.microsoft.com/office/drawing/2014/main" id="{0793C2BD-0304-6397-AA72-38E3636506AC}"/>
+              </a:ext>
+            </a:extLst>
+          </p:cNvPr>
+          <p:cNvCxnSpPr>
+            <a:cxnSpLocks/>
+          </p:cNvCxnSpPr>
+          <p:nvPr/>
+        </p:nvCxnSpPr>
+        <p:spPr>
+          <a:xfrm>
+            <a:off x="4752975" y="6238875"/>
+            <a:ext cx="4286250" cy="0"/>
+          </a:xfrm>
+          <a:prstGeom prst="line">
+            <a:avLst/>
+          </a:prstGeom>
+        </p:spPr>
+        <p:style>
+          <a:lnRef idx="1">
+            <a:schemeClr val="accent1"/>
+          </a:lnRef>
+          <a:fillRef idx="0">
+            <a:schemeClr val="accent1"/>
+          </a:fillRef>
+          <a:effectRef idx="0">
+            <a:schemeClr val="accent1"/>
+          </a:effectRef>
+          <a:fontRef idx="minor">
+            <a:schemeClr val="tx1"/>
+          </a:fontRef>
+        </p:style>
+      </p:cxnSp>
+      <p:sp>
+        <p:nvSpPr>
+          <p:cNvPr id="5" name="TextBox 4">
+            <a:extLst>
+              <a:ext uri="{FF2B5EF4-FFF2-40B4-BE49-F238E27FC236}">
+                <a16:creationId xmlns:a16="http://schemas.microsoft.com/office/drawing/2014/main" id="{C9086857-A576-49DA-0719-5BEB9C24F20C}"/>
+              </a:ext>
+            </a:extLst>
+          </p:cNvPr>
+          <p:cNvSpPr txBox="1"/>
+          <p:nvPr/>
+        </p:nvSpPr>
+        <p:spPr>
+          <a:xfrm>
+            <a:off x="7753350" y="6336334"/>
+            <a:ext cx="1285874" cy="369332"/>
+          </a:xfrm>
+          <a:prstGeom prst="rect">
+            <a:avLst/>
+          </a:prstGeom>
+          <a:noFill/>
+        </p:spPr>
+        <p:txBody>
+          <a:bodyPr wrap="square" rtlCol="0">
+            <a:spAutoFit/>
+          </a:bodyPr>
+          <a:lstStyle/>
+          <a:p>
+            <a:r>
+              <a:rPr lang="en-US"/>
+              <a:t>Trang 1</a:t>
+            </a:r>
+          </a:p>
+        </p:txBody>
+      </p:sp>
     </p:spTree>
     <p:extLst>
       <p:ext uri="{BB962C8B-B14F-4D97-AF65-F5344CB8AC3E}">
@@ -7307,7 +11990,7 @@
 </p:sld>
 </file>
 
-<file path=ppt/slides/slide19.xml><?xml version="1.0" encoding="utf-8"?>
+<file path=ppt/slides/slide23.xml><?xml version="1.0" encoding="utf-8"?>
 <p:sld xmlns:a="http://schemas.openxmlformats.org/drawingml/2006/main" xmlns:r="http://schemas.openxmlformats.org/officeDocument/2006/relationships" xmlns:p="http://schemas.openxmlformats.org/presentationml/2006/main">
   <p:cSld>
     <p:spTree>
@@ -7707,89 +12390,12 @@
           </a:p>
         </p:txBody>
       </p:sp>
-    </p:spTree>
-    <p:extLst>
-      <p:ext uri="{BB962C8B-B14F-4D97-AF65-F5344CB8AC3E}">
-        <p14:creationId xmlns:p14="http://schemas.microsoft.com/office/powerpoint/2010/main" val="288851990"/>
-      </p:ext>
-    </p:extLst>
-  </p:cSld>
-  <p:clrMapOvr>
-    <a:masterClrMapping/>
-  </p:clrMapOvr>
-</p:sld>
-</file>
-
-<file path=ppt/slides/slide2.xml><?xml version="1.0" encoding="utf-8"?>
-<p:sld xmlns:a="http://schemas.openxmlformats.org/drawingml/2006/main" xmlns:r="http://schemas.openxmlformats.org/officeDocument/2006/relationships" xmlns:p="http://schemas.openxmlformats.org/presentationml/2006/main">
-  <p:cSld>
-    <p:spTree>
-      <p:nvGrpSpPr>
-        <p:cNvPr id="1" name=""/>
-        <p:cNvGrpSpPr/>
-        <p:nvPr/>
-      </p:nvGrpSpPr>
-      <p:grpSpPr>
-        <a:xfrm>
-          <a:off x="0" y="0"/>
-          <a:ext cx="0" cy="0"/>
-          <a:chOff x="0" y="0"/>
-          <a:chExt cx="0" cy="0"/>
-        </a:xfrm>
-      </p:grpSpPr>
-      <p:pic>
-        <p:nvPicPr>
-          <p:cNvPr id="1034" name="Picture 10">
-            <a:extLst>
-              <a:ext uri="{FF2B5EF4-FFF2-40B4-BE49-F238E27FC236}">
-                <a16:creationId xmlns:a16="http://schemas.microsoft.com/office/drawing/2014/main" id="{6F72484C-A752-76F3-F259-0A997B815A00}"/>
-              </a:ext>
-            </a:extLst>
-          </p:cNvPr>
-          <p:cNvPicPr>
-            <a:picLocks noChangeAspect="1" noChangeArrowheads="1"/>
-          </p:cNvPicPr>
-          <p:nvPr/>
-        </p:nvPicPr>
-        <p:blipFill>
-          <a:blip r:embed="rId2">
-            <a:extLst>
-              <a:ext uri="{28A0092B-C50C-407E-A947-70E740481C1C}">
-                <a14:useLocalDpi xmlns:a14="http://schemas.microsoft.com/office/drawing/2010/main" val="0"/>
-              </a:ext>
-            </a:extLst>
-          </a:blip>
-          <a:srcRect/>
-          <a:stretch>
-            <a:fillRect/>
-          </a:stretch>
-        </p:blipFill>
-        <p:spPr bwMode="auto">
-          <a:xfrm>
-            <a:off x="76200" y="119063"/>
-            <a:ext cx="1114424" cy="614791"/>
-          </a:xfrm>
-          <a:prstGeom prst="rect">
-            <a:avLst/>
-          </a:prstGeom>
-          <a:noFill/>
-          <a:extLst>
-            <a:ext uri="{909E8E84-426E-40DD-AFC4-6F175D3DCCD1}">
-              <a14:hiddenFill xmlns:a14="http://schemas.microsoft.com/office/drawing/2010/main">
-                <a:solidFill>
-                  <a:srgbClr val="FFFFFF"/>
-                </a:solidFill>
-              </a14:hiddenFill>
-            </a:ext>
-          </a:extLst>
-        </p:spPr>
-      </p:pic>
       <p:cxnSp>
         <p:nvCxnSpPr>
-          <p:cNvPr id="11" name="Straight Connector 10">
+          <p:cNvPr id="2" name="Straight Connector 1">
             <a:extLst>
               <a:ext uri="{FF2B5EF4-FFF2-40B4-BE49-F238E27FC236}">
-                <a16:creationId xmlns:a16="http://schemas.microsoft.com/office/drawing/2014/main" id="{E5C4A229-E185-5A4B-53B1-81D591292671}"/>
+                <a16:creationId xmlns:a16="http://schemas.microsoft.com/office/drawing/2014/main" id="{9C1236E6-E36B-726A-5DB7-9CAC65580E73}"/>
               </a:ext>
             </a:extLst>
           </p:cNvPr>
@@ -7800,8 +12406,8 @@
         </p:nvCxnSpPr>
         <p:spPr>
           <a:xfrm>
-            <a:off x="76200" y="847725"/>
-            <a:ext cx="7648575" cy="0"/>
+            <a:off x="4752975" y="6238875"/>
+            <a:ext cx="4286250" cy="0"/>
           </a:xfrm>
           <a:prstGeom prst="line">
             <a:avLst/>
@@ -7824,10 +12430,10 @@
       </p:cxnSp>
       <p:sp>
         <p:nvSpPr>
-          <p:cNvPr id="14" name="TextBox 13">
+          <p:cNvPr id="6" name="TextBox 5">
             <a:extLst>
               <a:ext uri="{FF2B5EF4-FFF2-40B4-BE49-F238E27FC236}">
-                <a16:creationId xmlns:a16="http://schemas.microsoft.com/office/drawing/2014/main" id="{63B4AB36-B54A-EA5C-2A74-F2C80BE0CBC4}"/>
+                <a16:creationId xmlns:a16="http://schemas.microsoft.com/office/drawing/2014/main" id="{FA80F292-9DC6-3B07-3494-F7CEDA19647D}"/>
               </a:ext>
             </a:extLst>
           </p:cNvPr>
@@ -7836,8 +12442,8 @@
         </p:nvSpPr>
         <p:spPr>
           <a:xfrm>
-            <a:off x="1390650" y="236792"/>
-            <a:ext cx="6362700" cy="369332"/>
+            <a:off x="7753350" y="6336334"/>
+            <a:ext cx="1285874" cy="369332"/>
           </a:xfrm>
           <a:prstGeom prst="rect">
             <a:avLst/>
@@ -7851,421 +12457,16 @@
           <a:lstStyle/>
           <a:p>
             <a:r>
-              <a:rPr lang="en-US" b="1"/>
-              <a:t>BẢNG PHÂN CÔNG CÔNG VIỆC</a:t>
+              <a:rPr lang="en-US"/>
+              <a:t>Trang 1</a:t>
             </a:r>
           </a:p>
         </p:txBody>
       </p:sp>
-      <p:graphicFrame>
-        <p:nvGraphicFramePr>
-          <p:cNvPr id="16" name="Table 16">
-            <a:extLst>
-              <a:ext uri="{FF2B5EF4-FFF2-40B4-BE49-F238E27FC236}">
-                <a16:creationId xmlns:a16="http://schemas.microsoft.com/office/drawing/2014/main" id="{A794B221-780B-3E0D-DCDE-B4B669AD1AE3}"/>
-              </a:ext>
-            </a:extLst>
-          </p:cNvPr>
-          <p:cNvGraphicFramePr>
-            <a:graphicFrameLocks noGrp="1"/>
-          </p:cNvGraphicFramePr>
-          <p:nvPr>
-            <p:extLst>
-              <p:ext uri="{D42A27DB-BD31-4B8C-83A1-F6EECF244321}">
-                <p14:modId xmlns:p14="http://schemas.microsoft.com/office/powerpoint/2010/main" val="3729506721"/>
-              </p:ext>
-            </p:extLst>
-          </p:nvPr>
-        </p:nvGraphicFramePr>
-        <p:xfrm>
-          <a:off x="626268" y="1383568"/>
-          <a:ext cx="7891464" cy="1854200"/>
-        </p:xfrm>
-        <a:graphic>
-          <a:graphicData uri="http://schemas.openxmlformats.org/drawingml/2006/table">
-            <a:tbl>
-              <a:tblPr firstRow="1" bandRow="1">
-                <a:tableStyleId>{F5AB1C69-6EDB-4FF4-983F-18BD219EF322}</a:tableStyleId>
-              </a:tblPr>
-              <a:tblGrid>
-                <a:gridCol w="478789">
-                  <a:extLst>
-                    <a:ext uri="{9D8B030D-6E8A-4147-A177-3AD203B41FA5}">
-                      <a16:colId xmlns:a16="http://schemas.microsoft.com/office/drawing/2014/main" val="2650038939"/>
-                    </a:ext>
-                  </a:extLst>
-                </a:gridCol>
-                <a:gridCol w="4324193">
-                  <a:extLst>
-                    <a:ext uri="{9D8B030D-6E8A-4147-A177-3AD203B41FA5}">
-                      <a16:colId xmlns:a16="http://schemas.microsoft.com/office/drawing/2014/main" val="3939429785"/>
-                    </a:ext>
-                  </a:extLst>
-                </a:gridCol>
-                <a:gridCol w="1885950">
-                  <a:extLst>
-                    <a:ext uri="{9D8B030D-6E8A-4147-A177-3AD203B41FA5}">
-                      <a16:colId xmlns:a16="http://schemas.microsoft.com/office/drawing/2014/main" val="1738762872"/>
-                    </a:ext>
-                  </a:extLst>
-                </a:gridCol>
-                <a:gridCol w="1202532">
-                  <a:extLst>
-                    <a:ext uri="{9D8B030D-6E8A-4147-A177-3AD203B41FA5}">
-                      <a16:colId xmlns:a16="http://schemas.microsoft.com/office/drawing/2014/main" val="3821170340"/>
-                    </a:ext>
-                  </a:extLst>
-                </a:gridCol>
-              </a:tblGrid>
-              <a:tr h="370840">
-                <a:tc>
-                  <a:txBody>
-                    <a:bodyPr/>
-                    <a:lstStyle/>
-                    <a:p>
-                      <a:pPr algn="ctr"/>
-                      <a:r>
-                        <a:rPr lang="en-US"/>
-                        <a:t>#</a:t>
-                      </a:r>
-                      <a:endParaRPr lang="en-US">
-                        <a:latin typeface="Times New Roman" panose="02020603050405020304" pitchFamily="18" charset="0"/>
-                        <a:cs typeface="Times New Roman" panose="02020603050405020304" pitchFamily="18" charset="0"/>
-                      </a:endParaRPr>
-                    </a:p>
-                  </a:txBody>
-                  <a:tcPr/>
-                </a:tc>
-                <a:tc>
-                  <a:txBody>
-                    <a:bodyPr/>
-                    <a:lstStyle/>
-                    <a:p>
-                      <a:pPr algn="ctr"/>
-                      <a:r>
-                        <a:rPr lang="en-US"/>
-                        <a:t>Công việc</a:t>
-                      </a:r>
-                      <a:endParaRPr lang="en-US">
-                        <a:latin typeface="Times New Roman" panose="02020603050405020304" pitchFamily="18" charset="0"/>
-                        <a:cs typeface="Times New Roman" panose="02020603050405020304" pitchFamily="18" charset="0"/>
-                      </a:endParaRPr>
-                    </a:p>
-                  </a:txBody>
-                  <a:tcPr/>
-                </a:tc>
-                <a:tc>
-                  <a:txBody>
-                    <a:bodyPr/>
-                    <a:lstStyle/>
-                    <a:p>
-                      <a:pPr algn="ctr"/>
-                      <a:r>
-                        <a:rPr lang="en-US"/>
-                        <a:t>Người thực hiện</a:t>
-                      </a:r>
-                      <a:endParaRPr lang="en-US">
-                        <a:latin typeface="Times New Roman" panose="02020603050405020304" pitchFamily="18" charset="0"/>
-                        <a:cs typeface="Times New Roman" panose="02020603050405020304" pitchFamily="18" charset="0"/>
-                      </a:endParaRPr>
-                    </a:p>
-                  </a:txBody>
-                  <a:tcPr/>
-                </a:tc>
-                <a:tc>
-                  <a:txBody>
-                    <a:bodyPr/>
-                    <a:lstStyle/>
-                    <a:p>
-                      <a:pPr algn="ctr"/>
-                      <a:r>
-                        <a:rPr lang="en-US">
-                          <a:latin typeface="Times New Roman" panose="02020603050405020304" pitchFamily="18" charset="0"/>
-                          <a:cs typeface="Times New Roman" panose="02020603050405020304" pitchFamily="18" charset="0"/>
-                        </a:rPr>
-                        <a:t>Đánh giá</a:t>
-                      </a:r>
-                    </a:p>
-                  </a:txBody>
-                  <a:tcPr/>
-                </a:tc>
-                <a:extLst>
-                  <a:ext uri="{0D108BD9-81ED-4DB2-BD59-A6C34878D82A}">
-                    <a16:rowId xmlns:a16="http://schemas.microsoft.com/office/drawing/2014/main" val="2071844936"/>
-                  </a:ext>
-                </a:extLst>
-              </a:tr>
-              <a:tr h="370840">
-                <a:tc>
-                  <a:txBody>
-                    <a:bodyPr/>
-                    <a:lstStyle/>
-                    <a:p>
-                      <a:pPr algn="ctr"/>
-                      <a:r>
-                        <a:rPr lang="en-US"/>
-                        <a:t>1</a:t>
-                      </a:r>
-                      <a:endParaRPr lang="en-US">
-                        <a:latin typeface="Times New Roman" panose="02020603050405020304" pitchFamily="18" charset="0"/>
-                        <a:cs typeface="Times New Roman" panose="02020603050405020304" pitchFamily="18" charset="0"/>
-                      </a:endParaRPr>
-                    </a:p>
-                  </a:txBody>
-                  <a:tcPr/>
-                </a:tc>
-                <a:tc>
-                  <a:txBody>
-                    <a:bodyPr/>
-                    <a:lstStyle/>
-                    <a:p>
-                      <a:endParaRPr lang="en-US">
-                        <a:latin typeface="Times New Roman" panose="02020603050405020304" pitchFamily="18" charset="0"/>
-                        <a:cs typeface="Times New Roman" panose="02020603050405020304" pitchFamily="18" charset="0"/>
-                      </a:endParaRPr>
-                    </a:p>
-                  </a:txBody>
-                  <a:tcPr/>
-                </a:tc>
-                <a:tc>
-                  <a:txBody>
-                    <a:bodyPr/>
-                    <a:lstStyle/>
-                    <a:p>
-                      <a:pPr algn="ctr"/>
-                      <a:endParaRPr lang="en-US">
-                        <a:latin typeface="Times New Roman" panose="02020603050405020304" pitchFamily="18" charset="0"/>
-                        <a:cs typeface="Times New Roman" panose="02020603050405020304" pitchFamily="18" charset="0"/>
-                      </a:endParaRPr>
-                    </a:p>
-                  </a:txBody>
-                  <a:tcPr/>
-                </a:tc>
-                <a:tc>
-                  <a:txBody>
-                    <a:bodyPr/>
-                    <a:lstStyle/>
-                    <a:p>
-                      <a:pPr algn="ctr"/>
-                      <a:endParaRPr lang="en-US">
-                        <a:latin typeface="Times New Roman" panose="02020603050405020304" pitchFamily="18" charset="0"/>
-                        <a:cs typeface="Times New Roman" panose="02020603050405020304" pitchFamily="18" charset="0"/>
-                      </a:endParaRPr>
-                    </a:p>
-                  </a:txBody>
-                  <a:tcPr/>
-                </a:tc>
-                <a:extLst>
-                  <a:ext uri="{0D108BD9-81ED-4DB2-BD59-A6C34878D82A}">
-                    <a16:rowId xmlns:a16="http://schemas.microsoft.com/office/drawing/2014/main" val="583184748"/>
-                  </a:ext>
-                </a:extLst>
-              </a:tr>
-              <a:tr h="370840">
-                <a:tc>
-                  <a:txBody>
-                    <a:bodyPr/>
-                    <a:lstStyle/>
-                    <a:p>
-                      <a:pPr algn="ctr"/>
-                      <a:r>
-                        <a:rPr lang="en-US"/>
-                        <a:t>2</a:t>
-                      </a:r>
-                      <a:endParaRPr lang="en-US">
-                        <a:latin typeface="Times New Roman" panose="02020603050405020304" pitchFamily="18" charset="0"/>
-                        <a:cs typeface="Times New Roman" panose="02020603050405020304" pitchFamily="18" charset="0"/>
-                      </a:endParaRPr>
-                    </a:p>
-                  </a:txBody>
-                  <a:tcPr/>
-                </a:tc>
-                <a:tc>
-                  <a:txBody>
-                    <a:bodyPr/>
-                    <a:lstStyle/>
-                    <a:p>
-                      <a:endParaRPr lang="en-US">
-                        <a:latin typeface="Times New Roman" panose="02020603050405020304" pitchFamily="18" charset="0"/>
-                        <a:cs typeface="Times New Roman" panose="02020603050405020304" pitchFamily="18" charset="0"/>
-                      </a:endParaRPr>
-                    </a:p>
-                  </a:txBody>
-                  <a:tcPr/>
-                </a:tc>
-                <a:tc>
-                  <a:txBody>
-                    <a:bodyPr/>
-                    <a:lstStyle/>
-                    <a:p>
-                      <a:pPr algn="ctr"/>
-                      <a:endParaRPr lang="en-US">
-                        <a:latin typeface="Times New Roman" panose="02020603050405020304" pitchFamily="18" charset="0"/>
-                        <a:cs typeface="Times New Roman" panose="02020603050405020304" pitchFamily="18" charset="0"/>
-                      </a:endParaRPr>
-                    </a:p>
-                  </a:txBody>
-                  <a:tcPr/>
-                </a:tc>
-                <a:tc>
-                  <a:txBody>
-                    <a:bodyPr/>
-                    <a:lstStyle/>
-                    <a:p>
-                      <a:pPr algn="ctr"/>
-                      <a:endParaRPr lang="en-US">
-                        <a:latin typeface="Times New Roman" panose="02020603050405020304" pitchFamily="18" charset="0"/>
-                        <a:cs typeface="Times New Roman" panose="02020603050405020304" pitchFamily="18" charset="0"/>
-                      </a:endParaRPr>
-                    </a:p>
-                  </a:txBody>
-                  <a:tcPr/>
-                </a:tc>
-                <a:extLst>
-                  <a:ext uri="{0D108BD9-81ED-4DB2-BD59-A6C34878D82A}">
-                    <a16:rowId xmlns:a16="http://schemas.microsoft.com/office/drawing/2014/main" val="3755525977"/>
-                  </a:ext>
-                </a:extLst>
-              </a:tr>
-              <a:tr h="370840">
-                <a:tc>
-                  <a:txBody>
-                    <a:bodyPr/>
-                    <a:lstStyle/>
-                    <a:p>
-                      <a:pPr algn="ctr"/>
-                      <a:r>
-                        <a:rPr lang="en-US"/>
-                        <a:t>3</a:t>
-                      </a:r>
-                      <a:endParaRPr lang="en-US">
-                        <a:latin typeface="Times New Roman" panose="02020603050405020304" pitchFamily="18" charset="0"/>
-                        <a:cs typeface="Times New Roman" panose="02020603050405020304" pitchFamily="18" charset="0"/>
-                      </a:endParaRPr>
-                    </a:p>
-                  </a:txBody>
-                  <a:tcPr/>
-                </a:tc>
-                <a:tc>
-                  <a:txBody>
-                    <a:bodyPr/>
-                    <a:lstStyle/>
-                    <a:p>
-                      <a:endParaRPr lang="en-US">
-                        <a:latin typeface="Times New Roman" panose="02020603050405020304" pitchFamily="18" charset="0"/>
-                        <a:cs typeface="Times New Roman" panose="02020603050405020304" pitchFamily="18" charset="0"/>
-                      </a:endParaRPr>
-                    </a:p>
-                  </a:txBody>
-                  <a:tcPr/>
-                </a:tc>
-                <a:tc>
-                  <a:txBody>
-                    <a:bodyPr/>
-                    <a:lstStyle/>
-                    <a:p>
-                      <a:pPr algn="ctr"/>
-                      <a:endParaRPr lang="en-US">
-                        <a:latin typeface="Times New Roman" panose="02020603050405020304" pitchFamily="18" charset="0"/>
-                        <a:cs typeface="Times New Roman" panose="02020603050405020304" pitchFamily="18" charset="0"/>
-                      </a:endParaRPr>
-                    </a:p>
-                  </a:txBody>
-                  <a:tcPr/>
-                </a:tc>
-                <a:tc>
-                  <a:txBody>
-                    <a:bodyPr/>
-                    <a:lstStyle/>
-                    <a:p>
-                      <a:pPr algn="ctr"/>
-                      <a:endParaRPr lang="en-US">
-                        <a:latin typeface="Times New Roman" panose="02020603050405020304" pitchFamily="18" charset="0"/>
-                        <a:cs typeface="Times New Roman" panose="02020603050405020304" pitchFamily="18" charset="0"/>
-                      </a:endParaRPr>
-                    </a:p>
-                  </a:txBody>
-                  <a:tcPr/>
-                </a:tc>
-                <a:extLst>
-                  <a:ext uri="{0D108BD9-81ED-4DB2-BD59-A6C34878D82A}">
-                    <a16:rowId xmlns:a16="http://schemas.microsoft.com/office/drawing/2014/main" val="3872112437"/>
-                  </a:ext>
-                </a:extLst>
-              </a:tr>
-              <a:tr h="370840">
-                <a:tc>
-                  <a:txBody>
-                    <a:bodyPr/>
-                    <a:lstStyle/>
-                    <a:p>
-                      <a:pPr algn="ctr"/>
-                      <a:r>
-                        <a:rPr lang="en-US">
-                          <a:latin typeface="Times New Roman" panose="02020603050405020304" pitchFamily="18" charset="0"/>
-                          <a:cs typeface="Times New Roman" panose="02020603050405020304" pitchFamily="18" charset="0"/>
-                        </a:rPr>
-                        <a:t>4</a:t>
-                      </a:r>
-                    </a:p>
-                  </a:txBody>
-                  <a:tcPr/>
-                </a:tc>
-                <a:tc>
-                  <a:txBody>
-                    <a:bodyPr/>
-                    <a:lstStyle/>
-                    <a:p>
-                      <a:endParaRPr lang="en-US">
-                        <a:latin typeface="Times New Roman" panose="02020603050405020304" pitchFamily="18" charset="0"/>
-                        <a:cs typeface="Times New Roman" panose="02020603050405020304" pitchFamily="18" charset="0"/>
-                      </a:endParaRPr>
-                    </a:p>
-                  </a:txBody>
-                  <a:tcPr/>
-                </a:tc>
-                <a:tc>
-                  <a:txBody>
-                    <a:bodyPr/>
-                    <a:lstStyle/>
-                    <a:p>
-                      <a:pPr algn="ctr"/>
-                      <a:endParaRPr lang="en-US">
-                        <a:latin typeface="Times New Roman" panose="02020603050405020304" pitchFamily="18" charset="0"/>
-                        <a:cs typeface="Times New Roman" panose="02020603050405020304" pitchFamily="18" charset="0"/>
-                      </a:endParaRPr>
-                    </a:p>
-                  </a:txBody>
-                  <a:tcPr/>
-                </a:tc>
-                <a:tc>
-                  <a:txBody>
-                    <a:bodyPr/>
-                    <a:lstStyle/>
-                    <a:p>
-                      <a:pPr algn="ctr"/>
-                      <a:endParaRPr lang="en-US">
-                        <a:latin typeface="Times New Roman" panose="02020603050405020304" pitchFamily="18" charset="0"/>
-                        <a:cs typeface="Times New Roman" panose="02020603050405020304" pitchFamily="18" charset="0"/>
-                      </a:endParaRPr>
-                    </a:p>
-                  </a:txBody>
-                  <a:tcPr/>
-                </a:tc>
-                <a:extLst>
-                  <a:ext uri="{0D108BD9-81ED-4DB2-BD59-A6C34878D82A}">
-                    <a16:rowId xmlns:a16="http://schemas.microsoft.com/office/drawing/2014/main" val="3213766400"/>
-                  </a:ext>
-                </a:extLst>
-              </a:tr>
-            </a:tbl>
-          </a:graphicData>
-        </a:graphic>
-      </p:graphicFrame>
     </p:spTree>
     <p:extLst>
       <p:ext uri="{BB962C8B-B14F-4D97-AF65-F5344CB8AC3E}">
-        <p14:creationId xmlns:p14="http://schemas.microsoft.com/office/powerpoint/2010/main" val="779292092"/>
+        <p14:creationId xmlns:p14="http://schemas.microsoft.com/office/powerpoint/2010/main" val="288851990"/>
       </p:ext>
     </p:extLst>
   </p:cSld>
@@ -8275,7 +12476,7 @@
 </p:sld>
 </file>
 
-<file path=ppt/slides/slide20.xml><?xml version="1.0" encoding="utf-8"?>
+<file path=ppt/slides/slide24.xml><?xml version="1.0" encoding="utf-8"?>
 <p:sld xmlns:a="http://schemas.openxmlformats.org/drawingml/2006/main" xmlns:r="http://schemas.openxmlformats.org/officeDocument/2006/relationships" xmlns:p="http://schemas.openxmlformats.org/presentationml/2006/main">
   <p:cSld>
     <p:spTree>
@@ -8849,6 +13050,79 @@
           </a:p>
         </p:txBody>
       </p:sp>
+      <p:cxnSp>
+        <p:nvCxnSpPr>
+          <p:cNvPr id="2" name="Straight Connector 1">
+            <a:extLst>
+              <a:ext uri="{FF2B5EF4-FFF2-40B4-BE49-F238E27FC236}">
+                <a16:creationId xmlns:a16="http://schemas.microsoft.com/office/drawing/2014/main" id="{E84DC22F-1018-3740-66B4-518AAE2387D5}"/>
+              </a:ext>
+            </a:extLst>
+          </p:cNvPr>
+          <p:cNvCxnSpPr>
+            <a:cxnSpLocks/>
+          </p:cNvCxnSpPr>
+          <p:nvPr/>
+        </p:nvCxnSpPr>
+        <p:spPr>
+          <a:xfrm>
+            <a:off x="4752975" y="6238875"/>
+            <a:ext cx="4286250" cy="0"/>
+          </a:xfrm>
+          <a:prstGeom prst="line">
+            <a:avLst/>
+          </a:prstGeom>
+        </p:spPr>
+        <p:style>
+          <a:lnRef idx="1">
+            <a:schemeClr val="accent1"/>
+          </a:lnRef>
+          <a:fillRef idx="0">
+            <a:schemeClr val="accent1"/>
+          </a:fillRef>
+          <a:effectRef idx="0">
+            <a:schemeClr val="accent1"/>
+          </a:effectRef>
+          <a:fontRef idx="minor">
+            <a:schemeClr val="tx1"/>
+          </a:fontRef>
+        </p:style>
+      </p:cxnSp>
+      <p:sp>
+        <p:nvSpPr>
+          <p:cNvPr id="6" name="TextBox 5">
+            <a:extLst>
+              <a:ext uri="{FF2B5EF4-FFF2-40B4-BE49-F238E27FC236}">
+                <a16:creationId xmlns:a16="http://schemas.microsoft.com/office/drawing/2014/main" id="{FD7465EC-84B6-406C-4864-45ADF9FB642F}"/>
+              </a:ext>
+            </a:extLst>
+          </p:cNvPr>
+          <p:cNvSpPr txBox="1"/>
+          <p:nvPr/>
+        </p:nvSpPr>
+        <p:spPr>
+          <a:xfrm>
+            <a:off x="7753350" y="6336334"/>
+            <a:ext cx="1285874" cy="369332"/>
+          </a:xfrm>
+          <a:prstGeom prst="rect">
+            <a:avLst/>
+          </a:prstGeom>
+          <a:noFill/>
+        </p:spPr>
+        <p:txBody>
+          <a:bodyPr wrap="square" rtlCol="0">
+            <a:spAutoFit/>
+          </a:bodyPr>
+          <a:lstStyle/>
+          <a:p>
+            <a:r>
+              <a:rPr lang="en-US"/>
+              <a:t>Trang 1</a:t>
+            </a:r>
+          </a:p>
+        </p:txBody>
+      </p:sp>
     </p:spTree>
     <p:extLst>
       <p:ext uri="{BB962C8B-B14F-4D97-AF65-F5344CB8AC3E}">
@@ -8862,7 +13136,7 @@
 </p:sld>
 </file>
 
-<file path=ppt/slides/slide21.xml><?xml version="1.0" encoding="utf-8"?>
+<file path=ppt/slides/slide25.xml><?xml version="1.0" encoding="utf-8"?>
 <p:sld xmlns:a="http://schemas.openxmlformats.org/drawingml/2006/main" xmlns:r="http://schemas.openxmlformats.org/officeDocument/2006/relationships" xmlns:p="http://schemas.openxmlformats.org/presentationml/2006/main">
   <p:cSld>
     <p:spTree>
@@ -9030,6 +13304,87 @@
             <a:r>
               <a:rPr lang="en-US" i="1"/>
               <a:t>REFER</a:t>
+            </a:r>
+          </a:p>
+        </p:txBody>
+      </p:sp>
+      <p:cxnSp>
+        <p:nvCxnSpPr>
+          <p:cNvPr id="3" name="Straight Connector 2">
+            <a:extLst>
+              <a:ext uri="{FF2B5EF4-FFF2-40B4-BE49-F238E27FC236}">
+                <a16:creationId xmlns:a16="http://schemas.microsoft.com/office/drawing/2014/main" id="{435823BE-9FB1-635E-7F74-DEA50A87D246}"/>
+              </a:ext>
+            </a:extLst>
+          </p:cNvPr>
+          <p:cNvCxnSpPr>
+            <a:cxnSpLocks/>
+          </p:cNvCxnSpPr>
+          <p:nvPr/>
+        </p:nvCxnSpPr>
+        <p:spPr>
+          <a:xfrm>
+            <a:off x="4752975" y="6238875"/>
+            <a:ext cx="4286250" cy="0"/>
+          </a:xfrm>
+          <a:prstGeom prst="line">
+            <a:avLst/>
+          </a:prstGeom>
+        </p:spPr>
+        <p:style>
+          <a:lnRef idx="1">
+            <a:schemeClr val="accent1"/>
+          </a:lnRef>
+          <a:fillRef idx="0">
+            <a:schemeClr val="accent1"/>
+          </a:fillRef>
+          <a:effectRef idx="0">
+            <a:schemeClr val="accent1"/>
+          </a:effectRef>
+          <a:fontRef idx="minor">
+            <a:schemeClr val="tx1"/>
+          </a:fontRef>
+        </p:style>
+      </p:cxnSp>
+      <p:sp>
+        <p:nvSpPr>
+          <p:cNvPr id="4" name="TextBox 3">
+            <a:extLst>
+              <a:ext uri="{FF2B5EF4-FFF2-40B4-BE49-F238E27FC236}">
+                <a16:creationId xmlns:a16="http://schemas.microsoft.com/office/drawing/2014/main" id="{CE933A1E-D43F-BDBC-88C5-FA719398A112}"/>
+              </a:ext>
+            </a:extLst>
+          </p:cNvPr>
+          <p:cNvSpPr txBox="1"/>
+          <p:nvPr/>
+        </p:nvSpPr>
+        <p:spPr>
+          <a:xfrm>
+            <a:off x="5524499" y="6336334"/>
+            <a:ext cx="3514725" cy="369332"/>
+          </a:xfrm>
+          <a:prstGeom prst="rect">
+            <a:avLst/>
+          </a:prstGeom>
+          <a:noFill/>
+        </p:spPr>
+        <p:txBody>
+          <a:bodyPr wrap="square" rtlCol="0">
+            <a:spAutoFit/>
+          </a:bodyPr>
+          <a:lstStyle/>
+          <a:p>
+            <a:r>
+              <a:rPr lang="en-US" b="1" i="1"/>
+              <a:t>AI © 2023 PBL </a:t>
+            </a:r>
+            <a:r>
+              <a:rPr lang="en-US" b="1"/>
+              <a:t>		</a:t>
+            </a:r>
+            <a:r>
+              <a:rPr lang="en-US"/>
+              <a:t>Trang 1</a:t>
             </a:r>
           </a:p>
         </p:txBody>
@@ -9179,7 +13534,7 @@
           <a:p>
             <a:r>
               <a:rPr lang="en-US" b="1"/>
-              <a:t>ĐÁNH GIÁ MỰC ĐỘ HOÀN THÀNH</a:t>
+              <a:t>BẢNG PHÂN CÔNG CÔNG VIỆC</a:t>
             </a:r>
           </a:p>
         </p:txBody>
@@ -9199,7 +13554,723 @@
           <p:nvPr>
             <p:extLst>
               <p:ext uri="{D42A27DB-BD31-4B8C-83A1-F6EECF244321}">
-                <p14:modId xmlns:p14="http://schemas.microsoft.com/office/powerpoint/2010/main" val="1417422330"/>
+                <p14:modId xmlns:p14="http://schemas.microsoft.com/office/powerpoint/2010/main" val="3065330574"/>
+              </p:ext>
+            </p:extLst>
+          </p:nvPr>
+        </p:nvGraphicFramePr>
+        <p:xfrm>
+          <a:off x="626268" y="1383568"/>
+          <a:ext cx="7891464" cy="2494280"/>
+        </p:xfrm>
+        <a:graphic>
+          <a:graphicData uri="http://schemas.openxmlformats.org/drawingml/2006/table">
+            <a:tbl>
+              <a:tblPr firstRow="1" bandRow="1">
+                <a:tableStyleId>{F5AB1C69-6EDB-4FF4-983F-18BD219EF322}</a:tableStyleId>
+              </a:tblPr>
+              <a:tblGrid>
+                <a:gridCol w="478789">
+                  <a:extLst>
+                    <a:ext uri="{9D8B030D-6E8A-4147-A177-3AD203B41FA5}">
+                      <a16:colId xmlns:a16="http://schemas.microsoft.com/office/drawing/2014/main" val="2650038939"/>
+                    </a:ext>
+                  </a:extLst>
+                </a:gridCol>
+                <a:gridCol w="4324193">
+                  <a:extLst>
+                    <a:ext uri="{9D8B030D-6E8A-4147-A177-3AD203B41FA5}">
+                      <a16:colId xmlns:a16="http://schemas.microsoft.com/office/drawing/2014/main" val="3939429785"/>
+                    </a:ext>
+                  </a:extLst>
+                </a:gridCol>
+                <a:gridCol w="1885950">
+                  <a:extLst>
+                    <a:ext uri="{9D8B030D-6E8A-4147-A177-3AD203B41FA5}">
+                      <a16:colId xmlns:a16="http://schemas.microsoft.com/office/drawing/2014/main" val="1738762872"/>
+                    </a:ext>
+                  </a:extLst>
+                </a:gridCol>
+                <a:gridCol w="1202532">
+                  <a:extLst>
+                    <a:ext uri="{9D8B030D-6E8A-4147-A177-3AD203B41FA5}">
+                      <a16:colId xmlns:a16="http://schemas.microsoft.com/office/drawing/2014/main" val="3821170340"/>
+                    </a:ext>
+                  </a:extLst>
+                </a:gridCol>
+              </a:tblGrid>
+              <a:tr h="370840">
+                <a:tc>
+                  <a:txBody>
+                    <a:bodyPr/>
+                    <a:lstStyle/>
+                    <a:p>
+                      <a:pPr algn="ctr"/>
+                      <a:r>
+                        <a:rPr lang="en-US"/>
+                        <a:t>#</a:t>
+                      </a:r>
+                      <a:endParaRPr lang="en-US">
+                        <a:latin typeface="Times New Roman" panose="02020603050405020304" pitchFamily="18" charset="0"/>
+                        <a:cs typeface="Times New Roman" panose="02020603050405020304" pitchFamily="18" charset="0"/>
+                      </a:endParaRPr>
+                    </a:p>
+                  </a:txBody>
+                  <a:tcPr/>
+                </a:tc>
+                <a:tc>
+                  <a:txBody>
+                    <a:bodyPr/>
+                    <a:lstStyle/>
+                    <a:p>
+                      <a:pPr algn="ctr"/>
+                      <a:r>
+                        <a:rPr lang="en-US"/>
+                        <a:t>Công việc</a:t>
+                      </a:r>
+                      <a:endParaRPr lang="en-US">
+                        <a:latin typeface="Times New Roman" panose="02020603050405020304" pitchFamily="18" charset="0"/>
+                        <a:cs typeface="Times New Roman" panose="02020603050405020304" pitchFamily="18" charset="0"/>
+                      </a:endParaRPr>
+                    </a:p>
+                  </a:txBody>
+                  <a:tcPr/>
+                </a:tc>
+                <a:tc>
+                  <a:txBody>
+                    <a:bodyPr/>
+                    <a:lstStyle/>
+                    <a:p>
+                      <a:pPr algn="ctr"/>
+                      <a:r>
+                        <a:rPr lang="en-US"/>
+                        <a:t>Người thực hiện</a:t>
+                      </a:r>
+                      <a:endParaRPr lang="en-US">
+                        <a:latin typeface="Times New Roman" panose="02020603050405020304" pitchFamily="18" charset="0"/>
+                        <a:cs typeface="Times New Roman" panose="02020603050405020304" pitchFamily="18" charset="0"/>
+                      </a:endParaRPr>
+                    </a:p>
+                  </a:txBody>
+                  <a:tcPr/>
+                </a:tc>
+                <a:tc>
+                  <a:txBody>
+                    <a:bodyPr/>
+                    <a:lstStyle/>
+                    <a:p>
+                      <a:pPr algn="ctr"/>
+                      <a:r>
+                        <a:rPr lang="en-US">
+                          <a:latin typeface="Times New Roman" panose="02020603050405020304" pitchFamily="18" charset="0"/>
+                          <a:cs typeface="Times New Roman" panose="02020603050405020304" pitchFamily="18" charset="0"/>
+                        </a:rPr>
+                        <a:t>Đánh giá</a:t>
+                      </a:r>
+                    </a:p>
+                  </a:txBody>
+                  <a:tcPr/>
+                </a:tc>
+                <a:extLst>
+                  <a:ext uri="{0D108BD9-81ED-4DB2-BD59-A6C34878D82A}">
+                    <a16:rowId xmlns:a16="http://schemas.microsoft.com/office/drawing/2014/main" val="2071844936"/>
+                  </a:ext>
+                </a:extLst>
+              </a:tr>
+              <a:tr h="370840">
+                <a:tc>
+                  <a:txBody>
+                    <a:bodyPr/>
+                    <a:lstStyle/>
+                    <a:p>
+                      <a:pPr algn="ctr"/>
+                      <a:r>
+                        <a:rPr lang="en-US">
+                          <a:latin typeface="Times New Roman" panose="02020603050405020304" pitchFamily="18" charset="0"/>
+                          <a:cs typeface="Times New Roman" panose="02020603050405020304" pitchFamily="18" charset="0"/>
+                        </a:rPr>
+                        <a:t>11</a:t>
+                      </a:r>
+                    </a:p>
+                  </a:txBody>
+                  <a:tcPr/>
+                </a:tc>
+                <a:tc>
+                  <a:txBody>
+                    <a:bodyPr/>
+                    <a:lstStyle/>
+                    <a:p>
+                      <a:pPr algn="just"/>
+                      <a:r>
+                        <a:rPr lang="en-US">
+                          <a:latin typeface="Times New Roman" panose="02020603050405020304" pitchFamily="18" charset="0"/>
+                          <a:cs typeface="Times New Roman" panose="02020603050405020304" pitchFamily="18" charset="0"/>
+                        </a:rPr>
+                        <a:t>Tổng quát hoá A* cho MultiFoodSearchProblem</a:t>
+                      </a:r>
+                    </a:p>
+                  </a:txBody>
+                  <a:tcPr/>
+                </a:tc>
+                <a:tc>
+                  <a:txBody>
+                    <a:bodyPr/>
+                    <a:lstStyle/>
+                    <a:p>
+                      <a:pPr algn="ctr"/>
+                      <a:endParaRPr lang="en-US">
+                        <a:latin typeface="Times New Roman" panose="02020603050405020304" pitchFamily="18" charset="0"/>
+                        <a:cs typeface="Times New Roman" panose="02020603050405020304" pitchFamily="18" charset="0"/>
+                      </a:endParaRPr>
+                    </a:p>
+                  </a:txBody>
+                  <a:tcPr/>
+                </a:tc>
+                <a:tc>
+                  <a:txBody>
+                    <a:bodyPr/>
+                    <a:lstStyle/>
+                    <a:p>
+                      <a:pPr algn="ctr"/>
+                      <a:endParaRPr lang="en-US">
+                        <a:latin typeface="Times New Roman" panose="02020603050405020304" pitchFamily="18" charset="0"/>
+                        <a:cs typeface="Times New Roman" panose="02020603050405020304" pitchFamily="18" charset="0"/>
+                      </a:endParaRPr>
+                    </a:p>
+                  </a:txBody>
+                  <a:tcPr/>
+                </a:tc>
+                <a:extLst>
+                  <a:ext uri="{0D108BD9-81ED-4DB2-BD59-A6C34878D82A}">
+                    <a16:rowId xmlns:a16="http://schemas.microsoft.com/office/drawing/2014/main" val="1193411750"/>
+                  </a:ext>
+                </a:extLst>
+              </a:tr>
+              <a:tr h="370840">
+                <a:tc>
+                  <a:txBody>
+                    <a:bodyPr/>
+                    <a:lstStyle/>
+                    <a:p>
+                      <a:pPr algn="ctr"/>
+                      <a:r>
+                        <a:rPr lang="en-US">
+                          <a:latin typeface="Times New Roman" panose="02020603050405020304" pitchFamily="18" charset="0"/>
+                          <a:cs typeface="Times New Roman" panose="02020603050405020304" pitchFamily="18" charset="0"/>
+                        </a:rPr>
+                        <a:t>12</a:t>
+                      </a:r>
+                    </a:p>
+                  </a:txBody>
+                  <a:tcPr/>
+                </a:tc>
+                <a:tc>
+                  <a:txBody>
+                    <a:bodyPr/>
+                    <a:lstStyle/>
+                    <a:p>
+                      <a:pPr algn="just"/>
+                      <a:r>
+                        <a:rPr lang="en-US">
+                          <a:latin typeface="Times New Roman" panose="02020603050405020304" pitchFamily="18" charset="0"/>
+                          <a:cs typeface="Times New Roman" panose="02020603050405020304" pitchFamily="18" charset="0"/>
+                        </a:rPr>
+                        <a:t>Định nghĩa GBFS</a:t>
+                      </a:r>
+                    </a:p>
+                  </a:txBody>
+                  <a:tcPr/>
+                </a:tc>
+                <a:tc>
+                  <a:txBody>
+                    <a:bodyPr/>
+                    <a:lstStyle/>
+                    <a:p>
+                      <a:pPr algn="ctr"/>
+                      <a:endParaRPr lang="en-US">
+                        <a:latin typeface="Times New Roman" panose="02020603050405020304" pitchFamily="18" charset="0"/>
+                        <a:cs typeface="Times New Roman" panose="02020603050405020304" pitchFamily="18" charset="0"/>
+                      </a:endParaRPr>
+                    </a:p>
+                  </a:txBody>
+                  <a:tcPr/>
+                </a:tc>
+                <a:tc>
+                  <a:txBody>
+                    <a:bodyPr/>
+                    <a:lstStyle/>
+                    <a:p>
+                      <a:pPr algn="ctr"/>
+                      <a:endParaRPr lang="en-US">
+                        <a:latin typeface="Times New Roman" panose="02020603050405020304" pitchFamily="18" charset="0"/>
+                        <a:cs typeface="Times New Roman" panose="02020603050405020304" pitchFamily="18" charset="0"/>
+                      </a:endParaRPr>
+                    </a:p>
+                  </a:txBody>
+                  <a:tcPr/>
+                </a:tc>
+                <a:extLst>
+                  <a:ext uri="{0D108BD9-81ED-4DB2-BD59-A6C34878D82A}">
+                    <a16:rowId xmlns:a16="http://schemas.microsoft.com/office/drawing/2014/main" val="3001519422"/>
+                  </a:ext>
+                </a:extLst>
+              </a:tr>
+              <a:tr h="370840">
+                <a:tc>
+                  <a:txBody>
+                    <a:bodyPr/>
+                    <a:lstStyle/>
+                    <a:p>
+                      <a:pPr algn="ctr"/>
+                      <a:r>
+                        <a:rPr lang="en-US">
+                          <a:latin typeface="Times New Roman" panose="02020603050405020304" pitchFamily="18" charset="0"/>
+                          <a:cs typeface="Times New Roman" panose="02020603050405020304" pitchFamily="18" charset="0"/>
+                        </a:rPr>
+                        <a:t>13</a:t>
+                      </a:r>
+                    </a:p>
+                  </a:txBody>
+                  <a:tcPr/>
+                </a:tc>
+                <a:tc>
+                  <a:txBody>
+                    <a:bodyPr/>
+                    <a:lstStyle/>
+                    <a:p>
+                      <a:pPr algn="just"/>
+                      <a:r>
+                        <a:rPr lang="en-US">
+                          <a:latin typeface="Times New Roman" panose="02020603050405020304" pitchFamily="18" charset="0"/>
+                          <a:cs typeface="Times New Roman" panose="02020603050405020304" pitchFamily="18" charset="0"/>
+                        </a:rPr>
+                        <a:t>Cài đặt lớp EightQueenProblem</a:t>
+                      </a:r>
+                    </a:p>
+                  </a:txBody>
+                  <a:tcPr/>
+                </a:tc>
+                <a:tc>
+                  <a:txBody>
+                    <a:bodyPr/>
+                    <a:lstStyle/>
+                    <a:p>
+                      <a:pPr algn="ctr"/>
+                      <a:r>
+                        <a:rPr lang="en-US">
+                          <a:latin typeface="Times New Roman" panose="02020603050405020304" pitchFamily="18" charset="0"/>
+                          <a:cs typeface="Times New Roman" panose="02020603050405020304" pitchFamily="18" charset="0"/>
+                        </a:rPr>
+                        <a:t>Nghĩa</a:t>
+                      </a:r>
+                    </a:p>
+                  </a:txBody>
+                  <a:tcPr/>
+                </a:tc>
+                <a:tc>
+                  <a:txBody>
+                    <a:bodyPr/>
+                    <a:lstStyle/>
+                    <a:p>
+                      <a:pPr algn="ctr"/>
+                      <a:endParaRPr lang="en-US">
+                        <a:latin typeface="Times New Roman" panose="02020603050405020304" pitchFamily="18" charset="0"/>
+                        <a:cs typeface="Times New Roman" panose="02020603050405020304" pitchFamily="18" charset="0"/>
+                      </a:endParaRPr>
+                    </a:p>
+                  </a:txBody>
+                  <a:tcPr/>
+                </a:tc>
+                <a:extLst>
+                  <a:ext uri="{0D108BD9-81ED-4DB2-BD59-A6C34878D82A}">
+                    <a16:rowId xmlns:a16="http://schemas.microsoft.com/office/drawing/2014/main" val="3273639930"/>
+                  </a:ext>
+                </a:extLst>
+              </a:tr>
+              <a:tr h="370840">
+                <a:tc>
+                  <a:txBody>
+                    <a:bodyPr/>
+                    <a:lstStyle/>
+                    <a:p>
+                      <a:pPr algn="ctr"/>
+                      <a:r>
+                        <a:rPr lang="en-US">
+                          <a:latin typeface="Times New Roman" panose="02020603050405020304" pitchFamily="18" charset="0"/>
+                          <a:cs typeface="Times New Roman" panose="02020603050405020304" pitchFamily="18" charset="0"/>
+                        </a:rPr>
+                        <a:t>14</a:t>
+                      </a:r>
+                    </a:p>
+                  </a:txBody>
+                  <a:tcPr/>
+                </a:tc>
+                <a:tc>
+                  <a:txBody>
+                    <a:bodyPr/>
+                    <a:lstStyle/>
+                    <a:p>
+                      <a:pPr algn="just"/>
+                      <a:r>
+                        <a:rPr lang="en-US">
+                          <a:latin typeface="Times New Roman" panose="02020603050405020304" pitchFamily="18" charset="0"/>
+                          <a:cs typeface="Times New Roman" panose="02020603050405020304" pitchFamily="18" charset="0"/>
+                        </a:rPr>
+                        <a:t>Cài đặt phương thức hill_climbing_search</a:t>
+                      </a:r>
+                    </a:p>
+                  </a:txBody>
+                  <a:tcPr/>
+                </a:tc>
+                <a:tc>
+                  <a:txBody>
+                    <a:bodyPr/>
+                    <a:lstStyle/>
+                    <a:p>
+                      <a:pPr algn="ctr"/>
+                      <a:r>
+                        <a:rPr lang="en-US">
+                          <a:latin typeface="Times New Roman" panose="02020603050405020304" pitchFamily="18" charset="0"/>
+                          <a:cs typeface="Times New Roman" panose="02020603050405020304" pitchFamily="18" charset="0"/>
+                        </a:rPr>
+                        <a:t>Nghĩa</a:t>
+                      </a:r>
+                    </a:p>
+                  </a:txBody>
+                  <a:tcPr/>
+                </a:tc>
+                <a:tc>
+                  <a:txBody>
+                    <a:bodyPr/>
+                    <a:lstStyle/>
+                    <a:p>
+                      <a:pPr algn="ctr"/>
+                      <a:endParaRPr lang="en-US">
+                        <a:latin typeface="Times New Roman" panose="02020603050405020304" pitchFamily="18" charset="0"/>
+                        <a:cs typeface="Times New Roman" panose="02020603050405020304" pitchFamily="18" charset="0"/>
+                      </a:endParaRPr>
+                    </a:p>
+                  </a:txBody>
+                  <a:tcPr/>
+                </a:tc>
+                <a:extLst>
+                  <a:ext uri="{0D108BD9-81ED-4DB2-BD59-A6C34878D82A}">
+                    <a16:rowId xmlns:a16="http://schemas.microsoft.com/office/drawing/2014/main" val="2869274761"/>
+                  </a:ext>
+                </a:extLst>
+              </a:tr>
+              <a:tr h="370840">
+                <a:tc>
+                  <a:txBody>
+                    <a:bodyPr/>
+                    <a:lstStyle/>
+                    <a:p>
+                      <a:pPr algn="ctr"/>
+                      <a:r>
+                        <a:rPr lang="en-US">
+                          <a:latin typeface="Times New Roman" panose="02020603050405020304" pitchFamily="18" charset="0"/>
+                          <a:cs typeface="Times New Roman" panose="02020603050405020304" pitchFamily="18" charset="0"/>
+                        </a:rPr>
+                        <a:t>15</a:t>
+                      </a:r>
+                    </a:p>
+                  </a:txBody>
+                  <a:tcPr/>
+                </a:tc>
+                <a:tc>
+                  <a:txBody>
+                    <a:bodyPr/>
+                    <a:lstStyle/>
+                    <a:p>
+                      <a:pPr algn="just"/>
+                      <a:r>
+                        <a:rPr lang="en-US">
+                          <a:latin typeface="Times New Roman" panose="02020603050405020304" pitchFamily="18" charset="0"/>
+                          <a:cs typeface="Times New Roman" panose="02020603050405020304" pitchFamily="18" charset="0"/>
+                        </a:rPr>
+                        <a:t>Viết nội dung</a:t>
+                      </a:r>
+                    </a:p>
+                  </a:txBody>
+                  <a:tcPr/>
+                </a:tc>
+                <a:tc>
+                  <a:txBody>
+                    <a:bodyPr/>
+                    <a:lstStyle/>
+                    <a:p>
+                      <a:pPr algn="ctr"/>
+                      <a:endParaRPr lang="en-US">
+                        <a:latin typeface="Times New Roman" panose="02020603050405020304" pitchFamily="18" charset="0"/>
+                        <a:cs typeface="Times New Roman" panose="02020603050405020304" pitchFamily="18" charset="0"/>
+                      </a:endParaRPr>
+                    </a:p>
+                  </a:txBody>
+                  <a:tcPr/>
+                </a:tc>
+                <a:tc>
+                  <a:txBody>
+                    <a:bodyPr/>
+                    <a:lstStyle/>
+                    <a:p>
+                      <a:pPr algn="ctr"/>
+                      <a:endParaRPr lang="en-US">
+                        <a:latin typeface="Times New Roman" panose="02020603050405020304" pitchFamily="18" charset="0"/>
+                        <a:cs typeface="Times New Roman" panose="02020603050405020304" pitchFamily="18" charset="0"/>
+                      </a:endParaRPr>
+                    </a:p>
+                  </a:txBody>
+                  <a:tcPr/>
+                </a:tc>
+                <a:extLst>
+                  <a:ext uri="{0D108BD9-81ED-4DB2-BD59-A6C34878D82A}">
+                    <a16:rowId xmlns:a16="http://schemas.microsoft.com/office/drawing/2014/main" val="984740882"/>
+                  </a:ext>
+                </a:extLst>
+              </a:tr>
+            </a:tbl>
+          </a:graphicData>
+        </a:graphic>
+      </p:graphicFrame>
+      <p:cxnSp>
+        <p:nvCxnSpPr>
+          <p:cNvPr id="2" name="Straight Connector 1">
+            <a:extLst>
+              <a:ext uri="{FF2B5EF4-FFF2-40B4-BE49-F238E27FC236}">
+                <a16:creationId xmlns:a16="http://schemas.microsoft.com/office/drawing/2014/main" id="{0AB1CEC5-2BAD-1C07-6B07-F474F46A98DB}"/>
+              </a:ext>
+            </a:extLst>
+          </p:cNvPr>
+          <p:cNvCxnSpPr>
+            <a:cxnSpLocks/>
+          </p:cNvCxnSpPr>
+          <p:nvPr/>
+        </p:nvCxnSpPr>
+        <p:spPr>
+          <a:xfrm>
+            <a:off x="4752975" y="6238875"/>
+            <a:ext cx="4286250" cy="0"/>
+          </a:xfrm>
+          <a:prstGeom prst="line">
+            <a:avLst/>
+          </a:prstGeom>
+        </p:spPr>
+        <p:style>
+          <a:lnRef idx="1">
+            <a:schemeClr val="accent1"/>
+          </a:lnRef>
+          <a:fillRef idx="0">
+            <a:schemeClr val="accent1"/>
+          </a:fillRef>
+          <a:effectRef idx="0">
+            <a:schemeClr val="accent1"/>
+          </a:effectRef>
+          <a:fontRef idx="minor">
+            <a:schemeClr val="tx1"/>
+          </a:fontRef>
+        </p:style>
+      </p:cxnSp>
+      <p:sp>
+        <p:nvSpPr>
+          <p:cNvPr id="4" name="TextBox 3">
+            <a:extLst>
+              <a:ext uri="{FF2B5EF4-FFF2-40B4-BE49-F238E27FC236}">
+                <a16:creationId xmlns:a16="http://schemas.microsoft.com/office/drawing/2014/main" id="{8C7A2A31-FB7A-4F1F-44D0-57F56E22618B}"/>
+              </a:ext>
+            </a:extLst>
+          </p:cNvPr>
+          <p:cNvSpPr txBox="1"/>
+          <p:nvPr/>
+        </p:nvSpPr>
+        <p:spPr>
+          <a:xfrm>
+            <a:off x="7753350" y="6336334"/>
+            <a:ext cx="1285874" cy="369332"/>
+          </a:xfrm>
+          <a:prstGeom prst="rect">
+            <a:avLst/>
+          </a:prstGeom>
+          <a:noFill/>
+        </p:spPr>
+        <p:txBody>
+          <a:bodyPr wrap="square" rtlCol="0">
+            <a:spAutoFit/>
+          </a:bodyPr>
+          <a:lstStyle/>
+          <a:p>
+            <a:r>
+              <a:rPr lang="en-US"/>
+              <a:t>Trang 1</a:t>
+            </a:r>
+          </a:p>
+        </p:txBody>
+      </p:sp>
+    </p:spTree>
+    <p:extLst>
+      <p:ext uri="{BB962C8B-B14F-4D97-AF65-F5344CB8AC3E}">
+        <p14:creationId xmlns:p14="http://schemas.microsoft.com/office/powerpoint/2010/main" val="1442048206"/>
+      </p:ext>
+    </p:extLst>
+  </p:cSld>
+  <p:clrMapOvr>
+    <a:masterClrMapping/>
+  </p:clrMapOvr>
+</p:sld>
+</file>
+
+<file path=ppt/slides/slide4.xml><?xml version="1.0" encoding="utf-8"?>
+<p:sld xmlns:a="http://schemas.openxmlformats.org/drawingml/2006/main" xmlns:r="http://schemas.openxmlformats.org/officeDocument/2006/relationships" xmlns:p="http://schemas.openxmlformats.org/presentationml/2006/main">
+  <p:cSld>
+    <p:spTree>
+      <p:nvGrpSpPr>
+        <p:cNvPr id="1" name=""/>
+        <p:cNvGrpSpPr/>
+        <p:nvPr/>
+      </p:nvGrpSpPr>
+      <p:grpSpPr>
+        <a:xfrm>
+          <a:off x="0" y="0"/>
+          <a:ext cx="0" cy="0"/>
+          <a:chOff x="0" y="0"/>
+          <a:chExt cx="0" cy="0"/>
+        </a:xfrm>
+      </p:grpSpPr>
+      <p:pic>
+        <p:nvPicPr>
+          <p:cNvPr id="1034" name="Picture 10">
+            <a:extLst>
+              <a:ext uri="{FF2B5EF4-FFF2-40B4-BE49-F238E27FC236}">
+                <a16:creationId xmlns:a16="http://schemas.microsoft.com/office/drawing/2014/main" id="{6F72484C-A752-76F3-F259-0A997B815A00}"/>
+              </a:ext>
+            </a:extLst>
+          </p:cNvPr>
+          <p:cNvPicPr>
+            <a:picLocks noChangeAspect="1" noChangeArrowheads="1"/>
+          </p:cNvPicPr>
+          <p:nvPr/>
+        </p:nvPicPr>
+        <p:blipFill>
+          <a:blip r:embed="rId2">
+            <a:extLst>
+              <a:ext uri="{28A0092B-C50C-407E-A947-70E740481C1C}">
+                <a14:useLocalDpi xmlns:a14="http://schemas.microsoft.com/office/drawing/2010/main" val="0"/>
+              </a:ext>
+            </a:extLst>
+          </a:blip>
+          <a:srcRect/>
+          <a:stretch>
+            <a:fillRect/>
+          </a:stretch>
+        </p:blipFill>
+        <p:spPr bwMode="auto">
+          <a:xfrm>
+            <a:off x="76200" y="119063"/>
+            <a:ext cx="1114424" cy="614791"/>
+          </a:xfrm>
+          <a:prstGeom prst="rect">
+            <a:avLst/>
+          </a:prstGeom>
+          <a:noFill/>
+          <a:extLst>
+            <a:ext uri="{909E8E84-426E-40DD-AFC4-6F175D3DCCD1}">
+              <a14:hiddenFill xmlns:a14="http://schemas.microsoft.com/office/drawing/2010/main">
+                <a:solidFill>
+                  <a:srgbClr val="FFFFFF"/>
+                </a:solidFill>
+              </a14:hiddenFill>
+            </a:ext>
+          </a:extLst>
+        </p:spPr>
+      </p:pic>
+      <p:cxnSp>
+        <p:nvCxnSpPr>
+          <p:cNvPr id="11" name="Straight Connector 10">
+            <a:extLst>
+              <a:ext uri="{FF2B5EF4-FFF2-40B4-BE49-F238E27FC236}">
+                <a16:creationId xmlns:a16="http://schemas.microsoft.com/office/drawing/2014/main" id="{E5C4A229-E185-5A4B-53B1-81D591292671}"/>
+              </a:ext>
+            </a:extLst>
+          </p:cNvPr>
+          <p:cNvCxnSpPr>
+            <a:cxnSpLocks/>
+          </p:cNvCxnSpPr>
+          <p:nvPr/>
+        </p:nvCxnSpPr>
+        <p:spPr>
+          <a:xfrm>
+            <a:off x="76200" y="847725"/>
+            <a:ext cx="7648575" cy="0"/>
+          </a:xfrm>
+          <a:prstGeom prst="line">
+            <a:avLst/>
+          </a:prstGeom>
+        </p:spPr>
+        <p:style>
+          <a:lnRef idx="1">
+            <a:schemeClr val="accent1"/>
+          </a:lnRef>
+          <a:fillRef idx="0">
+            <a:schemeClr val="accent1"/>
+          </a:fillRef>
+          <a:effectRef idx="0">
+            <a:schemeClr val="accent1"/>
+          </a:effectRef>
+          <a:fontRef idx="minor">
+            <a:schemeClr val="tx1"/>
+          </a:fontRef>
+        </p:style>
+      </p:cxnSp>
+      <p:sp>
+        <p:nvSpPr>
+          <p:cNvPr id="14" name="TextBox 13">
+            <a:extLst>
+              <a:ext uri="{FF2B5EF4-FFF2-40B4-BE49-F238E27FC236}">
+                <a16:creationId xmlns:a16="http://schemas.microsoft.com/office/drawing/2014/main" id="{63B4AB36-B54A-EA5C-2A74-F2C80BE0CBC4}"/>
+              </a:ext>
+            </a:extLst>
+          </p:cNvPr>
+          <p:cNvSpPr txBox="1"/>
+          <p:nvPr/>
+        </p:nvSpPr>
+        <p:spPr>
+          <a:xfrm>
+            <a:off x="1390650" y="236792"/>
+            <a:ext cx="6362700" cy="369332"/>
+          </a:xfrm>
+          <a:prstGeom prst="rect">
+            <a:avLst/>
+          </a:prstGeom>
+          <a:noFill/>
+        </p:spPr>
+        <p:txBody>
+          <a:bodyPr wrap="square" rtlCol="0">
+            <a:spAutoFit/>
+          </a:bodyPr>
+          <a:lstStyle/>
+          <a:p>
+            <a:r>
+              <a:rPr lang="en-US" b="1"/>
+              <a:t>ĐÁNH GIÁ MỰC ĐỘ HOÀN THÀNH</a:t>
+            </a:r>
+          </a:p>
+        </p:txBody>
+      </p:sp>
+      <p:graphicFrame>
+        <p:nvGraphicFramePr>
+          <p:cNvPr id="16" name="Table 16">
+            <a:extLst>
+              <a:ext uri="{FF2B5EF4-FFF2-40B4-BE49-F238E27FC236}">
+                <a16:creationId xmlns:a16="http://schemas.microsoft.com/office/drawing/2014/main" id="{A794B221-780B-3E0D-DCDE-B4B669AD1AE3}"/>
+              </a:ext>
+            </a:extLst>
+          </p:cNvPr>
+          <p:cNvGraphicFramePr>
+            <a:graphicFrameLocks noGrp="1"/>
+          </p:cNvGraphicFramePr>
+          <p:nvPr>
+            <p:extLst>
+              <p:ext uri="{D42A27DB-BD31-4B8C-83A1-F6EECF244321}">
+                <p14:modId xmlns:p14="http://schemas.microsoft.com/office/powerpoint/2010/main" val="779717801"/>
               </p:ext>
             </p:extLst>
           </p:nvPr>
@@ -9402,7 +14473,7 @@
                           <a:latin typeface="Times New Roman" panose="02020603050405020304" pitchFamily="18" charset="0"/>
                           <a:cs typeface="Times New Roman" panose="02020603050405020304" pitchFamily="18" charset="0"/>
                         </a:rPr>
-                        <a:t>/</a:t>
+                        <a:t>0</a:t>
                       </a:r>
                     </a:p>
                   </a:txBody>
@@ -9482,10 +14553,13 @@
                     <a:lstStyle/>
                     <a:p>
                       <a:pPr algn="ctr"/>
-                      <a:endParaRPr lang="en-US">
-                        <a:latin typeface="Times New Roman" panose="02020603050405020304" pitchFamily="18" charset="0"/>
-                        <a:cs typeface="Times New Roman" panose="02020603050405020304" pitchFamily="18" charset="0"/>
-                      </a:endParaRPr>
+                      <a:r>
+                        <a:rPr lang="en-US">
+                          <a:latin typeface="Times New Roman" panose="02020603050405020304" pitchFamily="18" charset="0"/>
+                          <a:cs typeface="Times New Roman" panose="02020603050405020304" pitchFamily="18" charset="0"/>
+                        </a:rPr>
+                        <a:t>100</a:t>
+                      </a:r>
                     </a:p>
                   </a:txBody>
                   <a:tcPr/>
@@ -9572,10 +14646,13 @@
                     <a:lstStyle/>
                     <a:p>
                       <a:pPr algn="ctr"/>
-                      <a:endParaRPr lang="en-US">
-                        <a:latin typeface="Times New Roman" panose="02020603050405020304" pitchFamily="18" charset="0"/>
-                        <a:cs typeface="Times New Roman" panose="02020603050405020304" pitchFamily="18" charset="0"/>
-                      </a:endParaRPr>
+                      <a:r>
+                        <a:rPr lang="en-US">
+                          <a:latin typeface="Times New Roman" panose="02020603050405020304" pitchFamily="18" charset="0"/>
+                          <a:cs typeface="Times New Roman" panose="02020603050405020304" pitchFamily="18" charset="0"/>
+                        </a:rPr>
+                        <a:t>100</a:t>
+                      </a:r>
                     </a:p>
                   </a:txBody>
                   <a:tcPr/>
@@ -9661,10 +14738,13 @@
                     <a:lstStyle/>
                     <a:p>
                       <a:pPr algn="ctr"/>
-                      <a:endParaRPr lang="en-US">
-                        <a:latin typeface="Times New Roman" panose="02020603050405020304" pitchFamily="18" charset="0"/>
-                        <a:cs typeface="Times New Roman" panose="02020603050405020304" pitchFamily="18" charset="0"/>
-                      </a:endParaRPr>
+                      <a:r>
+                        <a:rPr lang="en-US">
+                          <a:latin typeface="Times New Roman" panose="02020603050405020304" pitchFamily="18" charset="0"/>
+                          <a:cs typeface="Times New Roman" panose="02020603050405020304" pitchFamily="18" charset="0"/>
+                        </a:rPr>
+                        <a:t>100</a:t>
+                      </a:r>
                     </a:p>
                   </a:txBody>
                   <a:tcPr/>
@@ -9679,89 +14759,12 @@
           </a:graphicData>
         </a:graphic>
       </p:graphicFrame>
-    </p:spTree>
-    <p:extLst>
-      <p:ext uri="{BB962C8B-B14F-4D97-AF65-F5344CB8AC3E}">
-        <p14:creationId xmlns:p14="http://schemas.microsoft.com/office/powerpoint/2010/main" val="3011248427"/>
-      </p:ext>
-    </p:extLst>
-  </p:cSld>
-  <p:clrMapOvr>
-    <a:masterClrMapping/>
-  </p:clrMapOvr>
-</p:sld>
-</file>
-
-<file path=ppt/slides/slide4.xml><?xml version="1.0" encoding="utf-8"?>
-<p:sld xmlns:a="http://schemas.openxmlformats.org/drawingml/2006/main" xmlns:r="http://schemas.openxmlformats.org/officeDocument/2006/relationships" xmlns:p="http://schemas.openxmlformats.org/presentationml/2006/main">
-  <p:cSld>
-    <p:spTree>
-      <p:nvGrpSpPr>
-        <p:cNvPr id="1" name=""/>
-        <p:cNvGrpSpPr/>
-        <p:nvPr/>
-      </p:nvGrpSpPr>
-      <p:grpSpPr>
-        <a:xfrm>
-          <a:off x="0" y="0"/>
-          <a:ext cx="0" cy="0"/>
-          <a:chOff x="0" y="0"/>
-          <a:chExt cx="0" cy="0"/>
-        </a:xfrm>
-      </p:grpSpPr>
-      <p:pic>
-        <p:nvPicPr>
-          <p:cNvPr id="1034" name="Picture 10">
-            <a:extLst>
-              <a:ext uri="{FF2B5EF4-FFF2-40B4-BE49-F238E27FC236}">
-                <a16:creationId xmlns:a16="http://schemas.microsoft.com/office/drawing/2014/main" id="{6F72484C-A752-76F3-F259-0A997B815A00}"/>
-              </a:ext>
-            </a:extLst>
-          </p:cNvPr>
-          <p:cNvPicPr>
-            <a:picLocks noChangeAspect="1" noChangeArrowheads="1"/>
-          </p:cNvPicPr>
-          <p:nvPr/>
-        </p:nvPicPr>
-        <p:blipFill>
-          <a:blip r:embed="rId2">
-            <a:extLst>
-              <a:ext uri="{28A0092B-C50C-407E-A947-70E740481C1C}">
-                <a14:useLocalDpi xmlns:a14="http://schemas.microsoft.com/office/drawing/2010/main" val="0"/>
-              </a:ext>
-            </a:extLst>
-          </a:blip>
-          <a:srcRect/>
-          <a:stretch>
-            <a:fillRect/>
-          </a:stretch>
-        </p:blipFill>
-        <p:spPr bwMode="auto">
-          <a:xfrm>
-            <a:off x="76200" y="119063"/>
-            <a:ext cx="1114424" cy="614791"/>
-          </a:xfrm>
-          <a:prstGeom prst="rect">
-            <a:avLst/>
-          </a:prstGeom>
-          <a:noFill/>
-          <a:extLst>
-            <a:ext uri="{909E8E84-426E-40DD-AFC4-6F175D3DCCD1}">
-              <a14:hiddenFill xmlns:a14="http://schemas.microsoft.com/office/drawing/2010/main">
-                <a:solidFill>
-                  <a:srgbClr val="FFFFFF"/>
-                </a:solidFill>
-              </a14:hiddenFill>
-            </a:ext>
-          </a:extLst>
-        </p:spPr>
-      </p:pic>
       <p:cxnSp>
         <p:nvCxnSpPr>
-          <p:cNvPr id="11" name="Straight Connector 10">
+          <p:cNvPr id="2" name="Straight Connector 1">
             <a:extLst>
               <a:ext uri="{FF2B5EF4-FFF2-40B4-BE49-F238E27FC236}">
-                <a16:creationId xmlns:a16="http://schemas.microsoft.com/office/drawing/2014/main" id="{E5C4A229-E185-5A4B-53B1-81D591292671}"/>
+                <a16:creationId xmlns:a16="http://schemas.microsoft.com/office/drawing/2014/main" id="{AF3ADEA5-03F2-7E56-B6E6-8B6970A896CF}"/>
               </a:ext>
             </a:extLst>
           </p:cNvPr>
@@ -9772,8 +14775,8 @@
         </p:nvCxnSpPr>
         <p:spPr>
           <a:xfrm>
-            <a:off x="76200" y="847725"/>
-            <a:ext cx="7648575" cy="0"/>
+            <a:off x="4752975" y="6238875"/>
+            <a:ext cx="4286250" cy="0"/>
           </a:xfrm>
           <a:prstGeom prst="line">
             <a:avLst/>
@@ -9796,10 +14799,10 @@
       </p:cxnSp>
       <p:sp>
         <p:nvSpPr>
-          <p:cNvPr id="14" name="TextBox 13">
+          <p:cNvPr id="4" name="TextBox 3">
             <a:extLst>
               <a:ext uri="{FF2B5EF4-FFF2-40B4-BE49-F238E27FC236}">
-                <a16:creationId xmlns:a16="http://schemas.microsoft.com/office/drawing/2014/main" id="{63B4AB36-B54A-EA5C-2A74-F2C80BE0CBC4}"/>
+                <a16:creationId xmlns:a16="http://schemas.microsoft.com/office/drawing/2014/main" id="{11342279-3B1B-9555-FD5C-CA3839B3D029}"/>
               </a:ext>
             </a:extLst>
           </p:cNvPr>
@@ -9808,8 +14811,8 @@
         </p:nvSpPr>
         <p:spPr>
           <a:xfrm>
-            <a:off x="1390650" y="236792"/>
-            <a:ext cx="6362700" cy="369332"/>
+            <a:off x="7753350" y="6336334"/>
+            <a:ext cx="1285874" cy="369332"/>
           </a:xfrm>
           <a:prstGeom prst="rect">
             <a:avLst/>
@@ -9823,43 +14826,8 @@
           <a:lstStyle/>
           <a:p>
             <a:r>
-              <a:rPr lang="en-US" b="1"/>
-              <a:t>UNINFORMED SEARCH</a:t>
-            </a:r>
-          </a:p>
-        </p:txBody>
-      </p:sp>
-      <p:sp>
-        <p:nvSpPr>
-          <p:cNvPr id="2" name="TextBox 1">
-            <a:extLst>
-              <a:ext uri="{FF2B5EF4-FFF2-40B4-BE49-F238E27FC236}">
-                <a16:creationId xmlns:a16="http://schemas.microsoft.com/office/drawing/2014/main" id="{30380714-4CD2-9849-80A6-8AC66F97DA6F}"/>
-              </a:ext>
-            </a:extLst>
-          </p:cNvPr>
-          <p:cNvSpPr txBox="1"/>
-          <p:nvPr/>
-        </p:nvSpPr>
-        <p:spPr>
-          <a:xfrm>
-            <a:off x="76200" y="1089327"/>
-            <a:ext cx="1256241" cy="369332"/>
-          </a:xfrm>
-          <a:prstGeom prst="rect">
-            <a:avLst/>
-          </a:prstGeom>
-          <a:noFill/>
-        </p:spPr>
-        <p:txBody>
-          <a:bodyPr wrap="none" rtlCol="0">
-            <a:spAutoFit/>
-          </a:bodyPr>
-          <a:lstStyle/>
-          <a:p>
-            <a:r>
-              <a:rPr lang="en-US" i="1"/>
-              <a:t>Yêu cầu 1-1</a:t>
+              <a:rPr lang="en-US"/>
+              <a:t>Trang 1</a:t>
             </a:r>
           </a:p>
         </p:txBody>
@@ -9867,7 +14835,7 @@
     </p:spTree>
     <p:extLst>
       <p:ext uri="{BB962C8B-B14F-4D97-AF65-F5344CB8AC3E}">
-        <p14:creationId xmlns:p14="http://schemas.microsoft.com/office/powerpoint/2010/main" val="4019893558"/>
+        <p14:creationId xmlns:p14="http://schemas.microsoft.com/office/powerpoint/2010/main" val="3011248427"/>
       </p:ext>
     </p:extLst>
   </p:cSld>
@@ -10029,7 +14997,7 @@
         <p:spPr>
           <a:xfrm>
             <a:off x="76200" y="1089327"/>
-            <a:ext cx="1252202" cy="369332"/>
+            <a:ext cx="1256241" cy="369332"/>
           </a:xfrm>
           <a:prstGeom prst="rect">
             <a:avLst/>
@@ -10044,15 +15012,118 @@
           <a:p>
             <a:r>
               <a:rPr lang="en-US" i="1"/>
-              <a:t>Yêu cầu 1-2</a:t>
+              <a:t>Yêu cầu 1-1</a:t>
             </a:r>
           </a:p>
         </p:txBody>
       </p:sp>
+      <p:cxnSp>
+        <p:nvCxnSpPr>
+          <p:cNvPr id="3" name="Straight Connector 2">
+            <a:extLst>
+              <a:ext uri="{FF2B5EF4-FFF2-40B4-BE49-F238E27FC236}">
+                <a16:creationId xmlns:a16="http://schemas.microsoft.com/office/drawing/2014/main" id="{9B5848A5-3C88-A3DF-9B0B-60160834435A}"/>
+              </a:ext>
+            </a:extLst>
+          </p:cNvPr>
+          <p:cNvCxnSpPr>
+            <a:cxnSpLocks/>
+          </p:cNvCxnSpPr>
+          <p:nvPr/>
+        </p:nvCxnSpPr>
+        <p:spPr>
+          <a:xfrm>
+            <a:off x="4752975" y="6238875"/>
+            <a:ext cx="4286250" cy="0"/>
+          </a:xfrm>
+          <a:prstGeom prst="line">
+            <a:avLst/>
+          </a:prstGeom>
+        </p:spPr>
+        <p:style>
+          <a:lnRef idx="1">
+            <a:schemeClr val="accent1"/>
+          </a:lnRef>
+          <a:fillRef idx="0">
+            <a:schemeClr val="accent1"/>
+          </a:fillRef>
+          <a:effectRef idx="0">
+            <a:schemeClr val="accent1"/>
+          </a:effectRef>
+          <a:fontRef idx="minor">
+            <a:schemeClr val="tx1"/>
+          </a:fontRef>
+        </p:style>
+      </p:cxnSp>
+      <p:sp>
+        <p:nvSpPr>
+          <p:cNvPr id="5" name="TextBox 4">
+            <a:extLst>
+              <a:ext uri="{FF2B5EF4-FFF2-40B4-BE49-F238E27FC236}">
+                <a16:creationId xmlns:a16="http://schemas.microsoft.com/office/drawing/2014/main" id="{38B62299-A944-8252-B1CB-882A15417931}"/>
+              </a:ext>
+            </a:extLst>
+          </p:cNvPr>
+          <p:cNvSpPr txBox="1"/>
+          <p:nvPr/>
+        </p:nvSpPr>
+        <p:spPr>
+          <a:xfrm>
+            <a:off x="7753350" y="6336334"/>
+            <a:ext cx="1285874" cy="369332"/>
+          </a:xfrm>
+          <a:prstGeom prst="rect">
+            <a:avLst/>
+          </a:prstGeom>
+          <a:noFill/>
+        </p:spPr>
+        <p:txBody>
+          <a:bodyPr wrap="square" rtlCol="0">
+            <a:spAutoFit/>
+          </a:bodyPr>
+          <a:lstStyle/>
+          <a:p>
+            <a:r>
+              <a:rPr lang="en-US"/>
+              <a:t>Trang 1</a:t>
+            </a:r>
+          </a:p>
+        </p:txBody>
+      </p:sp>
+      <p:pic>
+        <p:nvPicPr>
+          <p:cNvPr id="7" name="Picture 6">
+            <a:extLst>
+              <a:ext uri="{FF2B5EF4-FFF2-40B4-BE49-F238E27FC236}">
+                <a16:creationId xmlns:a16="http://schemas.microsoft.com/office/drawing/2014/main" id="{69D8DC54-039D-02F5-CE7D-B44993CE410C}"/>
+              </a:ext>
+            </a:extLst>
+          </p:cNvPr>
+          <p:cNvPicPr>
+            <a:picLocks noChangeAspect="1"/>
+          </p:cNvPicPr>
+          <p:nvPr/>
+        </p:nvPicPr>
+        <p:blipFill>
+          <a:blip r:embed="rId3"/>
+          <a:stretch>
+            <a:fillRect/>
+          </a:stretch>
+        </p:blipFill>
+        <p:spPr>
+          <a:xfrm>
+            <a:off x="2080044" y="1512394"/>
+            <a:ext cx="4983912" cy="4061812"/>
+          </a:xfrm>
+          <a:prstGeom prst="rect">
+            <a:avLst/>
+          </a:prstGeom>
+        </p:spPr>
+      </p:pic>
     </p:spTree>
     <p:extLst>
       <p:ext uri="{BB962C8B-B14F-4D97-AF65-F5344CB8AC3E}">
-        <p14:creationId xmlns:p14="http://schemas.microsoft.com/office/powerpoint/2010/main" val="482173432"/>
+        <p14:creationId xmlns:p14="http://schemas.microsoft.com/office/powerpoint/2010/main" val="4019893558"/>
       </p:ext>
     </p:extLst>
   </p:cSld>
@@ -10229,15 +15300,200 @@
           <a:p>
             <a:r>
               <a:rPr lang="en-US" i="1"/>
-              <a:t>Yêu cầu 1-3</a:t>
+              <a:t>Yêu cầu 1-2</a:t>
             </a:r>
           </a:p>
         </p:txBody>
       </p:sp>
+      <p:cxnSp>
+        <p:nvCxnSpPr>
+          <p:cNvPr id="3" name="Straight Connector 2">
+            <a:extLst>
+              <a:ext uri="{FF2B5EF4-FFF2-40B4-BE49-F238E27FC236}">
+                <a16:creationId xmlns:a16="http://schemas.microsoft.com/office/drawing/2014/main" id="{0C90852F-CCF4-2CB4-185D-9BD76C10552E}"/>
+              </a:ext>
+            </a:extLst>
+          </p:cNvPr>
+          <p:cNvCxnSpPr>
+            <a:cxnSpLocks/>
+          </p:cNvCxnSpPr>
+          <p:nvPr/>
+        </p:nvCxnSpPr>
+        <p:spPr>
+          <a:xfrm>
+            <a:off x="4752975" y="6238875"/>
+            <a:ext cx="4286250" cy="0"/>
+          </a:xfrm>
+          <a:prstGeom prst="line">
+            <a:avLst/>
+          </a:prstGeom>
+        </p:spPr>
+        <p:style>
+          <a:lnRef idx="1">
+            <a:schemeClr val="accent1"/>
+          </a:lnRef>
+          <a:fillRef idx="0">
+            <a:schemeClr val="accent1"/>
+          </a:fillRef>
+          <a:effectRef idx="0">
+            <a:schemeClr val="accent1"/>
+          </a:effectRef>
+          <a:fontRef idx="minor">
+            <a:schemeClr val="tx1"/>
+          </a:fontRef>
+        </p:style>
+      </p:cxnSp>
+      <p:sp>
+        <p:nvSpPr>
+          <p:cNvPr id="5" name="TextBox 4">
+            <a:extLst>
+              <a:ext uri="{FF2B5EF4-FFF2-40B4-BE49-F238E27FC236}">
+                <a16:creationId xmlns:a16="http://schemas.microsoft.com/office/drawing/2014/main" id="{5EFED488-422D-714E-BC8D-1EFFE4EB27EF}"/>
+              </a:ext>
+            </a:extLst>
+          </p:cNvPr>
+          <p:cNvSpPr txBox="1"/>
+          <p:nvPr/>
+        </p:nvSpPr>
+        <p:spPr>
+          <a:xfrm>
+            <a:off x="7753350" y="6336334"/>
+            <a:ext cx="1285874" cy="369332"/>
+          </a:xfrm>
+          <a:prstGeom prst="rect">
+            <a:avLst/>
+          </a:prstGeom>
+          <a:noFill/>
+        </p:spPr>
+        <p:txBody>
+          <a:bodyPr wrap="square" rtlCol="0">
+            <a:spAutoFit/>
+          </a:bodyPr>
+          <a:lstStyle/>
+          <a:p>
+            <a:r>
+              <a:rPr lang="en-US"/>
+              <a:t>Trang 1</a:t>
+            </a:r>
+          </a:p>
+        </p:txBody>
+      </p:sp>
+      <p:pic>
+        <p:nvPicPr>
+          <p:cNvPr id="1026" name="Picture 2" descr="Introduction to Stack - Data Structure and Algorithm Tutorials -  GeeksforGeeks">
+            <a:extLst>
+              <a:ext uri="{FF2B5EF4-FFF2-40B4-BE49-F238E27FC236}">
+                <a16:creationId xmlns:a16="http://schemas.microsoft.com/office/drawing/2014/main" id="{8B6FAEF3-00E8-C2B6-6484-BD77EBFDEA2F}"/>
+              </a:ext>
+            </a:extLst>
+          </p:cNvPr>
+          <p:cNvPicPr>
+            <a:picLocks noChangeAspect="1" noChangeArrowheads="1"/>
+          </p:cNvPicPr>
+          <p:nvPr/>
+        </p:nvPicPr>
+        <p:blipFill>
+          <a:blip r:embed="rId3">
+            <a:extLst>
+              <a:ext uri="{28A0092B-C50C-407E-A947-70E740481C1C}">
+                <a14:useLocalDpi xmlns:a14="http://schemas.microsoft.com/office/drawing/2010/main" val="0"/>
+              </a:ext>
+            </a:extLst>
+          </a:blip>
+          <a:srcRect/>
+          <a:stretch>
+            <a:fillRect/>
+          </a:stretch>
+        </p:blipFill>
+        <p:spPr bwMode="auto">
+          <a:xfrm>
+            <a:off x="633412" y="1458312"/>
+            <a:ext cx="4963221" cy="4256339"/>
+          </a:xfrm>
+          <a:prstGeom prst="rect">
+            <a:avLst/>
+          </a:prstGeom>
+          <a:noFill/>
+          <a:extLst>
+            <a:ext uri="{909E8E84-426E-40DD-AFC4-6F175D3DCCD1}">
+              <a14:hiddenFill xmlns:a14="http://schemas.microsoft.com/office/drawing/2010/main">
+                <a:solidFill>
+                  <a:srgbClr val="FFFFFF"/>
+                </a:solidFill>
+              </a14:hiddenFill>
+            </a:ext>
+          </a:extLst>
+        </p:spPr>
+      </p:pic>
+      <p:sp>
+        <p:nvSpPr>
+          <p:cNvPr id="6" name="TextBox 5">
+            <a:extLst>
+              <a:ext uri="{FF2B5EF4-FFF2-40B4-BE49-F238E27FC236}">
+                <a16:creationId xmlns:a16="http://schemas.microsoft.com/office/drawing/2014/main" id="{E89CDB90-AF28-D274-AC55-ECC8E0120E31}"/>
+              </a:ext>
+            </a:extLst>
+          </p:cNvPr>
+          <p:cNvSpPr txBox="1"/>
+          <p:nvPr/>
+        </p:nvSpPr>
+        <p:spPr>
+          <a:xfrm>
+            <a:off x="3161834" y="5825609"/>
+            <a:ext cx="3263009" cy="369332"/>
+          </a:xfrm>
+          <a:prstGeom prst="rect">
+            <a:avLst/>
+          </a:prstGeom>
+          <a:noFill/>
+        </p:spPr>
+        <p:txBody>
+          <a:bodyPr wrap="none" rtlCol="0">
+            <a:spAutoFit/>
+          </a:bodyPr>
+          <a:lstStyle/>
+          <a:p>
+            <a:r>
+              <a:rPr lang="en-US"/>
+              <a:t>Stack workflow and implements</a:t>
+            </a:r>
+          </a:p>
+        </p:txBody>
+      </p:sp>
+      <p:pic>
+        <p:nvPicPr>
+          <p:cNvPr id="8" name="Picture 7">
+            <a:extLst>
+              <a:ext uri="{FF2B5EF4-FFF2-40B4-BE49-F238E27FC236}">
+                <a16:creationId xmlns:a16="http://schemas.microsoft.com/office/drawing/2014/main" id="{64343610-2239-3C37-0292-61E9C46DADC0}"/>
+              </a:ext>
+            </a:extLst>
+          </p:cNvPr>
+          <p:cNvPicPr>
+            <a:picLocks noChangeAspect="1"/>
+          </p:cNvPicPr>
+          <p:nvPr/>
+        </p:nvPicPr>
+        <p:blipFill>
+          <a:blip r:embed="rId4"/>
+          <a:stretch>
+            <a:fillRect/>
+          </a:stretch>
+        </p:blipFill>
+        <p:spPr>
+          <a:xfrm>
+            <a:off x="5836797" y="1458660"/>
+            <a:ext cx="2577296" cy="4256340"/>
+          </a:xfrm>
+          <a:prstGeom prst="rect">
+            <a:avLst/>
+          </a:prstGeom>
+        </p:spPr>
+      </p:pic>
     </p:spTree>
     <p:extLst>
       <p:ext uri="{BB962C8B-B14F-4D97-AF65-F5344CB8AC3E}">
-        <p14:creationId xmlns:p14="http://schemas.microsoft.com/office/powerpoint/2010/main" val="875898025"/>
+        <p14:creationId xmlns:p14="http://schemas.microsoft.com/office/powerpoint/2010/main" val="482173432"/>
       </p:ext>
     </p:extLst>
   </p:cSld>
@@ -10414,15 +15670,198 @@
           <a:p>
             <a:r>
               <a:rPr lang="en-US" i="1"/>
-              <a:t>Yêu cầu 1-4</a:t>
+              <a:t>Yêu cầu 1-2</a:t>
             </a:r>
           </a:p>
         </p:txBody>
       </p:sp>
+      <p:cxnSp>
+        <p:nvCxnSpPr>
+          <p:cNvPr id="3" name="Straight Connector 2">
+            <a:extLst>
+              <a:ext uri="{FF2B5EF4-FFF2-40B4-BE49-F238E27FC236}">
+                <a16:creationId xmlns:a16="http://schemas.microsoft.com/office/drawing/2014/main" id="{0C90852F-CCF4-2CB4-185D-9BD76C10552E}"/>
+              </a:ext>
+            </a:extLst>
+          </p:cNvPr>
+          <p:cNvCxnSpPr>
+            <a:cxnSpLocks/>
+          </p:cNvCxnSpPr>
+          <p:nvPr/>
+        </p:nvCxnSpPr>
+        <p:spPr>
+          <a:xfrm>
+            <a:off x="4752975" y="6238875"/>
+            <a:ext cx="4286250" cy="0"/>
+          </a:xfrm>
+          <a:prstGeom prst="line">
+            <a:avLst/>
+          </a:prstGeom>
+        </p:spPr>
+        <p:style>
+          <a:lnRef idx="1">
+            <a:schemeClr val="accent1"/>
+          </a:lnRef>
+          <a:fillRef idx="0">
+            <a:schemeClr val="accent1"/>
+          </a:fillRef>
+          <a:effectRef idx="0">
+            <a:schemeClr val="accent1"/>
+          </a:effectRef>
+          <a:fontRef idx="minor">
+            <a:schemeClr val="tx1"/>
+          </a:fontRef>
+        </p:style>
+      </p:cxnSp>
+      <p:sp>
+        <p:nvSpPr>
+          <p:cNvPr id="5" name="TextBox 4">
+            <a:extLst>
+              <a:ext uri="{FF2B5EF4-FFF2-40B4-BE49-F238E27FC236}">
+                <a16:creationId xmlns:a16="http://schemas.microsoft.com/office/drawing/2014/main" id="{5EFED488-422D-714E-BC8D-1EFFE4EB27EF}"/>
+              </a:ext>
+            </a:extLst>
+          </p:cNvPr>
+          <p:cNvSpPr txBox="1"/>
+          <p:nvPr/>
+        </p:nvSpPr>
+        <p:spPr>
+          <a:xfrm>
+            <a:off x="7753350" y="6336334"/>
+            <a:ext cx="1285874" cy="369332"/>
+          </a:xfrm>
+          <a:prstGeom prst="rect">
+            <a:avLst/>
+          </a:prstGeom>
+          <a:noFill/>
+        </p:spPr>
+        <p:txBody>
+          <a:bodyPr wrap="square" rtlCol="0">
+            <a:spAutoFit/>
+          </a:bodyPr>
+          <a:lstStyle/>
+          <a:p>
+            <a:r>
+              <a:rPr lang="en-US"/>
+              <a:t>Trang 1</a:t>
+            </a:r>
+          </a:p>
+        </p:txBody>
+      </p:sp>
+      <p:sp>
+        <p:nvSpPr>
+          <p:cNvPr id="6" name="TextBox 5">
+            <a:extLst>
+              <a:ext uri="{FF2B5EF4-FFF2-40B4-BE49-F238E27FC236}">
+                <a16:creationId xmlns:a16="http://schemas.microsoft.com/office/drawing/2014/main" id="{E89CDB90-AF28-D274-AC55-ECC8E0120E31}"/>
+              </a:ext>
+            </a:extLst>
+          </p:cNvPr>
+          <p:cNvSpPr txBox="1"/>
+          <p:nvPr/>
+        </p:nvSpPr>
+        <p:spPr>
+          <a:xfrm>
+            <a:off x="3350419" y="5434579"/>
+            <a:ext cx="3297634" cy="369332"/>
+          </a:xfrm>
+          <a:prstGeom prst="rect">
+            <a:avLst/>
+          </a:prstGeom>
+          <a:noFill/>
+        </p:spPr>
+        <p:txBody>
+          <a:bodyPr wrap="none" rtlCol="0">
+            <a:spAutoFit/>
+          </a:bodyPr>
+          <a:lstStyle/>
+          <a:p>
+            <a:r>
+              <a:rPr lang="en-US"/>
+              <a:t>Queue workflow and implements</a:t>
+            </a:r>
+          </a:p>
+        </p:txBody>
+      </p:sp>
+      <p:pic>
+        <p:nvPicPr>
+          <p:cNvPr id="2050" name="Picture 2" descr="Queue Data Structure - GeeksforGeeks">
+            <a:extLst>
+              <a:ext uri="{FF2B5EF4-FFF2-40B4-BE49-F238E27FC236}">
+                <a16:creationId xmlns:a16="http://schemas.microsoft.com/office/drawing/2014/main" id="{10442409-7C1A-0341-44F3-33E0573712DD}"/>
+              </a:ext>
+            </a:extLst>
+          </p:cNvPr>
+          <p:cNvPicPr>
+            <a:picLocks noChangeAspect="1" noChangeArrowheads="1"/>
+          </p:cNvPicPr>
+          <p:nvPr/>
+        </p:nvPicPr>
+        <p:blipFill rotWithShape="1">
+          <a:blip r:embed="rId3">
+            <a:extLst>
+              <a:ext uri="{28A0092B-C50C-407E-A947-70E740481C1C}">
+                <a14:useLocalDpi xmlns:a14="http://schemas.microsoft.com/office/drawing/2010/main" val="0"/>
+              </a:ext>
+            </a:extLst>
+          </a:blip>
+          <a:srcRect b="20333"/>
+          <a:stretch/>
+        </p:blipFill>
+        <p:spPr bwMode="auto">
+          <a:xfrm>
+            <a:off x="633412" y="2350108"/>
+            <a:ext cx="4948238" cy="1973118"/>
+          </a:xfrm>
+          <a:prstGeom prst="rect">
+            <a:avLst/>
+          </a:prstGeom>
+          <a:noFill/>
+          <a:extLst>
+            <a:ext uri="{909E8E84-426E-40DD-AFC4-6F175D3DCCD1}">
+              <a14:hiddenFill xmlns:a14="http://schemas.microsoft.com/office/drawing/2010/main">
+                <a:solidFill>
+                  <a:srgbClr val="FFFFFF"/>
+                </a:solidFill>
+              </a14:hiddenFill>
+            </a:ext>
+          </a:extLst>
+        </p:spPr>
+      </p:pic>
+      <p:pic>
+        <p:nvPicPr>
+          <p:cNvPr id="7" name="Picture 6">
+            <a:extLst>
+              <a:ext uri="{FF2B5EF4-FFF2-40B4-BE49-F238E27FC236}">
+                <a16:creationId xmlns:a16="http://schemas.microsoft.com/office/drawing/2014/main" id="{A8746AB3-58A2-74F9-9140-30A7E3ED3167}"/>
+              </a:ext>
+            </a:extLst>
+          </p:cNvPr>
+          <p:cNvPicPr>
+            <a:picLocks noChangeAspect="1"/>
+          </p:cNvPicPr>
+          <p:nvPr/>
+        </p:nvPicPr>
+        <p:blipFill>
+          <a:blip r:embed="rId4"/>
+          <a:stretch>
+            <a:fillRect/>
+          </a:stretch>
+        </p:blipFill>
+        <p:spPr>
+          <a:xfrm>
+            <a:off x="5918711" y="1545812"/>
+            <a:ext cx="2850127" cy="3581710"/>
+          </a:xfrm>
+          <a:prstGeom prst="rect">
+            <a:avLst/>
+          </a:prstGeom>
+        </p:spPr>
+      </p:pic>
     </p:spTree>
     <p:extLst>
       <p:ext uri="{BB962C8B-B14F-4D97-AF65-F5344CB8AC3E}">
-        <p14:creationId xmlns:p14="http://schemas.microsoft.com/office/powerpoint/2010/main" val="2176878142"/>
+        <p14:creationId xmlns:p14="http://schemas.microsoft.com/office/powerpoint/2010/main" val="599745211"/>
       </p:ext>
     </p:extLst>
   </p:cSld>
@@ -10599,15 +16038,198 @@
           <a:p>
             <a:r>
               <a:rPr lang="en-US" i="1"/>
-              <a:t>Yêu cầu 1-5</a:t>
+              <a:t>Yêu cầu 1-2</a:t>
             </a:r>
           </a:p>
         </p:txBody>
       </p:sp>
+      <p:cxnSp>
+        <p:nvCxnSpPr>
+          <p:cNvPr id="3" name="Straight Connector 2">
+            <a:extLst>
+              <a:ext uri="{FF2B5EF4-FFF2-40B4-BE49-F238E27FC236}">
+                <a16:creationId xmlns:a16="http://schemas.microsoft.com/office/drawing/2014/main" id="{0C90852F-CCF4-2CB4-185D-9BD76C10552E}"/>
+              </a:ext>
+            </a:extLst>
+          </p:cNvPr>
+          <p:cNvCxnSpPr>
+            <a:cxnSpLocks/>
+          </p:cNvCxnSpPr>
+          <p:nvPr/>
+        </p:nvCxnSpPr>
+        <p:spPr>
+          <a:xfrm>
+            <a:off x="4752975" y="6238875"/>
+            <a:ext cx="4286250" cy="0"/>
+          </a:xfrm>
+          <a:prstGeom prst="line">
+            <a:avLst/>
+          </a:prstGeom>
+        </p:spPr>
+        <p:style>
+          <a:lnRef idx="1">
+            <a:schemeClr val="accent1"/>
+          </a:lnRef>
+          <a:fillRef idx="0">
+            <a:schemeClr val="accent1"/>
+          </a:fillRef>
+          <a:effectRef idx="0">
+            <a:schemeClr val="accent1"/>
+          </a:effectRef>
+          <a:fontRef idx="minor">
+            <a:schemeClr val="tx1"/>
+          </a:fontRef>
+        </p:style>
+      </p:cxnSp>
+      <p:sp>
+        <p:nvSpPr>
+          <p:cNvPr id="5" name="TextBox 4">
+            <a:extLst>
+              <a:ext uri="{FF2B5EF4-FFF2-40B4-BE49-F238E27FC236}">
+                <a16:creationId xmlns:a16="http://schemas.microsoft.com/office/drawing/2014/main" id="{5EFED488-422D-714E-BC8D-1EFFE4EB27EF}"/>
+              </a:ext>
+            </a:extLst>
+          </p:cNvPr>
+          <p:cNvSpPr txBox="1"/>
+          <p:nvPr/>
+        </p:nvSpPr>
+        <p:spPr>
+          <a:xfrm>
+            <a:off x="7753350" y="6336334"/>
+            <a:ext cx="1285874" cy="369332"/>
+          </a:xfrm>
+          <a:prstGeom prst="rect">
+            <a:avLst/>
+          </a:prstGeom>
+          <a:noFill/>
+        </p:spPr>
+        <p:txBody>
+          <a:bodyPr wrap="square" rtlCol="0">
+            <a:spAutoFit/>
+          </a:bodyPr>
+          <a:lstStyle/>
+          <a:p>
+            <a:r>
+              <a:rPr lang="en-US"/>
+              <a:t>Trang 1</a:t>
+            </a:r>
+          </a:p>
+        </p:txBody>
+      </p:sp>
+      <p:sp>
+        <p:nvSpPr>
+          <p:cNvPr id="6" name="TextBox 5">
+            <a:extLst>
+              <a:ext uri="{FF2B5EF4-FFF2-40B4-BE49-F238E27FC236}">
+                <a16:creationId xmlns:a16="http://schemas.microsoft.com/office/drawing/2014/main" id="{E89CDB90-AF28-D274-AC55-ECC8E0120E31}"/>
+              </a:ext>
+            </a:extLst>
+          </p:cNvPr>
+          <p:cNvSpPr txBox="1"/>
+          <p:nvPr/>
+        </p:nvSpPr>
+        <p:spPr>
+          <a:xfrm>
+            <a:off x="2566066" y="5419010"/>
+            <a:ext cx="4011867" cy="369332"/>
+          </a:xfrm>
+          <a:prstGeom prst="rect">
+            <a:avLst/>
+          </a:prstGeom>
+          <a:noFill/>
+        </p:spPr>
+        <p:txBody>
+          <a:bodyPr wrap="none" rtlCol="0">
+            <a:spAutoFit/>
+          </a:bodyPr>
+          <a:lstStyle/>
+          <a:p>
+            <a:r>
+              <a:rPr lang="en-US"/>
+              <a:t>PrioriryQueue workflow and implements</a:t>
+            </a:r>
+          </a:p>
+        </p:txBody>
+      </p:sp>
+      <p:pic>
+        <p:nvPicPr>
+          <p:cNvPr id="3074" name="Picture 2" descr="Priority Queue in C++ Standard Template Library (STL) - GeeksforGeeks">
+            <a:extLst>
+              <a:ext uri="{FF2B5EF4-FFF2-40B4-BE49-F238E27FC236}">
+                <a16:creationId xmlns:a16="http://schemas.microsoft.com/office/drawing/2014/main" id="{0282A2DD-FF67-A086-5C74-2D8174B11DC8}"/>
+              </a:ext>
+            </a:extLst>
+          </p:cNvPr>
+          <p:cNvPicPr>
+            <a:picLocks noChangeAspect="1" noChangeArrowheads="1"/>
+          </p:cNvPicPr>
+          <p:nvPr/>
+        </p:nvPicPr>
+        <p:blipFill rotWithShape="1">
+          <a:blip r:embed="rId3">
+            <a:extLst>
+              <a:ext uri="{28A0092B-C50C-407E-A947-70E740481C1C}">
+                <a14:useLocalDpi xmlns:a14="http://schemas.microsoft.com/office/drawing/2010/main" val="0"/>
+              </a:ext>
+            </a:extLst>
+          </a:blip>
+          <a:srcRect l="13928" r="14428"/>
+          <a:stretch/>
+        </p:blipFill>
+        <p:spPr bwMode="auto">
+          <a:xfrm>
+            <a:off x="349875" y="1440821"/>
+            <a:ext cx="4863619" cy="3397875"/>
+          </a:xfrm>
+          <a:prstGeom prst="rect">
+            <a:avLst/>
+          </a:prstGeom>
+          <a:noFill/>
+          <a:extLst>
+            <a:ext uri="{909E8E84-426E-40DD-AFC4-6F175D3DCCD1}">
+              <a14:hiddenFill xmlns:a14="http://schemas.microsoft.com/office/drawing/2010/main">
+                <a:solidFill>
+                  <a:srgbClr val="FFFFFF"/>
+                </a:solidFill>
+              </a14:hiddenFill>
+            </a:ext>
+          </a:extLst>
+        </p:spPr>
+      </p:pic>
+      <p:pic>
+        <p:nvPicPr>
+          <p:cNvPr id="8" name="Picture 7">
+            <a:extLst>
+              <a:ext uri="{FF2B5EF4-FFF2-40B4-BE49-F238E27FC236}">
+                <a16:creationId xmlns:a16="http://schemas.microsoft.com/office/drawing/2014/main" id="{2BCBC959-D18B-486A-A2CE-1317A0097C33}"/>
+              </a:ext>
+            </a:extLst>
+          </p:cNvPr>
+          <p:cNvPicPr>
+            <a:picLocks noChangeAspect="1"/>
+          </p:cNvPicPr>
+          <p:nvPr/>
+        </p:nvPicPr>
+        <p:blipFill>
+          <a:blip r:embed="rId4"/>
+          <a:stretch>
+            <a:fillRect/>
+          </a:stretch>
+        </p:blipFill>
+        <p:spPr>
+          <a:xfrm>
+            <a:off x="5667376" y="1440822"/>
+            <a:ext cx="2951030" cy="3754424"/>
+          </a:xfrm>
+          <a:prstGeom prst="rect">
+            <a:avLst/>
+          </a:prstGeom>
+        </p:spPr>
+      </p:pic>
     </p:spTree>
     <p:extLst>
       <p:ext uri="{BB962C8B-B14F-4D97-AF65-F5344CB8AC3E}">
-        <p14:creationId xmlns:p14="http://schemas.microsoft.com/office/powerpoint/2010/main" val="3474282668"/>
+        <p14:creationId xmlns:p14="http://schemas.microsoft.com/office/powerpoint/2010/main" val="2754922991"/>
       </p:ext>
     </p:extLst>
   </p:cSld>
@@ -10649,7 +16271,7 @@
           <p:nvPr/>
         </p:nvPicPr>
         <p:blipFill>
-          <a:blip r:embed="rId2">
+          <a:blip r:embed="rId3">
             <a:extLst>
               <a:ext uri="{28A0092B-C50C-407E-A947-70E740481C1C}">
                 <a14:useLocalDpi xmlns:a14="http://schemas.microsoft.com/office/drawing/2010/main" val="0"/>
@@ -10784,15 +16406,208 @@
           <a:p>
             <a:r>
               <a:rPr lang="en-US" i="1"/>
-              <a:t>Yêu cầu 1-6</a:t>
+              <a:t>Yêu cầu 1-3</a:t>
             </a:r>
           </a:p>
         </p:txBody>
       </p:sp>
+      <p:cxnSp>
+        <p:nvCxnSpPr>
+          <p:cNvPr id="3" name="Straight Connector 2">
+            <a:extLst>
+              <a:ext uri="{FF2B5EF4-FFF2-40B4-BE49-F238E27FC236}">
+                <a16:creationId xmlns:a16="http://schemas.microsoft.com/office/drawing/2014/main" id="{C4BB4107-403F-CD25-8D62-E1CD580C39E7}"/>
+              </a:ext>
+            </a:extLst>
+          </p:cNvPr>
+          <p:cNvCxnSpPr>
+            <a:cxnSpLocks/>
+          </p:cNvCxnSpPr>
+          <p:nvPr/>
+        </p:nvCxnSpPr>
+        <p:spPr>
+          <a:xfrm>
+            <a:off x="4752975" y="6238875"/>
+            <a:ext cx="4286250" cy="0"/>
+          </a:xfrm>
+          <a:prstGeom prst="line">
+            <a:avLst/>
+          </a:prstGeom>
+        </p:spPr>
+        <p:style>
+          <a:lnRef idx="1">
+            <a:schemeClr val="accent1"/>
+          </a:lnRef>
+          <a:fillRef idx="0">
+            <a:schemeClr val="accent1"/>
+          </a:fillRef>
+          <a:effectRef idx="0">
+            <a:schemeClr val="accent1"/>
+          </a:effectRef>
+          <a:fontRef idx="minor">
+            <a:schemeClr val="tx1"/>
+          </a:fontRef>
+        </p:style>
+      </p:cxnSp>
+      <p:sp>
+        <p:nvSpPr>
+          <p:cNvPr id="5" name="TextBox 4">
+            <a:extLst>
+              <a:ext uri="{FF2B5EF4-FFF2-40B4-BE49-F238E27FC236}">
+                <a16:creationId xmlns:a16="http://schemas.microsoft.com/office/drawing/2014/main" id="{7AF6E6C4-7E4D-6951-DD77-D67FDB08BE33}"/>
+              </a:ext>
+            </a:extLst>
+          </p:cNvPr>
+          <p:cNvSpPr txBox="1"/>
+          <p:nvPr/>
+        </p:nvSpPr>
+        <p:spPr>
+          <a:xfrm>
+            <a:off x="7753350" y="6336334"/>
+            <a:ext cx="1285874" cy="369332"/>
+          </a:xfrm>
+          <a:prstGeom prst="rect">
+            <a:avLst/>
+          </a:prstGeom>
+          <a:noFill/>
+        </p:spPr>
+        <p:txBody>
+          <a:bodyPr wrap="square" rtlCol="0">
+            <a:spAutoFit/>
+          </a:bodyPr>
+          <a:lstStyle/>
+          <a:p>
+            <a:r>
+              <a:rPr lang="en-US"/>
+              <a:t>Trang 1</a:t>
+            </a:r>
+          </a:p>
+        </p:txBody>
+      </p:sp>
+      <p:sp>
+        <p:nvSpPr>
+          <p:cNvPr id="7" name="TextBox 6">
+            <a:extLst>
+              <a:ext uri="{FF2B5EF4-FFF2-40B4-BE49-F238E27FC236}">
+                <a16:creationId xmlns:a16="http://schemas.microsoft.com/office/drawing/2014/main" id="{C27A575E-AACF-0BC5-FF71-5FCE2C283EAA}"/>
+              </a:ext>
+            </a:extLst>
+          </p:cNvPr>
+          <p:cNvSpPr txBox="1"/>
+          <p:nvPr/>
+        </p:nvSpPr>
+        <p:spPr>
+          <a:xfrm>
+            <a:off x="752474" y="3429000"/>
+            <a:ext cx="657226" cy="1427570"/>
+          </a:xfrm>
+          <a:prstGeom prst="rect">
+            <a:avLst/>
+          </a:prstGeom>
+          <a:noFill/>
+        </p:spPr>
+        <p:txBody>
+          <a:bodyPr wrap="square">
+            <a:spAutoFit/>
+          </a:bodyPr>
+          <a:lstStyle/>
+          <a:p>
+            <a:pPr algn="l">
+              <a:lnSpc>
+                <a:spcPct val="150000"/>
+              </a:lnSpc>
+            </a:pPr>
+            <a:r>
+              <a:rPr lang="en-US" b="1" i="0">
+                <a:effectLst/>
+                <a:latin typeface="Times New Roman" panose="02020603050405020304" pitchFamily="18" charset="0"/>
+                <a:cs typeface="Times New Roman" panose="02020603050405020304" pitchFamily="18" charset="0"/>
+              </a:rPr>
+              <a:t>BFS</a:t>
+            </a:r>
+          </a:p>
+          <a:p>
+            <a:br>
+              <a:rPr lang="vi-VN" b="0">
+                <a:solidFill>
+                  <a:srgbClr val="D4D4D4"/>
+                </a:solidFill>
+                <a:effectLst/>
+                <a:latin typeface="Consolas" panose="020B0609020204030204" pitchFamily="49" charset="0"/>
+              </a:rPr>
+            </a:br>
+            <a:r>
+              <a:rPr lang="vi-VN" b="0">
+                <a:solidFill>
+                  <a:srgbClr val="CE9178"/>
+                </a:solidFill>
+                <a:effectLst/>
+                <a:latin typeface="Consolas" panose="020B0609020204030204" pitchFamily="49" charset="0"/>
+              </a:rPr>
+              <a:t>  </a:t>
+            </a:r>
+            <a:endParaRPr lang="vi-VN" b="0">
+              <a:solidFill>
+                <a:srgbClr val="D4D4D4"/>
+              </a:solidFill>
+              <a:effectLst/>
+              <a:latin typeface="Consolas" panose="020B0609020204030204" pitchFamily="49" charset="0"/>
+            </a:endParaRPr>
+          </a:p>
+          <a:p>
+            <a:pPr algn="l">
+              <a:lnSpc>
+                <a:spcPct val="150000"/>
+              </a:lnSpc>
+            </a:pPr>
+            <a:endParaRPr lang="en-US" b="1" i="0">
+              <a:effectLst/>
+              <a:latin typeface="Times New Roman" panose="02020603050405020304" pitchFamily="18" charset="0"/>
+              <a:cs typeface="Times New Roman" panose="02020603050405020304" pitchFamily="18" charset="0"/>
+            </a:endParaRPr>
+          </a:p>
+        </p:txBody>
+      </p:sp>
+      <p:pic>
+        <p:nvPicPr>
+          <p:cNvPr id="6" name="Picture 5" descr="Diagram, schematic&#10;&#10;Description automatically generated">
+            <a:extLst>
+              <a:ext uri="{FF2B5EF4-FFF2-40B4-BE49-F238E27FC236}">
+                <a16:creationId xmlns:a16="http://schemas.microsoft.com/office/drawing/2014/main" id="{2B44FC83-2398-5E3A-C381-62AE739D08A6}"/>
+              </a:ext>
+            </a:extLst>
+          </p:cNvPr>
+          <p:cNvPicPr>
+            <a:picLocks noChangeAspect="1"/>
+          </p:cNvPicPr>
+          <p:nvPr/>
+        </p:nvPicPr>
+        <p:blipFill>
+          <a:blip r:embed="rId4">
+            <a:extLst>
+              <a:ext uri="{28A0092B-C50C-407E-A947-70E740481C1C}">
+                <a14:useLocalDpi xmlns:a14="http://schemas.microsoft.com/office/drawing/2010/main" val="0"/>
+              </a:ext>
+            </a:extLst>
+          </a:blip>
+          <a:stretch>
+            <a:fillRect/>
+          </a:stretch>
+        </p:blipFill>
+        <p:spPr>
+          <a:xfrm>
+            <a:off x="1797146" y="1089326"/>
+            <a:ext cx="5549708" cy="5039246"/>
+          </a:xfrm>
+          <a:prstGeom prst="rect">
+            <a:avLst/>
+          </a:prstGeom>
+        </p:spPr>
+      </p:pic>
     </p:spTree>
     <p:extLst>
       <p:ext uri="{BB962C8B-B14F-4D97-AF65-F5344CB8AC3E}">
-        <p14:creationId xmlns:p14="http://schemas.microsoft.com/office/powerpoint/2010/main" val="2895901428"/>
+        <p14:creationId xmlns:p14="http://schemas.microsoft.com/office/powerpoint/2010/main" val="1570060703"/>
       </p:ext>
     </p:extLst>
   </p:cSld>
@@ -11061,4 +16876,299 @@
     </a:ext>
   </a:extLst>
 </a:theme>
+</file>
+
+<file path=ppt/theme/theme2.xml><?xml version="1.0" encoding="utf-8"?>
+<a:theme xmlns:a="http://schemas.openxmlformats.org/drawingml/2006/main" name="Office Theme">
+  <a:themeElements>
+    <a:clrScheme name="Office">
+      <a:dk1>
+        <a:sysClr val="windowText" lastClr="000000"/>
+      </a:dk1>
+      <a:lt1>
+        <a:sysClr val="window" lastClr="FFFFFF"/>
+      </a:lt1>
+      <a:dk2>
+        <a:srgbClr val="44546A"/>
+      </a:dk2>
+      <a:lt2>
+        <a:srgbClr val="E7E6E6"/>
+      </a:lt2>
+      <a:accent1>
+        <a:srgbClr val="4472C4"/>
+      </a:accent1>
+      <a:accent2>
+        <a:srgbClr val="ED7D31"/>
+      </a:accent2>
+      <a:accent3>
+        <a:srgbClr val="A5A5A5"/>
+      </a:accent3>
+      <a:accent4>
+        <a:srgbClr val="FFC000"/>
+      </a:accent4>
+      <a:accent5>
+        <a:srgbClr val="5B9BD5"/>
+      </a:accent5>
+      <a:accent6>
+        <a:srgbClr val="70AD47"/>
+      </a:accent6>
+      <a:hlink>
+        <a:srgbClr val="0563C1"/>
+      </a:hlink>
+      <a:folHlink>
+        <a:srgbClr val="954F72"/>
+      </a:folHlink>
+    </a:clrScheme>
+    <a:fontScheme name="Office">
+      <a:majorFont>
+        <a:latin typeface="Calibri Light" panose="020F0302020204030204"/>
+        <a:ea typeface=""/>
+        <a:cs typeface=""/>
+        <a:font script="Jpan" typeface="游ゴシック Light"/>
+        <a:font script="Hang" typeface="맑은 고딕"/>
+        <a:font script="Hans" typeface="等线 Light"/>
+        <a:font script="Hant" typeface="新細明體"/>
+        <a:font script="Arab" typeface="Times New Roman"/>
+        <a:font script="Hebr" typeface="Times New Roman"/>
+        <a:font script="Thai" typeface="Angsana New"/>
+        <a:font script="Ethi" typeface="Nyala"/>
+        <a:font script="Beng" typeface="Vrinda"/>
+        <a:font script="Gujr" typeface="Shruti"/>
+        <a:font script="Khmr" typeface="MoolBoran"/>
+        <a:font script="Knda" typeface="Tunga"/>
+        <a:font script="Guru" typeface="Raavi"/>
+        <a:font script="Cans" typeface="Euphemia"/>
+        <a:font script="Cher" typeface="Plantagenet Cherokee"/>
+        <a:font script="Yiii" typeface="Microsoft Yi Baiti"/>
+        <a:font script="Tibt" typeface="Microsoft Himalaya"/>
+        <a:font script="Thaa" typeface="MV Boli"/>
+        <a:font script="Deva" typeface="Mangal"/>
+        <a:font script="Telu" typeface="Gautami"/>
+        <a:font script="Taml" typeface="Latha"/>
+        <a:font script="Syrc" typeface="Estrangelo Edessa"/>
+        <a:font script="Orya" typeface="Kalinga"/>
+        <a:font script="Mlym" typeface="Kartika"/>
+        <a:font script="Laoo" typeface="DokChampa"/>
+        <a:font script="Sinh" typeface="Iskoola Pota"/>
+        <a:font script="Mong" typeface="Mongolian Baiti"/>
+        <a:font script="Viet" typeface="Times New Roman"/>
+        <a:font script="Uigh" typeface="Microsoft Uighur"/>
+        <a:font script="Geor" typeface="Sylfaen"/>
+        <a:font script="Armn" typeface="Arial"/>
+        <a:font script="Bugi" typeface="Leelawadee UI"/>
+        <a:font script="Bopo" typeface="Microsoft JhengHei"/>
+        <a:font script="Java" typeface="Javanese Text"/>
+        <a:font script="Lisu" typeface="Segoe UI"/>
+        <a:font script="Mymr" typeface="Myanmar Text"/>
+        <a:font script="Nkoo" typeface="Ebrima"/>
+        <a:font script="Olck" typeface="Nirmala UI"/>
+        <a:font script="Osma" typeface="Ebrima"/>
+        <a:font script="Phag" typeface="Phagspa"/>
+        <a:font script="Syrn" typeface="Estrangelo Edessa"/>
+        <a:font script="Syrj" typeface="Estrangelo Edessa"/>
+        <a:font script="Syre" typeface="Estrangelo Edessa"/>
+        <a:font script="Sora" typeface="Nirmala UI"/>
+        <a:font script="Tale" typeface="Microsoft Tai Le"/>
+        <a:font script="Talu" typeface="Microsoft New Tai Lue"/>
+        <a:font script="Tfng" typeface="Ebrima"/>
+      </a:majorFont>
+      <a:minorFont>
+        <a:latin typeface="Calibri" panose="020F0502020204030204"/>
+        <a:ea typeface=""/>
+        <a:cs typeface=""/>
+        <a:font script="Jpan" typeface="游ゴシック"/>
+        <a:font script="Hang" typeface="맑은 고딕"/>
+        <a:font script="Hans" typeface="等线"/>
+        <a:font script="Hant" typeface="新細明體"/>
+        <a:font script="Arab" typeface="Arial"/>
+        <a:font script="Hebr" typeface="Arial"/>
+        <a:font script="Thai" typeface="Cordia New"/>
+        <a:font script="Ethi" typeface="Nyala"/>
+        <a:font script="Beng" typeface="Vrinda"/>
+        <a:font script="Gujr" typeface="Shruti"/>
+        <a:font script="Khmr" typeface="DaunPenh"/>
+        <a:font script="Knda" typeface="Tunga"/>
+        <a:font script="Guru" typeface="Raavi"/>
+        <a:font script="Cans" typeface="Euphemia"/>
+        <a:font script="Cher" typeface="Plantagenet Cherokee"/>
+        <a:font script="Yiii" typeface="Microsoft Yi Baiti"/>
+        <a:font script="Tibt" typeface="Microsoft Himalaya"/>
+        <a:font script="Thaa" typeface="MV Boli"/>
+        <a:font script="Deva" typeface="Mangal"/>
+        <a:font script="Telu" typeface="Gautami"/>
+        <a:font script="Taml" typeface="Latha"/>
+        <a:font script="Syrc" typeface="Estrangelo Edessa"/>
+        <a:font script="Orya" typeface="Kalinga"/>
+        <a:font script="Mlym" typeface="Kartika"/>
+        <a:font script="Laoo" typeface="DokChampa"/>
+        <a:font script="Sinh" typeface="Iskoola Pota"/>
+        <a:font script="Mong" typeface="Mongolian Baiti"/>
+        <a:font script="Viet" typeface="Arial"/>
+        <a:font script="Uigh" typeface="Microsoft Uighur"/>
+        <a:font script="Geor" typeface="Sylfaen"/>
+        <a:font script="Armn" typeface="Arial"/>
+        <a:font script="Bugi" typeface="Leelawadee UI"/>
+        <a:font script="Bopo" typeface="Microsoft JhengHei"/>
+        <a:font script="Java" typeface="Javanese Text"/>
+        <a:font script="Lisu" typeface="Segoe UI"/>
+        <a:font script="Mymr" typeface="Myanmar Text"/>
+        <a:font script="Nkoo" typeface="Ebrima"/>
+        <a:font script="Olck" typeface="Nirmala UI"/>
+        <a:font script="Osma" typeface="Ebrima"/>
+        <a:font script="Phag" typeface="Phagspa"/>
+        <a:font script="Syrn" typeface="Estrangelo Edessa"/>
+        <a:font script="Syrj" typeface="Estrangelo Edessa"/>
+        <a:font script="Syre" typeface="Estrangelo Edessa"/>
+        <a:font script="Sora" typeface="Nirmala UI"/>
+        <a:font script="Tale" typeface="Microsoft Tai Le"/>
+        <a:font script="Talu" typeface="Microsoft New Tai Lue"/>
+        <a:font script="Tfng" typeface="Ebrima"/>
+      </a:minorFont>
+    </a:fontScheme>
+    <a:fmtScheme name="Office">
+      <a:fillStyleLst>
+        <a:solidFill>
+          <a:schemeClr val="phClr"/>
+        </a:solidFill>
+        <a:gradFill rotWithShape="1">
+          <a:gsLst>
+            <a:gs pos="0">
+              <a:schemeClr val="phClr">
+                <a:lumMod val="110000"/>
+                <a:satMod val="105000"/>
+                <a:tint val="67000"/>
+              </a:schemeClr>
+            </a:gs>
+            <a:gs pos="50000">
+              <a:schemeClr val="phClr">
+                <a:lumMod val="105000"/>
+                <a:satMod val="103000"/>
+                <a:tint val="73000"/>
+              </a:schemeClr>
+            </a:gs>
+            <a:gs pos="100000">
+              <a:schemeClr val="phClr">
+                <a:lumMod val="105000"/>
+                <a:satMod val="109000"/>
+                <a:tint val="81000"/>
+              </a:schemeClr>
+            </a:gs>
+          </a:gsLst>
+          <a:lin ang="5400000" scaled="0"/>
+        </a:gradFill>
+        <a:gradFill rotWithShape="1">
+          <a:gsLst>
+            <a:gs pos="0">
+              <a:schemeClr val="phClr">
+                <a:satMod val="103000"/>
+                <a:lumMod val="102000"/>
+                <a:tint val="94000"/>
+              </a:schemeClr>
+            </a:gs>
+            <a:gs pos="50000">
+              <a:schemeClr val="phClr">
+                <a:satMod val="110000"/>
+                <a:lumMod val="100000"/>
+                <a:shade val="100000"/>
+              </a:schemeClr>
+            </a:gs>
+            <a:gs pos="100000">
+              <a:schemeClr val="phClr">
+                <a:lumMod val="99000"/>
+                <a:satMod val="120000"/>
+                <a:shade val="78000"/>
+              </a:schemeClr>
+            </a:gs>
+          </a:gsLst>
+          <a:lin ang="5400000" scaled="0"/>
+        </a:gradFill>
+      </a:fillStyleLst>
+      <a:lnStyleLst>
+        <a:ln w="6350" cap="flat" cmpd="sng" algn="ctr">
+          <a:solidFill>
+            <a:schemeClr val="phClr"/>
+          </a:solidFill>
+          <a:prstDash val="solid"/>
+          <a:miter lim="800000"/>
+        </a:ln>
+        <a:ln w="12700" cap="flat" cmpd="sng" algn="ctr">
+          <a:solidFill>
+            <a:schemeClr val="phClr"/>
+          </a:solidFill>
+          <a:prstDash val="solid"/>
+          <a:miter lim="800000"/>
+        </a:ln>
+        <a:ln w="19050" cap="flat" cmpd="sng" algn="ctr">
+          <a:solidFill>
+            <a:schemeClr val="phClr"/>
+          </a:solidFill>
+          <a:prstDash val="solid"/>
+          <a:miter lim="800000"/>
+        </a:ln>
+      </a:lnStyleLst>
+      <a:effectStyleLst>
+        <a:effectStyle>
+          <a:effectLst/>
+        </a:effectStyle>
+        <a:effectStyle>
+          <a:effectLst/>
+        </a:effectStyle>
+        <a:effectStyle>
+          <a:effectLst>
+            <a:outerShdw blurRad="57150" dist="19050" dir="5400000" algn="ctr" rotWithShape="0">
+              <a:srgbClr val="000000">
+                <a:alpha val="63000"/>
+              </a:srgbClr>
+            </a:outerShdw>
+          </a:effectLst>
+        </a:effectStyle>
+      </a:effectStyleLst>
+      <a:bgFillStyleLst>
+        <a:solidFill>
+          <a:schemeClr val="phClr"/>
+        </a:solidFill>
+        <a:solidFill>
+          <a:schemeClr val="phClr">
+            <a:tint val="95000"/>
+            <a:satMod val="170000"/>
+          </a:schemeClr>
+        </a:solidFill>
+        <a:gradFill rotWithShape="1">
+          <a:gsLst>
+            <a:gs pos="0">
+              <a:schemeClr val="phClr">
+                <a:tint val="93000"/>
+                <a:satMod val="150000"/>
+                <a:shade val="98000"/>
+                <a:lumMod val="102000"/>
+              </a:schemeClr>
+            </a:gs>
+            <a:gs pos="50000">
+              <a:schemeClr val="phClr">
+                <a:tint val="98000"/>
+                <a:satMod val="130000"/>
+                <a:shade val="90000"/>
+                <a:lumMod val="103000"/>
+              </a:schemeClr>
+            </a:gs>
+            <a:gs pos="100000">
+              <a:schemeClr val="phClr">
+                <a:shade val="63000"/>
+                <a:satMod val="120000"/>
+              </a:schemeClr>
+            </a:gs>
+          </a:gsLst>
+          <a:lin ang="5400000" scaled="0"/>
+        </a:gradFill>
+      </a:bgFillStyleLst>
+    </a:fmtScheme>
+  </a:themeElements>
+  <a:objectDefaults/>
+  <a:extraClrSchemeLst/>
+  <a:extLst>
+    <a:ext uri="{05A4C25C-085E-4340-85A3-A5531E510DB2}">
+      <thm15:themeFamily xmlns:thm15="http://schemas.microsoft.com/office/thememl/2012/main" name="Office Theme" id="{62F939B6-93AF-4DB8-9C6B-D6C7DFDC589F}" vid="{4A3C46E8-61CC-4603-A589-7422A47A8E4A}"/>
+    </a:ext>
+  </a:extLst>
+</a:theme>
 </file>
--- a/present/presentation.pptx
+++ b/present/presentation.pptx
@@ -5,7 +5,7 @@
     <p:sldMasterId id="2147483660" r:id="rId1"/>
   </p:sldMasterIdLst>
   <p:notesMasterIdLst>
-    <p:notesMasterId r:id="rId27"/>
+    <p:notesMasterId r:id="rId28"/>
   </p:notesMasterIdLst>
   <p:sldIdLst>
     <p:sldId id="257" r:id="rId2"/>
@@ -18,21 +18,22 @@
     <p:sldId id="279" r:id="rId9"/>
     <p:sldId id="280" r:id="rId10"/>
     <p:sldId id="281" r:id="rId11"/>
-    <p:sldId id="261" r:id="rId12"/>
-    <p:sldId id="260" r:id="rId13"/>
-    <p:sldId id="264" r:id="rId14"/>
-    <p:sldId id="273" r:id="rId15"/>
-    <p:sldId id="265" r:id="rId16"/>
-    <p:sldId id="266" r:id="rId17"/>
-    <p:sldId id="267" r:id="rId18"/>
-    <p:sldId id="268" r:id="rId19"/>
-    <p:sldId id="269" r:id="rId20"/>
-    <p:sldId id="274" r:id="rId21"/>
-    <p:sldId id="270" r:id="rId22"/>
-    <p:sldId id="271" r:id="rId23"/>
-    <p:sldId id="275" r:id="rId24"/>
-    <p:sldId id="276" r:id="rId25"/>
-    <p:sldId id="272" r:id="rId26"/>
+    <p:sldId id="282" r:id="rId12"/>
+    <p:sldId id="261" r:id="rId13"/>
+    <p:sldId id="260" r:id="rId14"/>
+    <p:sldId id="264" r:id="rId15"/>
+    <p:sldId id="273" r:id="rId16"/>
+    <p:sldId id="265" r:id="rId17"/>
+    <p:sldId id="266" r:id="rId18"/>
+    <p:sldId id="267" r:id="rId19"/>
+    <p:sldId id="268" r:id="rId20"/>
+    <p:sldId id="269" r:id="rId21"/>
+    <p:sldId id="274" r:id="rId22"/>
+    <p:sldId id="270" r:id="rId23"/>
+    <p:sldId id="271" r:id="rId24"/>
+    <p:sldId id="275" r:id="rId25"/>
+    <p:sldId id="276" r:id="rId26"/>
+    <p:sldId id="272" r:id="rId27"/>
   </p:sldIdLst>
   <p:sldSz cx="9144000" cy="6858000" type="screen4x3"/>
   <p:notesSz cx="6858000" cy="9144000"/>
@@ -142,7 +143,7 @@
 <file path=ppt/revisionInfo.xml><?xml version="1.0" encoding="utf-8"?>
 <p1510:revInfo xmlns:a="http://schemas.openxmlformats.org/drawingml/2006/main" xmlns:r="http://schemas.openxmlformats.org/officeDocument/2006/relationships" xmlns:p1510="http://schemas.microsoft.com/office/powerpoint/2015/10/main">
   <p1510:revLst>
-    <p1510:client id="{FA98E611-7EE5-4D53-A8F6-A8478DA16B0D}" v="107" dt="2023-03-17T07:03:03.495"/>
+    <p1510:client id="{FA98E611-7EE5-4D53-A8F6-A8478DA16B0D}" v="128" dt="2023-03-18T18:27:01.617"/>
   </p1510:revLst>
 </p1510:revInfo>
 </file>
@@ -152,12 +153,12 @@
   <pc:docChgLst>
     <pc:chgData name="Trung Nghia Nguyen" userId="caf0b1f78d203fdc" providerId="LiveId" clId="{FA98E611-7EE5-4D53-A8F6-A8478DA16B0D}"/>
     <pc:docChg chg="undo custSel addSld delSld modSld sldOrd modMainMaster">
-      <pc:chgData name="Trung Nghia Nguyen" userId="caf0b1f78d203fdc" providerId="LiveId" clId="{FA98E611-7EE5-4D53-A8F6-A8478DA16B0D}" dt="2023-03-17T07:06:13.877" v="3269" actId="20577"/>
+      <pc:chgData name="Trung Nghia Nguyen" userId="caf0b1f78d203fdc" providerId="LiveId" clId="{FA98E611-7EE5-4D53-A8F6-A8478DA16B0D}" dt="2023-03-18T18:48:28.906" v="3609" actId="1076"/>
       <pc:docMkLst>
         <pc:docMk/>
       </pc:docMkLst>
       <pc:sldChg chg="addSp delSp modSp new mod">
-        <pc:chgData name="Trung Nghia Nguyen" userId="caf0b1f78d203fdc" providerId="LiveId" clId="{FA98E611-7EE5-4D53-A8F6-A8478DA16B0D}" dt="2023-03-17T04:38:44.756" v="3043" actId="14100"/>
+        <pc:chgData name="Trung Nghia Nguyen" userId="caf0b1f78d203fdc" providerId="LiveId" clId="{FA98E611-7EE5-4D53-A8F6-A8478DA16B0D}" dt="2023-03-18T17:30:02.146" v="3437"/>
         <pc:sldMkLst>
           <pc:docMk/>
           <pc:sldMk cId="779292092" sldId="256"/>
@@ -243,7 +244,7 @@
           </ac:spMkLst>
         </pc:spChg>
         <pc:graphicFrameChg chg="add mod modGraphic">
-          <ac:chgData name="Trung Nghia Nguyen" userId="caf0b1f78d203fdc" providerId="LiveId" clId="{FA98E611-7EE5-4D53-A8F6-A8478DA16B0D}" dt="2023-03-17T04:33:02.780" v="2939" actId="20577"/>
+          <ac:chgData name="Trung Nghia Nguyen" userId="caf0b1f78d203fdc" providerId="LiveId" clId="{FA98E611-7EE5-4D53-A8F6-A8478DA16B0D}" dt="2023-03-18T17:30:02.146" v="3437"/>
           <ac:graphicFrameMkLst>
             <pc:docMk/>
             <pc:sldMk cId="779292092" sldId="256"/>
@@ -276,7 +277,7 @@
         </pc:cxnChg>
       </pc:sldChg>
       <pc:sldChg chg="addSp modSp add mod ord">
-        <pc:chgData name="Trung Nghia Nguyen" userId="caf0b1f78d203fdc" providerId="LiveId" clId="{FA98E611-7EE5-4D53-A8F6-A8478DA16B0D}" dt="2023-03-17T04:37:47.645" v="3020" actId="14100"/>
+        <pc:chgData name="Trung Nghia Nguyen" userId="caf0b1f78d203fdc" providerId="LiveId" clId="{FA98E611-7EE5-4D53-A8F6-A8478DA16B0D}" dt="2023-03-18T17:27:14.749" v="3332" actId="20577"/>
         <pc:sldMkLst>
           <pc:docMk/>
           <pc:sldMk cId="502051408" sldId="257"/>
@@ -290,7 +291,7 @@
           </ac:spMkLst>
         </pc:spChg>
         <pc:graphicFrameChg chg="mod modGraphic">
-          <ac:chgData name="Trung Nghia Nguyen" userId="caf0b1f78d203fdc" providerId="LiveId" clId="{FA98E611-7EE5-4D53-A8F6-A8478DA16B0D}" dt="2023-03-16T05:55:18.040" v="793" actId="1076"/>
+          <ac:chgData name="Trung Nghia Nguyen" userId="caf0b1f78d203fdc" providerId="LiveId" clId="{FA98E611-7EE5-4D53-A8F6-A8478DA16B0D}" dt="2023-03-18T17:27:14.749" v="3332" actId="20577"/>
           <ac:graphicFrameMkLst>
             <pc:docMk/>
             <pc:sldMk cId="502051408" sldId="257"/>
@@ -456,7 +457,7 @@
         </pc:cxnChg>
       </pc:sldChg>
       <pc:sldChg chg="addSp delSp modSp add mod">
-        <pc:chgData name="Trung Nghia Nguyen" userId="caf0b1f78d203fdc" providerId="LiveId" clId="{FA98E611-7EE5-4D53-A8F6-A8478DA16B0D}" dt="2023-03-17T04:39:11.622" v="3055"/>
+        <pc:chgData name="Trung Nghia Nguyen" userId="caf0b1f78d203fdc" providerId="LiveId" clId="{FA98E611-7EE5-4D53-A8F6-A8478DA16B0D}" dt="2023-03-18T18:02:27.665" v="3498" actId="14100"/>
         <pc:sldMkLst>
           <pc:docMk/>
           <pc:sldMk cId="2176878142" sldId="261"/>
@@ -485,6 +486,22 @@
             <ac:spMk id="5" creationId="{773F5182-C15F-B8A2-79A6-98CC56113930}"/>
           </ac:spMkLst>
         </pc:spChg>
+        <pc:picChg chg="add mod">
+          <ac:chgData name="Trung Nghia Nguyen" userId="caf0b1f78d203fdc" providerId="LiveId" clId="{FA98E611-7EE5-4D53-A8F6-A8478DA16B0D}" dt="2023-03-18T18:02:12.736" v="3496" actId="1076"/>
+          <ac:picMkLst>
+            <pc:docMk/>
+            <pc:sldMk cId="2176878142" sldId="261"/>
+            <ac:picMk id="6" creationId="{DBB75A3D-9236-0F32-4DB3-8640590F658C}"/>
+          </ac:picMkLst>
+        </pc:picChg>
+        <pc:picChg chg="add mod">
+          <ac:chgData name="Trung Nghia Nguyen" userId="caf0b1f78d203fdc" providerId="LiveId" clId="{FA98E611-7EE5-4D53-A8F6-A8478DA16B0D}" dt="2023-03-18T18:02:27.665" v="3498" actId="14100"/>
+          <ac:picMkLst>
+            <pc:docMk/>
+            <pc:sldMk cId="2176878142" sldId="261"/>
+            <ac:picMk id="8" creationId="{CA8451FB-3C2B-4482-8DC3-38D9C773F858}"/>
+          </ac:picMkLst>
+        </pc:picChg>
         <pc:cxnChg chg="add mod">
           <ac:chgData name="Trung Nghia Nguyen" userId="caf0b1f78d203fdc" providerId="LiveId" clId="{FA98E611-7EE5-4D53-A8F6-A8478DA16B0D}" dt="2023-03-17T04:38:01.916" v="3027"/>
           <ac:cxnSpMkLst>
@@ -644,7 +661,7 @@
         </pc:cxnChg>
       </pc:sldChg>
       <pc:sldChg chg="addSp delSp modSp add mod replId">
-        <pc:chgData name="Trung Nghia Nguyen" userId="caf0b1f78d203fdc" providerId="LiveId" clId="{FA98E611-7EE5-4D53-A8F6-A8478DA16B0D}" dt="2023-03-17T04:39:27.722" v="3063"/>
+        <pc:chgData name="Trung Nghia Nguyen" userId="caf0b1f78d203fdc" providerId="LiveId" clId="{FA98E611-7EE5-4D53-A8F6-A8478DA16B0D}" dt="2023-03-18T18:08:47.529" v="3575" actId="14100"/>
         <pc:sldMkLst>
           <pc:docMk/>
           <pc:sldMk cId="4283605162" sldId="265"/>
@@ -666,11 +683,35 @@
           </ac:spMkLst>
         </pc:spChg>
         <pc:spChg chg="add mod">
+          <ac:chgData name="Trung Nghia Nguyen" userId="caf0b1f78d203fdc" providerId="LiveId" clId="{FA98E611-7EE5-4D53-A8F6-A8478DA16B0D}" dt="2023-03-18T18:06:10.161" v="3553" actId="114"/>
+          <ac:spMkLst>
+            <pc:docMk/>
+            <pc:sldMk cId="4283605162" sldId="265"/>
+            <ac:spMk id="4" creationId="{6155AFF2-5D57-35C2-5FA4-18DC56B50EDC}"/>
+          </ac:spMkLst>
+        </pc:spChg>
+        <pc:spChg chg="add mod">
           <ac:chgData name="Trung Nghia Nguyen" userId="caf0b1f78d203fdc" providerId="LiveId" clId="{FA98E611-7EE5-4D53-A8F6-A8478DA16B0D}" dt="2023-03-17T04:39:27.722" v="3063"/>
           <ac:spMkLst>
             <pc:docMk/>
             <pc:sldMk cId="4283605162" sldId="265"/>
             <ac:spMk id="5" creationId="{C636AC51-235F-27C4-310D-353DA6ACFACB}"/>
+          </ac:spMkLst>
+        </pc:spChg>
+        <pc:spChg chg="add mod">
+          <ac:chgData name="Trung Nghia Nguyen" userId="caf0b1f78d203fdc" providerId="LiveId" clId="{FA98E611-7EE5-4D53-A8F6-A8478DA16B0D}" dt="2023-03-18T18:07:06.115" v="3566" actId="20577"/>
+          <ac:spMkLst>
+            <pc:docMk/>
+            <pc:sldMk cId="4283605162" sldId="265"/>
+            <ac:spMk id="8" creationId="{5B6ADF82-7127-B1E1-AB08-85E9AFA2C229}"/>
+          </ac:spMkLst>
+        </pc:spChg>
+        <pc:spChg chg="add mod">
+          <ac:chgData name="Trung Nghia Nguyen" userId="caf0b1f78d203fdc" providerId="LiveId" clId="{FA98E611-7EE5-4D53-A8F6-A8478DA16B0D}" dt="2023-03-18T18:08:32.927" v="3572" actId="1076"/>
+          <ac:spMkLst>
+            <pc:docMk/>
+            <pc:sldMk cId="4283605162" sldId="265"/>
+            <ac:spMk id="12" creationId="{C28A47A4-273C-2F4E-0D9B-7FF4CE6F8FC8}"/>
           </ac:spMkLst>
         </pc:spChg>
         <pc:spChg chg="mod">
@@ -681,6 +722,30 @@
             <ac:spMk id="14" creationId="{63B4AB36-B54A-EA5C-2A74-F2C80BE0CBC4}"/>
           </ac:spMkLst>
         </pc:spChg>
+        <pc:picChg chg="add mod">
+          <ac:chgData name="Trung Nghia Nguyen" userId="caf0b1f78d203fdc" providerId="LiveId" clId="{FA98E611-7EE5-4D53-A8F6-A8478DA16B0D}" dt="2023-03-18T18:06:37.350" v="3555" actId="1076"/>
+          <ac:picMkLst>
+            <pc:docMk/>
+            <pc:sldMk cId="4283605162" sldId="265"/>
+            <ac:picMk id="7" creationId="{9BE015F4-B740-114F-C17A-D68586C61382}"/>
+          </ac:picMkLst>
+        </pc:picChg>
+        <pc:picChg chg="add mod">
+          <ac:chgData name="Trung Nghia Nguyen" userId="caf0b1f78d203fdc" providerId="LiveId" clId="{FA98E611-7EE5-4D53-A8F6-A8478DA16B0D}" dt="2023-03-18T18:07:58.319" v="3570" actId="1076"/>
+          <ac:picMkLst>
+            <pc:docMk/>
+            <pc:sldMk cId="4283605162" sldId="265"/>
+            <ac:picMk id="10" creationId="{64FFD8A3-EA3E-8803-1A9E-83B9D68AD773}"/>
+          </ac:picMkLst>
+        </pc:picChg>
+        <pc:picChg chg="add mod">
+          <ac:chgData name="Trung Nghia Nguyen" userId="caf0b1f78d203fdc" providerId="LiveId" clId="{FA98E611-7EE5-4D53-A8F6-A8478DA16B0D}" dt="2023-03-18T18:08:47.529" v="3575" actId="14100"/>
+          <ac:picMkLst>
+            <pc:docMk/>
+            <pc:sldMk cId="4283605162" sldId="265"/>
+            <ac:picMk id="15" creationId="{E1B123BE-4EEC-7C2E-0D92-C3C0811176CB}"/>
+          </ac:picMkLst>
+        </pc:picChg>
         <pc:cxnChg chg="add mod">
           <ac:chgData name="Trung Nghia Nguyen" userId="caf0b1f78d203fdc" providerId="LiveId" clId="{FA98E611-7EE5-4D53-A8F6-A8478DA16B0D}" dt="2023-03-17T04:38:07.552" v="3031"/>
           <ac:cxnSpMkLst>
@@ -691,7 +756,7 @@
         </pc:cxnChg>
       </pc:sldChg>
       <pc:sldChg chg="addSp delSp modSp add mod replId">
-        <pc:chgData name="Trung Nghia Nguyen" userId="caf0b1f78d203fdc" providerId="LiveId" clId="{FA98E611-7EE5-4D53-A8F6-A8478DA16B0D}" dt="2023-03-17T04:39:31.733" v="3065"/>
+        <pc:chgData name="Trung Nghia Nguyen" userId="caf0b1f78d203fdc" providerId="LiveId" clId="{FA98E611-7EE5-4D53-A8F6-A8478DA16B0D}" dt="2023-03-18T18:13:54.951" v="3582" actId="21"/>
         <pc:sldMkLst>
           <pc:docMk/>
           <pc:sldMk cId="1755807355" sldId="266"/>
@@ -728,6 +793,14 @@
             <ac:spMk id="14" creationId="{63B4AB36-B54A-EA5C-2A74-F2C80BE0CBC4}"/>
           </ac:spMkLst>
         </pc:spChg>
+        <pc:picChg chg="add del mod modCrop">
+          <ac:chgData name="Trung Nghia Nguyen" userId="caf0b1f78d203fdc" providerId="LiveId" clId="{FA98E611-7EE5-4D53-A8F6-A8478DA16B0D}" dt="2023-03-18T18:13:54.951" v="3582" actId="21"/>
+          <ac:picMkLst>
+            <pc:docMk/>
+            <pc:sldMk cId="1755807355" sldId="266"/>
+            <ac:picMk id="6" creationId="{22C59D75-28CE-46F5-5707-658FE476BFDD}"/>
+          </ac:picMkLst>
+        </pc:picChg>
         <pc:cxnChg chg="add mod">
           <ac:chgData name="Trung Nghia Nguyen" userId="caf0b1f78d203fdc" providerId="LiveId" clId="{FA98E611-7EE5-4D53-A8F6-A8478DA16B0D}" dt="2023-03-17T04:38:09.225" v="3032"/>
           <ac:cxnSpMkLst>
@@ -738,7 +811,7 @@
         </pc:cxnChg>
       </pc:sldChg>
       <pc:sldChg chg="addSp delSp modSp add mod replId">
-        <pc:chgData name="Trung Nghia Nguyen" userId="caf0b1f78d203fdc" providerId="LiveId" clId="{FA98E611-7EE5-4D53-A8F6-A8478DA16B0D}" dt="2023-03-17T04:39:35.462" v="3067"/>
+        <pc:chgData name="Trung Nghia Nguyen" userId="caf0b1f78d203fdc" providerId="LiveId" clId="{FA98E611-7EE5-4D53-A8F6-A8478DA16B0D}" dt="2023-03-18T18:13:56.175" v="3583"/>
         <pc:sldMkLst>
           <pc:docMk/>
           <pc:sldMk cId="420754388" sldId="267"/>
@@ -775,6 +848,14 @@
             <ac:spMk id="14" creationId="{63B4AB36-B54A-EA5C-2A74-F2C80BE0CBC4}"/>
           </ac:spMkLst>
         </pc:spChg>
+        <pc:picChg chg="add mod">
+          <ac:chgData name="Trung Nghia Nguyen" userId="caf0b1f78d203fdc" providerId="LiveId" clId="{FA98E611-7EE5-4D53-A8F6-A8478DA16B0D}" dt="2023-03-18T18:13:56.175" v="3583"/>
+          <ac:picMkLst>
+            <pc:docMk/>
+            <pc:sldMk cId="420754388" sldId="267"/>
+            <ac:picMk id="4" creationId="{E12BC0F1-607B-17E9-1754-F5489A61089A}"/>
+          </ac:picMkLst>
+        </pc:picChg>
         <pc:cxnChg chg="add mod">
           <ac:chgData name="Trung Nghia Nguyen" userId="caf0b1f78d203fdc" providerId="LiveId" clId="{FA98E611-7EE5-4D53-A8F6-A8478DA16B0D}" dt="2023-03-17T04:38:10.896" v="3033"/>
           <ac:cxnSpMkLst>
@@ -832,7 +913,7 @@
         </pc:cxnChg>
       </pc:sldChg>
       <pc:sldChg chg="addSp delSp modSp add mod">
-        <pc:chgData name="Trung Nghia Nguyen" userId="caf0b1f78d203fdc" providerId="LiveId" clId="{FA98E611-7EE5-4D53-A8F6-A8478DA16B0D}" dt="2023-03-17T04:39:44.003" v="3071"/>
+        <pc:chgData name="Trung Nghia Nguyen" userId="caf0b1f78d203fdc" providerId="LiveId" clId="{FA98E611-7EE5-4D53-A8F6-A8478DA16B0D}" dt="2023-03-18T18:27:23.003" v="3592" actId="1076"/>
         <pc:sldMkLst>
           <pc:docMk/>
           <pc:sldMk cId="4260099494" sldId="269"/>
@@ -869,6 +950,14 @@
             <ac:spMk id="14" creationId="{63B4AB36-B54A-EA5C-2A74-F2C80BE0CBC4}"/>
           </ac:spMkLst>
         </pc:spChg>
+        <pc:picChg chg="add mod ord">
+          <ac:chgData name="Trung Nghia Nguyen" userId="caf0b1f78d203fdc" providerId="LiveId" clId="{FA98E611-7EE5-4D53-A8F6-A8478DA16B0D}" dt="2023-03-18T18:27:23.003" v="3592" actId="1076"/>
+          <ac:picMkLst>
+            <pc:docMk/>
+            <pc:sldMk cId="4260099494" sldId="269"/>
+            <ac:picMk id="6" creationId="{373DC444-4599-D269-D2D6-A3F6CA69A851}"/>
+          </ac:picMkLst>
+        </pc:picChg>
         <pc:cxnChg chg="add mod">
           <ac:chgData name="Trung Nghia Nguyen" userId="caf0b1f78d203fdc" providerId="LiveId" clId="{FA98E611-7EE5-4D53-A8F6-A8478DA16B0D}" dt="2023-03-17T04:38:13.996" v="3035"/>
           <ac:cxnSpMkLst>
@@ -879,7 +968,7 @@
         </pc:cxnChg>
       </pc:sldChg>
       <pc:sldChg chg="addSp delSp modSp add mod">
-        <pc:chgData name="Trung Nghia Nguyen" userId="caf0b1f78d203fdc" providerId="LiveId" clId="{FA98E611-7EE5-4D53-A8F6-A8478DA16B0D}" dt="2023-03-17T04:39:50.810" v="3075"/>
+        <pc:chgData name="Trung Nghia Nguyen" userId="caf0b1f78d203fdc" providerId="LiveId" clId="{FA98E611-7EE5-4D53-A8F6-A8478DA16B0D}" dt="2023-03-18T18:39:28.117" v="3603" actId="1076"/>
         <pc:sldMkLst>
           <pc:docMk/>
           <pc:sldMk cId="2511818953" sldId="270"/>
@@ -916,6 +1005,38 @@
             <ac:spMk id="14" creationId="{63B4AB36-B54A-EA5C-2A74-F2C80BE0CBC4}"/>
           </ac:spMkLst>
         </pc:spChg>
+        <pc:picChg chg="add del mod">
+          <ac:chgData name="Trung Nghia Nguyen" userId="caf0b1f78d203fdc" providerId="LiveId" clId="{FA98E611-7EE5-4D53-A8F6-A8478DA16B0D}" dt="2023-03-18T18:30:02.221" v="3595" actId="478"/>
+          <ac:picMkLst>
+            <pc:docMk/>
+            <pc:sldMk cId="2511818953" sldId="270"/>
+            <ac:picMk id="6" creationId="{83246909-A1CC-816B-D558-2403AE26644F}"/>
+          </ac:picMkLst>
+        </pc:picChg>
+        <pc:picChg chg="add del mod">
+          <ac:chgData name="Trung Nghia Nguyen" userId="caf0b1f78d203fdc" providerId="LiveId" clId="{FA98E611-7EE5-4D53-A8F6-A8478DA16B0D}" dt="2023-03-18T18:31:57.248" v="3598" actId="478"/>
+          <ac:picMkLst>
+            <pc:docMk/>
+            <pc:sldMk cId="2511818953" sldId="270"/>
+            <ac:picMk id="8" creationId="{886B370D-F837-49D0-4BAA-2CBF68A486EA}"/>
+          </ac:picMkLst>
+        </pc:picChg>
+        <pc:picChg chg="add mod">
+          <ac:chgData name="Trung Nghia Nguyen" userId="caf0b1f78d203fdc" providerId="LiveId" clId="{FA98E611-7EE5-4D53-A8F6-A8478DA16B0D}" dt="2023-03-18T18:39:28.117" v="3603" actId="1076"/>
+          <ac:picMkLst>
+            <pc:docMk/>
+            <pc:sldMk cId="2511818953" sldId="270"/>
+            <ac:picMk id="10" creationId="{18007800-E682-98CF-F763-93064B193CD7}"/>
+          </ac:picMkLst>
+        </pc:picChg>
+        <pc:picChg chg="add mod">
+          <ac:chgData name="Trung Nghia Nguyen" userId="caf0b1f78d203fdc" providerId="LiveId" clId="{FA98E611-7EE5-4D53-A8F6-A8478DA16B0D}" dt="2023-03-18T18:39:23.469" v="3602" actId="1076"/>
+          <ac:picMkLst>
+            <pc:docMk/>
+            <pc:sldMk cId="2511818953" sldId="270"/>
+            <ac:picMk id="13" creationId="{5ECDC6C7-6458-4D2B-BD68-F1E95B358571}"/>
+          </ac:picMkLst>
+        </pc:picChg>
         <pc:cxnChg chg="add mod">
           <ac:chgData name="Trung Nghia Nguyen" userId="caf0b1f78d203fdc" providerId="LiveId" clId="{FA98E611-7EE5-4D53-A8F6-A8478DA16B0D}" dt="2023-03-17T04:38:17.041" v="3037"/>
           <ac:cxnSpMkLst>
@@ -926,7 +1047,7 @@
         </pc:cxnChg>
       </pc:sldChg>
       <pc:sldChg chg="addSp delSp modSp add mod replId">
-        <pc:chgData name="Trung Nghia Nguyen" userId="caf0b1f78d203fdc" providerId="LiveId" clId="{FA98E611-7EE5-4D53-A8F6-A8478DA16B0D}" dt="2023-03-17T04:39:56.343" v="3077"/>
+        <pc:chgData name="Trung Nghia Nguyen" userId="caf0b1f78d203fdc" providerId="LiveId" clId="{FA98E611-7EE5-4D53-A8F6-A8478DA16B0D}" dt="2023-03-18T18:48:28.906" v="3609" actId="1076"/>
         <pc:sldMkLst>
           <pc:docMk/>
           <pc:sldMk cId="2278832414" sldId="271"/>
@@ -955,6 +1076,14 @@
             <ac:spMk id="5" creationId="{C9086857-A576-49DA-0719-5BEB9C24F20C}"/>
           </ac:spMkLst>
         </pc:spChg>
+        <pc:spChg chg="add del">
+          <ac:chgData name="Trung Nghia Nguyen" userId="caf0b1f78d203fdc" providerId="LiveId" clId="{FA98E611-7EE5-4D53-A8F6-A8478DA16B0D}" dt="2023-03-18T18:48:21.799" v="3605" actId="22"/>
+          <ac:spMkLst>
+            <pc:docMk/>
+            <pc:sldMk cId="2278832414" sldId="271"/>
+            <ac:spMk id="6" creationId="{5B87C63A-F05D-9F9B-3078-B83C9F562134}"/>
+          </ac:spMkLst>
+        </pc:spChg>
         <pc:spChg chg="mod">
           <ac:chgData name="Trung Nghia Nguyen" userId="caf0b1f78d203fdc" providerId="LiveId" clId="{FA98E611-7EE5-4D53-A8F6-A8478DA16B0D}" dt="2023-03-16T06:10:27.110" v="1214" actId="20577"/>
           <ac:spMkLst>
@@ -963,6 +1092,14 @@
             <ac:spMk id="14" creationId="{63B4AB36-B54A-EA5C-2A74-F2C80BE0CBC4}"/>
           </ac:spMkLst>
         </pc:spChg>
+        <pc:picChg chg="add mod">
+          <ac:chgData name="Trung Nghia Nguyen" userId="caf0b1f78d203fdc" providerId="LiveId" clId="{FA98E611-7EE5-4D53-A8F6-A8478DA16B0D}" dt="2023-03-18T18:48:28.906" v="3609" actId="1076"/>
+          <ac:picMkLst>
+            <pc:docMk/>
+            <pc:sldMk cId="2278832414" sldId="271"/>
+            <ac:picMk id="8" creationId="{820423F8-513B-EEA7-5347-CED754AC2ADB}"/>
+          </ac:picMkLst>
+        </pc:picChg>
         <pc:cxnChg chg="add mod">
           <ac:chgData name="Trung Nghia Nguyen" userId="caf0b1f78d203fdc" providerId="LiveId" clId="{FA98E611-7EE5-4D53-A8F6-A8478DA16B0D}" dt="2023-03-17T04:38:18.269" v="3038"/>
           <ac:cxnSpMkLst>
@@ -1012,7 +1149,7 @@
         </pc:cxnChg>
       </pc:sldChg>
       <pc:sldChg chg="addSp delSp modSp add mod">
-        <pc:chgData name="Trung Nghia Nguyen" userId="caf0b1f78d203fdc" providerId="LiveId" clId="{FA98E611-7EE5-4D53-A8F6-A8478DA16B0D}" dt="2023-03-17T04:39:24.232" v="3061"/>
+        <pc:chgData name="Trung Nghia Nguyen" userId="caf0b1f78d203fdc" providerId="LiveId" clId="{FA98E611-7EE5-4D53-A8F6-A8478DA16B0D}" dt="2023-03-18T18:03:04.579" v="3502"/>
         <pc:sldMkLst>
           <pc:docMk/>
           <pc:sldMk cId="3245475923" sldId="273"/>
@@ -1050,7 +1187,7 @@
           </ac:spMkLst>
         </pc:spChg>
         <pc:graphicFrameChg chg="add mod modGraphic">
-          <ac:chgData name="Trung Nghia Nguyen" userId="caf0b1f78d203fdc" providerId="LiveId" clId="{FA98E611-7EE5-4D53-A8F6-A8478DA16B0D}" dt="2023-03-16T06:15:54.159" v="1433" actId="1076"/>
+          <ac:chgData name="Trung Nghia Nguyen" userId="caf0b1f78d203fdc" providerId="LiveId" clId="{FA98E611-7EE5-4D53-A8F6-A8478DA16B0D}" dt="2023-03-18T18:03:04.579" v="3502"/>
           <ac:graphicFrameMkLst>
             <pc:docMk/>
             <pc:sldMk cId="3245475923" sldId="273"/>
@@ -1232,7 +1369,7 @@
         </pc:cxnChg>
       </pc:sldChg>
       <pc:sldChg chg="addSp delSp modSp add mod">
-        <pc:chgData name="Trung Nghia Nguyen" userId="caf0b1f78d203fdc" providerId="LiveId" clId="{FA98E611-7EE5-4D53-A8F6-A8478DA16B0D}" dt="2023-03-17T04:38:51.932" v="3045"/>
+        <pc:chgData name="Trung Nghia Nguyen" userId="caf0b1f78d203fdc" providerId="LiveId" clId="{FA98E611-7EE5-4D53-A8F6-A8478DA16B0D}" dt="2023-03-18T17:30:15.805" v="3442" actId="20577"/>
         <pc:sldMkLst>
           <pc:docMk/>
           <pc:sldMk cId="1442048206" sldId="277"/>
@@ -1253,8 +1390,8 @@
             <ac:spMk id="4" creationId="{8C7A2A31-FB7A-4F1F-44D0-57F56E22618B}"/>
           </ac:spMkLst>
         </pc:spChg>
-        <pc:graphicFrameChg chg="modGraphic">
-          <ac:chgData name="Trung Nghia Nguyen" userId="caf0b1f78d203fdc" providerId="LiveId" clId="{FA98E611-7EE5-4D53-A8F6-A8478DA16B0D}" dt="2023-03-17T04:33:12.630" v="2949" actId="20577"/>
+        <pc:graphicFrameChg chg="add del mod modGraphic">
+          <ac:chgData name="Trung Nghia Nguyen" userId="caf0b1f78d203fdc" providerId="LiveId" clId="{FA98E611-7EE5-4D53-A8F6-A8478DA16B0D}" dt="2023-03-18T17:30:15.805" v="3442" actId="20577"/>
           <ac:graphicFrameMkLst>
             <pc:docMk/>
             <pc:sldMk cId="1442048206" sldId="277"/>
@@ -1365,7 +1502,7 @@
         </pc:picChg>
       </pc:sldChg>
       <pc:sldChg chg="addSp modSp add mod modNotesTx">
-        <pc:chgData name="Trung Nghia Nguyen" userId="caf0b1f78d203fdc" providerId="LiveId" clId="{FA98E611-7EE5-4D53-A8F6-A8478DA16B0D}" dt="2023-03-17T07:03:30.383" v="3264" actId="1076"/>
+        <pc:chgData name="Trung Nghia Nguyen" userId="caf0b1f78d203fdc" providerId="LiveId" clId="{FA98E611-7EE5-4D53-A8F6-A8478DA16B0D}" dt="2023-03-18T17:45:27.382" v="3465" actId="1076"/>
         <pc:sldMkLst>
           <pc:docMk/>
           <pc:sldMk cId="1570060703" sldId="280"/>
@@ -1379,7 +1516,7 @@
           </ac:spMkLst>
         </pc:spChg>
         <pc:picChg chg="add mod">
-          <ac:chgData name="Trung Nghia Nguyen" userId="caf0b1f78d203fdc" providerId="LiveId" clId="{FA98E611-7EE5-4D53-A8F6-A8478DA16B0D}" dt="2023-03-17T07:03:21.332" v="3263" actId="1076"/>
+          <ac:chgData name="Trung Nghia Nguyen" userId="caf0b1f78d203fdc" providerId="LiveId" clId="{FA98E611-7EE5-4D53-A8F6-A8478DA16B0D}" dt="2023-03-18T17:45:27.382" v="3465" actId="1076"/>
           <ac:picMkLst>
             <pc:docMk/>
             <pc:sldMk cId="1570060703" sldId="280"/>
@@ -1387,20 +1524,98 @@
           </ac:picMkLst>
         </pc:picChg>
       </pc:sldChg>
-      <pc:sldChg chg="modSp add mod">
-        <pc:chgData name="Trung Nghia Nguyen" userId="caf0b1f78d203fdc" providerId="LiveId" clId="{FA98E611-7EE5-4D53-A8F6-A8478DA16B0D}" dt="2023-03-17T07:06:13.877" v="3269" actId="20577"/>
+      <pc:sldChg chg="addSp delSp modSp add mod">
+        <pc:chgData name="Trung Nghia Nguyen" userId="caf0b1f78d203fdc" providerId="LiveId" clId="{FA98E611-7EE5-4D53-A8F6-A8478DA16B0D}" dt="2023-03-18T17:45:47.896" v="3470" actId="20577"/>
         <pc:sldMkLst>
           <pc:docMk/>
           <pc:sldMk cId="3262030844" sldId="281"/>
         </pc:sldMkLst>
-        <pc:spChg chg="mod">
-          <ac:chgData name="Trung Nghia Nguyen" userId="caf0b1f78d203fdc" providerId="LiveId" clId="{FA98E611-7EE5-4D53-A8F6-A8478DA16B0D}" dt="2023-03-17T07:06:13.877" v="3269" actId="20577"/>
+        <pc:spChg chg="del mod">
+          <ac:chgData name="Trung Nghia Nguyen" userId="caf0b1f78d203fdc" providerId="LiveId" clId="{FA98E611-7EE5-4D53-A8F6-A8478DA16B0D}" dt="2023-03-18T17:45:45.010" v="3467" actId="478"/>
           <ac:spMkLst>
             <pc:docMk/>
             <pc:sldMk cId="3262030844" sldId="281"/>
             <ac:spMk id="7" creationId="{C27A575E-AACF-0BC5-FF71-5FCE2C283EAA}"/>
           </ac:spMkLst>
         </pc:spChg>
+        <pc:spChg chg="add mod">
+          <ac:chgData name="Trung Nghia Nguyen" userId="caf0b1f78d203fdc" providerId="LiveId" clId="{FA98E611-7EE5-4D53-A8F6-A8478DA16B0D}" dt="2023-03-18T17:45:47.896" v="3470" actId="20577"/>
+          <ac:spMkLst>
+            <pc:docMk/>
+            <pc:sldMk cId="3262030844" sldId="281"/>
+            <ac:spMk id="9" creationId="{51CE0FD5-4BE3-F7D8-2BC7-6F59ED933512}"/>
+          </ac:spMkLst>
+        </pc:spChg>
+        <pc:picChg chg="del">
+          <ac:chgData name="Trung Nghia Nguyen" userId="caf0b1f78d203fdc" providerId="LiveId" clId="{FA98E611-7EE5-4D53-A8F6-A8478DA16B0D}" dt="2023-03-18T17:44:32.151" v="3443" actId="478"/>
+          <ac:picMkLst>
+            <pc:docMk/>
+            <pc:sldMk cId="3262030844" sldId="281"/>
+            <ac:picMk id="6" creationId="{2B44FC83-2398-5E3A-C381-62AE739D08A6}"/>
+          </ac:picMkLst>
+        </pc:picChg>
+        <pc:picChg chg="add mod ord">
+          <ac:chgData name="Trung Nghia Nguyen" userId="caf0b1f78d203fdc" providerId="LiveId" clId="{FA98E611-7EE5-4D53-A8F6-A8478DA16B0D}" dt="2023-03-18T17:45:32.441" v="3466" actId="1076"/>
+          <ac:picMkLst>
+            <pc:docMk/>
+            <pc:sldMk cId="3262030844" sldId="281"/>
+            <ac:picMk id="8" creationId="{E0B6CD8B-6138-6045-0302-D72BA24864A4}"/>
+          </ac:picMkLst>
+        </pc:picChg>
+      </pc:sldChg>
+      <pc:sldChg chg="delSp modSp add del mod">
+        <pc:chgData name="Trung Nghia Nguyen" userId="caf0b1f78d203fdc" providerId="LiveId" clId="{FA98E611-7EE5-4D53-A8F6-A8478DA16B0D}" dt="2023-03-18T17:45:55.167" v="3471" actId="47"/>
+        <pc:sldMkLst>
+          <pc:docMk/>
+          <pc:sldMk cId="1576429670" sldId="282"/>
+        </pc:sldMkLst>
+        <pc:spChg chg="mod">
+          <ac:chgData name="Trung Nghia Nguyen" userId="caf0b1f78d203fdc" providerId="LiveId" clId="{FA98E611-7EE5-4D53-A8F6-A8478DA16B0D}" dt="2023-03-18T17:45:13.631" v="3462" actId="20577"/>
+          <ac:spMkLst>
+            <pc:docMk/>
+            <pc:sldMk cId="1576429670" sldId="282"/>
+            <ac:spMk id="7" creationId="{C27A575E-AACF-0BC5-FF71-5FCE2C283EAA}"/>
+          </ac:spMkLst>
+        </pc:spChg>
+        <pc:picChg chg="del mod">
+          <ac:chgData name="Trung Nghia Nguyen" userId="caf0b1f78d203fdc" providerId="LiveId" clId="{FA98E611-7EE5-4D53-A8F6-A8478DA16B0D}" dt="2023-03-18T17:45:17.520" v="3464" actId="478"/>
+          <ac:picMkLst>
+            <pc:docMk/>
+            <pc:sldMk cId="1576429670" sldId="282"/>
+            <ac:picMk id="8" creationId="{E0B6CD8B-6138-6045-0302-D72BA24864A4}"/>
+          </ac:picMkLst>
+        </pc:picChg>
+      </pc:sldChg>
+      <pc:sldChg chg="addSp delSp modSp add mod">
+        <pc:chgData name="Trung Nghia Nguyen" userId="caf0b1f78d203fdc" providerId="LiveId" clId="{FA98E611-7EE5-4D53-A8F6-A8478DA16B0D}" dt="2023-03-18T17:58:07.675" v="3491" actId="167"/>
+        <pc:sldMkLst>
+          <pc:docMk/>
+          <pc:sldMk cId="4109717965" sldId="282"/>
+        </pc:sldMkLst>
+        <pc:spChg chg="mod">
+          <ac:chgData name="Trung Nghia Nguyen" userId="caf0b1f78d203fdc" providerId="LiveId" clId="{FA98E611-7EE5-4D53-A8F6-A8478DA16B0D}" dt="2023-03-18T17:46:02.114" v="3483" actId="20577"/>
+          <ac:spMkLst>
+            <pc:docMk/>
+            <pc:sldMk cId="4109717965" sldId="282"/>
+            <ac:spMk id="9" creationId="{51CE0FD5-4BE3-F7D8-2BC7-6F59ED933512}"/>
+          </ac:spMkLst>
+        </pc:spChg>
+        <pc:picChg chg="add mod ord">
+          <ac:chgData name="Trung Nghia Nguyen" userId="caf0b1f78d203fdc" providerId="LiveId" clId="{FA98E611-7EE5-4D53-A8F6-A8478DA16B0D}" dt="2023-03-18T17:58:07.675" v="3491" actId="167"/>
+          <ac:picMkLst>
+            <pc:docMk/>
+            <pc:sldMk cId="4109717965" sldId="282"/>
+            <ac:picMk id="6" creationId="{507FC860-8B46-AEB4-EE18-02AC586D78D6}"/>
+          </ac:picMkLst>
+        </pc:picChg>
+        <pc:picChg chg="del">
+          <ac:chgData name="Trung Nghia Nguyen" userId="caf0b1f78d203fdc" providerId="LiveId" clId="{FA98E611-7EE5-4D53-A8F6-A8478DA16B0D}" dt="2023-03-18T17:46:06.175" v="3484" actId="478"/>
+          <ac:picMkLst>
+            <pc:docMk/>
+            <pc:sldMk cId="4109717965" sldId="282"/>
+            <ac:picMk id="8" creationId="{E0B6CD8B-6138-6045-0302-D72BA24864A4}"/>
+          </ac:picMkLst>
+        </pc:picChg>
       </pc:sldChg>
       <pc:sldMasterChg chg="modSp modSldLayout">
         <pc:chgData name="Trung Nghia Nguyen" userId="caf0b1f78d203fdc" providerId="LiveId" clId="{FA98E611-7EE5-4D53-A8F6-A8478DA16B0D}" dt="2023-03-16T04:24:21.249" v="1"/>
@@ -1763,7 +1978,7 @@
           <a:p>
             <a:fld id="{51F95020-72AA-4787-B4DB-4E5B3A15E30F}" type="datetimeFigureOut">
               <a:rPr lang="en-US" smtClean="0"/>
-              <a:t>17/03/2023</a:t>
+              <a:t>19/03/2023</a:t>
             </a:fld>
             <a:endParaRPr lang="en-US"/>
           </a:p>
@@ -2696,6 +2911,339 @@
 </p:notes>
 </file>
 
+<file path=ppt/notesSlides/notesSlide3.xml><?xml version="1.0" encoding="utf-8"?>
+<p:notes xmlns:a="http://schemas.openxmlformats.org/drawingml/2006/main" xmlns:r="http://schemas.openxmlformats.org/officeDocument/2006/relationships" xmlns:p="http://schemas.openxmlformats.org/presentationml/2006/main">
+  <p:cSld>
+    <p:spTree>
+      <p:nvGrpSpPr>
+        <p:cNvPr id="1" name=""/>
+        <p:cNvGrpSpPr/>
+        <p:nvPr/>
+      </p:nvGrpSpPr>
+      <p:grpSpPr>
+        <a:xfrm>
+          <a:off x="0" y="0"/>
+          <a:ext cx="0" cy="0"/>
+          <a:chOff x="0" y="0"/>
+          <a:chExt cx="0" cy="0"/>
+        </a:xfrm>
+      </p:grpSpPr>
+      <p:sp>
+        <p:nvSpPr>
+          <p:cNvPr id="2" name="Slide Image Placeholder 1"/>
+          <p:cNvSpPr>
+            <a:spLocks noGrp="1" noRot="1" noChangeAspect="1"/>
+          </p:cNvSpPr>
+          <p:nvPr>
+            <p:ph type="sldImg"/>
+          </p:nvPr>
+        </p:nvSpPr>
+        <p:spPr/>
+      </p:sp>
+      <p:sp>
+        <p:nvSpPr>
+          <p:cNvPr id="3" name="Notes Placeholder 2"/>
+          <p:cNvSpPr>
+            <a:spLocks noGrp="1"/>
+          </p:cNvSpPr>
+          <p:nvPr>
+            <p:ph type="body" idx="1"/>
+          </p:nvPr>
+        </p:nvSpPr>
+        <p:spPr/>
+        <p:txBody>
+          <a:bodyPr/>
+          <a:lstStyle/>
+          <a:p>
+            <a:r>
+              <a:rPr lang="vi-VN" b="0">
+                <a:solidFill>
+                  <a:schemeClr val="tx1">
+                    <a:lumMod val="50000"/>
+                    <a:lumOff val="50000"/>
+                  </a:schemeClr>
+                </a:solidFill>
+                <a:effectLst/>
+                <a:latin typeface="Consolas" panose="020B0609020204030204" pitchFamily="49" charset="0"/>
+              </a:rPr>
+              <a:t>HÀM BFS:</a:t>
+            </a:r>
+          </a:p>
+          <a:p>
+            <a:r>
+              <a:rPr lang="vi-VN" b="0">
+                <a:solidFill>
+                  <a:schemeClr val="tx1">
+                    <a:lumMod val="50000"/>
+                    <a:lumOff val="50000"/>
+                  </a:schemeClr>
+                </a:solidFill>
+                <a:effectLst/>
+                <a:latin typeface="Consolas" panose="020B0609020204030204" pitchFamily="49" charset="0"/>
+              </a:rPr>
+              <a:t>  Khởi tạo </a:t>
+            </a:r>
+            <a:r>
+              <a:rPr lang="en-US">
+                <a:solidFill>
+                  <a:srgbClr val="FFC000"/>
+                </a:solidFill>
+                <a:latin typeface="Consolas" panose="020B0609020204030204" pitchFamily="49" charset="0"/>
+              </a:rPr>
+              <a:t>Q</a:t>
+            </a:r>
+            <a:r>
+              <a:rPr lang="vi-VN" b="0">
+                <a:solidFill>
+                  <a:srgbClr val="FFC000"/>
+                </a:solidFill>
+                <a:effectLst/>
+                <a:latin typeface="Consolas" panose="020B0609020204030204" pitchFamily="49" charset="0"/>
+              </a:rPr>
+              <a:t>ueue </a:t>
+            </a:r>
+            <a:r>
+              <a:rPr lang="vi-VN" b="0">
+                <a:solidFill>
+                  <a:schemeClr val="tx1">
+                    <a:lumMod val="50000"/>
+                    <a:lumOff val="50000"/>
+                  </a:schemeClr>
+                </a:solidFill>
+                <a:effectLst/>
+                <a:latin typeface="Consolas" panose="020B0609020204030204" pitchFamily="49" charset="0"/>
+              </a:rPr>
+              <a:t>và đánh dấu trạng thái ban đầu</a:t>
+            </a:r>
+          </a:p>
+          <a:p>
+            <a:r>
+              <a:rPr lang="vi-VN" b="0">
+                <a:solidFill>
+                  <a:schemeClr val="tx1">
+                    <a:lumMod val="50000"/>
+                    <a:lumOff val="50000"/>
+                  </a:schemeClr>
+                </a:solidFill>
+                <a:effectLst/>
+                <a:latin typeface="Consolas" panose="020B0609020204030204" pitchFamily="49" charset="0"/>
+              </a:rPr>
+              <a:t>  WHILE </a:t>
+            </a:r>
+            <a:r>
+              <a:rPr lang="en-US">
+                <a:solidFill>
+                  <a:srgbClr val="FFC000"/>
+                </a:solidFill>
+                <a:latin typeface="Consolas" panose="020B0609020204030204" pitchFamily="49" charset="0"/>
+              </a:rPr>
+              <a:t>Q</a:t>
+            </a:r>
+            <a:r>
+              <a:rPr lang="vi-VN" b="0">
+                <a:solidFill>
+                  <a:srgbClr val="FFC000"/>
+                </a:solidFill>
+                <a:effectLst/>
+                <a:latin typeface="Consolas" panose="020B0609020204030204" pitchFamily="49" charset="0"/>
+              </a:rPr>
+              <a:t>ueue </a:t>
+            </a:r>
+            <a:r>
+              <a:rPr lang="vi-VN" b="0">
+                <a:solidFill>
+                  <a:schemeClr val="tx1">
+                    <a:lumMod val="50000"/>
+                    <a:lumOff val="50000"/>
+                  </a:schemeClr>
+                </a:solidFill>
+                <a:effectLst/>
+                <a:latin typeface="Consolas" panose="020B0609020204030204" pitchFamily="49" charset="0"/>
+              </a:rPr>
+              <a:t>chưa rỗng:</a:t>
+            </a:r>
+          </a:p>
+          <a:p>
+            <a:r>
+              <a:rPr lang="vi-VN" b="0">
+                <a:solidFill>
+                  <a:schemeClr val="tx1">
+                    <a:lumMod val="50000"/>
+                    <a:lumOff val="50000"/>
+                  </a:schemeClr>
+                </a:solidFill>
+                <a:effectLst/>
+                <a:latin typeface="Consolas" panose="020B0609020204030204" pitchFamily="49" charset="0"/>
+              </a:rPr>
+              <a:t>    Lấy trạng thái đầu tiên trong </a:t>
+            </a:r>
+            <a:r>
+              <a:rPr lang="en-US" b="0">
+                <a:solidFill>
+                  <a:srgbClr val="FFC000"/>
+                </a:solidFill>
+                <a:effectLst/>
+                <a:latin typeface="Consolas" panose="020B0609020204030204" pitchFamily="49" charset="0"/>
+              </a:rPr>
+              <a:t>Q</a:t>
+            </a:r>
+            <a:r>
+              <a:rPr lang="vi-VN" b="0">
+                <a:solidFill>
+                  <a:srgbClr val="FFC000"/>
+                </a:solidFill>
+                <a:effectLst/>
+                <a:latin typeface="Consolas" panose="020B0609020204030204" pitchFamily="49" charset="0"/>
+              </a:rPr>
+              <a:t>ueue</a:t>
+            </a:r>
+          </a:p>
+          <a:p>
+            <a:r>
+              <a:rPr lang="vi-VN" b="0">
+                <a:solidFill>
+                  <a:schemeClr val="tx1">
+                    <a:lumMod val="50000"/>
+                    <a:lumOff val="50000"/>
+                  </a:schemeClr>
+                </a:solidFill>
+                <a:effectLst/>
+                <a:latin typeface="Consolas" panose="020B0609020204030204" pitchFamily="49" charset="0"/>
+              </a:rPr>
+              <a:t>    Nếu đó là trạng thái kết thúc thì trả về lời giải</a:t>
+            </a:r>
+          </a:p>
+          <a:p>
+            <a:r>
+              <a:rPr lang="vi-VN" b="0">
+                <a:solidFill>
+                  <a:schemeClr val="tx1">
+                    <a:lumMod val="50000"/>
+                    <a:lumOff val="50000"/>
+                  </a:schemeClr>
+                </a:solidFill>
+                <a:effectLst/>
+                <a:latin typeface="Consolas" panose="020B0609020204030204" pitchFamily="49" charset="0"/>
+              </a:rPr>
+              <a:t>    Duyệt tất cả các trạng thái kế tiếp của trạng thái hiện tại:</a:t>
+            </a:r>
+          </a:p>
+          <a:p>
+            <a:r>
+              <a:rPr lang="vi-VN" b="0">
+                <a:solidFill>
+                  <a:schemeClr val="tx1">
+                    <a:lumMod val="50000"/>
+                    <a:lumOff val="50000"/>
+                  </a:schemeClr>
+                </a:solidFill>
+                <a:effectLst/>
+                <a:latin typeface="Consolas" panose="020B0609020204030204" pitchFamily="49" charset="0"/>
+              </a:rPr>
+              <a:t>      Nếu trạng thái chưa được đánh dấu:</a:t>
+            </a:r>
+          </a:p>
+          <a:p>
+            <a:r>
+              <a:rPr lang="vi-VN" b="0">
+                <a:solidFill>
+                  <a:schemeClr val="tx1">
+                    <a:lumMod val="50000"/>
+                    <a:lumOff val="50000"/>
+                  </a:schemeClr>
+                </a:solidFill>
+                <a:effectLst/>
+                <a:latin typeface="Consolas" panose="020B0609020204030204" pitchFamily="49" charset="0"/>
+              </a:rPr>
+              <a:t>        Đánh dấu trạng thái và thêm vào </a:t>
+            </a:r>
+            <a:r>
+              <a:rPr lang="en-US" b="0">
+                <a:solidFill>
+                  <a:srgbClr val="FFC000"/>
+                </a:solidFill>
+                <a:effectLst/>
+                <a:latin typeface="Consolas" panose="020B0609020204030204" pitchFamily="49" charset="0"/>
+              </a:rPr>
+              <a:t>Q</a:t>
+            </a:r>
+            <a:r>
+              <a:rPr lang="vi-VN" b="0">
+                <a:solidFill>
+                  <a:srgbClr val="FFC000"/>
+                </a:solidFill>
+                <a:effectLst/>
+                <a:latin typeface="Consolas" panose="020B0609020204030204" pitchFamily="49" charset="0"/>
+              </a:rPr>
+              <a:t>ueue</a:t>
+            </a:r>
+          </a:p>
+          <a:p>
+            <a:r>
+              <a:rPr lang="vi-VN" b="0">
+                <a:solidFill>
+                  <a:schemeClr val="tx1">
+                    <a:lumMod val="50000"/>
+                    <a:lumOff val="50000"/>
+                  </a:schemeClr>
+                </a:solidFill>
+                <a:effectLst/>
+                <a:latin typeface="Consolas" panose="020B0609020204030204" pitchFamily="49" charset="0"/>
+              </a:rPr>
+              <a:t>  Nếu không tìm thấy lời giải thì trả về </a:t>
+            </a:r>
+            <a:r>
+              <a:rPr lang="vi-VN" b="0">
+                <a:solidFill>
+                  <a:srgbClr val="FFC000"/>
+                </a:solidFill>
+                <a:effectLst/>
+                <a:latin typeface="Consolas" panose="020B0609020204030204" pitchFamily="49" charset="0"/>
+              </a:rPr>
+              <a:t>None</a:t>
+            </a:r>
+          </a:p>
+          <a:p>
+            <a:endParaRPr lang="en-US"/>
+          </a:p>
+        </p:txBody>
+      </p:sp>
+      <p:sp>
+        <p:nvSpPr>
+          <p:cNvPr id="4" name="Slide Number Placeholder 3"/>
+          <p:cNvSpPr>
+            <a:spLocks noGrp="1"/>
+          </p:cNvSpPr>
+          <p:nvPr>
+            <p:ph type="sldNum" sz="quarter" idx="5"/>
+          </p:nvPr>
+        </p:nvSpPr>
+        <p:spPr/>
+        <p:txBody>
+          <a:bodyPr/>
+          <a:lstStyle/>
+          <a:p>
+            <a:fld id="{24F7533E-8029-40B5-A0CB-56B299BE493E}" type="slidenum">
+              <a:rPr lang="en-US" smtClean="0"/>
+              <a:t>11</a:t>
+            </a:fld>
+            <a:endParaRPr lang="en-US"/>
+          </a:p>
+        </p:txBody>
+      </p:sp>
+    </p:spTree>
+    <p:extLst>
+      <p:ext uri="{BB962C8B-B14F-4D97-AF65-F5344CB8AC3E}">
+        <p14:creationId xmlns:p14="http://schemas.microsoft.com/office/powerpoint/2010/main" val="3940234507"/>
+      </p:ext>
+    </p:extLst>
+  </p:cSld>
+  <p:clrMapOvr>
+    <a:masterClrMapping/>
+  </p:clrMapOvr>
+</p:notes>
+</file>
+
 <file path=ppt/slideLayouts/slideLayout1.xml><?xml version="1.0" encoding="utf-8"?>
 <p:sldLayout xmlns:a="http://schemas.openxmlformats.org/drawingml/2006/main" xmlns:r="http://schemas.openxmlformats.org/officeDocument/2006/relationships" xmlns:p="http://schemas.openxmlformats.org/presentationml/2006/main" type="title" preserve="1">
   <p:cSld name="Title Slide">
@@ -2827,7 +3375,7 @@
           <a:p>
             <a:fld id="{2AB4A3C8-EB3A-4B87-95B8-3265ADB47806}" type="datetimeFigureOut">
               <a:rPr lang="en-US" smtClean="0"/>
-              <a:t>17/03/2023</a:t>
+              <a:t>19/03/2023</a:t>
             </a:fld>
             <a:endParaRPr lang="en-US"/>
           </a:p>
@@ -2997,7 +3545,7 @@
           <a:p>
             <a:fld id="{2AB4A3C8-EB3A-4B87-95B8-3265ADB47806}" type="datetimeFigureOut">
               <a:rPr lang="en-US" smtClean="0"/>
-              <a:t>17/03/2023</a:t>
+              <a:t>19/03/2023</a:t>
             </a:fld>
             <a:endParaRPr lang="en-US"/>
           </a:p>
@@ -3177,7 +3725,7 @@
           <a:p>
             <a:fld id="{2AB4A3C8-EB3A-4B87-95B8-3265ADB47806}" type="datetimeFigureOut">
               <a:rPr lang="en-US" smtClean="0"/>
-              <a:t>17/03/2023</a:t>
+              <a:t>19/03/2023</a:t>
             </a:fld>
             <a:endParaRPr lang="en-US"/>
           </a:p>
@@ -3347,7 +3895,7 @@
           <a:p>
             <a:fld id="{2AB4A3C8-EB3A-4B87-95B8-3265ADB47806}" type="datetimeFigureOut">
               <a:rPr lang="en-US" smtClean="0"/>
-              <a:t>17/03/2023</a:t>
+              <a:t>19/03/2023</a:t>
             </a:fld>
             <a:endParaRPr lang="en-US"/>
           </a:p>
@@ -3591,7 +4139,7 @@
           <a:p>
             <a:fld id="{2AB4A3C8-EB3A-4B87-95B8-3265ADB47806}" type="datetimeFigureOut">
               <a:rPr lang="en-US" smtClean="0"/>
-              <a:t>17/03/2023</a:t>
+              <a:t>19/03/2023</a:t>
             </a:fld>
             <a:endParaRPr lang="en-US"/>
           </a:p>
@@ -3823,7 +4371,7 @@
           <a:p>
             <a:fld id="{2AB4A3C8-EB3A-4B87-95B8-3265ADB47806}" type="datetimeFigureOut">
               <a:rPr lang="en-US" smtClean="0"/>
-              <a:t>17/03/2023</a:t>
+              <a:t>19/03/2023</a:t>
             </a:fld>
             <a:endParaRPr lang="en-US"/>
           </a:p>
@@ -4190,7 +4738,7 @@
           <a:p>
             <a:fld id="{2AB4A3C8-EB3A-4B87-95B8-3265ADB47806}" type="datetimeFigureOut">
               <a:rPr lang="en-US" smtClean="0"/>
-              <a:t>17/03/2023</a:t>
+              <a:t>19/03/2023</a:t>
             </a:fld>
             <a:endParaRPr lang="en-US"/>
           </a:p>
@@ -4308,7 +4856,7 @@
           <a:p>
             <a:fld id="{2AB4A3C8-EB3A-4B87-95B8-3265ADB47806}" type="datetimeFigureOut">
               <a:rPr lang="en-US" smtClean="0"/>
-              <a:t>17/03/2023</a:t>
+              <a:t>19/03/2023</a:t>
             </a:fld>
             <a:endParaRPr lang="en-US"/>
           </a:p>
@@ -4403,7 +4951,7 @@
           <a:p>
             <a:fld id="{2AB4A3C8-EB3A-4B87-95B8-3265ADB47806}" type="datetimeFigureOut">
               <a:rPr lang="en-US" smtClean="0"/>
-              <a:t>17/03/2023</a:t>
+              <a:t>19/03/2023</a:t>
             </a:fld>
             <a:endParaRPr lang="en-US"/>
           </a:p>
@@ -4680,7 +5228,7 @@
           <a:p>
             <a:fld id="{2AB4A3C8-EB3A-4B87-95B8-3265ADB47806}" type="datetimeFigureOut">
               <a:rPr lang="en-US" smtClean="0"/>
-              <a:t>17/03/2023</a:t>
+              <a:t>19/03/2023</a:t>
             </a:fld>
             <a:endParaRPr lang="en-US"/>
           </a:p>
@@ -4936,7 +5484,7 @@
           <a:p>
             <a:fld id="{2AB4A3C8-EB3A-4B87-95B8-3265ADB47806}" type="datetimeFigureOut">
               <a:rPr lang="en-US" smtClean="0"/>
-              <a:t>17/03/2023</a:t>
+              <a:t>19/03/2023</a:t>
             </a:fld>
             <a:endParaRPr lang="en-US"/>
           </a:p>
@@ -5149,7 +5697,7 @@
           <a:p>
             <a:fld id="{2AB4A3C8-EB3A-4B87-95B8-3265ADB47806}" type="datetimeFigureOut">
               <a:rPr lang="en-US" smtClean="0"/>
-              <a:t>17/03/2023</a:t>
+              <a:t>19/03/2023</a:t>
             </a:fld>
             <a:endParaRPr lang="en-US"/>
           </a:p>
@@ -6004,7 +6552,7 @@
           <p:nvPr>
             <p:extLst>
               <p:ext uri="{D42A27DB-BD31-4B8C-83A1-F6EECF244321}">
-                <p14:modId xmlns:p14="http://schemas.microsoft.com/office/powerpoint/2010/main" val="3210946189"/>
+                <p14:modId xmlns:p14="http://schemas.microsoft.com/office/powerpoint/2010/main" val="2038435086"/>
               </p:ext>
             </p:extLst>
           </p:nvPr>
@@ -6394,10 +6942,13 @@
                     <a:lstStyle/>
                     <a:p>
                       <a:pPr algn="l"/>
-                      <a:endParaRPr lang="en-US">
-                        <a:latin typeface="Times New Roman" panose="02020603050405020304" pitchFamily="18" charset="0"/>
-                        <a:cs typeface="Times New Roman" panose="02020603050405020304" pitchFamily="18" charset="0"/>
-                      </a:endParaRPr>
+                      <a:r>
+                        <a:rPr lang="en-US">
+                          <a:latin typeface="Times New Roman" panose="02020603050405020304" pitchFamily="18" charset="0"/>
+                          <a:cs typeface="Times New Roman" panose="02020603050405020304" pitchFamily="18" charset="0"/>
+                        </a:rPr>
+                        <a:t>hothinhphatvd4@gmail.com</a:t>
+                      </a:r>
                     </a:p>
                   </a:txBody>
                   <a:tcPr/>
@@ -6483,10 +7034,13 @@
                     <a:lstStyle/>
                     <a:p>
                       <a:pPr algn="l"/>
-                      <a:endParaRPr lang="en-US">
-                        <a:latin typeface="Times New Roman" panose="02020603050405020304" pitchFamily="18" charset="0"/>
-                        <a:cs typeface="Times New Roman" panose="02020603050405020304" pitchFamily="18" charset="0"/>
-                      </a:endParaRPr>
+                      <a:r>
+                        <a:rPr lang="en-US">
+                          <a:latin typeface="Times New Roman" panose="02020603050405020304" pitchFamily="18" charset="0"/>
+                          <a:cs typeface="Times New Roman" panose="02020603050405020304" pitchFamily="18" charset="0"/>
+                        </a:rPr>
+                        <a:t>phuctran14121@gmail.com</a:t>
+                      </a:r>
                     </a:p>
                   </a:txBody>
                   <a:tcPr/>
@@ -6614,6 +7168,42 @@
       </p:grpSpPr>
       <p:pic>
         <p:nvPicPr>
+          <p:cNvPr id="8" name="Picture 7" descr="Diagram&#10;&#10;Description automatically generated">
+            <a:extLst>
+              <a:ext uri="{FF2B5EF4-FFF2-40B4-BE49-F238E27FC236}">
+                <a16:creationId xmlns:a16="http://schemas.microsoft.com/office/drawing/2014/main" id="{E0B6CD8B-6138-6045-0302-D72BA24864A4}"/>
+              </a:ext>
+            </a:extLst>
+          </p:cNvPr>
+          <p:cNvPicPr>
+            <a:picLocks noChangeAspect="1"/>
+          </p:cNvPicPr>
+          <p:nvPr/>
+        </p:nvPicPr>
+        <p:blipFill>
+          <a:blip r:embed="rId3">
+            <a:extLst>
+              <a:ext uri="{28A0092B-C50C-407E-A947-70E740481C1C}">
+                <a14:useLocalDpi xmlns:a14="http://schemas.microsoft.com/office/drawing/2010/main" val="0"/>
+              </a:ext>
+            </a:extLst>
+          </a:blip>
+          <a:stretch>
+            <a:fillRect/>
+          </a:stretch>
+        </p:blipFill>
+        <p:spPr>
+          <a:xfrm>
+            <a:off x="1409700" y="1089327"/>
+            <a:ext cx="4724028" cy="5002487"/>
+          </a:xfrm>
+          <a:prstGeom prst="rect">
+            <a:avLst/>
+          </a:prstGeom>
+        </p:spPr>
+      </p:pic>
+      <p:pic>
+        <p:nvPicPr>
           <p:cNvPr id="1034" name="Picture 10">
             <a:extLst>
               <a:ext uri="{FF2B5EF4-FFF2-40B4-BE49-F238E27FC236}">
@@ -6627,7 +7217,7 @@
           <p:nvPr/>
         </p:nvPicPr>
         <p:blipFill>
-          <a:blip r:embed="rId3">
+          <a:blip r:embed="rId4">
             <a:extLst>
               <a:ext uri="{28A0092B-C50C-407E-A947-70E740481C1C}">
                 <a14:useLocalDpi xmlns:a14="http://schemas.microsoft.com/office/drawing/2010/main" val="0"/>
@@ -6842,10 +7432,10 @@
       </p:sp>
       <p:sp>
         <p:nvSpPr>
-          <p:cNvPr id="7" name="TextBox 6">
-            <a:extLst>
-              <a:ext uri="{FF2B5EF4-FFF2-40B4-BE49-F238E27FC236}">
-                <a16:creationId xmlns:a16="http://schemas.microsoft.com/office/drawing/2014/main" id="{C27A575E-AACF-0BC5-FF71-5FCE2C283EAA}"/>
+          <p:cNvPr id="9" name="TextBox 8">
+            <a:extLst>
+              <a:ext uri="{FF2B5EF4-FFF2-40B4-BE49-F238E27FC236}">
+                <a16:creationId xmlns:a16="http://schemas.microsoft.com/office/drawing/2014/main" id="{51CE0FD5-4BE3-F7D8-2BC7-6F59ED933512}"/>
               </a:ext>
             </a:extLst>
           </p:cNvPr>
@@ -6874,19 +7464,12 @@
               </a:lnSpc>
             </a:pPr>
             <a:r>
-              <a:rPr lang="en-US" b="1">
-                <a:latin typeface="Times New Roman" panose="02020603050405020304" pitchFamily="18" charset="0"/>
-                <a:cs typeface="Times New Roman" panose="02020603050405020304" pitchFamily="18" charset="0"/>
-              </a:rPr>
-              <a:t>D</a:t>
-            </a:r>
-            <a:r>
               <a:rPr lang="en-US" b="1" i="0">
                 <a:effectLst/>
                 <a:latin typeface="Times New Roman" panose="02020603050405020304" pitchFamily="18" charset="0"/>
                 <a:cs typeface="Times New Roman" panose="02020603050405020304" pitchFamily="18" charset="0"/>
               </a:rPr>
-              <a:t>FS</a:t>
+              <a:t>DFS</a:t>
             </a:r>
           </a:p>
           <a:p>
@@ -6931,42 +7514,6 @@
           </a:p>
         </p:txBody>
       </p:sp>
-      <p:pic>
-        <p:nvPicPr>
-          <p:cNvPr id="6" name="Picture 5" descr="Diagram, schematic&#10;&#10;Description automatically generated">
-            <a:extLst>
-              <a:ext uri="{FF2B5EF4-FFF2-40B4-BE49-F238E27FC236}">
-                <a16:creationId xmlns:a16="http://schemas.microsoft.com/office/drawing/2014/main" id="{2B44FC83-2398-5E3A-C381-62AE739D08A6}"/>
-              </a:ext>
-            </a:extLst>
-          </p:cNvPr>
-          <p:cNvPicPr>
-            <a:picLocks noChangeAspect="1"/>
-          </p:cNvPicPr>
-          <p:nvPr/>
-        </p:nvPicPr>
-        <p:blipFill>
-          <a:blip r:embed="rId4">
-            <a:extLst>
-              <a:ext uri="{28A0092B-C50C-407E-A947-70E740481C1C}">
-                <a14:useLocalDpi xmlns:a14="http://schemas.microsoft.com/office/drawing/2010/main" val="0"/>
-              </a:ext>
-            </a:extLst>
-          </a:blip>
-          <a:stretch>
-            <a:fillRect/>
-          </a:stretch>
-        </p:blipFill>
-        <p:spPr>
-          <a:xfrm>
-            <a:off x="1797146" y="1089326"/>
-            <a:ext cx="5549708" cy="5039246"/>
-          </a:xfrm>
-          <a:prstGeom prst="rect">
-            <a:avLst/>
-          </a:prstGeom>
-        </p:spPr>
-      </p:pic>
     </p:spTree>
     <p:extLst>
       <p:ext uri="{BB962C8B-B14F-4D97-AF65-F5344CB8AC3E}">
@@ -6999,6 +7546,42 @@
       </p:grpSpPr>
       <p:pic>
         <p:nvPicPr>
+          <p:cNvPr id="6" name="Picture 5" descr="Diagram&#10;&#10;Description automatically generated">
+            <a:extLst>
+              <a:ext uri="{FF2B5EF4-FFF2-40B4-BE49-F238E27FC236}">
+                <a16:creationId xmlns:a16="http://schemas.microsoft.com/office/drawing/2014/main" id="{507FC860-8B46-AEB4-EE18-02AC586D78D6}"/>
+              </a:ext>
+            </a:extLst>
+          </p:cNvPr>
+          <p:cNvPicPr>
+            <a:picLocks noChangeAspect="1"/>
+          </p:cNvPicPr>
+          <p:nvPr/>
+        </p:nvPicPr>
+        <p:blipFill>
+          <a:blip r:embed="rId3">
+            <a:extLst>
+              <a:ext uri="{28A0092B-C50C-407E-A947-70E740481C1C}">
+                <a14:useLocalDpi xmlns:a14="http://schemas.microsoft.com/office/drawing/2010/main" val="0"/>
+              </a:ext>
+            </a:extLst>
+          </a:blip>
+          <a:stretch>
+            <a:fillRect/>
+          </a:stretch>
+        </p:blipFill>
+        <p:spPr>
+          <a:xfrm>
+            <a:off x="1409699" y="1089326"/>
+            <a:ext cx="4905375" cy="5261861"/>
+          </a:xfrm>
+          <a:prstGeom prst="rect">
+            <a:avLst/>
+          </a:prstGeom>
+        </p:spPr>
+      </p:pic>
+      <p:pic>
+        <p:nvPicPr>
           <p:cNvPr id="1034" name="Picture 10">
             <a:extLst>
               <a:ext uri="{FF2B5EF4-FFF2-40B4-BE49-F238E27FC236}">
@@ -7012,7 +7595,7 @@
           <p:nvPr/>
         </p:nvPicPr>
         <p:blipFill>
-          <a:blip r:embed="rId2">
+          <a:blip r:embed="rId4">
             <a:extLst>
               <a:ext uri="{28A0092B-C50C-407E-A947-70E740481C1C}">
                 <a14:useLocalDpi xmlns:a14="http://schemas.microsoft.com/office/drawing/2010/main" val="0"/>
@@ -7147,7 +7730,7 @@
           <a:p>
             <a:r>
               <a:rPr lang="en-US" i="1"/>
-              <a:t>Yêu cầu 1-4</a:t>
+              <a:t>Yêu cầu 1-3</a:t>
             </a:r>
           </a:p>
         </p:txBody>
@@ -7157,7 +7740,7 @@
           <p:cNvPr id="3" name="Straight Connector 2">
             <a:extLst>
               <a:ext uri="{FF2B5EF4-FFF2-40B4-BE49-F238E27FC236}">
-                <a16:creationId xmlns:a16="http://schemas.microsoft.com/office/drawing/2014/main" id="{E9060F41-5A0D-7040-5C8F-79CFAA7E7D72}"/>
+                <a16:creationId xmlns:a16="http://schemas.microsoft.com/office/drawing/2014/main" id="{C4BB4107-403F-CD25-8D62-E1CD580C39E7}"/>
               </a:ext>
             </a:extLst>
           </p:cNvPr>
@@ -7195,7 +7778,7 @@
           <p:cNvPr id="5" name="TextBox 4">
             <a:extLst>
               <a:ext uri="{FF2B5EF4-FFF2-40B4-BE49-F238E27FC236}">
-                <a16:creationId xmlns:a16="http://schemas.microsoft.com/office/drawing/2014/main" id="{773F5182-C15F-B8A2-79A6-98CC56113930}"/>
+                <a16:creationId xmlns:a16="http://schemas.microsoft.com/office/drawing/2014/main" id="{7AF6E6C4-7E4D-6951-DD77-D67FDB08BE33}"/>
               </a:ext>
             </a:extLst>
           </p:cNvPr>
@@ -7225,10 +7808,94 @@
           </a:p>
         </p:txBody>
       </p:sp>
+      <p:sp>
+        <p:nvSpPr>
+          <p:cNvPr id="9" name="TextBox 8">
+            <a:extLst>
+              <a:ext uri="{FF2B5EF4-FFF2-40B4-BE49-F238E27FC236}">
+                <a16:creationId xmlns:a16="http://schemas.microsoft.com/office/drawing/2014/main" id="{51CE0FD5-4BE3-F7D8-2BC7-6F59ED933512}"/>
+              </a:ext>
+            </a:extLst>
+          </p:cNvPr>
+          <p:cNvSpPr txBox="1"/>
+          <p:nvPr/>
+        </p:nvSpPr>
+        <p:spPr>
+          <a:xfrm>
+            <a:off x="752474" y="3429000"/>
+            <a:ext cx="657226" cy="1427570"/>
+          </a:xfrm>
+          <a:prstGeom prst="rect">
+            <a:avLst/>
+          </a:prstGeom>
+          <a:noFill/>
+        </p:spPr>
+        <p:txBody>
+          <a:bodyPr wrap="square">
+            <a:spAutoFit/>
+          </a:bodyPr>
+          <a:lstStyle/>
+          <a:p>
+            <a:pPr algn="l">
+              <a:lnSpc>
+                <a:spcPct val="150000"/>
+              </a:lnSpc>
+            </a:pPr>
+            <a:r>
+              <a:rPr lang="en-US" b="1" i="0">
+                <a:effectLst/>
+                <a:latin typeface="Times New Roman" panose="02020603050405020304" pitchFamily="18" charset="0"/>
+                <a:cs typeface="Times New Roman" panose="02020603050405020304" pitchFamily="18" charset="0"/>
+              </a:rPr>
+              <a:t>UCS</a:t>
+            </a:r>
+          </a:p>
+          <a:p>
+            <a:br>
+              <a:rPr lang="vi-VN" b="0">
+                <a:solidFill>
+                  <a:srgbClr val="D4D4D4"/>
+                </a:solidFill>
+                <a:effectLst/>
+                <a:latin typeface="Consolas" panose="020B0609020204030204" pitchFamily="49" charset="0"/>
+              </a:rPr>
+            </a:br>
+            <a:r>
+              <a:rPr lang="vi-VN" b="0">
+                <a:solidFill>
+                  <a:srgbClr val="CE9178"/>
+                </a:solidFill>
+                <a:effectLst/>
+                <a:latin typeface="Consolas" panose="020B0609020204030204" pitchFamily="49" charset="0"/>
+              </a:rPr>
+              <a:t>  </a:t>
+            </a:r>
+            <a:endParaRPr lang="vi-VN" b="0">
+              <a:solidFill>
+                <a:srgbClr val="D4D4D4"/>
+              </a:solidFill>
+              <a:effectLst/>
+              <a:latin typeface="Consolas" panose="020B0609020204030204" pitchFamily="49" charset="0"/>
+            </a:endParaRPr>
+          </a:p>
+          <a:p>
+            <a:pPr algn="l">
+              <a:lnSpc>
+                <a:spcPct val="150000"/>
+              </a:lnSpc>
+            </a:pPr>
+            <a:endParaRPr lang="en-US" b="1" i="0">
+              <a:effectLst/>
+              <a:latin typeface="Times New Roman" panose="02020603050405020304" pitchFamily="18" charset="0"/>
+              <a:cs typeface="Times New Roman" panose="02020603050405020304" pitchFamily="18" charset="0"/>
+            </a:endParaRPr>
+          </a:p>
+        </p:txBody>
+      </p:sp>
     </p:spTree>
     <p:extLst>
       <p:ext uri="{BB962C8B-B14F-4D97-AF65-F5344CB8AC3E}">
-        <p14:creationId xmlns:p14="http://schemas.microsoft.com/office/powerpoint/2010/main" val="2176878142"/>
+        <p14:creationId xmlns:p14="http://schemas.microsoft.com/office/powerpoint/2010/main" val="4109717965"/>
       </p:ext>
     </p:extLst>
   </p:cSld>
@@ -7405,7 +8072,7 @@
           <a:p>
             <a:r>
               <a:rPr lang="en-US" i="1"/>
-              <a:t>Yêu cầu 1-5</a:t>
+              <a:t>Yêu cầu 1-4</a:t>
             </a:r>
           </a:p>
         </p:txBody>
@@ -7415,7 +8082,7 @@
           <p:cNvPr id="3" name="Straight Connector 2">
             <a:extLst>
               <a:ext uri="{FF2B5EF4-FFF2-40B4-BE49-F238E27FC236}">
-                <a16:creationId xmlns:a16="http://schemas.microsoft.com/office/drawing/2014/main" id="{A678CC92-2ECC-6731-44B3-E00C5607B1AE}"/>
+                <a16:creationId xmlns:a16="http://schemas.microsoft.com/office/drawing/2014/main" id="{E9060F41-5A0D-7040-5C8F-79CFAA7E7D72}"/>
               </a:ext>
             </a:extLst>
           </p:cNvPr>
@@ -7453,7 +8120,7 @@
           <p:cNvPr id="5" name="TextBox 4">
             <a:extLst>
               <a:ext uri="{FF2B5EF4-FFF2-40B4-BE49-F238E27FC236}">
-                <a16:creationId xmlns:a16="http://schemas.microsoft.com/office/drawing/2014/main" id="{4560C39D-ACC4-FD53-200A-C206C7FACCF7}"/>
+                <a16:creationId xmlns:a16="http://schemas.microsoft.com/office/drawing/2014/main" id="{773F5182-C15F-B8A2-79A6-98CC56113930}"/>
               </a:ext>
             </a:extLst>
           </p:cNvPr>
@@ -7483,10 +8150,70 @@
           </a:p>
         </p:txBody>
       </p:sp>
+      <p:pic>
+        <p:nvPicPr>
+          <p:cNvPr id="6" name="Picture 5">
+            <a:extLst>
+              <a:ext uri="{FF2B5EF4-FFF2-40B4-BE49-F238E27FC236}">
+                <a16:creationId xmlns:a16="http://schemas.microsoft.com/office/drawing/2014/main" id="{DBB75A3D-9236-0F32-4DB3-8640590F658C}"/>
+              </a:ext>
+            </a:extLst>
+          </p:cNvPr>
+          <p:cNvPicPr>
+            <a:picLocks noChangeAspect="1"/>
+          </p:cNvPicPr>
+          <p:nvPr/>
+        </p:nvPicPr>
+        <p:blipFill>
+          <a:blip r:embed="rId3"/>
+          <a:stretch>
+            <a:fillRect/>
+          </a:stretch>
+        </p:blipFill>
+        <p:spPr>
+          <a:xfrm>
+            <a:off x="633412" y="1458659"/>
+            <a:ext cx="3795089" cy="4412362"/>
+          </a:xfrm>
+          <a:prstGeom prst="rect">
+            <a:avLst/>
+          </a:prstGeom>
+        </p:spPr>
+      </p:pic>
+      <p:pic>
+        <p:nvPicPr>
+          <p:cNvPr id="8" name="Picture 7">
+            <a:extLst>
+              <a:ext uri="{FF2B5EF4-FFF2-40B4-BE49-F238E27FC236}">
+                <a16:creationId xmlns:a16="http://schemas.microsoft.com/office/drawing/2014/main" id="{CA8451FB-3C2B-4482-8DC3-38D9C773F858}"/>
+              </a:ext>
+            </a:extLst>
+          </p:cNvPr>
+          <p:cNvPicPr>
+            <a:picLocks noChangeAspect="1"/>
+          </p:cNvPicPr>
+          <p:nvPr/>
+        </p:nvPicPr>
+        <p:blipFill>
+          <a:blip r:embed="rId4"/>
+          <a:stretch>
+            <a:fillRect/>
+          </a:stretch>
+        </p:blipFill>
+        <p:spPr>
+          <a:xfrm>
+            <a:off x="4907093" y="1458660"/>
+            <a:ext cx="3964832" cy="4412362"/>
+          </a:xfrm>
+          <a:prstGeom prst="rect">
+            <a:avLst/>
+          </a:prstGeom>
+        </p:spPr>
+      </p:pic>
     </p:spTree>
     <p:extLst>
       <p:ext uri="{BB962C8B-B14F-4D97-AF65-F5344CB8AC3E}">
-        <p14:creationId xmlns:p14="http://schemas.microsoft.com/office/powerpoint/2010/main" val="3474282668"/>
+        <p14:creationId xmlns:p14="http://schemas.microsoft.com/office/powerpoint/2010/main" val="2176878142"/>
       </p:ext>
     </p:extLst>
   </p:cSld>
@@ -7663,7 +8390,7 @@
           <a:p>
             <a:r>
               <a:rPr lang="en-US" i="1"/>
-              <a:t>Yêu cầu 1-6</a:t>
+              <a:t>Yêu cầu 1-5</a:t>
             </a:r>
           </a:p>
         </p:txBody>
@@ -7673,7 +8400,7 @@
           <p:cNvPr id="3" name="Straight Connector 2">
             <a:extLst>
               <a:ext uri="{FF2B5EF4-FFF2-40B4-BE49-F238E27FC236}">
-                <a16:creationId xmlns:a16="http://schemas.microsoft.com/office/drawing/2014/main" id="{000902B5-E704-F9CF-DC0B-DDD6C94EF140}"/>
+                <a16:creationId xmlns:a16="http://schemas.microsoft.com/office/drawing/2014/main" id="{A678CC92-2ECC-6731-44B3-E00C5607B1AE}"/>
               </a:ext>
             </a:extLst>
           </p:cNvPr>
@@ -7711,7 +8438,7 @@
           <p:cNvPr id="5" name="TextBox 4">
             <a:extLst>
               <a:ext uri="{FF2B5EF4-FFF2-40B4-BE49-F238E27FC236}">
-                <a16:creationId xmlns:a16="http://schemas.microsoft.com/office/drawing/2014/main" id="{F5D7CFDC-9C3E-5EB6-442E-0427CF3FD978}"/>
+                <a16:creationId xmlns:a16="http://schemas.microsoft.com/office/drawing/2014/main" id="{4560C39D-ACC4-FD53-200A-C206C7FACCF7}"/>
               </a:ext>
             </a:extLst>
           </p:cNvPr>
@@ -7744,7 +8471,7 @@
     </p:spTree>
     <p:extLst>
       <p:ext uri="{BB962C8B-B14F-4D97-AF65-F5344CB8AC3E}">
-        <p14:creationId xmlns:p14="http://schemas.microsoft.com/office/powerpoint/2010/main" val="2895901428"/>
+        <p14:creationId xmlns:p14="http://schemas.microsoft.com/office/powerpoint/2010/main" val="3474282668"/>
       </p:ext>
     </p:extLst>
   </p:cSld>
@@ -7891,6 +8618,264 @@
           </a:p>
         </p:txBody>
       </p:sp>
+      <p:sp>
+        <p:nvSpPr>
+          <p:cNvPr id="2" name="TextBox 1">
+            <a:extLst>
+              <a:ext uri="{FF2B5EF4-FFF2-40B4-BE49-F238E27FC236}">
+                <a16:creationId xmlns:a16="http://schemas.microsoft.com/office/drawing/2014/main" id="{30380714-4CD2-9849-80A6-8AC66F97DA6F}"/>
+              </a:ext>
+            </a:extLst>
+          </p:cNvPr>
+          <p:cNvSpPr txBox="1"/>
+          <p:nvPr/>
+        </p:nvSpPr>
+        <p:spPr>
+          <a:xfrm>
+            <a:off x="76200" y="1089327"/>
+            <a:ext cx="1252202" cy="369332"/>
+          </a:xfrm>
+          <a:prstGeom prst="rect">
+            <a:avLst/>
+          </a:prstGeom>
+          <a:noFill/>
+        </p:spPr>
+        <p:txBody>
+          <a:bodyPr wrap="none" rtlCol="0">
+            <a:spAutoFit/>
+          </a:bodyPr>
+          <a:lstStyle/>
+          <a:p>
+            <a:r>
+              <a:rPr lang="en-US" i="1"/>
+              <a:t>Yêu cầu 1-6</a:t>
+            </a:r>
+          </a:p>
+        </p:txBody>
+      </p:sp>
+      <p:cxnSp>
+        <p:nvCxnSpPr>
+          <p:cNvPr id="3" name="Straight Connector 2">
+            <a:extLst>
+              <a:ext uri="{FF2B5EF4-FFF2-40B4-BE49-F238E27FC236}">
+                <a16:creationId xmlns:a16="http://schemas.microsoft.com/office/drawing/2014/main" id="{000902B5-E704-F9CF-DC0B-DDD6C94EF140}"/>
+              </a:ext>
+            </a:extLst>
+          </p:cNvPr>
+          <p:cNvCxnSpPr>
+            <a:cxnSpLocks/>
+          </p:cNvCxnSpPr>
+          <p:nvPr/>
+        </p:nvCxnSpPr>
+        <p:spPr>
+          <a:xfrm>
+            <a:off x="4752975" y="6238875"/>
+            <a:ext cx="4286250" cy="0"/>
+          </a:xfrm>
+          <a:prstGeom prst="line">
+            <a:avLst/>
+          </a:prstGeom>
+        </p:spPr>
+        <p:style>
+          <a:lnRef idx="1">
+            <a:schemeClr val="accent1"/>
+          </a:lnRef>
+          <a:fillRef idx="0">
+            <a:schemeClr val="accent1"/>
+          </a:fillRef>
+          <a:effectRef idx="0">
+            <a:schemeClr val="accent1"/>
+          </a:effectRef>
+          <a:fontRef idx="minor">
+            <a:schemeClr val="tx1"/>
+          </a:fontRef>
+        </p:style>
+      </p:cxnSp>
+      <p:sp>
+        <p:nvSpPr>
+          <p:cNvPr id="5" name="TextBox 4">
+            <a:extLst>
+              <a:ext uri="{FF2B5EF4-FFF2-40B4-BE49-F238E27FC236}">
+                <a16:creationId xmlns:a16="http://schemas.microsoft.com/office/drawing/2014/main" id="{F5D7CFDC-9C3E-5EB6-442E-0427CF3FD978}"/>
+              </a:ext>
+            </a:extLst>
+          </p:cNvPr>
+          <p:cNvSpPr txBox="1"/>
+          <p:nvPr/>
+        </p:nvSpPr>
+        <p:spPr>
+          <a:xfrm>
+            <a:off x="7753350" y="6336334"/>
+            <a:ext cx="1285874" cy="369332"/>
+          </a:xfrm>
+          <a:prstGeom prst="rect">
+            <a:avLst/>
+          </a:prstGeom>
+          <a:noFill/>
+        </p:spPr>
+        <p:txBody>
+          <a:bodyPr wrap="square" rtlCol="0">
+            <a:spAutoFit/>
+          </a:bodyPr>
+          <a:lstStyle/>
+          <a:p>
+            <a:r>
+              <a:rPr lang="en-US"/>
+              <a:t>Trang 1</a:t>
+            </a:r>
+          </a:p>
+        </p:txBody>
+      </p:sp>
+    </p:spTree>
+    <p:extLst>
+      <p:ext uri="{BB962C8B-B14F-4D97-AF65-F5344CB8AC3E}">
+        <p14:creationId xmlns:p14="http://schemas.microsoft.com/office/powerpoint/2010/main" val="2895901428"/>
+      </p:ext>
+    </p:extLst>
+  </p:cSld>
+  <p:clrMapOvr>
+    <a:masterClrMapping/>
+  </p:clrMapOvr>
+</p:sld>
+</file>
+
+<file path=ppt/slides/slide15.xml><?xml version="1.0" encoding="utf-8"?>
+<p:sld xmlns:a="http://schemas.openxmlformats.org/drawingml/2006/main" xmlns:r="http://schemas.openxmlformats.org/officeDocument/2006/relationships" xmlns:p="http://schemas.openxmlformats.org/presentationml/2006/main">
+  <p:cSld>
+    <p:spTree>
+      <p:nvGrpSpPr>
+        <p:cNvPr id="1" name=""/>
+        <p:cNvGrpSpPr/>
+        <p:nvPr/>
+      </p:nvGrpSpPr>
+      <p:grpSpPr>
+        <a:xfrm>
+          <a:off x="0" y="0"/>
+          <a:ext cx="0" cy="0"/>
+          <a:chOff x="0" y="0"/>
+          <a:chExt cx="0" cy="0"/>
+        </a:xfrm>
+      </p:grpSpPr>
+      <p:pic>
+        <p:nvPicPr>
+          <p:cNvPr id="1034" name="Picture 10">
+            <a:extLst>
+              <a:ext uri="{FF2B5EF4-FFF2-40B4-BE49-F238E27FC236}">
+                <a16:creationId xmlns:a16="http://schemas.microsoft.com/office/drawing/2014/main" id="{6F72484C-A752-76F3-F259-0A997B815A00}"/>
+              </a:ext>
+            </a:extLst>
+          </p:cNvPr>
+          <p:cNvPicPr>
+            <a:picLocks noChangeAspect="1" noChangeArrowheads="1"/>
+          </p:cNvPicPr>
+          <p:nvPr/>
+        </p:nvPicPr>
+        <p:blipFill>
+          <a:blip r:embed="rId2">
+            <a:extLst>
+              <a:ext uri="{28A0092B-C50C-407E-A947-70E740481C1C}">
+                <a14:useLocalDpi xmlns:a14="http://schemas.microsoft.com/office/drawing/2010/main" val="0"/>
+              </a:ext>
+            </a:extLst>
+          </a:blip>
+          <a:srcRect/>
+          <a:stretch>
+            <a:fillRect/>
+          </a:stretch>
+        </p:blipFill>
+        <p:spPr bwMode="auto">
+          <a:xfrm>
+            <a:off x="76200" y="119063"/>
+            <a:ext cx="1114424" cy="614791"/>
+          </a:xfrm>
+          <a:prstGeom prst="rect">
+            <a:avLst/>
+          </a:prstGeom>
+          <a:noFill/>
+          <a:extLst>
+            <a:ext uri="{909E8E84-426E-40DD-AFC4-6F175D3DCCD1}">
+              <a14:hiddenFill xmlns:a14="http://schemas.microsoft.com/office/drawing/2010/main">
+                <a:solidFill>
+                  <a:srgbClr val="FFFFFF"/>
+                </a:solidFill>
+              </a14:hiddenFill>
+            </a:ext>
+          </a:extLst>
+        </p:spPr>
+      </p:pic>
+      <p:cxnSp>
+        <p:nvCxnSpPr>
+          <p:cNvPr id="11" name="Straight Connector 10">
+            <a:extLst>
+              <a:ext uri="{FF2B5EF4-FFF2-40B4-BE49-F238E27FC236}">
+                <a16:creationId xmlns:a16="http://schemas.microsoft.com/office/drawing/2014/main" id="{E5C4A229-E185-5A4B-53B1-81D591292671}"/>
+              </a:ext>
+            </a:extLst>
+          </p:cNvPr>
+          <p:cNvCxnSpPr>
+            <a:cxnSpLocks/>
+          </p:cNvCxnSpPr>
+          <p:nvPr/>
+        </p:nvCxnSpPr>
+        <p:spPr>
+          <a:xfrm>
+            <a:off x="76200" y="847725"/>
+            <a:ext cx="7648575" cy="0"/>
+          </a:xfrm>
+          <a:prstGeom prst="line">
+            <a:avLst/>
+          </a:prstGeom>
+        </p:spPr>
+        <p:style>
+          <a:lnRef idx="1">
+            <a:schemeClr val="accent1"/>
+          </a:lnRef>
+          <a:fillRef idx="0">
+            <a:schemeClr val="accent1"/>
+          </a:fillRef>
+          <a:effectRef idx="0">
+            <a:schemeClr val="accent1"/>
+          </a:effectRef>
+          <a:fontRef idx="minor">
+            <a:schemeClr val="tx1"/>
+          </a:fontRef>
+        </p:style>
+      </p:cxnSp>
+      <p:sp>
+        <p:nvSpPr>
+          <p:cNvPr id="14" name="TextBox 13">
+            <a:extLst>
+              <a:ext uri="{FF2B5EF4-FFF2-40B4-BE49-F238E27FC236}">
+                <a16:creationId xmlns:a16="http://schemas.microsoft.com/office/drawing/2014/main" id="{63B4AB36-B54A-EA5C-2A74-F2C80BE0CBC4}"/>
+              </a:ext>
+            </a:extLst>
+          </p:cNvPr>
+          <p:cNvSpPr txBox="1"/>
+          <p:nvPr/>
+        </p:nvSpPr>
+        <p:spPr>
+          <a:xfrm>
+            <a:off x="1390650" y="236792"/>
+            <a:ext cx="6362700" cy="369332"/>
+          </a:xfrm>
+          <a:prstGeom prst="rect">
+            <a:avLst/>
+          </a:prstGeom>
+          <a:noFill/>
+        </p:spPr>
+        <p:txBody>
+          <a:bodyPr wrap="square" rtlCol="0">
+            <a:spAutoFit/>
+          </a:bodyPr>
+          <a:lstStyle/>
+          <a:p>
+            <a:r>
+              <a:rPr lang="en-US" b="1"/>
+              <a:t>UNINFORMED SEARCH</a:t>
+            </a:r>
+          </a:p>
+        </p:txBody>
+      </p:sp>
       <p:graphicFrame>
         <p:nvGraphicFramePr>
           <p:cNvPr id="3" name="Table 16">
@@ -7906,7 +8891,7 @@
           <p:nvPr>
             <p:extLst>
               <p:ext uri="{D42A27DB-BD31-4B8C-83A1-F6EECF244321}">
-                <p14:modId xmlns:p14="http://schemas.microsoft.com/office/powerpoint/2010/main" val="752889176"/>
+                <p14:modId xmlns:p14="http://schemas.microsoft.com/office/powerpoint/2010/main" val="96445283"/>
               </p:ext>
             </p:extLst>
           </p:nvPr>
@@ -8101,10 +9086,13 @@
                     <a:lstStyle/>
                     <a:p>
                       <a:pPr algn="ctr"/>
-                      <a:endParaRPr lang="en-US">
-                        <a:latin typeface="Times New Roman" panose="02020603050405020304" pitchFamily="18" charset="0"/>
-                        <a:cs typeface="Times New Roman" panose="02020603050405020304" pitchFamily="18" charset="0"/>
-                      </a:endParaRPr>
+                      <a:r>
+                        <a:rPr lang="en-US">
+                          <a:latin typeface="Times New Roman" panose="02020603050405020304" pitchFamily="18" charset="0"/>
+                          <a:cs typeface="Times New Roman" panose="02020603050405020304" pitchFamily="18" charset="0"/>
+                        </a:rPr>
+                        <a:t>Hoàn thành</a:t>
+                      </a:r>
                     </a:p>
                   </a:txBody>
                   <a:tcPr/>
@@ -8156,10 +9144,13 @@
                     <a:lstStyle/>
                     <a:p>
                       <a:pPr algn="ctr"/>
-                      <a:endParaRPr lang="en-US">
-                        <a:latin typeface="Times New Roman" panose="02020603050405020304" pitchFamily="18" charset="0"/>
-                        <a:cs typeface="Times New Roman" panose="02020603050405020304" pitchFamily="18" charset="0"/>
-                      </a:endParaRPr>
+                      <a:r>
+                        <a:rPr lang="en-US">
+                          <a:latin typeface="Times New Roman" panose="02020603050405020304" pitchFamily="18" charset="0"/>
+                          <a:cs typeface="Times New Roman" panose="02020603050405020304" pitchFamily="18" charset="0"/>
+                        </a:rPr>
+                        <a:t>Hoàn thành</a:t>
+                      </a:r>
                     </a:p>
                   </a:txBody>
                   <a:tcPr/>
@@ -8211,10 +9202,13 @@
                     <a:lstStyle/>
                     <a:p>
                       <a:pPr algn="ctr"/>
-                      <a:endParaRPr lang="en-US">
-                        <a:latin typeface="Times New Roman" panose="02020603050405020304" pitchFamily="18" charset="0"/>
-                        <a:cs typeface="Times New Roman" panose="02020603050405020304" pitchFamily="18" charset="0"/>
-                      </a:endParaRPr>
+                      <a:r>
+                        <a:rPr lang="en-US">
+                          <a:latin typeface="Times New Roman" panose="02020603050405020304" pitchFamily="18" charset="0"/>
+                          <a:cs typeface="Times New Roman" panose="02020603050405020304" pitchFamily="18" charset="0"/>
+                        </a:rPr>
+                        <a:t>Hoàn thành</a:t>
+                      </a:r>
                     </a:p>
                   </a:txBody>
                   <a:tcPr/>
@@ -8460,264 +9454,6 @@
 </p:sld>
 </file>
 
-<file path=ppt/slides/slide15.xml><?xml version="1.0" encoding="utf-8"?>
-<p:sld xmlns:a="http://schemas.openxmlformats.org/drawingml/2006/main" xmlns:r="http://schemas.openxmlformats.org/officeDocument/2006/relationships" xmlns:p="http://schemas.openxmlformats.org/presentationml/2006/main">
-  <p:cSld>
-    <p:spTree>
-      <p:nvGrpSpPr>
-        <p:cNvPr id="1" name=""/>
-        <p:cNvGrpSpPr/>
-        <p:nvPr/>
-      </p:nvGrpSpPr>
-      <p:grpSpPr>
-        <a:xfrm>
-          <a:off x="0" y="0"/>
-          <a:ext cx="0" cy="0"/>
-          <a:chOff x="0" y="0"/>
-          <a:chExt cx="0" cy="0"/>
-        </a:xfrm>
-      </p:grpSpPr>
-      <p:pic>
-        <p:nvPicPr>
-          <p:cNvPr id="1034" name="Picture 10">
-            <a:extLst>
-              <a:ext uri="{FF2B5EF4-FFF2-40B4-BE49-F238E27FC236}">
-                <a16:creationId xmlns:a16="http://schemas.microsoft.com/office/drawing/2014/main" id="{6F72484C-A752-76F3-F259-0A997B815A00}"/>
-              </a:ext>
-            </a:extLst>
-          </p:cNvPr>
-          <p:cNvPicPr>
-            <a:picLocks noChangeAspect="1" noChangeArrowheads="1"/>
-          </p:cNvPicPr>
-          <p:nvPr/>
-        </p:nvPicPr>
-        <p:blipFill>
-          <a:blip r:embed="rId2">
-            <a:extLst>
-              <a:ext uri="{28A0092B-C50C-407E-A947-70E740481C1C}">
-                <a14:useLocalDpi xmlns:a14="http://schemas.microsoft.com/office/drawing/2010/main" val="0"/>
-              </a:ext>
-            </a:extLst>
-          </a:blip>
-          <a:srcRect/>
-          <a:stretch>
-            <a:fillRect/>
-          </a:stretch>
-        </p:blipFill>
-        <p:spPr bwMode="auto">
-          <a:xfrm>
-            <a:off x="76200" y="119063"/>
-            <a:ext cx="1114424" cy="614791"/>
-          </a:xfrm>
-          <a:prstGeom prst="rect">
-            <a:avLst/>
-          </a:prstGeom>
-          <a:noFill/>
-          <a:extLst>
-            <a:ext uri="{909E8E84-426E-40DD-AFC4-6F175D3DCCD1}">
-              <a14:hiddenFill xmlns:a14="http://schemas.microsoft.com/office/drawing/2010/main">
-                <a:solidFill>
-                  <a:srgbClr val="FFFFFF"/>
-                </a:solidFill>
-              </a14:hiddenFill>
-            </a:ext>
-          </a:extLst>
-        </p:spPr>
-      </p:pic>
-      <p:cxnSp>
-        <p:nvCxnSpPr>
-          <p:cNvPr id="11" name="Straight Connector 10">
-            <a:extLst>
-              <a:ext uri="{FF2B5EF4-FFF2-40B4-BE49-F238E27FC236}">
-                <a16:creationId xmlns:a16="http://schemas.microsoft.com/office/drawing/2014/main" id="{E5C4A229-E185-5A4B-53B1-81D591292671}"/>
-              </a:ext>
-            </a:extLst>
-          </p:cNvPr>
-          <p:cNvCxnSpPr>
-            <a:cxnSpLocks/>
-          </p:cNvCxnSpPr>
-          <p:nvPr/>
-        </p:nvCxnSpPr>
-        <p:spPr>
-          <a:xfrm>
-            <a:off x="76200" y="847725"/>
-            <a:ext cx="7648575" cy="0"/>
-          </a:xfrm>
-          <a:prstGeom prst="line">
-            <a:avLst/>
-          </a:prstGeom>
-        </p:spPr>
-        <p:style>
-          <a:lnRef idx="1">
-            <a:schemeClr val="accent1"/>
-          </a:lnRef>
-          <a:fillRef idx="0">
-            <a:schemeClr val="accent1"/>
-          </a:fillRef>
-          <a:effectRef idx="0">
-            <a:schemeClr val="accent1"/>
-          </a:effectRef>
-          <a:fontRef idx="minor">
-            <a:schemeClr val="tx1"/>
-          </a:fontRef>
-        </p:style>
-      </p:cxnSp>
-      <p:sp>
-        <p:nvSpPr>
-          <p:cNvPr id="14" name="TextBox 13">
-            <a:extLst>
-              <a:ext uri="{FF2B5EF4-FFF2-40B4-BE49-F238E27FC236}">
-                <a16:creationId xmlns:a16="http://schemas.microsoft.com/office/drawing/2014/main" id="{63B4AB36-B54A-EA5C-2A74-F2C80BE0CBC4}"/>
-              </a:ext>
-            </a:extLst>
-          </p:cNvPr>
-          <p:cNvSpPr txBox="1"/>
-          <p:nvPr/>
-        </p:nvSpPr>
-        <p:spPr>
-          <a:xfrm>
-            <a:off x="1390650" y="236792"/>
-            <a:ext cx="6362700" cy="369332"/>
-          </a:xfrm>
-          <a:prstGeom prst="rect">
-            <a:avLst/>
-          </a:prstGeom>
-          <a:noFill/>
-        </p:spPr>
-        <p:txBody>
-          <a:bodyPr wrap="square" rtlCol="0">
-            <a:spAutoFit/>
-          </a:bodyPr>
-          <a:lstStyle/>
-          <a:p>
-            <a:r>
-              <a:rPr lang="en-US" b="1"/>
-              <a:t>BEST FIRST SEARCH</a:t>
-            </a:r>
-          </a:p>
-        </p:txBody>
-      </p:sp>
-      <p:sp>
-        <p:nvSpPr>
-          <p:cNvPr id="2" name="TextBox 1">
-            <a:extLst>
-              <a:ext uri="{FF2B5EF4-FFF2-40B4-BE49-F238E27FC236}">
-                <a16:creationId xmlns:a16="http://schemas.microsoft.com/office/drawing/2014/main" id="{30380714-4CD2-9849-80A6-8AC66F97DA6F}"/>
-              </a:ext>
-            </a:extLst>
-          </p:cNvPr>
-          <p:cNvSpPr txBox="1"/>
-          <p:nvPr/>
-        </p:nvSpPr>
-        <p:spPr>
-          <a:xfrm>
-            <a:off x="76200" y="1089327"/>
-            <a:ext cx="1252202" cy="369332"/>
-          </a:xfrm>
-          <a:prstGeom prst="rect">
-            <a:avLst/>
-          </a:prstGeom>
-          <a:noFill/>
-        </p:spPr>
-        <p:txBody>
-          <a:bodyPr wrap="none" rtlCol="0">
-            <a:spAutoFit/>
-          </a:bodyPr>
-          <a:lstStyle/>
-          <a:p>
-            <a:r>
-              <a:rPr lang="en-US" i="1"/>
-              <a:t>Yêu cầu 2-1</a:t>
-            </a:r>
-          </a:p>
-        </p:txBody>
-      </p:sp>
-      <p:cxnSp>
-        <p:nvCxnSpPr>
-          <p:cNvPr id="3" name="Straight Connector 2">
-            <a:extLst>
-              <a:ext uri="{FF2B5EF4-FFF2-40B4-BE49-F238E27FC236}">
-                <a16:creationId xmlns:a16="http://schemas.microsoft.com/office/drawing/2014/main" id="{2CD06583-66AF-701D-3EFB-7B57FC7CBC60}"/>
-              </a:ext>
-            </a:extLst>
-          </p:cNvPr>
-          <p:cNvCxnSpPr>
-            <a:cxnSpLocks/>
-          </p:cNvCxnSpPr>
-          <p:nvPr/>
-        </p:nvCxnSpPr>
-        <p:spPr>
-          <a:xfrm>
-            <a:off x="4752975" y="6238875"/>
-            <a:ext cx="4286250" cy="0"/>
-          </a:xfrm>
-          <a:prstGeom prst="line">
-            <a:avLst/>
-          </a:prstGeom>
-        </p:spPr>
-        <p:style>
-          <a:lnRef idx="1">
-            <a:schemeClr val="accent1"/>
-          </a:lnRef>
-          <a:fillRef idx="0">
-            <a:schemeClr val="accent1"/>
-          </a:fillRef>
-          <a:effectRef idx="0">
-            <a:schemeClr val="accent1"/>
-          </a:effectRef>
-          <a:fontRef idx="minor">
-            <a:schemeClr val="tx1"/>
-          </a:fontRef>
-        </p:style>
-      </p:cxnSp>
-      <p:sp>
-        <p:nvSpPr>
-          <p:cNvPr id="5" name="TextBox 4">
-            <a:extLst>
-              <a:ext uri="{FF2B5EF4-FFF2-40B4-BE49-F238E27FC236}">
-                <a16:creationId xmlns:a16="http://schemas.microsoft.com/office/drawing/2014/main" id="{C636AC51-235F-27C4-310D-353DA6ACFACB}"/>
-              </a:ext>
-            </a:extLst>
-          </p:cNvPr>
-          <p:cNvSpPr txBox="1"/>
-          <p:nvPr/>
-        </p:nvSpPr>
-        <p:spPr>
-          <a:xfrm>
-            <a:off x="7753350" y="6336334"/>
-            <a:ext cx="1285874" cy="369332"/>
-          </a:xfrm>
-          <a:prstGeom prst="rect">
-            <a:avLst/>
-          </a:prstGeom>
-          <a:noFill/>
-        </p:spPr>
-        <p:txBody>
-          <a:bodyPr wrap="square" rtlCol="0">
-            <a:spAutoFit/>
-          </a:bodyPr>
-          <a:lstStyle/>
-          <a:p>
-            <a:r>
-              <a:rPr lang="en-US"/>
-              <a:t>Trang 1</a:t>
-            </a:r>
-          </a:p>
-        </p:txBody>
-      </p:sp>
-    </p:spTree>
-    <p:extLst>
-      <p:ext uri="{BB962C8B-B14F-4D97-AF65-F5344CB8AC3E}">
-        <p14:creationId xmlns:p14="http://schemas.microsoft.com/office/powerpoint/2010/main" val="4283605162"/>
-      </p:ext>
-    </p:extLst>
-  </p:cSld>
-  <p:clrMapOvr>
-    <a:masterClrMapping/>
-  </p:clrMapOvr>
-</p:sld>
-</file>
-
 <file path=ppt/slides/slide16.xml><?xml version="1.0" encoding="utf-8"?>
 <p:sld xmlns:a="http://schemas.openxmlformats.org/drawingml/2006/main" xmlns:r="http://schemas.openxmlformats.org/officeDocument/2006/relationships" xmlns:p="http://schemas.openxmlformats.org/presentationml/2006/main">
   <p:cSld>
@@ -8885,7 +9621,7 @@
           <a:p>
             <a:r>
               <a:rPr lang="en-US" i="1"/>
-              <a:t>Yêu cầu 2-2</a:t>
+              <a:t>Yêu cầu 2-1</a:t>
             </a:r>
           </a:p>
         </p:txBody>
@@ -8895,7 +9631,7 @@
           <p:cNvPr id="3" name="Straight Connector 2">
             <a:extLst>
               <a:ext uri="{FF2B5EF4-FFF2-40B4-BE49-F238E27FC236}">
-                <a16:creationId xmlns:a16="http://schemas.microsoft.com/office/drawing/2014/main" id="{A6209D13-18E2-CE90-A8FC-47240D1DB3DD}"/>
+                <a16:creationId xmlns:a16="http://schemas.microsoft.com/office/drawing/2014/main" id="{2CD06583-66AF-701D-3EFB-7B57FC7CBC60}"/>
               </a:ext>
             </a:extLst>
           </p:cNvPr>
@@ -8933,7 +9669,7 @@
           <p:cNvPr id="5" name="TextBox 4">
             <a:extLst>
               <a:ext uri="{FF2B5EF4-FFF2-40B4-BE49-F238E27FC236}">
-                <a16:creationId xmlns:a16="http://schemas.microsoft.com/office/drawing/2014/main" id="{5A7DF51B-1976-A0EB-6F7B-B4A2CB037D53}"/>
+                <a16:creationId xmlns:a16="http://schemas.microsoft.com/office/drawing/2014/main" id="{C636AC51-235F-27C4-310D-353DA6ACFACB}"/>
               </a:ext>
             </a:extLst>
           </p:cNvPr>
@@ -8963,10 +9699,352 @@
           </a:p>
         </p:txBody>
       </p:sp>
+      <p:sp>
+        <p:nvSpPr>
+          <p:cNvPr id="4" name="TextBox 3">
+            <a:extLst>
+              <a:ext uri="{FF2B5EF4-FFF2-40B4-BE49-F238E27FC236}">
+                <a16:creationId xmlns:a16="http://schemas.microsoft.com/office/drawing/2014/main" id="{6155AFF2-5D57-35C2-5FA4-18DC56B50EDC}"/>
+              </a:ext>
+            </a:extLst>
+          </p:cNvPr>
+          <p:cNvSpPr txBox="1"/>
+          <p:nvPr/>
+        </p:nvSpPr>
+        <p:spPr>
+          <a:xfrm>
+            <a:off x="781048" y="1800225"/>
+            <a:ext cx="2762251" cy="1427570"/>
+          </a:xfrm>
+          <a:prstGeom prst="rect">
+            <a:avLst/>
+          </a:prstGeom>
+          <a:noFill/>
+        </p:spPr>
+        <p:txBody>
+          <a:bodyPr wrap="square">
+            <a:spAutoFit/>
+          </a:bodyPr>
+          <a:lstStyle/>
+          <a:p>
+            <a:pPr algn="l">
+              <a:lnSpc>
+                <a:spcPct val="150000"/>
+              </a:lnSpc>
+            </a:pPr>
+            <a:r>
+              <a:rPr lang="en-US" i="1">
+                <a:effectLst/>
+                <a:latin typeface="Times New Roman" panose="02020603050405020304" pitchFamily="18" charset="0"/>
+                <a:cs typeface="Times New Roman" panose="02020603050405020304" pitchFamily="18" charset="0"/>
+              </a:rPr>
+              <a:t>Khoảng cách Euclidean</a:t>
+            </a:r>
+          </a:p>
+          <a:p>
+            <a:br>
+              <a:rPr lang="vi-VN" i="1">
+                <a:solidFill>
+                  <a:srgbClr val="D4D4D4"/>
+                </a:solidFill>
+                <a:effectLst/>
+                <a:latin typeface="Consolas" panose="020B0609020204030204" pitchFamily="49" charset="0"/>
+              </a:rPr>
+            </a:br>
+            <a:r>
+              <a:rPr lang="vi-VN" i="1">
+                <a:solidFill>
+                  <a:srgbClr val="CE9178"/>
+                </a:solidFill>
+                <a:effectLst/>
+                <a:latin typeface="Consolas" panose="020B0609020204030204" pitchFamily="49" charset="0"/>
+              </a:rPr>
+              <a:t>  </a:t>
+            </a:r>
+            <a:endParaRPr lang="vi-VN" i="1">
+              <a:solidFill>
+                <a:srgbClr val="D4D4D4"/>
+              </a:solidFill>
+              <a:effectLst/>
+              <a:latin typeface="Consolas" panose="020B0609020204030204" pitchFamily="49" charset="0"/>
+            </a:endParaRPr>
+          </a:p>
+          <a:p>
+            <a:pPr algn="l">
+              <a:lnSpc>
+                <a:spcPct val="150000"/>
+              </a:lnSpc>
+            </a:pPr>
+            <a:endParaRPr lang="en-US" i="1">
+              <a:effectLst/>
+              <a:latin typeface="Times New Roman" panose="02020603050405020304" pitchFamily="18" charset="0"/>
+              <a:cs typeface="Times New Roman" panose="02020603050405020304" pitchFamily="18" charset="0"/>
+            </a:endParaRPr>
+          </a:p>
+        </p:txBody>
+      </p:sp>
+      <p:pic>
+        <p:nvPicPr>
+          <p:cNvPr id="7" name="Picture 6">
+            <a:extLst>
+              <a:ext uri="{FF2B5EF4-FFF2-40B4-BE49-F238E27FC236}">
+                <a16:creationId xmlns:a16="http://schemas.microsoft.com/office/drawing/2014/main" id="{9BE015F4-B740-114F-C17A-D68586C61382}"/>
+              </a:ext>
+            </a:extLst>
+          </p:cNvPr>
+          <p:cNvPicPr>
+            <a:picLocks noChangeAspect="1"/>
+          </p:cNvPicPr>
+          <p:nvPr/>
+        </p:nvPicPr>
+        <p:blipFill>
+          <a:blip r:embed="rId3"/>
+          <a:stretch>
+            <a:fillRect/>
+          </a:stretch>
+        </p:blipFill>
+        <p:spPr>
+          <a:xfrm>
+            <a:off x="3290887" y="1800225"/>
+            <a:ext cx="4086225" cy="647700"/>
+          </a:xfrm>
+          <a:prstGeom prst="rect">
+            <a:avLst/>
+          </a:prstGeom>
+        </p:spPr>
+      </p:pic>
+      <p:sp>
+        <p:nvSpPr>
+          <p:cNvPr id="8" name="TextBox 7">
+            <a:extLst>
+              <a:ext uri="{FF2B5EF4-FFF2-40B4-BE49-F238E27FC236}">
+                <a16:creationId xmlns:a16="http://schemas.microsoft.com/office/drawing/2014/main" id="{5B6ADF82-7127-B1E1-AB08-85E9AFA2C229}"/>
+              </a:ext>
+            </a:extLst>
+          </p:cNvPr>
+          <p:cNvSpPr txBox="1"/>
+          <p:nvPr/>
+        </p:nvSpPr>
+        <p:spPr>
+          <a:xfrm>
+            <a:off x="781048" y="3466509"/>
+            <a:ext cx="2762251" cy="1427570"/>
+          </a:xfrm>
+          <a:prstGeom prst="rect">
+            <a:avLst/>
+          </a:prstGeom>
+          <a:noFill/>
+        </p:spPr>
+        <p:txBody>
+          <a:bodyPr wrap="square">
+            <a:spAutoFit/>
+          </a:bodyPr>
+          <a:lstStyle/>
+          <a:p>
+            <a:pPr algn="l">
+              <a:lnSpc>
+                <a:spcPct val="150000"/>
+              </a:lnSpc>
+            </a:pPr>
+            <a:r>
+              <a:rPr lang="en-US" i="1">
+                <a:effectLst/>
+                <a:latin typeface="Times New Roman" panose="02020603050405020304" pitchFamily="18" charset="0"/>
+                <a:cs typeface="Times New Roman" panose="02020603050405020304" pitchFamily="18" charset="0"/>
+              </a:rPr>
+              <a:t>Khoảng cách Manhattan</a:t>
+            </a:r>
+          </a:p>
+          <a:p>
+            <a:br>
+              <a:rPr lang="vi-VN" i="1">
+                <a:solidFill>
+                  <a:srgbClr val="D4D4D4"/>
+                </a:solidFill>
+                <a:effectLst/>
+                <a:latin typeface="Consolas" panose="020B0609020204030204" pitchFamily="49" charset="0"/>
+              </a:rPr>
+            </a:br>
+            <a:r>
+              <a:rPr lang="vi-VN" i="1">
+                <a:solidFill>
+                  <a:srgbClr val="CE9178"/>
+                </a:solidFill>
+                <a:effectLst/>
+                <a:latin typeface="Consolas" panose="020B0609020204030204" pitchFamily="49" charset="0"/>
+              </a:rPr>
+              <a:t>  </a:t>
+            </a:r>
+            <a:endParaRPr lang="vi-VN" i="1">
+              <a:solidFill>
+                <a:srgbClr val="D4D4D4"/>
+              </a:solidFill>
+              <a:effectLst/>
+              <a:latin typeface="Consolas" panose="020B0609020204030204" pitchFamily="49" charset="0"/>
+            </a:endParaRPr>
+          </a:p>
+          <a:p>
+            <a:pPr algn="l">
+              <a:lnSpc>
+                <a:spcPct val="150000"/>
+              </a:lnSpc>
+            </a:pPr>
+            <a:endParaRPr lang="en-US" i="1">
+              <a:effectLst/>
+              <a:latin typeface="Times New Roman" panose="02020603050405020304" pitchFamily="18" charset="0"/>
+              <a:cs typeface="Times New Roman" panose="02020603050405020304" pitchFamily="18" charset="0"/>
+            </a:endParaRPr>
+          </a:p>
+        </p:txBody>
+      </p:sp>
+      <p:pic>
+        <p:nvPicPr>
+          <p:cNvPr id="10" name="Picture 9">
+            <a:extLst>
+              <a:ext uri="{FF2B5EF4-FFF2-40B4-BE49-F238E27FC236}">
+                <a16:creationId xmlns:a16="http://schemas.microsoft.com/office/drawing/2014/main" id="{64FFD8A3-EA3E-8803-1A9E-83B9D68AD773}"/>
+              </a:ext>
+            </a:extLst>
+          </p:cNvPr>
+          <p:cNvPicPr>
+            <a:picLocks noChangeAspect="1"/>
+          </p:cNvPicPr>
+          <p:nvPr/>
+        </p:nvPicPr>
+        <p:blipFill>
+          <a:blip r:embed="rId4"/>
+          <a:stretch>
+            <a:fillRect/>
+          </a:stretch>
+        </p:blipFill>
+        <p:spPr>
+          <a:xfrm>
+            <a:off x="3543299" y="3714757"/>
+            <a:ext cx="2626957" cy="465537"/>
+          </a:xfrm>
+          <a:prstGeom prst="rect">
+            <a:avLst/>
+          </a:prstGeom>
+        </p:spPr>
+      </p:pic>
+      <p:sp>
+        <p:nvSpPr>
+          <p:cNvPr id="12" name="TextBox 11">
+            <a:extLst>
+              <a:ext uri="{FF2B5EF4-FFF2-40B4-BE49-F238E27FC236}">
+                <a16:creationId xmlns:a16="http://schemas.microsoft.com/office/drawing/2014/main" id="{C28A47A4-273C-2F4E-0D9B-7FF4CE6F8FC8}"/>
+              </a:ext>
+            </a:extLst>
+          </p:cNvPr>
+          <p:cNvSpPr txBox="1"/>
+          <p:nvPr/>
+        </p:nvSpPr>
+        <p:spPr>
+          <a:xfrm>
+            <a:off x="781047" y="5132793"/>
+            <a:ext cx="2762251" cy="1427570"/>
+          </a:xfrm>
+          <a:prstGeom prst="rect">
+            <a:avLst/>
+          </a:prstGeom>
+          <a:noFill/>
+        </p:spPr>
+        <p:txBody>
+          <a:bodyPr wrap="square">
+            <a:spAutoFit/>
+          </a:bodyPr>
+          <a:lstStyle/>
+          <a:p>
+            <a:pPr algn="l">
+              <a:lnSpc>
+                <a:spcPct val="150000"/>
+              </a:lnSpc>
+            </a:pPr>
+            <a:r>
+              <a:rPr lang="en-US" i="1">
+                <a:effectLst/>
+                <a:latin typeface="Times New Roman" panose="02020603050405020304" pitchFamily="18" charset="0"/>
+                <a:cs typeface="Times New Roman" panose="02020603050405020304" pitchFamily="18" charset="0"/>
+              </a:rPr>
+              <a:t>Khoảng cách Manhattan</a:t>
+            </a:r>
+          </a:p>
+          <a:p>
+            <a:br>
+              <a:rPr lang="vi-VN" i="1">
+                <a:solidFill>
+                  <a:srgbClr val="D4D4D4"/>
+                </a:solidFill>
+                <a:effectLst/>
+                <a:latin typeface="Consolas" panose="020B0609020204030204" pitchFamily="49" charset="0"/>
+              </a:rPr>
+            </a:br>
+            <a:r>
+              <a:rPr lang="vi-VN" i="1">
+                <a:solidFill>
+                  <a:srgbClr val="CE9178"/>
+                </a:solidFill>
+                <a:effectLst/>
+                <a:latin typeface="Consolas" panose="020B0609020204030204" pitchFamily="49" charset="0"/>
+              </a:rPr>
+              <a:t>  </a:t>
+            </a:r>
+            <a:endParaRPr lang="vi-VN" i="1">
+              <a:solidFill>
+                <a:srgbClr val="D4D4D4"/>
+              </a:solidFill>
+              <a:effectLst/>
+              <a:latin typeface="Consolas" panose="020B0609020204030204" pitchFamily="49" charset="0"/>
+            </a:endParaRPr>
+          </a:p>
+          <a:p>
+            <a:pPr algn="l">
+              <a:lnSpc>
+                <a:spcPct val="150000"/>
+              </a:lnSpc>
+            </a:pPr>
+            <a:endParaRPr lang="en-US" i="1">
+              <a:effectLst/>
+              <a:latin typeface="Times New Roman" panose="02020603050405020304" pitchFamily="18" charset="0"/>
+              <a:cs typeface="Times New Roman" panose="02020603050405020304" pitchFamily="18" charset="0"/>
+            </a:endParaRPr>
+          </a:p>
+        </p:txBody>
+      </p:sp>
+      <p:pic>
+        <p:nvPicPr>
+          <p:cNvPr id="15" name="Picture 14">
+            <a:extLst>
+              <a:ext uri="{FF2B5EF4-FFF2-40B4-BE49-F238E27FC236}">
+                <a16:creationId xmlns:a16="http://schemas.microsoft.com/office/drawing/2014/main" id="{E1B123BE-4EEC-7C2E-0D92-C3C0811176CB}"/>
+              </a:ext>
+            </a:extLst>
+          </p:cNvPr>
+          <p:cNvPicPr>
+            <a:picLocks noChangeAspect="1"/>
+          </p:cNvPicPr>
+          <p:nvPr/>
+        </p:nvPicPr>
+        <p:blipFill>
+          <a:blip r:embed="rId5"/>
+          <a:stretch>
+            <a:fillRect/>
+          </a:stretch>
+        </p:blipFill>
+        <p:spPr>
+          <a:xfrm>
+            <a:off x="3543298" y="5103604"/>
+            <a:ext cx="3793656" cy="647697"/>
+          </a:xfrm>
+          <a:prstGeom prst="rect">
+            <a:avLst/>
+          </a:prstGeom>
+        </p:spPr>
+      </p:pic>
     </p:spTree>
     <p:extLst>
       <p:ext uri="{BB962C8B-B14F-4D97-AF65-F5344CB8AC3E}">
-        <p14:creationId xmlns:p14="http://schemas.microsoft.com/office/powerpoint/2010/main" val="1755807355"/>
+        <p14:creationId xmlns:p14="http://schemas.microsoft.com/office/powerpoint/2010/main" val="4283605162"/>
       </p:ext>
     </p:extLst>
   </p:cSld>
@@ -9143,7 +10221,7 @@
           <a:p>
             <a:r>
               <a:rPr lang="en-US" i="1"/>
-              <a:t>Yêu cầu 2-3</a:t>
+              <a:t>Yêu cầu 2-2</a:t>
             </a:r>
           </a:p>
         </p:txBody>
@@ -9153,7 +10231,7 @@
           <p:cNvPr id="3" name="Straight Connector 2">
             <a:extLst>
               <a:ext uri="{FF2B5EF4-FFF2-40B4-BE49-F238E27FC236}">
-                <a16:creationId xmlns:a16="http://schemas.microsoft.com/office/drawing/2014/main" id="{C2A7E5D0-0732-35D5-18A2-C5CE2320D9B6}"/>
+                <a16:creationId xmlns:a16="http://schemas.microsoft.com/office/drawing/2014/main" id="{A6209D13-18E2-CE90-A8FC-47240D1DB3DD}"/>
               </a:ext>
             </a:extLst>
           </p:cNvPr>
@@ -9191,7 +10269,7 @@
           <p:cNvPr id="5" name="TextBox 4">
             <a:extLst>
               <a:ext uri="{FF2B5EF4-FFF2-40B4-BE49-F238E27FC236}">
-                <a16:creationId xmlns:a16="http://schemas.microsoft.com/office/drawing/2014/main" id="{5AE77F4E-29AF-200B-741F-D59D22548F68}"/>
+                <a16:creationId xmlns:a16="http://schemas.microsoft.com/office/drawing/2014/main" id="{5A7DF51B-1976-A0EB-6F7B-B4A2CB037D53}"/>
               </a:ext>
             </a:extLst>
           </p:cNvPr>
@@ -9224,7 +10302,7 @@
     </p:spTree>
     <p:extLst>
       <p:ext uri="{BB962C8B-B14F-4D97-AF65-F5344CB8AC3E}">
-        <p14:creationId xmlns:p14="http://schemas.microsoft.com/office/powerpoint/2010/main" val="420754388"/>
+        <p14:creationId xmlns:p14="http://schemas.microsoft.com/office/powerpoint/2010/main" val="1755807355"/>
       </p:ext>
     </p:extLst>
   </p:cSld>
@@ -9401,7 +10479,7 @@
           <a:p>
             <a:r>
               <a:rPr lang="en-US" i="1"/>
-              <a:t>Yêu cầu 2-4</a:t>
+              <a:t>Yêu cầu 2-3</a:t>
             </a:r>
           </a:p>
         </p:txBody>
@@ -9411,7 +10489,7 @@
           <p:cNvPr id="3" name="Straight Connector 2">
             <a:extLst>
               <a:ext uri="{FF2B5EF4-FFF2-40B4-BE49-F238E27FC236}">
-                <a16:creationId xmlns:a16="http://schemas.microsoft.com/office/drawing/2014/main" id="{BAC105F8-C950-5DDE-6CB7-BB032057CD4E}"/>
+                <a16:creationId xmlns:a16="http://schemas.microsoft.com/office/drawing/2014/main" id="{C2A7E5D0-0732-35D5-18A2-C5CE2320D9B6}"/>
               </a:ext>
             </a:extLst>
           </p:cNvPr>
@@ -9449,7 +10527,7 @@
           <p:cNvPr id="5" name="TextBox 4">
             <a:extLst>
               <a:ext uri="{FF2B5EF4-FFF2-40B4-BE49-F238E27FC236}">
-                <a16:creationId xmlns:a16="http://schemas.microsoft.com/office/drawing/2014/main" id="{1D7A3032-17B2-6AEA-AC88-9349A439BD22}"/>
+                <a16:creationId xmlns:a16="http://schemas.microsoft.com/office/drawing/2014/main" id="{5AE77F4E-29AF-200B-741F-D59D22548F68}"/>
               </a:ext>
             </a:extLst>
           </p:cNvPr>
@@ -9479,10 +10557,39 @@
           </a:p>
         </p:txBody>
       </p:sp>
+      <p:pic>
+        <p:nvPicPr>
+          <p:cNvPr id="4" name="Picture 3">
+            <a:extLst>
+              <a:ext uri="{FF2B5EF4-FFF2-40B4-BE49-F238E27FC236}">
+                <a16:creationId xmlns:a16="http://schemas.microsoft.com/office/drawing/2014/main" id="{E12BC0F1-607B-17E9-1754-F5489A61089A}"/>
+              </a:ext>
+            </a:extLst>
+          </p:cNvPr>
+          <p:cNvPicPr>
+            <a:picLocks noChangeAspect="1"/>
+          </p:cNvPicPr>
+          <p:nvPr/>
+        </p:nvPicPr>
+        <p:blipFill rotWithShape="1">
+          <a:blip r:embed="rId3"/>
+          <a:srcRect l="780"/>
+          <a:stretch/>
+        </p:blipFill>
+        <p:spPr>
+          <a:xfrm>
+            <a:off x="1909762" y="1912531"/>
+            <a:ext cx="5324476" cy="3261539"/>
+          </a:xfrm>
+          <a:prstGeom prst="rect">
+            <a:avLst/>
+          </a:prstGeom>
+        </p:spPr>
+      </p:pic>
     </p:spTree>
     <p:extLst>
       <p:ext uri="{BB962C8B-B14F-4D97-AF65-F5344CB8AC3E}">
-        <p14:creationId xmlns:p14="http://schemas.microsoft.com/office/powerpoint/2010/main" val="1800081090"/>
+        <p14:creationId xmlns:p14="http://schemas.microsoft.com/office/powerpoint/2010/main" val="420754388"/>
       </p:ext>
     </p:extLst>
   </p:cSld>
@@ -9659,7 +10766,7 @@
           <a:p>
             <a:r>
               <a:rPr lang="en-US" i="1"/>
-              <a:t>Yêu cầu 2-5</a:t>
+              <a:t>Yêu cầu 2-4</a:t>
             </a:r>
           </a:p>
         </p:txBody>
@@ -9669,7 +10776,7 @@
           <p:cNvPr id="3" name="Straight Connector 2">
             <a:extLst>
               <a:ext uri="{FF2B5EF4-FFF2-40B4-BE49-F238E27FC236}">
-                <a16:creationId xmlns:a16="http://schemas.microsoft.com/office/drawing/2014/main" id="{ACBF7746-FE0E-173A-5173-1104D3149676}"/>
+                <a16:creationId xmlns:a16="http://schemas.microsoft.com/office/drawing/2014/main" id="{BAC105F8-C950-5DDE-6CB7-BB032057CD4E}"/>
               </a:ext>
             </a:extLst>
           </p:cNvPr>
@@ -9707,7 +10814,7 @@
           <p:cNvPr id="5" name="TextBox 4">
             <a:extLst>
               <a:ext uri="{FF2B5EF4-FFF2-40B4-BE49-F238E27FC236}">
-                <a16:creationId xmlns:a16="http://schemas.microsoft.com/office/drawing/2014/main" id="{44F9D552-E912-19E9-0162-3E4C662F5413}"/>
+                <a16:creationId xmlns:a16="http://schemas.microsoft.com/office/drawing/2014/main" id="{1D7A3032-17B2-6AEA-AC88-9349A439BD22}"/>
               </a:ext>
             </a:extLst>
           </p:cNvPr>
@@ -9740,7 +10847,7 @@
     </p:spTree>
     <p:extLst>
       <p:ext uri="{BB962C8B-B14F-4D97-AF65-F5344CB8AC3E}">
-        <p14:creationId xmlns:p14="http://schemas.microsoft.com/office/powerpoint/2010/main" val="4260099494"/>
+        <p14:creationId xmlns:p14="http://schemas.microsoft.com/office/powerpoint/2010/main" val="1800081090"/>
       </p:ext>
     </p:extLst>
   </p:cSld>
@@ -9902,14 +11009,14 @@
           <p:nvPr>
             <p:extLst>
               <p:ext uri="{D42A27DB-BD31-4B8C-83A1-F6EECF244321}">
-                <p14:modId xmlns:p14="http://schemas.microsoft.com/office/powerpoint/2010/main" val="268383518"/>
+                <p14:modId xmlns:p14="http://schemas.microsoft.com/office/powerpoint/2010/main" val="3305531207"/>
               </p:ext>
             </p:extLst>
           </p:nvPr>
         </p:nvGraphicFramePr>
         <p:xfrm>
           <a:off x="626268" y="1383568"/>
-          <a:ext cx="7891464" cy="4348480"/>
+          <a:ext cx="7891464" cy="4617720"/>
         </p:xfrm>
         <a:graphic>
           <a:graphicData uri="http://schemas.openxmlformats.org/drawingml/2006/table">
@@ -9925,21 +11032,21 @@
                     </a:ext>
                   </a:extLst>
                 </a:gridCol>
-                <a:gridCol w="4324193">
+                <a:gridCol w="3959312">
                   <a:extLst>
                     <a:ext uri="{9D8B030D-6E8A-4147-A177-3AD203B41FA5}">
                       <a16:colId xmlns:a16="http://schemas.microsoft.com/office/drawing/2014/main" val="3939429785"/>
                     </a:ext>
                   </a:extLst>
                 </a:gridCol>
-                <a:gridCol w="1885950">
+                <a:gridCol w="1838849">
                   <a:extLst>
                     <a:ext uri="{9D8B030D-6E8A-4147-A177-3AD203B41FA5}">
                       <a16:colId xmlns:a16="http://schemas.microsoft.com/office/drawing/2014/main" val="1738762872"/>
                     </a:ext>
                   </a:extLst>
                 </a:gridCol>
-                <a:gridCol w="1202532">
+                <a:gridCol w="1614514">
                   <a:extLst>
                     <a:ext uri="{9D8B030D-6E8A-4147-A177-3AD203B41FA5}">
                       <a16:colId xmlns:a16="http://schemas.microsoft.com/office/drawing/2014/main" val="3821170340"/>
@@ -10083,10 +11190,13 @@
                     <a:lstStyle/>
                     <a:p>
                       <a:pPr algn="ctr"/>
-                      <a:endParaRPr lang="en-US">
-                        <a:latin typeface="Times New Roman" panose="02020603050405020304" pitchFamily="18" charset="0"/>
-                        <a:cs typeface="Times New Roman" panose="02020603050405020304" pitchFamily="18" charset="0"/>
-                      </a:endParaRPr>
+                      <a:r>
+                        <a:rPr lang="en-US">
+                          <a:latin typeface="Times New Roman" panose="02020603050405020304" pitchFamily="18" charset="0"/>
+                          <a:cs typeface="Times New Roman" panose="02020603050405020304" pitchFamily="18" charset="0"/>
+                        </a:rPr>
+                        <a:t>Hoàn thành</a:t>
+                      </a:r>
                     </a:p>
                   </a:txBody>
                   <a:tcPr/>
@@ -10154,11 +11264,30 @@
                     <a:bodyPr/>
                     <a:lstStyle/>
                     <a:p>
-                      <a:pPr algn="ctr"/>
-                      <a:endParaRPr lang="en-US">
-                        <a:latin typeface="Times New Roman" panose="02020603050405020304" pitchFamily="18" charset="0"/>
-                        <a:cs typeface="Times New Roman" panose="02020603050405020304" pitchFamily="18" charset="0"/>
-                      </a:endParaRPr>
+                      <a:pPr marL="0" marR="0" lvl="0" indent="0" algn="ctr" defTabSz="914400" rtl="0" eaLnBrk="1" fontAlgn="auto" latinLnBrk="0" hangingPunct="1">
+                        <a:lnSpc>
+                          <a:spcPct val="100000"/>
+                        </a:lnSpc>
+                        <a:spcBef>
+                          <a:spcPts val="0"/>
+                        </a:spcBef>
+                        <a:spcAft>
+                          <a:spcPts val="0"/>
+                        </a:spcAft>
+                        <a:buClrTx/>
+                        <a:buSzTx/>
+                        <a:buFontTx/>
+                        <a:buNone/>
+                        <a:tabLst/>
+                        <a:defRPr/>
+                      </a:pPr>
+                      <a:r>
+                        <a:rPr lang="en-US">
+                          <a:latin typeface="Times New Roman" panose="02020603050405020304" pitchFamily="18" charset="0"/>
+                          <a:cs typeface="Times New Roman" panose="02020603050405020304" pitchFamily="18" charset="0"/>
+                        </a:rPr>
+                        <a:t>Hoàn thành</a:t>
+                      </a:r>
                     </a:p>
                   </a:txBody>
                   <a:tcPr/>
@@ -10226,11 +11355,30 @@
                     <a:bodyPr/>
                     <a:lstStyle/>
                     <a:p>
-                      <a:pPr algn="ctr"/>
-                      <a:endParaRPr lang="en-US">
-                        <a:latin typeface="Times New Roman" panose="02020603050405020304" pitchFamily="18" charset="0"/>
-                        <a:cs typeface="Times New Roman" panose="02020603050405020304" pitchFamily="18" charset="0"/>
-                      </a:endParaRPr>
+                      <a:pPr marL="0" marR="0" lvl="0" indent="0" algn="ctr" defTabSz="914400" rtl="0" eaLnBrk="1" fontAlgn="auto" latinLnBrk="0" hangingPunct="1">
+                        <a:lnSpc>
+                          <a:spcPct val="100000"/>
+                        </a:lnSpc>
+                        <a:spcBef>
+                          <a:spcPts val="0"/>
+                        </a:spcBef>
+                        <a:spcAft>
+                          <a:spcPts val="0"/>
+                        </a:spcAft>
+                        <a:buClrTx/>
+                        <a:buSzTx/>
+                        <a:buFontTx/>
+                        <a:buNone/>
+                        <a:tabLst/>
+                        <a:defRPr/>
+                      </a:pPr>
+                      <a:r>
+                        <a:rPr lang="en-US">
+                          <a:latin typeface="Times New Roman" panose="02020603050405020304" pitchFamily="18" charset="0"/>
+                          <a:cs typeface="Times New Roman" panose="02020603050405020304" pitchFamily="18" charset="0"/>
+                        </a:rPr>
+                        <a:t>Hoàn thành</a:t>
+                      </a:r>
                     </a:p>
                   </a:txBody>
                   <a:tcPr/>
@@ -10298,10 +11446,13 @@
                     <a:lstStyle/>
                     <a:p>
                       <a:pPr algn="ctr"/>
-                      <a:endParaRPr lang="en-US">
-                        <a:latin typeface="Times New Roman" panose="02020603050405020304" pitchFamily="18" charset="0"/>
-                        <a:cs typeface="Times New Roman" panose="02020603050405020304" pitchFamily="18" charset="0"/>
-                      </a:endParaRPr>
+                      <a:r>
+                        <a:rPr lang="en-US">
+                          <a:latin typeface="Times New Roman" panose="02020603050405020304" pitchFamily="18" charset="0"/>
+                          <a:cs typeface="Times New Roman" panose="02020603050405020304" pitchFamily="18" charset="0"/>
+                        </a:rPr>
+                        <a:t>Hoàn thành</a:t>
+                      </a:r>
                     </a:p>
                   </a:txBody>
                   <a:tcPr/>
@@ -10369,10 +11520,13 @@
                     <a:lstStyle/>
                     <a:p>
                       <a:pPr algn="ctr"/>
-                      <a:endParaRPr lang="en-US">
-                        <a:latin typeface="Times New Roman" panose="02020603050405020304" pitchFamily="18" charset="0"/>
-                        <a:cs typeface="Times New Roman" panose="02020603050405020304" pitchFamily="18" charset="0"/>
-                      </a:endParaRPr>
+                      <a:r>
+                        <a:rPr lang="en-US">
+                          <a:latin typeface="Times New Roman" panose="02020603050405020304" pitchFamily="18" charset="0"/>
+                          <a:cs typeface="Times New Roman" panose="02020603050405020304" pitchFamily="18" charset="0"/>
+                        </a:rPr>
+                        <a:t>Hoàn thành</a:t>
+                      </a:r>
                     </a:p>
                   </a:txBody>
                   <a:tcPr/>
@@ -10411,7 +11565,7 @@
                           <a:latin typeface="Times New Roman" panose="02020603050405020304" pitchFamily="18" charset="0"/>
                           <a:cs typeface="Times New Roman" panose="02020603050405020304" pitchFamily="18" charset="0"/>
                         </a:rPr>
-                        <a:t>Cài đặt mini animate()</a:t>
+                        <a:t>Cài đặt mini animate</a:t>
                       </a:r>
                     </a:p>
                   </a:txBody>
@@ -10440,10 +11594,13 @@
                     <a:lstStyle/>
                     <a:p>
                       <a:pPr algn="ctr"/>
-                      <a:endParaRPr lang="en-US">
-                        <a:latin typeface="Times New Roman" panose="02020603050405020304" pitchFamily="18" charset="0"/>
-                        <a:cs typeface="Times New Roman" panose="02020603050405020304" pitchFamily="18" charset="0"/>
-                      </a:endParaRPr>
+                      <a:r>
+                        <a:rPr lang="en-US">
+                          <a:latin typeface="Times New Roman" panose="02020603050405020304" pitchFamily="18" charset="0"/>
+                          <a:cs typeface="Times New Roman" panose="02020603050405020304" pitchFamily="18" charset="0"/>
+                        </a:rPr>
+                        <a:t>Hoàn thành</a:t>
+                      </a:r>
                     </a:p>
                   </a:txBody>
                   <a:tcPr/>
@@ -10499,7 +11656,7 @@
                           <a:latin typeface="Times New Roman" panose="02020603050405020304" pitchFamily="18" charset="0"/>
                           <a:cs typeface="Times New Roman" panose="02020603050405020304" pitchFamily="18" charset="0"/>
                         </a:rPr>
-                        <a:t>Phúc</a:t>
+                        <a:t>Phát</a:t>
                       </a:r>
                     </a:p>
                   </a:txBody>
@@ -10548,6 +11705,7 @@
                     <a:bodyPr/>
                     <a:lstStyle/>
                     <a:p>
+                      <a:pPr algn="just"/>
                       <a:r>
                         <a:rPr lang="en-US">
                           <a:latin typeface="Times New Roman" panose="02020603050405020304" pitchFamily="18" charset="0"/>
@@ -10582,10 +11740,13 @@
                     <a:lstStyle/>
                     <a:p>
                       <a:pPr algn="ctr"/>
-                      <a:endParaRPr lang="en-US">
-                        <a:latin typeface="Times New Roman" panose="02020603050405020304" pitchFamily="18" charset="0"/>
-                        <a:cs typeface="Times New Roman" panose="02020603050405020304" pitchFamily="18" charset="0"/>
-                      </a:endParaRPr>
+                      <a:r>
+                        <a:rPr lang="en-US">
+                          <a:latin typeface="Times New Roman" panose="02020603050405020304" pitchFamily="18" charset="0"/>
+                          <a:cs typeface="Times New Roman" panose="02020603050405020304" pitchFamily="18" charset="0"/>
+                        </a:rPr>
+                        <a:t>Hoàn thành</a:t>
+                      </a:r>
                     </a:p>
                   </a:txBody>
                   <a:tcPr/>
@@ -10637,10 +11798,13 @@
                     <a:lstStyle/>
                     <a:p>
                       <a:pPr algn="ctr"/>
-                      <a:endParaRPr lang="en-US">
-                        <a:latin typeface="Times New Roman" panose="02020603050405020304" pitchFamily="18" charset="0"/>
-                        <a:cs typeface="Times New Roman" panose="02020603050405020304" pitchFamily="18" charset="0"/>
-                      </a:endParaRPr>
+                      <a:r>
+                        <a:rPr lang="en-US">
+                          <a:latin typeface="Times New Roman" panose="02020603050405020304" pitchFamily="18" charset="0"/>
+                          <a:cs typeface="Times New Roman" panose="02020603050405020304" pitchFamily="18" charset="0"/>
+                        </a:rPr>
+                        <a:t>Phát</a:t>
+                      </a:r>
                     </a:p>
                   </a:txBody>
                   <a:tcPr/>
@@ -10705,10 +11869,13 @@
                     <a:lstStyle/>
                     <a:p>
                       <a:pPr algn="ctr"/>
-                      <a:endParaRPr lang="en-US">
-                        <a:latin typeface="Times New Roman" panose="02020603050405020304" pitchFamily="18" charset="0"/>
-                        <a:cs typeface="Times New Roman" panose="02020603050405020304" pitchFamily="18" charset="0"/>
-                      </a:endParaRPr>
+                      <a:r>
+                        <a:rPr lang="en-US">
+                          <a:latin typeface="Times New Roman" panose="02020603050405020304" pitchFamily="18" charset="0"/>
+                          <a:cs typeface="Times New Roman" panose="02020603050405020304" pitchFamily="18" charset="0"/>
+                        </a:rPr>
+                        <a:t>Nghĩa</a:t>
+                      </a:r>
                     </a:p>
                   </a:txBody>
                   <a:tcPr/>
@@ -10719,10 +11886,13 @@
                     <a:lstStyle/>
                     <a:p>
                       <a:pPr algn="ctr"/>
-                      <a:endParaRPr lang="en-US">
-                        <a:latin typeface="Times New Roman" panose="02020603050405020304" pitchFamily="18" charset="0"/>
-                        <a:cs typeface="Times New Roman" panose="02020603050405020304" pitchFamily="18" charset="0"/>
-                      </a:endParaRPr>
+                      <a:r>
+                        <a:rPr lang="en-US">
+                          <a:latin typeface="Times New Roman" panose="02020603050405020304" pitchFamily="18" charset="0"/>
+                          <a:cs typeface="Times New Roman" panose="02020603050405020304" pitchFamily="18" charset="0"/>
+                        </a:rPr>
+                        <a:t>Hoàn thành</a:t>
+                      </a:r>
                     </a:p>
                   </a:txBody>
                   <a:tcPr/>
@@ -10824,6 +11994,300 @@
 </file>
 
 <file path=ppt/slides/slide20.xml><?xml version="1.0" encoding="utf-8"?>
+<p:sld xmlns:a="http://schemas.openxmlformats.org/drawingml/2006/main" xmlns:r="http://schemas.openxmlformats.org/officeDocument/2006/relationships" xmlns:p="http://schemas.openxmlformats.org/presentationml/2006/main">
+  <p:cSld>
+    <p:spTree>
+      <p:nvGrpSpPr>
+        <p:cNvPr id="1" name=""/>
+        <p:cNvGrpSpPr/>
+        <p:nvPr/>
+      </p:nvGrpSpPr>
+      <p:grpSpPr>
+        <a:xfrm>
+          <a:off x="0" y="0"/>
+          <a:ext cx="0" cy="0"/>
+          <a:chOff x="0" y="0"/>
+          <a:chExt cx="0" cy="0"/>
+        </a:xfrm>
+      </p:grpSpPr>
+      <p:pic>
+        <p:nvPicPr>
+          <p:cNvPr id="6" name="Picture 5" descr="Diagram&#10;&#10;Description automatically generated">
+            <a:extLst>
+              <a:ext uri="{FF2B5EF4-FFF2-40B4-BE49-F238E27FC236}">
+                <a16:creationId xmlns:a16="http://schemas.microsoft.com/office/drawing/2014/main" id="{373DC444-4599-D269-D2D6-A3F6CA69A851}"/>
+              </a:ext>
+            </a:extLst>
+          </p:cNvPr>
+          <p:cNvPicPr>
+            <a:picLocks noChangeAspect="1"/>
+          </p:cNvPicPr>
+          <p:nvPr/>
+        </p:nvPicPr>
+        <p:blipFill>
+          <a:blip r:embed="rId2">
+            <a:extLst>
+              <a:ext uri="{28A0092B-C50C-407E-A947-70E740481C1C}">
+                <a14:useLocalDpi xmlns:a14="http://schemas.microsoft.com/office/drawing/2010/main" val="0"/>
+              </a:ext>
+            </a:extLst>
+          </a:blip>
+          <a:stretch>
+            <a:fillRect/>
+          </a:stretch>
+        </p:blipFill>
+        <p:spPr>
+          <a:xfrm>
+            <a:off x="2164031" y="1273993"/>
+            <a:ext cx="4815938" cy="5165925"/>
+          </a:xfrm>
+          <a:prstGeom prst="rect">
+            <a:avLst/>
+          </a:prstGeom>
+        </p:spPr>
+      </p:pic>
+      <p:pic>
+        <p:nvPicPr>
+          <p:cNvPr id="1034" name="Picture 10">
+            <a:extLst>
+              <a:ext uri="{FF2B5EF4-FFF2-40B4-BE49-F238E27FC236}">
+                <a16:creationId xmlns:a16="http://schemas.microsoft.com/office/drawing/2014/main" id="{6F72484C-A752-76F3-F259-0A997B815A00}"/>
+              </a:ext>
+            </a:extLst>
+          </p:cNvPr>
+          <p:cNvPicPr>
+            <a:picLocks noChangeAspect="1" noChangeArrowheads="1"/>
+          </p:cNvPicPr>
+          <p:nvPr/>
+        </p:nvPicPr>
+        <p:blipFill>
+          <a:blip r:embed="rId3">
+            <a:extLst>
+              <a:ext uri="{28A0092B-C50C-407E-A947-70E740481C1C}">
+                <a14:useLocalDpi xmlns:a14="http://schemas.microsoft.com/office/drawing/2010/main" val="0"/>
+              </a:ext>
+            </a:extLst>
+          </a:blip>
+          <a:srcRect/>
+          <a:stretch>
+            <a:fillRect/>
+          </a:stretch>
+        </p:blipFill>
+        <p:spPr bwMode="auto">
+          <a:xfrm>
+            <a:off x="76200" y="119063"/>
+            <a:ext cx="1114424" cy="614791"/>
+          </a:xfrm>
+          <a:prstGeom prst="rect">
+            <a:avLst/>
+          </a:prstGeom>
+          <a:noFill/>
+          <a:extLst>
+            <a:ext uri="{909E8E84-426E-40DD-AFC4-6F175D3DCCD1}">
+              <a14:hiddenFill xmlns:a14="http://schemas.microsoft.com/office/drawing/2010/main">
+                <a:solidFill>
+                  <a:srgbClr val="FFFFFF"/>
+                </a:solidFill>
+              </a14:hiddenFill>
+            </a:ext>
+          </a:extLst>
+        </p:spPr>
+      </p:pic>
+      <p:cxnSp>
+        <p:nvCxnSpPr>
+          <p:cNvPr id="11" name="Straight Connector 10">
+            <a:extLst>
+              <a:ext uri="{FF2B5EF4-FFF2-40B4-BE49-F238E27FC236}">
+                <a16:creationId xmlns:a16="http://schemas.microsoft.com/office/drawing/2014/main" id="{E5C4A229-E185-5A4B-53B1-81D591292671}"/>
+              </a:ext>
+            </a:extLst>
+          </p:cNvPr>
+          <p:cNvCxnSpPr>
+            <a:cxnSpLocks/>
+          </p:cNvCxnSpPr>
+          <p:nvPr/>
+        </p:nvCxnSpPr>
+        <p:spPr>
+          <a:xfrm>
+            <a:off x="76200" y="847725"/>
+            <a:ext cx="7648575" cy="0"/>
+          </a:xfrm>
+          <a:prstGeom prst="line">
+            <a:avLst/>
+          </a:prstGeom>
+        </p:spPr>
+        <p:style>
+          <a:lnRef idx="1">
+            <a:schemeClr val="accent1"/>
+          </a:lnRef>
+          <a:fillRef idx="0">
+            <a:schemeClr val="accent1"/>
+          </a:fillRef>
+          <a:effectRef idx="0">
+            <a:schemeClr val="accent1"/>
+          </a:effectRef>
+          <a:fontRef idx="minor">
+            <a:schemeClr val="tx1"/>
+          </a:fontRef>
+        </p:style>
+      </p:cxnSp>
+      <p:sp>
+        <p:nvSpPr>
+          <p:cNvPr id="14" name="TextBox 13">
+            <a:extLst>
+              <a:ext uri="{FF2B5EF4-FFF2-40B4-BE49-F238E27FC236}">
+                <a16:creationId xmlns:a16="http://schemas.microsoft.com/office/drawing/2014/main" id="{63B4AB36-B54A-EA5C-2A74-F2C80BE0CBC4}"/>
+              </a:ext>
+            </a:extLst>
+          </p:cNvPr>
+          <p:cNvSpPr txBox="1"/>
+          <p:nvPr/>
+        </p:nvSpPr>
+        <p:spPr>
+          <a:xfrm>
+            <a:off x="1390650" y="236792"/>
+            <a:ext cx="6362700" cy="369332"/>
+          </a:xfrm>
+          <a:prstGeom prst="rect">
+            <a:avLst/>
+          </a:prstGeom>
+          <a:noFill/>
+        </p:spPr>
+        <p:txBody>
+          <a:bodyPr wrap="square" rtlCol="0">
+            <a:spAutoFit/>
+          </a:bodyPr>
+          <a:lstStyle/>
+          <a:p>
+            <a:r>
+              <a:rPr lang="en-US" b="1"/>
+              <a:t>BEST FIRST SEARCH</a:t>
+            </a:r>
+          </a:p>
+        </p:txBody>
+      </p:sp>
+      <p:sp>
+        <p:nvSpPr>
+          <p:cNvPr id="2" name="TextBox 1">
+            <a:extLst>
+              <a:ext uri="{FF2B5EF4-FFF2-40B4-BE49-F238E27FC236}">
+                <a16:creationId xmlns:a16="http://schemas.microsoft.com/office/drawing/2014/main" id="{30380714-4CD2-9849-80A6-8AC66F97DA6F}"/>
+              </a:ext>
+            </a:extLst>
+          </p:cNvPr>
+          <p:cNvSpPr txBox="1"/>
+          <p:nvPr/>
+        </p:nvSpPr>
+        <p:spPr>
+          <a:xfrm>
+            <a:off x="76200" y="1089327"/>
+            <a:ext cx="1252202" cy="369332"/>
+          </a:xfrm>
+          <a:prstGeom prst="rect">
+            <a:avLst/>
+          </a:prstGeom>
+          <a:noFill/>
+        </p:spPr>
+        <p:txBody>
+          <a:bodyPr wrap="none" rtlCol="0">
+            <a:spAutoFit/>
+          </a:bodyPr>
+          <a:lstStyle/>
+          <a:p>
+            <a:r>
+              <a:rPr lang="en-US" i="1"/>
+              <a:t>Yêu cầu 2-5</a:t>
+            </a:r>
+          </a:p>
+        </p:txBody>
+      </p:sp>
+      <p:cxnSp>
+        <p:nvCxnSpPr>
+          <p:cNvPr id="3" name="Straight Connector 2">
+            <a:extLst>
+              <a:ext uri="{FF2B5EF4-FFF2-40B4-BE49-F238E27FC236}">
+                <a16:creationId xmlns:a16="http://schemas.microsoft.com/office/drawing/2014/main" id="{ACBF7746-FE0E-173A-5173-1104D3149676}"/>
+              </a:ext>
+            </a:extLst>
+          </p:cNvPr>
+          <p:cNvCxnSpPr>
+            <a:cxnSpLocks/>
+          </p:cNvCxnSpPr>
+          <p:nvPr/>
+        </p:nvCxnSpPr>
+        <p:spPr>
+          <a:xfrm>
+            <a:off x="4752975" y="6238875"/>
+            <a:ext cx="4286250" cy="0"/>
+          </a:xfrm>
+          <a:prstGeom prst="line">
+            <a:avLst/>
+          </a:prstGeom>
+        </p:spPr>
+        <p:style>
+          <a:lnRef idx="1">
+            <a:schemeClr val="accent1"/>
+          </a:lnRef>
+          <a:fillRef idx="0">
+            <a:schemeClr val="accent1"/>
+          </a:fillRef>
+          <a:effectRef idx="0">
+            <a:schemeClr val="accent1"/>
+          </a:effectRef>
+          <a:fontRef idx="minor">
+            <a:schemeClr val="tx1"/>
+          </a:fontRef>
+        </p:style>
+      </p:cxnSp>
+      <p:sp>
+        <p:nvSpPr>
+          <p:cNvPr id="5" name="TextBox 4">
+            <a:extLst>
+              <a:ext uri="{FF2B5EF4-FFF2-40B4-BE49-F238E27FC236}">
+                <a16:creationId xmlns:a16="http://schemas.microsoft.com/office/drawing/2014/main" id="{44F9D552-E912-19E9-0162-3E4C662F5413}"/>
+              </a:ext>
+            </a:extLst>
+          </p:cNvPr>
+          <p:cNvSpPr txBox="1"/>
+          <p:nvPr/>
+        </p:nvSpPr>
+        <p:spPr>
+          <a:xfrm>
+            <a:off x="7753350" y="6336334"/>
+            <a:ext cx="1285874" cy="369332"/>
+          </a:xfrm>
+          <a:prstGeom prst="rect">
+            <a:avLst/>
+          </a:prstGeom>
+          <a:noFill/>
+        </p:spPr>
+        <p:txBody>
+          <a:bodyPr wrap="square" rtlCol="0">
+            <a:spAutoFit/>
+          </a:bodyPr>
+          <a:lstStyle/>
+          <a:p>
+            <a:r>
+              <a:rPr lang="en-US"/>
+              <a:t>Trang 1</a:t>
+            </a:r>
+          </a:p>
+        </p:txBody>
+      </p:sp>
+    </p:spTree>
+    <p:extLst>
+      <p:ext uri="{BB962C8B-B14F-4D97-AF65-F5344CB8AC3E}">
+        <p14:creationId xmlns:p14="http://schemas.microsoft.com/office/powerpoint/2010/main" val="4260099494"/>
+      </p:ext>
+    </p:extLst>
+  </p:cSld>
+  <p:clrMapOvr>
+    <a:masterClrMapping/>
+  </p:clrMapOvr>
+</p:sld>
+</file>
+
+<file path=ppt/slides/slide21.xml><?xml version="1.0" encoding="utf-8"?>
 <p:sld xmlns:a="http://schemas.openxmlformats.org/drawingml/2006/main" xmlns:r="http://schemas.openxmlformats.org/officeDocument/2006/relationships" xmlns:p="http://schemas.openxmlformats.org/presentationml/2006/main">
   <p:cSld>
     <p:spTree>
@@ -11474,264 +12938,6 @@
 </p:sld>
 </file>
 
-<file path=ppt/slides/slide21.xml><?xml version="1.0" encoding="utf-8"?>
-<p:sld xmlns:a="http://schemas.openxmlformats.org/drawingml/2006/main" xmlns:r="http://schemas.openxmlformats.org/officeDocument/2006/relationships" xmlns:p="http://schemas.openxmlformats.org/presentationml/2006/main">
-  <p:cSld>
-    <p:spTree>
-      <p:nvGrpSpPr>
-        <p:cNvPr id="1" name=""/>
-        <p:cNvGrpSpPr/>
-        <p:nvPr/>
-      </p:nvGrpSpPr>
-      <p:grpSpPr>
-        <a:xfrm>
-          <a:off x="0" y="0"/>
-          <a:ext cx="0" cy="0"/>
-          <a:chOff x="0" y="0"/>
-          <a:chExt cx="0" cy="0"/>
-        </a:xfrm>
-      </p:grpSpPr>
-      <p:pic>
-        <p:nvPicPr>
-          <p:cNvPr id="1034" name="Picture 10">
-            <a:extLst>
-              <a:ext uri="{FF2B5EF4-FFF2-40B4-BE49-F238E27FC236}">
-                <a16:creationId xmlns:a16="http://schemas.microsoft.com/office/drawing/2014/main" id="{6F72484C-A752-76F3-F259-0A997B815A00}"/>
-              </a:ext>
-            </a:extLst>
-          </p:cNvPr>
-          <p:cNvPicPr>
-            <a:picLocks noChangeAspect="1" noChangeArrowheads="1"/>
-          </p:cNvPicPr>
-          <p:nvPr/>
-        </p:nvPicPr>
-        <p:blipFill>
-          <a:blip r:embed="rId2">
-            <a:extLst>
-              <a:ext uri="{28A0092B-C50C-407E-A947-70E740481C1C}">
-                <a14:useLocalDpi xmlns:a14="http://schemas.microsoft.com/office/drawing/2010/main" val="0"/>
-              </a:ext>
-            </a:extLst>
-          </a:blip>
-          <a:srcRect/>
-          <a:stretch>
-            <a:fillRect/>
-          </a:stretch>
-        </p:blipFill>
-        <p:spPr bwMode="auto">
-          <a:xfrm>
-            <a:off x="76200" y="119063"/>
-            <a:ext cx="1114424" cy="614791"/>
-          </a:xfrm>
-          <a:prstGeom prst="rect">
-            <a:avLst/>
-          </a:prstGeom>
-          <a:noFill/>
-          <a:extLst>
-            <a:ext uri="{909E8E84-426E-40DD-AFC4-6F175D3DCCD1}">
-              <a14:hiddenFill xmlns:a14="http://schemas.microsoft.com/office/drawing/2010/main">
-                <a:solidFill>
-                  <a:srgbClr val="FFFFFF"/>
-                </a:solidFill>
-              </a14:hiddenFill>
-            </a:ext>
-          </a:extLst>
-        </p:spPr>
-      </p:pic>
-      <p:cxnSp>
-        <p:nvCxnSpPr>
-          <p:cNvPr id="11" name="Straight Connector 10">
-            <a:extLst>
-              <a:ext uri="{FF2B5EF4-FFF2-40B4-BE49-F238E27FC236}">
-                <a16:creationId xmlns:a16="http://schemas.microsoft.com/office/drawing/2014/main" id="{E5C4A229-E185-5A4B-53B1-81D591292671}"/>
-              </a:ext>
-            </a:extLst>
-          </p:cNvPr>
-          <p:cNvCxnSpPr>
-            <a:cxnSpLocks/>
-          </p:cNvCxnSpPr>
-          <p:nvPr/>
-        </p:nvCxnSpPr>
-        <p:spPr>
-          <a:xfrm>
-            <a:off x="76200" y="847725"/>
-            <a:ext cx="7648575" cy="0"/>
-          </a:xfrm>
-          <a:prstGeom prst="line">
-            <a:avLst/>
-          </a:prstGeom>
-        </p:spPr>
-        <p:style>
-          <a:lnRef idx="1">
-            <a:schemeClr val="accent1"/>
-          </a:lnRef>
-          <a:fillRef idx="0">
-            <a:schemeClr val="accent1"/>
-          </a:fillRef>
-          <a:effectRef idx="0">
-            <a:schemeClr val="accent1"/>
-          </a:effectRef>
-          <a:fontRef idx="minor">
-            <a:schemeClr val="tx1"/>
-          </a:fontRef>
-        </p:style>
-      </p:cxnSp>
-      <p:sp>
-        <p:nvSpPr>
-          <p:cNvPr id="14" name="TextBox 13">
-            <a:extLst>
-              <a:ext uri="{FF2B5EF4-FFF2-40B4-BE49-F238E27FC236}">
-                <a16:creationId xmlns:a16="http://schemas.microsoft.com/office/drawing/2014/main" id="{63B4AB36-B54A-EA5C-2A74-F2C80BE0CBC4}"/>
-              </a:ext>
-            </a:extLst>
-          </p:cNvPr>
-          <p:cNvSpPr txBox="1"/>
-          <p:nvPr/>
-        </p:nvSpPr>
-        <p:spPr>
-          <a:xfrm>
-            <a:off x="1390650" y="236792"/>
-            <a:ext cx="6362700" cy="369332"/>
-          </a:xfrm>
-          <a:prstGeom prst="rect">
-            <a:avLst/>
-          </a:prstGeom>
-          <a:noFill/>
-        </p:spPr>
-        <p:txBody>
-          <a:bodyPr wrap="square" rtlCol="0">
-            <a:spAutoFit/>
-          </a:bodyPr>
-          <a:lstStyle/>
-          <a:p>
-            <a:r>
-              <a:rPr lang="en-US" b="1"/>
-              <a:t>LOCAL SEARCH</a:t>
-            </a:r>
-          </a:p>
-        </p:txBody>
-      </p:sp>
-      <p:sp>
-        <p:nvSpPr>
-          <p:cNvPr id="2" name="TextBox 1">
-            <a:extLst>
-              <a:ext uri="{FF2B5EF4-FFF2-40B4-BE49-F238E27FC236}">
-                <a16:creationId xmlns:a16="http://schemas.microsoft.com/office/drawing/2014/main" id="{30380714-4CD2-9849-80A6-8AC66F97DA6F}"/>
-              </a:ext>
-            </a:extLst>
-          </p:cNvPr>
-          <p:cNvSpPr txBox="1"/>
-          <p:nvPr/>
-        </p:nvSpPr>
-        <p:spPr>
-          <a:xfrm>
-            <a:off x="76200" y="1089327"/>
-            <a:ext cx="1252202" cy="369332"/>
-          </a:xfrm>
-          <a:prstGeom prst="rect">
-            <a:avLst/>
-          </a:prstGeom>
-          <a:noFill/>
-        </p:spPr>
-        <p:txBody>
-          <a:bodyPr wrap="none" rtlCol="0">
-            <a:spAutoFit/>
-          </a:bodyPr>
-          <a:lstStyle/>
-          <a:p>
-            <a:r>
-              <a:rPr lang="en-US" i="1"/>
-              <a:t>Yêu cầu 3-1</a:t>
-            </a:r>
-          </a:p>
-        </p:txBody>
-      </p:sp>
-      <p:cxnSp>
-        <p:nvCxnSpPr>
-          <p:cNvPr id="3" name="Straight Connector 2">
-            <a:extLst>
-              <a:ext uri="{FF2B5EF4-FFF2-40B4-BE49-F238E27FC236}">
-                <a16:creationId xmlns:a16="http://schemas.microsoft.com/office/drawing/2014/main" id="{01D99BB4-E244-0C9E-63D6-F28CA9060656}"/>
-              </a:ext>
-            </a:extLst>
-          </p:cNvPr>
-          <p:cNvCxnSpPr>
-            <a:cxnSpLocks/>
-          </p:cNvCxnSpPr>
-          <p:nvPr/>
-        </p:nvCxnSpPr>
-        <p:spPr>
-          <a:xfrm>
-            <a:off x="4752975" y="6238875"/>
-            <a:ext cx="4286250" cy="0"/>
-          </a:xfrm>
-          <a:prstGeom prst="line">
-            <a:avLst/>
-          </a:prstGeom>
-        </p:spPr>
-        <p:style>
-          <a:lnRef idx="1">
-            <a:schemeClr val="accent1"/>
-          </a:lnRef>
-          <a:fillRef idx="0">
-            <a:schemeClr val="accent1"/>
-          </a:fillRef>
-          <a:effectRef idx="0">
-            <a:schemeClr val="accent1"/>
-          </a:effectRef>
-          <a:fontRef idx="minor">
-            <a:schemeClr val="tx1"/>
-          </a:fontRef>
-        </p:style>
-      </p:cxnSp>
-      <p:sp>
-        <p:nvSpPr>
-          <p:cNvPr id="5" name="TextBox 4">
-            <a:extLst>
-              <a:ext uri="{FF2B5EF4-FFF2-40B4-BE49-F238E27FC236}">
-                <a16:creationId xmlns:a16="http://schemas.microsoft.com/office/drawing/2014/main" id="{7E679B62-7EFE-6C17-20E7-5EFB751FBD73}"/>
-              </a:ext>
-            </a:extLst>
-          </p:cNvPr>
-          <p:cNvSpPr txBox="1"/>
-          <p:nvPr/>
-        </p:nvSpPr>
-        <p:spPr>
-          <a:xfrm>
-            <a:off x="7753350" y="6336334"/>
-            <a:ext cx="1285874" cy="369332"/>
-          </a:xfrm>
-          <a:prstGeom prst="rect">
-            <a:avLst/>
-          </a:prstGeom>
-          <a:noFill/>
-        </p:spPr>
-        <p:txBody>
-          <a:bodyPr wrap="square" rtlCol="0">
-            <a:spAutoFit/>
-          </a:bodyPr>
-          <a:lstStyle/>
-          <a:p>
-            <a:r>
-              <a:rPr lang="en-US"/>
-              <a:t>Trang 1</a:t>
-            </a:r>
-          </a:p>
-        </p:txBody>
-      </p:sp>
-    </p:spTree>
-    <p:extLst>
-      <p:ext uri="{BB962C8B-B14F-4D97-AF65-F5344CB8AC3E}">
-        <p14:creationId xmlns:p14="http://schemas.microsoft.com/office/powerpoint/2010/main" val="2511818953"/>
-      </p:ext>
-    </p:extLst>
-  </p:cSld>
-  <p:clrMapOvr>
-    <a:masterClrMapping/>
-  </p:clrMapOvr>
-</p:sld>
-</file>
-
 <file path=ppt/slides/slide22.xml><?xml version="1.0" encoding="utf-8"?>
 <p:sld xmlns:a="http://schemas.openxmlformats.org/drawingml/2006/main" xmlns:r="http://schemas.openxmlformats.org/officeDocument/2006/relationships" xmlns:p="http://schemas.openxmlformats.org/presentationml/2006/main">
   <p:cSld>
@@ -11899,7 +13105,7 @@
           <a:p>
             <a:r>
               <a:rPr lang="en-US" i="1"/>
-              <a:t>Yêu cầu 3-2</a:t>
+              <a:t>Yêu cầu 3-1</a:t>
             </a:r>
           </a:p>
         </p:txBody>
@@ -11909,7 +13115,7 @@
           <p:cNvPr id="3" name="Straight Connector 2">
             <a:extLst>
               <a:ext uri="{FF2B5EF4-FFF2-40B4-BE49-F238E27FC236}">
-                <a16:creationId xmlns:a16="http://schemas.microsoft.com/office/drawing/2014/main" id="{0793C2BD-0304-6397-AA72-38E3636506AC}"/>
+                <a16:creationId xmlns:a16="http://schemas.microsoft.com/office/drawing/2014/main" id="{01D99BB4-E244-0C9E-63D6-F28CA9060656}"/>
               </a:ext>
             </a:extLst>
           </p:cNvPr>
@@ -11947,7 +13153,7 @@
           <p:cNvPr id="5" name="TextBox 4">
             <a:extLst>
               <a:ext uri="{FF2B5EF4-FFF2-40B4-BE49-F238E27FC236}">
-                <a16:creationId xmlns:a16="http://schemas.microsoft.com/office/drawing/2014/main" id="{C9086857-A576-49DA-0719-5BEB9C24F20C}"/>
+                <a16:creationId xmlns:a16="http://schemas.microsoft.com/office/drawing/2014/main" id="{7E679B62-7EFE-6C17-20E7-5EFB751FBD73}"/>
               </a:ext>
             </a:extLst>
           </p:cNvPr>
@@ -11977,6 +13183,354 @@
           </a:p>
         </p:txBody>
       </p:sp>
+      <p:pic>
+        <p:nvPicPr>
+          <p:cNvPr id="10" name="Picture 9">
+            <a:extLst>
+              <a:ext uri="{FF2B5EF4-FFF2-40B4-BE49-F238E27FC236}">
+                <a16:creationId xmlns:a16="http://schemas.microsoft.com/office/drawing/2014/main" id="{18007800-E682-98CF-F763-93064B193CD7}"/>
+              </a:ext>
+            </a:extLst>
+          </p:cNvPr>
+          <p:cNvPicPr>
+            <a:picLocks noChangeAspect="1"/>
+          </p:cNvPicPr>
+          <p:nvPr/>
+        </p:nvPicPr>
+        <p:blipFill>
+          <a:blip r:embed="rId3"/>
+          <a:stretch>
+            <a:fillRect/>
+          </a:stretch>
+        </p:blipFill>
+        <p:spPr>
+          <a:xfrm>
+            <a:off x="3067050" y="1070277"/>
+            <a:ext cx="3009900" cy="3028950"/>
+          </a:xfrm>
+          <a:prstGeom prst="rect">
+            <a:avLst/>
+          </a:prstGeom>
+        </p:spPr>
+      </p:pic>
+      <p:pic>
+        <p:nvPicPr>
+          <p:cNvPr id="13" name="Picture 12">
+            <a:extLst>
+              <a:ext uri="{FF2B5EF4-FFF2-40B4-BE49-F238E27FC236}">
+                <a16:creationId xmlns:a16="http://schemas.microsoft.com/office/drawing/2014/main" id="{5ECDC6C7-6458-4D2B-BD68-F1E95B358571}"/>
+              </a:ext>
+            </a:extLst>
+          </p:cNvPr>
+          <p:cNvPicPr>
+            <a:picLocks noChangeAspect="1"/>
+          </p:cNvPicPr>
+          <p:nvPr/>
+        </p:nvPicPr>
+        <p:blipFill>
+          <a:blip r:embed="rId4"/>
+          <a:stretch>
+            <a:fillRect/>
+          </a:stretch>
+        </p:blipFill>
+        <p:spPr>
+          <a:xfrm>
+            <a:off x="1466581" y="4414083"/>
+            <a:ext cx="6210838" cy="1554615"/>
+          </a:xfrm>
+          <a:prstGeom prst="rect">
+            <a:avLst/>
+          </a:prstGeom>
+        </p:spPr>
+      </p:pic>
+    </p:spTree>
+    <p:extLst>
+      <p:ext uri="{BB962C8B-B14F-4D97-AF65-F5344CB8AC3E}">
+        <p14:creationId xmlns:p14="http://schemas.microsoft.com/office/powerpoint/2010/main" val="2511818953"/>
+      </p:ext>
+    </p:extLst>
+  </p:cSld>
+  <p:clrMapOvr>
+    <a:masterClrMapping/>
+  </p:clrMapOvr>
+</p:sld>
+</file>
+
+<file path=ppt/slides/slide23.xml><?xml version="1.0" encoding="utf-8"?>
+<p:sld xmlns:a="http://schemas.openxmlformats.org/drawingml/2006/main" xmlns:r="http://schemas.openxmlformats.org/officeDocument/2006/relationships" xmlns:p="http://schemas.openxmlformats.org/presentationml/2006/main">
+  <p:cSld>
+    <p:spTree>
+      <p:nvGrpSpPr>
+        <p:cNvPr id="1" name=""/>
+        <p:cNvGrpSpPr/>
+        <p:nvPr/>
+      </p:nvGrpSpPr>
+      <p:grpSpPr>
+        <a:xfrm>
+          <a:off x="0" y="0"/>
+          <a:ext cx="0" cy="0"/>
+          <a:chOff x="0" y="0"/>
+          <a:chExt cx="0" cy="0"/>
+        </a:xfrm>
+      </p:grpSpPr>
+      <p:pic>
+        <p:nvPicPr>
+          <p:cNvPr id="1034" name="Picture 10">
+            <a:extLst>
+              <a:ext uri="{FF2B5EF4-FFF2-40B4-BE49-F238E27FC236}">
+                <a16:creationId xmlns:a16="http://schemas.microsoft.com/office/drawing/2014/main" id="{6F72484C-A752-76F3-F259-0A997B815A00}"/>
+              </a:ext>
+            </a:extLst>
+          </p:cNvPr>
+          <p:cNvPicPr>
+            <a:picLocks noChangeAspect="1" noChangeArrowheads="1"/>
+          </p:cNvPicPr>
+          <p:nvPr/>
+        </p:nvPicPr>
+        <p:blipFill>
+          <a:blip r:embed="rId2">
+            <a:extLst>
+              <a:ext uri="{28A0092B-C50C-407E-A947-70E740481C1C}">
+                <a14:useLocalDpi xmlns:a14="http://schemas.microsoft.com/office/drawing/2010/main" val="0"/>
+              </a:ext>
+            </a:extLst>
+          </a:blip>
+          <a:srcRect/>
+          <a:stretch>
+            <a:fillRect/>
+          </a:stretch>
+        </p:blipFill>
+        <p:spPr bwMode="auto">
+          <a:xfrm>
+            <a:off x="76200" y="119063"/>
+            <a:ext cx="1114424" cy="614791"/>
+          </a:xfrm>
+          <a:prstGeom prst="rect">
+            <a:avLst/>
+          </a:prstGeom>
+          <a:noFill/>
+          <a:extLst>
+            <a:ext uri="{909E8E84-426E-40DD-AFC4-6F175D3DCCD1}">
+              <a14:hiddenFill xmlns:a14="http://schemas.microsoft.com/office/drawing/2010/main">
+                <a:solidFill>
+                  <a:srgbClr val="FFFFFF"/>
+                </a:solidFill>
+              </a14:hiddenFill>
+            </a:ext>
+          </a:extLst>
+        </p:spPr>
+      </p:pic>
+      <p:cxnSp>
+        <p:nvCxnSpPr>
+          <p:cNvPr id="11" name="Straight Connector 10">
+            <a:extLst>
+              <a:ext uri="{FF2B5EF4-FFF2-40B4-BE49-F238E27FC236}">
+                <a16:creationId xmlns:a16="http://schemas.microsoft.com/office/drawing/2014/main" id="{E5C4A229-E185-5A4B-53B1-81D591292671}"/>
+              </a:ext>
+            </a:extLst>
+          </p:cNvPr>
+          <p:cNvCxnSpPr>
+            <a:cxnSpLocks/>
+          </p:cNvCxnSpPr>
+          <p:nvPr/>
+        </p:nvCxnSpPr>
+        <p:spPr>
+          <a:xfrm>
+            <a:off x="76200" y="847725"/>
+            <a:ext cx="7648575" cy="0"/>
+          </a:xfrm>
+          <a:prstGeom prst="line">
+            <a:avLst/>
+          </a:prstGeom>
+        </p:spPr>
+        <p:style>
+          <a:lnRef idx="1">
+            <a:schemeClr val="accent1"/>
+          </a:lnRef>
+          <a:fillRef idx="0">
+            <a:schemeClr val="accent1"/>
+          </a:fillRef>
+          <a:effectRef idx="0">
+            <a:schemeClr val="accent1"/>
+          </a:effectRef>
+          <a:fontRef idx="minor">
+            <a:schemeClr val="tx1"/>
+          </a:fontRef>
+        </p:style>
+      </p:cxnSp>
+      <p:sp>
+        <p:nvSpPr>
+          <p:cNvPr id="14" name="TextBox 13">
+            <a:extLst>
+              <a:ext uri="{FF2B5EF4-FFF2-40B4-BE49-F238E27FC236}">
+                <a16:creationId xmlns:a16="http://schemas.microsoft.com/office/drawing/2014/main" id="{63B4AB36-B54A-EA5C-2A74-F2C80BE0CBC4}"/>
+              </a:ext>
+            </a:extLst>
+          </p:cNvPr>
+          <p:cNvSpPr txBox="1"/>
+          <p:nvPr/>
+        </p:nvSpPr>
+        <p:spPr>
+          <a:xfrm>
+            <a:off x="1390650" y="236792"/>
+            <a:ext cx="6362700" cy="369332"/>
+          </a:xfrm>
+          <a:prstGeom prst="rect">
+            <a:avLst/>
+          </a:prstGeom>
+          <a:noFill/>
+        </p:spPr>
+        <p:txBody>
+          <a:bodyPr wrap="square" rtlCol="0">
+            <a:spAutoFit/>
+          </a:bodyPr>
+          <a:lstStyle/>
+          <a:p>
+            <a:r>
+              <a:rPr lang="en-US" b="1"/>
+              <a:t>LOCAL SEARCH</a:t>
+            </a:r>
+          </a:p>
+        </p:txBody>
+      </p:sp>
+      <p:sp>
+        <p:nvSpPr>
+          <p:cNvPr id="2" name="TextBox 1">
+            <a:extLst>
+              <a:ext uri="{FF2B5EF4-FFF2-40B4-BE49-F238E27FC236}">
+                <a16:creationId xmlns:a16="http://schemas.microsoft.com/office/drawing/2014/main" id="{30380714-4CD2-9849-80A6-8AC66F97DA6F}"/>
+              </a:ext>
+            </a:extLst>
+          </p:cNvPr>
+          <p:cNvSpPr txBox="1"/>
+          <p:nvPr/>
+        </p:nvSpPr>
+        <p:spPr>
+          <a:xfrm>
+            <a:off x="76200" y="1089327"/>
+            <a:ext cx="1252202" cy="369332"/>
+          </a:xfrm>
+          <a:prstGeom prst="rect">
+            <a:avLst/>
+          </a:prstGeom>
+          <a:noFill/>
+        </p:spPr>
+        <p:txBody>
+          <a:bodyPr wrap="none" rtlCol="0">
+            <a:spAutoFit/>
+          </a:bodyPr>
+          <a:lstStyle/>
+          <a:p>
+            <a:r>
+              <a:rPr lang="en-US" i="1"/>
+              <a:t>Yêu cầu 3-2</a:t>
+            </a:r>
+          </a:p>
+        </p:txBody>
+      </p:sp>
+      <p:cxnSp>
+        <p:nvCxnSpPr>
+          <p:cNvPr id="3" name="Straight Connector 2">
+            <a:extLst>
+              <a:ext uri="{FF2B5EF4-FFF2-40B4-BE49-F238E27FC236}">
+                <a16:creationId xmlns:a16="http://schemas.microsoft.com/office/drawing/2014/main" id="{0793C2BD-0304-6397-AA72-38E3636506AC}"/>
+              </a:ext>
+            </a:extLst>
+          </p:cNvPr>
+          <p:cNvCxnSpPr>
+            <a:cxnSpLocks/>
+          </p:cNvCxnSpPr>
+          <p:nvPr/>
+        </p:nvCxnSpPr>
+        <p:spPr>
+          <a:xfrm>
+            <a:off x="4752975" y="6238875"/>
+            <a:ext cx="4286250" cy="0"/>
+          </a:xfrm>
+          <a:prstGeom prst="line">
+            <a:avLst/>
+          </a:prstGeom>
+        </p:spPr>
+        <p:style>
+          <a:lnRef idx="1">
+            <a:schemeClr val="accent1"/>
+          </a:lnRef>
+          <a:fillRef idx="0">
+            <a:schemeClr val="accent1"/>
+          </a:fillRef>
+          <a:effectRef idx="0">
+            <a:schemeClr val="accent1"/>
+          </a:effectRef>
+          <a:fontRef idx="minor">
+            <a:schemeClr val="tx1"/>
+          </a:fontRef>
+        </p:style>
+      </p:cxnSp>
+      <p:sp>
+        <p:nvSpPr>
+          <p:cNvPr id="5" name="TextBox 4">
+            <a:extLst>
+              <a:ext uri="{FF2B5EF4-FFF2-40B4-BE49-F238E27FC236}">
+                <a16:creationId xmlns:a16="http://schemas.microsoft.com/office/drawing/2014/main" id="{C9086857-A576-49DA-0719-5BEB9C24F20C}"/>
+              </a:ext>
+            </a:extLst>
+          </p:cNvPr>
+          <p:cNvSpPr txBox="1"/>
+          <p:nvPr/>
+        </p:nvSpPr>
+        <p:spPr>
+          <a:xfrm>
+            <a:off x="7753350" y="6336334"/>
+            <a:ext cx="1285874" cy="369332"/>
+          </a:xfrm>
+          <a:prstGeom prst="rect">
+            <a:avLst/>
+          </a:prstGeom>
+          <a:noFill/>
+        </p:spPr>
+        <p:txBody>
+          <a:bodyPr wrap="square" rtlCol="0">
+            <a:spAutoFit/>
+          </a:bodyPr>
+          <a:lstStyle/>
+          <a:p>
+            <a:r>
+              <a:rPr lang="en-US"/>
+              <a:t>Trang 1</a:t>
+            </a:r>
+          </a:p>
+        </p:txBody>
+      </p:sp>
+      <p:pic>
+        <p:nvPicPr>
+          <p:cNvPr id="8" name="Picture 7">
+            <a:extLst>
+              <a:ext uri="{FF2B5EF4-FFF2-40B4-BE49-F238E27FC236}">
+                <a16:creationId xmlns:a16="http://schemas.microsoft.com/office/drawing/2014/main" id="{820423F8-513B-EEA7-5347-CED754AC2ADB}"/>
+              </a:ext>
+            </a:extLst>
+          </p:cNvPr>
+          <p:cNvPicPr>
+            <a:picLocks noChangeAspect="1"/>
+          </p:cNvPicPr>
+          <p:nvPr/>
+        </p:nvPicPr>
+        <p:blipFill>
+          <a:blip r:embed="rId3"/>
+          <a:stretch>
+            <a:fillRect/>
+          </a:stretch>
+        </p:blipFill>
+        <p:spPr>
+          <a:xfrm>
+            <a:off x="1149976" y="1881460"/>
+            <a:ext cx="6844048" cy="3095079"/>
+          </a:xfrm>
+          <a:prstGeom prst="rect">
+            <a:avLst/>
+          </a:prstGeom>
+        </p:spPr>
+      </p:pic>
     </p:spTree>
     <p:extLst>
       <p:ext uri="{BB962C8B-B14F-4D97-AF65-F5344CB8AC3E}">
@@ -11990,7 +13544,7 @@
 </p:sld>
 </file>
 
-<file path=ppt/slides/slide23.xml><?xml version="1.0" encoding="utf-8"?>
+<file path=ppt/slides/slide24.xml><?xml version="1.0" encoding="utf-8"?>
 <p:sld xmlns:a="http://schemas.openxmlformats.org/drawingml/2006/main" xmlns:r="http://schemas.openxmlformats.org/officeDocument/2006/relationships" xmlns:p="http://schemas.openxmlformats.org/presentationml/2006/main">
   <p:cSld>
     <p:spTree>
@@ -12476,7 +14030,7 @@
 </p:sld>
 </file>
 
-<file path=ppt/slides/slide24.xml><?xml version="1.0" encoding="utf-8"?>
+<file path=ppt/slides/slide25.xml><?xml version="1.0" encoding="utf-8"?>
 <p:sld xmlns:a="http://schemas.openxmlformats.org/drawingml/2006/main" xmlns:r="http://schemas.openxmlformats.org/officeDocument/2006/relationships" xmlns:p="http://schemas.openxmlformats.org/presentationml/2006/main">
   <p:cSld>
     <p:spTree>
@@ -13136,7 +14690,7 @@
 </p:sld>
 </file>
 
-<file path=ppt/slides/slide25.xml><?xml version="1.0" encoding="utf-8"?>
+<file path=ppt/slides/slide26.xml><?xml version="1.0" encoding="utf-8"?>
 <p:sld xmlns:a="http://schemas.openxmlformats.org/drawingml/2006/main" xmlns:r="http://schemas.openxmlformats.org/officeDocument/2006/relationships" xmlns:p="http://schemas.openxmlformats.org/presentationml/2006/main">
   <p:cSld>
     <p:spTree>
@@ -13554,14 +15108,14 @@
           <p:nvPr>
             <p:extLst>
               <p:ext uri="{D42A27DB-BD31-4B8C-83A1-F6EECF244321}">
-                <p14:modId xmlns:p14="http://schemas.microsoft.com/office/powerpoint/2010/main" val="3065330574"/>
+                <p14:modId xmlns:p14="http://schemas.microsoft.com/office/powerpoint/2010/main" val="1017437740"/>
               </p:ext>
             </p:extLst>
           </p:nvPr>
         </p:nvGraphicFramePr>
         <p:xfrm>
           <a:off x="626268" y="1383568"/>
-          <a:ext cx="7891464" cy="2494280"/>
+          <a:ext cx="7891464" cy="2661920"/>
         </p:xfrm>
         <a:graphic>
           <a:graphicData uri="http://schemas.openxmlformats.org/drawingml/2006/table">
@@ -13577,21 +15131,21 @@
                     </a:ext>
                   </a:extLst>
                 </a:gridCol>
-                <a:gridCol w="4324193">
+                <a:gridCol w="3798539">
                   <a:extLst>
                     <a:ext uri="{9D8B030D-6E8A-4147-A177-3AD203B41FA5}">
                       <a16:colId xmlns:a16="http://schemas.microsoft.com/office/drawing/2014/main" val="3939429785"/>
                     </a:ext>
                   </a:extLst>
                 </a:gridCol>
-                <a:gridCol w="1885950">
+                <a:gridCol w="1718268">
                   <a:extLst>
                     <a:ext uri="{9D8B030D-6E8A-4147-A177-3AD203B41FA5}">
                       <a16:colId xmlns:a16="http://schemas.microsoft.com/office/drawing/2014/main" val="1738762872"/>
                     </a:ext>
                   </a:extLst>
                 </a:gridCol>
-                <a:gridCol w="1202532">
+                <a:gridCol w="1895868">
                   <a:extLst>
                     <a:ext uri="{9D8B030D-6E8A-4147-A177-3AD203B41FA5}">
                       <a16:colId xmlns:a16="http://schemas.microsoft.com/office/drawing/2014/main" val="3821170340"/>
@@ -13718,10 +15272,13 @@
                     <a:lstStyle/>
                     <a:p>
                       <a:pPr algn="ctr"/>
-                      <a:endParaRPr lang="en-US">
-                        <a:latin typeface="Times New Roman" panose="02020603050405020304" pitchFamily="18" charset="0"/>
-                        <a:cs typeface="Times New Roman" panose="02020603050405020304" pitchFamily="18" charset="0"/>
-                      </a:endParaRPr>
+                      <a:r>
+                        <a:rPr lang="en-US">
+                          <a:latin typeface="Times New Roman" panose="02020603050405020304" pitchFamily="18" charset="0"/>
+                          <a:cs typeface="Times New Roman" panose="02020603050405020304" pitchFamily="18" charset="0"/>
+                        </a:rPr>
+                        <a:t>Phát</a:t>
+                      </a:r>
                     </a:p>
                   </a:txBody>
                   <a:tcPr/>
@@ -13787,10 +15344,13 @@
                     <a:lstStyle/>
                     <a:p>
                       <a:pPr algn="ctr"/>
-                      <a:endParaRPr lang="en-US">
-                        <a:latin typeface="Times New Roman" panose="02020603050405020304" pitchFamily="18" charset="0"/>
-                        <a:cs typeface="Times New Roman" panose="02020603050405020304" pitchFamily="18" charset="0"/>
-                      </a:endParaRPr>
+                      <a:r>
+                        <a:rPr lang="en-US">
+                          <a:latin typeface="Times New Roman" panose="02020603050405020304" pitchFamily="18" charset="0"/>
+                          <a:cs typeface="Times New Roman" panose="02020603050405020304" pitchFamily="18" charset="0"/>
+                        </a:rPr>
+                        <a:t>Nghĩa</a:t>
+                      </a:r>
                     </a:p>
                   </a:txBody>
                   <a:tcPr/>
@@ -13801,10 +15361,13 @@
                     <a:lstStyle/>
                     <a:p>
                       <a:pPr algn="ctr"/>
-                      <a:endParaRPr lang="en-US">
-                        <a:latin typeface="Times New Roman" panose="02020603050405020304" pitchFamily="18" charset="0"/>
-                        <a:cs typeface="Times New Roman" panose="02020603050405020304" pitchFamily="18" charset="0"/>
-                      </a:endParaRPr>
+                      <a:r>
+                        <a:rPr lang="en-US">
+                          <a:latin typeface="Times New Roman" panose="02020603050405020304" pitchFamily="18" charset="0"/>
+                          <a:cs typeface="Times New Roman" panose="02020603050405020304" pitchFamily="18" charset="0"/>
+                        </a:rPr>
+                        <a:t>Hoàn thành</a:t>
+                      </a:r>
                     </a:p>
                   </a:txBody>
                   <a:tcPr/>
@@ -13844,7 +15407,7 @@
                           <a:latin typeface="Times New Roman" panose="02020603050405020304" pitchFamily="18" charset="0"/>
                           <a:cs typeface="Times New Roman" panose="02020603050405020304" pitchFamily="18" charset="0"/>
                         </a:rPr>
-                        <a:t>Cài đặt lớp EightQueenProblem</a:t>
+                        <a:t>Cài đặt lớp EightQueenProblem và hill_climbing_search</a:t>
                       </a:r>
                     </a:p>
                   </a:txBody>
@@ -13873,10 +15436,13 @@
                     <a:lstStyle/>
                     <a:p>
                       <a:pPr algn="ctr"/>
-                      <a:endParaRPr lang="en-US">
-                        <a:latin typeface="Times New Roman" panose="02020603050405020304" pitchFamily="18" charset="0"/>
-                        <a:cs typeface="Times New Roman" panose="02020603050405020304" pitchFamily="18" charset="0"/>
-                      </a:endParaRPr>
+                      <a:r>
+                        <a:rPr lang="en-US">
+                          <a:latin typeface="Times New Roman" panose="02020603050405020304" pitchFamily="18" charset="0"/>
+                          <a:cs typeface="Times New Roman" panose="02020603050405020304" pitchFamily="18" charset="0"/>
+                        </a:rPr>
+                        <a:t>Hoàn thành</a:t>
+                      </a:r>
                     </a:p>
                   </a:txBody>
                   <a:tcPr/>
@@ -13916,7 +15482,7 @@
                           <a:latin typeface="Times New Roman" panose="02020603050405020304" pitchFamily="18" charset="0"/>
                           <a:cs typeface="Times New Roman" panose="02020603050405020304" pitchFamily="18" charset="0"/>
                         </a:rPr>
-                        <a:t>Cài đặt phương thức hill_climbing_search</a:t>
+                        <a:t>Viết nội dung</a:t>
                       </a:r>
                     </a:p>
                   </a:txBody>
@@ -13933,7 +15499,7 @@
                           <a:latin typeface="Times New Roman" panose="02020603050405020304" pitchFamily="18" charset="0"/>
                           <a:cs typeface="Times New Roman" panose="02020603050405020304" pitchFamily="18" charset="0"/>
                         </a:rPr>
-                        <a:t>Nghĩa</a:t>
+                        <a:t>*</a:t>
                       </a:r>
                     </a:p>
                   </a:txBody>
@@ -13945,79 +15511,13 @@
                     <a:lstStyle/>
                     <a:p>
                       <a:pPr algn="ctr"/>
-                      <a:endParaRPr lang="en-US">
-                        <a:latin typeface="Times New Roman" panose="02020603050405020304" pitchFamily="18" charset="0"/>
-                        <a:cs typeface="Times New Roman" panose="02020603050405020304" pitchFamily="18" charset="0"/>
-                      </a:endParaRPr>
-                    </a:p>
-                  </a:txBody>
-                  <a:tcPr/>
-                </a:tc>
-                <a:extLst>
-                  <a:ext uri="{0D108BD9-81ED-4DB2-BD59-A6C34878D82A}">
-                    <a16:rowId xmlns:a16="http://schemas.microsoft.com/office/drawing/2014/main" val="2869274761"/>
-                  </a:ext>
-                </a:extLst>
-              </a:tr>
-              <a:tr h="370840">
-                <a:tc>
-                  <a:txBody>
-                    <a:bodyPr/>
-                    <a:lstStyle/>
-                    <a:p>
-                      <a:pPr algn="ctr"/>
                       <a:r>
                         <a:rPr lang="en-US">
                           <a:latin typeface="Times New Roman" panose="02020603050405020304" pitchFamily="18" charset="0"/>
                           <a:cs typeface="Times New Roman" panose="02020603050405020304" pitchFamily="18" charset="0"/>
                         </a:rPr>
-                        <a:t>15</a:t>
-                      </a:r>
-                    </a:p>
-                  </a:txBody>
-                  <a:tcPr/>
-                </a:tc>
-                <a:tc>
-                  <a:txBody>
-                    <a:bodyPr/>
-                    <a:lstStyle/>
-                    <a:p>
-                      <a:pPr algn="just"/>
-                      <a:r>
-                        <a:rPr lang="en-US">
-                          <a:latin typeface="Times New Roman" panose="02020603050405020304" pitchFamily="18" charset="0"/>
-                          <a:cs typeface="Times New Roman" panose="02020603050405020304" pitchFamily="18" charset="0"/>
-                        </a:rPr>
-                        <a:t>Viết nội dung</a:t>
-                      </a:r>
-                    </a:p>
-                  </a:txBody>
-                  <a:tcPr/>
-                </a:tc>
-                <a:tc>
-                  <a:txBody>
-                    <a:bodyPr/>
-                    <a:lstStyle/>
-                    <a:p>
-                      <a:pPr algn="ctr"/>
-                      <a:endParaRPr lang="en-US">
-                        <a:latin typeface="Times New Roman" panose="02020603050405020304" pitchFamily="18" charset="0"/>
-                        <a:cs typeface="Times New Roman" panose="02020603050405020304" pitchFamily="18" charset="0"/>
-                      </a:endParaRPr>
-                    </a:p>
-                  </a:txBody>
-                  <a:tcPr/>
-                </a:tc>
-                <a:tc>
-                  <a:txBody>
-                    <a:bodyPr/>
-                    <a:lstStyle/>
-                    <a:p>
-                      <a:pPr algn="ctr"/>
-                      <a:endParaRPr lang="en-US">
-                        <a:latin typeface="Times New Roman" panose="02020603050405020304" pitchFamily="18" charset="0"/>
-                        <a:cs typeface="Times New Roman" panose="02020603050405020304" pitchFamily="18" charset="0"/>
-                      </a:endParaRPr>
+                        <a:t>*</a:t>
+                      </a:r>
                     </a:p>
                   </a:txBody>
                   <a:tcPr/>
@@ -16596,7 +18096,7 @@
         </p:blipFill>
         <p:spPr>
           <a:xfrm>
-            <a:off x="1797146" y="1089326"/>
+            <a:off x="1390650" y="1102171"/>
             <a:ext cx="5549708" cy="5039246"/>
           </a:xfrm>
           <a:prstGeom prst="rect">

--- a/present/presentation.pptx
+++ b/present/presentation.pptx
@@ -143,7 +143,7 @@
 <file path=ppt/revisionInfo.xml><?xml version="1.0" encoding="utf-8"?>
 <p1510:revInfo xmlns:a="http://schemas.openxmlformats.org/drawingml/2006/main" xmlns:r="http://schemas.openxmlformats.org/officeDocument/2006/relationships" xmlns:p1510="http://schemas.microsoft.com/office/powerpoint/2015/10/main">
   <p1510:revLst>
-    <p1510:client id="{FA98E611-7EE5-4D53-A8F6-A8478DA16B0D}" v="128" dt="2023-03-18T18:27:01.617"/>
+    <p1510:client id="{FA98E611-7EE5-4D53-A8F6-A8478DA16B0D}" v="133" dt="2023-03-19T19:40:41.460"/>
   </p1510:revLst>
 </p1510:revInfo>
 </file>
@@ -153,12 +153,12 @@
   <pc:docChgLst>
     <pc:chgData name="Trung Nghia Nguyen" userId="caf0b1f78d203fdc" providerId="LiveId" clId="{FA98E611-7EE5-4D53-A8F6-A8478DA16B0D}"/>
     <pc:docChg chg="undo custSel addSld delSld modSld sldOrd modMainMaster">
-      <pc:chgData name="Trung Nghia Nguyen" userId="caf0b1f78d203fdc" providerId="LiveId" clId="{FA98E611-7EE5-4D53-A8F6-A8478DA16B0D}" dt="2023-03-18T18:48:28.906" v="3609" actId="1076"/>
+      <pc:chgData name="Trung Nghia Nguyen" userId="caf0b1f78d203fdc" providerId="LiveId" clId="{FA98E611-7EE5-4D53-A8F6-A8478DA16B0D}" dt="2023-03-19T19:43:46.776" v="4606" actId="20577"/>
       <pc:docMkLst>
         <pc:docMk/>
       </pc:docMkLst>
       <pc:sldChg chg="addSp delSp modSp new mod">
-        <pc:chgData name="Trung Nghia Nguyen" userId="caf0b1f78d203fdc" providerId="LiveId" clId="{FA98E611-7EE5-4D53-A8F6-A8478DA16B0D}" dt="2023-03-18T17:30:02.146" v="3437"/>
+        <pc:chgData name="Trung Nghia Nguyen" userId="caf0b1f78d203fdc" providerId="LiveId" clId="{FA98E611-7EE5-4D53-A8F6-A8478DA16B0D}" dt="2023-03-19T19:41:39.395" v="4557" actId="20577"/>
         <pc:sldMkLst>
           <pc:docMk/>
           <pc:sldMk cId="779292092" sldId="256"/>
@@ -180,7 +180,7 @@
           </ac:spMkLst>
         </pc:spChg>
         <pc:spChg chg="add mod">
-          <ac:chgData name="Trung Nghia Nguyen" userId="caf0b1f78d203fdc" providerId="LiveId" clId="{FA98E611-7EE5-4D53-A8F6-A8478DA16B0D}" dt="2023-03-17T04:38:44.756" v="3043" actId="14100"/>
+          <ac:chgData name="Trung Nghia Nguyen" userId="caf0b1f78d203fdc" providerId="LiveId" clId="{FA98E611-7EE5-4D53-A8F6-A8478DA16B0D}" dt="2023-03-19T19:41:39.395" v="4557" actId="20577"/>
           <ac:spMkLst>
             <pc:docMk/>
             <pc:sldMk cId="779292092" sldId="256"/>
@@ -244,7 +244,7 @@
           </ac:spMkLst>
         </pc:spChg>
         <pc:graphicFrameChg chg="add mod modGraphic">
-          <ac:chgData name="Trung Nghia Nguyen" userId="caf0b1f78d203fdc" providerId="LiveId" clId="{FA98E611-7EE5-4D53-A8F6-A8478DA16B0D}" dt="2023-03-18T17:30:02.146" v="3437"/>
+          <ac:chgData name="Trung Nghia Nguyen" userId="caf0b1f78d203fdc" providerId="LiveId" clId="{FA98E611-7EE5-4D53-A8F6-A8478DA16B0D}" dt="2023-03-19T19:19:32.213" v="3845" actId="20577"/>
           <ac:graphicFrameMkLst>
             <pc:docMk/>
             <pc:sldMk cId="779292092" sldId="256"/>
@@ -308,7 +308,7 @@
         </pc:cxnChg>
       </pc:sldChg>
       <pc:sldChg chg="addSp delSp modSp add mod">
-        <pc:chgData name="Trung Nghia Nguyen" userId="caf0b1f78d203fdc" providerId="LiveId" clId="{FA98E611-7EE5-4D53-A8F6-A8478DA16B0D}" dt="2023-03-17T04:38:56.706" v="3047"/>
+        <pc:chgData name="Trung Nghia Nguyen" userId="caf0b1f78d203fdc" providerId="LiveId" clId="{FA98E611-7EE5-4D53-A8F6-A8478DA16B0D}" dt="2023-03-19T19:41:48.869" v="4561" actId="20577"/>
         <pc:sldMkLst>
           <pc:docMk/>
           <pc:sldMk cId="3011248427" sldId="258"/>
@@ -322,7 +322,7 @@
           </ac:spMkLst>
         </pc:spChg>
         <pc:spChg chg="add mod">
-          <ac:chgData name="Trung Nghia Nguyen" userId="caf0b1f78d203fdc" providerId="LiveId" clId="{FA98E611-7EE5-4D53-A8F6-A8478DA16B0D}" dt="2023-03-17T04:38:56.706" v="3047"/>
+          <ac:chgData name="Trung Nghia Nguyen" userId="caf0b1f78d203fdc" providerId="LiveId" clId="{FA98E611-7EE5-4D53-A8F6-A8478DA16B0D}" dt="2023-03-19T19:41:48.869" v="4561" actId="20577"/>
           <ac:spMkLst>
             <pc:docMk/>
             <pc:sldMk cId="3011248427" sldId="258"/>
@@ -338,7 +338,7 @@
           </ac:spMkLst>
         </pc:spChg>
         <pc:graphicFrameChg chg="mod modGraphic">
-          <ac:chgData name="Trung Nghia Nguyen" userId="caf0b1f78d203fdc" providerId="LiveId" clId="{FA98E611-7EE5-4D53-A8F6-A8478DA16B0D}" dt="2023-03-17T04:33:36.908" v="2959" actId="20577"/>
+          <ac:chgData name="Trung Nghia Nguyen" userId="caf0b1f78d203fdc" providerId="LiveId" clId="{FA98E611-7EE5-4D53-A8F6-A8478DA16B0D}" dt="2023-03-19T19:23:41.611" v="4269" actId="2711"/>
           <ac:graphicFrameMkLst>
             <pc:docMk/>
             <pc:sldMk cId="3011248427" sldId="258"/>
@@ -355,7 +355,7 @@
         </pc:cxnChg>
       </pc:sldChg>
       <pc:sldChg chg="addSp delSp modSp add mod">
-        <pc:chgData name="Trung Nghia Nguyen" userId="caf0b1f78d203fdc" providerId="LiveId" clId="{FA98E611-7EE5-4D53-A8F6-A8478DA16B0D}" dt="2023-03-17T06:11:13.488" v="3083" actId="1076"/>
+        <pc:chgData name="Trung Nghia Nguyen" userId="caf0b1f78d203fdc" providerId="LiveId" clId="{FA98E611-7EE5-4D53-A8F6-A8478DA16B0D}" dt="2023-03-19T19:41:52.701" v="4563" actId="20577"/>
         <pc:sldMkLst>
           <pc:docMk/>
           <pc:sldMk cId="4019893558" sldId="259"/>
@@ -377,7 +377,7 @@
           </ac:spMkLst>
         </pc:spChg>
         <pc:spChg chg="add mod">
-          <ac:chgData name="Trung Nghia Nguyen" userId="caf0b1f78d203fdc" providerId="LiveId" clId="{FA98E611-7EE5-4D53-A8F6-A8478DA16B0D}" dt="2023-03-17T04:38:59.852" v="3049"/>
+          <ac:chgData name="Trung Nghia Nguyen" userId="caf0b1f78d203fdc" providerId="LiveId" clId="{FA98E611-7EE5-4D53-A8F6-A8478DA16B0D}" dt="2023-03-19T19:41:52.701" v="4563" actId="20577"/>
           <ac:spMkLst>
             <pc:docMk/>
             <pc:sldMk cId="4019893558" sldId="259"/>
@@ -418,7 +418,7 @@
         </pc:cxnChg>
       </pc:sldChg>
       <pc:sldChg chg="addSp delSp modSp add mod">
-        <pc:chgData name="Trung Nghia Nguyen" userId="caf0b1f78d203fdc" providerId="LiveId" clId="{FA98E611-7EE5-4D53-A8F6-A8478DA16B0D}" dt="2023-03-17T04:39:15.112" v="3057"/>
+        <pc:chgData name="Trung Nghia Nguyen" userId="caf0b1f78d203fdc" providerId="LiveId" clId="{FA98E611-7EE5-4D53-A8F6-A8478DA16B0D}" dt="2023-03-19T19:42:28.957" v="4575" actId="20577"/>
         <pc:sldMkLst>
           <pc:docMk/>
           <pc:sldMk cId="3474282668" sldId="260"/>
@@ -431,6 +431,14 @@
             <ac:spMk id="2" creationId="{30380714-4CD2-9849-80A6-8AC66F97DA6F}"/>
           </ac:spMkLst>
         </pc:spChg>
+        <pc:spChg chg="add mod">
+          <ac:chgData name="Trung Nghia Nguyen" userId="caf0b1f78d203fdc" providerId="LiveId" clId="{FA98E611-7EE5-4D53-A8F6-A8478DA16B0D}" dt="2023-03-19T19:27:08.252" v="4319" actId="1076"/>
+          <ac:spMkLst>
+            <pc:docMk/>
+            <pc:sldMk cId="3474282668" sldId="260"/>
+            <ac:spMk id="4" creationId="{9431821D-6D7D-E062-A69A-509104FD42F8}"/>
+          </ac:spMkLst>
+        </pc:spChg>
         <pc:spChg chg="add del mod">
           <ac:chgData name="Trung Nghia Nguyen" userId="caf0b1f78d203fdc" providerId="LiveId" clId="{FA98E611-7EE5-4D53-A8F6-A8478DA16B0D}" dt="2023-03-17T04:39:14.883" v="3056" actId="478"/>
           <ac:spMkLst>
@@ -440,7 +448,7 @@
           </ac:spMkLst>
         </pc:spChg>
         <pc:spChg chg="add mod">
-          <ac:chgData name="Trung Nghia Nguyen" userId="caf0b1f78d203fdc" providerId="LiveId" clId="{FA98E611-7EE5-4D53-A8F6-A8478DA16B0D}" dt="2023-03-17T04:39:15.112" v="3057"/>
+          <ac:chgData name="Trung Nghia Nguyen" userId="caf0b1f78d203fdc" providerId="LiveId" clId="{FA98E611-7EE5-4D53-A8F6-A8478DA16B0D}" dt="2023-03-19T19:42:28.957" v="4575" actId="20577"/>
           <ac:spMkLst>
             <pc:docMk/>
             <pc:sldMk cId="3474282668" sldId="260"/>
@@ -457,7 +465,7 @@
         </pc:cxnChg>
       </pc:sldChg>
       <pc:sldChg chg="addSp delSp modSp add mod">
-        <pc:chgData name="Trung Nghia Nguyen" userId="caf0b1f78d203fdc" providerId="LiveId" clId="{FA98E611-7EE5-4D53-A8F6-A8478DA16B0D}" dt="2023-03-18T18:02:27.665" v="3498" actId="14100"/>
+        <pc:chgData name="Trung Nghia Nguyen" userId="caf0b1f78d203fdc" providerId="LiveId" clId="{FA98E611-7EE5-4D53-A8F6-A8478DA16B0D}" dt="2023-03-19T19:42:25.521" v="4574" actId="20577"/>
         <pc:sldMkLst>
           <pc:docMk/>
           <pc:sldMk cId="2176878142" sldId="261"/>
@@ -479,7 +487,7 @@
           </ac:spMkLst>
         </pc:spChg>
         <pc:spChg chg="add mod">
-          <ac:chgData name="Trung Nghia Nguyen" userId="caf0b1f78d203fdc" providerId="LiveId" clId="{FA98E611-7EE5-4D53-A8F6-A8478DA16B0D}" dt="2023-03-17T04:39:11.622" v="3055"/>
+          <ac:chgData name="Trung Nghia Nguyen" userId="caf0b1f78d203fdc" providerId="LiveId" clId="{FA98E611-7EE5-4D53-A8F6-A8478DA16B0D}" dt="2023-03-19T19:42:25.521" v="4574" actId="20577"/>
           <ac:spMkLst>
             <pc:docMk/>
             <pc:sldMk cId="2176878142" sldId="261"/>
@@ -559,7 +567,7 @@
         </pc:cxnChg>
       </pc:sldChg>
       <pc:sldChg chg="addSp delSp modSp add mod">
-        <pc:chgData name="Trung Nghia Nguyen" userId="caf0b1f78d203fdc" providerId="LiveId" clId="{FA98E611-7EE5-4D53-A8F6-A8478DA16B0D}" dt="2023-03-17T06:23:12.888" v="3165" actId="114"/>
+        <pc:chgData name="Trung Nghia Nguyen" userId="caf0b1f78d203fdc" providerId="LiveId" clId="{FA98E611-7EE5-4D53-A8F6-A8478DA16B0D}" dt="2023-03-19T19:41:58.154" v="4565" actId="20577"/>
         <pc:sldMkLst>
           <pc:docMk/>
           <pc:sldMk cId="482173432" sldId="263"/>
@@ -581,7 +589,7 @@
           </ac:spMkLst>
         </pc:spChg>
         <pc:spChg chg="add mod">
-          <ac:chgData name="Trung Nghia Nguyen" userId="caf0b1f78d203fdc" providerId="LiveId" clId="{FA98E611-7EE5-4D53-A8F6-A8478DA16B0D}" dt="2023-03-17T04:39:03.539" v="3051"/>
+          <ac:chgData name="Trung Nghia Nguyen" userId="caf0b1f78d203fdc" providerId="LiveId" clId="{FA98E611-7EE5-4D53-A8F6-A8478DA16B0D}" dt="2023-03-19T19:41:58.154" v="4565" actId="20577"/>
           <ac:spMkLst>
             <pc:docMk/>
             <pc:sldMk cId="482173432" sldId="263"/>
@@ -622,7 +630,7 @@
         </pc:cxnChg>
       </pc:sldChg>
       <pc:sldChg chg="addSp delSp modSp add mod">
-        <pc:chgData name="Trung Nghia Nguyen" userId="caf0b1f78d203fdc" providerId="LiveId" clId="{FA98E611-7EE5-4D53-A8F6-A8478DA16B0D}" dt="2023-03-17T04:39:19.588" v="3059"/>
+        <pc:chgData name="Trung Nghia Nguyen" userId="caf0b1f78d203fdc" providerId="LiveId" clId="{FA98E611-7EE5-4D53-A8F6-A8478DA16B0D}" dt="2023-03-19T19:42:32.285" v="4576" actId="20577"/>
         <pc:sldMkLst>
           <pc:docMk/>
           <pc:sldMk cId="2895901428" sldId="264"/>
@@ -644,7 +652,7 @@
           </ac:spMkLst>
         </pc:spChg>
         <pc:spChg chg="add mod">
-          <ac:chgData name="Trung Nghia Nguyen" userId="caf0b1f78d203fdc" providerId="LiveId" clId="{FA98E611-7EE5-4D53-A8F6-A8478DA16B0D}" dt="2023-03-17T04:39:19.588" v="3059"/>
+          <ac:chgData name="Trung Nghia Nguyen" userId="caf0b1f78d203fdc" providerId="LiveId" clId="{FA98E611-7EE5-4D53-A8F6-A8478DA16B0D}" dt="2023-03-19T19:42:32.285" v="4576" actId="20577"/>
           <ac:spMkLst>
             <pc:docMk/>
             <pc:sldMk cId="2895901428" sldId="264"/>
@@ -661,7 +669,7 @@
         </pc:cxnChg>
       </pc:sldChg>
       <pc:sldChg chg="addSp delSp modSp add mod replId">
-        <pc:chgData name="Trung Nghia Nguyen" userId="caf0b1f78d203fdc" providerId="LiveId" clId="{FA98E611-7EE5-4D53-A8F6-A8478DA16B0D}" dt="2023-03-18T18:08:47.529" v="3575" actId="14100"/>
+        <pc:chgData name="Trung Nghia Nguyen" userId="caf0b1f78d203fdc" providerId="LiveId" clId="{FA98E611-7EE5-4D53-A8F6-A8478DA16B0D}" dt="2023-03-19T19:42:46.679" v="4580" actId="20577"/>
         <pc:sldMkLst>
           <pc:docMk/>
           <pc:sldMk cId="4283605162" sldId="265"/>
@@ -691,7 +699,7 @@
           </ac:spMkLst>
         </pc:spChg>
         <pc:spChg chg="add mod">
-          <ac:chgData name="Trung Nghia Nguyen" userId="caf0b1f78d203fdc" providerId="LiveId" clId="{FA98E611-7EE5-4D53-A8F6-A8478DA16B0D}" dt="2023-03-17T04:39:27.722" v="3063"/>
+          <ac:chgData name="Trung Nghia Nguyen" userId="caf0b1f78d203fdc" providerId="LiveId" clId="{FA98E611-7EE5-4D53-A8F6-A8478DA16B0D}" dt="2023-03-19T19:42:46.679" v="4580" actId="20577"/>
           <ac:spMkLst>
             <pc:docMk/>
             <pc:sldMk cId="4283605162" sldId="265"/>
@@ -756,7 +764,7 @@
         </pc:cxnChg>
       </pc:sldChg>
       <pc:sldChg chg="addSp delSp modSp add mod replId">
-        <pc:chgData name="Trung Nghia Nguyen" userId="caf0b1f78d203fdc" providerId="LiveId" clId="{FA98E611-7EE5-4D53-A8F6-A8478DA16B0D}" dt="2023-03-18T18:13:54.951" v="3582" actId="21"/>
+        <pc:chgData name="Trung Nghia Nguyen" userId="caf0b1f78d203fdc" providerId="LiveId" clId="{FA98E611-7EE5-4D53-A8F6-A8478DA16B0D}" dt="2023-03-19T19:42:52.243" v="4581" actId="20577"/>
         <pc:sldMkLst>
           <pc:docMk/>
           <pc:sldMk cId="1755807355" sldId="266"/>
@@ -778,7 +786,7 @@
           </ac:spMkLst>
         </pc:spChg>
         <pc:spChg chg="add mod">
-          <ac:chgData name="Trung Nghia Nguyen" userId="caf0b1f78d203fdc" providerId="LiveId" clId="{FA98E611-7EE5-4D53-A8F6-A8478DA16B0D}" dt="2023-03-17T04:39:31.733" v="3065"/>
+          <ac:chgData name="Trung Nghia Nguyen" userId="caf0b1f78d203fdc" providerId="LiveId" clId="{FA98E611-7EE5-4D53-A8F6-A8478DA16B0D}" dt="2023-03-19T19:42:52.243" v="4581" actId="20577"/>
           <ac:spMkLst>
             <pc:docMk/>
             <pc:sldMk cId="1755807355" sldId="266"/>
@@ -801,6 +809,14 @@
             <ac:picMk id="6" creationId="{22C59D75-28CE-46F5-5707-658FE476BFDD}"/>
           </ac:picMkLst>
         </pc:picChg>
+        <pc:picChg chg="add mod">
+          <ac:chgData name="Trung Nghia Nguyen" userId="caf0b1f78d203fdc" providerId="LiveId" clId="{FA98E611-7EE5-4D53-A8F6-A8478DA16B0D}" dt="2023-03-19T19:33:43.778" v="4351" actId="1076"/>
+          <ac:picMkLst>
+            <pc:docMk/>
+            <pc:sldMk cId="1755807355" sldId="266"/>
+            <ac:picMk id="6" creationId="{F965E609-B8C6-9840-FCA8-51EC5CD8ADD1}"/>
+          </ac:picMkLst>
+        </pc:picChg>
         <pc:cxnChg chg="add mod">
           <ac:chgData name="Trung Nghia Nguyen" userId="caf0b1f78d203fdc" providerId="LiveId" clId="{FA98E611-7EE5-4D53-A8F6-A8478DA16B0D}" dt="2023-03-17T04:38:09.225" v="3032"/>
           <ac:cxnSpMkLst>
@@ -811,7 +827,7 @@
         </pc:cxnChg>
       </pc:sldChg>
       <pc:sldChg chg="addSp delSp modSp add mod replId">
-        <pc:chgData name="Trung Nghia Nguyen" userId="caf0b1f78d203fdc" providerId="LiveId" clId="{FA98E611-7EE5-4D53-A8F6-A8478DA16B0D}" dt="2023-03-18T18:13:56.175" v="3583"/>
+        <pc:chgData name="Trung Nghia Nguyen" userId="caf0b1f78d203fdc" providerId="LiveId" clId="{FA98E611-7EE5-4D53-A8F6-A8478DA16B0D}" dt="2023-03-19T19:42:55.901" v="4582" actId="20577"/>
         <pc:sldMkLst>
           <pc:docMk/>
           <pc:sldMk cId="420754388" sldId="267"/>
@@ -833,7 +849,7 @@
           </ac:spMkLst>
         </pc:spChg>
         <pc:spChg chg="add mod">
-          <ac:chgData name="Trung Nghia Nguyen" userId="caf0b1f78d203fdc" providerId="LiveId" clId="{FA98E611-7EE5-4D53-A8F6-A8478DA16B0D}" dt="2023-03-17T04:39:35.462" v="3067"/>
+          <ac:chgData name="Trung Nghia Nguyen" userId="caf0b1f78d203fdc" providerId="LiveId" clId="{FA98E611-7EE5-4D53-A8F6-A8478DA16B0D}" dt="2023-03-19T19:42:55.901" v="4582" actId="20577"/>
           <ac:spMkLst>
             <pc:docMk/>
             <pc:sldMk cId="420754388" sldId="267"/>
@@ -866,7 +882,7 @@
         </pc:cxnChg>
       </pc:sldChg>
       <pc:sldChg chg="addSp delSp modSp add mod replId">
-        <pc:chgData name="Trung Nghia Nguyen" userId="caf0b1f78d203fdc" providerId="LiveId" clId="{FA98E611-7EE5-4D53-A8F6-A8478DA16B0D}" dt="2023-03-17T04:39:40.328" v="3069"/>
+        <pc:chgData name="Trung Nghia Nguyen" userId="caf0b1f78d203fdc" providerId="LiveId" clId="{FA98E611-7EE5-4D53-A8F6-A8478DA16B0D}" dt="2023-03-19T19:43:00.657" v="4583" actId="20577"/>
         <pc:sldMkLst>
           <pc:docMk/>
           <pc:sldMk cId="1800081090" sldId="268"/>
@@ -888,7 +904,7 @@
           </ac:spMkLst>
         </pc:spChg>
         <pc:spChg chg="add mod">
-          <ac:chgData name="Trung Nghia Nguyen" userId="caf0b1f78d203fdc" providerId="LiveId" clId="{FA98E611-7EE5-4D53-A8F6-A8478DA16B0D}" dt="2023-03-17T04:39:40.328" v="3069"/>
+          <ac:chgData name="Trung Nghia Nguyen" userId="caf0b1f78d203fdc" providerId="LiveId" clId="{FA98E611-7EE5-4D53-A8F6-A8478DA16B0D}" dt="2023-03-19T19:43:00.657" v="4583" actId="20577"/>
           <ac:spMkLst>
             <pc:docMk/>
             <pc:sldMk cId="1800081090" sldId="268"/>
@@ -913,7 +929,7 @@
         </pc:cxnChg>
       </pc:sldChg>
       <pc:sldChg chg="addSp delSp modSp add mod">
-        <pc:chgData name="Trung Nghia Nguyen" userId="caf0b1f78d203fdc" providerId="LiveId" clId="{FA98E611-7EE5-4D53-A8F6-A8478DA16B0D}" dt="2023-03-18T18:27:23.003" v="3592" actId="1076"/>
+        <pc:chgData name="Trung Nghia Nguyen" userId="caf0b1f78d203fdc" providerId="LiveId" clId="{FA98E611-7EE5-4D53-A8F6-A8478DA16B0D}" dt="2023-03-19T19:43:05.507" v="4586" actId="20577"/>
         <pc:sldMkLst>
           <pc:docMk/>
           <pc:sldMk cId="4260099494" sldId="269"/>
@@ -935,7 +951,7 @@
           </ac:spMkLst>
         </pc:spChg>
         <pc:spChg chg="add mod">
-          <ac:chgData name="Trung Nghia Nguyen" userId="caf0b1f78d203fdc" providerId="LiveId" clId="{FA98E611-7EE5-4D53-A8F6-A8478DA16B0D}" dt="2023-03-17T04:39:44.003" v="3071"/>
+          <ac:chgData name="Trung Nghia Nguyen" userId="caf0b1f78d203fdc" providerId="LiveId" clId="{FA98E611-7EE5-4D53-A8F6-A8478DA16B0D}" dt="2023-03-19T19:43:05.507" v="4586" actId="20577"/>
           <ac:spMkLst>
             <pc:docMk/>
             <pc:sldMk cId="4260099494" sldId="269"/>
@@ -968,7 +984,7 @@
         </pc:cxnChg>
       </pc:sldChg>
       <pc:sldChg chg="addSp delSp modSp add mod">
-        <pc:chgData name="Trung Nghia Nguyen" userId="caf0b1f78d203fdc" providerId="LiveId" clId="{FA98E611-7EE5-4D53-A8F6-A8478DA16B0D}" dt="2023-03-18T18:39:28.117" v="3603" actId="1076"/>
+        <pc:chgData name="Trung Nghia Nguyen" userId="caf0b1f78d203fdc" providerId="LiveId" clId="{FA98E611-7EE5-4D53-A8F6-A8478DA16B0D}" dt="2023-03-19T19:43:14.363" v="4590" actId="20577"/>
         <pc:sldMkLst>
           <pc:docMk/>
           <pc:sldMk cId="2511818953" sldId="270"/>
@@ -990,7 +1006,7 @@
           </ac:spMkLst>
         </pc:spChg>
         <pc:spChg chg="add mod">
-          <ac:chgData name="Trung Nghia Nguyen" userId="caf0b1f78d203fdc" providerId="LiveId" clId="{FA98E611-7EE5-4D53-A8F6-A8478DA16B0D}" dt="2023-03-17T04:39:50.810" v="3075"/>
+          <ac:chgData name="Trung Nghia Nguyen" userId="caf0b1f78d203fdc" providerId="LiveId" clId="{FA98E611-7EE5-4D53-A8F6-A8478DA16B0D}" dt="2023-03-19T19:43:14.363" v="4590" actId="20577"/>
           <ac:spMkLst>
             <pc:docMk/>
             <pc:sldMk cId="2511818953" sldId="270"/>
@@ -1047,7 +1063,7 @@
         </pc:cxnChg>
       </pc:sldChg>
       <pc:sldChg chg="addSp delSp modSp add mod replId">
-        <pc:chgData name="Trung Nghia Nguyen" userId="caf0b1f78d203fdc" providerId="LiveId" clId="{FA98E611-7EE5-4D53-A8F6-A8478DA16B0D}" dt="2023-03-18T18:48:28.906" v="3609" actId="1076"/>
+        <pc:chgData name="Trung Nghia Nguyen" userId="caf0b1f78d203fdc" providerId="LiveId" clId="{FA98E611-7EE5-4D53-A8F6-A8478DA16B0D}" dt="2023-03-19T19:43:19.278" v="4593" actId="20577"/>
         <pc:sldMkLst>
           <pc:docMk/>
           <pc:sldMk cId="2278832414" sldId="271"/>
@@ -1069,7 +1085,7 @@
           </ac:spMkLst>
         </pc:spChg>
         <pc:spChg chg="add mod">
-          <ac:chgData name="Trung Nghia Nguyen" userId="caf0b1f78d203fdc" providerId="LiveId" clId="{FA98E611-7EE5-4D53-A8F6-A8478DA16B0D}" dt="2023-03-17T04:39:56.343" v="3077"/>
+          <ac:chgData name="Trung Nghia Nguyen" userId="caf0b1f78d203fdc" providerId="LiveId" clId="{FA98E611-7EE5-4D53-A8F6-A8478DA16B0D}" dt="2023-03-19T19:43:19.278" v="4593" actId="20577"/>
           <ac:spMkLst>
             <pc:docMk/>
             <pc:sldMk cId="2278832414" sldId="271"/>
@@ -1109,14 +1125,14 @@
           </ac:cxnSpMkLst>
         </pc:cxnChg>
       </pc:sldChg>
-      <pc:sldChg chg="addSp modSp add mod">
-        <pc:chgData name="Trung Nghia Nguyen" userId="caf0b1f78d203fdc" providerId="LiveId" clId="{FA98E611-7EE5-4D53-A8F6-A8478DA16B0D}" dt="2023-03-17T04:38:23.115" v="3041"/>
+      <pc:sldChg chg="addSp delSp modSp add mod">
+        <pc:chgData name="Trung Nghia Nguyen" userId="caf0b1f78d203fdc" providerId="LiveId" clId="{FA98E611-7EE5-4D53-A8F6-A8478DA16B0D}" dt="2023-03-19T19:43:46.776" v="4606" actId="20577"/>
         <pc:sldMkLst>
           <pc:docMk/>
           <pc:sldMk cId="610409002" sldId="272"/>
         </pc:sldMkLst>
         <pc:spChg chg="mod">
-          <ac:chgData name="Trung Nghia Nguyen" userId="caf0b1f78d203fdc" providerId="LiveId" clId="{FA98E611-7EE5-4D53-A8F6-A8478DA16B0D}" dt="2023-03-16T06:11:13.890" v="1224" actId="20577"/>
+          <ac:chgData name="Trung Nghia Nguyen" userId="caf0b1f78d203fdc" providerId="LiveId" clId="{FA98E611-7EE5-4D53-A8F6-A8478DA16B0D}" dt="2023-03-19T19:37:12.524" v="4433" actId="114"/>
           <ac:spMkLst>
             <pc:docMk/>
             <pc:sldMk cId="610409002" sldId="272"/>
@@ -1124,11 +1140,19 @@
           </ac:spMkLst>
         </pc:spChg>
         <pc:spChg chg="add mod">
-          <ac:chgData name="Trung Nghia Nguyen" userId="caf0b1f78d203fdc" providerId="LiveId" clId="{FA98E611-7EE5-4D53-A8F6-A8478DA16B0D}" dt="2023-03-17T04:38:23.115" v="3041"/>
+          <ac:chgData name="Trung Nghia Nguyen" userId="caf0b1f78d203fdc" providerId="LiveId" clId="{FA98E611-7EE5-4D53-A8F6-A8478DA16B0D}" dt="2023-03-19T19:43:46.776" v="4606" actId="20577"/>
           <ac:spMkLst>
             <pc:docMk/>
             <pc:sldMk cId="610409002" sldId="272"/>
             <ac:spMk id="4" creationId="{CE933A1E-D43F-BDBC-88C5-FA719398A112}"/>
+          </ac:spMkLst>
+        </pc:spChg>
+        <pc:spChg chg="add del mod">
+          <ac:chgData name="Trung Nghia Nguyen" userId="caf0b1f78d203fdc" providerId="LiveId" clId="{FA98E611-7EE5-4D53-A8F6-A8478DA16B0D}" dt="2023-03-19T19:41:14.049" v="4554" actId="478"/>
+          <ac:spMkLst>
+            <pc:docMk/>
+            <pc:sldMk cId="610409002" sldId="272"/>
+            <ac:spMk id="6" creationId="{6E7DC4E6-EDF3-8448-440F-42E4F1368376}"/>
           </ac:spMkLst>
         </pc:spChg>
         <pc:spChg chg="mod">
@@ -1139,6 +1163,14 @@
             <ac:spMk id="14" creationId="{63B4AB36-B54A-EA5C-2A74-F2C80BE0CBC4}"/>
           </ac:spMkLst>
         </pc:spChg>
+        <pc:graphicFrameChg chg="add mod modGraphic">
+          <ac:chgData name="Trung Nghia Nguyen" userId="caf0b1f78d203fdc" providerId="LiveId" clId="{FA98E611-7EE5-4D53-A8F6-A8478DA16B0D}" dt="2023-03-19T19:41:20.482" v="4555" actId="1076"/>
+          <ac:graphicFrameMkLst>
+            <pc:docMk/>
+            <pc:sldMk cId="610409002" sldId="272"/>
+            <ac:graphicFrameMk id="7" creationId="{B54C5B81-FA74-EF54-364C-2501CA6C224F}"/>
+          </ac:graphicFrameMkLst>
+        </pc:graphicFrameChg>
         <pc:cxnChg chg="add mod">
           <ac:chgData name="Trung Nghia Nguyen" userId="caf0b1f78d203fdc" providerId="LiveId" clId="{FA98E611-7EE5-4D53-A8F6-A8478DA16B0D}" dt="2023-03-17T04:38:23.115" v="3041"/>
           <ac:cxnSpMkLst>
@@ -1149,7 +1181,7 @@
         </pc:cxnChg>
       </pc:sldChg>
       <pc:sldChg chg="addSp delSp modSp add mod">
-        <pc:chgData name="Trung Nghia Nguyen" userId="caf0b1f78d203fdc" providerId="LiveId" clId="{FA98E611-7EE5-4D53-A8F6-A8478DA16B0D}" dt="2023-03-18T18:03:04.579" v="3502"/>
+        <pc:chgData name="Trung Nghia Nguyen" userId="caf0b1f78d203fdc" providerId="LiveId" clId="{FA98E611-7EE5-4D53-A8F6-A8478DA16B0D}" dt="2023-03-19T19:42:38.278" v="4577" actId="20577"/>
         <pc:sldMkLst>
           <pc:docMk/>
           <pc:sldMk cId="3245475923" sldId="273"/>
@@ -1179,7 +1211,7 @@
           </ac:spMkLst>
         </pc:spChg>
         <pc:spChg chg="add mod">
-          <ac:chgData name="Trung Nghia Nguyen" userId="caf0b1f78d203fdc" providerId="LiveId" clId="{FA98E611-7EE5-4D53-A8F6-A8478DA16B0D}" dt="2023-03-17T04:39:24.232" v="3061"/>
+          <ac:chgData name="Trung Nghia Nguyen" userId="caf0b1f78d203fdc" providerId="LiveId" clId="{FA98E611-7EE5-4D53-A8F6-A8478DA16B0D}" dt="2023-03-19T19:42:38.278" v="4577" actId="20577"/>
           <ac:spMkLst>
             <pc:docMk/>
             <pc:sldMk cId="3245475923" sldId="273"/>
@@ -1187,7 +1219,7 @@
           </ac:spMkLst>
         </pc:spChg>
         <pc:graphicFrameChg chg="add mod modGraphic">
-          <ac:chgData name="Trung Nghia Nguyen" userId="caf0b1f78d203fdc" providerId="LiveId" clId="{FA98E611-7EE5-4D53-A8F6-A8478DA16B0D}" dt="2023-03-18T18:03:04.579" v="3502"/>
+          <ac:chgData name="Trung Nghia Nguyen" userId="caf0b1f78d203fdc" providerId="LiveId" clId="{FA98E611-7EE5-4D53-A8F6-A8478DA16B0D}" dt="2023-03-19T19:27:35.395" v="4349" actId="20577"/>
           <ac:graphicFrameMkLst>
             <pc:docMk/>
             <pc:sldMk cId="3245475923" sldId="273"/>
@@ -1204,7 +1236,7 @@
         </pc:cxnChg>
       </pc:sldChg>
       <pc:sldChg chg="addSp delSp modSp add mod ord">
-        <pc:chgData name="Trung Nghia Nguyen" userId="caf0b1f78d203fdc" providerId="LiveId" clId="{FA98E611-7EE5-4D53-A8F6-A8478DA16B0D}" dt="2023-03-17T04:39:47.562" v="3073"/>
+        <pc:chgData name="Trung Nghia Nguyen" userId="caf0b1f78d203fdc" providerId="LiveId" clId="{FA98E611-7EE5-4D53-A8F6-A8478DA16B0D}" dt="2023-03-19T19:43:09.521" v="4587" actId="20577"/>
         <pc:sldMkLst>
           <pc:docMk/>
           <pc:sldMk cId="1354583273" sldId="274"/>
@@ -1218,7 +1250,7 @@
           </ac:spMkLst>
         </pc:spChg>
         <pc:spChg chg="add mod">
-          <ac:chgData name="Trung Nghia Nguyen" userId="caf0b1f78d203fdc" providerId="LiveId" clId="{FA98E611-7EE5-4D53-A8F6-A8478DA16B0D}" dt="2023-03-17T04:39:47.562" v="3073"/>
+          <ac:chgData name="Trung Nghia Nguyen" userId="caf0b1f78d203fdc" providerId="LiveId" clId="{FA98E611-7EE5-4D53-A8F6-A8478DA16B0D}" dt="2023-03-19T19:43:09.521" v="4587" actId="20577"/>
           <ac:spMkLst>
             <pc:docMk/>
             <pc:sldMk cId="1354583273" sldId="274"/>
@@ -1234,7 +1266,7 @@
           </ac:spMkLst>
         </pc:spChg>
         <pc:graphicFrameChg chg="add del modGraphic">
-          <ac:chgData name="Trung Nghia Nguyen" userId="caf0b1f78d203fdc" providerId="LiveId" clId="{FA98E611-7EE5-4D53-A8F6-A8478DA16B0D}" dt="2023-03-16T06:18:25.597" v="1579" actId="20577"/>
+          <ac:chgData name="Trung Nghia Nguyen" userId="caf0b1f78d203fdc" providerId="LiveId" clId="{FA98E611-7EE5-4D53-A8F6-A8478DA16B0D}" dt="2023-03-19T19:34:09.297" v="4407" actId="20577"/>
           <ac:graphicFrameMkLst>
             <pc:docMk/>
             <pc:sldMk cId="1354583273" sldId="274"/>
@@ -1251,7 +1283,7 @@
         </pc:cxnChg>
       </pc:sldChg>
       <pc:sldChg chg="addSp delSp modSp add mod">
-        <pc:chgData name="Trung Nghia Nguyen" userId="caf0b1f78d203fdc" providerId="LiveId" clId="{FA98E611-7EE5-4D53-A8F6-A8478DA16B0D}" dt="2023-03-17T04:40:01.094" v="3079"/>
+        <pc:chgData name="Trung Nghia Nguyen" userId="caf0b1f78d203fdc" providerId="LiveId" clId="{FA98E611-7EE5-4D53-A8F6-A8478DA16B0D}" dt="2023-03-19T19:43:24.151" v="4596" actId="20577"/>
         <pc:sldMkLst>
           <pc:docMk/>
           <pc:sldMk cId="288851990" sldId="275"/>
@@ -1273,7 +1305,7 @@
           </ac:spMkLst>
         </pc:spChg>
         <pc:spChg chg="add mod">
-          <ac:chgData name="Trung Nghia Nguyen" userId="caf0b1f78d203fdc" providerId="LiveId" clId="{FA98E611-7EE5-4D53-A8F6-A8478DA16B0D}" dt="2023-03-17T04:40:01.094" v="3079"/>
+          <ac:chgData name="Trung Nghia Nguyen" userId="caf0b1f78d203fdc" providerId="LiveId" clId="{FA98E611-7EE5-4D53-A8F6-A8478DA16B0D}" dt="2023-03-19T19:43:24.151" v="4596" actId="20577"/>
           <ac:spMkLst>
             <pc:docMk/>
             <pc:sldMk cId="288851990" sldId="275"/>
@@ -1297,7 +1329,7 @@
           </ac:graphicFrameMkLst>
         </pc:graphicFrameChg>
         <pc:graphicFrameChg chg="add del modGraphic">
-          <ac:chgData name="Trung Nghia Nguyen" userId="caf0b1f78d203fdc" providerId="LiveId" clId="{FA98E611-7EE5-4D53-A8F6-A8478DA16B0D}" dt="2023-03-16T06:18:48.998" v="1588" actId="20577"/>
+          <ac:chgData name="Trung Nghia Nguyen" userId="caf0b1f78d203fdc" providerId="LiveId" clId="{FA98E611-7EE5-4D53-A8F6-A8478DA16B0D}" dt="2023-03-19T19:34:24.716" v="4431" actId="20577"/>
           <ac:graphicFrameMkLst>
             <pc:docMk/>
             <pc:sldMk cId="288851990" sldId="275"/>
@@ -1314,7 +1346,7 @@
         </pc:cxnChg>
       </pc:sldChg>
       <pc:sldChg chg="addSp delSp modSp add mod">
-        <pc:chgData name="Trung Nghia Nguyen" userId="caf0b1f78d203fdc" providerId="LiveId" clId="{FA98E611-7EE5-4D53-A8F6-A8478DA16B0D}" dt="2023-03-17T04:40:05.673" v="3081"/>
+        <pc:chgData name="Trung Nghia Nguyen" userId="caf0b1f78d203fdc" providerId="LiveId" clId="{FA98E611-7EE5-4D53-A8F6-A8478DA16B0D}" dt="2023-03-19T19:43:40.637" v="4603" actId="20577"/>
         <pc:sldMkLst>
           <pc:docMk/>
           <pc:sldMk cId="2797651471" sldId="276"/>
@@ -1336,7 +1368,7 @@
           </ac:spMkLst>
         </pc:spChg>
         <pc:spChg chg="add mod">
-          <ac:chgData name="Trung Nghia Nguyen" userId="caf0b1f78d203fdc" providerId="LiveId" clId="{FA98E611-7EE5-4D53-A8F6-A8478DA16B0D}" dt="2023-03-17T04:40:05.673" v="3081"/>
+          <ac:chgData name="Trung Nghia Nguyen" userId="caf0b1f78d203fdc" providerId="LiveId" clId="{FA98E611-7EE5-4D53-A8F6-A8478DA16B0D}" dt="2023-03-19T19:43:31.201" v="4599" actId="20577"/>
           <ac:spMkLst>
             <pc:docMk/>
             <pc:sldMk cId="2797651471" sldId="276"/>
@@ -1352,7 +1384,7 @@
           </ac:spMkLst>
         </pc:spChg>
         <pc:graphicFrameChg chg="modGraphic">
-          <ac:chgData name="Trung Nghia Nguyen" userId="caf0b1f78d203fdc" providerId="LiveId" clId="{FA98E611-7EE5-4D53-A8F6-A8478DA16B0D}" dt="2023-03-16T06:21:02.566" v="1885" actId="20577"/>
+          <ac:chgData name="Trung Nghia Nguyen" userId="caf0b1f78d203fdc" providerId="LiveId" clId="{FA98E611-7EE5-4D53-A8F6-A8478DA16B0D}" dt="2023-03-19T19:43:40.637" v="4603" actId="20577"/>
           <ac:graphicFrameMkLst>
             <pc:docMk/>
             <pc:sldMk cId="2797651471" sldId="276"/>
@@ -1369,7 +1401,7 @@
         </pc:cxnChg>
       </pc:sldChg>
       <pc:sldChg chg="addSp delSp modSp add mod">
-        <pc:chgData name="Trung Nghia Nguyen" userId="caf0b1f78d203fdc" providerId="LiveId" clId="{FA98E611-7EE5-4D53-A8F6-A8478DA16B0D}" dt="2023-03-18T17:30:15.805" v="3442" actId="20577"/>
+        <pc:chgData name="Trung Nghia Nguyen" userId="caf0b1f78d203fdc" providerId="LiveId" clId="{FA98E611-7EE5-4D53-A8F6-A8478DA16B0D}" dt="2023-03-19T19:41:43.354" v="4559" actId="20577"/>
         <pc:sldMkLst>
           <pc:docMk/>
           <pc:sldMk cId="1442048206" sldId="277"/>
@@ -1383,7 +1415,7 @@
           </ac:spMkLst>
         </pc:spChg>
         <pc:spChg chg="add mod">
-          <ac:chgData name="Trung Nghia Nguyen" userId="caf0b1f78d203fdc" providerId="LiveId" clId="{FA98E611-7EE5-4D53-A8F6-A8478DA16B0D}" dt="2023-03-17T04:38:51.932" v="3045"/>
+          <ac:chgData name="Trung Nghia Nguyen" userId="caf0b1f78d203fdc" providerId="LiveId" clId="{FA98E611-7EE5-4D53-A8F6-A8478DA16B0D}" dt="2023-03-19T19:41:43.354" v="4559" actId="20577"/>
           <ac:spMkLst>
             <pc:docMk/>
             <pc:sldMk cId="1442048206" sldId="277"/>
@@ -1391,7 +1423,7 @@
           </ac:spMkLst>
         </pc:spChg>
         <pc:graphicFrameChg chg="add del mod modGraphic">
-          <ac:chgData name="Trung Nghia Nguyen" userId="caf0b1f78d203fdc" providerId="LiveId" clId="{FA98E611-7EE5-4D53-A8F6-A8478DA16B0D}" dt="2023-03-18T17:30:15.805" v="3442" actId="20577"/>
+          <ac:chgData name="Trung Nghia Nguyen" userId="caf0b1f78d203fdc" providerId="LiveId" clId="{FA98E611-7EE5-4D53-A8F6-A8478DA16B0D}" dt="2023-03-19T19:23:27.922" v="4268" actId="20577"/>
           <ac:graphicFrameMkLst>
             <pc:docMk/>
             <pc:sldMk cId="1442048206" sldId="277"/>
@@ -1408,11 +1440,19 @@
         </pc:cxnChg>
       </pc:sldChg>
       <pc:sldChg chg="addSp delSp modSp add mod">
-        <pc:chgData name="Trung Nghia Nguyen" userId="caf0b1f78d203fdc" providerId="LiveId" clId="{FA98E611-7EE5-4D53-A8F6-A8478DA16B0D}" dt="2023-03-17T06:23:24.904" v="3182" actId="1076"/>
+        <pc:chgData name="Trung Nghia Nguyen" userId="caf0b1f78d203fdc" providerId="LiveId" clId="{FA98E611-7EE5-4D53-A8F6-A8478DA16B0D}" dt="2023-03-19T19:42:02.542" v="4567" actId="20577"/>
         <pc:sldMkLst>
           <pc:docMk/>
           <pc:sldMk cId="599745211" sldId="278"/>
         </pc:sldMkLst>
+        <pc:spChg chg="mod">
+          <ac:chgData name="Trung Nghia Nguyen" userId="caf0b1f78d203fdc" providerId="LiveId" clId="{FA98E611-7EE5-4D53-A8F6-A8478DA16B0D}" dt="2023-03-19T19:42:02.542" v="4567" actId="20577"/>
+          <ac:spMkLst>
+            <pc:docMk/>
+            <pc:sldMk cId="599745211" sldId="278"/>
+            <ac:spMk id="5" creationId="{5EFED488-422D-714E-BC8D-1EFFE4EB27EF}"/>
+          </ac:spMkLst>
+        </pc:spChg>
         <pc:spChg chg="mod">
           <ac:chgData name="Trung Nghia Nguyen" userId="caf0b1f78d203fdc" providerId="LiveId" clId="{FA98E611-7EE5-4D53-A8F6-A8478DA16B0D}" dt="2023-03-17T06:23:21.018" v="3181" actId="114"/>
           <ac:spMkLst>
@@ -1455,11 +1495,19 @@
         </pc:picChg>
       </pc:sldChg>
       <pc:sldChg chg="addSp delSp modSp add mod">
-        <pc:chgData name="Trung Nghia Nguyen" userId="caf0b1f78d203fdc" providerId="LiveId" clId="{FA98E611-7EE5-4D53-A8F6-A8478DA16B0D}" dt="2023-03-17T06:26:42.641" v="3210" actId="1076"/>
+        <pc:chgData name="Trung Nghia Nguyen" userId="caf0b1f78d203fdc" providerId="LiveId" clId="{FA98E611-7EE5-4D53-A8F6-A8478DA16B0D}" dt="2023-03-19T19:42:08.819" v="4569" actId="20577"/>
         <pc:sldMkLst>
           <pc:docMk/>
           <pc:sldMk cId="2754922991" sldId="279"/>
         </pc:sldMkLst>
+        <pc:spChg chg="mod">
+          <ac:chgData name="Trung Nghia Nguyen" userId="caf0b1f78d203fdc" providerId="LiveId" clId="{FA98E611-7EE5-4D53-A8F6-A8478DA16B0D}" dt="2023-03-19T19:42:08.819" v="4569" actId="20577"/>
+          <ac:spMkLst>
+            <pc:docMk/>
+            <pc:sldMk cId="2754922991" sldId="279"/>
+            <ac:spMk id="5" creationId="{5EFED488-422D-714E-BC8D-1EFFE4EB27EF}"/>
+          </ac:spMkLst>
+        </pc:spChg>
         <pc:spChg chg="mod">
           <ac:chgData name="Trung Nghia Nguyen" userId="caf0b1f78d203fdc" providerId="LiveId" clId="{FA98E611-7EE5-4D53-A8F6-A8478DA16B0D}" dt="2023-03-17T06:26:42.641" v="3210" actId="1076"/>
           <ac:spMkLst>
@@ -1502,11 +1550,19 @@
         </pc:picChg>
       </pc:sldChg>
       <pc:sldChg chg="addSp modSp add mod modNotesTx">
-        <pc:chgData name="Trung Nghia Nguyen" userId="caf0b1f78d203fdc" providerId="LiveId" clId="{FA98E611-7EE5-4D53-A8F6-A8478DA16B0D}" dt="2023-03-18T17:45:27.382" v="3465" actId="1076"/>
+        <pc:chgData name="Trung Nghia Nguyen" userId="caf0b1f78d203fdc" providerId="LiveId" clId="{FA98E611-7EE5-4D53-A8F6-A8478DA16B0D}" dt="2023-03-19T19:42:13.274" v="4571" actId="20577"/>
         <pc:sldMkLst>
           <pc:docMk/>
           <pc:sldMk cId="1570060703" sldId="280"/>
         </pc:sldMkLst>
+        <pc:spChg chg="mod">
+          <ac:chgData name="Trung Nghia Nguyen" userId="caf0b1f78d203fdc" providerId="LiveId" clId="{FA98E611-7EE5-4D53-A8F6-A8478DA16B0D}" dt="2023-03-19T19:42:13.274" v="4571" actId="20577"/>
+          <ac:spMkLst>
+            <pc:docMk/>
+            <pc:sldMk cId="1570060703" sldId="280"/>
+            <ac:spMk id="5" creationId="{7AF6E6C4-7E4D-6951-DD77-D67FDB08BE33}"/>
+          </ac:spMkLst>
+        </pc:spChg>
         <pc:spChg chg="mod">
           <ac:chgData name="Trung Nghia Nguyen" userId="caf0b1f78d203fdc" providerId="LiveId" clId="{FA98E611-7EE5-4D53-A8F6-A8478DA16B0D}" dt="2023-03-17T07:03:30.383" v="3264" actId="1076"/>
           <ac:spMkLst>
@@ -1525,11 +1581,19 @@
         </pc:picChg>
       </pc:sldChg>
       <pc:sldChg chg="addSp delSp modSp add mod">
-        <pc:chgData name="Trung Nghia Nguyen" userId="caf0b1f78d203fdc" providerId="LiveId" clId="{FA98E611-7EE5-4D53-A8F6-A8478DA16B0D}" dt="2023-03-18T17:45:47.896" v="3470" actId="20577"/>
+        <pc:chgData name="Trung Nghia Nguyen" userId="caf0b1f78d203fdc" providerId="LiveId" clId="{FA98E611-7EE5-4D53-A8F6-A8478DA16B0D}" dt="2023-03-19T19:42:18.183" v="4572" actId="20577"/>
         <pc:sldMkLst>
           <pc:docMk/>
           <pc:sldMk cId="3262030844" sldId="281"/>
         </pc:sldMkLst>
+        <pc:spChg chg="mod">
+          <ac:chgData name="Trung Nghia Nguyen" userId="caf0b1f78d203fdc" providerId="LiveId" clId="{FA98E611-7EE5-4D53-A8F6-A8478DA16B0D}" dt="2023-03-19T19:42:18.183" v="4572" actId="20577"/>
+          <ac:spMkLst>
+            <pc:docMk/>
+            <pc:sldMk cId="3262030844" sldId="281"/>
+            <ac:spMk id="5" creationId="{7AF6E6C4-7E4D-6951-DD77-D67FDB08BE33}"/>
+          </ac:spMkLst>
+        </pc:spChg>
         <pc:spChg chg="del mod">
           <ac:chgData name="Trung Nghia Nguyen" userId="caf0b1f78d203fdc" providerId="LiveId" clId="{FA98E611-7EE5-4D53-A8F6-A8478DA16B0D}" dt="2023-03-18T17:45:45.010" v="3467" actId="478"/>
           <ac:spMkLst>
@@ -1587,11 +1651,19 @@
         </pc:picChg>
       </pc:sldChg>
       <pc:sldChg chg="addSp delSp modSp add mod">
-        <pc:chgData name="Trung Nghia Nguyen" userId="caf0b1f78d203fdc" providerId="LiveId" clId="{FA98E611-7EE5-4D53-A8F6-A8478DA16B0D}" dt="2023-03-18T17:58:07.675" v="3491" actId="167"/>
+        <pc:chgData name="Trung Nghia Nguyen" userId="caf0b1f78d203fdc" providerId="LiveId" clId="{FA98E611-7EE5-4D53-A8F6-A8478DA16B0D}" dt="2023-03-19T19:42:21.407" v="4573" actId="20577"/>
         <pc:sldMkLst>
           <pc:docMk/>
           <pc:sldMk cId="4109717965" sldId="282"/>
         </pc:sldMkLst>
+        <pc:spChg chg="mod">
+          <ac:chgData name="Trung Nghia Nguyen" userId="caf0b1f78d203fdc" providerId="LiveId" clId="{FA98E611-7EE5-4D53-A8F6-A8478DA16B0D}" dt="2023-03-19T19:42:21.407" v="4573" actId="20577"/>
+          <ac:spMkLst>
+            <pc:docMk/>
+            <pc:sldMk cId="4109717965" sldId="282"/>
+            <ac:spMk id="5" creationId="{7AF6E6C4-7E4D-6951-DD77-D67FDB08BE33}"/>
+          </ac:spMkLst>
+        </pc:spChg>
         <pc:spChg chg="mod">
           <ac:chgData name="Trung Nghia Nguyen" userId="caf0b1f78d203fdc" providerId="LiveId" clId="{FA98E611-7EE5-4D53-A8F6-A8478DA16B0D}" dt="2023-03-18T17:46:02.114" v="3483" actId="20577"/>
           <ac:spMkLst>
@@ -1978,7 +2050,7 @@
           <a:p>
             <a:fld id="{51F95020-72AA-4787-B4DB-4E5B3A15E30F}" type="datetimeFigureOut">
               <a:rPr lang="en-US" smtClean="0"/>
-              <a:t>19/03/2023</a:t>
+              <a:t>20/03/2023</a:t>
             </a:fld>
             <a:endParaRPr lang="en-US"/>
           </a:p>
@@ -3375,7 +3447,7 @@
           <a:p>
             <a:fld id="{2AB4A3C8-EB3A-4B87-95B8-3265ADB47806}" type="datetimeFigureOut">
               <a:rPr lang="en-US" smtClean="0"/>
-              <a:t>19/03/2023</a:t>
+              <a:t>20/03/2023</a:t>
             </a:fld>
             <a:endParaRPr lang="en-US"/>
           </a:p>
@@ -3545,7 +3617,7 @@
           <a:p>
             <a:fld id="{2AB4A3C8-EB3A-4B87-95B8-3265ADB47806}" type="datetimeFigureOut">
               <a:rPr lang="en-US" smtClean="0"/>
-              <a:t>19/03/2023</a:t>
+              <a:t>20/03/2023</a:t>
             </a:fld>
             <a:endParaRPr lang="en-US"/>
           </a:p>
@@ -3725,7 +3797,7 @@
           <a:p>
             <a:fld id="{2AB4A3C8-EB3A-4B87-95B8-3265ADB47806}" type="datetimeFigureOut">
               <a:rPr lang="en-US" smtClean="0"/>
-              <a:t>19/03/2023</a:t>
+              <a:t>20/03/2023</a:t>
             </a:fld>
             <a:endParaRPr lang="en-US"/>
           </a:p>
@@ -3895,7 +3967,7 @@
           <a:p>
             <a:fld id="{2AB4A3C8-EB3A-4B87-95B8-3265ADB47806}" type="datetimeFigureOut">
               <a:rPr lang="en-US" smtClean="0"/>
-              <a:t>19/03/2023</a:t>
+              <a:t>20/03/2023</a:t>
             </a:fld>
             <a:endParaRPr lang="en-US"/>
           </a:p>
@@ -4139,7 +4211,7 @@
           <a:p>
             <a:fld id="{2AB4A3C8-EB3A-4B87-95B8-3265ADB47806}" type="datetimeFigureOut">
               <a:rPr lang="en-US" smtClean="0"/>
-              <a:t>19/03/2023</a:t>
+              <a:t>20/03/2023</a:t>
             </a:fld>
             <a:endParaRPr lang="en-US"/>
           </a:p>
@@ -4371,7 +4443,7 @@
           <a:p>
             <a:fld id="{2AB4A3C8-EB3A-4B87-95B8-3265ADB47806}" type="datetimeFigureOut">
               <a:rPr lang="en-US" smtClean="0"/>
-              <a:t>19/03/2023</a:t>
+              <a:t>20/03/2023</a:t>
             </a:fld>
             <a:endParaRPr lang="en-US"/>
           </a:p>
@@ -4738,7 +4810,7 @@
           <a:p>
             <a:fld id="{2AB4A3C8-EB3A-4B87-95B8-3265ADB47806}" type="datetimeFigureOut">
               <a:rPr lang="en-US" smtClean="0"/>
-              <a:t>19/03/2023</a:t>
+              <a:t>20/03/2023</a:t>
             </a:fld>
             <a:endParaRPr lang="en-US"/>
           </a:p>
@@ -4856,7 +4928,7 @@
           <a:p>
             <a:fld id="{2AB4A3C8-EB3A-4B87-95B8-3265ADB47806}" type="datetimeFigureOut">
               <a:rPr lang="en-US" smtClean="0"/>
-              <a:t>19/03/2023</a:t>
+              <a:t>20/03/2023</a:t>
             </a:fld>
             <a:endParaRPr lang="en-US"/>
           </a:p>
@@ -4951,7 +5023,7 @@
           <a:p>
             <a:fld id="{2AB4A3C8-EB3A-4B87-95B8-3265ADB47806}" type="datetimeFigureOut">
               <a:rPr lang="en-US" smtClean="0"/>
-              <a:t>19/03/2023</a:t>
+              <a:t>20/03/2023</a:t>
             </a:fld>
             <a:endParaRPr lang="en-US"/>
           </a:p>
@@ -5228,7 +5300,7 @@
           <a:p>
             <a:fld id="{2AB4A3C8-EB3A-4B87-95B8-3265ADB47806}" type="datetimeFigureOut">
               <a:rPr lang="en-US" smtClean="0"/>
-              <a:t>19/03/2023</a:t>
+              <a:t>20/03/2023</a:t>
             </a:fld>
             <a:endParaRPr lang="en-US"/>
           </a:p>
@@ -5484,7 +5556,7 @@
           <a:p>
             <a:fld id="{2AB4A3C8-EB3A-4B87-95B8-3265ADB47806}" type="datetimeFigureOut">
               <a:rPr lang="en-US" smtClean="0"/>
-              <a:t>19/03/2023</a:t>
+              <a:t>20/03/2023</a:t>
             </a:fld>
             <a:endParaRPr lang="en-US"/>
           </a:p>
@@ -5697,7 +5769,7 @@
           <a:p>
             <a:fld id="{2AB4A3C8-EB3A-4B87-95B8-3265ADB47806}" type="datetimeFigureOut">
               <a:rPr lang="en-US" smtClean="0"/>
-              <a:t>19/03/2023</a:t>
+              <a:t>20/03/2023</a:t>
             </a:fld>
             <a:endParaRPr lang="en-US"/>
           </a:p>
@@ -7425,7 +7497,7 @@
           <a:p>
             <a:r>
               <a:rPr lang="en-US"/>
-              <a:t>Trang 1</a:t>
+              <a:t>Trang 10</a:t>
             </a:r>
           </a:p>
         </p:txBody>
@@ -7803,7 +7875,7 @@
           <a:p>
             <a:r>
               <a:rPr lang="en-US"/>
-              <a:t>Trang 1</a:t>
+              <a:t>Trang 11</a:t>
             </a:r>
           </a:p>
         </p:txBody>
@@ -8145,7 +8217,7 @@
           <a:p>
             <a:r>
               <a:rPr lang="en-US"/>
-              <a:t>Trang 1</a:t>
+              <a:t>Trang 12</a:t>
             </a:r>
           </a:p>
         </p:txBody>
@@ -8463,7 +8535,42 @@
           <a:p>
             <a:r>
               <a:rPr lang="en-US"/>
-              <a:t>Trang 1</a:t>
+              <a:t>Trang 13</a:t>
+            </a:r>
+          </a:p>
+        </p:txBody>
+      </p:sp>
+      <p:sp>
+        <p:nvSpPr>
+          <p:cNvPr id="4" name="TextBox 3">
+            <a:extLst>
+              <a:ext uri="{FF2B5EF4-FFF2-40B4-BE49-F238E27FC236}">
+                <a16:creationId xmlns:a16="http://schemas.microsoft.com/office/drawing/2014/main" id="{9431821D-6D7D-E062-A69A-509104FD42F8}"/>
+              </a:ext>
+            </a:extLst>
+          </p:cNvPr>
+          <p:cNvSpPr txBox="1"/>
+          <p:nvPr/>
+        </p:nvSpPr>
+        <p:spPr>
+          <a:xfrm>
+            <a:off x="3019363" y="3053167"/>
+            <a:ext cx="3105274" cy="369332"/>
+          </a:xfrm>
+          <a:prstGeom prst="rect">
+            <a:avLst/>
+          </a:prstGeom>
+          <a:noFill/>
+        </p:spPr>
+        <p:txBody>
+          <a:bodyPr wrap="none" rtlCol="0">
+            <a:spAutoFit/>
+          </a:bodyPr>
+          <a:lstStyle/>
+          <a:p>
+            <a:r>
+              <a:rPr lang="en-US" i="1"/>
+              <a:t>Tương tự lớp SingleFoodSearch</a:t>
             </a:r>
           </a:p>
         </p:txBody>
@@ -8721,7 +8828,7 @@
           <a:p>
             <a:r>
               <a:rPr lang="en-US"/>
-              <a:t>Trang 1</a:t>
+              <a:t>Trang 14</a:t>
             </a:r>
           </a:p>
         </p:txBody>
@@ -8891,7 +8998,7 @@
           <p:nvPr>
             <p:extLst>
               <p:ext uri="{D42A27DB-BD31-4B8C-83A1-F6EECF244321}">
-                <p14:modId xmlns:p14="http://schemas.microsoft.com/office/powerpoint/2010/main" val="96445283"/>
+                <p14:modId xmlns:p14="http://schemas.microsoft.com/office/powerpoint/2010/main" val="1320603578"/>
               </p:ext>
             </p:extLst>
           </p:nvPr>
@@ -9260,10 +9367,13 @@
                     <a:lstStyle/>
                     <a:p>
                       <a:pPr algn="ctr"/>
-                      <a:endParaRPr lang="en-US">
-                        <a:latin typeface="Times New Roman" panose="02020603050405020304" pitchFamily="18" charset="0"/>
-                        <a:cs typeface="Times New Roman" panose="02020603050405020304" pitchFamily="18" charset="0"/>
-                      </a:endParaRPr>
+                      <a:r>
+                        <a:rPr lang="en-US">
+                          <a:latin typeface="Times New Roman" panose="02020603050405020304" pitchFamily="18" charset="0"/>
+                          <a:cs typeface="Times New Roman" panose="02020603050405020304" pitchFamily="18" charset="0"/>
+                        </a:rPr>
+                        <a:t>Hoàn thành</a:t>
+                      </a:r>
                     </a:p>
                   </a:txBody>
                   <a:tcPr/>
@@ -9315,10 +9425,13 @@
                     <a:lstStyle/>
                     <a:p>
                       <a:pPr algn="ctr"/>
-                      <a:endParaRPr lang="en-US">
-                        <a:latin typeface="Times New Roman" panose="02020603050405020304" pitchFamily="18" charset="0"/>
-                        <a:cs typeface="Times New Roman" panose="02020603050405020304" pitchFamily="18" charset="0"/>
-                      </a:endParaRPr>
+                      <a:r>
+                        <a:rPr lang="en-US">
+                          <a:latin typeface="Times New Roman" panose="02020603050405020304" pitchFamily="18" charset="0"/>
+                          <a:cs typeface="Times New Roman" panose="02020603050405020304" pitchFamily="18" charset="0"/>
+                        </a:rPr>
+                        <a:t>Hoàn thành</a:t>
+                      </a:r>
                     </a:p>
                   </a:txBody>
                   <a:tcPr/>
@@ -9436,7 +9549,7 @@
           <a:p>
             <a:r>
               <a:rPr lang="en-US"/>
-              <a:t>Trang 1</a:t>
+              <a:t>Trang 15</a:t>
             </a:r>
           </a:p>
         </p:txBody>
@@ -9694,7 +9807,7 @@
           <a:p>
             <a:r>
               <a:rPr lang="en-US"/>
-              <a:t>Trang 1</a:t>
+              <a:t>Trang 16</a:t>
             </a:r>
           </a:p>
         </p:txBody>
@@ -10294,11 +10407,41 @@
           <a:p>
             <a:r>
               <a:rPr lang="en-US"/>
-              <a:t>Trang 1</a:t>
+              <a:t>Trang 17</a:t>
             </a:r>
           </a:p>
         </p:txBody>
       </p:sp>
+      <p:pic>
+        <p:nvPicPr>
+          <p:cNvPr id="6" name="Picture 5">
+            <a:extLst>
+              <a:ext uri="{FF2B5EF4-FFF2-40B4-BE49-F238E27FC236}">
+                <a16:creationId xmlns:a16="http://schemas.microsoft.com/office/drawing/2014/main" id="{F965E609-B8C6-9840-FCA8-51EC5CD8ADD1}"/>
+              </a:ext>
+            </a:extLst>
+          </p:cNvPr>
+          <p:cNvPicPr>
+            <a:picLocks noChangeAspect="1"/>
+          </p:cNvPicPr>
+          <p:nvPr/>
+        </p:nvPicPr>
+        <p:blipFill>
+          <a:blip r:embed="rId3"/>
+          <a:stretch>
+            <a:fillRect/>
+          </a:stretch>
+        </p:blipFill>
+        <p:spPr>
+          <a:xfrm>
+            <a:off x="3752779" y="1374251"/>
+            <a:ext cx="1638442" cy="4511431"/>
+          </a:xfrm>
+          <a:prstGeom prst="rect">
+            <a:avLst/>
+          </a:prstGeom>
+        </p:spPr>
+      </p:pic>
     </p:spTree>
     <p:extLst>
       <p:ext uri="{BB962C8B-B14F-4D97-AF65-F5344CB8AC3E}">
@@ -10552,7 +10695,7 @@
           <a:p>
             <a:r>
               <a:rPr lang="en-US"/>
-              <a:t>Trang 1</a:t>
+              <a:t>Trang 18</a:t>
             </a:r>
           </a:p>
         </p:txBody>
@@ -10839,7 +10982,7 @@
           <a:p>
             <a:r>
               <a:rPr lang="en-US"/>
-              <a:t>Trang 1</a:t>
+              <a:t>Trang 19</a:t>
             </a:r>
           </a:p>
         </p:txBody>
@@ -11009,14 +11152,14 @@
           <p:nvPr>
             <p:extLst>
               <p:ext uri="{D42A27DB-BD31-4B8C-83A1-F6EECF244321}">
-                <p14:modId xmlns:p14="http://schemas.microsoft.com/office/powerpoint/2010/main" val="3305531207"/>
+                <p14:modId xmlns:p14="http://schemas.microsoft.com/office/powerpoint/2010/main" val="1026004077"/>
               </p:ext>
             </p:extLst>
           </p:nvPr>
         </p:nvGraphicFramePr>
         <p:xfrm>
           <a:off x="626268" y="1383568"/>
-          <a:ext cx="7891464" cy="4617720"/>
+          <a:ext cx="7891464" cy="3708400"/>
         </p:xfrm>
         <a:graphic>
           <a:graphicData uri="http://schemas.openxmlformats.org/drawingml/2006/table">
@@ -11344,7 +11487,7 @@
                           <a:latin typeface="Times New Roman" panose="02020603050405020304" pitchFamily="18" charset="0"/>
                           <a:cs typeface="Times New Roman" panose="02020603050405020304" pitchFamily="18" charset="0"/>
                         </a:rPr>
-                        <a:t>Thịnh</a:t>
+                        <a:t>Phát</a:t>
                       </a:r>
                     </a:p>
                   </a:txBody>
@@ -11668,10 +11811,13 @@
                     <a:lstStyle/>
                     <a:p>
                       <a:pPr algn="ctr"/>
-                      <a:endParaRPr lang="en-US">
-                        <a:latin typeface="Times New Roman" panose="02020603050405020304" pitchFamily="18" charset="0"/>
-                        <a:cs typeface="Times New Roman" panose="02020603050405020304" pitchFamily="18" charset="0"/>
-                      </a:endParaRPr>
+                      <a:r>
+                        <a:rPr lang="en-US">
+                          <a:latin typeface="Times New Roman" panose="02020603050405020304" pitchFamily="18" charset="0"/>
+                          <a:cs typeface="Times New Roman" panose="02020603050405020304" pitchFamily="18" charset="0"/>
+                        </a:rPr>
+                        <a:t>Hoàn thành</a:t>
+                      </a:r>
                     </a:p>
                   </a:txBody>
                   <a:tcPr/>
@@ -11711,7 +11857,7 @@
                           <a:latin typeface="Times New Roman" panose="02020603050405020304" pitchFamily="18" charset="0"/>
                           <a:cs typeface="Times New Roman" panose="02020603050405020304" pitchFamily="18" charset="0"/>
                         </a:rPr>
-                        <a:t>Tạo hàm Heurictic: Euclidean, Manhattan</a:t>
+                        <a:t>Heurictis cho Single và Multiple</a:t>
                       </a:r>
                     </a:p>
                   </a:txBody>
@@ -11780,84 +11926,12 @@
                     <a:bodyPr/>
                     <a:lstStyle/>
                     <a:p>
-                      <a:pPr algn="just"/>
                       <a:r>
                         <a:rPr lang="en-US">
                           <a:latin typeface="Times New Roman" panose="02020603050405020304" pitchFamily="18" charset="0"/>
                           <a:cs typeface="Times New Roman" panose="02020603050405020304" pitchFamily="18" charset="0"/>
                         </a:rPr>
-                        <a:t>Tạo hàm Heurictic cho MultiFoodSearchProblem</a:t>
-                      </a:r>
-                    </a:p>
-                  </a:txBody>
-                  <a:tcPr/>
-                </a:tc>
-                <a:tc>
-                  <a:txBody>
-                    <a:bodyPr/>
-                    <a:lstStyle/>
-                    <a:p>
-                      <a:pPr algn="ctr"/>
-                      <a:r>
-                        <a:rPr lang="en-US">
-                          <a:latin typeface="Times New Roman" panose="02020603050405020304" pitchFamily="18" charset="0"/>
-                          <a:cs typeface="Times New Roman" panose="02020603050405020304" pitchFamily="18" charset="0"/>
-                        </a:rPr>
-                        <a:t>Phát</a:t>
-                      </a:r>
-                    </a:p>
-                  </a:txBody>
-                  <a:tcPr/>
-                </a:tc>
-                <a:tc>
-                  <a:txBody>
-                    <a:bodyPr/>
-                    <a:lstStyle/>
-                    <a:p>
-                      <a:pPr algn="ctr"/>
-                      <a:endParaRPr lang="en-US">
-                        <a:latin typeface="Times New Roman" panose="02020603050405020304" pitchFamily="18" charset="0"/>
-                        <a:cs typeface="Times New Roman" panose="02020603050405020304" pitchFamily="18" charset="0"/>
-                      </a:endParaRPr>
-                    </a:p>
-                  </a:txBody>
-                  <a:tcPr/>
-                </a:tc>
-                <a:extLst>
-                  <a:ext uri="{0D108BD9-81ED-4DB2-BD59-A6C34878D82A}">
-                    <a16:rowId xmlns:a16="http://schemas.microsoft.com/office/drawing/2014/main" val="2893844193"/>
-                  </a:ext>
-                </a:extLst>
-              </a:tr>
-              <a:tr h="370840">
-                <a:tc>
-                  <a:txBody>
-                    <a:bodyPr/>
-                    <a:lstStyle/>
-                    <a:p>
-                      <a:pPr algn="ctr"/>
-                      <a:r>
-                        <a:rPr lang="en-US">
-                          <a:latin typeface="Times New Roman" panose="02020603050405020304" pitchFamily="18" charset="0"/>
-                          <a:cs typeface="Times New Roman" panose="02020603050405020304" pitchFamily="18" charset="0"/>
-                        </a:rPr>
-                        <a:t>10</a:t>
-                      </a:r>
-                    </a:p>
-                  </a:txBody>
-                  <a:tcPr/>
-                </a:tc>
-                <a:tc>
-                  <a:txBody>
-                    <a:bodyPr/>
-                    <a:lstStyle/>
-                    <a:p>
-                      <a:r>
-                        <a:rPr lang="en-US">
-                          <a:latin typeface="Times New Roman" panose="02020603050405020304" pitchFamily="18" charset="0"/>
-                          <a:cs typeface="Times New Roman" panose="02020603050405020304" pitchFamily="18" charset="0"/>
-                        </a:rPr>
-                        <a:t>Định nghĩa A*</a:t>
+                        <a:t>A*, GBFS</a:t>
                       </a:r>
                     </a:p>
                   </a:txBody>
@@ -11975,7 +12049,7 @@
           <a:p>
             <a:r>
               <a:rPr lang="en-US"/>
-              <a:t>Trang 1</a:t>
+              <a:t>Trang 2</a:t>
             </a:r>
           </a:p>
         </p:txBody>
@@ -12269,7 +12343,7 @@
           <a:p>
             <a:r>
               <a:rPr lang="en-US"/>
-              <a:t>Trang 1</a:t>
+              <a:t>Trang 20</a:t>
             </a:r>
           </a:p>
         </p:txBody>
@@ -12439,7 +12513,7 @@
           <p:nvPr>
             <p:extLst>
               <p:ext uri="{D42A27DB-BD31-4B8C-83A1-F6EECF244321}">
-                <p14:modId xmlns:p14="http://schemas.microsoft.com/office/powerpoint/2010/main" val="467810205"/>
+                <p14:modId xmlns:p14="http://schemas.microsoft.com/office/powerpoint/2010/main" val="1327245538"/>
               </p:ext>
             </p:extLst>
           </p:nvPr>
@@ -12634,10 +12708,13 @@
                     <a:lstStyle/>
                     <a:p>
                       <a:pPr algn="ctr"/>
-                      <a:endParaRPr lang="en-US">
-                        <a:latin typeface="Times New Roman" panose="02020603050405020304" pitchFamily="18" charset="0"/>
-                        <a:cs typeface="Times New Roman" panose="02020603050405020304" pitchFamily="18" charset="0"/>
-                      </a:endParaRPr>
+                      <a:r>
+                        <a:rPr lang="en-US">
+                          <a:latin typeface="Times New Roman" panose="02020603050405020304" pitchFamily="18" charset="0"/>
+                          <a:cs typeface="Times New Roman" panose="02020603050405020304" pitchFamily="18" charset="0"/>
+                        </a:rPr>
+                        <a:t>Hoàn thành</a:t>
+                      </a:r>
                     </a:p>
                   </a:txBody>
                   <a:tcPr/>
@@ -12689,10 +12766,13 @@
                     <a:lstStyle/>
                     <a:p>
                       <a:pPr algn="ctr"/>
-                      <a:endParaRPr lang="en-US">
-                        <a:latin typeface="Times New Roman" panose="02020603050405020304" pitchFamily="18" charset="0"/>
-                        <a:cs typeface="Times New Roman" panose="02020603050405020304" pitchFamily="18" charset="0"/>
-                      </a:endParaRPr>
+                      <a:r>
+                        <a:rPr lang="en-US">
+                          <a:latin typeface="Times New Roman" panose="02020603050405020304" pitchFamily="18" charset="0"/>
+                          <a:cs typeface="Times New Roman" panose="02020603050405020304" pitchFamily="18" charset="0"/>
+                        </a:rPr>
+                        <a:t>Hoàn thành</a:t>
+                      </a:r>
                     </a:p>
                   </a:txBody>
                   <a:tcPr/>
@@ -12744,10 +12824,13 @@
                     <a:lstStyle/>
                     <a:p>
                       <a:pPr algn="ctr"/>
-                      <a:endParaRPr lang="en-US">
-                        <a:latin typeface="Times New Roman" panose="02020603050405020304" pitchFamily="18" charset="0"/>
-                        <a:cs typeface="Times New Roman" panose="02020603050405020304" pitchFamily="18" charset="0"/>
-                      </a:endParaRPr>
+                      <a:r>
+                        <a:rPr lang="en-US">
+                          <a:latin typeface="Times New Roman" panose="02020603050405020304" pitchFamily="18" charset="0"/>
+                          <a:cs typeface="Times New Roman" panose="02020603050405020304" pitchFamily="18" charset="0"/>
+                        </a:rPr>
+                        <a:t>Hoàn thành</a:t>
+                      </a:r>
                     </a:p>
                   </a:txBody>
                   <a:tcPr/>
@@ -12799,10 +12882,13 @@
                     <a:lstStyle/>
                     <a:p>
                       <a:pPr algn="ctr"/>
-                      <a:endParaRPr lang="en-US">
-                        <a:latin typeface="Times New Roman" panose="02020603050405020304" pitchFamily="18" charset="0"/>
-                        <a:cs typeface="Times New Roman" panose="02020603050405020304" pitchFamily="18" charset="0"/>
-                      </a:endParaRPr>
+                      <a:r>
+                        <a:rPr lang="en-US">
+                          <a:latin typeface="Times New Roman" panose="02020603050405020304" pitchFamily="18" charset="0"/>
+                          <a:cs typeface="Times New Roman" panose="02020603050405020304" pitchFamily="18" charset="0"/>
+                        </a:rPr>
+                        <a:t>Hoàn thành</a:t>
+                      </a:r>
                     </a:p>
                   </a:txBody>
                   <a:tcPr/>
@@ -12920,7 +13006,7 @@
           <a:p>
             <a:r>
               <a:rPr lang="en-US"/>
-              <a:t>Trang 1</a:t>
+              <a:t>Trang 21</a:t>
             </a:r>
           </a:p>
         </p:txBody>
@@ -13178,7 +13264,7 @@
           <a:p>
             <a:r>
               <a:rPr lang="en-US"/>
-              <a:t>Trang 1</a:t>
+              <a:t>Trang 22</a:t>
             </a:r>
           </a:p>
         </p:txBody>
@@ -13496,7 +13582,7 @@
           <a:p>
             <a:r>
               <a:rPr lang="en-US"/>
-              <a:t>Trang 1</a:t>
+              <a:t>Trang 23</a:t>
             </a:r>
           </a:p>
         </p:txBody>
@@ -13696,7 +13782,7 @@
           <p:nvPr>
             <p:extLst>
               <p:ext uri="{D42A27DB-BD31-4B8C-83A1-F6EECF244321}">
-                <p14:modId xmlns:p14="http://schemas.microsoft.com/office/powerpoint/2010/main" val="775916525"/>
+                <p14:modId xmlns:p14="http://schemas.microsoft.com/office/powerpoint/2010/main" val="2553485860"/>
               </p:ext>
             </p:extLst>
           </p:nvPr>
@@ -13891,10 +13977,13 @@
                     <a:lstStyle/>
                     <a:p>
                       <a:pPr algn="ctr"/>
-                      <a:endParaRPr lang="en-US">
-                        <a:latin typeface="Times New Roman" panose="02020603050405020304" pitchFamily="18" charset="0"/>
-                        <a:cs typeface="Times New Roman" panose="02020603050405020304" pitchFamily="18" charset="0"/>
-                      </a:endParaRPr>
+                      <a:r>
+                        <a:rPr lang="en-US">
+                          <a:latin typeface="Times New Roman" panose="02020603050405020304" pitchFamily="18" charset="0"/>
+                          <a:cs typeface="Times New Roman" panose="02020603050405020304" pitchFamily="18" charset="0"/>
+                        </a:rPr>
+                        <a:t>Hoàn thành</a:t>
+                      </a:r>
                     </a:p>
                   </a:txBody>
                   <a:tcPr/>
@@ -14012,7 +14101,7 @@
           <a:p>
             <a:r>
               <a:rPr lang="en-US"/>
-              <a:t>Trang 1</a:t>
+              <a:t>Trang 24</a:t>
             </a:r>
           </a:p>
         </p:txBody>
@@ -14182,7 +14271,7 @@
           <p:nvPr>
             <p:extLst>
               <p:ext uri="{D42A27DB-BD31-4B8C-83A1-F6EECF244321}">
-                <p14:modId xmlns:p14="http://schemas.microsoft.com/office/powerpoint/2010/main" val="2757311686"/>
+                <p14:modId xmlns:p14="http://schemas.microsoft.com/office/powerpoint/2010/main" val="672685228"/>
               </p:ext>
             </p:extLst>
           </p:nvPr>
@@ -14493,13 +14582,10 @@
                     <a:lstStyle/>
                     <a:p>
                       <a:pPr algn="ctr"/>
-                      <a:r>
-                        <a:rPr lang="en-US">
-                          <a:latin typeface="Times New Roman" panose="02020603050405020304" pitchFamily="18" charset="0"/>
-                          <a:cs typeface="Times New Roman" panose="02020603050405020304" pitchFamily="18" charset="0"/>
-                        </a:rPr>
-                        <a:t>1 điểm</a:t>
-                      </a:r>
+                      <a:endParaRPr lang="en-US">
+                        <a:latin typeface="Times New Roman" panose="02020603050405020304" pitchFamily="18" charset="0"/>
+                        <a:cs typeface="Times New Roman" panose="02020603050405020304" pitchFamily="18" charset="0"/>
+                      </a:endParaRPr>
                     </a:p>
                   </a:txBody>
                   <a:tcPr/>
@@ -14548,13 +14634,10 @@
                     <a:lstStyle/>
                     <a:p>
                       <a:pPr algn="ctr"/>
-                      <a:r>
-                        <a:rPr lang="en-US">
-                          <a:latin typeface="Times New Roman" panose="02020603050405020304" pitchFamily="18" charset="0"/>
-                          <a:cs typeface="Times New Roman" panose="02020603050405020304" pitchFamily="18" charset="0"/>
-                        </a:rPr>
-                        <a:t>10 điểm</a:t>
-                      </a:r>
+                      <a:endParaRPr lang="en-US">
+                        <a:latin typeface="Times New Roman" panose="02020603050405020304" pitchFamily="18" charset="0"/>
+                        <a:cs typeface="Times New Roman" panose="02020603050405020304" pitchFamily="18" charset="0"/>
+                      </a:endParaRPr>
                     </a:p>
                   </a:txBody>
                   <a:tcPr/>
@@ -14672,7 +14755,7 @@
           <a:p>
             <a:r>
               <a:rPr lang="en-US"/>
-              <a:t>Trang 1</a:t>
+              <a:t>Trang 25</a:t>
             </a:r>
           </a:p>
         </p:txBody>
@@ -14842,7 +14925,7 @@
         <p:spPr>
           <a:xfrm>
             <a:off x="76200" y="1089327"/>
-            <a:ext cx="764953" cy="369332"/>
+            <a:ext cx="1216551" cy="369332"/>
           </a:xfrm>
           <a:prstGeom prst="rect">
             <a:avLst/>
@@ -14857,7 +14940,7 @@
           <a:p>
             <a:r>
               <a:rPr lang="en-US" i="1"/>
-              <a:t>REFER</a:t>
+              <a:t>References</a:t>
             </a:r>
           </a:p>
         </p:txBody>
@@ -14938,11 +15021,308 @@
             </a:r>
             <a:r>
               <a:rPr lang="en-US"/>
-              <a:t>Trang 1</a:t>
+              <a:t>Trang 26</a:t>
             </a:r>
           </a:p>
         </p:txBody>
       </p:sp>
+      <p:graphicFrame>
+        <p:nvGraphicFramePr>
+          <p:cNvPr id="7" name="Table 7">
+            <a:extLst>
+              <a:ext uri="{FF2B5EF4-FFF2-40B4-BE49-F238E27FC236}">
+                <a16:creationId xmlns:a16="http://schemas.microsoft.com/office/drawing/2014/main" id="{B54C5B81-FA74-EF54-364C-2501CA6C224F}"/>
+              </a:ext>
+            </a:extLst>
+          </p:cNvPr>
+          <p:cNvGraphicFramePr>
+            <a:graphicFrameLocks noGrp="1"/>
+          </p:cNvGraphicFramePr>
+          <p:nvPr>
+            <p:extLst>
+              <p:ext uri="{D42A27DB-BD31-4B8C-83A1-F6EECF244321}">
+                <p14:modId xmlns:p14="http://schemas.microsoft.com/office/powerpoint/2010/main" val="825397718"/>
+              </p:ext>
+            </p:extLst>
+          </p:nvPr>
+        </p:nvGraphicFramePr>
+        <p:xfrm>
+          <a:off x="76200" y="1700260"/>
+          <a:ext cx="8805705" cy="2763520"/>
+        </p:xfrm>
+        <a:graphic>
+          <a:graphicData uri="http://schemas.openxmlformats.org/drawingml/2006/table">
+            <a:tbl>
+              <a:tblPr firstRow="1" bandRow="1">
+                <a:tableStyleId>{5C22544A-7EE6-4342-B048-85BDC9FD1C3A}</a:tableStyleId>
+              </a:tblPr>
+              <a:tblGrid>
+                <a:gridCol w="687040">
+                  <a:extLst>
+                    <a:ext uri="{9D8B030D-6E8A-4147-A177-3AD203B41FA5}">
+                      <a16:colId xmlns:a16="http://schemas.microsoft.com/office/drawing/2014/main" val="2305991631"/>
+                    </a:ext>
+                  </a:extLst>
+                </a:gridCol>
+                <a:gridCol w="8118665">
+                  <a:extLst>
+                    <a:ext uri="{9D8B030D-6E8A-4147-A177-3AD203B41FA5}">
+                      <a16:colId xmlns:a16="http://schemas.microsoft.com/office/drawing/2014/main" val="2814521867"/>
+                    </a:ext>
+                  </a:extLst>
+                </a:gridCol>
+              </a:tblGrid>
+              <a:tr h="370840">
+                <a:tc gridSpan="2">
+                  <a:txBody>
+                    <a:bodyPr/>
+                    <a:lstStyle/>
+                    <a:p>
+                      <a:r>
+                        <a:rPr lang="en-US" b="0">
+                          <a:solidFill>
+                            <a:schemeClr val="tx1"/>
+                          </a:solidFill>
+                        </a:rPr>
+                        <a:t>Book</a:t>
+                      </a:r>
+                    </a:p>
+                  </a:txBody>
+                  <a:tcPr>
+                    <a:noFill/>
+                  </a:tcPr>
+                </a:tc>
+                <a:tc hMerge="1">
+                  <a:txBody>
+                    <a:bodyPr/>
+                    <a:lstStyle/>
+                    <a:p>
+                      <a:endParaRPr lang="en-US"/>
+                    </a:p>
+                  </a:txBody>
+                  <a:tcPr>
+                    <a:solidFill>
+                      <a:schemeClr val="bg1">
+                        <a:lumMod val="95000"/>
+                      </a:schemeClr>
+                    </a:solidFill>
+                  </a:tcPr>
+                </a:tc>
+                <a:extLst>
+                  <a:ext uri="{0D108BD9-81ED-4DB2-BD59-A6C34878D82A}">
+                    <a16:rowId xmlns:a16="http://schemas.microsoft.com/office/drawing/2014/main" val="3660921552"/>
+                  </a:ext>
+                </a:extLst>
+              </a:tr>
+              <a:tr h="370840">
+                <a:tc>
+                  <a:txBody>
+                    <a:bodyPr/>
+                    <a:lstStyle/>
+                    <a:p>
+                      <a:pPr algn="ctr"/>
+                      <a:r>
+                        <a:rPr lang="en-US"/>
+                        <a:t>[1]</a:t>
+                      </a:r>
+                    </a:p>
+                  </a:txBody>
+                  <a:tcPr>
+                    <a:noFill/>
+                  </a:tcPr>
+                </a:tc>
+                <a:tc>
+                  <a:txBody>
+                    <a:bodyPr/>
+                    <a:lstStyle/>
+                    <a:p>
+                      <a:pPr algn="just"/>
+                      <a:r>
+                        <a:rPr lang="en-US" i="1"/>
+                        <a:t>Stuart Russell, Peter Norvig. Artificial Intelligence : A Modern Approach, 2</a:t>
+                      </a:r>
+                      <a:r>
+                        <a:rPr lang="en-US" i="1" baseline="30000"/>
+                        <a:t>nd</a:t>
+                      </a:r>
+                      <a:r>
+                        <a:rPr lang="en-US" i="1"/>
+                        <a:t> edition. New Jersey, McGraw-Hill, 2005</a:t>
+                      </a:r>
+                      <a:endParaRPr lang="en-US"/>
+                    </a:p>
+                  </a:txBody>
+                  <a:tcPr>
+                    <a:noFill/>
+                  </a:tcPr>
+                </a:tc>
+                <a:extLst>
+                  <a:ext uri="{0D108BD9-81ED-4DB2-BD59-A6C34878D82A}">
+                    <a16:rowId xmlns:a16="http://schemas.microsoft.com/office/drawing/2014/main" val="2486402250"/>
+                  </a:ext>
+                </a:extLst>
+              </a:tr>
+              <a:tr h="370840">
+                <a:tc>
+                  <a:txBody>
+                    <a:bodyPr/>
+                    <a:lstStyle/>
+                    <a:p>
+                      <a:pPr algn="ctr"/>
+                      <a:r>
+                        <a:rPr lang="en-US"/>
+                        <a:t>[2]</a:t>
+                      </a:r>
+                    </a:p>
+                  </a:txBody>
+                  <a:tcPr>
+                    <a:noFill/>
+                  </a:tcPr>
+                </a:tc>
+                <a:tc>
+                  <a:txBody>
+                    <a:bodyPr/>
+                    <a:lstStyle/>
+                    <a:p>
+                      <a:pPr algn="just"/>
+                      <a:r>
+                        <a:rPr lang="en-US"/>
+                        <a:t>Tom Mitchell. Machine Learning. New York, McGraw-Hill, 1997.</a:t>
+                      </a:r>
+                    </a:p>
+                  </a:txBody>
+                  <a:tcPr>
+                    <a:noFill/>
+                  </a:tcPr>
+                </a:tc>
+                <a:extLst>
+                  <a:ext uri="{0D108BD9-81ED-4DB2-BD59-A6C34878D82A}">
+                    <a16:rowId xmlns:a16="http://schemas.microsoft.com/office/drawing/2014/main" val="1501445591"/>
+                  </a:ext>
+                </a:extLst>
+              </a:tr>
+              <a:tr h="370840">
+                <a:tc>
+                  <a:txBody>
+                    <a:bodyPr/>
+                    <a:lstStyle/>
+                    <a:p>
+                      <a:pPr algn="ctr"/>
+                      <a:r>
+                        <a:rPr lang="en-US"/>
+                        <a:t>[3]</a:t>
+                      </a:r>
+                    </a:p>
+                  </a:txBody>
+                  <a:tcPr>
+                    <a:noFill/>
+                  </a:tcPr>
+                </a:tc>
+                <a:tc>
+                  <a:txBody>
+                    <a:bodyPr/>
+                    <a:lstStyle/>
+                    <a:p>
+                      <a:pPr algn="just"/>
+                      <a:r>
+                        <a:rPr lang="en-US"/>
+                        <a:t>Manning and Schuetze, Foundations of Statistical Natural Language Processing, MIT Press. Cambridge, MA, 1999.</a:t>
+                      </a:r>
+                    </a:p>
+                  </a:txBody>
+                  <a:tcPr>
+                    <a:noFill/>
+                  </a:tcPr>
+                </a:tc>
+                <a:extLst>
+                  <a:ext uri="{0D108BD9-81ED-4DB2-BD59-A6C34878D82A}">
+                    <a16:rowId xmlns:a16="http://schemas.microsoft.com/office/drawing/2014/main" val="4097671691"/>
+                  </a:ext>
+                </a:extLst>
+              </a:tr>
+              <a:tr h="370840">
+                <a:tc gridSpan="2">
+                  <a:txBody>
+                    <a:bodyPr/>
+                    <a:lstStyle/>
+                    <a:p>
+                      <a:pPr algn="l"/>
+                      <a:r>
+                        <a:rPr lang="en-US"/>
+                        <a:t>Website</a:t>
+                      </a:r>
+                    </a:p>
+                  </a:txBody>
+                  <a:tcPr>
+                    <a:noFill/>
+                  </a:tcPr>
+                </a:tc>
+                <a:tc hMerge="1">
+                  <a:txBody>
+                    <a:bodyPr/>
+                    <a:lstStyle/>
+                    <a:p>
+                      <a:pPr algn="just"/>
+                      <a:endParaRPr lang="en-US"/>
+                    </a:p>
+                  </a:txBody>
+                  <a:tcPr>
+                    <a:solidFill>
+                      <a:schemeClr val="bg1">
+                        <a:lumMod val="95000"/>
+                      </a:schemeClr>
+                    </a:solidFill>
+                  </a:tcPr>
+                </a:tc>
+                <a:extLst>
+                  <a:ext uri="{0D108BD9-81ED-4DB2-BD59-A6C34878D82A}">
+                    <a16:rowId xmlns:a16="http://schemas.microsoft.com/office/drawing/2014/main" val="3803879496"/>
+                  </a:ext>
+                </a:extLst>
+              </a:tr>
+              <a:tr h="370840">
+                <a:tc>
+                  <a:txBody>
+                    <a:bodyPr/>
+                    <a:lstStyle/>
+                    <a:p>
+                      <a:pPr algn="ctr"/>
+                      <a:r>
+                        <a:rPr lang="en-US"/>
+                        <a:t>[1]</a:t>
+                      </a:r>
+                    </a:p>
+                  </a:txBody>
+                  <a:tcPr>
+                    <a:noFill/>
+                  </a:tcPr>
+                </a:tc>
+                <a:tc>
+                  <a:txBody>
+                    <a:bodyPr/>
+                    <a:lstStyle/>
+                    <a:p>
+                      <a:pPr algn="just"/>
+                      <a:r>
+                        <a:rPr lang="en-US"/>
+                        <a:t>sakai.it.tdt.edu.vn</a:t>
+                      </a:r>
+                    </a:p>
+                  </a:txBody>
+                  <a:tcPr>
+                    <a:noFill/>
+                  </a:tcPr>
+                </a:tc>
+                <a:extLst>
+                  <a:ext uri="{0D108BD9-81ED-4DB2-BD59-A6C34878D82A}">
+                    <a16:rowId xmlns:a16="http://schemas.microsoft.com/office/drawing/2014/main" val="4097059838"/>
+                  </a:ext>
+                </a:extLst>
+              </a:tr>
+            </a:tbl>
+          </a:graphicData>
+        </a:graphic>
+      </p:graphicFrame>
     </p:spTree>
     <p:extLst>
       <p:ext uri="{BB962C8B-B14F-4D97-AF65-F5344CB8AC3E}">
@@ -15108,14 +15488,14 @@
           <p:nvPr>
             <p:extLst>
               <p:ext uri="{D42A27DB-BD31-4B8C-83A1-F6EECF244321}">
-                <p14:modId xmlns:p14="http://schemas.microsoft.com/office/powerpoint/2010/main" val="1017437740"/>
+                <p14:modId xmlns:p14="http://schemas.microsoft.com/office/powerpoint/2010/main" val="145709811"/>
               </p:ext>
             </p:extLst>
           </p:nvPr>
         </p:nvGraphicFramePr>
         <p:xfrm>
           <a:off x="626268" y="1383568"/>
-          <a:ext cx="7891464" cy="2661920"/>
+          <a:ext cx="7891464" cy="3403600"/>
         </p:xfrm>
         <a:graphic>
           <a:graphicData uri="http://schemas.openxmlformats.org/drawingml/2006/table">
@@ -15243,7 +15623,7 @@
                           <a:latin typeface="Times New Roman" panose="02020603050405020304" pitchFamily="18" charset="0"/>
                           <a:cs typeface="Times New Roman" panose="02020603050405020304" pitchFamily="18" charset="0"/>
                         </a:rPr>
-                        <a:t>11</a:t>
+                        <a:t>10</a:t>
                       </a:r>
                     </a:p>
                   </a:txBody>
@@ -15260,7 +15640,7 @@
                           <a:latin typeface="Times New Roman" panose="02020603050405020304" pitchFamily="18" charset="0"/>
                           <a:cs typeface="Times New Roman" panose="02020603050405020304" pitchFamily="18" charset="0"/>
                         </a:rPr>
-                        <a:t>Tổng quát hoá A* cho MultiFoodSearchProblem</a:t>
+                        <a:t>Tổng quát hoá A* cho cả hai vấn đề Single và Multiple</a:t>
                       </a:r>
                     </a:p>
                   </a:txBody>
@@ -15277,7 +15657,382 @@
                           <a:latin typeface="Times New Roman" panose="02020603050405020304" pitchFamily="18" charset="0"/>
                           <a:cs typeface="Times New Roman" panose="02020603050405020304" pitchFamily="18" charset="0"/>
                         </a:rPr>
+                        <a:t>Phúc</a:t>
+                      </a:r>
+                    </a:p>
+                  </a:txBody>
+                  <a:tcPr/>
+                </a:tc>
+                <a:tc>
+                  <a:txBody>
+                    <a:bodyPr/>
+                    <a:lstStyle/>
+                    <a:p>
+                      <a:pPr algn="ctr"/>
+                      <a:r>
+                        <a:rPr lang="en-US">
+                          <a:latin typeface="Times New Roman" panose="02020603050405020304" pitchFamily="18" charset="0"/>
+                          <a:cs typeface="Times New Roman" panose="02020603050405020304" pitchFamily="18" charset="0"/>
+                        </a:rPr>
+                        <a:t>Hoàn thành</a:t>
+                      </a:r>
+                    </a:p>
+                  </a:txBody>
+                  <a:tcPr/>
+                </a:tc>
+                <a:extLst>
+                  <a:ext uri="{0D108BD9-81ED-4DB2-BD59-A6C34878D82A}">
+                    <a16:rowId xmlns:a16="http://schemas.microsoft.com/office/drawing/2014/main" val="1193411750"/>
+                  </a:ext>
+                </a:extLst>
+              </a:tr>
+              <a:tr h="370840">
+                <a:tc>
+                  <a:txBody>
+                    <a:bodyPr/>
+                    <a:lstStyle/>
+                    <a:p>
+                      <a:pPr algn="ctr"/>
+                      <a:r>
+                        <a:rPr lang="en-US">
+                          <a:latin typeface="Times New Roman" panose="02020603050405020304" pitchFamily="18" charset="0"/>
+                          <a:cs typeface="Times New Roman" panose="02020603050405020304" pitchFamily="18" charset="0"/>
+                        </a:rPr>
+                        <a:t>11</a:t>
+                      </a:r>
+                    </a:p>
+                  </a:txBody>
+                  <a:tcPr/>
+                </a:tc>
+                <a:tc>
+                  <a:txBody>
+                    <a:bodyPr/>
+                    <a:lstStyle/>
+                    <a:p>
+                      <a:pPr algn="just"/>
+                      <a:r>
+                        <a:rPr lang="en-US">
+                          <a:latin typeface="Times New Roman" panose="02020603050405020304" pitchFamily="18" charset="0"/>
+                          <a:cs typeface="Times New Roman" panose="02020603050405020304" pitchFamily="18" charset="0"/>
+                        </a:rPr>
+                        <a:t>Clean code</a:t>
+                      </a:r>
+                    </a:p>
+                  </a:txBody>
+                  <a:tcPr/>
+                </a:tc>
+                <a:tc>
+                  <a:txBody>
+                    <a:bodyPr/>
+                    <a:lstStyle/>
+                    <a:p>
+                      <a:pPr algn="ctr"/>
+                      <a:r>
+                        <a:rPr lang="en-US">
+                          <a:latin typeface="Times New Roman" panose="02020603050405020304" pitchFamily="18" charset="0"/>
+                          <a:cs typeface="Times New Roman" panose="02020603050405020304" pitchFamily="18" charset="0"/>
+                        </a:rPr>
+                        <a:t>Phúc</a:t>
+                      </a:r>
+                    </a:p>
+                  </a:txBody>
+                  <a:tcPr/>
+                </a:tc>
+                <a:tc>
+                  <a:txBody>
+                    <a:bodyPr/>
+                    <a:lstStyle/>
+                    <a:p>
+                      <a:pPr algn="ctr"/>
+                      <a:r>
+                        <a:rPr lang="en-US">
+                          <a:latin typeface="Times New Roman" panose="02020603050405020304" pitchFamily="18" charset="0"/>
+                          <a:cs typeface="Times New Roman" panose="02020603050405020304" pitchFamily="18" charset="0"/>
+                        </a:rPr>
+                        <a:t>Hoàn thành</a:t>
+                      </a:r>
+                    </a:p>
+                  </a:txBody>
+                  <a:tcPr/>
+                </a:tc>
+                <a:extLst>
+                  <a:ext uri="{0D108BD9-81ED-4DB2-BD59-A6C34878D82A}">
+                    <a16:rowId xmlns:a16="http://schemas.microsoft.com/office/drawing/2014/main" val="3001519422"/>
+                  </a:ext>
+                </a:extLst>
+              </a:tr>
+              <a:tr h="370840">
+                <a:tc>
+                  <a:txBody>
+                    <a:bodyPr/>
+                    <a:lstStyle/>
+                    <a:p>
+                      <a:pPr algn="ctr"/>
+                      <a:r>
+                        <a:rPr lang="en-US">
+                          <a:latin typeface="Times New Roman" panose="02020603050405020304" pitchFamily="18" charset="0"/>
+                          <a:cs typeface="Times New Roman" panose="02020603050405020304" pitchFamily="18" charset="0"/>
+                        </a:rPr>
+                        <a:t>12</a:t>
+                      </a:r>
+                    </a:p>
+                  </a:txBody>
+                  <a:tcPr/>
+                </a:tc>
+                <a:tc>
+                  <a:txBody>
+                    <a:bodyPr/>
+                    <a:lstStyle/>
+                    <a:p>
+                      <a:pPr algn="just"/>
+                      <a:r>
+                        <a:rPr lang="en-US">
+                          <a:latin typeface="Times New Roman" panose="02020603050405020304" pitchFamily="18" charset="0"/>
+                          <a:cs typeface="Times New Roman" panose="02020603050405020304" pitchFamily="18" charset="0"/>
+                        </a:rPr>
+                        <a:t>Cài đặt lớp EightQueenProblem và hill_climbing_search</a:t>
+                      </a:r>
+                    </a:p>
+                  </a:txBody>
+                  <a:tcPr/>
+                </a:tc>
+                <a:tc>
+                  <a:txBody>
+                    <a:bodyPr/>
+                    <a:lstStyle/>
+                    <a:p>
+                      <a:pPr algn="ctr"/>
+                      <a:r>
+                        <a:rPr lang="en-US">
+                          <a:latin typeface="Times New Roman" panose="02020603050405020304" pitchFamily="18" charset="0"/>
+                          <a:cs typeface="Times New Roman" panose="02020603050405020304" pitchFamily="18" charset="0"/>
+                        </a:rPr>
+                        <a:t>Nghĩa</a:t>
+                      </a:r>
+                    </a:p>
+                  </a:txBody>
+                  <a:tcPr/>
+                </a:tc>
+                <a:tc>
+                  <a:txBody>
+                    <a:bodyPr/>
+                    <a:lstStyle/>
+                    <a:p>
+                      <a:pPr algn="ctr"/>
+                      <a:r>
+                        <a:rPr lang="en-US">
+                          <a:latin typeface="Times New Roman" panose="02020603050405020304" pitchFamily="18" charset="0"/>
+                          <a:cs typeface="Times New Roman" panose="02020603050405020304" pitchFamily="18" charset="0"/>
+                        </a:rPr>
+                        <a:t>Hoàn thành</a:t>
+                      </a:r>
+                    </a:p>
+                  </a:txBody>
+                  <a:tcPr/>
+                </a:tc>
+                <a:extLst>
+                  <a:ext uri="{0D108BD9-81ED-4DB2-BD59-A6C34878D82A}">
+                    <a16:rowId xmlns:a16="http://schemas.microsoft.com/office/drawing/2014/main" val="3273639930"/>
+                  </a:ext>
+                </a:extLst>
+              </a:tr>
+              <a:tr h="370840">
+                <a:tc>
+                  <a:txBody>
+                    <a:bodyPr/>
+                    <a:lstStyle/>
+                    <a:p>
+                      <a:pPr algn="ctr"/>
+                      <a:r>
+                        <a:rPr lang="en-US">
+                          <a:latin typeface="Times New Roman" panose="02020603050405020304" pitchFamily="18" charset="0"/>
+                          <a:cs typeface="Times New Roman" panose="02020603050405020304" pitchFamily="18" charset="0"/>
+                        </a:rPr>
+                        <a:t>13</a:t>
+                      </a:r>
+                    </a:p>
+                  </a:txBody>
+                  <a:tcPr/>
+                </a:tc>
+                <a:tc>
+                  <a:txBody>
+                    <a:bodyPr/>
+                    <a:lstStyle/>
+                    <a:p>
+                      <a:pPr algn="just"/>
+                      <a:r>
+                        <a:rPr lang="en-US">
+                          <a:latin typeface="Times New Roman" panose="02020603050405020304" pitchFamily="18" charset="0"/>
+                          <a:cs typeface="Times New Roman" panose="02020603050405020304" pitchFamily="18" charset="0"/>
+                        </a:rPr>
+                        <a:t>Testing</a:t>
+                      </a:r>
+                    </a:p>
+                  </a:txBody>
+                  <a:tcPr/>
+                </a:tc>
+                <a:tc>
+                  <a:txBody>
+                    <a:bodyPr/>
+                    <a:lstStyle/>
+                    <a:p>
+                      <a:pPr algn="ctr"/>
+                      <a:r>
+                        <a:rPr lang="en-US">
+                          <a:latin typeface="Times New Roman" panose="02020603050405020304" pitchFamily="18" charset="0"/>
+                          <a:cs typeface="Times New Roman" panose="02020603050405020304" pitchFamily="18" charset="0"/>
+                        </a:rPr>
                         <a:t>Phát</a:t>
+                      </a:r>
+                    </a:p>
+                  </a:txBody>
+                  <a:tcPr/>
+                </a:tc>
+                <a:tc>
+                  <a:txBody>
+                    <a:bodyPr/>
+                    <a:lstStyle/>
+                    <a:p>
+                      <a:pPr algn="ctr"/>
+                      <a:r>
+                        <a:rPr lang="en-US">
+                          <a:latin typeface="Times New Roman" panose="02020603050405020304" pitchFamily="18" charset="0"/>
+                          <a:cs typeface="Times New Roman" panose="02020603050405020304" pitchFamily="18" charset="0"/>
+                        </a:rPr>
+                        <a:t>Hoàn thành</a:t>
+                      </a:r>
+                    </a:p>
+                  </a:txBody>
+                  <a:tcPr/>
+                </a:tc>
+                <a:extLst>
+                  <a:ext uri="{0D108BD9-81ED-4DB2-BD59-A6C34878D82A}">
+                    <a16:rowId xmlns:a16="http://schemas.microsoft.com/office/drawing/2014/main" val="984740882"/>
+                  </a:ext>
+                </a:extLst>
+              </a:tr>
+              <a:tr h="370840">
+                <a:tc>
+                  <a:txBody>
+                    <a:bodyPr/>
+                    <a:lstStyle/>
+                    <a:p>
+                      <a:pPr algn="ctr"/>
+                      <a:r>
+                        <a:rPr lang="en-US">
+                          <a:latin typeface="Times New Roman" panose="02020603050405020304" pitchFamily="18" charset="0"/>
+                          <a:cs typeface="Times New Roman" panose="02020603050405020304" pitchFamily="18" charset="0"/>
+                        </a:rPr>
+                        <a:t>14</a:t>
+                      </a:r>
+                    </a:p>
+                  </a:txBody>
+                  <a:tcPr/>
+                </a:tc>
+                <a:tc>
+                  <a:txBody>
+                    <a:bodyPr/>
+                    <a:lstStyle/>
+                    <a:p>
+                      <a:pPr algn="just"/>
+                      <a:r>
+                        <a:rPr lang="en-US">
+                          <a:latin typeface="Times New Roman" panose="02020603050405020304" pitchFamily="18" charset="0"/>
+                          <a:cs typeface="Times New Roman" panose="02020603050405020304" pitchFamily="18" charset="0"/>
+                        </a:rPr>
+                        <a:t>Viết chương trình chạy yêu cầu</a:t>
+                      </a:r>
+                    </a:p>
+                  </a:txBody>
+                  <a:tcPr/>
+                </a:tc>
+                <a:tc>
+                  <a:txBody>
+                    <a:bodyPr/>
+                    <a:lstStyle/>
+                    <a:p>
+                      <a:pPr algn="ctr"/>
+                      <a:r>
+                        <a:rPr lang="en-US">
+                          <a:latin typeface="Times New Roman" panose="02020603050405020304" pitchFamily="18" charset="0"/>
+                          <a:cs typeface="Times New Roman" panose="02020603050405020304" pitchFamily="18" charset="0"/>
+                        </a:rPr>
+                        <a:t>Phúc</a:t>
+                      </a:r>
+                    </a:p>
+                  </a:txBody>
+                  <a:tcPr/>
+                </a:tc>
+                <a:tc>
+                  <a:txBody>
+                    <a:bodyPr/>
+                    <a:lstStyle/>
+                    <a:p>
+                      <a:pPr algn="ctr"/>
+                      <a:r>
+                        <a:rPr lang="en-US">
+                          <a:latin typeface="Times New Roman" panose="02020603050405020304" pitchFamily="18" charset="0"/>
+                          <a:cs typeface="Times New Roman" panose="02020603050405020304" pitchFamily="18" charset="0"/>
+                        </a:rPr>
+                        <a:t>Hoàn thành</a:t>
+                      </a:r>
+                    </a:p>
+                  </a:txBody>
+                  <a:tcPr/>
+                </a:tc>
+                <a:extLst>
+                  <a:ext uri="{0D108BD9-81ED-4DB2-BD59-A6C34878D82A}">
+                    <a16:rowId xmlns:a16="http://schemas.microsoft.com/office/drawing/2014/main" val="3567110200"/>
+                  </a:ext>
+                </a:extLst>
+              </a:tr>
+              <a:tr h="370840">
+                <a:tc>
+                  <a:txBody>
+                    <a:bodyPr/>
+                    <a:lstStyle/>
+                    <a:p>
+                      <a:pPr algn="ctr"/>
+                      <a:r>
+                        <a:rPr lang="en-US">
+                          <a:latin typeface="Times New Roman" panose="02020603050405020304" pitchFamily="18" charset="0"/>
+                          <a:cs typeface="Times New Roman" panose="02020603050405020304" pitchFamily="18" charset="0"/>
+                        </a:rPr>
+                        <a:t>15</a:t>
+                      </a:r>
+                    </a:p>
+                  </a:txBody>
+                  <a:tcPr/>
+                </a:tc>
+                <a:tc>
+                  <a:txBody>
+                    <a:bodyPr/>
+                    <a:lstStyle/>
+                    <a:p>
+                      <a:pPr algn="just"/>
+                      <a:r>
+                        <a:rPr lang="en-US">
+                          <a:latin typeface="Times New Roman" panose="02020603050405020304" pitchFamily="18" charset="0"/>
+                          <a:cs typeface="Times New Roman" panose="02020603050405020304" pitchFamily="18" charset="0"/>
+                        </a:rPr>
+                        <a:t>Viết bản trình bày chung</a:t>
+                      </a:r>
+                    </a:p>
+                  </a:txBody>
+                  <a:tcPr/>
+                </a:tc>
+                <a:tc>
+                  <a:txBody>
+                    <a:bodyPr/>
+                    <a:lstStyle/>
+                    <a:p>
+                      <a:pPr algn="ctr"/>
+                      <a:r>
+                        <a:rPr lang="en-US">
+                          <a:latin typeface="Times New Roman" panose="02020603050405020304" pitchFamily="18" charset="0"/>
+                          <a:cs typeface="Times New Roman" panose="02020603050405020304" pitchFamily="18" charset="0"/>
+                        </a:rPr>
+                        <a:t>*</a:t>
                       </a:r>
                     </a:p>
                   </a:txBody>
@@ -15299,232 +16054,7 @@
                 </a:tc>
                 <a:extLst>
                   <a:ext uri="{0D108BD9-81ED-4DB2-BD59-A6C34878D82A}">
-                    <a16:rowId xmlns:a16="http://schemas.microsoft.com/office/drawing/2014/main" val="1193411750"/>
-                  </a:ext>
-                </a:extLst>
-              </a:tr>
-              <a:tr h="370840">
-                <a:tc>
-                  <a:txBody>
-                    <a:bodyPr/>
-                    <a:lstStyle/>
-                    <a:p>
-                      <a:pPr algn="ctr"/>
-                      <a:r>
-                        <a:rPr lang="en-US">
-                          <a:latin typeface="Times New Roman" panose="02020603050405020304" pitchFamily="18" charset="0"/>
-                          <a:cs typeface="Times New Roman" panose="02020603050405020304" pitchFamily="18" charset="0"/>
-                        </a:rPr>
-                        <a:t>12</a:t>
-                      </a:r>
-                    </a:p>
-                  </a:txBody>
-                  <a:tcPr/>
-                </a:tc>
-                <a:tc>
-                  <a:txBody>
-                    <a:bodyPr/>
-                    <a:lstStyle/>
-                    <a:p>
-                      <a:pPr algn="just"/>
-                      <a:r>
-                        <a:rPr lang="en-US">
-                          <a:latin typeface="Times New Roman" panose="02020603050405020304" pitchFamily="18" charset="0"/>
-                          <a:cs typeface="Times New Roman" panose="02020603050405020304" pitchFamily="18" charset="0"/>
-                        </a:rPr>
-                        <a:t>Định nghĩa GBFS</a:t>
-                      </a:r>
-                    </a:p>
-                  </a:txBody>
-                  <a:tcPr/>
-                </a:tc>
-                <a:tc>
-                  <a:txBody>
-                    <a:bodyPr/>
-                    <a:lstStyle/>
-                    <a:p>
-                      <a:pPr algn="ctr"/>
-                      <a:r>
-                        <a:rPr lang="en-US">
-                          <a:latin typeface="Times New Roman" panose="02020603050405020304" pitchFamily="18" charset="0"/>
-                          <a:cs typeface="Times New Roman" panose="02020603050405020304" pitchFamily="18" charset="0"/>
-                        </a:rPr>
-                        <a:t>Nghĩa</a:t>
-                      </a:r>
-                    </a:p>
-                  </a:txBody>
-                  <a:tcPr/>
-                </a:tc>
-                <a:tc>
-                  <a:txBody>
-                    <a:bodyPr/>
-                    <a:lstStyle/>
-                    <a:p>
-                      <a:pPr algn="ctr"/>
-                      <a:r>
-                        <a:rPr lang="en-US">
-                          <a:latin typeface="Times New Roman" panose="02020603050405020304" pitchFamily="18" charset="0"/>
-                          <a:cs typeface="Times New Roman" panose="02020603050405020304" pitchFamily="18" charset="0"/>
-                        </a:rPr>
-                        <a:t>Hoàn thành</a:t>
-                      </a:r>
-                    </a:p>
-                  </a:txBody>
-                  <a:tcPr/>
-                </a:tc>
-                <a:extLst>
-                  <a:ext uri="{0D108BD9-81ED-4DB2-BD59-A6C34878D82A}">
-                    <a16:rowId xmlns:a16="http://schemas.microsoft.com/office/drawing/2014/main" val="3001519422"/>
-                  </a:ext>
-                </a:extLst>
-              </a:tr>
-              <a:tr h="370840">
-                <a:tc>
-                  <a:txBody>
-                    <a:bodyPr/>
-                    <a:lstStyle/>
-                    <a:p>
-                      <a:pPr algn="ctr"/>
-                      <a:r>
-                        <a:rPr lang="en-US">
-                          <a:latin typeface="Times New Roman" panose="02020603050405020304" pitchFamily="18" charset="0"/>
-                          <a:cs typeface="Times New Roman" panose="02020603050405020304" pitchFamily="18" charset="0"/>
-                        </a:rPr>
-                        <a:t>13</a:t>
-                      </a:r>
-                    </a:p>
-                  </a:txBody>
-                  <a:tcPr/>
-                </a:tc>
-                <a:tc>
-                  <a:txBody>
-                    <a:bodyPr/>
-                    <a:lstStyle/>
-                    <a:p>
-                      <a:pPr algn="just"/>
-                      <a:r>
-                        <a:rPr lang="en-US">
-                          <a:latin typeface="Times New Roman" panose="02020603050405020304" pitchFamily="18" charset="0"/>
-                          <a:cs typeface="Times New Roman" panose="02020603050405020304" pitchFamily="18" charset="0"/>
-                        </a:rPr>
-                        <a:t>Cài đặt lớp EightQueenProblem và hill_climbing_search</a:t>
-                      </a:r>
-                    </a:p>
-                  </a:txBody>
-                  <a:tcPr/>
-                </a:tc>
-                <a:tc>
-                  <a:txBody>
-                    <a:bodyPr/>
-                    <a:lstStyle/>
-                    <a:p>
-                      <a:pPr algn="ctr"/>
-                      <a:r>
-                        <a:rPr lang="en-US">
-                          <a:latin typeface="Times New Roman" panose="02020603050405020304" pitchFamily="18" charset="0"/>
-                          <a:cs typeface="Times New Roman" panose="02020603050405020304" pitchFamily="18" charset="0"/>
-                        </a:rPr>
-                        <a:t>Nghĩa</a:t>
-                      </a:r>
-                    </a:p>
-                  </a:txBody>
-                  <a:tcPr/>
-                </a:tc>
-                <a:tc>
-                  <a:txBody>
-                    <a:bodyPr/>
-                    <a:lstStyle/>
-                    <a:p>
-                      <a:pPr algn="ctr"/>
-                      <a:r>
-                        <a:rPr lang="en-US">
-                          <a:latin typeface="Times New Roman" panose="02020603050405020304" pitchFamily="18" charset="0"/>
-                          <a:cs typeface="Times New Roman" panose="02020603050405020304" pitchFamily="18" charset="0"/>
-                        </a:rPr>
-                        <a:t>Hoàn thành</a:t>
-                      </a:r>
-                    </a:p>
-                  </a:txBody>
-                  <a:tcPr/>
-                </a:tc>
-                <a:extLst>
-                  <a:ext uri="{0D108BD9-81ED-4DB2-BD59-A6C34878D82A}">
-                    <a16:rowId xmlns:a16="http://schemas.microsoft.com/office/drawing/2014/main" val="3273639930"/>
-                  </a:ext>
-                </a:extLst>
-              </a:tr>
-              <a:tr h="370840">
-                <a:tc>
-                  <a:txBody>
-                    <a:bodyPr/>
-                    <a:lstStyle/>
-                    <a:p>
-                      <a:pPr algn="ctr"/>
-                      <a:r>
-                        <a:rPr lang="en-US">
-                          <a:latin typeface="Times New Roman" panose="02020603050405020304" pitchFamily="18" charset="0"/>
-                          <a:cs typeface="Times New Roman" panose="02020603050405020304" pitchFamily="18" charset="0"/>
-                        </a:rPr>
-                        <a:t>14</a:t>
-                      </a:r>
-                    </a:p>
-                  </a:txBody>
-                  <a:tcPr/>
-                </a:tc>
-                <a:tc>
-                  <a:txBody>
-                    <a:bodyPr/>
-                    <a:lstStyle/>
-                    <a:p>
-                      <a:pPr algn="just"/>
-                      <a:r>
-                        <a:rPr lang="en-US">
-                          <a:latin typeface="Times New Roman" panose="02020603050405020304" pitchFamily="18" charset="0"/>
-                          <a:cs typeface="Times New Roman" panose="02020603050405020304" pitchFamily="18" charset="0"/>
-                        </a:rPr>
-                        <a:t>Viết nội dung</a:t>
-                      </a:r>
-                    </a:p>
-                  </a:txBody>
-                  <a:tcPr/>
-                </a:tc>
-                <a:tc>
-                  <a:txBody>
-                    <a:bodyPr/>
-                    <a:lstStyle/>
-                    <a:p>
-                      <a:pPr algn="ctr"/>
-                      <a:r>
-                        <a:rPr lang="en-US">
-                          <a:latin typeface="Times New Roman" panose="02020603050405020304" pitchFamily="18" charset="0"/>
-                          <a:cs typeface="Times New Roman" panose="02020603050405020304" pitchFamily="18" charset="0"/>
-                        </a:rPr>
-                        <a:t>*</a:t>
-                      </a:r>
-                    </a:p>
-                  </a:txBody>
-                  <a:tcPr/>
-                </a:tc>
-                <a:tc>
-                  <a:txBody>
-                    <a:bodyPr/>
-                    <a:lstStyle/>
-                    <a:p>
-                      <a:pPr algn="ctr"/>
-                      <a:r>
-                        <a:rPr lang="en-US">
-                          <a:latin typeface="Times New Roman" panose="02020603050405020304" pitchFamily="18" charset="0"/>
-                          <a:cs typeface="Times New Roman" panose="02020603050405020304" pitchFamily="18" charset="0"/>
-                        </a:rPr>
-                        <a:t>*</a:t>
-                      </a:r>
-                    </a:p>
-                  </a:txBody>
-                  <a:tcPr/>
-                </a:tc>
-                <a:extLst>
-                  <a:ext uri="{0D108BD9-81ED-4DB2-BD59-A6C34878D82A}">
-                    <a16:rowId xmlns:a16="http://schemas.microsoft.com/office/drawing/2014/main" val="984740882"/>
+                    <a16:rowId xmlns:a16="http://schemas.microsoft.com/office/drawing/2014/main" val="312531077"/>
                   </a:ext>
                 </a:extLst>
               </a:tr>
@@ -15600,7 +16130,7 @@
           <a:p>
             <a:r>
               <a:rPr lang="en-US"/>
-              <a:t>Trang 1</a:t>
+              <a:t>Trang 3</a:t>
             </a:r>
           </a:p>
         </p:txBody>
@@ -15770,7 +16300,7 @@
           <p:nvPr>
             <p:extLst>
               <p:ext uri="{D42A27DB-BD31-4B8C-83A1-F6EECF244321}">
-                <p14:modId xmlns:p14="http://schemas.microsoft.com/office/powerpoint/2010/main" val="779717801"/>
+                <p14:modId xmlns:p14="http://schemas.microsoft.com/office/powerpoint/2010/main" val="3417472864"/>
               </p:ext>
             </p:extLst>
           </p:nvPr>
@@ -15900,13 +16430,12 @@
                     <a:p>
                       <a:pPr algn="ctr"/>
                       <a:r>
-                        <a:rPr lang="en-US"/>
+                        <a:rPr lang="en-US">
+                          <a:latin typeface="Times New Roman" panose="02020603050405020304" pitchFamily="18" charset="0"/>
+                          <a:cs typeface="Times New Roman" panose="02020603050405020304" pitchFamily="18" charset="0"/>
+                        </a:rPr>
                         <a:t>1</a:t>
                       </a:r>
-                      <a:endParaRPr lang="en-US">
-                        <a:latin typeface="Times New Roman" panose="02020603050405020304" pitchFamily="18" charset="0"/>
-                        <a:cs typeface="Times New Roman" panose="02020603050405020304" pitchFamily="18" charset="0"/>
-                      </a:endParaRPr>
                     </a:p>
                   </a:txBody>
                   <a:tcPr/>
@@ -15917,23 +16446,38 @@
                     <a:lstStyle/>
                     <a:p>
                       <a:r>
-                        <a:rPr lang="en-US" err="1"/>
+                        <a:rPr lang="en-US" err="1">
+                          <a:latin typeface="Times New Roman" panose="02020603050405020304" pitchFamily="18" charset="0"/>
+                          <a:cs typeface="Times New Roman" panose="02020603050405020304" pitchFamily="18" charset="0"/>
+                        </a:rPr>
                         <a:t>Võ</a:t>
                       </a:r>
                       <a:r>
-                        <a:rPr lang="en-US"/>
+                        <a:rPr lang="en-US">
+                          <a:latin typeface="Times New Roman" panose="02020603050405020304" pitchFamily="18" charset="0"/>
+                          <a:cs typeface="Times New Roman" panose="02020603050405020304" pitchFamily="18" charset="0"/>
+                        </a:rPr>
                         <a:t> </a:t>
                       </a:r>
                       <a:r>
-                        <a:rPr lang="en-US" err="1"/>
+                        <a:rPr lang="en-US" err="1">
+                          <a:latin typeface="Times New Roman" panose="02020603050405020304" pitchFamily="18" charset="0"/>
+                          <a:cs typeface="Times New Roman" panose="02020603050405020304" pitchFamily="18" charset="0"/>
+                        </a:rPr>
                         <a:t>Phước</a:t>
                       </a:r>
                       <a:r>
-                        <a:rPr lang="en-US"/>
+                        <a:rPr lang="en-US">
+                          <a:latin typeface="Times New Roman" panose="02020603050405020304" pitchFamily="18" charset="0"/>
+                          <a:cs typeface="Times New Roman" panose="02020603050405020304" pitchFamily="18" charset="0"/>
+                        </a:rPr>
                         <a:t> </a:t>
                       </a:r>
                       <a:r>
-                        <a:rPr lang="en-US" err="1"/>
+                        <a:rPr lang="en-US" err="1">
+                          <a:latin typeface="Times New Roman" panose="02020603050405020304" pitchFamily="18" charset="0"/>
+                          <a:cs typeface="Times New Roman" panose="02020603050405020304" pitchFamily="18" charset="0"/>
+                        </a:rPr>
                         <a:t>Thịnh</a:t>
                       </a:r>
                       <a:endParaRPr lang="en-US">
@@ -15951,13 +16495,12 @@
                     <a:p>
                       <a:pPr algn="ctr"/>
                       <a:r>
-                        <a:rPr lang="en-US"/>
+                        <a:rPr lang="en-US">
+                          <a:latin typeface="Times New Roman" panose="02020603050405020304" pitchFamily="18" charset="0"/>
+                          <a:cs typeface="Times New Roman" panose="02020603050405020304" pitchFamily="18" charset="0"/>
+                        </a:rPr>
                         <a:t>52000807</a:t>
                       </a:r>
-                      <a:endParaRPr lang="en-US">
-                        <a:latin typeface="Times New Roman" panose="02020603050405020304" pitchFamily="18" charset="0"/>
-                        <a:cs typeface="Times New Roman" panose="02020603050405020304" pitchFamily="18" charset="0"/>
-                      </a:endParaRPr>
                     </a:p>
                   </a:txBody>
                   <a:tcPr/>
@@ -15993,13 +16536,12 @@
                     <a:p>
                       <a:pPr algn="ctr"/>
                       <a:r>
-                        <a:rPr lang="en-US"/>
+                        <a:rPr lang="en-US">
+                          <a:latin typeface="Times New Roman" panose="02020603050405020304" pitchFamily="18" charset="0"/>
+                          <a:cs typeface="Times New Roman" panose="02020603050405020304" pitchFamily="18" charset="0"/>
+                        </a:rPr>
                         <a:t>2</a:t>
                       </a:r>
-                      <a:endParaRPr lang="en-US">
-                        <a:latin typeface="Times New Roman" panose="02020603050405020304" pitchFamily="18" charset="0"/>
-                        <a:cs typeface="Times New Roman" panose="02020603050405020304" pitchFamily="18" charset="0"/>
-                      </a:endParaRPr>
                     </a:p>
                   </a:txBody>
                   <a:tcPr/>
@@ -16010,15 +16552,24 @@
                     <a:lstStyle/>
                     <a:p>
                       <a:r>
-                        <a:rPr lang="en-US" err="1"/>
+                        <a:rPr lang="en-US" err="1">
+                          <a:latin typeface="Times New Roman" panose="02020603050405020304" pitchFamily="18" charset="0"/>
+                          <a:cs typeface="Times New Roman" panose="02020603050405020304" pitchFamily="18" charset="0"/>
+                        </a:rPr>
                         <a:t>Nguyễn</a:t>
                       </a:r>
                       <a:r>
-                        <a:rPr lang="en-US"/>
+                        <a:rPr lang="en-US">
+                          <a:latin typeface="Times New Roman" panose="02020603050405020304" pitchFamily="18" charset="0"/>
+                          <a:cs typeface="Times New Roman" panose="02020603050405020304" pitchFamily="18" charset="0"/>
+                        </a:rPr>
                         <a:t> Trung </a:t>
                       </a:r>
                       <a:r>
-                        <a:rPr lang="en-US" err="1"/>
+                        <a:rPr lang="en-US" err="1">
+                          <a:latin typeface="Times New Roman" panose="02020603050405020304" pitchFamily="18" charset="0"/>
+                          <a:cs typeface="Times New Roman" panose="02020603050405020304" pitchFamily="18" charset="0"/>
+                        </a:rPr>
                         <a:t>Nghĩa</a:t>
                       </a:r>
                       <a:endParaRPr lang="en-US">
@@ -16036,13 +16587,12 @@
                     <a:p>
                       <a:pPr algn="ctr"/>
                       <a:r>
-                        <a:rPr lang="en-US"/>
+                        <a:rPr lang="en-US">
+                          <a:latin typeface="Times New Roman" panose="02020603050405020304" pitchFamily="18" charset="0"/>
+                          <a:cs typeface="Times New Roman" panose="02020603050405020304" pitchFamily="18" charset="0"/>
+                        </a:rPr>
                         <a:t>52000693</a:t>
                       </a:r>
-                      <a:endParaRPr lang="en-US">
-                        <a:latin typeface="Times New Roman" panose="02020603050405020304" pitchFamily="18" charset="0"/>
-                        <a:cs typeface="Times New Roman" panose="02020603050405020304" pitchFamily="18" charset="0"/>
-                      </a:endParaRPr>
                     </a:p>
                   </a:txBody>
                   <a:tcPr/>
@@ -16078,13 +16628,12 @@
                     <a:p>
                       <a:pPr algn="ctr"/>
                       <a:r>
-                        <a:rPr lang="en-US"/>
+                        <a:rPr lang="en-US">
+                          <a:latin typeface="Times New Roman" panose="02020603050405020304" pitchFamily="18" charset="0"/>
+                          <a:cs typeface="Times New Roman" panose="02020603050405020304" pitchFamily="18" charset="0"/>
+                        </a:rPr>
                         <a:t>3</a:t>
                       </a:r>
-                      <a:endParaRPr lang="en-US">
-                        <a:latin typeface="Times New Roman" panose="02020603050405020304" pitchFamily="18" charset="0"/>
-                        <a:cs typeface="Times New Roman" panose="02020603050405020304" pitchFamily="18" charset="0"/>
-                      </a:endParaRPr>
                     </a:p>
                   </a:txBody>
                   <a:tcPr/>
@@ -16095,23 +16644,38 @@
                     <a:lstStyle/>
                     <a:p>
                       <a:r>
-                        <a:rPr lang="en-US" err="1"/>
+                        <a:rPr lang="en-US" err="1">
+                          <a:latin typeface="Times New Roman" panose="02020603050405020304" pitchFamily="18" charset="0"/>
+                          <a:cs typeface="Times New Roman" panose="02020603050405020304" pitchFamily="18" charset="0"/>
+                        </a:rPr>
                         <a:t>Hồ</a:t>
                       </a:r>
                       <a:r>
-                        <a:rPr lang="en-US"/>
+                        <a:rPr lang="en-US">
+                          <a:latin typeface="Times New Roman" panose="02020603050405020304" pitchFamily="18" charset="0"/>
+                          <a:cs typeface="Times New Roman" panose="02020603050405020304" pitchFamily="18" charset="0"/>
+                        </a:rPr>
                         <a:t> </a:t>
                       </a:r>
                       <a:r>
-                        <a:rPr lang="en-US" err="1"/>
+                        <a:rPr lang="en-US" err="1">
+                          <a:latin typeface="Times New Roman" panose="02020603050405020304" pitchFamily="18" charset="0"/>
+                          <a:cs typeface="Times New Roman" panose="02020603050405020304" pitchFamily="18" charset="0"/>
+                        </a:rPr>
                         <a:t>Thịnh</a:t>
                       </a:r>
                       <a:r>
-                        <a:rPr lang="en-US"/>
+                        <a:rPr lang="en-US">
+                          <a:latin typeface="Times New Roman" panose="02020603050405020304" pitchFamily="18" charset="0"/>
+                          <a:cs typeface="Times New Roman" panose="02020603050405020304" pitchFamily="18" charset="0"/>
+                        </a:rPr>
                         <a:t> </a:t>
                       </a:r>
                       <a:r>
-                        <a:rPr lang="en-US" err="1"/>
+                        <a:rPr lang="en-US" err="1">
+                          <a:latin typeface="Times New Roman" panose="02020603050405020304" pitchFamily="18" charset="0"/>
+                          <a:cs typeface="Times New Roman" panose="02020603050405020304" pitchFamily="18" charset="0"/>
+                        </a:rPr>
                         <a:t>Phát</a:t>
                       </a:r>
                       <a:endParaRPr lang="en-US">
@@ -16129,13 +16693,12 @@
                     <a:p>
                       <a:pPr algn="ctr"/>
                       <a:r>
-                        <a:rPr lang="en-US"/>
+                        <a:rPr lang="en-US">
+                          <a:latin typeface="Times New Roman" panose="02020603050405020304" pitchFamily="18" charset="0"/>
+                          <a:cs typeface="Times New Roman" panose="02020603050405020304" pitchFamily="18" charset="0"/>
+                        </a:rPr>
                         <a:t>52000821</a:t>
                       </a:r>
-                      <a:endParaRPr lang="en-US">
-                        <a:latin typeface="Times New Roman" panose="02020603050405020304" pitchFamily="18" charset="0"/>
-                        <a:cs typeface="Times New Roman" panose="02020603050405020304" pitchFamily="18" charset="0"/>
-                      </a:endParaRPr>
                     </a:p>
                   </a:txBody>
                   <a:tcPr/>
@@ -16187,23 +16750,38 @@
                     <a:lstStyle/>
                     <a:p>
                       <a:r>
-                        <a:rPr lang="en-US" err="1"/>
+                        <a:rPr lang="en-US" err="1">
+                          <a:latin typeface="Times New Roman" panose="02020603050405020304" pitchFamily="18" charset="0"/>
+                          <a:cs typeface="Times New Roman" panose="02020603050405020304" pitchFamily="18" charset="0"/>
+                        </a:rPr>
                         <a:t>Trần</a:t>
                       </a:r>
                       <a:r>
-                        <a:rPr lang="en-US"/>
+                        <a:rPr lang="en-US">
+                          <a:latin typeface="Times New Roman" panose="02020603050405020304" pitchFamily="18" charset="0"/>
+                          <a:cs typeface="Times New Roman" panose="02020603050405020304" pitchFamily="18" charset="0"/>
+                        </a:rPr>
                         <a:t> </a:t>
                       </a:r>
                       <a:r>
-                        <a:rPr lang="en-US" err="1"/>
+                        <a:rPr lang="en-US" err="1">
+                          <a:latin typeface="Times New Roman" panose="02020603050405020304" pitchFamily="18" charset="0"/>
+                          <a:cs typeface="Times New Roman" panose="02020603050405020304" pitchFamily="18" charset="0"/>
+                        </a:rPr>
                         <a:t>Đình</a:t>
                       </a:r>
                       <a:r>
-                        <a:rPr lang="en-US"/>
+                        <a:rPr lang="en-US">
+                          <a:latin typeface="Times New Roman" panose="02020603050405020304" pitchFamily="18" charset="0"/>
+                          <a:cs typeface="Times New Roman" panose="02020603050405020304" pitchFamily="18" charset="0"/>
+                        </a:rPr>
                         <a:t> </a:t>
                       </a:r>
                       <a:r>
-                        <a:rPr lang="en-US" err="1"/>
+                        <a:rPr lang="en-US" err="1">
+                          <a:latin typeface="Times New Roman" panose="02020603050405020304" pitchFamily="18" charset="0"/>
+                          <a:cs typeface="Times New Roman" panose="02020603050405020304" pitchFamily="18" charset="0"/>
+                        </a:rPr>
                         <a:t>Phúc</a:t>
                       </a:r>
                       <a:endParaRPr lang="en-US">
@@ -16221,13 +16799,12 @@
                     <a:p>
                       <a:pPr algn="ctr"/>
                       <a:r>
-                        <a:rPr lang="en-US"/>
+                        <a:rPr lang="en-US">
+                          <a:latin typeface="Times New Roman" panose="02020603050405020304" pitchFamily="18" charset="0"/>
+                          <a:cs typeface="Times New Roman" panose="02020603050405020304" pitchFamily="18" charset="0"/>
+                        </a:rPr>
                         <a:t>52000109</a:t>
                       </a:r>
-                      <a:endParaRPr lang="en-US">
-                        <a:latin typeface="Times New Roman" panose="02020603050405020304" pitchFamily="18" charset="0"/>
-                        <a:cs typeface="Times New Roman" panose="02020603050405020304" pitchFamily="18" charset="0"/>
-                      </a:endParaRPr>
                     </a:p>
                   </a:txBody>
                   <a:tcPr/>
@@ -16327,7 +16904,7 @@
           <a:p>
             <a:r>
               <a:rPr lang="en-US"/>
-              <a:t>Trang 1</a:t>
+              <a:t>Trang 4</a:t>
             </a:r>
           </a:p>
         </p:txBody>
@@ -16585,7 +17162,7 @@
           <a:p>
             <a:r>
               <a:rPr lang="en-US"/>
-              <a:t>Trang 1</a:t>
+              <a:t>Trang 5</a:t>
             </a:r>
           </a:p>
         </p:txBody>
@@ -16873,7 +17450,7 @@
           <a:p>
             <a:r>
               <a:rPr lang="en-US"/>
-              <a:t>Trang 1</a:t>
+              <a:t>Trang 6</a:t>
             </a:r>
           </a:p>
         </p:txBody>
@@ -17243,7 +17820,7 @@
           <a:p>
             <a:r>
               <a:rPr lang="en-US"/>
-              <a:t>Trang 1</a:t>
+              <a:t>Trang 7</a:t>
             </a:r>
           </a:p>
         </p:txBody>
@@ -17611,7 +18188,7 @@
           <a:p>
             <a:r>
               <a:rPr lang="en-US"/>
-              <a:t>Trang 1</a:t>
+              <a:t>Trang 8</a:t>
             </a:r>
           </a:p>
         </p:txBody>
@@ -17979,7 +18556,7 @@
           <a:p>
             <a:r>
               <a:rPr lang="en-US"/>
-              <a:t>Trang 1</a:t>
+              <a:t>Trang 9</a:t>
             </a:r>
           </a:p>
         </p:txBody>

--- a/present/presentation.pptx
+++ b/present/presentation.pptx
@@ -143,7 +143,7 @@
 <file path=ppt/revisionInfo.xml><?xml version="1.0" encoding="utf-8"?>
 <p1510:revInfo xmlns:a="http://schemas.openxmlformats.org/drawingml/2006/main" xmlns:r="http://schemas.openxmlformats.org/officeDocument/2006/relationships" xmlns:p1510="http://schemas.microsoft.com/office/powerpoint/2015/10/main">
   <p1510:revLst>
-    <p1510:client id="{FA98E611-7EE5-4D53-A8F6-A8478DA16B0D}" v="133" dt="2023-03-19T19:40:41.460"/>
+    <p1510:client id="{FA98E611-7EE5-4D53-A8F6-A8478DA16B0D}" v="135" dt="2023-03-19T20:04:32.817"/>
   </p1510:revLst>
 </p1510:revInfo>
 </file>
@@ -153,7 +153,7 @@
   <pc:docChgLst>
     <pc:chgData name="Trung Nghia Nguyen" userId="caf0b1f78d203fdc" providerId="LiveId" clId="{FA98E611-7EE5-4D53-A8F6-A8478DA16B0D}"/>
     <pc:docChg chg="undo custSel addSld delSld modSld sldOrd modMainMaster">
-      <pc:chgData name="Trung Nghia Nguyen" userId="caf0b1f78d203fdc" providerId="LiveId" clId="{FA98E611-7EE5-4D53-A8F6-A8478DA16B0D}" dt="2023-03-19T19:43:46.776" v="4606" actId="20577"/>
+      <pc:chgData name="Trung Nghia Nguyen" userId="caf0b1f78d203fdc" providerId="LiveId" clId="{FA98E611-7EE5-4D53-A8F6-A8478DA16B0D}" dt="2023-03-19T20:07:36.464" v="4782" actId="1076"/>
       <pc:docMkLst>
         <pc:docMk/>
       </pc:docMkLst>
@@ -277,7 +277,7 @@
         </pc:cxnChg>
       </pc:sldChg>
       <pc:sldChg chg="addSp modSp add mod ord">
-        <pc:chgData name="Trung Nghia Nguyen" userId="caf0b1f78d203fdc" providerId="LiveId" clId="{FA98E611-7EE5-4D53-A8F6-A8478DA16B0D}" dt="2023-03-18T17:27:14.749" v="3332" actId="20577"/>
+        <pc:chgData name="Trung Nghia Nguyen" userId="caf0b1f78d203fdc" providerId="LiveId" clId="{FA98E611-7EE5-4D53-A8F6-A8478DA16B0D}" dt="2023-03-19T20:01:49.324" v="4626" actId="14100"/>
         <pc:sldMkLst>
           <pc:docMk/>
           <pc:sldMk cId="502051408" sldId="257"/>
@@ -288,6 +288,14 @@
             <pc:docMk/>
             <pc:sldMk cId="502051408" sldId="257"/>
             <ac:spMk id="4" creationId="{A7C6B5DE-252A-6692-B1E6-C658AB98BEE6}"/>
+          </ac:spMkLst>
+        </pc:spChg>
+        <pc:spChg chg="mod">
+          <ac:chgData name="Trung Nghia Nguyen" userId="caf0b1f78d203fdc" providerId="LiveId" clId="{FA98E611-7EE5-4D53-A8F6-A8478DA16B0D}" dt="2023-03-19T20:01:49.324" v="4626" actId="14100"/>
+          <ac:spMkLst>
+            <pc:docMk/>
+            <pc:sldMk cId="502051408" sldId="257"/>
+            <ac:spMk id="14" creationId="{63B4AB36-B54A-EA5C-2A74-F2C80BE0CBC4}"/>
           </ac:spMkLst>
         </pc:spChg>
         <pc:graphicFrameChg chg="mod modGraphic">
@@ -308,7 +316,7 @@
         </pc:cxnChg>
       </pc:sldChg>
       <pc:sldChg chg="addSp delSp modSp add mod">
-        <pc:chgData name="Trung Nghia Nguyen" userId="caf0b1f78d203fdc" providerId="LiveId" clId="{FA98E611-7EE5-4D53-A8F6-A8478DA16B0D}" dt="2023-03-19T19:41:48.869" v="4561" actId="20577"/>
+        <pc:chgData name="Trung Nghia Nguyen" userId="caf0b1f78d203fdc" providerId="LiveId" clId="{FA98E611-7EE5-4D53-A8F6-A8478DA16B0D}" dt="2023-03-19T20:07:36.464" v="4782" actId="1076"/>
         <pc:sldMkLst>
           <pc:docMk/>
           <pc:sldMk cId="3011248427" sldId="258"/>
@@ -319,6 +327,14 @@
             <pc:docMk/>
             <pc:sldMk cId="3011248427" sldId="258"/>
             <ac:spMk id="3" creationId="{00103708-BF71-4028-9F2C-BCD6FC6E2BB3}"/>
+          </ac:spMkLst>
+        </pc:spChg>
+        <pc:spChg chg="add mod">
+          <ac:chgData name="Trung Nghia Nguyen" userId="caf0b1f78d203fdc" providerId="LiveId" clId="{FA98E611-7EE5-4D53-A8F6-A8478DA16B0D}" dt="2023-03-19T20:07:36.464" v="4782" actId="1076"/>
+          <ac:spMkLst>
+            <pc:docMk/>
+            <pc:sldMk cId="3011248427" sldId="258"/>
+            <ac:spMk id="3" creationId="{56C3DF9C-2FEB-EE52-21A1-DBBB2454EA38}"/>
           </ac:spMkLst>
         </pc:spChg>
         <pc:spChg chg="add mod">
@@ -6274,7 +6290,7 @@
         <p:spPr>
           <a:xfrm>
             <a:off x="1390650" y="236792"/>
-            <a:ext cx="6362700" cy="369332"/>
+            <a:ext cx="6828902" cy="369332"/>
           </a:xfrm>
           <a:prstGeom prst="rect">
             <a:avLst/>
@@ -6313,15 +6329,7 @@
             </a:r>
             <a:r>
               <a:rPr lang="en-US" b="1"/>
-              <a:t> TIN – </a:t>
-            </a:r>
-            <a:r>
-              <a:rPr lang="en-US" b="1" err="1"/>
-              <a:t>ĐẠI</a:t>
-            </a:r>
-            <a:r>
-              <a:rPr lang="en-US" b="1"/>
-              <a:t> </a:t>
+              <a:t> TIN – TRƯỜNG ĐẠI </a:t>
             </a:r>
             <a:r>
               <a:rPr lang="en-US" b="1" err="1"/>
@@ -16906,6 +16914,56 @@
               <a:rPr lang="en-US"/>
               <a:t>Trang 4</a:t>
             </a:r>
+          </a:p>
+        </p:txBody>
+      </p:sp>
+      <p:sp>
+        <p:nvSpPr>
+          <p:cNvPr id="3" name="TextBox 2">
+            <a:extLst>
+              <a:ext uri="{FF2B5EF4-FFF2-40B4-BE49-F238E27FC236}">
+                <a16:creationId xmlns:a16="http://schemas.microsoft.com/office/drawing/2014/main" id="{56C3DF9C-2FEB-EE52-21A1-DBBB2454EA38}"/>
+              </a:ext>
+            </a:extLst>
+          </p:cNvPr>
+          <p:cNvSpPr txBox="1"/>
+          <p:nvPr/>
+        </p:nvSpPr>
+        <p:spPr>
+          <a:xfrm>
+            <a:off x="1000124" y="5592544"/>
+            <a:ext cx="7143752" cy="646331"/>
+          </a:xfrm>
+          <a:prstGeom prst="rect">
+            <a:avLst/>
+          </a:prstGeom>
+          <a:noFill/>
+        </p:spPr>
+        <p:txBody>
+          <a:bodyPr wrap="square" rtlCol="0">
+            <a:spAutoFit/>
+          </a:bodyPr>
+          <a:lstStyle/>
+          <a:p>
+            <a:pPr algn="just"/>
+            <a:r>
+              <a:rPr lang="en-US" i="1"/>
+              <a:t>Workspace: </a:t>
+            </a:r>
+            <a:r>
+              <a:rPr lang="en-US" i="1">
+                <a:hlinkClick r:id="rId3"/>
+              </a:rPr>
+              <a:t>https://github.com/trngbro/AI</a:t>
+            </a:r>
+            <a:r>
+              <a:rPr lang="en-US" i="1"/>
+              <a:t> (Private during deadline time)</a:t>
+            </a:r>
+            <a:br>
+              <a:rPr lang="en-US" i="1"/>
+            </a:br>
+            <a:endParaRPr lang="en-US" i="1"/>
           </a:p>
         </p:txBody>
       </p:sp>

--- a/present/presentation.pptx
+++ b/present/presentation.pptx
@@ -143,7 +143,7 @@
 <file path=ppt/revisionInfo.xml><?xml version="1.0" encoding="utf-8"?>
 <p1510:revInfo xmlns:a="http://schemas.openxmlformats.org/drawingml/2006/main" xmlns:r="http://schemas.openxmlformats.org/officeDocument/2006/relationships" xmlns:p1510="http://schemas.microsoft.com/office/powerpoint/2015/10/main">
   <p1510:revLst>
-    <p1510:client id="{FA98E611-7EE5-4D53-A8F6-A8478DA16B0D}" v="135" dt="2023-03-19T20:04:32.817"/>
+    <p1510:client id="{FA98E611-7EE5-4D53-A8F6-A8478DA16B0D}" v="155" dt="2023-03-20T07:02:18.846"/>
   </p1510:revLst>
 </p1510:revInfo>
 </file>
@@ -153,12 +153,12 @@
   <pc:docChgLst>
     <pc:chgData name="Trung Nghia Nguyen" userId="caf0b1f78d203fdc" providerId="LiveId" clId="{FA98E611-7EE5-4D53-A8F6-A8478DA16B0D}"/>
     <pc:docChg chg="undo custSel addSld delSld modSld sldOrd modMainMaster">
-      <pc:chgData name="Trung Nghia Nguyen" userId="caf0b1f78d203fdc" providerId="LiveId" clId="{FA98E611-7EE5-4D53-A8F6-A8478DA16B0D}" dt="2023-03-19T20:07:36.464" v="4782" actId="1076"/>
+      <pc:chgData name="Trung Nghia Nguyen" userId="caf0b1f78d203fdc" providerId="LiveId" clId="{FA98E611-7EE5-4D53-A8F6-A8478DA16B0D}" dt="2023-03-20T07:03:02.489" v="5743" actId="5793"/>
       <pc:docMkLst>
         <pc:docMk/>
       </pc:docMkLst>
       <pc:sldChg chg="addSp delSp modSp new mod">
-        <pc:chgData name="Trung Nghia Nguyen" userId="caf0b1f78d203fdc" providerId="LiveId" clId="{FA98E611-7EE5-4D53-A8F6-A8478DA16B0D}" dt="2023-03-19T19:41:39.395" v="4557" actId="20577"/>
+        <pc:chgData name="Trung Nghia Nguyen" userId="caf0b1f78d203fdc" providerId="LiveId" clId="{FA98E611-7EE5-4D53-A8F6-A8478DA16B0D}" dt="2023-03-20T02:03:15.660" v="4804" actId="20577"/>
         <pc:sldMkLst>
           <pc:docMk/>
           <pc:sldMk cId="779292092" sldId="256"/>
@@ -244,7 +244,7 @@
           </ac:spMkLst>
         </pc:spChg>
         <pc:graphicFrameChg chg="add mod modGraphic">
-          <ac:chgData name="Trung Nghia Nguyen" userId="caf0b1f78d203fdc" providerId="LiveId" clId="{FA98E611-7EE5-4D53-A8F6-A8478DA16B0D}" dt="2023-03-19T19:19:32.213" v="3845" actId="20577"/>
+          <ac:chgData name="Trung Nghia Nguyen" userId="caf0b1f78d203fdc" providerId="LiveId" clId="{FA98E611-7EE5-4D53-A8F6-A8478DA16B0D}" dt="2023-03-20T02:03:15.660" v="4804" actId="20577"/>
           <ac:graphicFrameMkLst>
             <pc:docMk/>
             <pc:sldMk cId="779292092" sldId="256"/>
@@ -277,7 +277,7 @@
         </pc:cxnChg>
       </pc:sldChg>
       <pc:sldChg chg="addSp modSp add mod ord">
-        <pc:chgData name="Trung Nghia Nguyen" userId="caf0b1f78d203fdc" providerId="LiveId" clId="{FA98E611-7EE5-4D53-A8F6-A8478DA16B0D}" dt="2023-03-19T20:01:49.324" v="4626" actId="14100"/>
+        <pc:chgData name="Trung Nghia Nguyen" userId="caf0b1f78d203fdc" providerId="LiveId" clId="{FA98E611-7EE5-4D53-A8F6-A8478DA16B0D}" dt="2023-03-20T02:02:08.352" v="4784" actId="20577"/>
         <pc:sldMkLst>
           <pc:docMk/>
           <pc:sldMk cId="502051408" sldId="257"/>
@@ -299,7 +299,7 @@
           </ac:spMkLst>
         </pc:spChg>
         <pc:graphicFrameChg chg="mod modGraphic">
-          <ac:chgData name="Trung Nghia Nguyen" userId="caf0b1f78d203fdc" providerId="LiveId" clId="{FA98E611-7EE5-4D53-A8F6-A8478DA16B0D}" dt="2023-03-18T17:27:14.749" v="3332" actId="20577"/>
+          <ac:chgData name="Trung Nghia Nguyen" userId="caf0b1f78d203fdc" providerId="LiveId" clId="{FA98E611-7EE5-4D53-A8F6-A8478DA16B0D}" dt="2023-03-20T02:02:08.352" v="4784" actId="20577"/>
           <ac:graphicFrameMkLst>
             <pc:docMk/>
             <pc:sldMk cId="502051408" sldId="257"/>
@@ -371,7 +371,7 @@
         </pc:cxnChg>
       </pc:sldChg>
       <pc:sldChg chg="addSp delSp modSp add mod">
-        <pc:chgData name="Trung Nghia Nguyen" userId="caf0b1f78d203fdc" providerId="LiveId" clId="{FA98E611-7EE5-4D53-A8F6-A8478DA16B0D}" dt="2023-03-19T19:41:52.701" v="4563" actId="20577"/>
+        <pc:chgData name="Trung Nghia Nguyen" userId="caf0b1f78d203fdc" providerId="LiveId" clId="{FA98E611-7EE5-4D53-A8F6-A8478DA16B0D}" dt="2023-03-20T06:30:07.305" v="4932" actId="1076"/>
         <pc:sldMkLst>
           <pc:docMk/>
           <pc:sldMk cId="4019893558" sldId="259"/>
@@ -400,6 +400,14 @@
             <ac:spMk id="5" creationId="{38B62299-A944-8252-B1CB-882A15417931}"/>
           </ac:spMkLst>
         </pc:spChg>
+        <pc:spChg chg="add mod">
+          <ac:chgData name="Trung Nghia Nguyen" userId="caf0b1f78d203fdc" providerId="LiveId" clId="{FA98E611-7EE5-4D53-A8F6-A8478DA16B0D}" dt="2023-03-20T06:30:07.305" v="4932" actId="1076"/>
+          <ac:spMkLst>
+            <pc:docMk/>
+            <pc:sldMk cId="4019893558" sldId="259"/>
+            <ac:spMk id="8" creationId="{734BE0A0-109F-5738-2B5A-12B232A6A7ED}"/>
+          </ac:spMkLst>
+        </pc:spChg>
         <pc:spChg chg="mod">
           <ac:chgData name="Trung Nghia Nguyen" userId="caf0b1f78d203fdc" providerId="LiveId" clId="{FA98E611-7EE5-4D53-A8F6-A8478DA16B0D}" dt="2023-03-16T06:05:39.139" v="1113" actId="20577"/>
           <ac:spMkLst>
@@ -416,8 +424,16 @@
             <ac:graphicFrameMk id="16" creationId="{A794B221-780B-3E0D-DCDE-B4B669AD1AE3}"/>
           </ac:graphicFrameMkLst>
         </pc:graphicFrameChg>
-        <pc:picChg chg="add mod">
-          <ac:chgData name="Trung Nghia Nguyen" userId="caf0b1f78d203fdc" providerId="LiveId" clId="{FA98E611-7EE5-4D53-A8F6-A8478DA16B0D}" dt="2023-03-17T06:11:13.488" v="3083" actId="1076"/>
+        <pc:picChg chg="add">
+          <ac:chgData name="Trung Nghia Nguyen" userId="caf0b1f78d203fdc" providerId="LiveId" clId="{FA98E611-7EE5-4D53-A8F6-A8478DA16B0D}" dt="2023-03-20T06:29:17.630" v="4858" actId="22"/>
+          <ac:picMkLst>
+            <pc:docMk/>
+            <pc:sldMk cId="4019893558" sldId="259"/>
+            <ac:picMk id="6" creationId="{43B774FE-5094-7AB3-83D9-57A0DF7FF1F6}"/>
+          </ac:picMkLst>
+        </pc:picChg>
+        <pc:picChg chg="add del mod">
+          <ac:chgData name="Trung Nghia Nguyen" userId="caf0b1f78d203fdc" providerId="LiveId" clId="{FA98E611-7EE5-4D53-A8F6-A8478DA16B0D}" dt="2023-03-20T06:29:17.174" v="4857" actId="478"/>
           <ac:picMkLst>
             <pc:docMk/>
             <pc:sldMk cId="4019893558" sldId="259"/>
@@ -434,7 +450,7 @@
         </pc:cxnChg>
       </pc:sldChg>
       <pc:sldChg chg="addSp delSp modSp add mod">
-        <pc:chgData name="Trung Nghia Nguyen" userId="caf0b1f78d203fdc" providerId="LiveId" clId="{FA98E611-7EE5-4D53-A8F6-A8478DA16B0D}" dt="2023-03-19T19:42:28.957" v="4575" actId="20577"/>
+        <pc:chgData name="Trung Nghia Nguyen" userId="caf0b1f78d203fdc" providerId="LiveId" clId="{FA98E611-7EE5-4D53-A8F6-A8478DA16B0D}" dt="2023-03-20T06:32:28.380" v="4981" actId="22"/>
         <pc:sldMkLst>
           <pc:docMk/>
           <pc:sldMk cId="3474282668" sldId="260"/>
@@ -448,7 +464,7 @@
           </ac:spMkLst>
         </pc:spChg>
         <pc:spChg chg="add mod">
-          <ac:chgData name="Trung Nghia Nguyen" userId="caf0b1f78d203fdc" providerId="LiveId" clId="{FA98E611-7EE5-4D53-A8F6-A8478DA16B0D}" dt="2023-03-19T19:27:08.252" v="4319" actId="1076"/>
+          <ac:chgData name="Trung Nghia Nguyen" userId="caf0b1f78d203fdc" providerId="LiveId" clId="{FA98E611-7EE5-4D53-A8F6-A8478DA16B0D}" dt="2023-03-20T06:32:27.935" v="4980" actId="1076"/>
           <ac:spMkLst>
             <pc:docMk/>
             <pc:sldMk cId="3474282668" sldId="260"/>
@@ -471,6 +487,14 @@
             <ac:spMk id="5" creationId="{4560C39D-ACC4-FD53-200A-C206C7FACCF7}"/>
           </ac:spMkLst>
         </pc:spChg>
+        <pc:picChg chg="add">
+          <ac:chgData name="Trung Nghia Nguyen" userId="caf0b1f78d203fdc" providerId="LiveId" clId="{FA98E611-7EE5-4D53-A8F6-A8478DA16B0D}" dt="2023-03-20T06:32:28.380" v="4981" actId="22"/>
+          <ac:picMkLst>
+            <pc:docMk/>
+            <pc:sldMk cId="3474282668" sldId="260"/>
+            <ac:picMk id="7" creationId="{0A013844-F359-90BA-AFE5-5A4E0F02079B}"/>
+          </ac:picMkLst>
+        </pc:picChg>
         <pc:cxnChg chg="add mod">
           <ac:chgData name="Trung Nghia Nguyen" userId="caf0b1f78d203fdc" providerId="LiveId" clId="{FA98E611-7EE5-4D53-A8F6-A8478DA16B0D}" dt="2023-03-17T04:38:03.135" v="3028"/>
           <ac:cxnSpMkLst>
@@ -481,7 +505,7 @@
         </pc:cxnChg>
       </pc:sldChg>
       <pc:sldChg chg="addSp delSp modSp add mod">
-        <pc:chgData name="Trung Nghia Nguyen" userId="caf0b1f78d203fdc" providerId="LiveId" clId="{FA98E611-7EE5-4D53-A8F6-A8478DA16B0D}" dt="2023-03-19T19:42:25.521" v="4574" actId="20577"/>
+        <pc:chgData name="Trung Nghia Nguyen" userId="caf0b1f78d203fdc" providerId="LiveId" clId="{FA98E611-7EE5-4D53-A8F6-A8478DA16B0D}" dt="2023-03-20T06:36:55.797" v="5214" actId="20577"/>
         <pc:sldMkLst>
           <pc:docMk/>
           <pc:sldMk cId="2176878142" sldId="261"/>
@@ -510,12 +534,28 @@
             <ac:spMk id="5" creationId="{773F5182-C15F-B8A2-79A6-98CC56113930}"/>
           </ac:spMkLst>
         </pc:spChg>
-        <pc:picChg chg="add mod">
-          <ac:chgData name="Trung Nghia Nguyen" userId="caf0b1f78d203fdc" providerId="LiveId" clId="{FA98E611-7EE5-4D53-A8F6-A8478DA16B0D}" dt="2023-03-18T18:02:12.736" v="3496" actId="1076"/>
+        <pc:spChg chg="add mod">
+          <ac:chgData name="Trung Nghia Nguyen" userId="caf0b1f78d203fdc" providerId="LiveId" clId="{FA98E611-7EE5-4D53-A8F6-A8478DA16B0D}" dt="2023-03-20T06:36:55.797" v="5214" actId="20577"/>
+          <ac:spMkLst>
+            <pc:docMk/>
+            <pc:sldMk cId="2176878142" sldId="261"/>
+            <ac:spMk id="9" creationId="{F533BA89-8B09-1895-6FE7-F00314F0528E}"/>
+          </ac:spMkLst>
+        </pc:spChg>
+        <pc:picChg chg="add del mod">
+          <ac:chgData name="Trung Nghia Nguyen" userId="caf0b1f78d203fdc" providerId="LiveId" clId="{FA98E611-7EE5-4D53-A8F6-A8478DA16B0D}" dt="2023-03-20T06:33:26.107" v="4982" actId="478"/>
           <ac:picMkLst>
             <pc:docMk/>
             <pc:sldMk cId="2176878142" sldId="261"/>
             <ac:picMk id="6" creationId="{DBB75A3D-9236-0F32-4DB3-8640590F658C}"/>
+          </ac:picMkLst>
+        </pc:picChg>
+        <pc:picChg chg="add mod">
+          <ac:chgData name="Trung Nghia Nguyen" userId="caf0b1f78d203fdc" providerId="LiveId" clId="{FA98E611-7EE5-4D53-A8F6-A8478DA16B0D}" dt="2023-03-20T06:36:32.318" v="5141" actId="1076"/>
+          <ac:picMkLst>
+            <pc:docMk/>
+            <pc:sldMk cId="2176878142" sldId="261"/>
+            <ac:picMk id="7" creationId="{5878CDCA-64F5-3710-E232-035E68B469AA}"/>
           </ac:picMkLst>
         </pc:picChg>
         <pc:picChg chg="add mod">
@@ -646,7 +686,7 @@
         </pc:cxnChg>
       </pc:sldChg>
       <pc:sldChg chg="addSp delSp modSp add mod">
-        <pc:chgData name="Trung Nghia Nguyen" userId="caf0b1f78d203fdc" providerId="LiveId" clId="{FA98E611-7EE5-4D53-A8F6-A8478DA16B0D}" dt="2023-03-19T19:42:32.285" v="4576" actId="20577"/>
+        <pc:chgData name="Trung Nghia Nguyen" userId="caf0b1f78d203fdc" providerId="LiveId" clId="{FA98E611-7EE5-4D53-A8F6-A8478DA16B0D}" dt="2023-03-20T06:36:20.136" v="5138" actId="1076"/>
         <pc:sldMkLst>
           <pc:docMk/>
           <pc:sldMk cId="2895901428" sldId="264"/>
@@ -675,6 +715,22 @@
             <ac:spMk id="5" creationId="{F5D7CFDC-9C3E-5EB6-442E-0427CF3FD978}"/>
           </ac:spMkLst>
         </pc:spChg>
+        <pc:spChg chg="add mod">
+          <ac:chgData name="Trung Nghia Nguyen" userId="caf0b1f78d203fdc" providerId="LiveId" clId="{FA98E611-7EE5-4D53-A8F6-A8478DA16B0D}" dt="2023-03-20T06:36:20.136" v="5138" actId="1076"/>
+          <ac:spMkLst>
+            <pc:docMk/>
+            <pc:sldMk cId="2895901428" sldId="264"/>
+            <ac:spMk id="7" creationId="{F0634F75-D2AC-CBA7-B59B-9BAA1E76EBEC}"/>
+          </ac:spMkLst>
+        </pc:spChg>
+        <pc:picChg chg="add mod">
+          <ac:chgData name="Trung Nghia Nguyen" userId="caf0b1f78d203fdc" providerId="LiveId" clId="{FA98E611-7EE5-4D53-A8F6-A8478DA16B0D}" dt="2023-03-20T06:35:33.823" v="4990" actId="1076"/>
+          <ac:picMkLst>
+            <pc:docMk/>
+            <pc:sldMk cId="2895901428" sldId="264"/>
+            <ac:picMk id="6" creationId="{DCC12B2F-C07E-D6F5-3264-6403237DFCB8}"/>
+          </ac:picMkLst>
+        </pc:picChg>
         <pc:cxnChg chg="add mod">
           <ac:chgData name="Trung Nghia Nguyen" userId="caf0b1f78d203fdc" providerId="LiveId" clId="{FA98E611-7EE5-4D53-A8F6-A8478DA16B0D}" dt="2023-03-17T04:38:04.341" v="3029"/>
           <ac:cxnSpMkLst>
@@ -685,7 +741,7 @@
         </pc:cxnChg>
       </pc:sldChg>
       <pc:sldChg chg="addSp delSp modSp add mod replId">
-        <pc:chgData name="Trung Nghia Nguyen" userId="caf0b1f78d203fdc" providerId="LiveId" clId="{FA98E611-7EE5-4D53-A8F6-A8478DA16B0D}" dt="2023-03-19T19:42:46.679" v="4580" actId="20577"/>
+        <pc:chgData name="Trung Nghia Nguyen" userId="caf0b1f78d203fdc" providerId="LiveId" clId="{FA98E611-7EE5-4D53-A8F6-A8478DA16B0D}" dt="2023-03-20T06:38:22.794" v="5343" actId="115"/>
         <pc:sldMkLst>
           <pc:docMk/>
           <pc:sldMk cId="4283605162" sldId="265"/>
@@ -722,8 +778,16 @@
             <ac:spMk id="5" creationId="{C636AC51-235F-27C4-310D-353DA6ACFACB}"/>
           </ac:spMkLst>
         </pc:spChg>
+        <pc:spChg chg="add del mod">
+          <ac:chgData name="Trung Nghia Nguyen" userId="caf0b1f78d203fdc" providerId="LiveId" clId="{FA98E611-7EE5-4D53-A8F6-A8478DA16B0D}" dt="2023-03-20T06:37:36.898" v="5229" actId="478"/>
+          <ac:spMkLst>
+            <pc:docMk/>
+            <pc:sldMk cId="4283605162" sldId="265"/>
+            <ac:spMk id="6" creationId="{34952638-B22F-A601-ABB7-40D3A03CAF10}"/>
+          </ac:spMkLst>
+        </pc:spChg>
         <pc:spChg chg="add mod">
-          <ac:chgData name="Trung Nghia Nguyen" userId="caf0b1f78d203fdc" providerId="LiveId" clId="{FA98E611-7EE5-4D53-A8F6-A8478DA16B0D}" dt="2023-03-18T18:07:06.115" v="3566" actId="20577"/>
+          <ac:chgData name="Trung Nghia Nguyen" userId="caf0b1f78d203fdc" providerId="LiveId" clId="{FA98E611-7EE5-4D53-A8F6-A8478DA16B0D}" dt="2023-03-20T06:37:43.908" v="5254" actId="1035"/>
           <ac:spMkLst>
             <pc:docMk/>
             <pc:sldMk cId="4283605162" sldId="265"/>
@@ -731,7 +795,15 @@
           </ac:spMkLst>
         </pc:spChg>
         <pc:spChg chg="add mod">
-          <ac:chgData name="Trung Nghia Nguyen" userId="caf0b1f78d203fdc" providerId="LiveId" clId="{FA98E611-7EE5-4D53-A8F6-A8478DA16B0D}" dt="2023-03-18T18:08:32.927" v="3572" actId="1076"/>
+          <ac:chgData name="Trung Nghia Nguyen" userId="caf0b1f78d203fdc" providerId="LiveId" clId="{FA98E611-7EE5-4D53-A8F6-A8478DA16B0D}" dt="2023-03-20T06:38:22.794" v="5343" actId="115"/>
+          <ac:spMkLst>
+            <pc:docMk/>
+            <pc:sldMk cId="4283605162" sldId="265"/>
+            <ac:spMk id="9" creationId="{07192213-4093-B158-7615-5C02C5D78E3C}"/>
+          </ac:spMkLst>
+        </pc:spChg>
+        <pc:spChg chg="add mod">
+          <ac:chgData name="Trung Nghia Nguyen" userId="caf0b1f78d203fdc" providerId="LiveId" clId="{FA98E611-7EE5-4D53-A8F6-A8478DA16B0D}" dt="2023-03-20T06:37:48.962" v="5255" actId="1076"/>
           <ac:spMkLst>
             <pc:docMk/>
             <pc:sldMk cId="4283605162" sldId="265"/>
@@ -755,7 +827,7 @@
           </ac:picMkLst>
         </pc:picChg>
         <pc:picChg chg="add mod">
-          <ac:chgData name="Trung Nghia Nguyen" userId="caf0b1f78d203fdc" providerId="LiveId" clId="{FA98E611-7EE5-4D53-A8F6-A8478DA16B0D}" dt="2023-03-18T18:07:58.319" v="3570" actId="1076"/>
+          <ac:chgData name="Trung Nghia Nguyen" userId="caf0b1f78d203fdc" providerId="LiveId" clId="{FA98E611-7EE5-4D53-A8F6-A8478DA16B0D}" dt="2023-03-20T06:37:43.908" v="5254" actId="1035"/>
           <ac:picMkLst>
             <pc:docMk/>
             <pc:sldMk cId="4283605162" sldId="265"/>
@@ -763,7 +835,7 @@
           </ac:picMkLst>
         </pc:picChg>
         <pc:picChg chg="add mod">
-          <ac:chgData name="Trung Nghia Nguyen" userId="caf0b1f78d203fdc" providerId="LiveId" clId="{FA98E611-7EE5-4D53-A8F6-A8478DA16B0D}" dt="2023-03-18T18:08:47.529" v="3575" actId="14100"/>
+          <ac:chgData name="Trung Nghia Nguyen" userId="caf0b1f78d203fdc" providerId="LiveId" clId="{FA98E611-7EE5-4D53-A8F6-A8478DA16B0D}" dt="2023-03-20T06:37:52.028" v="5256" actId="1076"/>
           <ac:picMkLst>
             <pc:docMk/>
             <pc:sldMk cId="4283605162" sldId="265"/>
@@ -780,7 +852,7 @@
         </pc:cxnChg>
       </pc:sldChg>
       <pc:sldChg chg="addSp delSp modSp add mod replId">
-        <pc:chgData name="Trung Nghia Nguyen" userId="caf0b1f78d203fdc" providerId="LiveId" clId="{FA98E611-7EE5-4D53-A8F6-A8478DA16B0D}" dt="2023-03-19T19:42:52.243" v="4581" actId="20577"/>
+        <pc:chgData name="Trung Nghia Nguyen" userId="caf0b1f78d203fdc" providerId="LiveId" clId="{FA98E611-7EE5-4D53-A8F6-A8478DA16B0D}" dt="2023-03-20T06:38:57.002" v="5372" actId="1076"/>
         <pc:sldMkLst>
           <pc:docMk/>
           <pc:sldMk cId="1755807355" sldId="266"/>
@@ -801,12 +873,28 @@
             <ac:spMk id="4" creationId="{9FC5A47E-E156-CE54-D964-B05D97E3E440}"/>
           </ac:spMkLst>
         </pc:spChg>
+        <pc:spChg chg="add del mod">
+          <ac:chgData name="Trung Nghia Nguyen" userId="caf0b1f78d203fdc" providerId="LiveId" clId="{FA98E611-7EE5-4D53-A8F6-A8478DA16B0D}" dt="2023-03-20T06:38:36.545" v="5346" actId="478"/>
+          <ac:spMkLst>
+            <pc:docMk/>
+            <pc:sldMk cId="1755807355" sldId="266"/>
+            <ac:spMk id="4" creationId="{AAB22F9D-7A5E-4401-A0CB-A63DA021226F}"/>
+          </ac:spMkLst>
+        </pc:spChg>
         <pc:spChg chg="add mod">
           <ac:chgData name="Trung Nghia Nguyen" userId="caf0b1f78d203fdc" providerId="LiveId" clId="{FA98E611-7EE5-4D53-A8F6-A8478DA16B0D}" dt="2023-03-19T19:42:52.243" v="4581" actId="20577"/>
           <ac:spMkLst>
             <pc:docMk/>
             <pc:sldMk cId="1755807355" sldId="266"/>
             <ac:spMk id="5" creationId="{5A7DF51B-1976-A0EB-6F7B-B4A2CB037D53}"/>
+          </ac:spMkLst>
+        </pc:spChg>
+        <pc:spChg chg="add mod">
+          <ac:chgData name="Trung Nghia Nguyen" userId="caf0b1f78d203fdc" providerId="LiveId" clId="{FA98E611-7EE5-4D53-A8F6-A8478DA16B0D}" dt="2023-03-20T06:38:57.002" v="5372" actId="1076"/>
+          <ac:spMkLst>
+            <pc:docMk/>
+            <pc:sldMk cId="1755807355" sldId="266"/>
+            <ac:spMk id="7" creationId="{41F3B00E-EEC6-C3C0-4054-6A44FFDA2129}"/>
           </ac:spMkLst>
         </pc:spChg>
         <pc:spChg chg="mod">
@@ -826,7 +914,7 @@
           </ac:picMkLst>
         </pc:picChg>
         <pc:picChg chg="add mod">
-          <ac:chgData name="Trung Nghia Nguyen" userId="caf0b1f78d203fdc" providerId="LiveId" clId="{FA98E611-7EE5-4D53-A8F6-A8478DA16B0D}" dt="2023-03-19T19:33:43.778" v="4351" actId="1076"/>
+          <ac:chgData name="Trung Nghia Nguyen" userId="caf0b1f78d203fdc" providerId="LiveId" clId="{FA98E611-7EE5-4D53-A8F6-A8478DA16B0D}" dt="2023-03-20T06:38:34.458" v="5345" actId="1076"/>
           <ac:picMkLst>
             <pc:docMk/>
             <pc:sldMk cId="1755807355" sldId="266"/>
@@ -843,7 +931,7 @@
         </pc:cxnChg>
       </pc:sldChg>
       <pc:sldChg chg="addSp delSp modSp add mod replId">
-        <pc:chgData name="Trung Nghia Nguyen" userId="caf0b1f78d203fdc" providerId="LiveId" clId="{FA98E611-7EE5-4D53-A8F6-A8478DA16B0D}" dt="2023-03-19T19:42:55.901" v="4582" actId="20577"/>
+        <pc:chgData name="Trung Nghia Nguyen" userId="caf0b1f78d203fdc" providerId="LiveId" clId="{FA98E611-7EE5-4D53-A8F6-A8478DA16B0D}" dt="2023-03-20T06:46:22.745" v="5552" actId="1076"/>
         <pc:sldMkLst>
           <pc:docMk/>
           <pc:sldMk cId="420754388" sldId="267"/>
@@ -872,6 +960,14 @@
             <ac:spMk id="5" creationId="{5AE77F4E-29AF-200B-741F-D59D22548F68}"/>
           </ac:spMkLst>
         </pc:spChg>
+        <pc:spChg chg="add mod">
+          <ac:chgData name="Trung Nghia Nguyen" userId="caf0b1f78d203fdc" providerId="LiveId" clId="{FA98E611-7EE5-4D53-A8F6-A8478DA16B0D}" dt="2023-03-20T06:46:22.745" v="5552" actId="1076"/>
+          <ac:spMkLst>
+            <pc:docMk/>
+            <pc:sldMk cId="420754388" sldId="267"/>
+            <ac:spMk id="6" creationId="{F3459CBF-C8CB-D11F-4C1C-7F3691FB67D3}"/>
+          </ac:spMkLst>
+        </pc:spChg>
         <pc:spChg chg="mod">
           <ac:chgData name="Trung Nghia Nguyen" userId="caf0b1f78d203fdc" providerId="LiveId" clId="{FA98E611-7EE5-4D53-A8F6-A8478DA16B0D}" dt="2023-03-16T06:17:02.365" v="1503" actId="20577"/>
           <ac:spMkLst>
@@ -880,12 +976,20 @@
             <ac:spMk id="14" creationId="{63B4AB36-B54A-EA5C-2A74-F2C80BE0CBC4}"/>
           </ac:spMkLst>
         </pc:spChg>
-        <pc:picChg chg="add mod">
-          <ac:chgData name="Trung Nghia Nguyen" userId="caf0b1f78d203fdc" providerId="LiveId" clId="{FA98E611-7EE5-4D53-A8F6-A8478DA16B0D}" dt="2023-03-18T18:13:56.175" v="3583"/>
+        <pc:picChg chg="add del mod">
+          <ac:chgData name="Trung Nghia Nguyen" userId="caf0b1f78d203fdc" providerId="LiveId" clId="{FA98E611-7EE5-4D53-A8F6-A8478DA16B0D}" dt="2023-03-20T06:46:09.964" v="5548" actId="478"/>
           <ac:picMkLst>
             <pc:docMk/>
             <pc:sldMk cId="420754388" sldId="267"/>
             <ac:picMk id="4" creationId="{E12BC0F1-607B-17E9-1754-F5489A61089A}"/>
+          </ac:picMkLst>
+        </pc:picChg>
+        <pc:picChg chg="add mod">
+          <ac:chgData name="Trung Nghia Nguyen" userId="caf0b1f78d203fdc" providerId="LiveId" clId="{FA98E611-7EE5-4D53-A8F6-A8478DA16B0D}" dt="2023-03-20T06:46:17.898" v="5551" actId="1076"/>
+          <ac:picMkLst>
+            <pc:docMk/>
+            <pc:sldMk cId="420754388" sldId="267"/>
+            <ac:picMk id="1026" creationId="{0DDEF103-57C2-30E2-ED3E-9AB7C6BA55E4}"/>
           </ac:picMkLst>
         </pc:picChg>
         <pc:cxnChg chg="add mod">
@@ -898,7 +1002,7 @@
         </pc:cxnChg>
       </pc:sldChg>
       <pc:sldChg chg="addSp delSp modSp add mod replId">
-        <pc:chgData name="Trung Nghia Nguyen" userId="caf0b1f78d203fdc" providerId="LiveId" clId="{FA98E611-7EE5-4D53-A8F6-A8478DA16B0D}" dt="2023-03-19T19:43:00.657" v="4583" actId="20577"/>
+        <pc:chgData name="Trung Nghia Nguyen" userId="caf0b1f78d203fdc" providerId="LiveId" clId="{FA98E611-7EE5-4D53-A8F6-A8478DA16B0D}" dt="2023-03-20T06:25:48.812" v="4856" actId="1076"/>
         <pc:sldMkLst>
           <pc:docMk/>
           <pc:sldMk cId="1800081090" sldId="268"/>
@@ -927,6 +1031,14 @@
             <ac:spMk id="5" creationId="{1D7A3032-17B2-6AEA-AC88-9349A439BD22}"/>
           </ac:spMkLst>
         </pc:spChg>
+        <pc:spChg chg="add mod">
+          <ac:chgData name="Trung Nghia Nguyen" userId="caf0b1f78d203fdc" providerId="LiveId" clId="{FA98E611-7EE5-4D53-A8F6-A8478DA16B0D}" dt="2023-03-20T06:25:48.812" v="4856" actId="1076"/>
+          <ac:spMkLst>
+            <pc:docMk/>
+            <pc:sldMk cId="1800081090" sldId="268"/>
+            <ac:spMk id="7" creationId="{EB47DA29-9FCC-30CE-0883-F7F361D9198F}"/>
+          </ac:spMkLst>
+        </pc:spChg>
         <pc:spChg chg="mod">
           <ac:chgData name="Trung Nghia Nguyen" userId="caf0b1f78d203fdc" providerId="LiveId" clId="{FA98E611-7EE5-4D53-A8F6-A8478DA16B0D}" dt="2023-03-16T06:17:09.861" v="1517" actId="20577"/>
           <ac:spMkLst>
@@ -935,6 +1047,14 @@
             <ac:spMk id="14" creationId="{63B4AB36-B54A-EA5C-2A74-F2C80BE0CBC4}"/>
           </ac:spMkLst>
         </pc:spChg>
+        <pc:picChg chg="add mod ord">
+          <ac:chgData name="Trung Nghia Nguyen" userId="caf0b1f78d203fdc" providerId="LiveId" clId="{FA98E611-7EE5-4D53-A8F6-A8478DA16B0D}" dt="2023-03-20T06:25:20.301" v="4812" actId="1076"/>
+          <ac:picMkLst>
+            <pc:docMk/>
+            <pc:sldMk cId="1800081090" sldId="268"/>
+            <ac:picMk id="6" creationId="{17B1B28A-E020-8A31-7198-F20684828AFD}"/>
+          </ac:picMkLst>
+        </pc:picChg>
         <pc:cxnChg chg="add mod">
           <ac:chgData name="Trung Nghia Nguyen" userId="caf0b1f78d203fdc" providerId="LiveId" clId="{FA98E611-7EE5-4D53-A8F6-A8478DA16B0D}" dt="2023-03-17T04:38:12.276" v="3034"/>
           <ac:cxnSpMkLst>
@@ -945,7 +1065,7 @@
         </pc:cxnChg>
       </pc:sldChg>
       <pc:sldChg chg="addSp delSp modSp add mod">
-        <pc:chgData name="Trung Nghia Nguyen" userId="caf0b1f78d203fdc" providerId="LiveId" clId="{FA98E611-7EE5-4D53-A8F6-A8478DA16B0D}" dt="2023-03-19T19:43:05.507" v="4586" actId="20577"/>
+        <pc:chgData name="Trung Nghia Nguyen" userId="caf0b1f78d203fdc" providerId="LiveId" clId="{FA98E611-7EE5-4D53-A8F6-A8478DA16B0D}" dt="2023-03-20T06:40:30.436" v="5472" actId="1076"/>
         <pc:sldMkLst>
           <pc:docMk/>
           <pc:sldMk cId="4260099494" sldId="269"/>
@@ -964,6 +1084,14 @@
             <pc:docMk/>
             <pc:sldMk cId="4260099494" sldId="269"/>
             <ac:spMk id="4" creationId="{4A9B31A6-4583-92AA-E2E8-0E1B56527FAB}"/>
+          </ac:spMkLst>
+        </pc:spChg>
+        <pc:spChg chg="add mod">
+          <ac:chgData name="Trung Nghia Nguyen" userId="caf0b1f78d203fdc" providerId="LiveId" clId="{FA98E611-7EE5-4D53-A8F6-A8478DA16B0D}" dt="2023-03-20T06:40:30.436" v="5472" actId="1076"/>
+          <ac:spMkLst>
+            <pc:docMk/>
+            <pc:sldMk cId="4260099494" sldId="269"/>
+            <ac:spMk id="4" creationId="{85BE9376-B78B-4D14-03B7-71E92F2B4246}"/>
           </ac:spMkLst>
         </pc:spChg>
         <pc:spChg chg="add mod">
@@ -1000,7 +1128,7 @@
         </pc:cxnChg>
       </pc:sldChg>
       <pc:sldChg chg="addSp delSp modSp add mod">
-        <pc:chgData name="Trung Nghia Nguyen" userId="caf0b1f78d203fdc" providerId="LiveId" clId="{FA98E611-7EE5-4D53-A8F6-A8478DA16B0D}" dt="2023-03-19T19:43:14.363" v="4590" actId="20577"/>
+        <pc:chgData name="Trung Nghia Nguyen" userId="caf0b1f78d203fdc" providerId="LiveId" clId="{FA98E611-7EE5-4D53-A8F6-A8478DA16B0D}" dt="2023-03-20T07:02:09.542" v="5649" actId="1076"/>
         <pc:sldMkLst>
           <pc:docMk/>
           <pc:sldMk cId="2511818953" sldId="270"/>
@@ -1019,6 +1147,14 @@
             <pc:docMk/>
             <pc:sldMk cId="2511818953" sldId="270"/>
             <ac:spMk id="4" creationId="{AFB91D5C-95A0-4C14-9E44-3E33C99FBE7F}"/>
+          </ac:spMkLst>
+        </pc:spChg>
+        <pc:spChg chg="add mod">
+          <ac:chgData name="Trung Nghia Nguyen" userId="caf0b1f78d203fdc" providerId="LiveId" clId="{FA98E611-7EE5-4D53-A8F6-A8478DA16B0D}" dt="2023-03-20T07:02:09.542" v="5649" actId="1076"/>
+          <ac:spMkLst>
+            <pc:docMk/>
+            <pc:sldMk cId="2511818953" sldId="270"/>
+            <ac:spMk id="4" creationId="{C9A8F3A0-7BA7-04C0-6A45-BDCDED7689FE}"/>
           </ac:spMkLst>
         </pc:spChg>
         <pc:spChg chg="add mod">
@@ -1054,7 +1190,7 @@
           </ac:picMkLst>
         </pc:picChg>
         <pc:picChg chg="add mod">
-          <ac:chgData name="Trung Nghia Nguyen" userId="caf0b1f78d203fdc" providerId="LiveId" clId="{FA98E611-7EE5-4D53-A8F6-A8478DA16B0D}" dt="2023-03-18T18:39:28.117" v="3603" actId="1076"/>
+          <ac:chgData name="Trung Nghia Nguyen" userId="caf0b1f78d203fdc" providerId="LiveId" clId="{FA98E611-7EE5-4D53-A8F6-A8478DA16B0D}" dt="2023-03-20T07:01:40.251" v="5555" actId="14100"/>
           <ac:picMkLst>
             <pc:docMk/>
             <pc:sldMk cId="2511818953" sldId="270"/>
@@ -1062,7 +1198,7 @@
           </ac:picMkLst>
         </pc:picChg>
         <pc:picChg chg="add mod">
-          <ac:chgData name="Trung Nghia Nguyen" userId="caf0b1f78d203fdc" providerId="LiveId" clId="{FA98E611-7EE5-4D53-A8F6-A8478DA16B0D}" dt="2023-03-18T18:39:23.469" v="3602" actId="1076"/>
+          <ac:chgData name="Trung Nghia Nguyen" userId="caf0b1f78d203fdc" providerId="LiveId" clId="{FA98E611-7EE5-4D53-A8F6-A8478DA16B0D}" dt="2023-03-20T07:01:42.097" v="5556" actId="1076"/>
           <ac:picMkLst>
             <pc:docMk/>
             <pc:sldMk cId="2511818953" sldId="270"/>
@@ -1079,7 +1215,7 @@
         </pc:cxnChg>
       </pc:sldChg>
       <pc:sldChg chg="addSp delSp modSp add mod replId">
-        <pc:chgData name="Trung Nghia Nguyen" userId="caf0b1f78d203fdc" providerId="LiveId" clId="{FA98E611-7EE5-4D53-A8F6-A8478DA16B0D}" dt="2023-03-19T19:43:19.278" v="4593" actId="20577"/>
+        <pc:chgData name="Trung Nghia Nguyen" userId="caf0b1f78d203fdc" providerId="LiveId" clId="{FA98E611-7EE5-4D53-A8F6-A8478DA16B0D}" dt="2023-03-20T07:02:42.471" v="5724" actId="1076"/>
         <pc:sldMkLst>
           <pc:docMk/>
           <pc:sldMk cId="2278832414" sldId="271"/>
@@ -1098,6 +1234,14 @@
             <pc:docMk/>
             <pc:sldMk cId="2278832414" sldId="271"/>
             <ac:spMk id="4" creationId="{75AE8E16-8704-F0FC-A727-505C588A8404}"/>
+          </ac:spMkLst>
+        </pc:spChg>
+        <pc:spChg chg="add mod">
+          <ac:chgData name="Trung Nghia Nguyen" userId="caf0b1f78d203fdc" providerId="LiveId" clId="{FA98E611-7EE5-4D53-A8F6-A8478DA16B0D}" dt="2023-03-20T07:02:42.471" v="5724" actId="1076"/>
+          <ac:spMkLst>
+            <pc:docMk/>
+            <pc:sldMk cId="2278832414" sldId="271"/>
+            <ac:spMk id="4" creationId="{F72DE690-623E-F6CB-33BB-A3DEC8E1BDBC}"/>
           </ac:spMkLst>
         </pc:spChg>
         <pc:spChg chg="add mod">
@@ -1362,7 +1506,7 @@
         </pc:cxnChg>
       </pc:sldChg>
       <pc:sldChg chg="addSp delSp modSp add mod">
-        <pc:chgData name="Trung Nghia Nguyen" userId="caf0b1f78d203fdc" providerId="LiveId" clId="{FA98E611-7EE5-4D53-A8F6-A8478DA16B0D}" dt="2023-03-19T19:43:40.637" v="4603" actId="20577"/>
+        <pc:chgData name="Trung Nghia Nguyen" userId="caf0b1f78d203fdc" providerId="LiveId" clId="{FA98E611-7EE5-4D53-A8F6-A8478DA16B0D}" dt="2023-03-20T07:03:02.489" v="5743" actId="5793"/>
         <pc:sldMkLst>
           <pc:docMk/>
           <pc:sldMk cId="2797651471" sldId="276"/>
@@ -1399,8 +1543,8 @@
             <ac:spMk id="14" creationId="{63B4AB36-B54A-EA5C-2A74-F2C80BE0CBC4}"/>
           </ac:spMkLst>
         </pc:spChg>
-        <pc:graphicFrameChg chg="modGraphic">
-          <ac:chgData name="Trung Nghia Nguyen" userId="caf0b1f78d203fdc" providerId="LiveId" clId="{FA98E611-7EE5-4D53-A8F6-A8478DA16B0D}" dt="2023-03-19T19:43:40.637" v="4603" actId="20577"/>
+        <pc:graphicFrameChg chg="mod modGraphic">
+          <ac:chgData name="Trung Nghia Nguyen" userId="caf0b1f78d203fdc" providerId="LiveId" clId="{FA98E611-7EE5-4D53-A8F6-A8478DA16B0D}" dt="2023-03-20T07:03:02.489" v="5743" actId="5793"/>
           <ac:graphicFrameMkLst>
             <pc:docMk/>
             <pc:sldMk cId="2797651471" sldId="276"/>
@@ -6632,7 +6776,7 @@
           <p:nvPr>
             <p:extLst>
               <p:ext uri="{D42A27DB-BD31-4B8C-83A1-F6EECF244321}">
-                <p14:modId xmlns:p14="http://schemas.microsoft.com/office/powerpoint/2010/main" val="2038435086"/>
+                <p14:modId xmlns:p14="http://schemas.microsoft.com/office/powerpoint/2010/main" val="359489288"/>
               </p:ext>
             </p:extLst>
           </p:nvPr>
@@ -7119,7 +7263,7 @@
                           <a:latin typeface="Times New Roman" panose="02020603050405020304" pitchFamily="18" charset="0"/>
                           <a:cs typeface="Times New Roman" panose="02020603050405020304" pitchFamily="18" charset="0"/>
                         </a:rPr>
-                        <a:t>phuctran14121@gmail.com</a:t>
+                        <a:t>phuctran12421@gmail.com</a:t>
                       </a:r>
                     </a:p>
                   </a:txBody>
@@ -8232,10 +8376,10 @@
       </p:sp>
       <p:pic>
         <p:nvPicPr>
-          <p:cNvPr id="6" name="Picture 5">
-            <a:extLst>
-              <a:ext uri="{FF2B5EF4-FFF2-40B4-BE49-F238E27FC236}">
-                <a16:creationId xmlns:a16="http://schemas.microsoft.com/office/drawing/2014/main" id="{DBB75A3D-9236-0F32-4DB3-8640590F658C}"/>
+          <p:cNvPr id="8" name="Picture 7">
+            <a:extLst>
+              <a:ext uri="{FF2B5EF4-FFF2-40B4-BE49-F238E27FC236}">
+                <a16:creationId xmlns:a16="http://schemas.microsoft.com/office/drawing/2014/main" id="{CA8451FB-3C2B-4482-8DC3-38D9C773F858}"/>
               </a:ext>
             </a:extLst>
           </p:cNvPr>
@@ -8252,8 +8396,8 @@
         </p:blipFill>
         <p:spPr>
           <a:xfrm>
-            <a:off x="633412" y="1458659"/>
-            <a:ext cx="3795089" cy="4412362"/>
+            <a:off x="4907093" y="1458660"/>
+            <a:ext cx="3964832" cy="4412362"/>
           </a:xfrm>
           <a:prstGeom prst="rect">
             <a:avLst/>
@@ -8262,10 +8406,10 @@
       </p:pic>
       <p:pic>
         <p:nvPicPr>
-          <p:cNvPr id="8" name="Picture 7">
-            <a:extLst>
-              <a:ext uri="{FF2B5EF4-FFF2-40B4-BE49-F238E27FC236}">
-                <a16:creationId xmlns:a16="http://schemas.microsoft.com/office/drawing/2014/main" id="{CA8451FB-3C2B-4482-8DC3-38D9C773F858}"/>
+          <p:cNvPr id="7" name="Picture 6">
+            <a:extLst>
+              <a:ext uri="{FF2B5EF4-FFF2-40B4-BE49-F238E27FC236}">
+                <a16:creationId xmlns:a16="http://schemas.microsoft.com/office/drawing/2014/main" id="{5878CDCA-64F5-3710-E232-035E68B469AA}"/>
               </a:ext>
             </a:extLst>
           </p:cNvPr>
@@ -8282,14 +8426,49 @@
         </p:blipFill>
         <p:spPr>
           <a:xfrm>
-            <a:off x="4907093" y="1458660"/>
-            <a:ext cx="3964832" cy="4412362"/>
+            <a:off x="318820" y="1458659"/>
+            <a:ext cx="3918088" cy="4405882"/>
           </a:xfrm>
           <a:prstGeom prst="rect">
             <a:avLst/>
           </a:prstGeom>
         </p:spPr>
       </p:pic>
+      <p:sp>
+        <p:nvSpPr>
+          <p:cNvPr id="9" name="TextBox 8">
+            <a:extLst>
+              <a:ext uri="{FF2B5EF4-FFF2-40B4-BE49-F238E27FC236}">
+                <a16:creationId xmlns:a16="http://schemas.microsoft.com/office/drawing/2014/main" id="{F533BA89-8B09-1895-6FE7-F00314F0528E}"/>
+              </a:ext>
+            </a:extLst>
+          </p:cNvPr>
+          <p:cNvSpPr txBox="1"/>
+          <p:nvPr/>
+        </p:nvSpPr>
+        <p:spPr>
+          <a:xfrm>
+            <a:off x="633412" y="6021530"/>
+            <a:ext cx="3122201" cy="369332"/>
+          </a:xfrm>
+          <a:prstGeom prst="rect">
+            <a:avLst/>
+          </a:prstGeom>
+          <a:noFill/>
+        </p:spPr>
+        <p:txBody>
+          <a:bodyPr wrap="none" rtlCol="0">
+            <a:spAutoFit/>
+          </a:bodyPr>
+          <a:lstStyle/>
+          <a:p>
+            <a:r>
+              <a:rPr lang="en-US" i="1"/>
+              <a:t>Cài đặt animate() theo yêu cầu</a:t>
+            </a:r>
+          </a:p>
+        </p:txBody>
+      </p:sp>
     </p:spTree>
     <p:extLst>
       <p:ext uri="{BB962C8B-B14F-4D97-AF65-F5344CB8AC3E}">
@@ -8562,8 +8741,8 @@
         </p:nvSpPr>
         <p:spPr>
           <a:xfrm>
-            <a:off x="3019363" y="3053167"/>
-            <a:ext cx="3105274" cy="369332"/>
+            <a:off x="2760574" y="5627941"/>
+            <a:ext cx="3622851" cy="369332"/>
           </a:xfrm>
           <a:prstGeom prst="rect">
             <a:avLst/>
@@ -8578,11 +8757,41 @@
           <a:p>
             <a:r>
               <a:rPr lang="en-US" i="1"/>
-              <a:t>Tương tự lớp SingleFoodSearch</a:t>
+              <a:t>Cài đặt lớp MultiFoodSearchProblem</a:t>
             </a:r>
           </a:p>
         </p:txBody>
       </p:sp>
+      <p:pic>
+        <p:nvPicPr>
+          <p:cNvPr id="7" name="Picture 6">
+            <a:extLst>
+              <a:ext uri="{FF2B5EF4-FFF2-40B4-BE49-F238E27FC236}">
+                <a16:creationId xmlns:a16="http://schemas.microsoft.com/office/drawing/2014/main" id="{0A013844-F359-90BA-AFE5-5A4E0F02079B}"/>
+              </a:ext>
+            </a:extLst>
+          </p:cNvPr>
+          <p:cNvPicPr>
+            <a:picLocks noChangeAspect="1"/>
+          </p:cNvPicPr>
+          <p:nvPr/>
+        </p:nvPicPr>
+        <p:blipFill>
+          <a:blip r:embed="rId3"/>
+          <a:stretch>
+            <a:fillRect/>
+          </a:stretch>
+        </p:blipFill>
+        <p:spPr>
+          <a:xfrm>
+            <a:off x="2522042" y="1554317"/>
+            <a:ext cx="4099915" cy="3749365"/>
+          </a:xfrm>
+          <a:prstGeom prst="rect">
+            <a:avLst/>
+          </a:prstGeom>
+        </p:spPr>
+      </p:pic>
     </p:spTree>
     <p:extLst>
       <p:ext uri="{BB962C8B-B14F-4D97-AF65-F5344CB8AC3E}">
@@ -8837,6 +9046,77 @@
             <a:r>
               <a:rPr lang="en-US"/>
               <a:t>Trang 14</a:t>
+            </a:r>
+          </a:p>
+        </p:txBody>
+      </p:sp>
+      <p:pic>
+        <p:nvPicPr>
+          <p:cNvPr id="6" name="Picture 5" descr="Diagram&#10;&#10;Description automatically generated">
+            <a:extLst>
+              <a:ext uri="{FF2B5EF4-FFF2-40B4-BE49-F238E27FC236}">
+                <a16:creationId xmlns:a16="http://schemas.microsoft.com/office/drawing/2014/main" id="{DCC12B2F-C07E-D6F5-3264-6403237DFCB8}"/>
+              </a:ext>
+            </a:extLst>
+          </p:cNvPr>
+          <p:cNvPicPr>
+            <a:picLocks noChangeAspect="1"/>
+          </p:cNvPicPr>
+          <p:nvPr/>
+        </p:nvPicPr>
+        <p:blipFill>
+          <a:blip r:embed="rId3">
+            <a:extLst>
+              <a:ext uri="{28A0092B-C50C-407E-A947-70E740481C1C}">
+                <a14:useLocalDpi xmlns:a14="http://schemas.microsoft.com/office/drawing/2010/main" val="0"/>
+              </a:ext>
+            </a:extLst>
+          </a:blip>
+          <a:stretch>
+            <a:fillRect/>
+          </a:stretch>
+        </p:blipFill>
+        <p:spPr>
+          <a:xfrm>
+            <a:off x="2228843" y="961597"/>
+            <a:ext cx="4686313" cy="4506686"/>
+          </a:xfrm>
+          <a:prstGeom prst="rect">
+            <a:avLst/>
+          </a:prstGeom>
+        </p:spPr>
+      </p:pic>
+      <p:sp>
+        <p:nvSpPr>
+          <p:cNvPr id="7" name="TextBox 6">
+            <a:extLst>
+              <a:ext uri="{FF2B5EF4-FFF2-40B4-BE49-F238E27FC236}">
+                <a16:creationId xmlns:a16="http://schemas.microsoft.com/office/drawing/2014/main" id="{F0634F75-D2AC-CBA7-B59B-9BAA1E76EBEC}"/>
+              </a:ext>
+            </a:extLst>
+          </p:cNvPr>
+          <p:cNvSpPr txBox="1"/>
+          <p:nvPr/>
+        </p:nvSpPr>
+        <p:spPr>
+          <a:xfrm>
+            <a:off x="246327" y="5763679"/>
+            <a:ext cx="8651343" cy="369332"/>
+          </a:xfrm>
+          <a:prstGeom prst="rect">
+            <a:avLst/>
+          </a:prstGeom>
+          <a:noFill/>
+        </p:spPr>
+        <p:txBody>
+          <a:bodyPr wrap="none" rtlCol="0">
+            <a:spAutoFit/>
+          </a:bodyPr>
+          <a:lstStyle/>
+          <a:p>
+            <a:r>
+              <a:rPr lang="en-US" i="1"/>
+              <a:t>Cải tiến YC1-3 để dung được cả cho SingleFoodSearchProblem và MultiFoodSearchProblem</a:t>
             </a:r>
           </a:p>
         </p:txBody>
@@ -9948,7 +10228,7 @@
         </p:nvSpPr>
         <p:spPr>
           <a:xfrm>
-            <a:off x="781048" y="3466509"/>
+            <a:off x="781048" y="2582258"/>
             <a:ext cx="2762251" cy="1427570"/>
           </a:xfrm>
           <a:prstGeom prst="rect">
@@ -10040,7 +10320,7 @@
         </p:blipFill>
         <p:spPr>
           <a:xfrm>
-            <a:off x="3543299" y="3714757"/>
+            <a:off x="3543299" y="2830506"/>
             <a:ext cx="2626957" cy="465537"/>
           </a:xfrm>
           <a:prstGeom prst="rect">
@@ -10062,7 +10342,7 @@
         </p:nvSpPr>
         <p:spPr>
           <a:xfrm>
-            <a:off x="781047" y="5132793"/>
+            <a:off x="781048" y="3544291"/>
             <a:ext cx="2762251" cy="1427570"/>
           </a:xfrm>
           <a:prstGeom prst="rect">
@@ -10087,7 +10367,7 @@
                 <a:latin typeface="Times New Roman" panose="02020603050405020304" pitchFamily="18" charset="0"/>
                 <a:cs typeface="Times New Roman" panose="02020603050405020304" pitchFamily="18" charset="0"/>
               </a:rPr>
-              <a:t>Khoảng cách Manhattan</a:t>
+              <a:t>Khoảng cách Chebyshev</a:t>
             </a:r>
           </a:p>
           <a:p>
@@ -10154,7 +10434,7 @@
         </p:blipFill>
         <p:spPr>
           <a:xfrm>
-            <a:off x="3543298" y="5103604"/>
+            <a:off x="3543299" y="3569361"/>
             <a:ext cx="3793656" cy="647697"/>
           </a:xfrm>
           <a:prstGeom prst="rect">
@@ -10162,6 +10442,50 @@
           </a:prstGeom>
         </p:spPr>
       </p:pic>
+      <p:sp>
+        <p:nvSpPr>
+          <p:cNvPr id="9" name="TextBox 8">
+            <a:extLst>
+              <a:ext uri="{FF2B5EF4-FFF2-40B4-BE49-F238E27FC236}">
+                <a16:creationId xmlns:a16="http://schemas.microsoft.com/office/drawing/2014/main" id="{07192213-4093-B158-7615-5C02C5D78E3C}"/>
+              </a:ext>
+            </a:extLst>
+          </p:cNvPr>
+          <p:cNvSpPr txBox="1"/>
+          <p:nvPr/>
+        </p:nvSpPr>
+        <p:spPr>
+          <a:xfrm>
+            <a:off x="850497" y="4859786"/>
+            <a:ext cx="6099979" cy="458074"/>
+          </a:xfrm>
+          <a:prstGeom prst="rect">
+            <a:avLst/>
+          </a:prstGeom>
+          <a:noFill/>
+        </p:spPr>
+        <p:txBody>
+          <a:bodyPr wrap="square">
+            <a:spAutoFit/>
+          </a:bodyPr>
+          <a:lstStyle/>
+          <a:p>
+            <a:pPr algn="l">
+              <a:lnSpc>
+                <a:spcPct val="150000"/>
+              </a:lnSpc>
+            </a:pPr>
+            <a:r>
+              <a:rPr lang="en-US" i="1" u="sng">
+                <a:effectLst/>
+                <a:latin typeface="Times New Roman" panose="02020603050405020304" pitchFamily="18" charset="0"/>
+                <a:cs typeface="Times New Roman" panose="02020603050405020304" pitchFamily="18" charset="0"/>
+              </a:rPr>
+              <a:t>Các hàm heuristic có thể dung cho SingleFoodSearchProblem</a:t>
+            </a:r>
+          </a:p>
+        </p:txBody>
+      </p:sp>
     </p:spTree>
     <p:extLst>
       <p:ext uri="{BB962C8B-B14F-4D97-AF65-F5344CB8AC3E}">
@@ -10442,7 +10766,7 @@
         </p:blipFill>
         <p:spPr>
           <a:xfrm>
-            <a:off x="3752779" y="1374251"/>
+            <a:off x="1120111" y="1611059"/>
             <a:ext cx="1638442" cy="4511431"/>
           </a:xfrm>
           <a:prstGeom prst="rect">
@@ -10450,6 +10774,50 @@
           </a:prstGeom>
         </p:spPr>
       </p:pic>
+      <p:sp>
+        <p:nvSpPr>
+          <p:cNvPr id="7" name="TextBox 6">
+            <a:extLst>
+              <a:ext uri="{FF2B5EF4-FFF2-40B4-BE49-F238E27FC236}">
+                <a16:creationId xmlns:a16="http://schemas.microsoft.com/office/drawing/2014/main" id="{41F3B00E-EEC6-C3C0-4054-6A44FFDA2129}"/>
+              </a:ext>
+            </a:extLst>
+          </p:cNvPr>
+          <p:cNvSpPr txBox="1"/>
+          <p:nvPr/>
+        </p:nvSpPr>
+        <p:spPr>
+          <a:xfrm>
+            <a:off x="3130342" y="3637737"/>
+            <a:ext cx="6099979" cy="458074"/>
+          </a:xfrm>
+          <a:prstGeom prst="rect">
+            <a:avLst/>
+          </a:prstGeom>
+          <a:noFill/>
+        </p:spPr>
+        <p:txBody>
+          <a:bodyPr wrap="square">
+            <a:spAutoFit/>
+          </a:bodyPr>
+          <a:lstStyle/>
+          <a:p>
+            <a:pPr algn="l">
+              <a:lnSpc>
+                <a:spcPct val="150000"/>
+              </a:lnSpc>
+            </a:pPr>
+            <a:r>
+              <a:rPr lang="en-US" i="1" u="sng">
+                <a:effectLst/>
+                <a:latin typeface="Times New Roman" panose="02020603050405020304" pitchFamily="18" charset="0"/>
+                <a:cs typeface="Times New Roman" panose="02020603050405020304" pitchFamily="18" charset="0"/>
+              </a:rPr>
+              <a:t>Heuristic dung cho MultiFoodSearchProblem</a:t>
+            </a:r>
+          </a:p>
+        </p:txBody>
+      </p:sp>
     </p:spTree>
     <p:extLst>
       <p:ext uri="{BB962C8B-B14F-4D97-AF65-F5344CB8AC3E}">
@@ -10708,33 +11076,86 @@
           </a:p>
         </p:txBody>
       </p:sp>
+      <p:sp>
+        <p:nvSpPr>
+          <p:cNvPr id="6" name="TextBox 5">
+            <a:extLst>
+              <a:ext uri="{FF2B5EF4-FFF2-40B4-BE49-F238E27FC236}">
+                <a16:creationId xmlns:a16="http://schemas.microsoft.com/office/drawing/2014/main" id="{F3459CBF-C8CB-D11F-4C1C-7F3691FB67D3}"/>
+              </a:ext>
+            </a:extLst>
+          </p:cNvPr>
+          <p:cNvSpPr txBox="1"/>
+          <p:nvPr/>
+        </p:nvSpPr>
+        <p:spPr>
+          <a:xfrm>
+            <a:off x="3516261" y="5138919"/>
+            <a:ext cx="2111475" cy="369332"/>
+          </a:xfrm>
+          <a:prstGeom prst="rect">
+            <a:avLst/>
+          </a:prstGeom>
+          <a:noFill/>
+        </p:spPr>
+        <p:txBody>
+          <a:bodyPr wrap="none" rtlCol="0">
+            <a:spAutoFit/>
+          </a:bodyPr>
+          <a:lstStyle/>
+          <a:p>
+            <a:r>
+              <a:rPr lang="en-US" i="1"/>
+              <a:t>Cài đặt giải thuật A*</a:t>
+            </a:r>
+          </a:p>
+        </p:txBody>
+      </p:sp>
       <p:pic>
         <p:nvPicPr>
-          <p:cNvPr id="4" name="Picture 3">
-            <a:extLst>
-              <a:ext uri="{FF2B5EF4-FFF2-40B4-BE49-F238E27FC236}">
-                <a16:creationId xmlns:a16="http://schemas.microsoft.com/office/drawing/2014/main" id="{E12BC0F1-607B-17E9-1754-F5489A61089A}"/>
+          <p:cNvPr id="1026" name="Picture 2" descr="No description available.">
+            <a:extLst>
+              <a:ext uri="{FF2B5EF4-FFF2-40B4-BE49-F238E27FC236}">
+                <a16:creationId xmlns:a16="http://schemas.microsoft.com/office/drawing/2014/main" id="{0DDEF103-57C2-30E2-ED3E-9AB7C6BA55E4}"/>
               </a:ext>
             </a:extLst>
           </p:cNvPr>
           <p:cNvPicPr>
-            <a:picLocks noChangeAspect="1"/>
+            <a:picLocks noChangeAspect="1" noChangeArrowheads="1"/>
           </p:cNvPicPr>
           <p:nvPr/>
         </p:nvPicPr>
-        <p:blipFill rotWithShape="1">
-          <a:blip r:embed="rId3"/>
-          <a:srcRect l="780"/>
-          <a:stretch/>
+        <p:blipFill>
+          <a:blip r:embed="rId3">
+            <a:extLst>
+              <a:ext uri="{28A0092B-C50C-407E-A947-70E740481C1C}">
+                <a14:useLocalDpi xmlns:a14="http://schemas.microsoft.com/office/drawing/2010/main" val="0"/>
+              </a:ext>
+            </a:extLst>
+          </a:blip>
+          <a:srcRect/>
+          <a:stretch>
+            <a:fillRect/>
+          </a:stretch>
         </p:blipFill>
-        <p:spPr>
-          <a:xfrm>
-            <a:off x="1909762" y="1912531"/>
-            <a:ext cx="5324476" cy="3261539"/>
+        <p:spPr bwMode="auto">
+          <a:xfrm>
+            <a:off x="1184146" y="1912069"/>
+            <a:ext cx="6775706" cy="2865559"/>
           </a:xfrm>
           <a:prstGeom prst="rect">
             <a:avLst/>
           </a:prstGeom>
+          <a:noFill/>
+          <a:extLst>
+            <a:ext uri="{909E8E84-426E-40DD-AFC4-6F175D3DCCD1}">
+              <a14:hiddenFill xmlns:a14="http://schemas.microsoft.com/office/drawing/2010/main">
+                <a:solidFill>
+                  <a:srgbClr val="FFFFFF"/>
+                </a:solidFill>
+              </a14:hiddenFill>
+            </a:ext>
+          </a:extLst>
         </p:spPr>
       </p:pic>
     </p:spTree>
@@ -10769,6 +11190,42 @@
       </p:grpSpPr>
       <p:pic>
         <p:nvPicPr>
+          <p:cNvPr id="6" name="Picture 5" descr="Diagram&#10;&#10;Description automatically generated">
+            <a:extLst>
+              <a:ext uri="{FF2B5EF4-FFF2-40B4-BE49-F238E27FC236}">
+                <a16:creationId xmlns:a16="http://schemas.microsoft.com/office/drawing/2014/main" id="{17B1B28A-E020-8A31-7198-F20684828AFD}"/>
+              </a:ext>
+            </a:extLst>
+          </p:cNvPr>
+          <p:cNvPicPr>
+            <a:picLocks noChangeAspect="1"/>
+          </p:cNvPicPr>
+          <p:nvPr/>
+        </p:nvPicPr>
+        <p:blipFill>
+          <a:blip r:embed="rId2">
+            <a:extLst>
+              <a:ext uri="{28A0092B-C50C-407E-A947-70E740481C1C}">
+                <a14:useLocalDpi xmlns:a14="http://schemas.microsoft.com/office/drawing/2010/main" val="0"/>
+              </a:ext>
+            </a:extLst>
+          </a:blip>
+          <a:stretch>
+            <a:fillRect/>
+          </a:stretch>
+        </p:blipFill>
+        <p:spPr>
+          <a:xfrm>
+            <a:off x="2220225" y="1458659"/>
+            <a:ext cx="4703549" cy="4532161"/>
+          </a:xfrm>
+          <a:prstGeom prst="rect">
+            <a:avLst/>
+          </a:prstGeom>
+        </p:spPr>
+      </p:pic>
+      <p:pic>
+        <p:nvPicPr>
           <p:cNvPr id="1034" name="Picture 10">
             <a:extLst>
               <a:ext uri="{FF2B5EF4-FFF2-40B4-BE49-F238E27FC236}">
@@ -10782,7 +11239,7 @@
           <p:nvPr/>
         </p:nvPicPr>
         <p:blipFill>
-          <a:blip r:embed="rId2">
+          <a:blip r:embed="rId3">
             <a:extLst>
               <a:ext uri="{28A0092B-C50C-407E-A947-70E740481C1C}">
                 <a14:useLocalDpi xmlns:a14="http://schemas.microsoft.com/office/drawing/2010/main" val="0"/>
@@ -10991,6 +11448,41 @@
             <a:r>
               <a:rPr lang="en-US"/>
               <a:t>Trang 19</a:t>
+            </a:r>
+          </a:p>
+        </p:txBody>
+      </p:sp>
+      <p:sp>
+        <p:nvSpPr>
+          <p:cNvPr id="7" name="TextBox 6">
+            <a:extLst>
+              <a:ext uri="{FF2B5EF4-FFF2-40B4-BE49-F238E27FC236}">
+                <a16:creationId xmlns:a16="http://schemas.microsoft.com/office/drawing/2014/main" id="{EB47DA29-9FCC-30CE-0883-F7F361D9198F}"/>
+              </a:ext>
+            </a:extLst>
+          </p:cNvPr>
+          <p:cNvSpPr txBox="1"/>
+          <p:nvPr/>
+        </p:nvSpPr>
+        <p:spPr>
+          <a:xfrm>
+            <a:off x="345267" y="5399341"/>
+            <a:ext cx="2090765" cy="369332"/>
+          </a:xfrm>
+          <a:prstGeom prst="rect">
+            <a:avLst/>
+          </a:prstGeom>
+          <a:noFill/>
+        </p:spPr>
+        <p:txBody>
+          <a:bodyPr wrap="none" rtlCol="0">
+            <a:spAutoFit/>
+          </a:bodyPr>
+          <a:lstStyle/>
+          <a:p>
+            <a:r>
+              <a:rPr lang="en-US" i="1"/>
+              <a:t>Quy trình cải tiến A*</a:t>
             </a:r>
           </a:p>
         </p:txBody>
@@ -11160,7 +11652,7 @@
           <p:nvPr>
             <p:extLst>
               <p:ext uri="{D42A27DB-BD31-4B8C-83A1-F6EECF244321}">
-                <p14:modId xmlns:p14="http://schemas.microsoft.com/office/powerpoint/2010/main" val="1026004077"/>
+                <p14:modId xmlns:p14="http://schemas.microsoft.com/office/powerpoint/2010/main" val="3160738149"/>
               </p:ext>
             </p:extLst>
           </p:nvPr>
@@ -12356,6 +12848,41 @@
           </a:p>
         </p:txBody>
       </p:sp>
+      <p:sp>
+        <p:nvSpPr>
+          <p:cNvPr id="4" name="TextBox 3">
+            <a:extLst>
+              <a:ext uri="{FF2B5EF4-FFF2-40B4-BE49-F238E27FC236}">
+                <a16:creationId xmlns:a16="http://schemas.microsoft.com/office/drawing/2014/main" id="{85BE9376-B78B-4D14-03B7-71E92F2B4246}"/>
+              </a:ext>
+            </a:extLst>
+          </p:cNvPr>
+          <p:cNvSpPr txBox="1"/>
+          <p:nvPr/>
+        </p:nvSpPr>
+        <p:spPr>
+          <a:xfrm>
+            <a:off x="5809584" y="5191702"/>
+            <a:ext cx="2340769" cy="369332"/>
+          </a:xfrm>
+          <a:prstGeom prst="rect">
+            <a:avLst/>
+          </a:prstGeom>
+          <a:noFill/>
+        </p:spPr>
+        <p:txBody>
+          <a:bodyPr wrap="none" rtlCol="0">
+            <a:spAutoFit/>
+          </a:bodyPr>
+          <a:lstStyle/>
+          <a:p>
+            <a:r>
+              <a:rPr lang="en-US" i="1"/>
+              <a:t>Cài đặt giải thuật GBFS</a:t>
+            </a:r>
+          </a:p>
+        </p:txBody>
+      </p:sp>
     </p:spTree>
     <p:extLst>
       <p:ext uri="{BB962C8B-B14F-4D97-AF65-F5344CB8AC3E}">
@@ -13300,7 +13827,7 @@
         <p:spPr>
           <a:xfrm>
             <a:off x="3067050" y="1070277"/>
-            <a:ext cx="3009900" cy="3028950"/>
+            <a:ext cx="2731428" cy="2748716"/>
           </a:xfrm>
           <a:prstGeom prst="rect">
             <a:avLst/>
@@ -13329,7 +13856,7 @@
         </p:blipFill>
         <p:spPr>
           <a:xfrm>
-            <a:off x="1466581" y="4414083"/>
+            <a:off x="1466581" y="3971393"/>
             <a:ext cx="6210838" cy="1554615"/>
           </a:xfrm>
           <a:prstGeom prst="rect">
@@ -13337,6 +13864,41 @@
           </a:prstGeom>
         </p:spPr>
       </p:pic>
+      <p:sp>
+        <p:nvSpPr>
+          <p:cNvPr id="4" name="TextBox 3">
+            <a:extLst>
+              <a:ext uri="{FF2B5EF4-FFF2-40B4-BE49-F238E27FC236}">
+                <a16:creationId xmlns:a16="http://schemas.microsoft.com/office/drawing/2014/main" id="{C9A8F3A0-7BA7-04C0-6A45-BDCDED7689FE}"/>
+              </a:ext>
+            </a:extLst>
+          </p:cNvPr>
+          <p:cNvSpPr txBox="1"/>
+          <p:nvPr/>
+        </p:nvSpPr>
+        <p:spPr>
+          <a:xfrm>
+            <a:off x="2674974" y="5692046"/>
+            <a:ext cx="3794052" cy="369332"/>
+          </a:xfrm>
+          <a:prstGeom prst="rect">
+            <a:avLst/>
+          </a:prstGeom>
+          <a:noFill/>
+        </p:spPr>
+        <p:txBody>
+          <a:bodyPr wrap="none" rtlCol="0">
+            <a:spAutoFit/>
+          </a:bodyPr>
+          <a:lstStyle/>
+          <a:p>
+            <a:r>
+              <a:rPr lang="en-US" i="1"/>
+              <a:t>Hàm heuristic của bài toán 8 quân hậu</a:t>
+            </a:r>
+          </a:p>
+        </p:txBody>
+      </p:sp>
     </p:spTree>
     <p:extLst>
       <p:ext uri="{BB962C8B-B14F-4D97-AF65-F5344CB8AC3E}">
@@ -13625,6 +14187,41 @@
           </a:prstGeom>
         </p:spPr>
       </p:pic>
+      <p:sp>
+        <p:nvSpPr>
+          <p:cNvPr id="4" name="TextBox 3">
+            <a:extLst>
+              <a:ext uri="{FF2B5EF4-FFF2-40B4-BE49-F238E27FC236}">
+                <a16:creationId xmlns:a16="http://schemas.microsoft.com/office/drawing/2014/main" id="{F72DE690-623E-F6CB-33BB-A3DEC8E1BDBC}"/>
+              </a:ext>
+            </a:extLst>
+          </p:cNvPr>
+          <p:cNvSpPr txBox="1"/>
+          <p:nvPr/>
+        </p:nvSpPr>
+        <p:spPr>
+          <a:xfrm>
+            <a:off x="3670150" y="5423041"/>
+            <a:ext cx="1803699" cy="369332"/>
+          </a:xfrm>
+          <a:prstGeom prst="rect">
+            <a:avLst/>
+          </a:prstGeom>
+          <a:noFill/>
+        </p:spPr>
+        <p:txBody>
+          <a:bodyPr wrap="none" rtlCol="0">
+            <a:spAutoFit/>
+          </a:bodyPr>
+          <a:lstStyle/>
+          <a:p>
+            <a:r>
+              <a:rPr lang="en-US" i="1"/>
+              <a:t>Giải thuật leo đồi</a:t>
+            </a:r>
+          </a:p>
+        </p:txBody>
+      </p:sp>
     </p:spTree>
     <p:extLst>
       <p:ext uri="{BB962C8B-B14F-4D97-AF65-F5344CB8AC3E}">
@@ -14279,7 +14876,7 @@
           <p:nvPr>
             <p:extLst>
               <p:ext uri="{D42A27DB-BD31-4B8C-83A1-F6EECF244321}">
-                <p14:modId xmlns:p14="http://schemas.microsoft.com/office/powerpoint/2010/main" val="672685228"/>
+                <p14:modId xmlns:p14="http://schemas.microsoft.com/office/powerpoint/2010/main" val="2129380411"/>
               </p:ext>
             </p:extLst>
           </p:nvPr>
@@ -14590,10 +15187,13 @@
                     <a:lstStyle/>
                     <a:p>
                       <a:pPr algn="ctr"/>
-                      <a:endParaRPr lang="en-US">
-                        <a:latin typeface="Times New Roman" panose="02020603050405020304" pitchFamily="18" charset="0"/>
-                        <a:cs typeface="Times New Roman" panose="02020603050405020304" pitchFamily="18" charset="0"/>
-                      </a:endParaRPr>
+                      <a:r>
+                        <a:rPr lang="en-US">
+                          <a:latin typeface="Times New Roman" panose="02020603050405020304" pitchFamily="18" charset="0"/>
+                          <a:cs typeface="Times New Roman" panose="02020603050405020304" pitchFamily="18" charset="0"/>
+                        </a:rPr>
+                        <a:t>…</a:t>
+                      </a:r>
                     </a:p>
                   </a:txBody>
                   <a:tcPr/>
@@ -14642,10 +15242,13 @@
                     <a:lstStyle/>
                     <a:p>
                       <a:pPr algn="ctr"/>
-                      <a:endParaRPr lang="en-US">
-                        <a:latin typeface="Times New Roman" panose="02020603050405020304" pitchFamily="18" charset="0"/>
-                        <a:cs typeface="Times New Roman" panose="02020603050405020304" pitchFamily="18" charset="0"/>
-                      </a:endParaRPr>
+                      <a:r>
+                        <a:rPr lang="en-US">
+                          <a:latin typeface="Times New Roman" panose="02020603050405020304" pitchFamily="18" charset="0"/>
+                          <a:cs typeface="Times New Roman" panose="02020603050405020304" pitchFamily="18" charset="0"/>
+                        </a:rPr>
+                        <a:t>…</a:t>
+                      </a:r>
                     </a:p>
                   </a:txBody>
                   <a:tcPr/>
@@ -17227,10 +17830,10 @@
       </p:sp>
       <p:pic>
         <p:nvPicPr>
-          <p:cNvPr id="7" name="Picture 6">
-            <a:extLst>
-              <a:ext uri="{FF2B5EF4-FFF2-40B4-BE49-F238E27FC236}">
-                <a16:creationId xmlns:a16="http://schemas.microsoft.com/office/drawing/2014/main" id="{69D8DC54-039D-02F5-CE7D-B44993CE410C}"/>
+          <p:cNvPr id="6" name="Picture 5">
+            <a:extLst>
+              <a:ext uri="{FF2B5EF4-FFF2-40B4-BE49-F238E27FC236}">
+                <a16:creationId xmlns:a16="http://schemas.microsoft.com/office/drawing/2014/main" id="{43B774FE-5094-7AB3-83D9-57A0DF7FF1F6}"/>
               </a:ext>
             </a:extLst>
           </p:cNvPr>
@@ -17247,14 +17850,49 @@
         </p:blipFill>
         <p:spPr>
           <a:xfrm>
-            <a:off x="2080044" y="1512394"/>
-            <a:ext cx="4983912" cy="4061812"/>
+            <a:off x="2201974" y="1512404"/>
+            <a:ext cx="4740051" cy="3833192"/>
           </a:xfrm>
           <a:prstGeom prst="rect">
             <a:avLst/>
           </a:prstGeom>
         </p:spPr>
       </p:pic>
+      <p:sp>
+        <p:nvSpPr>
+          <p:cNvPr id="8" name="TextBox 7">
+            <a:extLst>
+              <a:ext uri="{FF2B5EF4-FFF2-40B4-BE49-F238E27FC236}">
+                <a16:creationId xmlns:a16="http://schemas.microsoft.com/office/drawing/2014/main" id="{734BE0A0-109F-5738-2B5A-12B232A6A7ED}"/>
+              </a:ext>
+            </a:extLst>
+          </p:cNvPr>
+          <p:cNvSpPr txBox="1"/>
+          <p:nvPr/>
+        </p:nvSpPr>
+        <p:spPr>
+          <a:xfrm>
+            <a:off x="2730918" y="5607569"/>
+            <a:ext cx="3682162" cy="369332"/>
+          </a:xfrm>
+          <a:prstGeom prst="rect">
+            <a:avLst/>
+          </a:prstGeom>
+          <a:noFill/>
+        </p:spPr>
+        <p:txBody>
+          <a:bodyPr wrap="none" rtlCol="0">
+            <a:spAutoFit/>
+          </a:bodyPr>
+          <a:lstStyle/>
+          <a:p>
+            <a:r>
+              <a:rPr lang="en-US" i="1"/>
+              <a:t>Cài đặt lớp SingleFoodSearchProblem</a:t>
+            </a:r>
+          </a:p>
+        </p:txBody>
+      </p:sp>
     </p:spTree>
     <p:extLst>
       <p:ext uri="{BB962C8B-B14F-4D97-AF65-F5344CB8AC3E}">

--- a/present/presentation.pptx
+++ b/present/presentation.pptx
@@ -5,7 +5,7 @@
     <p:sldMasterId id="2147483660" r:id="rId1"/>
   </p:sldMasterIdLst>
   <p:notesMasterIdLst>
-    <p:notesMasterId r:id="rId28"/>
+    <p:notesMasterId r:id="rId30"/>
   </p:notesMasterIdLst>
   <p:sldIdLst>
     <p:sldId id="257" r:id="rId2"/>
@@ -33,10 +33,12 @@
     <p:sldId id="271" r:id="rId24"/>
     <p:sldId id="275" r:id="rId25"/>
     <p:sldId id="276" r:id="rId26"/>
-    <p:sldId id="272" r:id="rId27"/>
+    <p:sldId id="283" r:id="rId27"/>
+    <p:sldId id="284" r:id="rId28"/>
+    <p:sldId id="272" r:id="rId29"/>
   </p:sldIdLst>
   <p:sldSz cx="9144000" cy="6858000" type="screen4x3"/>
-  <p:notesSz cx="6858000" cy="9144000"/>
+  <p:notesSz cx="7315200" cy="9601200"/>
   <p:defaultTextStyle>
     <a:defPPr>
       <a:defRPr lang="en-US"/>
@@ -143,7 +145,7 @@
 <file path=ppt/revisionInfo.xml><?xml version="1.0" encoding="utf-8"?>
 <p1510:revInfo xmlns:a="http://schemas.openxmlformats.org/drawingml/2006/main" xmlns:r="http://schemas.openxmlformats.org/officeDocument/2006/relationships" xmlns:p1510="http://schemas.microsoft.com/office/powerpoint/2015/10/main">
   <p1510:revLst>
-    <p1510:client id="{FA98E611-7EE5-4D53-A8F6-A8478DA16B0D}" v="155" dt="2023-03-20T07:02:18.846"/>
+    <p1510:client id="{FA98E611-7EE5-4D53-A8F6-A8478DA16B0D}" v="157" dt="2023-03-20T07:18:48.152"/>
   </p1510:revLst>
 </p1510:revInfo>
 </file>
@@ -152,8 +154,8 @@
 <pc:chgInfo xmlns:a="http://schemas.openxmlformats.org/drawingml/2006/main" xmlns:r="http://schemas.openxmlformats.org/officeDocument/2006/relationships" xmlns:ac="http://schemas.microsoft.com/office/drawing/2013/main/command" xmlns:pc="http://schemas.microsoft.com/office/powerpoint/2013/main/command">
   <pc:docChgLst>
     <pc:chgData name="Trung Nghia Nguyen" userId="caf0b1f78d203fdc" providerId="LiveId" clId="{FA98E611-7EE5-4D53-A8F6-A8478DA16B0D}"/>
-    <pc:docChg chg="undo custSel addSld delSld modSld sldOrd modMainMaster">
-      <pc:chgData name="Trung Nghia Nguyen" userId="caf0b1f78d203fdc" providerId="LiveId" clId="{FA98E611-7EE5-4D53-A8F6-A8478DA16B0D}" dt="2023-03-20T07:03:02.489" v="5743" actId="5793"/>
+    <pc:docChg chg="undo custSel addSld delSld modSld sldOrd modMainMaster modNotesMaster">
+      <pc:chgData name="Trung Nghia Nguyen" userId="caf0b1f78d203fdc" providerId="LiveId" clId="{FA98E611-7EE5-4D53-A8F6-A8478DA16B0D}" dt="2023-03-20T07:19:32.351" v="7035" actId="20577"/>
       <pc:docMkLst>
         <pc:docMk/>
       </pc:docMkLst>
@@ -1286,7 +1288,7 @@
         </pc:cxnChg>
       </pc:sldChg>
       <pc:sldChg chg="addSp delSp modSp add mod">
-        <pc:chgData name="Trung Nghia Nguyen" userId="caf0b1f78d203fdc" providerId="LiveId" clId="{FA98E611-7EE5-4D53-A8F6-A8478DA16B0D}" dt="2023-03-19T19:43:46.776" v="4606" actId="20577"/>
+        <pc:chgData name="Trung Nghia Nguyen" userId="caf0b1f78d203fdc" providerId="LiveId" clId="{FA98E611-7EE5-4D53-A8F6-A8478DA16B0D}" dt="2023-03-20T07:19:32.351" v="7035" actId="20577"/>
         <pc:sldMkLst>
           <pc:docMk/>
           <pc:sldMk cId="610409002" sldId="272"/>
@@ -1300,7 +1302,7 @@
           </ac:spMkLst>
         </pc:spChg>
         <pc:spChg chg="add mod">
-          <ac:chgData name="Trung Nghia Nguyen" userId="caf0b1f78d203fdc" providerId="LiveId" clId="{FA98E611-7EE5-4D53-A8F6-A8478DA16B0D}" dt="2023-03-19T19:43:46.776" v="4606" actId="20577"/>
+          <ac:chgData name="Trung Nghia Nguyen" userId="caf0b1f78d203fdc" providerId="LiveId" clId="{FA98E611-7EE5-4D53-A8F6-A8478DA16B0D}" dt="2023-03-20T07:19:32.351" v="7035" actId="20577"/>
           <ac:spMkLst>
             <pc:docMk/>
             <pc:sldMk cId="610409002" sldId="272"/>
@@ -1849,6 +1851,76 @@
           </ac:picMkLst>
         </pc:picChg>
       </pc:sldChg>
+      <pc:sldChg chg="addSp delSp modSp add mod">
+        <pc:chgData name="Trung Nghia Nguyen" userId="caf0b1f78d203fdc" providerId="LiveId" clId="{FA98E611-7EE5-4D53-A8F6-A8478DA16B0D}" dt="2023-03-20T07:19:24.474" v="7031" actId="20577"/>
+        <pc:sldMkLst>
+          <pc:docMk/>
+          <pc:sldMk cId="3273506458" sldId="283"/>
+        </pc:sldMkLst>
+        <pc:spChg chg="mod">
+          <ac:chgData name="Trung Nghia Nguyen" userId="caf0b1f78d203fdc" providerId="LiveId" clId="{FA98E611-7EE5-4D53-A8F6-A8478DA16B0D}" dt="2023-03-20T07:11:30.957" v="5765" actId="20577"/>
+          <ac:spMkLst>
+            <pc:docMk/>
+            <pc:sldMk cId="3273506458" sldId="283"/>
+            <ac:spMk id="4" creationId="{459EF129-6740-B341-7BC7-05D580180742}"/>
+          </ac:spMkLst>
+        </pc:spChg>
+        <pc:spChg chg="add mod">
+          <ac:chgData name="Trung Nghia Nguyen" userId="caf0b1f78d203fdc" providerId="LiveId" clId="{FA98E611-7EE5-4D53-A8F6-A8478DA16B0D}" dt="2023-03-20T07:17:20.280" v="6905" actId="20577"/>
+          <ac:spMkLst>
+            <pc:docMk/>
+            <pc:sldMk cId="3273506458" sldId="283"/>
+            <ac:spMk id="5" creationId="{B124AB6E-B685-3C3C-17A7-881BC0274152}"/>
+          </ac:spMkLst>
+        </pc:spChg>
+        <pc:spChg chg="mod">
+          <ac:chgData name="Trung Nghia Nguyen" userId="caf0b1f78d203fdc" providerId="LiveId" clId="{FA98E611-7EE5-4D53-A8F6-A8478DA16B0D}" dt="2023-03-20T07:19:24.474" v="7031" actId="20577"/>
+          <ac:spMkLst>
+            <pc:docMk/>
+            <pc:sldMk cId="3273506458" sldId="283"/>
+            <ac:spMk id="6" creationId="{FD7465EC-84B6-406C-4864-45ADF9FB642F}"/>
+          </ac:spMkLst>
+        </pc:spChg>
+        <pc:graphicFrameChg chg="del">
+          <ac:chgData name="Trung Nghia Nguyen" userId="caf0b1f78d203fdc" providerId="LiveId" clId="{FA98E611-7EE5-4D53-A8F6-A8478DA16B0D}" dt="2023-03-20T07:11:34.358" v="5766" actId="478"/>
+          <ac:graphicFrameMkLst>
+            <pc:docMk/>
+            <pc:sldMk cId="3273506458" sldId="283"/>
+            <ac:graphicFrameMk id="3" creationId="{5E8325E1-BDCF-5783-E97F-C770E7E58F6D}"/>
+          </ac:graphicFrameMkLst>
+        </pc:graphicFrameChg>
+      </pc:sldChg>
+      <pc:sldChg chg="modSp add mod">
+        <pc:chgData name="Trung Nghia Nguyen" userId="caf0b1f78d203fdc" providerId="LiveId" clId="{FA98E611-7EE5-4D53-A8F6-A8478DA16B0D}" dt="2023-03-20T07:19:27.761" v="7033" actId="20577"/>
+        <pc:sldMkLst>
+          <pc:docMk/>
+          <pc:sldMk cId="1076178229" sldId="284"/>
+        </pc:sldMkLst>
+        <pc:spChg chg="mod">
+          <ac:chgData name="Trung Nghia Nguyen" userId="caf0b1f78d203fdc" providerId="LiveId" clId="{FA98E611-7EE5-4D53-A8F6-A8478DA16B0D}" dt="2023-03-20T07:13:46.504" v="6236" actId="20577"/>
+          <ac:spMkLst>
+            <pc:docMk/>
+            <pc:sldMk cId="1076178229" sldId="284"/>
+            <ac:spMk id="4" creationId="{459EF129-6740-B341-7BC7-05D580180742}"/>
+          </ac:spMkLst>
+        </pc:spChg>
+        <pc:spChg chg="mod">
+          <ac:chgData name="Trung Nghia Nguyen" userId="caf0b1f78d203fdc" providerId="LiveId" clId="{FA98E611-7EE5-4D53-A8F6-A8478DA16B0D}" dt="2023-03-20T07:17:45.459" v="7028" actId="20577"/>
+          <ac:spMkLst>
+            <pc:docMk/>
+            <pc:sldMk cId="1076178229" sldId="284"/>
+            <ac:spMk id="5" creationId="{B124AB6E-B685-3C3C-17A7-881BC0274152}"/>
+          </ac:spMkLst>
+        </pc:spChg>
+        <pc:spChg chg="mod">
+          <ac:chgData name="Trung Nghia Nguyen" userId="caf0b1f78d203fdc" providerId="LiveId" clId="{FA98E611-7EE5-4D53-A8F6-A8478DA16B0D}" dt="2023-03-20T07:19:27.761" v="7033" actId="20577"/>
+          <ac:spMkLst>
+            <pc:docMk/>
+            <pc:sldMk cId="1076178229" sldId="284"/>
+            <ac:spMk id="6" creationId="{FD7465EC-84B6-406C-4864-45ADF9FB642F}"/>
+          </ac:spMkLst>
+        </pc:spChg>
+      </pc:sldChg>
       <pc:sldMasterChg chg="modSp modSldLayout">
         <pc:chgData name="Trung Nghia Nguyen" userId="caf0b1f78d203fdc" providerId="LiveId" clId="{FA98E611-7EE5-4D53-A8F6-A8478DA16B0D}" dt="2023-03-16T04:24:21.249" v="1"/>
         <pc:sldMasterMkLst>
@@ -2163,17 +2235,17 @@
         <p:spPr>
           <a:xfrm>
             <a:off x="0" y="0"/>
-            <a:ext cx="2971800" cy="458788"/>
+            <a:ext cx="3169920" cy="481727"/>
           </a:xfrm>
           <a:prstGeom prst="rect">
             <a:avLst/>
           </a:prstGeom>
         </p:spPr>
         <p:txBody>
-          <a:bodyPr vert="horz" lIns="91440" tIns="45720" rIns="91440" bIns="45720" rtlCol="0"/>
+          <a:bodyPr vert="horz" lIns="96661" tIns="48331" rIns="96661" bIns="48331" rtlCol="0"/>
           <a:lstStyle>
             <a:lvl1pPr algn="l">
-              <a:defRPr sz="1200"/>
+              <a:defRPr sz="1300"/>
             </a:lvl1pPr>
           </a:lstStyle>
           <a:p>
@@ -2193,18 +2265,18 @@
         </p:nvSpPr>
         <p:spPr>
           <a:xfrm>
-            <a:off x="3884613" y="0"/>
-            <a:ext cx="2971800" cy="458788"/>
+            <a:off x="4143587" y="0"/>
+            <a:ext cx="3169920" cy="481727"/>
           </a:xfrm>
           <a:prstGeom prst="rect">
             <a:avLst/>
           </a:prstGeom>
         </p:spPr>
         <p:txBody>
-          <a:bodyPr vert="horz" lIns="91440" tIns="45720" rIns="91440" bIns="45720" rtlCol="0"/>
+          <a:bodyPr vert="horz" lIns="96661" tIns="48331" rIns="96661" bIns="48331" rtlCol="0"/>
           <a:lstStyle>
             <a:lvl1pPr algn="r">
-              <a:defRPr sz="1200"/>
+              <a:defRPr sz="1300"/>
             </a:lvl1pPr>
           </a:lstStyle>
           <a:p>
@@ -2228,8 +2300,8 @@
         </p:nvSpPr>
         <p:spPr>
           <a:xfrm>
-            <a:off x="1371600" y="1143000"/>
-            <a:ext cx="4114800" cy="3086100"/>
+            <a:off x="1497013" y="1200150"/>
+            <a:ext cx="4321175" cy="3240088"/>
           </a:xfrm>
           <a:prstGeom prst="rect">
             <a:avLst/>
@@ -2242,7 +2314,7 @@
           </a:ln>
         </p:spPr>
         <p:txBody>
-          <a:bodyPr vert="horz" lIns="91440" tIns="45720" rIns="91440" bIns="45720" rtlCol="0" anchor="ctr"/>
+          <a:bodyPr vert="horz" lIns="96661" tIns="48331" rIns="96661" bIns="48331" rtlCol="0" anchor="ctr"/>
           <a:lstStyle/>
           <a:p>
             <a:endParaRPr lang="en-US"/>
@@ -2261,15 +2333,15 @@
         </p:nvSpPr>
         <p:spPr>
           <a:xfrm>
-            <a:off x="685800" y="4400550"/>
-            <a:ext cx="5486400" cy="3600450"/>
+            <a:off x="731520" y="4620577"/>
+            <a:ext cx="5852160" cy="3780473"/>
           </a:xfrm>
           <a:prstGeom prst="rect">
             <a:avLst/>
           </a:prstGeom>
         </p:spPr>
         <p:txBody>
-          <a:bodyPr vert="horz" lIns="91440" tIns="45720" rIns="91440" bIns="45720" rtlCol="0"/>
+          <a:bodyPr vert="horz" lIns="96661" tIns="48331" rIns="96661" bIns="48331" rtlCol="0"/>
           <a:lstStyle/>
           <a:p>
             <a:pPr lvl="0"/>
@@ -2320,18 +2392,18 @@
         </p:nvSpPr>
         <p:spPr>
           <a:xfrm>
-            <a:off x="0" y="8685213"/>
-            <a:ext cx="2971800" cy="458787"/>
+            <a:off x="0" y="9119474"/>
+            <a:ext cx="3169920" cy="481726"/>
           </a:xfrm>
           <a:prstGeom prst="rect">
             <a:avLst/>
           </a:prstGeom>
         </p:spPr>
         <p:txBody>
-          <a:bodyPr vert="horz" lIns="91440" tIns="45720" rIns="91440" bIns="45720" rtlCol="0" anchor="b"/>
+          <a:bodyPr vert="horz" lIns="96661" tIns="48331" rIns="96661" bIns="48331" rtlCol="0" anchor="b"/>
           <a:lstStyle>
             <a:lvl1pPr algn="l">
-              <a:defRPr sz="1200"/>
+              <a:defRPr sz="1300"/>
             </a:lvl1pPr>
           </a:lstStyle>
           <a:p>
@@ -2351,18 +2423,18 @@
         </p:nvSpPr>
         <p:spPr>
           <a:xfrm>
-            <a:off x="3884613" y="8685213"/>
-            <a:ext cx="2971800" cy="458787"/>
+            <a:off x="4143587" y="9119474"/>
+            <a:ext cx="3169920" cy="481726"/>
           </a:xfrm>
           <a:prstGeom prst="rect">
             <a:avLst/>
           </a:prstGeom>
         </p:spPr>
         <p:txBody>
-          <a:bodyPr vert="horz" lIns="91440" tIns="45720" rIns="91440" bIns="45720" rtlCol="0" anchor="b"/>
+          <a:bodyPr vert="horz" lIns="96661" tIns="48331" rIns="96661" bIns="48331" rtlCol="0" anchor="b"/>
           <a:lstStyle>
             <a:lvl1pPr algn="r">
-              <a:defRPr sz="1200"/>
+              <a:defRPr sz="1300"/>
             </a:lvl1pPr>
           </a:lstStyle>
           <a:p>
@@ -15516,6 +15588,753 @@
           <a:p>
             <a:r>
               <a:rPr lang="en-US" b="1"/>
+              <a:t>TỔNG KẾT</a:t>
+            </a:r>
+          </a:p>
+        </p:txBody>
+      </p:sp>
+      <p:sp>
+        <p:nvSpPr>
+          <p:cNvPr id="4" name="TextBox 3">
+            <a:extLst>
+              <a:ext uri="{FF2B5EF4-FFF2-40B4-BE49-F238E27FC236}">
+                <a16:creationId xmlns:a16="http://schemas.microsoft.com/office/drawing/2014/main" id="{459EF129-6740-B341-7BC7-05D580180742}"/>
+              </a:ext>
+            </a:extLst>
+          </p:cNvPr>
+          <p:cNvSpPr txBox="1"/>
+          <p:nvPr/>
+        </p:nvSpPr>
+        <p:spPr>
+          <a:xfrm>
+            <a:off x="76200" y="1089327"/>
+            <a:ext cx="1059906" cy="369332"/>
+          </a:xfrm>
+          <a:prstGeom prst="rect">
+            <a:avLst/>
+          </a:prstGeom>
+          <a:noFill/>
+        </p:spPr>
+        <p:txBody>
+          <a:bodyPr wrap="none" rtlCol="0">
+            <a:spAutoFit/>
+          </a:bodyPr>
+          <a:lstStyle/>
+          <a:p>
+            <a:r>
+              <a:rPr lang="en-US" i="1"/>
+              <a:t>Thuận lợi</a:t>
+            </a:r>
+          </a:p>
+        </p:txBody>
+      </p:sp>
+      <p:cxnSp>
+        <p:nvCxnSpPr>
+          <p:cNvPr id="2" name="Straight Connector 1">
+            <a:extLst>
+              <a:ext uri="{FF2B5EF4-FFF2-40B4-BE49-F238E27FC236}">
+                <a16:creationId xmlns:a16="http://schemas.microsoft.com/office/drawing/2014/main" id="{E84DC22F-1018-3740-66B4-518AAE2387D5}"/>
+              </a:ext>
+            </a:extLst>
+          </p:cNvPr>
+          <p:cNvCxnSpPr>
+            <a:cxnSpLocks/>
+          </p:cNvCxnSpPr>
+          <p:nvPr/>
+        </p:nvCxnSpPr>
+        <p:spPr>
+          <a:xfrm>
+            <a:off x="4752975" y="6238875"/>
+            <a:ext cx="4286250" cy="0"/>
+          </a:xfrm>
+          <a:prstGeom prst="line">
+            <a:avLst/>
+          </a:prstGeom>
+        </p:spPr>
+        <p:style>
+          <a:lnRef idx="1">
+            <a:schemeClr val="accent1"/>
+          </a:lnRef>
+          <a:fillRef idx="0">
+            <a:schemeClr val="accent1"/>
+          </a:fillRef>
+          <a:effectRef idx="0">
+            <a:schemeClr val="accent1"/>
+          </a:effectRef>
+          <a:fontRef idx="minor">
+            <a:schemeClr val="tx1"/>
+          </a:fontRef>
+        </p:style>
+      </p:cxnSp>
+      <p:sp>
+        <p:nvSpPr>
+          <p:cNvPr id="6" name="TextBox 5">
+            <a:extLst>
+              <a:ext uri="{FF2B5EF4-FFF2-40B4-BE49-F238E27FC236}">
+                <a16:creationId xmlns:a16="http://schemas.microsoft.com/office/drawing/2014/main" id="{FD7465EC-84B6-406C-4864-45ADF9FB642F}"/>
+              </a:ext>
+            </a:extLst>
+          </p:cNvPr>
+          <p:cNvSpPr txBox="1"/>
+          <p:nvPr/>
+        </p:nvSpPr>
+        <p:spPr>
+          <a:xfrm>
+            <a:off x="7753350" y="6336334"/>
+            <a:ext cx="1285874" cy="369332"/>
+          </a:xfrm>
+          <a:prstGeom prst="rect">
+            <a:avLst/>
+          </a:prstGeom>
+          <a:noFill/>
+        </p:spPr>
+        <p:txBody>
+          <a:bodyPr wrap="square" rtlCol="0">
+            <a:spAutoFit/>
+          </a:bodyPr>
+          <a:lstStyle/>
+          <a:p>
+            <a:r>
+              <a:rPr lang="en-US"/>
+              <a:t>Trang 26</a:t>
+            </a:r>
+          </a:p>
+        </p:txBody>
+      </p:sp>
+      <p:sp>
+        <p:nvSpPr>
+          <p:cNvPr id="5" name="TextBox 4">
+            <a:extLst>
+              <a:ext uri="{FF2B5EF4-FFF2-40B4-BE49-F238E27FC236}">
+                <a16:creationId xmlns:a16="http://schemas.microsoft.com/office/drawing/2014/main" id="{B124AB6E-B685-3C3C-17A7-881BC0274152}"/>
+              </a:ext>
+            </a:extLst>
+          </p:cNvPr>
+          <p:cNvSpPr txBox="1"/>
+          <p:nvPr/>
+        </p:nvSpPr>
+        <p:spPr>
+          <a:xfrm>
+            <a:off x="606152" y="1844627"/>
+            <a:ext cx="7553109" cy="3331938"/>
+          </a:xfrm>
+          <a:prstGeom prst="rect">
+            <a:avLst/>
+          </a:prstGeom>
+          <a:noFill/>
+        </p:spPr>
+        <p:txBody>
+          <a:bodyPr wrap="square" rtlCol="0">
+            <a:spAutoFit/>
+          </a:bodyPr>
+          <a:lstStyle/>
+          <a:p>
+            <a:pPr marL="285750" indent="-285750">
+              <a:lnSpc>
+                <a:spcPct val="200000"/>
+              </a:lnSpc>
+              <a:buFont typeface="Arial" panose="020B0604020202020204" pitchFamily="34" charset="0"/>
+              <a:buChar char="•"/>
+            </a:pPr>
+            <a:r>
+              <a:rPr lang="en-US">
+                <a:latin typeface="Times New Roman" panose="02020603050405020304" pitchFamily="18" charset="0"/>
+                <a:cs typeface="Times New Roman" panose="02020603050405020304" pitchFamily="18" charset="0"/>
+              </a:rPr>
+              <a:t>Đa số các thành viên làm việc ăn ý</a:t>
+            </a:r>
+          </a:p>
+          <a:p>
+            <a:pPr marL="285750" indent="-285750">
+              <a:lnSpc>
+                <a:spcPct val="200000"/>
+              </a:lnSpc>
+              <a:buFont typeface="Arial" panose="020B0604020202020204" pitchFamily="34" charset="0"/>
+              <a:buChar char="•"/>
+            </a:pPr>
+            <a:r>
+              <a:rPr lang="en-US">
+                <a:latin typeface="Times New Roman" panose="02020603050405020304" pitchFamily="18" charset="0"/>
+                <a:cs typeface="Times New Roman" panose="02020603050405020304" pitchFamily="18" charset="0"/>
+              </a:rPr>
+              <a:t>Đa số các thành viên có kiến thức về Git</a:t>
+            </a:r>
+          </a:p>
+          <a:p>
+            <a:pPr marL="285750" indent="-285750">
+              <a:lnSpc>
+                <a:spcPct val="200000"/>
+              </a:lnSpc>
+              <a:buFont typeface="Arial" panose="020B0604020202020204" pitchFamily="34" charset="0"/>
+              <a:buChar char="•"/>
+            </a:pPr>
+            <a:r>
+              <a:rPr lang="en-US">
+                <a:latin typeface="Times New Roman" panose="02020603050405020304" pitchFamily="18" charset="0"/>
+                <a:cs typeface="Times New Roman" panose="02020603050405020304" pitchFamily="18" charset="0"/>
+              </a:rPr>
+              <a:t>Đa số thành viên nhiệt tình tham gia tìm hiểu đề tài</a:t>
+            </a:r>
+          </a:p>
+          <a:p>
+            <a:pPr marL="285750" indent="-285750">
+              <a:lnSpc>
+                <a:spcPct val="200000"/>
+              </a:lnSpc>
+              <a:buFont typeface="Arial" panose="020B0604020202020204" pitchFamily="34" charset="0"/>
+              <a:buChar char="•"/>
+            </a:pPr>
+            <a:r>
+              <a:rPr lang="en-US">
+                <a:latin typeface="Times New Roman" panose="02020603050405020304" pitchFamily="18" charset="0"/>
+                <a:cs typeface="Times New Roman" panose="02020603050405020304" pitchFamily="18" charset="0"/>
+              </a:rPr>
+              <a:t>Vấn đề nghiên cứu được phân chia bài bản</a:t>
+            </a:r>
+          </a:p>
+          <a:p>
+            <a:pPr marL="285750" indent="-285750">
+              <a:lnSpc>
+                <a:spcPct val="200000"/>
+              </a:lnSpc>
+              <a:buFont typeface="Arial" panose="020B0604020202020204" pitchFamily="34" charset="0"/>
+              <a:buChar char="•"/>
+            </a:pPr>
+            <a:r>
+              <a:rPr lang="en-US">
+                <a:latin typeface="Times New Roman" panose="02020603050405020304" pitchFamily="18" charset="0"/>
+                <a:cs typeface="Times New Roman" panose="02020603050405020304" pitchFamily="18" charset="0"/>
+              </a:rPr>
+              <a:t>Các thành viên có nền tảng lập trình tốt</a:t>
+            </a:r>
+          </a:p>
+          <a:p>
+            <a:pPr marL="285750" indent="-285750">
+              <a:lnSpc>
+                <a:spcPct val="200000"/>
+              </a:lnSpc>
+              <a:buFont typeface="Arial" panose="020B0604020202020204" pitchFamily="34" charset="0"/>
+              <a:buChar char="•"/>
+            </a:pPr>
+            <a:endParaRPr lang="en-US">
+              <a:latin typeface="Times New Roman" panose="02020603050405020304" pitchFamily="18" charset="0"/>
+              <a:cs typeface="Times New Roman" panose="02020603050405020304" pitchFamily="18" charset="0"/>
+            </a:endParaRPr>
+          </a:p>
+        </p:txBody>
+      </p:sp>
+    </p:spTree>
+    <p:extLst>
+      <p:ext uri="{BB962C8B-B14F-4D97-AF65-F5344CB8AC3E}">
+        <p14:creationId xmlns:p14="http://schemas.microsoft.com/office/powerpoint/2010/main" val="3273506458"/>
+      </p:ext>
+    </p:extLst>
+  </p:cSld>
+  <p:clrMapOvr>
+    <a:masterClrMapping/>
+  </p:clrMapOvr>
+</p:sld>
+</file>
+
+<file path=ppt/slides/slide27.xml><?xml version="1.0" encoding="utf-8"?>
+<p:sld xmlns:a="http://schemas.openxmlformats.org/drawingml/2006/main" xmlns:r="http://schemas.openxmlformats.org/officeDocument/2006/relationships" xmlns:p="http://schemas.openxmlformats.org/presentationml/2006/main">
+  <p:cSld>
+    <p:spTree>
+      <p:nvGrpSpPr>
+        <p:cNvPr id="1" name=""/>
+        <p:cNvGrpSpPr/>
+        <p:nvPr/>
+      </p:nvGrpSpPr>
+      <p:grpSpPr>
+        <a:xfrm>
+          <a:off x="0" y="0"/>
+          <a:ext cx="0" cy="0"/>
+          <a:chOff x="0" y="0"/>
+          <a:chExt cx="0" cy="0"/>
+        </a:xfrm>
+      </p:grpSpPr>
+      <p:pic>
+        <p:nvPicPr>
+          <p:cNvPr id="1034" name="Picture 10">
+            <a:extLst>
+              <a:ext uri="{FF2B5EF4-FFF2-40B4-BE49-F238E27FC236}">
+                <a16:creationId xmlns:a16="http://schemas.microsoft.com/office/drawing/2014/main" id="{6F72484C-A752-76F3-F259-0A997B815A00}"/>
+              </a:ext>
+            </a:extLst>
+          </p:cNvPr>
+          <p:cNvPicPr>
+            <a:picLocks noChangeAspect="1" noChangeArrowheads="1"/>
+          </p:cNvPicPr>
+          <p:nvPr/>
+        </p:nvPicPr>
+        <p:blipFill>
+          <a:blip r:embed="rId2">
+            <a:extLst>
+              <a:ext uri="{28A0092B-C50C-407E-A947-70E740481C1C}">
+                <a14:useLocalDpi xmlns:a14="http://schemas.microsoft.com/office/drawing/2010/main" val="0"/>
+              </a:ext>
+            </a:extLst>
+          </a:blip>
+          <a:srcRect/>
+          <a:stretch>
+            <a:fillRect/>
+          </a:stretch>
+        </p:blipFill>
+        <p:spPr bwMode="auto">
+          <a:xfrm>
+            <a:off x="76200" y="119063"/>
+            <a:ext cx="1114424" cy="614791"/>
+          </a:xfrm>
+          <a:prstGeom prst="rect">
+            <a:avLst/>
+          </a:prstGeom>
+          <a:noFill/>
+          <a:extLst>
+            <a:ext uri="{909E8E84-426E-40DD-AFC4-6F175D3DCCD1}">
+              <a14:hiddenFill xmlns:a14="http://schemas.microsoft.com/office/drawing/2010/main">
+                <a:solidFill>
+                  <a:srgbClr val="FFFFFF"/>
+                </a:solidFill>
+              </a14:hiddenFill>
+            </a:ext>
+          </a:extLst>
+        </p:spPr>
+      </p:pic>
+      <p:cxnSp>
+        <p:nvCxnSpPr>
+          <p:cNvPr id="11" name="Straight Connector 10">
+            <a:extLst>
+              <a:ext uri="{FF2B5EF4-FFF2-40B4-BE49-F238E27FC236}">
+                <a16:creationId xmlns:a16="http://schemas.microsoft.com/office/drawing/2014/main" id="{E5C4A229-E185-5A4B-53B1-81D591292671}"/>
+              </a:ext>
+            </a:extLst>
+          </p:cNvPr>
+          <p:cNvCxnSpPr>
+            <a:cxnSpLocks/>
+          </p:cNvCxnSpPr>
+          <p:nvPr/>
+        </p:nvCxnSpPr>
+        <p:spPr>
+          <a:xfrm>
+            <a:off x="76200" y="847725"/>
+            <a:ext cx="7648575" cy="0"/>
+          </a:xfrm>
+          <a:prstGeom prst="line">
+            <a:avLst/>
+          </a:prstGeom>
+        </p:spPr>
+        <p:style>
+          <a:lnRef idx="1">
+            <a:schemeClr val="accent1"/>
+          </a:lnRef>
+          <a:fillRef idx="0">
+            <a:schemeClr val="accent1"/>
+          </a:fillRef>
+          <a:effectRef idx="0">
+            <a:schemeClr val="accent1"/>
+          </a:effectRef>
+          <a:fontRef idx="minor">
+            <a:schemeClr val="tx1"/>
+          </a:fontRef>
+        </p:style>
+      </p:cxnSp>
+      <p:sp>
+        <p:nvSpPr>
+          <p:cNvPr id="14" name="TextBox 13">
+            <a:extLst>
+              <a:ext uri="{FF2B5EF4-FFF2-40B4-BE49-F238E27FC236}">
+                <a16:creationId xmlns:a16="http://schemas.microsoft.com/office/drawing/2014/main" id="{63B4AB36-B54A-EA5C-2A74-F2C80BE0CBC4}"/>
+              </a:ext>
+            </a:extLst>
+          </p:cNvPr>
+          <p:cNvSpPr txBox="1"/>
+          <p:nvPr/>
+        </p:nvSpPr>
+        <p:spPr>
+          <a:xfrm>
+            <a:off x="1390650" y="236792"/>
+            <a:ext cx="6362700" cy="369332"/>
+          </a:xfrm>
+          <a:prstGeom prst="rect">
+            <a:avLst/>
+          </a:prstGeom>
+          <a:noFill/>
+        </p:spPr>
+        <p:txBody>
+          <a:bodyPr wrap="square" rtlCol="0">
+            <a:spAutoFit/>
+          </a:bodyPr>
+          <a:lstStyle/>
+          <a:p>
+            <a:r>
+              <a:rPr lang="en-US" b="1"/>
+              <a:t>TỔNG KẾT</a:t>
+            </a:r>
+          </a:p>
+        </p:txBody>
+      </p:sp>
+      <p:sp>
+        <p:nvSpPr>
+          <p:cNvPr id="4" name="TextBox 3">
+            <a:extLst>
+              <a:ext uri="{FF2B5EF4-FFF2-40B4-BE49-F238E27FC236}">
+                <a16:creationId xmlns:a16="http://schemas.microsoft.com/office/drawing/2014/main" id="{459EF129-6740-B341-7BC7-05D580180742}"/>
+              </a:ext>
+            </a:extLst>
+          </p:cNvPr>
+          <p:cNvSpPr txBox="1"/>
+          <p:nvPr/>
+        </p:nvSpPr>
+        <p:spPr>
+          <a:xfrm>
+            <a:off x="76200" y="1089327"/>
+            <a:ext cx="1055097" cy="369332"/>
+          </a:xfrm>
+          <a:prstGeom prst="rect">
+            <a:avLst/>
+          </a:prstGeom>
+          <a:noFill/>
+        </p:spPr>
+        <p:txBody>
+          <a:bodyPr wrap="none" rtlCol="0">
+            <a:spAutoFit/>
+          </a:bodyPr>
+          <a:lstStyle/>
+          <a:p>
+            <a:r>
+              <a:rPr lang="en-US" i="1"/>
+              <a:t>Khó khăn</a:t>
+            </a:r>
+          </a:p>
+        </p:txBody>
+      </p:sp>
+      <p:cxnSp>
+        <p:nvCxnSpPr>
+          <p:cNvPr id="2" name="Straight Connector 1">
+            <a:extLst>
+              <a:ext uri="{FF2B5EF4-FFF2-40B4-BE49-F238E27FC236}">
+                <a16:creationId xmlns:a16="http://schemas.microsoft.com/office/drawing/2014/main" id="{E84DC22F-1018-3740-66B4-518AAE2387D5}"/>
+              </a:ext>
+            </a:extLst>
+          </p:cNvPr>
+          <p:cNvCxnSpPr>
+            <a:cxnSpLocks/>
+          </p:cNvCxnSpPr>
+          <p:nvPr/>
+        </p:nvCxnSpPr>
+        <p:spPr>
+          <a:xfrm>
+            <a:off x="4752975" y="6238875"/>
+            <a:ext cx="4286250" cy="0"/>
+          </a:xfrm>
+          <a:prstGeom prst="line">
+            <a:avLst/>
+          </a:prstGeom>
+        </p:spPr>
+        <p:style>
+          <a:lnRef idx="1">
+            <a:schemeClr val="accent1"/>
+          </a:lnRef>
+          <a:fillRef idx="0">
+            <a:schemeClr val="accent1"/>
+          </a:fillRef>
+          <a:effectRef idx="0">
+            <a:schemeClr val="accent1"/>
+          </a:effectRef>
+          <a:fontRef idx="minor">
+            <a:schemeClr val="tx1"/>
+          </a:fontRef>
+        </p:style>
+      </p:cxnSp>
+      <p:sp>
+        <p:nvSpPr>
+          <p:cNvPr id="6" name="TextBox 5">
+            <a:extLst>
+              <a:ext uri="{FF2B5EF4-FFF2-40B4-BE49-F238E27FC236}">
+                <a16:creationId xmlns:a16="http://schemas.microsoft.com/office/drawing/2014/main" id="{FD7465EC-84B6-406C-4864-45ADF9FB642F}"/>
+              </a:ext>
+            </a:extLst>
+          </p:cNvPr>
+          <p:cNvSpPr txBox="1"/>
+          <p:nvPr/>
+        </p:nvSpPr>
+        <p:spPr>
+          <a:xfrm>
+            <a:off x="7753350" y="6336334"/>
+            <a:ext cx="1285874" cy="369332"/>
+          </a:xfrm>
+          <a:prstGeom prst="rect">
+            <a:avLst/>
+          </a:prstGeom>
+          <a:noFill/>
+        </p:spPr>
+        <p:txBody>
+          <a:bodyPr wrap="square" rtlCol="0">
+            <a:spAutoFit/>
+          </a:bodyPr>
+          <a:lstStyle/>
+          <a:p>
+            <a:r>
+              <a:rPr lang="en-US"/>
+              <a:t>Trang 27</a:t>
+            </a:r>
+          </a:p>
+        </p:txBody>
+      </p:sp>
+      <p:sp>
+        <p:nvSpPr>
+          <p:cNvPr id="5" name="TextBox 4">
+            <a:extLst>
+              <a:ext uri="{FF2B5EF4-FFF2-40B4-BE49-F238E27FC236}">
+                <a16:creationId xmlns:a16="http://schemas.microsoft.com/office/drawing/2014/main" id="{B124AB6E-B685-3C3C-17A7-881BC0274152}"/>
+              </a:ext>
+            </a:extLst>
+          </p:cNvPr>
+          <p:cNvSpPr txBox="1"/>
+          <p:nvPr/>
+        </p:nvSpPr>
+        <p:spPr>
+          <a:xfrm>
+            <a:off x="606152" y="1844627"/>
+            <a:ext cx="7553109" cy="3331938"/>
+          </a:xfrm>
+          <a:prstGeom prst="rect">
+            <a:avLst/>
+          </a:prstGeom>
+          <a:noFill/>
+        </p:spPr>
+        <p:txBody>
+          <a:bodyPr wrap="square" rtlCol="0">
+            <a:spAutoFit/>
+          </a:bodyPr>
+          <a:lstStyle/>
+          <a:p>
+            <a:pPr marL="285750" indent="-285750">
+              <a:lnSpc>
+                <a:spcPct val="200000"/>
+              </a:lnSpc>
+              <a:buFont typeface="Arial" panose="020B0604020202020204" pitchFamily="34" charset="0"/>
+              <a:buChar char="•"/>
+            </a:pPr>
+            <a:r>
+              <a:rPr lang="en-US">
+                <a:latin typeface="Times New Roman" panose="02020603050405020304" pitchFamily="18" charset="0"/>
+                <a:cs typeface="Times New Roman" panose="02020603050405020304" pitchFamily="18" charset="0"/>
+              </a:rPr>
+              <a:t>Số lượng thành viên nghiên cứu thực tế tương đối ít</a:t>
+            </a:r>
+          </a:p>
+          <a:p>
+            <a:pPr marL="285750" indent="-285750" algn="just">
+              <a:lnSpc>
+                <a:spcPct val="200000"/>
+              </a:lnSpc>
+              <a:buFont typeface="Arial" panose="020B0604020202020204" pitchFamily="34" charset="0"/>
+              <a:buChar char="•"/>
+            </a:pPr>
+            <a:r>
+              <a:rPr lang="en-US">
+                <a:latin typeface="Times New Roman" panose="02020603050405020304" pitchFamily="18" charset="0"/>
+                <a:cs typeface="Times New Roman" panose="02020603050405020304" pitchFamily="18" charset="0"/>
+              </a:rPr>
+              <a:t>Mất nhiều thời gian để ôn tập lại python do các thành viên không xuất phát điểm từ các ngành khoa học máy tính</a:t>
+            </a:r>
+          </a:p>
+          <a:p>
+            <a:pPr marL="285750" indent="-285750">
+              <a:lnSpc>
+                <a:spcPct val="200000"/>
+              </a:lnSpc>
+              <a:buFont typeface="Arial" panose="020B0604020202020204" pitchFamily="34" charset="0"/>
+              <a:buChar char="•"/>
+            </a:pPr>
+            <a:r>
+              <a:rPr lang="en-US">
+                <a:latin typeface="Times New Roman" panose="02020603050405020304" pitchFamily="18" charset="0"/>
+                <a:cs typeface="Times New Roman" panose="02020603050405020304" pitchFamily="18" charset="0"/>
+              </a:rPr>
+              <a:t>Còn nhiều thiếu sót về phân tích đề</a:t>
+            </a:r>
+          </a:p>
+          <a:p>
+            <a:pPr marL="285750" indent="-285750">
+              <a:lnSpc>
+                <a:spcPct val="200000"/>
+              </a:lnSpc>
+              <a:buFont typeface="Arial" panose="020B0604020202020204" pitchFamily="34" charset="0"/>
+              <a:buChar char="•"/>
+            </a:pPr>
+            <a:r>
+              <a:rPr lang="en-US">
+                <a:latin typeface="Times New Roman" panose="02020603050405020304" pitchFamily="18" charset="0"/>
+                <a:cs typeface="Times New Roman" panose="02020603050405020304" pitchFamily="18" charset="0"/>
+              </a:rPr>
+              <a:t>Lượng công việc cho từng thành viên khá lớn</a:t>
+            </a:r>
+          </a:p>
+          <a:p>
+            <a:pPr marL="285750" indent="-285750">
+              <a:lnSpc>
+                <a:spcPct val="200000"/>
+              </a:lnSpc>
+              <a:buFont typeface="Arial" panose="020B0604020202020204" pitchFamily="34" charset="0"/>
+              <a:buChar char="•"/>
+            </a:pPr>
+            <a:r>
+              <a:rPr lang="en-US">
+                <a:latin typeface="Times New Roman" panose="02020603050405020304" pitchFamily="18" charset="0"/>
+                <a:cs typeface="Times New Roman" panose="02020603050405020304" pitchFamily="18" charset="0"/>
+              </a:rPr>
+              <a:t>Dù khó khăn nhưng nhóm vẫn hoàn thành toàn bộ bài tập</a:t>
+            </a:r>
+          </a:p>
+        </p:txBody>
+      </p:sp>
+    </p:spTree>
+    <p:extLst>
+      <p:ext uri="{BB962C8B-B14F-4D97-AF65-F5344CB8AC3E}">
+        <p14:creationId xmlns:p14="http://schemas.microsoft.com/office/powerpoint/2010/main" val="1076178229"/>
+      </p:ext>
+    </p:extLst>
+  </p:cSld>
+  <p:clrMapOvr>
+    <a:masterClrMapping/>
+  </p:clrMapOvr>
+</p:sld>
+</file>
+
+<file path=ppt/slides/slide28.xml><?xml version="1.0" encoding="utf-8"?>
+<p:sld xmlns:a="http://schemas.openxmlformats.org/drawingml/2006/main" xmlns:r="http://schemas.openxmlformats.org/officeDocument/2006/relationships" xmlns:p="http://schemas.openxmlformats.org/presentationml/2006/main">
+  <p:cSld>
+    <p:spTree>
+      <p:nvGrpSpPr>
+        <p:cNvPr id="1" name=""/>
+        <p:cNvGrpSpPr/>
+        <p:nvPr/>
+      </p:nvGrpSpPr>
+      <p:grpSpPr>
+        <a:xfrm>
+          <a:off x="0" y="0"/>
+          <a:ext cx="0" cy="0"/>
+          <a:chOff x="0" y="0"/>
+          <a:chExt cx="0" cy="0"/>
+        </a:xfrm>
+      </p:grpSpPr>
+      <p:pic>
+        <p:nvPicPr>
+          <p:cNvPr id="1034" name="Picture 10">
+            <a:extLst>
+              <a:ext uri="{FF2B5EF4-FFF2-40B4-BE49-F238E27FC236}">
+                <a16:creationId xmlns:a16="http://schemas.microsoft.com/office/drawing/2014/main" id="{6F72484C-A752-76F3-F259-0A997B815A00}"/>
+              </a:ext>
+            </a:extLst>
+          </p:cNvPr>
+          <p:cNvPicPr>
+            <a:picLocks noChangeAspect="1" noChangeArrowheads="1"/>
+          </p:cNvPicPr>
+          <p:nvPr/>
+        </p:nvPicPr>
+        <p:blipFill>
+          <a:blip r:embed="rId2">
+            <a:extLst>
+              <a:ext uri="{28A0092B-C50C-407E-A947-70E740481C1C}">
+                <a14:useLocalDpi xmlns:a14="http://schemas.microsoft.com/office/drawing/2010/main" val="0"/>
+              </a:ext>
+            </a:extLst>
+          </a:blip>
+          <a:srcRect/>
+          <a:stretch>
+            <a:fillRect/>
+          </a:stretch>
+        </p:blipFill>
+        <p:spPr bwMode="auto">
+          <a:xfrm>
+            <a:off x="76200" y="119063"/>
+            <a:ext cx="1114424" cy="614791"/>
+          </a:xfrm>
+          <a:prstGeom prst="rect">
+            <a:avLst/>
+          </a:prstGeom>
+          <a:noFill/>
+          <a:extLst>
+            <a:ext uri="{909E8E84-426E-40DD-AFC4-6F175D3DCCD1}">
+              <a14:hiddenFill xmlns:a14="http://schemas.microsoft.com/office/drawing/2010/main">
+                <a:solidFill>
+                  <a:srgbClr val="FFFFFF"/>
+                </a:solidFill>
+              </a14:hiddenFill>
+            </a:ext>
+          </a:extLst>
+        </p:spPr>
+      </p:pic>
+      <p:cxnSp>
+        <p:nvCxnSpPr>
+          <p:cNvPr id="11" name="Straight Connector 10">
+            <a:extLst>
+              <a:ext uri="{FF2B5EF4-FFF2-40B4-BE49-F238E27FC236}">
+                <a16:creationId xmlns:a16="http://schemas.microsoft.com/office/drawing/2014/main" id="{E5C4A229-E185-5A4B-53B1-81D591292671}"/>
+              </a:ext>
+            </a:extLst>
+          </p:cNvPr>
+          <p:cNvCxnSpPr>
+            <a:cxnSpLocks/>
+          </p:cNvCxnSpPr>
+          <p:nvPr/>
+        </p:nvCxnSpPr>
+        <p:spPr>
+          <a:xfrm>
+            <a:off x="76200" y="847725"/>
+            <a:ext cx="7648575" cy="0"/>
+          </a:xfrm>
+          <a:prstGeom prst="line">
+            <a:avLst/>
+          </a:prstGeom>
+        </p:spPr>
+        <p:style>
+          <a:lnRef idx="1">
+            <a:schemeClr val="accent1"/>
+          </a:lnRef>
+          <a:fillRef idx="0">
+            <a:schemeClr val="accent1"/>
+          </a:fillRef>
+          <a:effectRef idx="0">
+            <a:schemeClr val="accent1"/>
+          </a:effectRef>
+          <a:fontRef idx="minor">
+            <a:schemeClr val="tx1"/>
+          </a:fontRef>
+        </p:style>
+      </p:cxnSp>
+      <p:sp>
+        <p:nvSpPr>
+          <p:cNvPr id="14" name="TextBox 13">
+            <a:extLst>
+              <a:ext uri="{FF2B5EF4-FFF2-40B4-BE49-F238E27FC236}">
+                <a16:creationId xmlns:a16="http://schemas.microsoft.com/office/drawing/2014/main" id="{63B4AB36-B54A-EA5C-2A74-F2C80BE0CBC4}"/>
+              </a:ext>
+            </a:extLst>
+          </p:cNvPr>
+          <p:cNvSpPr txBox="1"/>
+          <p:nvPr/>
+        </p:nvSpPr>
+        <p:spPr>
+          <a:xfrm>
+            <a:off x="1390650" y="236792"/>
+            <a:ext cx="6362700" cy="369332"/>
+          </a:xfrm>
+          <a:prstGeom prst="rect">
+            <a:avLst/>
+          </a:prstGeom>
+          <a:noFill/>
+        </p:spPr>
+        <p:txBody>
+          <a:bodyPr wrap="square" rtlCol="0">
+            <a:spAutoFit/>
+          </a:bodyPr>
+          <a:lstStyle/>
+          <a:p>
+            <a:r>
+              <a:rPr lang="en-US" b="1"/>
               <a:t>TRÍCH DẪN</a:t>
             </a:r>
           </a:p>
@@ -15632,7 +16451,7 @@
             </a:r>
             <a:r>
               <a:rPr lang="en-US"/>
-              <a:t>Trang 26</a:t>
+              <a:t>Trang 28</a:t>
             </a:r>
           </a:p>
         </p:txBody>
